--- a/13/slides.pptx
+++ b/13/slides.pptx
@@ -8,7 +8,7 @@
     <p:notesMasterId r:id="rId22"/>
   </p:notesMasterIdLst>
   <p:handoutMasterIdLst>
-    <p:handoutMasterId r:id="rId23"/>
+    <p:handoutMasterId r:id="rId29"/>
   </p:handoutMasterIdLst>
   <p:sldIdLst>
     <p:sldId id="256" r:id="rId3"/>
@@ -30,6 +30,12 @@
     <p:sldId id="275" r:id="rId19"/>
     <p:sldId id="276" r:id="rId20"/>
     <p:sldId id="277" r:id="rId21"/>
+    <p:sldId id="278" r:id="rId23"/>
+    <p:sldId id="279" r:id="rId24"/>
+    <p:sldId id="280" r:id="rId25"/>
+    <p:sldId id="283" r:id="rId26"/>
+    <p:sldId id="281" r:id="rId27"/>
+    <p:sldId id="287" r:id="rId28"/>
   </p:sldIdLst>
   <p:sldSz cx="12192000" cy="6858000"/>
   <p:notesSz cx="7103745" cy="10234295"/>
@@ -637,6 +643,94 @@
 </file>
 
 <file path=ppt/notesSlides/notesSlide1.xml><?xml version="1.0" encoding="utf-8"?>
+<p:notes xmlns:a="http://schemas.openxmlformats.org/drawingml/2006/main" xmlns:r="http://schemas.openxmlformats.org/officeDocument/2006/relationships" xmlns:p="http://schemas.openxmlformats.org/presentationml/2006/main">
+  <p:cSld>
+    <p:spTree>
+      <p:nvGrpSpPr>
+        <p:cNvPr id="1" name=""/>
+        <p:cNvGrpSpPr/>
+        <p:nvPr/>
+      </p:nvGrpSpPr>
+      <p:grpSpPr/>
+      <p:sp>
+        <p:nvSpPr>
+          <p:cNvPr id="2" name="Slide Image Placeholder 1"/>
+          <p:cNvSpPr/>
+          <p:nvPr>
+            <p:ph type="sldImg" idx="2"/>
+          </p:nvPr>
+        </p:nvSpPr>
+        <p:spPr/>
+      </p:sp>
+      <p:sp>
+        <p:nvSpPr>
+          <p:cNvPr id="3" name="Text Placeholder 2"/>
+          <p:cNvSpPr/>
+          <p:nvPr>
+            <p:ph type="body" idx="3"/>
+          </p:nvPr>
+        </p:nvSpPr>
+        <p:spPr/>
+        <p:txBody>
+          <a:bodyPr/>
+          <a:p>
+            <a:endParaRPr lang="en-US"/>
+          </a:p>
+        </p:txBody>
+      </p:sp>
+    </p:spTree>
+  </p:cSld>
+  <p:clrMapOvr>
+    <a:masterClrMapping/>
+  </p:clrMapOvr>
+</p:notes>
+</file>
+
+<file path=ppt/notesSlides/notesSlide2.xml><?xml version="1.0" encoding="utf-8"?>
+<p:notes xmlns:a="http://schemas.openxmlformats.org/drawingml/2006/main" xmlns:r="http://schemas.openxmlformats.org/officeDocument/2006/relationships" xmlns:p="http://schemas.openxmlformats.org/presentationml/2006/main">
+  <p:cSld>
+    <p:spTree>
+      <p:nvGrpSpPr>
+        <p:cNvPr id="1" name=""/>
+        <p:cNvGrpSpPr/>
+        <p:nvPr/>
+      </p:nvGrpSpPr>
+      <p:grpSpPr/>
+      <p:sp>
+        <p:nvSpPr>
+          <p:cNvPr id="2" name="Slide Image Placeholder 1"/>
+          <p:cNvSpPr/>
+          <p:nvPr>
+            <p:ph type="sldImg" idx="2"/>
+          </p:nvPr>
+        </p:nvSpPr>
+        <p:spPr/>
+      </p:sp>
+      <p:sp>
+        <p:nvSpPr>
+          <p:cNvPr id="3" name="Text Placeholder 2"/>
+          <p:cNvSpPr/>
+          <p:nvPr>
+            <p:ph type="body" idx="3"/>
+          </p:nvPr>
+        </p:nvSpPr>
+        <p:spPr/>
+        <p:txBody>
+          <a:bodyPr/>
+          <a:p>
+            <a:endParaRPr lang="en-US"/>
+          </a:p>
+        </p:txBody>
+      </p:sp>
+    </p:spTree>
+  </p:cSld>
+  <p:clrMapOvr>
+    <a:masterClrMapping/>
+  </p:clrMapOvr>
+</p:notes>
+</file>
+
+<file path=ppt/notesSlides/notesSlide3.xml><?xml version="1.0" encoding="utf-8"?>
 <p:notes xmlns:a="http://schemas.openxmlformats.org/drawingml/2006/main" xmlns:r="http://schemas.openxmlformats.org/officeDocument/2006/relationships" xmlns:p="http://schemas.openxmlformats.org/presentationml/2006/main">
   <p:cSld>
     <p:spTree>
@@ -5710,7 +5804,7 @@
         </p:blipFill>
         <p:spPr>
           <a:xfrm>
-            <a:off x="6586220" y="5934075"/>
+            <a:off x="6586220" y="5944235"/>
             <a:ext cx="4114800" cy="923925"/>
           </a:xfrm>
           <a:prstGeom prst="rect">
@@ -5774,8 +5868,8 @@
         </p:nvSpPr>
         <p:spPr>
           <a:xfrm>
-            <a:off x="331470" y="1459230"/>
-            <a:ext cx="5274310" cy="5085080"/>
+            <a:off x="635" y="1500505"/>
+            <a:ext cx="5728970" cy="5085080"/>
           </a:xfrm>
         </p:spPr>
         <p:txBody>
@@ -5842,7 +5936,7 @@
           <a:p>
             <a:r>
               <a:rPr lang="zh-CN" altLang="en-US"/>
-              <a:t>可以用：</a:t>
+              <a:t>但还是可以用这种写法强制调用显式构造函数：</a:t>
             </a:r>
             <a:endParaRPr lang="en-US" altLang="zh-CN"/>
           </a:p>
@@ -5856,7 +5950,7 @@
                 </a:solidFill>
                 <a:sym typeface="+mn-ea"/>
               </a:rPr>
-              <a:t>vector&lt;int&gt; a(4);</a:t>
+              <a:t>vector&lt;int&gt; a = vector&lt;int&gt;(4);</a:t>
             </a:r>
             <a:endParaRPr lang="en-US" altLang="zh-CN">
               <a:solidFill>
@@ -5955,7 +6049,7 @@
         </p:blipFill>
         <p:spPr>
           <a:xfrm>
-            <a:off x="5730240" y="2209165"/>
+            <a:off x="5812155" y="2209165"/>
             <a:ext cx="5685155" cy="3460750"/>
           </a:xfrm>
           <a:prstGeom prst="rect">
@@ -5979,7 +6073,7 @@
         </p:blipFill>
         <p:spPr>
           <a:xfrm>
-            <a:off x="6697345" y="5819775"/>
+            <a:off x="6578600" y="5819775"/>
             <a:ext cx="4152900" cy="1038225"/>
           </a:xfrm>
           <a:prstGeom prst="rect">
@@ -6127,6 +6221,977 @@
           </a:fontRef>
         </p:style>
       </p:cxnSp>
+    </p:spTree>
+  </p:cSld>
+  <p:clrMapOvr>
+    <a:masterClrMapping/>
+  </p:clrMapOvr>
+</p:sld>
+</file>
+
+<file path=ppt/slides/slide20.xml><?xml version="1.0" encoding="utf-8"?>
+<p:sld xmlns:a="http://schemas.openxmlformats.org/drawingml/2006/main" xmlns:r="http://schemas.openxmlformats.org/officeDocument/2006/relationships" xmlns:p="http://schemas.openxmlformats.org/presentationml/2006/main">
+  <p:cSld>
+    <p:spTree>
+      <p:nvGrpSpPr>
+        <p:cNvPr id="1" name=""/>
+        <p:cNvGrpSpPr/>
+        <p:nvPr/>
+      </p:nvGrpSpPr>
+      <p:grpSpPr/>
+      <p:sp>
+        <p:nvSpPr>
+          <p:cNvPr id="2" name="Title 1"/>
+          <p:cNvSpPr>
+            <a:spLocks noGrp="1"/>
+          </p:cNvSpPr>
+          <p:nvPr>
+            <p:ph type="title"/>
+          </p:nvPr>
+        </p:nvSpPr>
+        <p:spPr/>
+        <p:txBody>
+          <a:bodyPr/>
+          <a:p>
+            <a:r>
+              <a:rPr lang="en-US"/>
+              <a:t>vector </a:t>
+            </a:r>
+            <a:r>
+              <a:rPr lang="zh-CN" altLang="en-US"/>
+              <a:t>容器</a:t>
+            </a:r>
+            <a:endParaRPr lang="zh-CN" altLang="en-US"/>
+          </a:p>
+        </p:txBody>
+      </p:sp>
+      <p:sp>
+        <p:nvSpPr>
+          <p:cNvPr id="3" name="Content Placeholder 2"/>
+          <p:cNvSpPr>
+            <a:spLocks noGrp="1"/>
+          </p:cNvSpPr>
+          <p:nvPr>
+            <p:ph sz="half" idx="1"/>
+          </p:nvPr>
+        </p:nvSpPr>
+        <p:spPr>
+          <a:xfrm>
+            <a:off x="635" y="1500505"/>
+            <a:ext cx="5728970" cy="5085080"/>
+          </a:xfrm>
+        </p:spPr>
+        <p:txBody>
+          <a:bodyPr>
+            <a:normAutofit lnSpcReduction="20000"/>
+          </a:bodyPr>
+          <a:p>
+            <a:r>
+              <a:rPr lang="zh-CN">
+                <a:sym typeface="+mn-ea"/>
+              </a:rPr>
+              <a:t>这在对于只能用花括号初始化的类成员来说，就有很大问题</a:t>
+            </a:r>
+            <a:r>
+              <a:rPr lang="zh-CN" altLang="en-US"/>
+              <a:t>：</a:t>
+            </a:r>
+            <a:endParaRPr lang="zh-CN" altLang="en-US"/>
+          </a:p>
+          <a:p>
+            <a:r>
+              <a:rPr lang="en-US" altLang="zh-CN">
+                <a:solidFill>
+                  <a:schemeClr val="accent5">
+                    <a:lumMod val="75000"/>
+                  </a:schemeClr>
+                </a:solidFill>
+                <a:sym typeface="+mn-ea"/>
+              </a:rPr>
+              <a:t>vector&lt;int&gt; a{4};</a:t>
+            </a:r>
+            <a:endParaRPr lang="en-US" altLang="zh-CN">
+              <a:solidFill>
+                <a:schemeClr val="accent5">
+                  <a:lumMod val="75000"/>
+                </a:schemeClr>
+              </a:solidFill>
+              <a:sym typeface="+mn-ea"/>
+            </a:endParaRPr>
+          </a:p>
+          <a:p>
+            <a:r>
+              <a:rPr lang="zh-CN" altLang="en-US"/>
+              <a:t>会得到长度为</a:t>
+            </a:r>
+            <a:r>
+              <a:rPr lang="en-US" altLang="zh-CN"/>
+              <a:t> 1 </a:t>
+            </a:r>
+            <a:r>
+              <a:rPr lang="zh-CN" altLang="en-US"/>
+              <a:t>只有一个元素</a:t>
+            </a:r>
+            <a:r>
+              <a:rPr lang="en-US" altLang="zh-CN"/>
+              <a:t> 4 </a:t>
+            </a:r>
+            <a:r>
+              <a:rPr lang="zh-CN" altLang="en-US"/>
+              <a:t>的数组。</a:t>
+            </a:r>
+            <a:endParaRPr lang="zh-CN" altLang="en-US"/>
+          </a:p>
+          <a:p>
+            <a:r>
+              <a:rPr lang="zh-CN" altLang="en-US"/>
+              <a:t>但还是可以用这种写法强制调用显式构造函数：</a:t>
+            </a:r>
+            <a:endParaRPr lang="en-US" altLang="zh-CN"/>
+          </a:p>
+          <a:p>
+            <a:r>
+              <a:rPr lang="en-US" altLang="zh-CN">
+                <a:solidFill>
+                  <a:schemeClr val="accent5">
+                    <a:lumMod val="75000"/>
+                  </a:schemeClr>
+                </a:solidFill>
+                <a:sym typeface="+mn-ea"/>
+              </a:rPr>
+              <a:t>vector&lt;int&gt; a = vector&lt;int&gt;(4);</a:t>
+            </a:r>
+            <a:endParaRPr lang="en-US" altLang="zh-CN">
+              <a:solidFill>
+                <a:schemeClr val="accent5">
+                  <a:lumMod val="75000"/>
+                </a:schemeClr>
+              </a:solidFill>
+              <a:sym typeface="+mn-ea"/>
+            </a:endParaRPr>
+          </a:p>
+          <a:p>
+            <a:r>
+              <a:rPr lang="zh-CN" altLang="en-US">
+                <a:sym typeface="+mn-ea"/>
+              </a:rPr>
+              <a:t>会得到长度为</a:t>
+            </a:r>
+            <a:r>
+              <a:rPr lang="en-US" altLang="zh-CN">
+                <a:sym typeface="+mn-ea"/>
+              </a:rPr>
+              <a:t> 4 </a:t>
+            </a:r>
+            <a:r>
+              <a:rPr lang="zh-CN" altLang="en-US">
+                <a:sym typeface="+mn-ea"/>
+              </a:rPr>
+              <a:t>元素全为</a:t>
+            </a:r>
+            <a:r>
+              <a:rPr lang="en-US" altLang="zh-CN">
+                <a:sym typeface="+mn-ea"/>
+              </a:rPr>
+              <a:t> 0 </a:t>
+            </a:r>
+            <a:r>
+              <a:rPr lang="zh-CN" altLang="en-US">
+                <a:sym typeface="+mn-ea"/>
+              </a:rPr>
+              <a:t>的数组。</a:t>
+            </a:r>
+            <a:endParaRPr lang="zh-CN" altLang="en-US"/>
+          </a:p>
+          <a:p>
+            <a:r>
+              <a:rPr lang="en-US" altLang="zh-CN">
+                <a:solidFill>
+                  <a:schemeClr val="bg1">
+                    <a:lumMod val="65000"/>
+                  </a:schemeClr>
+                </a:solidFill>
+                <a:sym typeface="+mn-ea"/>
+              </a:rPr>
+              <a:t>vector(initializer_list&lt;int&gt; list);</a:t>
+            </a:r>
+            <a:endParaRPr lang="en-US" altLang="zh-CN">
+              <a:solidFill>
+                <a:schemeClr val="bg1">
+                  <a:lumMod val="65000"/>
+                </a:schemeClr>
+              </a:solidFill>
+              <a:sym typeface="+mn-ea"/>
+            </a:endParaRPr>
+          </a:p>
+          <a:p>
+            <a:r>
+              <a:rPr lang="en-US" altLang="zh-CN">
+                <a:solidFill>
+                  <a:schemeClr val="bg1">
+                    <a:lumMod val="65000"/>
+                  </a:schemeClr>
+                </a:solidFill>
+                <a:sym typeface="+mn-ea"/>
+              </a:rPr>
+              <a:t>explicit vector(size_t n);</a:t>
+            </a:r>
+            <a:endParaRPr lang="en-US" altLang="zh-CN"/>
+          </a:p>
+        </p:txBody>
+      </p:sp>
+      <p:pic>
+        <p:nvPicPr>
+          <p:cNvPr id="6" name="Content Placeholder 5"/>
+          <p:cNvPicPr>
+            <a:picLocks noChangeAspect="1"/>
+          </p:cNvPicPr>
+          <p:nvPr>
+            <p:ph sz="half" idx="2"/>
+          </p:nvPr>
+        </p:nvPicPr>
+        <p:blipFill>
+          <a:blip r:embed="rId1"/>
+          <a:stretch>
+            <a:fillRect/>
+          </a:stretch>
+        </p:blipFill>
+        <p:spPr>
+          <a:xfrm>
+            <a:off x="5727700" y="2176145"/>
+            <a:ext cx="5854700" cy="3528060"/>
+          </a:xfrm>
+          <a:prstGeom prst="rect">
+            <a:avLst/>
+          </a:prstGeom>
+        </p:spPr>
+      </p:pic>
+      <p:pic>
+        <p:nvPicPr>
+          <p:cNvPr id="7" name="Picture 6"/>
+          <p:cNvPicPr>
+            <a:picLocks noChangeAspect="1"/>
+          </p:cNvPicPr>
+          <p:nvPr/>
+        </p:nvPicPr>
+        <p:blipFill>
+          <a:blip r:embed="rId2"/>
+          <a:stretch>
+            <a:fillRect/>
+          </a:stretch>
+        </p:blipFill>
+        <p:spPr>
+          <a:xfrm>
+            <a:off x="6696710" y="5895975"/>
+            <a:ext cx="4109720" cy="972185"/>
+          </a:xfrm>
+          <a:prstGeom prst="rect">
+            <a:avLst/>
+          </a:prstGeom>
+        </p:spPr>
+      </p:pic>
+    </p:spTree>
+  </p:cSld>
+  <p:clrMapOvr>
+    <a:masterClrMapping/>
+  </p:clrMapOvr>
+</p:sld>
+</file>
+
+<file path=ppt/slides/slide21.xml><?xml version="1.0" encoding="utf-8"?>
+<p:sld xmlns:a="http://schemas.openxmlformats.org/drawingml/2006/main" xmlns:r="http://schemas.openxmlformats.org/officeDocument/2006/relationships" xmlns:p="http://schemas.openxmlformats.org/presentationml/2006/main">
+  <p:cSld>
+    <p:spTree>
+      <p:nvGrpSpPr>
+        <p:cNvPr id="1" name=""/>
+        <p:cNvGrpSpPr/>
+        <p:nvPr/>
+      </p:nvGrpSpPr>
+      <p:grpSpPr/>
+      <p:sp>
+        <p:nvSpPr>
+          <p:cNvPr id="2" name="Title 1"/>
+          <p:cNvSpPr>
+            <a:spLocks noGrp="1"/>
+          </p:cNvSpPr>
+          <p:nvPr>
+            <p:ph type="title"/>
+          </p:nvPr>
+        </p:nvSpPr>
+        <p:spPr/>
+        <p:txBody>
+          <a:bodyPr/>
+          <a:p>
+            <a:r>
+              <a:rPr lang="en-US"/>
+              <a:t>vector </a:t>
+            </a:r>
+            <a:r>
+              <a:rPr lang="zh-CN" altLang="en-US"/>
+              <a:t>容器</a:t>
+            </a:r>
+            <a:endParaRPr lang="zh-CN" altLang="en-US"/>
+          </a:p>
+        </p:txBody>
+      </p:sp>
+      <p:sp>
+        <p:nvSpPr>
+          <p:cNvPr id="3" name="Content Placeholder 2"/>
+          <p:cNvSpPr>
+            <a:spLocks noGrp="1"/>
+          </p:cNvSpPr>
+          <p:nvPr>
+            <p:ph sz="half" idx="1"/>
+          </p:nvPr>
+        </p:nvSpPr>
+        <p:spPr>
+          <a:xfrm>
+            <a:off x="419100" y="1825625"/>
+            <a:ext cx="5181600" cy="4351338"/>
+          </a:xfrm>
+        </p:spPr>
+        <p:txBody>
+          <a:bodyPr/>
+          <a:p>
+            <a:r>
+              <a:rPr lang="zh-CN" altLang="en-US"/>
+              <a:t>添加一个运算符重载用于打印</a:t>
+            </a:r>
+            <a:r>
+              <a:rPr lang="en-US" altLang="zh-CN"/>
+              <a:t> vector </a:t>
+            </a:r>
+            <a:r>
+              <a:rPr lang="zh-CN" altLang="en-US"/>
+              <a:t>类型。</a:t>
+            </a:r>
+            <a:endParaRPr lang="zh-CN" altLang="en-US"/>
+          </a:p>
+        </p:txBody>
+      </p:sp>
+      <p:pic>
+        <p:nvPicPr>
+          <p:cNvPr id="7" name="Content Placeholder 6"/>
+          <p:cNvPicPr>
+            <a:picLocks noChangeAspect="1"/>
+          </p:cNvPicPr>
+          <p:nvPr>
+            <p:ph sz="half" idx="2"/>
+          </p:nvPr>
+        </p:nvPicPr>
+        <p:blipFill>
+          <a:blip r:embed="rId1"/>
+          <a:stretch>
+            <a:fillRect/>
+          </a:stretch>
+        </p:blipFill>
+        <p:spPr>
+          <a:xfrm>
+            <a:off x="5829300" y="1195070"/>
+            <a:ext cx="6137910" cy="4982210"/>
+          </a:xfrm>
+          <a:prstGeom prst="rect">
+            <a:avLst/>
+          </a:prstGeom>
+        </p:spPr>
+      </p:pic>
+      <p:pic>
+        <p:nvPicPr>
+          <p:cNvPr id="8" name="Picture 7"/>
+          <p:cNvPicPr>
+            <a:picLocks noChangeAspect="1"/>
+          </p:cNvPicPr>
+          <p:nvPr/>
+        </p:nvPicPr>
+        <p:blipFill>
+          <a:blip r:embed="rId2"/>
+          <a:stretch>
+            <a:fillRect/>
+          </a:stretch>
+        </p:blipFill>
+        <p:spPr>
+          <a:xfrm>
+            <a:off x="1456690" y="2926715"/>
+            <a:ext cx="3106420" cy="2802890"/>
+          </a:xfrm>
+          <a:prstGeom prst="rect">
+            <a:avLst/>
+          </a:prstGeom>
+        </p:spPr>
+      </p:pic>
+    </p:spTree>
+  </p:cSld>
+  <p:clrMapOvr>
+    <a:masterClrMapping/>
+  </p:clrMapOvr>
+</p:sld>
+</file>
+
+<file path=ppt/slides/slide22.xml><?xml version="1.0" encoding="utf-8"?>
+<p:sld xmlns:a="http://schemas.openxmlformats.org/drawingml/2006/main" xmlns:r="http://schemas.openxmlformats.org/officeDocument/2006/relationships" xmlns:p="http://schemas.openxmlformats.org/presentationml/2006/main">
+  <p:cSld>
+    <p:spTree>
+      <p:nvGrpSpPr>
+        <p:cNvPr id="1" name=""/>
+        <p:cNvGrpSpPr/>
+        <p:nvPr/>
+      </p:nvGrpSpPr>
+      <p:grpSpPr/>
+      <p:sp>
+        <p:nvSpPr>
+          <p:cNvPr id="2" name="Title 1"/>
+          <p:cNvSpPr>
+            <a:spLocks noGrp="1"/>
+          </p:cNvSpPr>
+          <p:nvPr>
+            <p:ph type="title"/>
+          </p:nvPr>
+        </p:nvSpPr>
+        <p:spPr/>
+        <p:txBody>
+          <a:bodyPr/>
+          <a:p>
+            <a:r>
+              <a:rPr lang="en-US"/>
+              <a:t>vector </a:t>
+            </a:r>
+            <a:r>
+              <a:rPr lang="zh-CN" altLang="en-US"/>
+              <a:t>容器</a:t>
+            </a:r>
+            <a:endParaRPr lang="zh-CN" altLang="en-US"/>
+          </a:p>
+        </p:txBody>
+      </p:sp>
+      <p:sp>
+        <p:nvSpPr>
+          <p:cNvPr id="3" name="Content Placeholder 2"/>
+          <p:cNvSpPr>
+            <a:spLocks noGrp="1"/>
+          </p:cNvSpPr>
+          <p:nvPr>
+            <p:ph sz="half" idx="1"/>
+          </p:nvPr>
+        </p:nvSpPr>
+        <p:spPr>
+          <a:xfrm>
+            <a:off x="647700" y="1825625"/>
+            <a:ext cx="5774055" cy="4351655"/>
+          </a:xfrm>
+        </p:spPr>
+        <p:txBody>
+          <a:bodyPr/>
+          <a:p>
+            <a:r>
+              <a:rPr lang="en-US" altLang="zh-CN"/>
+              <a:t>vector </a:t>
+            </a:r>
+            <a:r>
+              <a:rPr lang="zh-CN" altLang="en-US"/>
+              <a:t>的这个显式构造函数，默认会把所有元素都初始化为</a:t>
+            </a:r>
+            <a:r>
+              <a:rPr lang="en-US" altLang="zh-CN"/>
+              <a:t> 0</a:t>
+            </a:r>
+            <a:r>
+              <a:rPr lang="zh-CN" altLang="en-US"/>
+              <a:t>（不必手动去</a:t>
+            </a:r>
+            <a:r>
+              <a:rPr lang="en-US" altLang="zh-CN"/>
+              <a:t> memset</a:t>
+            </a:r>
+            <a:r>
+              <a:rPr lang="zh-CN" altLang="en-US"/>
+              <a:t>）。</a:t>
+            </a:r>
+            <a:endParaRPr lang="zh-CN" altLang="en-US"/>
+          </a:p>
+          <a:p>
+            <a:r>
+              <a:rPr lang="zh-CN" altLang="en-US"/>
+              <a:t>如果是其他自定义类，则会调用元素的默认构造函数（例如：数字类型会初始化为</a:t>
+            </a:r>
+            <a:r>
+              <a:rPr lang="en-US" altLang="zh-CN"/>
+              <a:t> 0</a:t>
+            </a:r>
+            <a:r>
+              <a:rPr lang="zh-CN" altLang="en-US"/>
+              <a:t>，</a:t>
+            </a:r>
+            <a:r>
+              <a:rPr lang="en-US" altLang="zh-CN"/>
+              <a:t>string </a:t>
+            </a:r>
+            <a:r>
+              <a:rPr lang="zh-CN" altLang="en-US"/>
+              <a:t>会初始化为空字符串，指针类型会初始化为</a:t>
+            </a:r>
+            <a:r>
+              <a:rPr lang="en-US" altLang="zh-CN"/>
+              <a:t> nullptr</a:t>
+            </a:r>
+            <a:r>
+              <a:rPr lang="zh-CN" altLang="en-US"/>
+              <a:t>）</a:t>
+            </a:r>
+            <a:endParaRPr lang="en-US"/>
+          </a:p>
+          <a:p>
+            <a:r>
+              <a:rPr lang="en-US" altLang="zh-CN">
+                <a:solidFill>
+                  <a:schemeClr val="bg1">
+                    <a:lumMod val="65000"/>
+                  </a:schemeClr>
+                </a:solidFill>
+                <a:sym typeface="+mn-ea"/>
+              </a:rPr>
+              <a:t>explicit vector(size_t n);</a:t>
+            </a:r>
+            <a:endParaRPr lang="en-US"/>
+          </a:p>
+        </p:txBody>
+      </p:sp>
+      <p:pic>
+        <p:nvPicPr>
+          <p:cNvPr id="5" name="Content Placeholder 4"/>
+          <p:cNvPicPr>
+            <a:picLocks noChangeAspect="1"/>
+          </p:cNvPicPr>
+          <p:nvPr>
+            <p:ph sz="half" idx="2"/>
+          </p:nvPr>
+        </p:nvPicPr>
+        <p:blipFill>
+          <a:blip r:embed="rId1"/>
+          <a:stretch>
+            <a:fillRect/>
+          </a:stretch>
+        </p:blipFill>
+        <p:spPr>
+          <a:xfrm>
+            <a:off x="6701790" y="2068195"/>
+            <a:ext cx="3741420" cy="3375660"/>
+          </a:xfrm>
+          <a:prstGeom prst="rect">
+            <a:avLst/>
+          </a:prstGeom>
+        </p:spPr>
+      </p:pic>
+      <p:pic>
+        <p:nvPicPr>
+          <p:cNvPr id="9" name="Picture 8"/>
+          <p:cNvPicPr>
+            <a:picLocks noChangeAspect="1"/>
+          </p:cNvPicPr>
+          <p:nvPr/>
+        </p:nvPicPr>
+        <p:blipFill>
+          <a:blip r:embed="rId2"/>
+          <a:stretch>
+            <a:fillRect/>
+          </a:stretch>
+        </p:blipFill>
+        <p:spPr>
+          <a:xfrm>
+            <a:off x="6486525" y="5756910"/>
+            <a:ext cx="4171950" cy="781050"/>
+          </a:xfrm>
+          <a:prstGeom prst="rect">
+            <a:avLst/>
+          </a:prstGeom>
+        </p:spPr>
+      </p:pic>
+    </p:spTree>
+  </p:cSld>
+  <p:clrMapOvr>
+    <a:masterClrMapping/>
+  </p:clrMapOvr>
+</p:sld>
+</file>
+
+<file path=ppt/slides/slide23.xml><?xml version="1.0" encoding="utf-8"?>
+<p:sld xmlns:a="http://schemas.openxmlformats.org/drawingml/2006/main" xmlns:r="http://schemas.openxmlformats.org/officeDocument/2006/relationships" xmlns:p="http://schemas.openxmlformats.org/presentationml/2006/main">
+  <p:cSld>
+    <p:spTree>
+      <p:nvGrpSpPr>
+        <p:cNvPr id="1" name=""/>
+        <p:cNvGrpSpPr/>
+        <p:nvPr/>
+      </p:nvGrpSpPr>
+      <p:grpSpPr/>
+      <p:sp>
+        <p:nvSpPr>
+          <p:cNvPr id="2" name="Title 1"/>
+          <p:cNvSpPr>
+            <a:spLocks noGrp="1"/>
+          </p:cNvSpPr>
+          <p:nvPr>
+            <p:ph type="title"/>
+          </p:nvPr>
+        </p:nvSpPr>
+        <p:spPr/>
+        <p:txBody>
+          <a:bodyPr/>
+          <a:p>
+            <a:r>
+              <a:rPr lang="en-US"/>
+              <a:t>vector </a:t>
+            </a:r>
+            <a:r>
+              <a:rPr lang="zh-CN" altLang="en-US"/>
+              <a:t>容器</a:t>
+            </a:r>
+            <a:endParaRPr lang="zh-CN" altLang="en-US"/>
+          </a:p>
+        </p:txBody>
+      </p:sp>
+      <p:sp>
+        <p:nvSpPr>
+          <p:cNvPr id="3" name="Content Placeholder 2"/>
+          <p:cNvSpPr>
+            <a:spLocks noGrp="1"/>
+          </p:cNvSpPr>
+          <p:nvPr>
+            <p:ph sz="half" idx="1"/>
+          </p:nvPr>
+        </p:nvSpPr>
+        <p:spPr>
+          <a:xfrm>
+            <a:off x="647700" y="1825625"/>
+            <a:ext cx="5774055" cy="4351655"/>
+          </a:xfrm>
+        </p:spPr>
+        <p:txBody>
+          <a:bodyPr/>
+          <a:p>
+            <a:r>
+              <a:rPr lang="zh-CN" altLang="en-US">
+                <a:sym typeface="+mn-ea"/>
+              </a:rPr>
+              <a:t>这个显式构造函数</a:t>
+            </a:r>
+            <a:r>
+              <a:rPr lang="zh-CN"/>
+              <a:t>还可以指定第二个参数，这样就可以用</a:t>
+            </a:r>
+            <a:r>
+              <a:rPr lang="en-US" altLang="zh-CN"/>
+              <a:t> 0 </a:t>
+            </a:r>
+            <a:r>
+              <a:rPr lang="zh-CN" altLang="en-US"/>
+              <a:t>以外的值初始化整个数组了。</a:t>
+            </a:r>
+            <a:endParaRPr lang="zh-CN" altLang="en-US"/>
+          </a:p>
+          <a:p>
+            <a:r>
+              <a:rPr lang="zh-CN" altLang="en-US"/>
+              <a:t>比如要创建</a:t>
+            </a:r>
+            <a:r>
+              <a:rPr lang="en-US" altLang="zh-CN"/>
+              <a:t> 4 </a:t>
+            </a:r>
+            <a:r>
+              <a:rPr lang="zh-CN" altLang="en-US"/>
+              <a:t>个</a:t>
+            </a:r>
+            <a:r>
+              <a:rPr lang="en-US" altLang="zh-CN"/>
+              <a:t> 233 </a:t>
+            </a:r>
+            <a:r>
+              <a:rPr lang="zh-CN" altLang="en-US"/>
+              <a:t>组成的数组就可以写：</a:t>
+            </a:r>
+            <a:endParaRPr lang="zh-CN" altLang="en-US"/>
+          </a:p>
+          <a:p>
+            <a:r>
+              <a:rPr lang="en-US" altLang="zh-CN">
+                <a:solidFill>
+                  <a:schemeClr val="accent5">
+                    <a:lumMod val="75000"/>
+                  </a:schemeClr>
+                </a:solidFill>
+              </a:rPr>
+              <a:t>vector&lt;int&gt; a(4, 233);</a:t>
+            </a:r>
+            <a:endParaRPr lang="en-US" altLang="zh-CN">
+              <a:solidFill>
+                <a:schemeClr val="accent5">
+                  <a:lumMod val="75000"/>
+                </a:schemeClr>
+              </a:solidFill>
+            </a:endParaRPr>
+          </a:p>
+          <a:p>
+            <a:r>
+              <a:rPr lang="zh-CN" altLang="en-US"/>
+              <a:t>等价于</a:t>
+            </a:r>
+            <a:endParaRPr lang="zh-CN" altLang="en-US"/>
+          </a:p>
+          <a:p>
+            <a:r>
+              <a:rPr lang="en-US" altLang="zh-CN">
+                <a:solidFill>
+                  <a:schemeClr val="accent5">
+                    <a:lumMod val="75000"/>
+                  </a:schemeClr>
+                </a:solidFill>
+              </a:rPr>
+              <a:t>vector&lt;int&gt; a = {233, 233, 233, 233};</a:t>
+            </a:r>
+            <a:endParaRPr lang="zh-CN"/>
+          </a:p>
+          <a:p>
+            <a:r>
+              <a:rPr lang="en-US" altLang="zh-CN">
+                <a:solidFill>
+                  <a:schemeClr val="bg1">
+                    <a:lumMod val="65000"/>
+                  </a:schemeClr>
+                </a:solidFill>
+                <a:sym typeface="+mn-ea"/>
+              </a:rPr>
+              <a:t>explicit vector(size_t n, int const &amp;val);</a:t>
+            </a:r>
+            <a:endParaRPr lang="en-US"/>
+          </a:p>
+        </p:txBody>
+      </p:sp>
+      <p:pic>
+        <p:nvPicPr>
+          <p:cNvPr id="5" name="Content Placeholder 4"/>
+          <p:cNvPicPr>
+            <a:picLocks noChangeAspect="1"/>
+          </p:cNvPicPr>
+          <p:nvPr>
+            <p:ph sz="half" idx="2"/>
+          </p:nvPr>
+        </p:nvPicPr>
+        <p:blipFill>
+          <a:blip r:embed="rId1"/>
+          <a:stretch>
+            <a:fillRect/>
+          </a:stretch>
+        </p:blipFill>
+        <p:spPr>
+          <a:xfrm>
+            <a:off x="6701790" y="2068195"/>
+            <a:ext cx="3741420" cy="3375660"/>
+          </a:xfrm>
+          <a:prstGeom prst="rect">
+            <a:avLst/>
+          </a:prstGeom>
+        </p:spPr>
+      </p:pic>
+      <p:pic>
+        <p:nvPicPr>
+          <p:cNvPr id="4" name="Picture 3"/>
+          <p:cNvPicPr>
+            <a:picLocks noChangeAspect="1"/>
+          </p:cNvPicPr>
+          <p:nvPr/>
+        </p:nvPicPr>
+        <p:blipFill>
+          <a:blip r:embed="rId2"/>
+          <a:stretch>
+            <a:fillRect/>
+          </a:stretch>
+        </p:blipFill>
+        <p:spPr>
+          <a:xfrm>
+            <a:off x="6501130" y="5748020"/>
+            <a:ext cx="4143375" cy="695325"/>
+          </a:xfrm>
+          <a:prstGeom prst="rect">
+            <a:avLst/>
+          </a:prstGeom>
+        </p:spPr>
+      </p:pic>
+    </p:spTree>
+  </p:cSld>
+  <p:clrMapOvr>
+    <a:masterClrMapping/>
+  </p:clrMapOvr>
+</p:sld>
+</file>
+
+<file path=ppt/slides/slide24.xml><?xml version="1.0" encoding="utf-8"?>
+<p:sld xmlns:a="http://schemas.openxmlformats.org/drawingml/2006/main" xmlns:r="http://schemas.openxmlformats.org/officeDocument/2006/relationships" xmlns:p="http://schemas.openxmlformats.org/presentationml/2006/main">
+  <p:cSld>
+    <p:spTree>
+      <p:nvGrpSpPr>
+        <p:cNvPr id="1" name=""/>
+        <p:cNvGrpSpPr/>
+        <p:nvPr/>
+      </p:nvGrpSpPr>
+      <p:grpSpPr/>
+      <p:sp>
+        <p:nvSpPr>
+          <p:cNvPr id="2" name="Title 1"/>
+          <p:cNvSpPr>
+            <a:spLocks noGrp="1"/>
+          </p:cNvSpPr>
+          <p:nvPr>
+            <p:ph type="title"/>
+          </p:nvPr>
+        </p:nvSpPr>
+        <p:spPr/>
+        <p:txBody>
+          <a:bodyPr/>
+          <a:p>
+            <a:r>
+              <a:rPr lang="en-US"/>
+              <a:t>vector </a:t>
+            </a:r>
+            <a:r>
+              <a:rPr lang="zh-CN" altLang="en-US"/>
+              <a:t>容器</a:t>
+            </a:r>
+            <a:endParaRPr lang="zh-CN" altLang="en-US"/>
+          </a:p>
+        </p:txBody>
+      </p:sp>
+      <p:sp>
+        <p:nvSpPr>
+          <p:cNvPr id="3" name="Content Placeholder 2"/>
+          <p:cNvSpPr>
+            <a:spLocks noGrp="1"/>
+          </p:cNvSpPr>
+          <p:nvPr>
+            <p:ph sz="half" idx="1"/>
+          </p:nvPr>
+        </p:nvSpPr>
+        <p:spPr/>
+        <p:txBody>
+          <a:bodyPr/>
+          <a:p>
+            <a:endParaRPr lang="en-US"/>
+          </a:p>
+        </p:txBody>
+      </p:sp>
+      <p:sp>
+        <p:nvSpPr>
+          <p:cNvPr id="4" name="Content Placeholder 3"/>
+          <p:cNvSpPr>
+            <a:spLocks noGrp="1"/>
+          </p:cNvSpPr>
+          <p:nvPr>
+            <p:ph sz="half" idx="2"/>
+          </p:nvPr>
+        </p:nvSpPr>
+        <p:spPr/>
+        <p:txBody>
+          <a:bodyPr/>
+          <a:p>
+            <a:endParaRPr lang="en-US"/>
+          </a:p>
+        </p:txBody>
+      </p:sp>
+    </p:spTree>
+  </p:cSld>
+  <p:clrMapOvr>
+    <a:masterClrMapping/>
+  </p:clrMapOvr>
+</p:sld>
+</file>
+
+<file path=ppt/slides/slide25.xml><?xml version="1.0" encoding="utf-8"?>
+<p:sld xmlns:a="http://schemas.openxmlformats.org/drawingml/2006/main" xmlns:r="http://schemas.openxmlformats.org/officeDocument/2006/relationships" xmlns:p="http://schemas.openxmlformats.org/presentationml/2006/main">
+  <p:cSld>
+    <p:spTree>
+      <p:nvGrpSpPr>
+        <p:cNvPr id="1" name=""/>
+        <p:cNvGrpSpPr/>
+        <p:nvPr/>
+      </p:nvGrpSpPr>
+      <p:grpSpPr/>
+      <p:sp>
+        <p:nvSpPr>
+          <p:cNvPr id="2" name="Title 1"/>
+          <p:cNvSpPr>
+            <a:spLocks noGrp="1"/>
+          </p:cNvSpPr>
+          <p:nvPr>
+            <p:ph type="title"/>
+          </p:nvPr>
+        </p:nvSpPr>
+        <p:spPr/>
+        <p:txBody>
+          <a:bodyPr/>
+          <a:p>
+            <a:r>
+              <a:rPr lang="zh-CN"/>
+              <a:t>顺便宣传一下小彭老师的插件全家桶：</a:t>
+            </a:r>
+            <a:r>
+              <a:rPr lang="en-US" altLang="zh-CN"/>
+              <a:t>github.com/archibate/vimrc</a:t>
+            </a:r>
+            <a:endParaRPr lang="en-US" altLang="zh-CN"/>
+          </a:p>
+        </p:txBody>
+      </p:sp>
+      <p:pic>
+        <p:nvPicPr>
+          <p:cNvPr id="8" name="Content Placeholder 7"/>
+          <p:cNvPicPr>
+            <a:picLocks noChangeAspect="1"/>
+          </p:cNvPicPr>
+          <p:nvPr>
+            <p:ph sz="half" idx="2"/>
+          </p:nvPr>
+        </p:nvPicPr>
+        <p:blipFill>
+          <a:blip r:embed="rId1"/>
+          <a:stretch>
+            <a:fillRect/>
+          </a:stretch>
+        </p:blipFill>
+        <p:spPr>
+          <a:xfrm>
+            <a:off x="6691630" y="1480820"/>
+            <a:ext cx="5171440" cy="4893945"/>
+          </a:xfrm>
+          <a:prstGeom prst="rect">
+            <a:avLst/>
+          </a:prstGeom>
+        </p:spPr>
+      </p:pic>
+      <p:pic>
+        <p:nvPicPr>
+          <p:cNvPr id="10" name="Content Placeholder 9"/>
+          <p:cNvPicPr>
+            <a:picLocks noChangeAspect="1"/>
+          </p:cNvPicPr>
+          <p:nvPr>
+            <p:ph sz="half" idx="1"/>
+          </p:nvPr>
+        </p:nvPicPr>
+        <p:blipFill>
+          <a:blip r:embed="rId2"/>
+          <a:stretch>
+            <a:fillRect/>
+          </a:stretch>
+        </p:blipFill>
+        <p:spPr>
+          <a:xfrm>
+            <a:off x="208280" y="1584325"/>
+            <a:ext cx="6285230" cy="4747260"/>
+          </a:xfrm>
+          <a:prstGeom prst="rect">
+            <a:avLst/>
+          </a:prstGeom>
+        </p:spPr>
+      </p:pic>
     </p:spTree>
   </p:cSld>
   <p:clrMapOvr>

--- a/13/slides.pptx
+++ b/13/slides.pptx
@@ -8,7 +8,7 @@
     <p:notesMasterId r:id="rId22"/>
   </p:notesMasterIdLst>
   <p:handoutMasterIdLst>
-    <p:handoutMasterId r:id="rId29"/>
+    <p:handoutMasterId r:id="rId31"/>
   </p:handoutMasterIdLst>
   <p:sldIdLst>
     <p:sldId id="256" r:id="rId3"/>
@@ -35,7 +35,9 @@
     <p:sldId id="280" r:id="rId25"/>
     <p:sldId id="283" r:id="rId26"/>
     <p:sldId id="281" r:id="rId27"/>
-    <p:sldId id="287" r:id="rId28"/>
+    <p:sldId id="288" r:id="rId28"/>
+    <p:sldId id="289" r:id="rId29"/>
+    <p:sldId id="287" r:id="rId30"/>
   </p:sldIdLst>
   <p:sldSz cx="12192000" cy="6858000"/>
   <p:notesSz cx="7103745" cy="10234295"/>
@@ -6571,13 +6573,11 @@
       </p:sp>
       <p:pic>
         <p:nvPicPr>
-          <p:cNvPr id="7" name="Content Placeholder 6"/>
+          <p:cNvPr id="8" name="Picture 7"/>
           <p:cNvPicPr>
             <a:picLocks noChangeAspect="1"/>
           </p:cNvPicPr>
-          <p:nvPr>
-            <p:ph sz="half" idx="2"/>
-          </p:nvPr>
+          <p:nvPr/>
         </p:nvPicPr>
         <p:blipFill>
           <a:blip r:embed="rId1"/>
@@ -6587,8 +6587,8 @@
         </p:blipFill>
         <p:spPr>
           <a:xfrm>
-            <a:off x="5829300" y="1195070"/>
-            <a:ext cx="6137910" cy="4982210"/>
+            <a:off x="1456690" y="2926715"/>
+            <a:ext cx="3106420" cy="2802890"/>
           </a:xfrm>
           <a:prstGeom prst="rect">
             <a:avLst/>
@@ -6597,11 +6597,13 @@
       </p:pic>
       <p:pic>
         <p:nvPicPr>
-          <p:cNvPr id="8" name="Picture 7"/>
+          <p:cNvPr id="5" name="Content Placeholder 4"/>
           <p:cNvPicPr>
             <a:picLocks noChangeAspect="1"/>
           </p:cNvPicPr>
-          <p:nvPr/>
+          <p:nvPr>
+            <p:ph sz="half" idx="2"/>
+          </p:nvPr>
         </p:nvPicPr>
         <p:blipFill>
           <a:blip r:embed="rId2"/>
@@ -6611,8 +6613,8 @@
         </p:blipFill>
         <p:spPr>
           <a:xfrm>
-            <a:off x="1456690" y="2926715"/>
-            <a:ext cx="3106420" cy="2802890"/>
+            <a:off x="5797550" y="500380"/>
+            <a:ext cx="6121400" cy="5857240"/>
           </a:xfrm>
           <a:prstGeom prst="rect">
             <a:avLst/>
@@ -6968,13 +6970,11 @@
       </p:sp>
       <p:pic>
         <p:nvPicPr>
-          <p:cNvPr id="5" name="Content Placeholder 4"/>
+          <p:cNvPr id="4" name="Picture 3"/>
           <p:cNvPicPr>
             <a:picLocks noChangeAspect="1"/>
           </p:cNvPicPr>
-          <p:nvPr>
-            <p:ph sz="half" idx="2"/>
-          </p:nvPr>
+          <p:nvPr/>
         </p:nvPicPr>
         <p:blipFill>
           <a:blip r:embed="rId1"/>
@@ -6984,8 +6984,8 @@
         </p:blipFill>
         <p:spPr>
           <a:xfrm>
-            <a:off x="6701790" y="2068195"/>
-            <a:ext cx="3741420" cy="3375660"/>
+            <a:off x="6501130" y="5748020"/>
+            <a:ext cx="4143375" cy="695325"/>
           </a:xfrm>
           <a:prstGeom prst="rect">
             <a:avLst/>
@@ -6994,11 +6994,13 @@
       </p:pic>
       <p:pic>
         <p:nvPicPr>
-          <p:cNvPr id="4" name="Picture 3"/>
+          <p:cNvPr id="7" name="Content Placeholder 6"/>
           <p:cNvPicPr>
             <a:picLocks noChangeAspect="1"/>
           </p:cNvPicPr>
-          <p:nvPr/>
+          <p:nvPr>
+            <p:ph sz="half" idx="2"/>
+          </p:nvPr>
         </p:nvPicPr>
         <p:blipFill>
           <a:blip r:embed="rId2"/>
@@ -7008,8 +7010,8 @@
         </p:blipFill>
         <p:spPr>
           <a:xfrm>
-            <a:off x="6501130" y="5748020"/>
-            <a:ext cx="4143375" cy="695325"/>
+            <a:off x="6450330" y="2238375"/>
+            <a:ext cx="4244340" cy="3218180"/>
           </a:xfrm>
           <a:prstGeom prst="rect">
             <a:avLst/>
@@ -7070,32 +7072,182 @@
             <p:ph sz="half" idx="1"/>
           </p:nvPr>
         </p:nvSpPr>
-        <p:spPr/>
-        <p:txBody>
-          <a:bodyPr/>
-          <a:p>
-            <a:endParaRPr lang="en-US"/>
-          </a:p>
-        </p:txBody>
-      </p:sp>
-      <p:sp>
-        <p:nvSpPr>
-          <p:cNvPr id="4" name="Content Placeholder 3"/>
-          <p:cNvSpPr>
-            <a:spLocks noGrp="1"/>
-          </p:cNvSpPr>
+        <p:spPr>
+          <a:xfrm>
+            <a:off x="371475" y="1825625"/>
+            <a:ext cx="5539740" cy="4351655"/>
+          </a:xfrm>
+        </p:spPr>
+        <p:txBody>
+          <a:bodyPr>
+            <a:normAutofit lnSpcReduction="10000"/>
+          </a:bodyPr>
+          <a:p>
+            <a:r>
+              <a:rPr lang="zh-CN" altLang="en-US"/>
+              <a:t>除了可以在构造函数中指定数组的大小，还可以之后再通过</a:t>
+            </a:r>
+            <a:r>
+              <a:rPr lang="en-US" altLang="zh-CN"/>
+              <a:t> resize </a:t>
+            </a:r>
+            <a:r>
+              <a:rPr lang="zh-CN" altLang="en-US"/>
+              <a:t>函数设置大小。</a:t>
+            </a:r>
+            <a:endParaRPr lang="zh-CN" altLang="en-US"/>
+          </a:p>
+          <a:p>
+            <a:r>
+              <a:rPr lang="zh-CN" altLang="en-US"/>
+              <a:t>这在无法一开始就指定大小的情况下非常方便。</a:t>
+            </a:r>
+            <a:endParaRPr lang="zh-CN" altLang="en-US"/>
+          </a:p>
+          <a:p>
+            <a:r>
+              <a:rPr lang="en-US" altLang="zh-CN">
+                <a:solidFill>
+                  <a:schemeClr val="accent5">
+                    <a:lumMod val="75000"/>
+                  </a:schemeClr>
+                </a:solidFill>
+                <a:sym typeface="+mn-ea"/>
+              </a:rPr>
+              <a:t>vector&lt;int&gt; a(4);</a:t>
+            </a:r>
+            <a:endParaRPr lang="en-US" altLang="zh-CN">
+              <a:solidFill>
+                <a:schemeClr val="accent5">
+                  <a:lumMod val="75000"/>
+                </a:schemeClr>
+              </a:solidFill>
+              <a:sym typeface="+mn-ea"/>
+            </a:endParaRPr>
+          </a:p>
+          <a:p>
+            <a:r>
+              <a:rPr lang="zh-CN" altLang="en-US">
+                <a:sym typeface="+mn-ea"/>
+              </a:rPr>
+              <a:t>等价于：</a:t>
+            </a:r>
+            <a:endParaRPr lang="zh-CN" altLang="en-US">
+              <a:sym typeface="+mn-ea"/>
+            </a:endParaRPr>
+          </a:p>
+          <a:p>
+            <a:r>
+              <a:rPr lang="en-US" altLang="zh-CN">
+                <a:solidFill>
+                  <a:schemeClr val="accent5">
+                    <a:lumMod val="75000"/>
+                  </a:schemeClr>
+                </a:solidFill>
+                <a:sym typeface="+mn-ea"/>
+              </a:rPr>
+              <a:t>vector&lt;int&gt; a;</a:t>
+            </a:r>
+            <a:endParaRPr lang="en-US" altLang="zh-CN">
+              <a:solidFill>
+                <a:schemeClr val="accent5">
+                  <a:lumMod val="75000"/>
+                </a:schemeClr>
+              </a:solidFill>
+              <a:sym typeface="+mn-ea"/>
+            </a:endParaRPr>
+          </a:p>
+          <a:p>
+            <a:r>
+              <a:rPr lang="en-US" altLang="zh-CN">
+                <a:solidFill>
+                  <a:schemeClr val="accent5">
+                    <a:lumMod val="75000"/>
+                  </a:schemeClr>
+                </a:solidFill>
+              </a:rPr>
+              <a:t>a.resize(4);</a:t>
+            </a:r>
+            <a:endParaRPr lang="en-US" altLang="zh-CN">
+              <a:solidFill>
+                <a:schemeClr val="accent5">
+                  <a:lumMod val="75000"/>
+                </a:schemeClr>
+              </a:solidFill>
+            </a:endParaRPr>
+          </a:p>
+          <a:p>
+            <a:r>
+              <a:rPr lang="en-US" altLang="zh-CN">
+                <a:solidFill>
+                  <a:schemeClr val="bg1">
+                    <a:lumMod val="65000"/>
+                  </a:schemeClr>
+                </a:solidFill>
+                <a:sym typeface="+mn-ea"/>
+              </a:rPr>
+              <a:t>void resize(size_t n);</a:t>
+            </a:r>
+            <a:endParaRPr lang="en-US" altLang="zh-CN">
+              <a:solidFill>
+                <a:schemeClr val="accent5">
+                  <a:lumMod val="75000"/>
+                </a:schemeClr>
+              </a:solidFill>
+            </a:endParaRPr>
+          </a:p>
+        </p:txBody>
+      </p:sp>
+      <p:pic>
+        <p:nvPicPr>
+          <p:cNvPr id="6" name="Content Placeholder 5"/>
+          <p:cNvPicPr>
+            <a:picLocks noChangeAspect="1"/>
+          </p:cNvPicPr>
           <p:nvPr>
             <p:ph sz="half" idx="2"/>
           </p:nvPr>
-        </p:nvSpPr>
-        <p:spPr/>
-        <p:txBody>
-          <a:bodyPr/>
-          <a:p>
-            <a:endParaRPr lang="en-US"/>
-          </a:p>
-        </p:txBody>
-      </p:sp>
+        </p:nvPicPr>
+        <p:blipFill>
+          <a:blip r:embed="rId1"/>
+          <a:stretch>
+            <a:fillRect/>
+          </a:stretch>
+        </p:blipFill>
+        <p:spPr>
+          <a:xfrm>
+            <a:off x="6808470" y="1078230"/>
+            <a:ext cx="3526790" cy="3884295"/>
+          </a:xfrm>
+          <a:prstGeom prst="rect">
+            <a:avLst/>
+          </a:prstGeom>
+        </p:spPr>
+      </p:pic>
+      <p:pic>
+        <p:nvPicPr>
+          <p:cNvPr id="8" name="Picture 7"/>
+          <p:cNvPicPr>
+            <a:picLocks noChangeAspect="1"/>
+          </p:cNvPicPr>
+          <p:nvPr/>
+        </p:nvPicPr>
+        <p:blipFill>
+          <a:blip r:embed="rId2"/>
+          <a:stretch>
+            <a:fillRect/>
+          </a:stretch>
+        </p:blipFill>
+        <p:spPr>
+          <a:xfrm>
+            <a:off x="6113780" y="5354955"/>
+            <a:ext cx="4916805" cy="1155700"/>
+          </a:xfrm>
+          <a:prstGeom prst="rect">
+            <a:avLst/>
+          </a:prstGeom>
+        </p:spPr>
+      </p:pic>
     </p:spTree>
   </p:cSld>
   <p:clrMapOvr>
@@ -7105,6 +7257,534 @@
 </file>
 
 <file path=ppt/slides/slide25.xml><?xml version="1.0" encoding="utf-8"?>
+<p:sld xmlns:a="http://schemas.openxmlformats.org/drawingml/2006/main" xmlns:r="http://schemas.openxmlformats.org/officeDocument/2006/relationships" xmlns:p="http://schemas.openxmlformats.org/presentationml/2006/main">
+  <p:cSld>
+    <p:spTree>
+      <p:nvGrpSpPr>
+        <p:cNvPr id="1" name=""/>
+        <p:cNvGrpSpPr/>
+        <p:nvPr/>
+      </p:nvGrpSpPr>
+      <p:grpSpPr/>
+      <p:sp>
+        <p:nvSpPr>
+          <p:cNvPr id="2" name="Title 1"/>
+          <p:cNvSpPr>
+            <a:spLocks noGrp="1"/>
+          </p:cNvSpPr>
+          <p:nvPr>
+            <p:ph type="title"/>
+          </p:nvPr>
+        </p:nvSpPr>
+        <p:spPr/>
+        <p:txBody>
+          <a:bodyPr/>
+          <a:p>
+            <a:r>
+              <a:rPr lang="en-US"/>
+              <a:t>vector </a:t>
+            </a:r>
+            <a:r>
+              <a:rPr lang="zh-CN" altLang="en-US"/>
+              <a:t>容器</a:t>
+            </a:r>
+            <a:endParaRPr lang="zh-CN" altLang="en-US"/>
+          </a:p>
+        </p:txBody>
+      </p:sp>
+      <p:sp>
+        <p:nvSpPr>
+          <p:cNvPr id="3" name="Content Placeholder 2"/>
+          <p:cNvSpPr>
+            <a:spLocks noGrp="1"/>
+          </p:cNvSpPr>
+          <p:nvPr>
+            <p:ph sz="half" idx="1"/>
+          </p:nvPr>
+        </p:nvSpPr>
+        <p:spPr>
+          <a:xfrm>
+            <a:off x="371475" y="1825625"/>
+            <a:ext cx="5539740" cy="4351655"/>
+          </a:xfrm>
+        </p:spPr>
+        <p:txBody>
+          <a:bodyPr>
+            <a:normAutofit lnSpcReduction="10000"/>
+          </a:bodyPr>
+          <a:p>
+            <a:r>
+              <a:rPr lang="zh-CN"/>
+              <a:t>当然，</a:t>
+            </a:r>
+            <a:r>
+              <a:rPr lang="en-US" altLang="zh-CN"/>
+              <a:t>resize </a:t>
+            </a:r>
+            <a:r>
+              <a:rPr lang="zh-CN" altLang="en-US"/>
+              <a:t>也有一个接受第二参数的重载，他会用这个参数的值填充所有新建的元素。</a:t>
+            </a:r>
+            <a:endParaRPr lang="zh-CN" altLang="en-US"/>
+          </a:p>
+          <a:p>
+            <a:r>
+              <a:rPr lang="en-US" altLang="zh-CN">
+                <a:solidFill>
+                  <a:schemeClr val="accent5">
+                    <a:lumMod val="75000"/>
+                  </a:schemeClr>
+                </a:solidFill>
+                <a:sym typeface="+mn-ea"/>
+              </a:rPr>
+              <a:t>vector&lt;int&gt; a(4, 233);</a:t>
+            </a:r>
+            <a:endParaRPr lang="en-US" altLang="zh-CN">
+              <a:solidFill>
+                <a:schemeClr val="accent5">
+                  <a:lumMod val="75000"/>
+                </a:schemeClr>
+              </a:solidFill>
+              <a:sym typeface="+mn-ea"/>
+            </a:endParaRPr>
+          </a:p>
+          <a:p>
+            <a:r>
+              <a:rPr lang="zh-CN" altLang="en-US">
+                <a:sym typeface="+mn-ea"/>
+              </a:rPr>
+              <a:t>等价于：</a:t>
+            </a:r>
+            <a:endParaRPr lang="zh-CN" altLang="en-US">
+              <a:sym typeface="+mn-ea"/>
+            </a:endParaRPr>
+          </a:p>
+          <a:p>
+            <a:r>
+              <a:rPr lang="en-US" altLang="zh-CN">
+                <a:solidFill>
+                  <a:schemeClr val="accent5">
+                    <a:lumMod val="75000"/>
+                  </a:schemeClr>
+                </a:solidFill>
+                <a:sym typeface="+mn-ea"/>
+              </a:rPr>
+              <a:t>vector&lt;int&gt; a;</a:t>
+            </a:r>
+            <a:endParaRPr lang="en-US" altLang="zh-CN">
+              <a:solidFill>
+                <a:schemeClr val="accent5">
+                  <a:lumMod val="75000"/>
+                </a:schemeClr>
+              </a:solidFill>
+              <a:sym typeface="+mn-ea"/>
+            </a:endParaRPr>
+          </a:p>
+          <a:p>
+            <a:r>
+              <a:rPr lang="en-US" altLang="zh-CN">
+                <a:solidFill>
+                  <a:schemeClr val="accent5">
+                    <a:lumMod val="75000"/>
+                  </a:schemeClr>
+                </a:solidFill>
+              </a:rPr>
+              <a:t>a.resize(4, 233);</a:t>
+            </a:r>
+            <a:endParaRPr lang="en-US" altLang="zh-CN">
+              <a:solidFill>
+                <a:schemeClr val="accent5">
+                  <a:lumMod val="75000"/>
+                </a:schemeClr>
+              </a:solidFill>
+            </a:endParaRPr>
+          </a:p>
+          <a:p>
+            <a:r>
+              <a:rPr lang="en-US" altLang="zh-CN">
+                <a:solidFill>
+                  <a:schemeClr val="bg1">
+                    <a:lumMod val="65000"/>
+                  </a:schemeClr>
+                </a:solidFill>
+                <a:sym typeface="+mn-ea"/>
+              </a:rPr>
+              <a:t>void resize(size_t n</a:t>
+            </a:r>
+            <a:r>
+              <a:rPr lang="en-US" altLang="zh-CN">
+                <a:solidFill>
+                  <a:schemeClr val="bg1">
+                    <a:lumMod val="65000"/>
+                  </a:schemeClr>
+                </a:solidFill>
+                <a:sym typeface="+mn-ea"/>
+              </a:rPr>
+              <a:t>, int const &amp;val</a:t>
+            </a:r>
+            <a:r>
+              <a:rPr lang="en-US" altLang="zh-CN">
+                <a:solidFill>
+                  <a:schemeClr val="bg1">
+                    <a:lumMod val="65000"/>
+                  </a:schemeClr>
+                </a:solidFill>
+                <a:sym typeface="+mn-ea"/>
+              </a:rPr>
+              <a:t>);</a:t>
+            </a:r>
+            <a:endParaRPr lang="en-US" altLang="zh-CN">
+              <a:solidFill>
+                <a:schemeClr val="accent5">
+                  <a:lumMod val="75000"/>
+                </a:schemeClr>
+              </a:solidFill>
+            </a:endParaRPr>
+          </a:p>
+        </p:txBody>
+      </p:sp>
+      <p:pic>
+        <p:nvPicPr>
+          <p:cNvPr id="4" name="Picture 3"/>
+          <p:cNvPicPr>
+            <a:picLocks noChangeAspect="1"/>
+          </p:cNvPicPr>
+          <p:nvPr/>
+        </p:nvPicPr>
+        <p:blipFill>
+          <a:blip r:embed="rId1"/>
+          <a:stretch>
+            <a:fillRect/>
+          </a:stretch>
+        </p:blipFill>
+        <p:spPr>
+          <a:xfrm>
+            <a:off x="6119495" y="5314950"/>
+            <a:ext cx="4904740" cy="1135380"/>
+          </a:xfrm>
+          <a:prstGeom prst="rect">
+            <a:avLst/>
+          </a:prstGeom>
+        </p:spPr>
+      </p:pic>
+      <p:pic>
+        <p:nvPicPr>
+          <p:cNvPr id="7" name="Content Placeholder 6"/>
+          <p:cNvPicPr>
+            <a:picLocks noChangeAspect="1"/>
+          </p:cNvPicPr>
+          <p:nvPr>
+            <p:ph sz="half" idx="2"/>
+          </p:nvPr>
+        </p:nvPicPr>
+        <p:blipFill>
+          <a:blip r:embed="rId2"/>
+          <a:stretch>
+            <a:fillRect/>
+          </a:stretch>
+        </p:blipFill>
+        <p:spPr>
+          <a:xfrm>
+            <a:off x="6741160" y="1213485"/>
+            <a:ext cx="3661410" cy="3775710"/>
+          </a:xfrm>
+          <a:prstGeom prst="rect">
+            <a:avLst/>
+          </a:prstGeom>
+        </p:spPr>
+      </p:pic>
+    </p:spTree>
+  </p:cSld>
+  <p:clrMapOvr>
+    <a:masterClrMapping/>
+  </p:clrMapOvr>
+</p:sld>
+</file>
+
+<file path=ppt/slides/slide26.xml><?xml version="1.0" encoding="utf-8"?>
+<p:sld xmlns:a="http://schemas.openxmlformats.org/drawingml/2006/main" xmlns:r="http://schemas.openxmlformats.org/officeDocument/2006/relationships" xmlns:p="http://schemas.openxmlformats.org/presentationml/2006/main">
+  <p:cSld>
+    <p:spTree>
+      <p:nvGrpSpPr>
+        <p:cNvPr id="1" name=""/>
+        <p:cNvGrpSpPr/>
+        <p:nvPr/>
+      </p:nvGrpSpPr>
+      <p:grpSpPr/>
+      <p:sp>
+        <p:nvSpPr>
+          <p:cNvPr id="2" name="Title 1"/>
+          <p:cNvSpPr>
+            <a:spLocks noGrp="1"/>
+          </p:cNvSpPr>
+          <p:nvPr>
+            <p:ph type="title"/>
+          </p:nvPr>
+        </p:nvSpPr>
+        <p:spPr/>
+        <p:txBody>
+          <a:bodyPr/>
+          <a:p>
+            <a:r>
+              <a:rPr lang="en-US"/>
+              <a:t>vector </a:t>
+            </a:r>
+            <a:r>
+              <a:rPr lang="zh-CN" altLang="en-US"/>
+              <a:t>容器</a:t>
+            </a:r>
+            <a:endParaRPr lang="zh-CN" altLang="en-US"/>
+          </a:p>
+        </p:txBody>
+      </p:sp>
+      <p:sp>
+        <p:nvSpPr>
+          <p:cNvPr id="3" name="Content Placeholder 2"/>
+          <p:cNvSpPr>
+            <a:spLocks noGrp="1"/>
+          </p:cNvSpPr>
+          <p:nvPr>
+            <p:ph sz="half" idx="1"/>
+          </p:nvPr>
+        </p:nvSpPr>
+        <p:spPr>
+          <a:xfrm>
+            <a:off x="371475" y="1825625"/>
+            <a:ext cx="5539740" cy="4351655"/>
+          </a:xfrm>
+        </p:spPr>
+        <p:txBody>
+          <a:bodyPr>
+            <a:normAutofit lnSpcReduction="10000"/>
+          </a:bodyPr>
+          <a:p>
+            <a:r>
+              <a:rPr lang="zh-CN" altLang="en-US">
+                <a:sym typeface="+mn-ea"/>
+              </a:rPr>
+              <a:t>调用</a:t>
+            </a:r>
+            <a:r>
+              <a:rPr lang="en-US" altLang="zh-CN">
+                <a:sym typeface="+mn-ea"/>
+              </a:rPr>
+              <a:t> resize(n) </a:t>
+            </a:r>
+            <a:r>
+              <a:rPr lang="zh-CN" altLang="en-US">
+                <a:sym typeface="+mn-ea"/>
+              </a:rPr>
+              <a:t>的时候，</a:t>
+            </a:r>
+            <a:r>
+              <a:rPr lang="zh-CN"/>
+              <a:t>如果数组里面已经有</a:t>
+            </a:r>
+            <a:r>
+              <a:rPr lang="en-US" altLang="zh-CN"/>
+              <a:t> m </a:t>
+            </a:r>
+            <a:r>
+              <a:rPr lang="zh-CN" altLang="en-US"/>
+              <a:t>个</a:t>
+            </a:r>
+            <a:r>
+              <a:rPr lang="zh-CN"/>
+              <a:t>元素，</a:t>
+            </a:r>
+            <a:r>
+              <a:rPr lang="en-US" altLang="zh-CN"/>
+              <a:t> </a:t>
+            </a:r>
+            <a:r>
+              <a:rPr lang="zh-CN" altLang="en-US" b="1"/>
+              <a:t>只会用</a:t>
+            </a:r>
+            <a:r>
+              <a:rPr lang="en-US" altLang="zh-CN" b="1"/>
+              <a:t> 0 </a:t>
+            </a:r>
+            <a:r>
+              <a:rPr lang="zh-CN" altLang="en-US" b="1"/>
+              <a:t>填充新增的</a:t>
+            </a:r>
+            <a:r>
+              <a:rPr lang="en-US" altLang="zh-CN" b="1"/>
+              <a:t> n - m </a:t>
+            </a:r>
+            <a:r>
+              <a:rPr lang="zh-CN" altLang="en-US" b="1"/>
+              <a:t>个元素</a:t>
+            </a:r>
+            <a:r>
+              <a:rPr lang="zh-CN" altLang="en-US"/>
+              <a:t>，前</a:t>
+            </a:r>
+            <a:r>
+              <a:rPr lang="en-US" altLang="zh-CN"/>
+              <a:t> m </a:t>
+            </a:r>
+            <a:r>
+              <a:rPr lang="zh-CN" altLang="en-US"/>
+              <a:t>个元素会保持不变。</a:t>
+            </a:r>
+            <a:endParaRPr lang="zh-CN"/>
+          </a:p>
+          <a:p>
+            <a:r>
+              <a:rPr lang="en-US" altLang="zh-CN">
+                <a:solidFill>
+                  <a:schemeClr val="accent5">
+                    <a:lumMod val="75000"/>
+                  </a:schemeClr>
+                </a:solidFill>
+                <a:sym typeface="+mn-ea"/>
+              </a:rPr>
+              <a:t>vector&lt;int&gt; a = {1, 2};</a:t>
+            </a:r>
+            <a:endParaRPr lang="en-US" altLang="zh-CN">
+              <a:solidFill>
+                <a:schemeClr val="accent5">
+                  <a:lumMod val="75000"/>
+                </a:schemeClr>
+              </a:solidFill>
+              <a:sym typeface="+mn-ea"/>
+            </a:endParaRPr>
+          </a:p>
+          <a:p>
+            <a:r>
+              <a:rPr lang="en-US" altLang="zh-CN">
+                <a:solidFill>
+                  <a:schemeClr val="accent5">
+                    <a:lumMod val="75000"/>
+                  </a:schemeClr>
+                </a:solidFill>
+                <a:sym typeface="+mn-ea"/>
+              </a:rPr>
+              <a:t>a.resize(4);</a:t>
+            </a:r>
+            <a:endParaRPr lang="en-US" altLang="zh-CN">
+              <a:solidFill>
+                <a:schemeClr val="accent5">
+                  <a:lumMod val="75000"/>
+                </a:schemeClr>
+              </a:solidFill>
+              <a:sym typeface="+mn-ea"/>
+            </a:endParaRPr>
+          </a:p>
+          <a:p>
+            <a:r>
+              <a:rPr lang="zh-CN" altLang="en-US">
+                <a:sym typeface="+mn-ea"/>
+              </a:rPr>
+              <a:t>等价于：</a:t>
+            </a:r>
+            <a:endParaRPr lang="zh-CN" altLang="en-US">
+              <a:sym typeface="+mn-ea"/>
+            </a:endParaRPr>
+          </a:p>
+          <a:p>
+            <a:r>
+              <a:rPr lang="en-US" altLang="zh-CN">
+                <a:solidFill>
+                  <a:schemeClr val="accent5">
+                    <a:lumMod val="75000"/>
+                  </a:schemeClr>
+                </a:solidFill>
+                <a:sym typeface="+mn-ea"/>
+              </a:rPr>
+              <a:t>vector&lt;int&gt; a = {1, 2, 0, 0};</a:t>
+            </a:r>
+            <a:endParaRPr lang="en-US" altLang="zh-CN">
+              <a:solidFill>
+                <a:schemeClr val="accent5">
+                  <a:lumMod val="75000"/>
+                </a:schemeClr>
+              </a:solidFill>
+              <a:sym typeface="+mn-ea"/>
+            </a:endParaRPr>
+          </a:p>
+          <a:p>
+            <a:r>
+              <a:rPr lang="en-US" altLang="zh-CN">
+                <a:solidFill>
+                  <a:schemeClr val="bg1">
+                    <a:lumMod val="65000"/>
+                  </a:schemeClr>
+                </a:solidFill>
+                <a:sym typeface="+mn-ea"/>
+              </a:rPr>
+              <a:t>void resize(size_t n);</a:t>
+            </a:r>
+            <a:endParaRPr lang="en-US" altLang="zh-CN">
+              <a:solidFill>
+                <a:schemeClr val="accent5">
+                  <a:lumMod val="75000"/>
+                </a:schemeClr>
+              </a:solidFill>
+            </a:endParaRPr>
+          </a:p>
+        </p:txBody>
+      </p:sp>
+      <p:pic>
+        <p:nvPicPr>
+          <p:cNvPr id="8" name="Picture 7"/>
+          <p:cNvPicPr>
+            <a:picLocks noChangeAspect="1"/>
+          </p:cNvPicPr>
+          <p:nvPr/>
+        </p:nvPicPr>
+        <p:blipFill>
+          <a:blip r:embed="rId1"/>
+          <a:stretch>
+            <a:fillRect/>
+          </a:stretch>
+        </p:blipFill>
+        <p:spPr>
+          <a:xfrm>
+            <a:off x="6339840" y="5368925"/>
+            <a:ext cx="4464050" cy="984250"/>
+          </a:xfrm>
+          <a:prstGeom prst="rect">
+            <a:avLst/>
+          </a:prstGeom>
+        </p:spPr>
+      </p:pic>
+      <p:pic>
+        <p:nvPicPr>
+          <p:cNvPr id="10" name="Content Placeholder 9"/>
+          <p:cNvPicPr>
+            <a:picLocks noChangeAspect="1"/>
+          </p:cNvPicPr>
+          <p:nvPr>
+            <p:ph sz="half" idx="2"/>
+          </p:nvPr>
+        </p:nvPicPr>
+        <p:blipFill>
+          <a:blip r:embed="rId2"/>
+          <a:stretch>
+            <a:fillRect/>
+          </a:stretch>
+        </p:blipFill>
+        <p:spPr>
+          <a:xfrm>
+            <a:off x="6779895" y="1853565"/>
+            <a:ext cx="3583940" cy="3151505"/>
+          </a:xfrm>
+          <a:prstGeom prst="rect">
+            <a:avLst/>
+          </a:prstGeom>
+        </p:spPr>
+      </p:pic>
+    </p:spTree>
+  </p:cSld>
+  <p:clrMapOvr>
+    <a:masterClrMapping/>
+  </p:clrMapOvr>
+</p:sld>
+</file>
+
+<file path=ppt/slides/slide27.xml><?xml version="1.0" encoding="utf-8"?>
 <p:sld xmlns:a="http://schemas.openxmlformats.org/drawingml/2006/main" xmlns:r="http://schemas.openxmlformats.org/officeDocument/2006/relationships" xmlns:p="http://schemas.openxmlformats.org/presentationml/2006/main">
   <p:cSld>
     <p:spTree>

--- a/13/slides.pptx
+++ b/13/slides.pptx
@@ -8,7 +8,7 @@
     <p:notesMasterId r:id="rId22"/>
   </p:notesMasterIdLst>
   <p:handoutMasterIdLst>
-    <p:handoutMasterId r:id="rId31"/>
+    <p:handoutMasterId r:id="rId53"/>
   </p:handoutMasterIdLst>
   <p:sldIdLst>
     <p:sldId id="256" r:id="rId3"/>
@@ -37,7 +37,29 @@
     <p:sldId id="281" r:id="rId27"/>
     <p:sldId id="288" r:id="rId28"/>
     <p:sldId id="289" r:id="rId29"/>
-    <p:sldId id="287" r:id="rId30"/>
+    <p:sldId id="290" r:id="rId30"/>
+    <p:sldId id="291" r:id="rId31"/>
+    <p:sldId id="292" r:id="rId32"/>
+    <p:sldId id="298" r:id="rId33"/>
+    <p:sldId id="293" r:id="rId34"/>
+    <p:sldId id="294" r:id="rId35"/>
+    <p:sldId id="295" r:id="rId36"/>
+    <p:sldId id="297" r:id="rId37"/>
+    <p:sldId id="304" r:id="rId38"/>
+    <p:sldId id="305" r:id="rId39"/>
+    <p:sldId id="308" r:id="rId40"/>
+    <p:sldId id="309" r:id="rId41"/>
+    <p:sldId id="310" r:id="rId42"/>
+    <p:sldId id="313" r:id="rId43"/>
+    <p:sldId id="314" r:id="rId44"/>
+    <p:sldId id="315" r:id="rId45"/>
+    <p:sldId id="316" r:id="rId46"/>
+    <p:sldId id="317" r:id="rId47"/>
+    <p:sldId id="319" r:id="rId48"/>
+    <p:sldId id="320" r:id="rId49"/>
+    <p:sldId id="321" r:id="rId50"/>
+    <p:sldId id="324" r:id="rId51"/>
+    <p:sldId id="287" r:id="rId52"/>
   </p:sldIdLst>
   <p:sldSz cx="12192000" cy="6858000"/>
   <p:notesSz cx="7103745" cy="10234295"/>
@@ -733,6 +755,182 @@
 </file>
 
 <file path=ppt/notesSlides/notesSlide3.xml><?xml version="1.0" encoding="utf-8"?>
+<p:notes xmlns:a="http://schemas.openxmlformats.org/drawingml/2006/main" xmlns:r="http://schemas.openxmlformats.org/officeDocument/2006/relationships" xmlns:p="http://schemas.openxmlformats.org/presentationml/2006/main">
+  <p:cSld>
+    <p:spTree>
+      <p:nvGrpSpPr>
+        <p:cNvPr id="1" name=""/>
+        <p:cNvGrpSpPr/>
+        <p:nvPr/>
+      </p:nvGrpSpPr>
+      <p:grpSpPr/>
+      <p:sp>
+        <p:nvSpPr>
+          <p:cNvPr id="2" name="Slide Image Placeholder 1"/>
+          <p:cNvSpPr/>
+          <p:nvPr>
+            <p:ph type="sldImg" idx="2"/>
+          </p:nvPr>
+        </p:nvSpPr>
+        <p:spPr/>
+      </p:sp>
+      <p:sp>
+        <p:nvSpPr>
+          <p:cNvPr id="3" name="Text Placeholder 2"/>
+          <p:cNvSpPr/>
+          <p:nvPr>
+            <p:ph type="body" idx="3"/>
+          </p:nvPr>
+        </p:nvSpPr>
+        <p:spPr/>
+        <p:txBody>
+          <a:bodyPr/>
+          <a:p>
+            <a:endParaRPr lang="en-US"/>
+          </a:p>
+        </p:txBody>
+      </p:sp>
+    </p:spTree>
+  </p:cSld>
+  <p:clrMapOvr>
+    <a:masterClrMapping/>
+  </p:clrMapOvr>
+</p:notes>
+</file>
+
+<file path=ppt/notesSlides/notesSlide4.xml><?xml version="1.0" encoding="utf-8"?>
+<p:notes xmlns:a="http://schemas.openxmlformats.org/drawingml/2006/main" xmlns:r="http://schemas.openxmlformats.org/officeDocument/2006/relationships" xmlns:p="http://schemas.openxmlformats.org/presentationml/2006/main">
+  <p:cSld>
+    <p:spTree>
+      <p:nvGrpSpPr>
+        <p:cNvPr id="1" name=""/>
+        <p:cNvGrpSpPr/>
+        <p:nvPr/>
+      </p:nvGrpSpPr>
+      <p:grpSpPr/>
+      <p:sp>
+        <p:nvSpPr>
+          <p:cNvPr id="2" name="Slide Image Placeholder 1"/>
+          <p:cNvSpPr/>
+          <p:nvPr>
+            <p:ph type="sldImg" idx="2"/>
+          </p:nvPr>
+        </p:nvSpPr>
+        <p:spPr/>
+      </p:sp>
+      <p:sp>
+        <p:nvSpPr>
+          <p:cNvPr id="3" name="Text Placeholder 2"/>
+          <p:cNvSpPr/>
+          <p:nvPr>
+            <p:ph type="body" idx="3"/>
+          </p:nvPr>
+        </p:nvSpPr>
+        <p:spPr/>
+        <p:txBody>
+          <a:bodyPr/>
+          <a:p>
+            <a:endParaRPr lang="en-US"/>
+          </a:p>
+        </p:txBody>
+      </p:sp>
+    </p:spTree>
+  </p:cSld>
+  <p:clrMapOvr>
+    <a:masterClrMapping/>
+  </p:clrMapOvr>
+</p:notes>
+</file>
+
+<file path=ppt/notesSlides/notesSlide5.xml><?xml version="1.0" encoding="utf-8"?>
+<p:notes xmlns:a="http://schemas.openxmlformats.org/drawingml/2006/main" xmlns:r="http://schemas.openxmlformats.org/officeDocument/2006/relationships" xmlns:p="http://schemas.openxmlformats.org/presentationml/2006/main">
+  <p:cSld>
+    <p:spTree>
+      <p:nvGrpSpPr>
+        <p:cNvPr id="1" name=""/>
+        <p:cNvGrpSpPr/>
+        <p:nvPr/>
+      </p:nvGrpSpPr>
+      <p:grpSpPr/>
+      <p:sp>
+        <p:nvSpPr>
+          <p:cNvPr id="2" name="Slide Image Placeholder 1"/>
+          <p:cNvSpPr/>
+          <p:nvPr>
+            <p:ph type="sldImg" idx="2"/>
+          </p:nvPr>
+        </p:nvSpPr>
+        <p:spPr/>
+      </p:sp>
+      <p:sp>
+        <p:nvSpPr>
+          <p:cNvPr id="3" name="Text Placeholder 2"/>
+          <p:cNvSpPr/>
+          <p:nvPr>
+            <p:ph type="body" idx="3"/>
+          </p:nvPr>
+        </p:nvSpPr>
+        <p:spPr/>
+        <p:txBody>
+          <a:bodyPr/>
+          <a:p>
+            <a:endParaRPr lang="en-US"/>
+          </a:p>
+        </p:txBody>
+      </p:sp>
+    </p:spTree>
+  </p:cSld>
+  <p:clrMapOvr>
+    <a:masterClrMapping/>
+  </p:clrMapOvr>
+</p:notes>
+</file>
+
+<file path=ppt/notesSlides/notesSlide6.xml><?xml version="1.0" encoding="utf-8"?>
+<p:notes xmlns:a="http://schemas.openxmlformats.org/drawingml/2006/main" xmlns:r="http://schemas.openxmlformats.org/officeDocument/2006/relationships" xmlns:p="http://schemas.openxmlformats.org/presentationml/2006/main">
+  <p:cSld>
+    <p:spTree>
+      <p:nvGrpSpPr>
+        <p:cNvPr id="1" name=""/>
+        <p:cNvGrpSpPr/>
+        <p:nvPr/>
+      </p:nvGrpSpPr>
+      <p:grpSpPr/>
+      <p:sp>
+        <p:nvSpPr>
+          <p:cNvPr id="2" name="Slide Image Placeholder 1"/>
+          <p:cNvSpPr/>
+          <p:nvPr>
+            <p:ph type="sldImg" idx="2"/>
+          </p:nvPr>
+        </p:nvSpPr>
+        <p:spPr/>
+      </p:sp>
+      <p:sp>
+        <p:nvSpPr>
+          <p:cNvPr id="3" name="Text Placeholder 2"/>
+          <p:cNvSpPr/>
+          <p:nvPr>
+            <p:ph type="body" idx="3"/>
+          </p:nvPr>
+        </p:nvSpPr>
+        <p:spPr/>
+        <p:txBody>
+          <a:bodyPr/>
+          <a:p>
+            <a:endParaRPr lang="en-US"/>
+          </a:p>
+        </p:txBody>
+      </p:sp>
+    </p:spTree>
+  </p:cSld>
+  <p:clrMapOvr>
+    <a:masterClrMapping/>
+  </p:clrMapOvr>
+</p:notes>
+</file>
+
+<file path=ppt/notesSlides/notesSlide7.xml><?xml version="1.0" encoding="utf-8"?>
 <p:notes xmlns:a="http://schemas.openxmlformats.org/drawingml/2006/main" xmlns:r="http://schemas.openxmlformats.org/officeDocument/2006/relationships" xmlns:p="http://schemas.openxmlformats.org/presentationml/2006/main">
   <p:cSld>
     <p:spTree>
@@ -3839,6 +4037,12 @@
               <a:rPr lang="zh-CN" altLang="en-US"/>
               <a:t>容器</a:t>
             </a:r>
+            <a:r>
+              <a:rPr lang="zh-CN" altLang="en-US">
+                <a:sym typeface="+mn-ea"/>
+              </a:rPr>
+              <a:t>：构造函数</a:t>
+            </a:r>
             <a:endParaRPr lang="zh-CN" altLang="en-US"/>
           </a:p>
         </p:txBody>
@@ -3991,9 +4195,23 @@
             </a:r>
             <a:r>
               <a:rPr lang="zh-CN" altLang="en-US"/>
-              <a:t>容器</a:t>
-            </a:r>
-            <a:endParaRPr lang="zh-CN" altLang="en-US"/>
+              <a:t>容器：</a:t>
+            </a:r>
+            <a:r>
+              <a:rPr lang="zh-CN" altLang="en-US">
+                <a:sym typeface="+mn-ea"/>
+              </a:rPr>
+              <a:t>构造函数和</a:t>
+            </a:r>
+            <a:r>
+              <a:rPr lang="en-US" altLang="zh-CN">
+                <a:sym typeface="+mn-ea"/>
+              </a:rPr>
+              <a:t> size</a:t>
+            </a:r>
+            <a:endParaRPr lang="en-US" altLang="zh-CN">
+              <a:sym typeface="+mn-ea"/>
+            </a:endParaRPr>
           </a:p>
         </p:txBody>
       </p:sp>
@@ -4092,8 +4310,18 @@
               <a:t>之后可以通过</a:t>
             </a:r>
             <a:r>
+              <a:rPr lang="en-US" altLang="zh-CN">
+                <a:solidFill>
+                  <a:schemeClr val="accent5">
+                    <a:lumMod val="75000"/>
+                  </a:schemeClr>
+                </a:solidFill>
+              </a:rPr>
+              <a:t> a.size()</a:t>
+            </a:r>
+            <a:r>
               <a:rPr lang="en-US" altLang="zh-CN"/>
-              <a:t> a.size() </a:t>
+              <a:t> </a:t>
             </a:r>
             <a:r>
               <a:rPr lang="zh-CN" altLang="en-US"/>
@@ -4225,7 +4453,13 @@
             </a:r>
             <a:r>
               <a:rPr lang="zh-CN" altLang="en-US"/>
-              <a:t>容器</a:t>
+              <a:t>容器：</a:t>
+            </a:r>
+            <a:r>
+              <a:rPr lang="en-US" altLang="zh-CN">
+                <a:sym typeface="+mn-ea"/>
+              </a:rPr>
+              <a:t>operator[]</a:t>
             </a:r>
             <a:endParaRPr lang="zh-CN" altLang="en-US"/>
           </a:p>
@@ -4459,7 +4693,27 @@
               <a:rPr lang="zh-CN" altLang="en-US"/>
               <a:t>容器</a:t>
             </a:r>
-            <a:endParaRPr lang="zh-CN" altLang="en-US"/>
+            <a:r>
+              <a:rPr lang="zh-CN" altLang="en-US">
+                <a:sym typeface="+mn-ea"/>
+              </a:rPr>
+              <a:t>：</a:t>
+            </a:r>
+            <a:r>
+              <a:rPr lang="en-US" altLang="zh-CN">
+                <a:sym typeface="+mn-ea"/>
+              </a:rPr>
+              <a:t>operator</a:t>
+            </a:r>
+            <a:r>
+              <a:rPr lang="en-US" altLang="zh-CN">
+                <a:sym typeface="+mn-ea"/>
+              </a:rPr>
+              <a:t>[]</a:t>
+            </a:r>
+            <a:endParaRPr lang="en-US" altLang="zh-CN">
+              <a:sym typeface="+mn-ea"/>
+            </a:endParaRPr>
           </a:p>
         </p:txBody>
       </p:sp>
@@ -4676,7 +4930,13 @@
             </a:r>
             <a:r>
               <a:rPr lang="zh-CN" altLang="en-US"/>
-              <a:t>容器</a:t>
+              <a:t>容器：</a:t>
+            </a:r>
+            <a:r>
+              <a:rPr lang="en-US" altLang="zh-CN">
+                <a:sym typeface="+mn-ea"/>
+              </a:rPr>
+              <a:t>at</a:t>
             </a:r>
             <a:endParaRPr lang="zh-CN" altLang="en-US"/>
           </a:p>
@@ -4904,7 +5164,33 @@
               <a:rPr lang="zh-CN" altLang="en-US"/>
               <a:t>容器</a:t>
             </a:r>
-            <a:endParaRPr lang="zh-CN" altLang="en-US"/>
+            <a:r>
+              <a:rPr lang="zh-CN" altLang="en-US">
+                <a:sym typeface="+mn-ea"/>
+              </a:rPr>
+              <a:t>：</a:t>
+            </a:r>
+            <a:r>
+              <a:rPr lang="en-US" altLang="zh-CN">
+                <a:sym typeface="+mn-ea"/>
+              </a:rPr>
+              <a:t>operator[] </a:t>
+            </a:r>
+            <a:r>
+              <a:rPr lang="zh-CN" altLang="en-US">
+                <a:sym typeface="+mn-ea"/>
+              </a:rPr>
+              <a:t>和</a:t>
+            </a:r>
+            <a:r>
+              <a:rPr lang="en-US" altLang="zh-CN">
+                <a:sym typeface="+mn-ea"/>
+              </a:rPr>
+              <a:t> at</a:t>
+            </a:r>
+            <a:endParaRPr lang="en-US" altLang="zh-CN">
+              <a:sym typeface="+mn-ea"/>
+            </a:endParaRPr>
           </a:p>
         </p:txBody>
       </p:sp>
@@ -5164,6 +5450,12 @@
               <a:rPr lang="zh-CN" altLang="en-US"/>
               <a:t>容器</a:t>
             </a:r>
+            <a:r>
+              <a:rPr lang="zh-CN" altLang="en-US">
+                <a:sym typeface="+mn-ea"/>
+              </a:rPr>
+              <a:t>：构造函数</a:t>
+            </a:r>
             <a:endParaRPr lang="zh-CN" altLang="en-US"/>
           </a:p>
         </p:txBody>
@@ -5366,6 +5658,12 @@
               <a:rPr lang="zh-CN" altLang="en-US"/>
               <a:t>容器</a:t>
             </a:r>
+            <a:r>
+              <a:rPr lang="zh-CN" altLang="en-US">
+                <a:sym typeface="+mn-ea"/>
+              </a:rPr>
+              <a:t>：构造函数</a:t>
+            </a:r>
             <a:endParaRPr lang="zh-CN" altLang="en-US"/>
           </a:p>
         </p:txBody>
@@ -5543,6 +5841,12 @@
               <a:rPr lang="zh-CN" altLang="en-US"/>
               <a:t>容器</a:t>
             </a:r>
+            <a:r>
+              <a:rPr lang="zh-CN" altLang="en-US">
+                <a:sym typeface="+mn-ea"/>
+              </a:rPr>
+              <a:t>：构造函数</a:t>
+            </a:r>
             <a:endParaRPr lang="zh-CN" altLang="en-US"/>
           </a:p>
         </p:txBody>
@@ -5853,6 +6157,12 @@
             <a:r>
               <a:rPr lang="zh-CN" altLang="en-US"/>
               <a:t>容器</a:t>
+            </a:r>
+            <a:r>
+              <a:rPr lang="zh-CN" altLang="en-US">
+                <a:sym typeface="+mn-ea"/>
+              </a:rPr>
+              <a:t>：构造函数</a:t>
             </a:r>
             <a:endParaRPr lang="zh-CN" altLang="en-US"/>
           </a:p>
@@ -6263,6 +6573,12 @@
               <a:rPr lang="zh-CN" altLang="en-US"/>
               <a:t>容器</a:t>
             </a:r>
+            <a:r>
+              <a:rPr lang="zh-CN" altLang="en-US">
+                <a:sym typeface="+mn-ea"/>
+              </a:rPr>
+              <a:t>：构造函数</a:t>
+            </a:r>
             <a:endParaRPr lang="zh-CN" altLang="en-US"/>
           </a:p>
         </p:txBody>
@@ -6661,6 +6977,12 @@
               <a:rPr lang="zh-CN" altLang="en-US"/>
               <a:t>容器</a:t>
             </a:r>
+            <a:r>
+              <a:rPr lang="zh-CN" altLang="en-US">
+                <a:sym typeface="+mn-ea"/>
+              </a:rPr>
+              <a:t>：构造函数</a:t>
+            </a:r>
             <a:endParaRPr lang="zh-CN" altLang="en-US"/>
           </a:p>
         </p:txBody>
@@ -6847,6 +7169,12 @@
               <a:rPr lang="zh-CN" altLang="en-US"/>
               <a:t>容器</a:t>
             </a:r>
+            <a:r>
+              <a:rPr lang="zh-CN" altLang="en-US">
+                <a:sym typeface="+mn-ea"/>
+              </a:rPr>
+              <a:t>：构造函数</a:t>
+            </a:r>
             <a:endParaRPr lang="zh-CN" altLang="en-US"/>
           </a:p>
         </p:txBody>
@@ -7058,6 +7386,18 @@
               <a:rPr lang="zh-CN" altLang="en-US"/>
               <a:t>容器</a:t>
             </a:r>
+            <a:r>
+              <a:rPr lang="zh-CN" altLang="en-US">
+                <a:sym typeface="+mn-ea"/>
+              </a:rPr>
+              <a:t>：</a:t>
+            </a:r>
+            <a:r>
+              <a:rPr lang="en-US" altLang="zh-CN">
+                <a:sym typeface="+mn-ea"/>
+              </a:rPr>
+              <a:t>resize</a:t>
+            </a:r>
             <a:endParaRPr lang="zh-CN" altLang="en-US"/>
           </a:p>
         </p:txBody>
@@ -7288,6 +7628,18 @@
               <a:rPr lang="zh-CN" altLang="en-US"/>
               <a:t>容器</a:t>
             </a:r>
+            <a:r>
+              <a:rPr lang="zh-CN" altLang="en-US">
+                <a:sym typeface="+mn-ea"/>
+              </a:rPr>
+              <a:t>：</a:t>
+            </a:r>
+            <a:r>
+              <a:rPr lang="en-US" altLang="zh-CN">
+                <a:sym typeface="+mn-ea"/>
+              </a:rPr>
+              <a:t>resize</a:t>
+            </a:r>
             <a:endParaRPr lang="zh-CN" altLang="en-US"/>
           </a:p>
         </p:txBody>
@@ -7533,6 +7885,18 @@
               <a:rPr lang="zh-CN" altLang="en-US"/>
               <a:t>容器</a:t>
             </a:r>
+            <a:r>
+              <a:rPr lang="zh-CN" altLang="en-US">
+                <a:sym typeface="+mn-ea"/>
+              </a:rPr>
+              <a:t>：</a:t>
+            </a:r>
+            <a:r>
+              <a:rPr lang="en-US" altLang="zh-CN">
+                <a:sym typeface="+mn-ea"/>
+              </a:rPr>
+              <a:t>resize</a:t>
+            </a:r>
             <a:endParaRPr lang="zh-CN" altLang="en-US"/>
           </a:p>
         </p:txBody>
@@ -7555,7 +7919,7 @@
         </p:spPr>
         <p:txBody>
           <a:bodyPr>
-            <a:normAutofit lnSpcReduction="10000"/>
+            <a:normAutofit lnSpcReduction="20000"/>
           </a:bodyPr>
           <a:p>
             <a:r>
@@ -7578,7 +7942,19 @@
             </a:r>
             <a:r>
               <a:rPr lang="zh-CN"/>
-              <a:t>如果数组里面已经有</a:t>
+              <a:t>如果数组里面不足</a:t>
+            </a:r>
+            <a:r>
+              <a:rPr lang="en-US" altLang="zh-CN"/>
+              <a:t> n </a:t>
+            </a:r>
+            <a:r>
+              <a:rPr lang="zh-CN" altLang="en-US"/>
+              <a:t>个</a:t>
+            </a:r>
+            <a:r>
+              <a:rPr lang="zh-CN"/>
+              <a:t>元素，假设是</a:t>
             </a:r>
             <a:r>
               <a:rPr lang="en-US" altLang="zh-CN"/>
@@ -7590,11 +7966,7 @@
             </a:r>
             <a:r>
               <a:rPr lang="zh-CN"/>
-              <a:t>元素，</a:t>
-            </a:r>
-            <a:r>
-              <a:rPr lang="en-US" altLang="zh-CN"/>
-              <a:t> </a:t>
+              <a:t>，则他</a:t>
             </a:r>
             <a:r>
               <a:rPr lang="zh-CN" altLang="en-US" b="1"/>
@@ -7809,20 +8181,247 @@
           <a:bodyPr/>
           <a:p>
             <a:r>
-              <a:rPr lang="zh-CN"/>
-              <a:t>顺便宣传一下小彭老师的插件全家桶：</a:t>
-            </a:r>
-            <a:r>
-              <a:rPr lang="en-US" altLang="zh-CN"/>
-              <a:t>github.com/archibate/vimrc</a:t>
-            </a:r>
-            <a:endParaRPr lang="en-US" altLang="zh-CN"/>
+              <a:rPr lang="en-US"/>
+              <a:t>vector </a:t>
+            </a:r>
+            <a:r>
+              <a:rPr lang="zh-CN" altLang="en-US"/>
+              <a:t>容器</a:t>
+            </a:r>
+            <a:r>
+              <a:rPr lang="zh-CN" altLang="en-US">
+                <a:sym typeface="+mn-ea"/>
+              </a:rPr>
+              <a:t>：</a:t>
+            </a:r>
+            <a:r>
+              <a:rPr lang="en-US" altLang="zh-CN">
+                <a:sym typeface="+mn-ea"/>
+              </a:rPr>
+              <a:t>resize</a:t>
+            </a:r>
+            <a:endParaRPr lang="zh-CN" altLang="en-US"/>
+          </a:p>
+        </p:txBody>
+      </p:sp>
+      <p:sp>
+        <p:nvSpPr>
+          <p:cNvPr id="3" name="Content Placeholder 2"/>
+          <p:cNvSpPr>
+            <a:spLocks noGrp="1"/>
+          </p:cNvSpPr>
+          <p:nvPr>
+            <p:ph sz="half" idx="1"/>
+          </p:nvPr>
+        </p:nvSpPr>
+        <p:spPr>
+          <a:xfrm>
+            <a:off x="371475" y="1825625"/>
+            <a:ext cx="5539740" cy="4351655"/>
+          </a:xfrm>
+        </p:spPr>
+        <p:txBody>
+          <a:bodyPr>
+            <a:normAutofit lnSpcReduction="20000"/>
+          </a:bodyPr>
+          <a:p>
+            <a:r>
+              <a:rPr lang="zh-CN" altLang="en-US">
+                <a:sym typeface="+mn-ea"/>
+              </a:rPr>
+              <a:t>调用</a:t>
+            </a:r>
+            <a:r>
+              <a:rPr lang="en-US" altLang="zh-CN">
+                <a:sym typeface="+mn-ea"/>
+              </a:rPr>
+              <a:t> resize(n) </a:t>
+            </a:r>
+            <a:r>
+              <a:rPr lang="zh-CN" altLang="en-US">
+                <a:sym typeface="+mn-ea"/>
+              </a:rPr>
+              <a:t>的时候，</a:t>
+            </a:r>
+            <a:r>
+              <a:rPr lang="zh-CN">
+                <a:sym typeface="+mn-ea"/>
+              </a:rPr>
+              <a:t>如果数组已有超过</a:t>
+            </a:r>
+            <a:r>
+              <a:rPr lang="en-US" altLang="zh-CN">
+                <a:sym typeface="+mn-ea"/>
+              </a:rPr>
+              <a:t> n </a:t>
+            </a:r>
+            <a:r>
+              <a:rPr lang="zh-CN" altLang="en-US">
+                <a:sym typeface="+mn-ea"/>
+              </a:rPr>
+              <a:t>个</a:t>
+            </a:r>
+            <a:r>
+              <a:rPr lang="zh-CN">
+                <a:sym typeface="+mn-ea"/>
+              </a:rPr>
+              <a:t>元素，假设是</a:t>
+            </a:r>
+            <a:r>
+              <a:rPr lang="en-US" altLang="zh-CN">
+                <a:sym typeface="+mn-ea"/>
+              </a:rPr>
+              <a:t> m </a:t>
+            </a:r>
+            <a:r>
+              <a:rPr lang="zh-CN" altLang="en-US">
+                <a:sym typeface="+mn-ea"/>
+              </a:rPr>
+              <a:t>个</a:t>
+            </a:r>
+            <a:r>
+              <a:rPr lang="zh-CN">
+                <a:sym typeface="+mn-ea"/>
+              </a:rPr>
+              <a:t>，则他</a:t>
+            </a:r>
+            <a:r>
+              <a:rPr lang="zh-CN" b="1">
+                <a:sym typeface="+mn-ea"/>
+              </a:rPr>
+              <a:t>会删除多出来的</a:t>
+            </a:r>
+            <a:r>
+              <a:rPr lang="en-US" altLang="zh-CN" b="1">
+                <a:sym typeface="+mn-ea"/>
+              </a:rPr>
+              <a:t> m - n </a:t>
+            </a:r>
+            <a:r>
+              <a:rPr lang="zh-CN" altLang="en-US" b="1">
+                <a:sym typeface="+mn-ea"/>
+              </a:rPr>
+              <a:t>个元素</a:t>
+            </a:r>
+            <a:r>
+              <a:rPr lang="zh-CN" altLang="en-US">
+                <a:sym typeface="+mn-ea"/>
+              </a:rPr>
+              <a:t>，前</a:t>
+            </a:r>
+            <a:r>
+              <a:rPr lang="en-US" altLang="zh-CN">
+                <a:sym typeface="+mn-ea"/>
+              </a:rPr>
+              <a:t> n </a:t>
+            </a:r>
+            <a:r>
+              <a:rPr lang="zh-CN" altLang="en-US">
+                <a:sym typeface="+mn-ea"/>
+              </a:rPr>
+              <a:t>个元素会保持不变。</a:t>
+            </a:r>
+            <a:endParaRPr lang="zh-CN"/>
+          </a:p>
+          <a:p>
+            <a:r>
+              <a:rPr lang="en-US" altLang="zh-CN">
+                <a:solidFill>
+                  <a:schemeClr val="accent5">
+                    <a:lumMod val="75000"/>
+                  </a:schemeClr>
+                </a:solidFill>
+                <a:sym typeface="+mn-ea"/>
+              </a:rPr>
+              <a:t>vector&lt;int&gt; a = {1, 2, 3, 4, 5, 6};</a:t>
+            </a:r>
+            <a:endParaRPr lang="en-US" altLang="zh-CN">
+              <a:solidFill>
+                <a:schemeClr val="accent5">
+                  <a:lumMod val="75000"/>
+                </a:schemeClr>
+              </a:solidFill>
+              <a:sym typeface="+mn-ea"/>
+            </a:endParaRPr>
+          </a:p>
+          <a:p>
+            <a:r>
+              <a:rPr lang="en-US" altLang="zh-CN">
+                <a:solidFill>
+                  <a:schemeClr val="accent5">
+                    <a:lumMod val="75000"/>
+                  </a:schemeClr>
+                </a:solidFill>
+                <a:sym typeface="+mn-ea"/>
+              </a:rPr>
+              <a:t>a.resize(4);</a:t>
+            </a:r>
+            <a:endParaRPr lang="en-US" altLang="zh-CN">
+              <a:solidFill>
+                <a:schemeClr val="accent5">
+                  <a:lumMod val="75000"/>
+                </a:schemeClr>
+              </a:solidFill>
+              <a:sym typeface="+mn-ea"/>
+            </a:endParaRPr>
+          </a:p>
+          <a:p>
+            <a:r>
+              <a:rPr lang="zh-CN" altLang="en-US">
+                <a:sym typeface="+mn-ea"/>
+              </a:rPr>
+              <a:t>等价于：</a:t>
+            </a:r>
+            <a:endParaRPr lang="zh-CN" altLang="en-US">
+              <a:sym typeface="+mn-ea"/>
+            </a:endParaRPr>
+          </a:p>
+          <a:p>
+            <a:r>
+              <a:rPr lang="en-US" altLang="zh-CN">
+                <a:solidFill>
+                  <a:schemeClr val="accent5">
+                    <a:lumMod val="75000"/>
+                  </a:schemeClr>
+                </a:solidFill>
+                <a:sym typeface="+mn-ea"/>
+              </a:rPr>
+              <a:t>vector&lt;int&gt; a = {1, 2, 3, 4};</a:t>
+            </a:r>
+            <a:endParaRPr lang="en-US" altLang="zh-CN">
+              <a:solidFill>
+                <a:schemeClr val="accent5">
+                  <a:lumMod val="75000"/>
+                </a:schemeClr>
+              </a:solidFill>
+              <a:sym typeface="+mn-ea"/>
+            </a:endParaRPr>
+          </a:p>
+          <a:p>
+            <a:r>
+              <a:rPr lang="en-US" altLang="zh-CN">
+                <a:solidFill>
+                  <a:schemeClr val="bg1">
+                    <a:lumMod val="65000"/>
+                  </a:schemeClr>
+                </a:solidFill>
+                <a:sym typeface="+mn-ea"/>
+              </a:rPr>
+              <a:t>void resize(size_t n);</a:t>
+            </a:r>
+            <a:endParaRPr lang="en-US" altLang="zh-CN">
+              <a:solidFill>
+                <a:schemeClr val="accent5">
+                  <a:lumMod val="75000"/>
+                </a:schemeClr>
+              </a:solidFill>
+            </a:endParaRPr>
           </a:p>
         </p:txBody>
       </p:sp>
       <p:pic>
         <p:nvPicPr>
-          <p:cNvPr id="8" name="Content Placeholder 7"/>
+          <p:cNvPr id="7" name="Content Placeholder 6"/>
           <p:cNvPicPr>
             <a:picLocks noChangeAspect="1"/>
           </p:cNvPicPr>
@@ -7838,8 +8437,8 @@
         </p:blipFill>
         <p:spPr>
           <a:xfrm>
-            <a:off x="6691630" y="1480820"/>
-            <a:ext cx="5171440" cy="4893945"/>
+            <a:off x="6191885" y="1861185"/>
+            <a:ext cx="4760595" cy="3136900"/>
           </a:xfrm>
           <a:prstGeom prst="rect">
             <a:avLst/>
@@ -7848,13 +8447,11 @@
       </p:pic>
       <p:pic>
         <p:nvPicPr>
-          <p:cNvPr id="10" name="Content Placeholder 9"/>
+          <p:cNvPr id="9" name="Picture 8"/>
           <p:cNvPicPr>
             <a:picLocks noChangeAspect="1"/>
           </p:cNvPicPr>
-          <p:nvPr>
-            <p:ph sz="half" idx="1"/>
-          </p:nvPr>
+          <p:nvPr/>
         </p:nvPicPr>
         <p:blipFill>
           <a:blip r:embed="rId2"/>
@@ -7864,8 +8461,652 @@
         </p:blipFill>
         <p:spPr>
           <a:xfrm>
-            <a:off x="208280" y="1584325"/>
-            <a:ext cx="6285230" cy="4747260"/>
+            <a:off x="6337300" y="5354320"/>
+            <a:ext cx="4469130" cy="1053465"/>
+          </a:xfrm>
+          <a:prstGeom prst="rect">
+            <a:avLst/>
+          </a:prstGeom>
+        </p:spPr>
+      </p:pic>
+    </p:spTree>
+  </p:cSld>
+  <p:clrMapOvr>
+    <a:masterClrMapping/>
+  </p:clrMapOvr>
+</p:sld>
+</file>
+
+<file path=ppt/slides/slide28.xml><?xml version="1.0" encoding="utf-8"?>
+<p:sld xmlns:a="http://schemas.openxmlformats.org/drawingml/2006/main" xmlns:r="http://schemas.openxmlformats.org/officeDocument/2006/relationships" xmlns:p="http://schemas.openxmlformats.org/presentationml/2006/main">
+  <p:cSld>
+    <p:spTree>
+      <p:nvGrpSpPr>
+        <p:cNvPr id="1" name=""/>
+        <p:cNvGrpSpPr/>
+        <p:nvPr/>
+      </p:nvGrpSpPr>
+      <p:grpSpPr/>
+      <p:sp>
+        <p:nvSpPr>
+          <p:cNvPr id="2" name="Title 1"/>
+          <p:cNvSpPr>
+            <a:spLocks noGrp="1"/>
+          </p:cNvSpPr>
+          <p:nvPr>
+            <p:ph type="title"/>
+          </p:nvPr>
+        </p:nvSpPr>
+        <p:spPr/>
+        <p:txBody>
+          <a:bodyPr/>
+          <a:p>
+            <a:r>
+              <a:rPr lang="en-US"/>
+              <a:t>vector </a:t>
+            </a:r>
+            <a:r>
+              <a:rPr lang="zh-CN" altLang="en-US"/>
+              <a:t>容器</a:t>
+            </a:r>
+            <a:r>
+              <a:rPr lang="zh-CN" altLang="en-US">
+                <a:sym typeface="+mn-ea"/>
+              </a:rPr>
+              <a:t>：</a:t>
+            </a:r>
+            <a:r>
+              <a:rPr lang="en-US" altLang="zh-CN">
+                <a:sym typeface="+mn-ea"/>
+              </a:rPr>
+              <a:t>resize</a:t>
+            </a:r>
+            <a:endParaRPr lang="zh-CN" altLang="en-US"/>
+          </a:p>
+        </p:txBody>
+      </p:sp>
+      <p:sp>
+        <p:nvSpPr>
+          <p:cNvPr id="3" name="Content Placeholder 2"/>
+          <p:cNvSpPr>
+            <a:spLocks noGrp="1"/>
+          </p:cNvSpPr>
+          <p:nvPr>
+            <p:ph sz="half" idx="1"/>
+          </p:nvPr>
+        </p:nvSpPr>
+        <p:spPr>
+          <a:xfrm>
+            <a:off x="371475" y="1825625"/>
+            <a:ext cx="5539740" cy="4351655"/>
+          </a:xfrm>
+        </p:spPr>
+        <p:txBody>
+          <a:bodyPr>
+            <a:normAutofit lnSpcReduction="20000"/>
+          </a:bodyPr>
+          <a:p>
+            <a:r>
+              <a:rPr lang="zh-CN" altLang="en-US">
+                <a:sym typeface="+mn-ea"/>
+              </a:rPr>
+              <a:t>调用第二个重载</a:t>
+            </a:r>
+            <a:r>
+              <a:rPr lang="en-US" altLang="zh-CN">
+                <a:sym typeface="+mn-ea"/>
+              </a:rPr>
+              <a:t> resize(n, val) </a:t>
+            </a:r>
+            <a:r>
+              <a:rPr lang="zh-CN" altLang="en-US">
+                <a:sym typeface="+mn-ea"/>
+              </a:rPr>
+              <a:t>的时候，</a:t>
+            </a:r>
+            <a:r>
+              <a:rPr lang="zh-CN"/>
+              <a:t>如果数组里面不足</a:t>
+            </a:r>
+            <a:r>
+              <a:rPr lang="en-US" altLang="zh-CN"/>
+              <a:t> n </a:t>
+            </a:r>
+            <a:r>
+              <a:rPr lang="zh-CN" altLang="en-US"/>
+              <a:t>个</a:t>
+            </a:r>
+            <a:r>
+              <a:rPr lang="zh-CN"/>
+              <a:t>元素，假设是</a:t>
+            </a:r>
+            <a:r>
+              <a:rPr lang="en-US" altLang="zh-CN"/>
+              <a:t> m </a:t>
+            </a:r>
+            <a:r>
+              <a:rPr lang="zh-CN" altLang="en-US"/>
+              <a:t>个</a:t>
+            </a:r>
+            <a:r>
+              <a:rPr lang="zh-CN"/>
+              <a:t>，则他</a:t>
+            </a:r>
+            <a:r>
+              <a:rPr lang="zh-CN" altLang="en-US" b="1"/>
+              <a:t>只会用第二个参数</a:t>
+            </a:r>
+            <a:r>
+              <a:rPr lang="en-US" altLang="zh-CN" b="1"/>
+              <a:t> val </a:t>
+            </a:r>
+            <a:r>
+              <a:rPr lang="zh-CN" altLang="en-US" b="1"/>
+              <a:t>填充新增的</a:t>
+            </a:r>
+            <a:r>
+              <a:rPr lang="en-US" altLang="zh-CN" b="1"/>
+              <a:t> n - m </a:t>
+            </a:r>
+            <a:r>
+              <a:rPr lang="zh-CN" altLang="en-US" b="1"/>
+              <a:t>个元素</a:t>
+            </a:r>
+            <a:r>
+              <a:rPr lang="zh-CN" altLang="en-US"/>
+              <a:t>，前</a:t>
+            </a:r>
+            <a:r>
+              <a:rPr lang="en-US" altLang="zh-CN"/>
+              <a:t> m </a:t>
+            </a:r>
+            <a:r>
+              <a:rPr lang="zh-CN" altLang="en-US"/>
+              <a:t>个元素会保持不变。</a:t>
+            </a:r>
+            <a:endParaRPr lang="zh-CN"/>
+          </a:p>
+          <a:p>
+            <a:r>
+              <a:rPr lang="en-US" altLang="zh-CN">
+                <a:solidFill>
+                  <a:schemeClr val="accent5">
+                    <a:lumMod val="75000"/>
+                  </a:schemeClr>
+                </a:solidFill>
+                <a:sym typeface="+mn-ea"/>
+              </a:rPr>
+              <a:t>vector&lt;int&gt; a = {1, 2};</a:t>
+            </a:r>
+            <a:endParaRPr lang="en-US" altLang="zh-CN">
+              <a:solidFill>
+                <a:schemeClr val="accent5">
+                  <a:lumMod val="75000"/>
+                </a:schemeClr>
+              </a:solidFill>
+              <a:sym typeface="+mn-ea"/>
+            </a:endParaRPr>
+          </a:p>
+          <a:p>
+            <a:r>
+              <a:rPr lang="en-US" altLang="zh-CN">
+                <a:solidFill>
+                  <a:schemeClr val="accent5">
+                    <a:lumMod val="75000"/>
+                  </a:schemeClr>
+                </a:solidFill>
+                <a:sym typeface="+mn-ea"/>
+              </a:rPr>
+              <a:t>a.resize(4, 233);</a:t>
+            </a:r>
+            <a:endParaRPr lang="en-US" altLang="zh-CN">
+              <a:solidFill>
+                <a:schemeClr val="accent5">
+                  <a:lumMod val="75000"/>
+                </a:schemeClr>
+              </a:solidFill>
+              <a:sym typeface="+mn-ea"/>
+            </a:endParaRPr>
+          </a:p>
+          <a:p>
+            <a:r>
+              <a:rPr lang="zh-CN" altLang="en-US">
+                <a:sym typeface="+mn-ea"/>
+              </a:rPr>
+              <a:t>等价于：</a:t>
+            </a:r>
+            <a:endParaRPr lang="zh-CN" altLang="en-US">
+              <a:sym typeface="+mn-ea"/>
+            </a:endParaRPr>
+          </a:p>
+          <a:p>
+            <a:r>
+              <a:rPr lang="en-US" altLang="zh-CN">
+                <a:solidFill>
+                  <a:schemeClr val="accent5">
+                    <a:lumMod val="75000"/>
+                  </a:schemeClr>
+                </a:solidFill>
+                <a:sym typeface="+mn-ea"/>
+              </a:rPr>
+              <a:t>vector&lt;int&gt; a = {1, 2, 233, 233};</a:t>
+            </a:r>
+            <a:endParaRPr lang="en-US" altLang="zh-CN">
+              <a:solidFill>
+                <a:schemeClr val="accent5">
+                  <a:lumMod val="75000"/>
+                </a:schemeClr>
+              </a:solidFill>
+              <a:sym typeface="+mn-ea"/>
+            </a:endParaRPr>
+          </a:p>
+          <a:p>
+            <a:r>
+              <a:rPr lang="en-US" altLang="zh-CN">
+                <a:solidFill>
+                  <a:schemeClr val="bg1">
+                    <a:lumMod val="65000"/>
+                  </a:schemeClr>
+                </a:solidFill>
+                <a:sym typeface="+mn-ea"/>
+              </a:rPr>
+              <a:t>void resize(size_t n, int const &amp;val);</a:t>
+            </a:r>
+            <a:endParaRPr lang="en-US" altLang="zh-CN">
+              <a:solidFill>
+                <a:schemeClr val="accent5">
+                  <a:lumMod val="75000"/>
+                </a:schemeClr>
+              </a:solidFill>
+            </a:endParaRPr>
+          </a:p>
+        </p:txBody>
+      </p:sp>
+      <p:pic>
+        <p:nvPicPr>
+          <p:cNvPr id="4" name="Picture 3"/>
+          <p:cNvPicPr>
+            <a:picLocks noChangeAspect="1"/>
+          </p:cNvPicPr>
+          <p:nvPr/>
+        </p:nvPicPr>
+        <p:blipFill>
+          <a:blip r:embed="rId1"/>
+          <a:stretch>
+            <a:fillRect/>
+          </a:stretch>
+        </p:blipFill>
+        <p:spPr>
+          <a:xfrm>
+            <a:off x="7240270" y="5213350"/>
+            <a:ext cx="2663825" cy="1295400"/>
+          </a:xfrm>
+          <a:prstGeom prst="rect">
+            <a:avLst/>
+          </a:prstGeom>
+        </p:spPr>
+      </p:pic>
+      <p:pic>
+        <p:nvPicPr>
+          <p:cNvPr id="6" name="Content Placeholder 5"/>
+          <p:cNvPicPr>
+            <a:picLocks noChangeAspect="1"/>
+          </p:cNvPicPr>
+          <p:nvPr>
+            <p:ph sz="half" idx="2"/>
+          </p:nvPr>
+        </p:nvPicPr>
+        <p:blipFill>
+          <a:blip r:embed="rId2"/>
+          <a:stretch>
+            <a:fillRect/>
+          </a:stretch>
+        </p:blipFill>
+        <p:spPr>
+          <a:xfrm>
+            <a:off x="6911975" y="1795780"/>
+            <a:ext cx="3319780" cy="3266440"/>
+          </a:xfrm>
+          <a:prstGeom prst="rect">
+            <a:avLst/>
+          </a:prstGeom>
+        </p:spPr>
+      </p:pic>
+    </p:spTree>
+  </p:cSld>
+  <p:clrMapOvr>
+    <a:masterClrMapping/>
+  </p:clrMapOvr>
+</p:sld>
+</file>
+
+<file path=ppt/slides/slide29.xml><?xml version="1.0" encoding="utf-8"?>
+<p:sld xmlns:a="http://schemas.openxmlformats.org/drawingml/2006/main" xmlns:r="http://schemas.openxmlformats.org/officeDocument/2006/relationships" xmlns:p="http://schemas.openxmlformats.org/presentationml/2006/main">
+  <p:cSld>
+    <p:spTree>
+      <p:nvGrpSpPr>
+        <p:cNvPr id="1" name=""/>
+        <p:cNvGrpSpPr/>
+        <p:nvPr/>
+      </p:nvGrpSpPr>
+      <p:grpSpPr/>
+      <p:sp>
+        <p:nvSpPr>
+          <p:cNvPr id="2" name="Title 1"/>
+          <p:cNvSpPr>
+            <a:spLocks noGrp="1"/>
+          </p:cNvSpPr>
+          <p:nvPr>
+            <p:ph type="title"/>
+          </p:nvPr>
+        </p:nvSpPr>
+        <p:spPr/>
+        <p:txBody>
+          <a:bodyPr/>
+          <a:p>
+            <a:r>
+              <a:rPr lang="en-US"/>
+              <a:t>vector </a:t>
+            </a:r>
+            <a:r>
+              <a:rPr lang="zh-CN" altLang="en-US"/>
+              <a:t>容器</a:t>
+            </a:r>
+            <a:r>
+              <a:rPr lang="zh-CN" altLang="en-US">
+                <a:sym typeface="+mn-ea"/>
+              </a:rPr>
+              <a:t>：</a:t>
+            </a:r>
+            <a:r>
+              <a:rPr lang="en-US" altLang="zh-CN">
+                <a:sym typeface="+mn-ea"/>
+              </a:rPr>
+              <a:t>resize</a:t>
+            </a:r>
+            <a:endParaRPr lang="en-US" altLang="zh-CN">
+              <a:sym typeface="+mn-ea"/>
+            </a:endParaRPr>
+          </a:p>
+        </p:txBody>
+      </p:sp>
+      <p:sp>
+        <p:nvSpPr>
+          <p:cNvPr id="3" name="Content Placeholder 2"/>
+          <p:cNvSpPr>
+            <a:spLocks noGrp="1"/>
+          </p:cNvSpPr>
+          <p:nvPr>
+            <p:ph sz="half" idx="1"/>
+          </p:nvPr>
+        </p:nvSpPr>
+        <p:spPr>
+          <a:xfrm>
+            <a:off x="371475" y="1825625"/>
+            <a:ext cx="5539740" cy="4351655"/>
+          </a:xfrm>
+        </p:spPr>
+        <p:txBody>
+          <a:bodyPr>
+            <a:normAutofit lnSpcReduction="20000"/>
+          </a:bodyPr>
+          <a:p>
+            <a:r>
+              <a:rPr lang="zh-CN" altLang="en-US">
+                <a:sym typeface="+mn-ea"/>
+              </a:rPr>
+              <a:t>调用第二个重载</a:t>
+            </a:r>
+            <a:r>
+              <a:rPr lang="en-US" altLang="zh-CN">
+                <a:sym typeface="+mn-ea"/>
+              </a:rPr>
+              <a:t> resize(n, val) </a:t>
+            </a:r>
+            <a:r>
+              <a:rPr lang="zh-CN" altLang="en-US">
+                <a:sym typeface="+mn-ea"/>
+              </a:rPr>
+              <a:t>的时候</a:t>
+            </a:r>
+            <a:r>
+              <a:rPr lang="zh-CN" altLang="en-US">
+                <a:sym typeface="+mn-ea"/>
+              </a:rPr>
+              <a:t>，</a:t>
+            </a:r>
+            <a:r>
+              <a:rPr lang="zh-CN">
+                <a:sym typeface="+mn-ea"/>
+              </a:rPr>
+              <a:t>如果数组已有超过</a:t>
+            </a:r>
+            <a:r>
+              <a:rPr lang="en-US" altLang="zh-CN">
+                <a:sym typeface="+mn-ea"/>
+              </a:rPr>
+              <a:t> n </a:t>
+            </a:r>
+            <a:r>
+              <a:rPr lang="zh-CN" altLang="en-US">
+                <a:sym typeface="+mn-ea"/>
+              </a:rPr>
+              <a:t>个</a:t>
+            </a:r>
+            <a:r>
+              <a:rPr lang="zh-CN">
+                <a:sym typeface="+mn-ea"/>
+              </a:rPr>
+              <a:t>元素，假设是</a:t>
+            </a:r>
+            <a:r>
+              <a:rPr lang="en-US" altLang="zh-CN">
+                <a:sym typeface="+mn-ea"/>
+              </a:rPr>
+              <a:t> m </a:t>
+            </a:r>
+            <a:r>
+              <a:rPr lang="zh-CN" altLang="en-US">
+                <a:sym typeface="+mn-ea"/>
+              </a:rPr>
+              <a:t>个</a:t>
+            </a:r>
+            <a:r>
+              <a:rPr lang="zh-CN">
+                <a:sym typeface="+mn-ea"/>
+              </a:rPr>
+              <a:t>，则第二参数</a:t>
+            </a:r>
+            <a:r>
+              <a:rPr lang="en-US" altLang="zh-CN">
+                <a:sym typeface="+mn-ea"/>
+              </a:rPr>
+              <a:t> val </a:t>
+            </a:r>
+            <a:r>
+              <a:rPr lang="zh-CN">
+                <a:sym typeface="+mn-ea"/>
+              </a:rPr>
+              <a:t>会被无视，</a:t>
+            </a:r>
+            <a:r>
+              <a:rPr lang="zh-CN" b="1">
+                <a:sym typeface="+mn-ea"/>
+              </a:rPr>
+              <a:t>删除多出来的</a:t>
+            </a:r>
+            <a:r>
+              <a:rPr lang="en-US" altLang="zh-CN" b="1">
+                <a:sym typeface="+mn-ea"/>
+              </a:rPr>
+              <a:t> m - n </a:t>
+            </a:r>
+            <a:r>
+              <a:rPr lang="zh-CN" altLang="en-US" b="1">
+                <a:sym typeface="+mn-ea"/>
+              </a:rPr>
+              <a:t>个元素</a:t>
+            </a:r>
+            <a:r>
+              <a:rPr lang="zh-CN" altLang="en-US">
+                <a:sym typeface="+mn-ea"/>
+              </a:rPr>
+              <a:t>，前</a:t>
+            </a:r>
+            <a:r>
+              <a:rPr lang="en-US" altLang="zh-CN">
+                <a:sym typeface="+mn-ea"/>
+              </a:rPr>
+              <a:t> n </a:t>
+            </a:r>
+            <a:r>
+              <a:rPr lang="zh-CN" altLang="en-US">
+                <a:sym typeface="+mn-ea"/>
+              </a:rPr>
+              <a:t>个元素会保持不变。</a:t>
+            </a:r>
+            <a:endParaRPr lang="zh-CN"/>
+          </a:p>
+          <a:p>
+            <a:r>
+              <a:rPr lang="en-US" altLang="zh-CN">
+                <a:solidFill>
+                  <a:schemeClr val="accent5">
+                    <a:lumMod val="75000"/>
+                  </a:schemeClr>
+                </a:solidFill>
+                <a:sym typeface="+mn-ea"/>
+              </a:rPr>
+              <a:t>vector&lt;int&gt; a = {1, 2, 3, 4, 5, 6};</a:t>
+            </a:r>
+            <a:endParaRPr lang="en-US" altLang="zh-CN">
+              <a:solidFill>
+                <a:schemeClr val="accent5">
+                  <a:lumMod val="75000"/>
+                </a:schemeClr>
+              </a:solidFill>
+              <a:sym typeface="+mn-ea"/>
+            </a:endParaRPr>
+          </a:p>
+          <a:p>
+            <a:r>
+              <a:rPr lang="en-US" altLang="zh-CN">
+                <a:solidFill>
+                  <a:schemeClr val="accent5">
+                    <a:lumMod val="75000"/>
+                  </a:schemeClr>
+                </a:solidFill>
+                <a:sym typeface="+mn-ea"/>
+              </a:rPr>
+              <a:t>a.resize(4, 233);</a:t>
+            </a:r>
+            <a:endParaRPr lang="en-US" altLang="zh-CN">
+              <a:solidFill>
+                <a:schemeClr val="accent5">
+                  <a:lumMod val="75000"/>
+                </a:schemeClr>
+              </a:solidFill>
+              <a:sym typeface="+mn-ea"/>
+            </a:endParaRPr>
+          </a:p>
+          <a:p>
+            <a:r>
+              <a:rPr lang="zh-CN" altLang="en-US">
+                <a:sym typeface="+mn-ea"/>
+              </a:rPr>
+              <a:t>等价于：</a:t>
+            </a:r>
+            <a:endParaRPr lang="zh-CN" altLang="en-US">
+              <a:sym typeface="+mn-ea"/>
+            </a:endParaRPr>
+          </a:p>
+          <a:p>
+            <a:r>
+              <a:rPr lang="en-US" altLang="zh-CN">
+                <a:solidFill>
+                  <a:schemeClr val="accent5">
+                    <a:lumMod val="75000"/>
+                  </a:schemeClr>
+                </a:solidFill>
+                <a:sym typeface="+mn-ea"/>
+              </a:rPr>
+              <a:t>vector&lt;int&gt; a = {1, 2, 3, 4};</a:t>
+            </a:r>
+            <a:endParaRPr lang="en-US" altLang="zh-CN">
+              <a:solidFill>
+                <a:schemeClr val="accent5">
+                  <a:lumMod val="75000"/>
+                </a:schemeClr>
+              </a:solidFill>
+              <a:sym typeface="+mn-ea"/>
+            </a:endParaRPr>
+          </a:p>
+          <a:p>
+            <a:r>
+              <a:rPr lang="en-US" altLang="zh-CN">
+                <a:solidFill>
+                  <a:schemeClr val="bg1">
+                    <a:lumMod val="65000"/>
+                  </a:schemeClr>
+                </a:solidFill>
+                <a:sym typeface="+mn-ea"/>
+              </a:rPr>
+              <a:t>void resize(size_t n, int const &amp;val);</a:t>
+            </a:r>
+            <a:endParaRPr lang="en-US" altLang="zh-CN">
+              <a:solidFill>
+                <a:schemeClr val="accent5">
+                  <a:lumMod val="75000"/>
+                </a:schemeClr>
+              </a:solidFill>
+            </a:endParaRPr>
+          </a:p>
+        </p:txBody>
+      </p:sp>
+      <p:pic>
+        <p:nvPicPr>
+          <p:cNvPr id="9" name="Picture 8"/>
+          <p:cNvPicPr>
+            <a:picLocks noChangeAspect="1"/>
+          </p:cNvPicPr>
+          <p:nvPr/>
+        </p:nvPicPr>
+        <p:blipFill>
+          <a:blip r:embed="rId1"/>
+          <a:stretch>
+            <a:fillRect/>
+          </a:stretch>
+        </p:blipFill>
+        <p:spPr>
+          <a:xfrm>
+            <a:off x="6337300" y="5354320"/>
+            <a:ext cx="4469130" cy="1053465"/>
+          </a:xfrm>
+          <a:prstGeom prst="rect">
+            <a:avLst/>
+          </a:prstGeom>
+        </p:spPr>
+      </p:pic>
+      <p:pic>
+        <p:nvPicPr>
+          <p:cNvPr id="5" name="Content Placeholder 4"/>
+          <p:cNvPicPr>
+            <a:picLocks noChangeAspect="1"/>
+          </p:cNvPicPr>
+          <p:nvPr>
+            <p:ph sz="half" idx="2"/>
+          </p:nvPr>
+        </p:nvPicPr>
+        <p:blipFill>
+          <a:blip r:embed="rId2"/>
+          <a:stretch>
+            <a:fillRect/>
+          </a:stretch>
+        </p:blipFill>
+        <p:spPr>
+          <a:xfrm>
+            <a:off x="6823710" y="1691640"/>
+            <a:ext cx="3496945" cy="3474720"/>
           </a:xfrm>
           <a:prstGeom prst="rect">
             <a:avLst/>
@@ -8037,6 +9278,2095 @@
           </a:fillRef>
           <a:effectRef idx="2">
             <a:schemeClr val="accent2"/>
+          </a:effectRef>
+          <a:fontRef idx="minor">
+            <a:schemeClr val="tx1"/>
+          </a:fontRef>
+        </p:style>
+      </p:cxnSp>
+    </p:spTree>
+  </p:cSld>
+  <p:clrMapOvr>
+    <a:masterClrMapping/>
+  </p:clrMapOvr>
+</p:sld>
+</file>
+
+<file path=ppt/slides/slide30.xml><?xml version="1.0" encoding="utf-8"?>
+<p:sld xmlns:a="http://schemas.openxmlformats.org/drawingml/2006/main" xmlns:r="http://schemas.openxmlformats.org/officeDocument/2006/relationships" xmlns:p="http://schemas.openxmlformats.org/presentationml/2006/main">
+  <p:cSld>
+    <p:spTree>
+      <p:nvGrpSpPr>
+        <p:cNvPr id="1" name=""/>
+        <p:cNvGrpSpPr/>
+        <p:nvPr/>
+      </p:nvGrpSpPr>
+      <p:grpSpPr/>
+      <p:sp>
+        <p:nvSpPr>
+          <p:cNvPr id="6" name="Title 5"/>
+          <p:cNvSpPr>
+            <a:spLocks noGrp="1"/>
+          </p:cNvSpPr>
+          <p:nvPr>
+            <p:ph type="title"/>
+          </p:nvPr>
+        </p:nvSpPr>
+        <p:spPr/>
+        <p:txBody>
+          <a:bodyPr/>
+          <a:p>
+            <a:r>
+              <a:rPr lang="zh-CN" altLang="en-US"/>
+              <a:t>小彭老师的</a:t>
+            </a:r>
+            <a:r>
+              <a:rPr lang="en-US" altLang="zh-CN"/>
+              <a:t> IDE </a:t>
+            </a:r>
+            <a:r>
+              <a:rPr lang="zh-CN" altLang="en-US"/>
+              <a:t>对</a:t>
+            </a:r>
+            <a:r>
+              <a:rPr lang="en-US" altLang="zh-CN"/>
+              <a:t> resize </a:t>
+            </a:r>
+            <a:r>
+              <a:rPr lang="zh-CN" altLang="en-US"/>
+              <a:t>的解释</a:t>
+            </a:r>
+            <a:endParaRPr lang="zh-CN" altLang="en-US"/>
+          </a:p>
+        </p:txBody>
+      </p:sp>
+      <p:pic>
+        <p:nvPicPr>
+          <p:cNvPr id="5" name="Content Placeholder 4"/>
+          <p:cNvPicPr>
+            <a:picLocks noChangeAspect="1"/>
+          </p:cNvPicPr>
+          <p:nvPr>
+            <p:ph idx="1"/>
+          </p:nvPr>
+        </p:nvPicPr>
+        <p:blipFill>
+          <a:blip r:embed="rId1"/>
+          <a:stretch>
+            <a:fillRect/>
+          </a:stretch>
+        </p:blipFill>
+        <p:spPr>
+          <a:xfrm>
+            <a:off x="1609090" y="2000885"/>
+            <a:ext cx="8591550" cy="4000500"/>
+          </a:xfrm>
+          <a:prstGeom prst="rect">
+            <a:avLst/>
+          </a:prstGeom>
+        </p:spPr>
+      </p:pic>
+    </p:spTree>
+  </p:cSld>
+  <p:clrMapOvr>
+    <a:masterClrMapping/>
+  </p:clrMapOvr>
+</p:sld>
+</file>
+
+<file path=ppt/slides/slide31.xml><?xml version="1.0" encoding="utf-8"?>
+<p:sld xmlns:a="http://schemas.openxmlformats.org/drawingml/2006/main" xmlns:r="http://schemas.openxmlformats.org/officeDocument/2006/relationships" xmlns:p="http://schemas.openxmlformats.org/presentationml/2006/main">
+  <p:cSld>
+    <p:spTree>
+      <p:nvGrpSpPr>
+        <p:cNvPr id="1" name=""/>
+        <p:cNvGrpSpPr/>
+        <p:nvPr/>
+      </p:nvGrpSpPr>
+      <p:grpSpPr/>
+      <p:sp>
+        <p:nvSpPr>
+          <p:cNvPr id="2" name="Title 1"/>
+          <p:cNvSpPr>
+            <a:spLocks noGrp="1"/>
+          </p:cNvSpPr>
+          <p:nvPr>
+            <p:ph type="title"/>
+          </p:nvPr>
+        </p:nvSpPr>
+        <p:spPr/>
+        <p:txBody>
+          <a:bodyPr/>
+          <a:p>
+            <a:r>
+              <a:rPr lang="en-US">
+                <a:sym typeface="+mn-ea"/>
+              </a:rPr>
+              <a:t>vector </a:t>
+            </a:r>
+            <a:r>
+              <a:rPr lang="zh-CN" altLang="en-US">
+                <a:sym typeface="+mn-ea"/>
+              </a:rPr>
+              <a:t>容器</a:t>
+            </a:r>
+            <a:r>
+              <a:rPr lang="zh-CN" altLang="en-US">
+                <a:sym typeface="+mn-ea"/>
+              </a:rPr>
+              <a:t>：</a:t>
+            </a:r>
+            <a:r>
+              <a:rPr lang="en-US" altLang="zh-CN">
+                <a:sym typeface="+mn-ea"/>
+              </a:rPr>
+              <a:t>push_back</a:t>
+            </a:r>
+            <a:endParaRPr lang="en-US"/>
+          </a:p>
+        </p:txBody>
+      </p:sp>
+      <p:sp>
+        <p:nvSpPr>
+          <p:cNvPr id="3" name="Content Placeholder 2"/>
+          <p:cNvSpPr>
+            <a:spLocks noGrp="1"/>
+          </p:cNvSpPr>
+          <p:nvPr>
+            <p:ph sz="half" idx="1"/>
+          </p:nvPr>
+        </p:nvSpPr>
+        <p:spPr/>
+        <p:txBody>
+          <a:bodyPr>
+            <a:normAutofit lnSpcReduction="10000"/>
+          </a:bodyPr>
+          <a:p>
+            <a:r>
+              <a:rPr lang="en-US"/>
+              <a:t>vector </a:t>
+            </a:r>
+            <a:r>
+              <a:rPr lang="zh-CN" altLang="en-US"/>
+              <a:t>的</a:t>
+            </a:r>
+            <a:r>
+              <a:rPr lang="en-US" altLang="zh-CN"/>
+              <a:t> push_back </a:t>
+            </a:r>
+            <a:r>
+              <a:rPr lang="zh-CN" altLang="en-US"/>
+              <a:t>函数可以</a:t>
+            </a:r>
+            <a:r>
+              <a:rPr lang="zh-CN" altLang="en-US" b="1"/>
+              <a:t>往数组的末尾追加</a:t>
+            </a:r>
+            <a:r>
+              <a:rPr lang="zh-CN" altLang="en-US"/>
+              <a:t>一个数。例如：</a:t>
+            </a:r>
+            <a:endParaRPr lang="zh-CN" altLang="en-US"/>
+          </a:p>
+          <a:p>
+            <a:r>
+              <a:rPr lang="en-US" altLang="zh-CN">
+                <a:solidFill>
+                  <a:schemeClr val="accent5">
+                    <a:lumMod val="75000"/>
+                  </a:schemeClr>
+                </a:solidFill>
+                <a:sym typeface="+mn-ea"/>
+              </a:rPr>
+              <a:t>vector&lt;int&gt; a = {1, 2};</a:t>
+            </a:r>
+            <a:endParaRPr lang="en-US" altLang="zh-CN">
+              <a:solidFill>
+                <a:schemeClr val="accent5">
+                  <a:lumMod val="75000"/>
+                </a:schemeClr>
+              </a:solidFill>
+              <a:sym typeface="+mn-ea"/>
+            </a:endParaRPr>
+          </a:p>
+          <a:p>
+            <a:r>
+              <a:rPr lang="en-US" altLang="zh-CN">
+                <a:solidFill>
+                  <a:schemeClr val="accent5">
+                    <a:lumMod val="75000"/>
+                  </a:schemeClr>
+                </a:solidFill>
+                <a:sym typeface="+mn-ea"/>
+              </a:rPr>
+              <a:t>a.push_back(3);</a:t>
+            </a:r>
+            <a:endParaRPr lang="en-US" altLang="zh-CN">
+              <a:solidFill>
+                <a:schemeClr val="accent5">
+                  <a:lumMod val="75000"/>
+                </a:schemeClr>
+              </a:solidFill>
+              <a:sym typeface="+mn-ea"/>
+            </a:endParaRPr>
+          </a:p>
+          <a:p>
+            <a:r>
+              <a:rPr lang="zh-CN" altLang="en-US">
+                <a:sym typeface="+mn-ea"/>
+              </a:rPr>
+              <a:t>等价于：</a:t>
+            </a:r>
+            <a:endParaRPr lang="zh-CN" altLang="en-US">
+              <a:sym typeface="+mn-ea"/>
+            </a:endParaRPr>
+          </a:p>
+          <a:p>
+            <a:r>
+              <a:rPr lang="en-US" altLang="zh-CN">
+                <a:solidFill>
+                  <a:schemeClr val="accent5">
+                    <a:lumMod val="75000"/>
+                  </a:schemeClr>
+                </a:solidFill>
+                <a:sym typeface="+mn-ea"/>
+              </a:rPr>
+              <a:t>vector&lt;int&gt; a = {1, 2, 3};</a:t>
+            </a:r>
+            <a:endParaRPr lang="en-US" altLang="zh-CN">
+              <a:solidFill>
+                <a:schemeClr val="accent5">
+                  <a:lumMod val="75000"/>
+                </a:schemeClr>
+              </a:solidFill>
+              <a:sym typeface="+mn-ea"/>
+            </a:endParaRPr>
+          </a:p>
+          <a:p>
+            <a:r>
+              <a:rPr lang="en-US" altLang="zh-CN">
+                <a:solidFill>
+                  <a:schemeClr val="bg1">
+                    <a:lumMod val="65000"/>
+                  </a:schemeClr>
+                </a:solidFill>
+                <a:sym typeface="+mn-ea"/>
+              </a:rPr>
+              <a:t>void push_back(int const &amp;val);</a:t>
+            </a:r>
+            <a:endParaRPr lang="en-US" altLang="zh-CN">
+              <a:solidFill>
+                <a:schemeClr val="bg1">
+                  <a:lumMod val="65000"/>
+                </a:schemeClr>
+              </a:solidFill>
+              <a:sym typeface="+mn-ea"/>
+            </a:endParaRPr>
+          </a:p>
+          <a:p>
+            <a:r>
+              <a:rPr lang="en-US" altLang="zh-CN">
+                <a:solidFill>
+                  <a:schemeClr val="bg1">
+                    <a:lumMod val="65000"/>
+                  </a:schemeClr>
+                </a:solidFill>
+                <a:sym typeface="+mn-ea"/>
+              </a:rPr>
+              <a:t>void push_back(int &amp;&amp;val);  // C++11 </a:t>
+            </a:r>
+            <a:r>
+              <a:rPr lang="zh-CN" altLang="en-US">
+                <a:solidFill>
+                  <a:schemeClr val="bg1">
+                    <a:lumMod val="65000"/>
+                  </a:schemeClr>
+                </a:solidFill>
+                <a:sym typeface="+mn-ea"/>
+              </a:rPr>
+              <a:t>起</a:t>
+            </a:r>
+            <a:endParaRPr lang="zh-CN" altLang="en-US"/>
+          </a:p>
+        </p:txBody>
+      </p:sp>
+      <p:pic>
+        <p:nvPicPr>
+          <p:cNvPr id="5" name="Content Placeholder 4"/>
+          <p:cNvPicPr>
+            <a:picLocks noChangeAspect="1"/>
+          </p:cNvPicPr>
+          <p:nvPr>
+            <p:ph sz="half" idx="2"/>
+          </p:nvPr>
+        </p:nvPicPr>
+        <p:blipFill>
+          <a:blip r:embed="rId1"/>
+          <a:stretch>
+            <a:fillRect/>
+          </a:stretch>
+        </p:blipFill>
+        <p:spPr>
+          <a:xfrm>
+            <a:off x="6402070" y="1825625"/>
+            <a:ext cx="4565015" cy="2788920"/>
+          </a:xfrm>
+          <a:prstGeom prst="rect">
+            <a:avLst/>
+          </a:prstGeom>
+        </p:spPr>
+      </p:pic>
+      <p:pic>
+        <p:nvPicPr>
+          <p:cNvPr id="8" name="Picture 7"/>
+          <p:cNvPicPr>
+            <a:picLocks noChangeAspect="1"/>
+          </p:cNvPicPr>
+          <p:nvPr/>
+        </p:nvPicPr>
+        <p:blipFill>
+          <a:blip r:embed="rId2"/>
+          <a:stretch>
+            <a:fillRect/>
+          </a:stretch>
+        </p:blipFill>
+        <p:spPr>
+          <a:xfrm>
+            <a:off x="7249795" y="4937760"/>
+            <a:ext cx="2870200" cy="1470025"/>
+          </a:xfrm>
+          <a:prstGeom prst="rect">
+            <a:avLst/>
+          </a:prstGeom>
+        </p:spPr>
+      </p:pic>
+    </p:spTree>
+  </p:cSld>
+  <p:clrMapOvr>
+    <a:masterClrMapping/>
+  </p:clrMapOvr>
+</p:sld>
+</file>
+
+<file path=ppt/slides/slide32.xml><?xml version="1.0" encoding="utf-8"?>
+<p:sld xmlns:a="http://schemas.openxmlformats.org/drawingml/2006/main" xmlns:r="http://schemas.openxmlformats.org/officeDocument/2006/relationships" xmlns:p="http://schemas.openxmlformats.org/presentationml/2006/main">
+  <p:cSld>
+    <p:spTree>
+      <p:nvGrpSpPr>
+        <p:cNvPr id="1" name=""/>
+        <p:cNvGrpSpPr/>
+        <p:nvPr/>
+      </p:nvGrpSpPr>
+      <p:grpSpPr/>
+      <p:sp>
+        <p:nvSpPr>
+          <p:cNvPr id="2" name="Title 1"/>
+          <p:cNvSpPr>
+            <a:spLocks noGrp="1"/>
+          </p:cNvSpPr>
+          <p:nvPr>
+            <p:ph type="title"/>
+          </p:nvPr>
+        </p:nvSpPr>
+        <p:spPr/>
+        <p:txBody>
+          <a:bodyPr/>
+          <a:p>
+            <a:r>
+              <a:rPr lang="en-US">
+                <a:sym typeface="+mn-ea"/>
+              </a:rPr>
+              <a:t>vector </a:t>
+            </a:r>
+            <a:r>
+              <a:rPr lang="zh-CN" altLang="en-US">
+                <a:sym typeface="+mn-ea"/>
+              </a:rPr>
+              <a:t>容器</a:t>
+            </a:r>
+            <a:r>
+              <a:rPr lang="zh-CN" altLang="en-US">
+                <a:sym typeface="+mn-ea"/>
+              </a:rPr>
+              <a:t>：</a:t>
+            </a:r>
+            <a:r>
+              <a:rPr lang="en-US" altLang="zh-CN">
+                <a:sym typeface="+mn-ea"/>
+              </a:rPr>
+              <a:t>pop_back</a:t>
+            </a:r>
+            <a:endParaRPr lang="en-US"/>
+          </a:p>
+        </p:txBody>
+      </p:sp>
+      <p:sp>
+        <p:nvSpPr>
+          <p:cNvPr id="3" name="Content Placeholder 2"/>
+          <p:cNvSpPr>
+            <a:spLocks noGrp="1"/>
+          </p:cNvSpPr>
+          <p:nvPr>
+            <p:ph sz="half" idx="1"/>
+          </p:nvPr>
+        </p:nvSpPr>
+        <p:spPr/>
+        <p:txBody>
+          <a:bodyPr>
+            <a:normAutofit lnSpcReduction="10000"/>
+          </a:bodyPr>
+          <a:p>
+            <a:r>
+              <a:rPr lang="zh-CN"/>
+              <a:t>而</a:t>
+            </a:r>
+            <a:r>
+              <a:rPr lang="en-US" altLang="zh-CN"/>
+              <a:t> pop_back </a:t>
+            </a:r>
+            <a:r>
+              <a:rPr lang="zh-CN" altLang="en-US"/>
+              <a:t>函数则是和</a:t>
+            </a:r>
+            <a:r>
+              <a:rPr lang="en-US" altLang="zh-CN"/>
+              <a:t> push_back </a:t>
+            </a:r>
+            <a:r>
+              <a:rPr lang="zh-CN" altLang="en-US"/>
+              <a:t>唱反调，他是</a:t>
+            </a:r>
+            <a:r>
+              <a:rPr lang="zh-CN" altLang="en-US" b="1"/>
+              <a:t>在数组的末尾删除</a:t>
+            </a:r>
+            <a:r>
+              <a:rPr lang="zh-CN" altLang="en-US"/>
+              <a:t>一个数。例如：</a:t>
+            </a:r>
+            <a:endParaRPr lang="zh-CN" altLang="en-US"/>
+          </a:p>
+          <a:p>
+            <a:r>
+              <a:rPr lang="en-US" altLang="zh-CN">
+                <a:solidFill>
+                  <a:schemeClr val="accent5">
+                    <a:lumMod val="75000"/>
+                  </a:schemeClr>
+                </a:solidFill>
+                <a:sym typeface="+mn-ea"/>
+              </a:rPr>
+              <a:t>vector&lt;int&gt; a = {1, 2, 3};</a:t>
+            </a:r>
+            <a:endParaRPr lang="en-US" altLang="zh-CN">
+              <a:solidFill>
+                <a:schemeClr val="accent5">
+                  <a:lumMod val="75000"/>
+                </a:schemeClr>
+              </a:solidFill>
+              <a:sym typeface="+mn-ea"/>
+            </a:endParaRPr>
+          </a:p>
+          <a:p>
+            <a:r>
+              <a:rPr lang="en-US" altLang="zh-CN">
+                <a:solidFill>
+                  <a:schemeClr val="accent5">
+                    <a:lumMod val="75000"/>
+                  </a:schemeClr>
+                </a:solidFill>
+                <a:sym typeface="+mn-ea"/>
+              </a:rPr>
+              <a:t>a.pop_back();</a:t>
+            </a:r>
+            <a:endParaRPr lang="en-US" altLang="zh-CN">
+              <a:solidFill>
+                <a:schemeClr val="accent5">
+                  <a:lumMod val="75000"/>
+                </a:schemeClr>
+              </a:solidFill>
+              <a:sym typeface="+mn-ea"/>
+            </a:endParaRPr>
+          </a:p>
+          <a:p>
+            <a:r>
+              <a:rPr lang="zh-CN" altLang="en-US">
+                <a:sym typeface="+mn-ea"/>
+              </a:rPr>
+              <a:t>等价于：</a:t>
+            </a:r>
+            <a:endParaRPr lang="zh-CN" altLang="en-US">
+              <a:sym typeface="+mn-ea"/>
+            </a:endParaRPr>
+          </a:p>
+          <a:p>
+            <a:r>
+              <a:rPr lang="en-US" altLang="zh-CN">
+                <a:solidFill>
+                  <a:schemeClr val="accent5">
+                    <a:lumMod val="75000"/>
+                  </a:schemeClr>
+                </a:solidFill>
+                <a:sym typeface="+mn-ea"/>
+              </a:rPr>
+              <a:t>vector&lt;int&gt; a = {1, 2};</a:t>
+            </a:r>
+            <a:endParaRPr lang="en-US" altLang="zh-CN">
+              <a:solidFill>
+                <a:schemeClr val="accent5">
+                  <a:lumMod val="75000"/>
+                </a:schemeClr>
+              </a:solidFill>
+              <a:sym typeface="+mn-ea"/>
+            </a:endParaRPr>
+          </a:p>
+          <a:p>
+            <a:r>
+              <a:rPr lang="en-US" altLang="zh-CN">
+                <a:solidFill>
+                  <a:schemeClr val="bg1">
+                    <a:lumMod val="65000"/>
+                  </a:schemeClr>
+                </a:solidFill>
+                <a:sym typeface="+mn-ea"/>
+              </a:rPr>
+              <a:t>void pop_back() noexcept;</a:t>
+            </a:r>
+            <a:endParaRPr lang="zh-CN" altLang="en-US"/>
+          </a:p>
+        </p:txBody>
+      </p:sp>
+      <p:pic>
+        <p:nvPicPr>
+          <p:cNvPr id="13" name="Content Placeholder 12"/>
+          <p:cNvPicPr>
+            <a:picLocks noChangeAspect="1"/>
+          </p:cNvPicPr>
+          <p:nvPr>
+            <p:ph sz="half" idx="2"/>
+          </p:nvPr>
+        </p:nvPicPr>
+        <p:blipFill>
+          <a:blip r:embed="rId1"/>
+          <a:stretch>
+            <a:fillRect/>
+          </a:stretch>
+        </p:blipFill>
+        <p:spPr>
+          <a:xfrm>
+            <a:off x="6234430" y="2178685"/>
+            <a:ext cx="4900930" cy="2500630"/>
+          </a:xfrm>
+          <a:prstGeom prst="rect">
+            <a:avLst/>
+          </a:prstGeom>
+        </p:spPr>
+      </p:pic>
+      <p:pic>
+        <p:nvPicPr>
+          <p:cNvPr id="14" name="Picture 13"/>
+          <p:cNvPicPr>
+            <a:picLocks noChangeAspect="1"/>
+          </p:cNvPicPr>
+          <p:nvPr/>
+        </p:nvPicPr>
+        <p:blipFill>
+          <a:blip r:embed="rId2"/>
+          <a:stretch>
+            <a:fillRect/>
+          </a:stretch>
+        </p:blipFill>
+        <p:spPr>
+          <a:xfrm>
+            <a:off x="7279005" y="5066030"/>
+            <a:ext cx="2811780" cy="1446530"/>
+          </a:xfrm>
+          <a:prstGeom prst="rect">
+            <a:avLst/>
+          </a:prstGeom>
+        </p:spPr>
+      </p:pic>
+    </p:spTree>
+  </p:cSld>
+  <p:clrMapOvr>
+    <a:masterClrMapping/>
+  </p:clrMapOvr>
+</p:sld>
+</file>
+
+<file path=ppt/slides/slide33.xml><?xml version="1.0" encoding="utf-8"?>
+<p:sld xmlns:a="http://schemas.openxmlformats.org/drawingml/2006/main" xmlns:r="http://schemas.openxmlformats.org/officeDocument/2006/relationships" xmlns:p="http://schemas.openxmlformats.org/presentationml/2006/main">
+  <p:cSld>
+    <p:spTree>
+      <p:nvGrpSpPr>
+        <p:cNvPr id="1" name=""/>
+        <p:cNvGrpSpPr/>
+        <p:nvPr/>
+      </p:nvGrpSpPr>
+      <p:grpSpPr/>
+      <p:sp>
+        <p:nvSpPr>
+          <p:cNvPr id="2" name="Title 1"/>
+          <p:cNvSpPr>
+            <a:spLocks noGrp="1"/>
+          </p:cNvSpPr>
+          <p:nvPr>
+            <p:ph type="title"/>
+          </p:nvPr>
+        </p:nvSpPr>
+        <p:spPr/>
+        <p:txBody>
+          <a:bodyPr/>
+          <a:p>
+            <a:r>
+              <a:rPr lang="en-US">
+                <a:sym typeface="+mn-ea"/>
+              </a:rPr>
+              <a:t>vector </a:t>
+            </a:r>
+            <a:r>
+              <a:rPr lang="zh-CN" altLang="en-US">
+                <a:sym typeface="+mn-ea"/>
+              </a:rPr>
+              <a:t>容器：</a:t>
+            </a:r>
+            <a:r>
+              <a:rPr lang="en-US" altLang="zh-CN">
+                <a:sym typeface="+mn-ea"/>
+              </a:rPr>
+              <a:t>back</a:t>
+            </a:r>
+            <a:endParaRPr lang="en-US" altLang="zh-CN">
+              <a:sym typeface="+mn-ea"/>
+            </a:endParaRPr>
+          </a:p>
+        </p:txBody>
+      </p:sp>
+      <p:sp>
+        <p:nvSpPr>
+          <p:cNvPr id="3" name="Content Placeholder 2"/>
+          <p:cNvSpPr>
+            <a:spLocks noGrp="1"/>
+          </p:cNvSpPr>
+          <p:nvPr>
+            <p:ph sz="half" idx="1"/>
+          </p:nvPr>
+        </p:nvSpPr>
+        <p:spPr/>
+        <p:txBody>
+          <a:bodyPr>
+            <a:normAutofit lnSpcReduction="20000"/>
+          </a:bodyPr>
+          <a:p>
+            <a:r>
+              <a:rPr lang="zh-CN"/>
+              <a:t>要注意的是</a:t>
+            </a:r>
+            <a:r>
+              <a:rPr lang="en-US" altLang="zh-CN"/>
+              <a:t> pop_back </a:t>
+            </a:r>
+            <a:r>
+              <a:rPr lang="zh-CN" altLang="en-US"/>
+              <a:t>函数的返回类型是</a:t>
+            </a:r>
+            <a:r>
+              <a:rPr lang="en-US" altLang="zh-CN"/>
+              <a:t> void</a:t>
+            </a:r>
+            <a:r>
+              <a:rPr lang="zh-CN" altLang="en-US"/>
+              <a:t>，也就是没有返回值，如果需要获取删除的值，可以在</a:t>
+            </a:r>
+            <a:r>
+              <a:rPr lang="en-US" altLang="zh-CN"/>
+              <a:t> pop_back() </a:t>
+            </a:r>
+            <a:r>
+              <a:rPr lang="zh-CN" altLang="en-US"/>
+              <a:t>之前先通过</a:t>
+            </a:r>
+            <a:r>
+              <a:rPr lang="en-US" altLang="zh-CN"/>
+              <a:t> back() </a:t>
+            </a:r>
+            <a:r>
+              <a:rPr lang="zh-CN" altLang="en-US" b="1"/>
+              <a:t>获取末尾元素的值</a:t>
+            </a:r>
+            <a:r>
+              <a:rPr lang="zh-CN" altLang="en-US"/>
+              <a:t>，实现</a:t>
+            </a:r>
+            <a:r>
+              <a:rPr lang="en-US" altLang="zh-CN"/>
+              <a:t> pop </a:t>
+            </a:r>
+            <a:r>
+              <a:rPr lang="zh-CN" altLang="en-US"/>
+              <a:t>效果。</a:t>
+            </a:r>
+            <a:endParaRPr lang="zh-CN" altLang="en-US"/>
+          </a:p>
+          <a:p>
+            <a:r>
+              <a:rPr lang="en-US" altLang="zh-CN">
+                <a:solidFill>
+                  <a:schemeClr val="accent5">
+                    <a:lumMod val="75000"/>
+                  </a:schemeClr>
+                </a:solidFill>
+                <a:sym typeface="+mn-ea"/>
+              </a:rPr>
+              <a:t>a.back();</a:t>
+            </a:r>
+            <a:endParaRPr lang="en-US" altLang="zh-CN">
+              <a:solidFill>
+                <a:schemeClr val="accent5">
+                  <a:lumMod val="75000"/>
+                </a:schemeClr>
+              </a:solidFill>
+              <a:sym typeface="+mn-ea"/>
+            </a:endParaRPr>
+          </a:p>
+          <a:p>
+            <a:r>
+              <a:rPr lang="zh-CN" altLang="en-US">
+                <a:sym typeface="+mn-ea"/>
+              </a:rPr>
+              <a:t>等价于：</a:t>
+            </a:r>
+            <a:endParaRPr lang="zh-CN" altLang="en-US">
+              <a:sym typeface="+mn-ea"/>
+            </a:endParaRPr>
+          </a:p>
+          <a:p>
+            <a:r>
+              <a:rPr lang="en-US" altLang="zh-CN">
+                <a:solidFill>
+                  <a:schemeClr val="accent5">
+                    <a:lumMod val="75000"/>
+                  </a:schemeClr>
+                </a:solidFill>
+                <a:sym typeface="+mn-ea"/>
+              </a:rPr>
+              <a:t>a[a.size() - 1]</a:t>
+            </a:r>
+            <a:endParaRPr lang="en-US" altLang="zh-CN">
+              <a:solidFill>
+                <a:schemeClr val="bg1">
+                  <a:lumMod val="65000"/>
+                </a:schemeClr>
+              </a:solidFill>
+              <a:sym typeface="+mn-ea"/>
+            </a:endParaRPr>
+          </a:p>
+          <a:p>
+            <a:r>
+              <a:rPr lang="en-US" altLang="zh-CN">
+                <a:solidFill>
+                  <a:schemeClr val="bg1">
+                    <a:lumMod val="65000"/>
+                  </a:schemeClr>
+                </a:solidFill>
+                <a:sym typeface="+mn-ea"/>
+              </a:rPr>
+              <a:t>int &amp;back()</a:t>
+            </a:r>
+            <a:r>
+              <a:rPr lang="en-US" altLang="zh-CN">
+                <a:solidFill>
+                  <a:schemeClr val="bg1">
+                    <a:lumMod val="65000"/>
+                  </a:schemeClr>
+                </a:solidFill>
+                <a:sym typeface="+mn-ea"/>
+              </a:rPr>
+              <a:t> noexcept</a:t>
+            </a:r>
+            <a:r>
+              <a:rPr lang="en-US" altLang="zh-CN">
+                <a:solidFill>
+                  <a:schemeClr val="bg1">
+                    <a:lumMod val="65000"/>
+                  </a:schemeClr>
+                </a:solidFill>
+                <a:sym typeface="+mn-ea"/>
+              </a:rPr>
+              <a:t>;</a:t>
+            </a:r>
+            <a:endParaRPr lang="en-US" altLang="zh-CN">
+              <a:solidFill>
+                <a:schemeClr val="bg1">
+                  <a:lumMod val="65000"/>
+                </a:schemeClr>
+              </a:solidFill>
+              <a:sym typeface="+mn-ea"/>
+            </a:endParaRPr>
+          </a:p>
+          <a:p>
+            <a:r>
+              <a:rPr lang="en-US" altLang="zh-CN">
+                <a:solidFill>
+                  <a:schemeClr val="bg1">
+                    <a:lumMod val="65000"/>
+                  </a:schemeClr>
+                </a:solidFill>
+                <a:sym typeface="+mn-ea"/>
+              </a:rPr>
+              <a:t>int const &amp;back() const</a:t>
+            </a:r>
+            <a:r>
+              <a:rPr lang="en-US" altLang="zh-CN">
+                <a:solidFill>
+                  <a:schemeClr val="bg1">
+                    <a:lumMod val="65000"/>
+                  </a:schemeClr>
+                </a:solidFill>
+                <a:sym typeface="+mn-ea"/>
+              </a:rPr>
+              <a:t> noexcept</a:t>
+            </a:r>
+            <a:r>
+              <a:rPr lang="en-US" altLang="zh-CN">
+                <a:solidFill>
+                  <a:schemeClr val="bg1">
+                    <a:lumMod val="65000"/>
+                  </a:schemeClr>
+                </a:solidFill>
+                <a:sym typeface="+mn-ea"/>
+              </a:rPr>
+              <a:t>;</a:t>
+            </a:r>
+            <a:endParaRPr lang="zh-CN" altLang="en-US"/>
+          </a:p>
+        </p:txBody>
+      </p:sp>
+      <p:pic>
+        <p:nvPicPr>
+          <p:cNvPr id="5" name="Picture 4"/>
+          <p:cNvPicPr>
+            <a:picLocks noChangeAspect="1"/>
+          </p:cNvPicPr>
+          <p:nvPr/>
+        </p:nvPicPr>
+        <p:blipFill>
+          <a:blip r:embed="rId1"/>
+          <a:stretch>
+            <a:fillRect/>
+          </a:stretch>
+        </p:blipFill>
+        <p:spPr>
+          <a:xfrm>
+            <a:off x="7306945" y="4948555"/>
+            <a:ext cx="2756535" cy="1764030"/>
+          </a:xfrm>
+          <a:prstGeom prst="rect">
+            <a:avLst/>
+          </a:prstGeom>
+        </p:spPr>
+      </p:pic>
+      <p:pic>
+        <p:nvPicPr>
+          <p:cNvPr id="7" name="Content Placeholder 6"/>
+          <p:cNvPicPr>
+            <a:picLocks noChangeAspect="1"/>
+          </p:cNvPicPr>
+          <p:nvPr>
+            <p:ph sz="half" idx="2"/>
+          </p:nvPr>
+        </p:nvPicPr>
+        <p:blipFill>
+          <a:blip r:embed="rId2"/>
+          <a:stretch>
+            <a:fillRect/>
+          </a:stretch>
+        </p:blipFill>
+        <p:spPr>
+          <a:xfrm>
+            <a:off x="6085205" y="1825625"/>
+            <a:ext cx="5078095" cy="2851150"/>
+          </a:xfrm>
+          <a:prstGeom prst="rect">
+            <a:avLst/>
+          </a:prstGeom>
+        </p:spPr>
+      </p:pic>
+    </p:spTree>
+  </p:cSld>
+  <p:clrMapOvr>
+    <a:masterClrMapping/>
+  </p:clrMapOvr>
+</p:sld>
+</file>
+
+<file path=ppt/slides/slide34.xml><?xml version="1.0" encoding="utf-8"?>
+<p:sld xmlns:a="http://schemas.openxmlformats.org/drawingml/2006/main" xmlns:r="http://schemas.openxmlformats.org/officeDocument/2006/relationships" xmlns:p="http://schemas.openxmlformats.org/presentationml/2006/main">
+  <p:cSld>
+    <p:spTree>
+      <p:nvGrpSpPr>
+        <p:cNvPr id="1" name=""/>
+        <p:cNvGrpSpPr/>
+        <p:nvPr/>
+      </p:nvGrpSpPr>
+      <p:grpSpPr/>
+      <p:sp>
+        <p:nvSpPr>
+          <p:cNvPr id="2" name="Title 1"/>
+          <p:cNvSpPr>
+            <a:spLocks noGrp="1"/>
+          </p:cNvSpPr>
+          <p:nvPr>
+            <p:ph type="title"/>
+          </p:nvPr>
+        </p:nvSpPr>
+        <p:spPr/>
+        <p:txBody>
+          <a:bodyPr/>
+          <a:p>
+            <a:r>
+              <a:rPr lang="en-US">
+                <a:sym typeface="+mn-ea"/>
+              </a:rPr>
+              <a:t>vector </a:t>
+            </a:r>
+            <a:r>
+              <a:rPr lang="zh-CN" altLang="en-US">
+                <a:sym typeface="+mn-ea"/>
+              </a:rPr>
+              <a:t>容器：</a:t>
+            </a:r>
+            <a:r>
+              <a:rPr lang="en-US" altLang="zh-CN">
+                <a:sym typeface="+mn-ea"/>
+              </a:rPr>
+              <a:t>front</a:t>
+            </a:r>
+            <a:endParaRPr lang="en-US" altLang="zh-CN">
+              <a:sym typeface="+mn-ea"/>
+            </a:endParaRPr>
+          </a:p>
+        </p:txBody>
+      </p:sp>
+      <p:sp>
+        <p:nvSpPr>
+          <p:cNvPr id="3" name="Content Placeholder 2"/>
+          <p:cNvSpPr>
+            <a:spLocks noGrp="1"/>
+          </p:cNvSpPr>
+          <p:nvPr>
+            <p:ph sz="half" idx="1"/>
+          </p:nvPr>
+        </p:nvSpPr>
+        <p:spPr/>
+        <p:txBody>
+          <a:bodyPr>
+            <a:normAutofit lnSpcReduction="20000"/>
+          </a:bodyPr>
+          <a:p>
+            <a:r>
+              <a:rPr lang="zh-CN"/>
+              <a:t>和</a:t>
+            </a:r>
+            <a:r>
+              <a:rPr lang="en-US" altLang="zh-CN"/>
+              <a:t> back() </a:t>
+            </a:r>
+            <a:r>
+              <a:rPr lang="zh-CN" altLang="en-US"/>
+              <a:t>相对的还有一个</a:t>
+            </a:r>
+            <a:r>
+              <a:rPr lang="en-US" altLang="zh-CN"/>
+              <a:t> front()</a:t>
+            </a:r>
+            <a:r>
+              <a:rPr lang="zh-CN" altLang="en-US"/>
+              <a:t>。</a:t>
+            </a:r>
+            <a:endParaRPr lang="zh-CN" altLang="en-US"/>
+          </a:p>
+          <a:p>
+            <a:r>
+              <a:rPr lang="en-US" altLang="zh-CN"/>
+              <a:t>back() </a:t>
+            </a:r>
+            <a:r>
+              <a:rPr lang="zh-CN" altLang="en-US"/>
+              <a:t>返回</a:t>
+            </a:r>
+            <a:r>
+              <a:rPr lang="zh-CN" altLang="en-US" b="1"/>
+              <a:t>末尾元素</a:t>
+            </a:r>
+            <a:r>
+              <a:rPr lang="zh-CN" altLang="en-US"/>
+              <a:t>的引用</a:t>
+            </a:r>
+            <a:r>
+              <a:rPr lang="en-US" altLang="zh-CN"/>
+              <a:t> </a:t>
+            </a:r>
+            <a:r>
+              <a:rPr lang="en-US" altLang="zh-CN">
+                <a:solidFill>
+                  <a:schemeClr val="accent5">
+                    <a:lumMod val="75000"/>
+                  </a:schemeClr>
+                </a:solidFill>
+              </a:rPr>
+              <a:t>a[a.size() - 1]</a:t>
+            </a:r>
+            <a:r>
+              <a:rPr lang="zh-CN" altLang="en-US"/>
+              <a:t>。</a:t>
+            </a:r>
+            <a:endParaRPr lang="zh-CN" altLang="en-US"/>
+          </a:p>
+          <a:p>
+            <a:r>
+              <a:rPr lang="zh-CN" altLang="en-US"/>
+              <a:t>而</a:t>
+            </a:r>
+            <a:r>
+              <a:rPr lang="en-US" altLang="zh-CN"/>
+              <a:t> front() </a:t>
+            </a:r>
+            <a:r>
+              <a:rPr lang="zh-CN" altLang="en-US"/>
+              <a:t>返回</a:t>
+            </a:r>
+            <a:r>
+              <a:rPr lang="zh-CN" altLang="en-US" b="1"/>
+              <a:t>首个元素</a:t>
+            </a:r>
+            <a:r>
+              <a:rPr lang="zh-CN" altLang="en-US"/>
+              <a:t>的引用</a:t>
+            </a:r>
+            <a:r>
+              <a:rPr lang="en-US" altLang="zh-CN"/>
+              <a:t> </a:t>
+            </a:r>
+            <a:r>
+              <a:rPr lang="en-US" altLang="zh-CN">
+                <a:solidFill>
+                  <a:schemeClr val="accent5">
+                    <a:lumMod val="75000"/>
+                  </a:schemeClr>
+                </a:solidFill>
+              </a:rPr>
+              <a:t>a[0]</a:t>
+            </a:r>
+            <a:r>
+              <a:rPr lang="zh-CN" altLang="en-US"/>
+              <a:t>。</a:t>
+            </a:r>
+            <a:endParaRPr lang="zh-CN" altLang="en-US"/>
+          </a:p>
+          <a:p>
+            <a:r>
+              <a:rPr lang="en-US" altLang="zh-CN">
+                <a:solidFill>
+                  <a:schemeClr val="accent5">
+                    <a:lumMod val="75000"/>
+                  </a:schemeClr>
+                </a:solidFill>
+                <a:sym typeface="+mn-ea"/>
+              </a:rPr>
+              <a:t>a.front();</a:t>
+            </a:r>
+            <a:endParaRPr lang="en-US" altLang="zh-CN">
+              <a:solidFill>
+                <a:schemeClr val="accent5">
+                  <a:lumMod val="75000"/>
+                </a:schemeClr>
+              </a:solidFill>
+              <a:sym typeface="+mn-ea"/>
+            </a:endParaRPr>
+          </a:p>
+          <a:p>
+            <a:r>
+              <a:rPr lang="zh-CN" altLang="en-US">
+                <a:sym typeface="+mn-ea"/>
+              </a:rPr>
+              <a:t>等价于：</a:t>
+            </a:r>
+            <a:endParaRPr lang="zh-CN" altLang="en-US">
+              <a:sym typeface="+mn-ea"/>
+            </a:endParaRPr>
+          </a:p>
+          <a:p>
+            <a:r>
+              <a:rPr lang="en-US" altLang="zh-CN">
+                <a:solidFill>
+                  <a:schemeClr val="accent5">
+                    <a:lumMod val="75000"/>
+                  </a:schemeClr>
+                </a:solidFill>
+                <a:sym typeface="+mn-ea"/>
+              </a:rPr>
+              <a:t>a[0]</a:t>
+            </a:r>
+            <a:endParaRPr lang="en-US" altLang="zh-CN">
+              <a:solidFill>
+                <a:schemeClr val="bg1">
+                  <a:lumMod val="65000"/>
+                </a:schemeClr>
+              </a:solidFill>
+              <a:sym typeface="+mn-ea"/>
+            </a:endParaRPr>
+          </a:p>
+          <a:p>
+            <a:r>
+              <a:rPr lang="en-US" altLang="zh-CN">
+                <a:solidFill>
+                  <a:schemeClr val="bg1">
+                    <a:lumMod val="65000"/>
+                  </a:schemeClr>
+                </a:solidFill>
+                <a:sym typeface="+mn-ea"/>
+              </a:rPr>
+              <a:t>int &amp;front() noexcept;</a:t>
+            </a:r>
+            <a:endParaRPr lang="en-US" altLang="zh-CN">
+              <a:solidFill>
+                <a:schemeClr val="bg1">
+                  <a:lumMod val="65000"/>
+                </a:schemeClr>
+              </a:solidFill>
+              <a:sym typeface="+mn-ea"/>
+            </a:endParaRPr>
+          </a:p>
+          <a:p>
+            <a:r>
+              <a:rPr lang="en-US" altLang="zh-CN">
+                <a:solidFill>
+                  <a:schemeClr val="bg1">
+                    <a:lumMod val="65000"/>
+                  </a:schemeClr>
+                </a:solidFill>
+                <a:sym typeface="+mn-ea"/>
+              </a:rPr>
+              <a:t>int const &amp;front() const</a:t>
+            </a:r>
+            <a:r>
+              <a:rPr lang="en-US" altLang="zh-CN">
+                <a:solidFill>
+                  <a:schemeClr val="bg1">
+                    <a:lumMod val="65000"/>
+                  </a:schemeClr>
+                </a:solidFill>
+                <a:sym typeface="+mn-ea"/>
+              </a:rPr>
+              <a:t> noexcept</a:t>
+            </a:r>
+            <a:r>
+              <a:rPr lang="en-US" altLang="zh-CN">
+                <a:solidFill>
+                  <a:schemeClr val="bg1">
+                    <a:lumMod val="65000"/>
+                  </a:schemeClr>
+                </a:solidFill>
+                <a:sym typeface="+mn-ea"/>
+              </a:rPr>
+              <a:t>;</a:t>
+            </a:r>
+            <a:endParaRPr lang="zh-CN" altLang="en-US"/>
+          </a:p>
+        </p:txBody>
+      </p:sp>
+      <p:pic>
+        <p:nvPicPr>
+          <p:cNvPr id="6" name="Content Placeholder 5"/>
+          <p:cNvPicPr>
+            <a:picLocks noChangeAspect="1"/>
+          </p:cNvPicPr>
+          <p:nvPr>
+            <p:ph sz="half" idx="2"/>
+          </p:nvPr>
+        </p:nvPicPr>
+        <p:blipFill>
+          <a:blip r:embed="rId1"/>
+          <a:stretch>
+            <a:fillRect/>
+          </a:stretch>
+        </p:blipFill>
+        <p:spPr>
+          <a:xfrm>
+            <a:off x="5438140" y="2838450"/>
+            <a:ext cx="6289040" cy="2014220"/>
+          </a:xfrm>
+          <a:prstGeom prst="rect">
+            <a:avLst/>
+          </a:prstGeom>
+        </p:spPr>
+      </p:pic>
+      <p:pic>
+        <p:nvPicPr>
+          <p:cNvPr id="8" name="Picture 7"/>
+          <p:cNvPicPr>
+            <a:picLocks noChangeAspect="1"/>
+          </p:cNvPicPr>
+          <p:nvPr/>
+        </p:nvPicPr>
+        <p:blipFill>
+          <a:blip r:embed="rId2"/>
+          <a:stretch>
+            <a:fillRect/>
+          </a:stretch>
+        </p:blipFill>
+        <p:spPr>
+          <a:xfrm>
+            <a:off x="7310120" y="4965065"/>
+            <a:ext cx="2545080" cy="1751330"/>
+          </a:xfrm>
+          <a:prstGeom prst="rect">
+            <a:avLst/>
+          </a:prstGeom>
+        </p:spPr>
+      </p:pic>
+    </p:spTree>
+  </p:cSld>
+  <p:clrMapOvr>
+    <a:masterClrMapping/>
+  </p:clrMapOvr>
+</p:sld>
+</file>
+
+<file path=ppt/slides/slide35.xml><?xml version="1.0" encoding="utf-8"?>
+<p:sld xmlns:a="http://schemas.openxmlformats.org/drawingml/2006/main" xmlns:r="http://schemas.openxmlformats.org/officeDocument/2006/relationships" xmlns:p="http://schemas.openxmlformats.org/presentationml/2006/main">
+  <p:cSld>
+    <p:spTree>
+      <p:nvGrpSpPr>
+        <p:cNvPr id="1" name=""/>
+        <p:cNvGrpSpPr/>
+        <p:nvPr/>
+      </p:nvGrpSpPr>
+      <p:grpSpPr/>
+      <p:sp>
+        <p:nvSpPr>
+          <p:cNvPr id="2" name="Title 1"/>
+          <p:cNvSpPr>
+            <a:spLocks noGrp="1"/>
+          </p:cNvSpPr>
+          <p:nvPr>
+            <p:ph type="title"/>
+          </p:nvPr>
+        </p:nvSpPr>
+        <p:spPr/>
+        <p:txBody>
+          <a:bodyPr/>
+          <a:p>
+            <a:r>
+              <a:rPr lang="zh-CN"/>
+              <a:t>迭代器模式</a:t>
+            </a:r>
+            <a:endParaRPr lang="zh-CN"/>
+          </a:p>
+        </p:txBody>
+      </p:sp>
+      <p:sp>
+        <p:nvSpPr>
+          <p:cNvPr id="3" name="Content Placeholder 2"/>
+          <p:cNvSpPr>
+            <a:spLocks noGrp="1"/>
+          </p:cNvSpPr>
+          <p:nvPr>
+            <p:ph sz="half" idx="1"/>
+          </p:nvPr>
+        </p:nvSpPr>
+        <p:spPr/>
+        <p:txBody>
+          <a:bodyPr/>
+          <a:p>
+            <a:r>
+              <a:rPr lang="zh-CN" altLang="en-US"/>
+              <a:t>如果要把右边这个打印的操作封装起来，该怎么做？</a:t>
+            </a:r>
+            <a:endParaRPr lang="zh-CN" altLang="en-US"/>
+          </a:p>
+        </p:txBody>
+      </p:sp>
+      <p:pic>
+        <p:nvPicPr>
+          <p:cNvPr id="5" name="Content Placeholder 4"/>
+          <p:cNvPicPr>
+            <a:picLocks noChangeAspect="1"/>
+          </p:cNvPicPr>
+          <p:nvPr>
+            <p:ph sz="half" idx="2"/>
+          </p:nvPr>
+        </p:nvPicPr>
+        <p:blipFill>
+          <a:blip r:embed="rId1"/>
+          <a:stretch>
+            <a:fillRect/>
+          </a:stretch>
+        </p:blipFill>
+        <p:spPr>
+          <a:xfrm>
+            <a:off x="5623560" y="2875280"/>
+            <a:ext cx="5897245" cy="2251710"/>
+          </a:xfrm>
+          <a:prstGeom prst="rect">
+            <a:avLst/>
+          </a:prstGeom>
+        </p:spPr>
+      </p:pic>
+    </p:spTree>
+  </p:cSld>
+  <p:clrMapOvr>
+    <a:masterClrMapping/>
+  </p:clrMapOvr>
+</p:sld>
+</file>
+
+<file path=ppt/slides/slide36.xml><?xml version="1.0" encoding="utf-8"?>
+<p:sld xmlns:a="http://schemas.openxmlformats.org/drawingml/2006/main" xmlns:r="http://schemas.openxmlformats.org/officeDocument/2006/relationships" xmlns:p="http://schemas.openxmlformats.org/presentationml/2006/main">
+  <p:cSld>
+    <p:spTree>
+      <p:nvGrpSpPr>
+        <p:cNvPr id="1" name=""/>
+        <p:cNvGrpSpPr/>
+        <p:nvPr/>
+      </p:nvGrpSpPr>
+      <p:grpSpPr/>
+      <p:sp>
+        <p:nvSpPr>
+          <p:cNvPr id="2" name="Title 1"/>
+          <p:cNvSpPr>
+            <a:spLocks noGrp="1"/>
+          </p:cNvSpPr>
+          <p:nvPr>
+            <p:ph type="title"/>
+          </p:nvPr>
+        </p:nvSpPr>
+        <p:spPr/>
+        <p:txBody>
+          <a:bodyPr/>
+          <a:p>
+            <a:r>
+              <a:rPr lang="zh-CN"/>
+              <a:t>迭代器模式</a:t>
+            </a:r>
+            <a:endParaRPr lang="zh-CN"/>
+          </a:p>
+        </p:txBody>
+      </p:sp>
+      <p:sp>
+        <p:nvSpPr>
+          <p:cNvPr id="3" name="Content Placeholder 2"/>
+          <p:cNvSpPr>
+            <a:spLocks noGrp="1"/>
+          </p:cNvSpPr>
+          <p:nvPr>
+            <p:ph sz="half" idx="1"/>
+          </p:nvPr>
+        </p:nvSpPr>
+        <p:spPr/>
+        <p:txBody>
+          <a:bodyPr/>
+          <a:p>
+            <a:r>
+              <a:rPr lang="zh-CN" altLang="en-US"/>
+              <a:t>如果要把右边这个打印的操作封装起来，该怎么做？</a:t>
+            </a:r>
+            <a:endParaRPr lang="zh-CN" altLang="en-US"/>
+          </a:p>
+          <a:p>
+            <a:r>
+              <a:rPr lang="zh-CN" altLang="en-US"/>
+              <a:t>可以用一个函数来封装打印操作：</a:t>
+            </a:r>
+            <a:endParaRPr lang="zh-CN" altLang="en-US"/>
+          </a:p>
+          <a:p>
+            <a:r>
+              <a:rPr lang="en-US" altLang="zh-CN">
+                <a:solidFill>
+                  <a:schemeClr val="accent5">
+                    <a:lumMod val="75000"/>
+                  </a:schemeClr>
+                </a:solidFill>
+              </a:rPr>
+              <a:t>print(vector&lt;char&gt; const &amp;a);</a:t>
+            </a:r>
+            <a:endParaRPr lang="en-US" altLang="zh-CN">
+              <a:solidFill>
+                <a:schemeClr val="accent5">
+                  <a:lumMod val="75000"/>
+                </a:schemeClr>
+              </a:solidFill>
+            </a:endParaRPr>
+          </a:p>
+        </p:txBody>
+      </p:sp>
+      <p:pic>
+        <p:nvPicPr>
+          <p:cNvPr id="6" name="Content Placeholder 5"/>
+          <p:cNvPicPr>
+            <a:picLocks noChangeAspect="1"/>
+          </p:cNvPicPr>
+          <p:nvPr>
+            <p:ph sz="half" idx="2"/>
+          </p:nvPr>
+        </p:nvPicPr>
+        <p:blipFill>
+          <a:blip r:embed="rId1"/>
+          <a:stretch>
+            <a:fillRect/>
+          </a:stretch>
+        </p:blipFill>
+        <p:spPr>
+          <a:xfrm>
+            <a:off x="5589905" y="2240280"/>
+            <a:ext cx="5963920" cy="3522345"/>
+          </a:xfrm>
+          <a:prstGeom prst="rect">
+            <a:avLst/>
+          </a:prstGeom>
+        </p:spPr>
+      </p:pic>
+      <p:pic>
+        <p:nvPicPr>
+          <p:cNvPr id="7" name="Picture 6"/>
+          <p:cNvPicPr>
+            <a:picLocks noChangeAspect="1"/>
+          </p:cNvPicPr>
+          <p:nvPr/>
+        </p:nvPicPr>
+        <p:blipFill>
+          <a:blip r:embed="rId2"/>
+          <a:stretch>
+            <a:fillRect/>
+          </a:stretch>
+        </p:blipFill>
+        <p:spPr>
+          <a:xfrm>
+            <a:off x="727710" y="4614545"/>
+            <a:ext cx="516890" cy="1388110"/>
+          </a:xfrm>
+          <a:prstGeom prst="rect">
+            <a:avLst/>
+          </a:prstGeom>
+        </p:spPr>
+      </p:pic>
+    </p:spTree>
+  </p:cSld>
+  <p:clrMapOvr>
+    <a:masterClrMapping/>
+  </p:clrMapOvr>
+</p:sld>
+</file>
+
+<file path=ppt/slides/slide37.xml><?xml version="1.0" encoding="utf-8"?>
+<p:sld xmlns:a="http://schemas.openxmlformats.org/drawingml/2006/main" xmlns:r="http://schemas.openxmlformats.org/officeDocument/2006/relationships" xmlns:p="http://schemas.openxmlformats.org/presentationml/2006/main">
+  <p:cSld>
+    <p:spTree>
+      <p:nvGrpSpPr>
+        <p:cNvPr id="1" name=""/>
+        <p:cNvGrpSpPr/>
+        <p:nvPr/>
+      </p:nvGrpSpPr>
+      <p:grpSpPr/>
+      <p:sp>
+        <p:nvSpPr>
+          <p:cNvPr id="2" name="Title 1"/>
+          <p:cNvSpPr>
+            <a:spLocks noGrp="1"/>
+          </p:cNvSpPr>
+          <p:nvPr>
+            <p:ph type="title"/>
+          </p:nvPr>
+        </p:nvSpPr>
+        <p:spPr/>
+        <p:txBody>
+          <a:bodyPr/>
+          <a:p>
+            <a:r>
+              <a:rPr lang="zh-CN"/>
+              <a:t>迭代器模式</a:t>
+            </a:r>
+            <a:endParaRPr lang="zh-CN"/>
+          </a:p>
+        </p:txBody>
+      </p:sp>
+      <p:sp>
+        <p:nvSpPr>
+          <p:cNvPr id="3" name="Content Placeholder 2"/>
+          <p:cNvSpPr>
+            <a:spLocks noGrp="1"/>
+          </p:cNvSpPr>
+          <p:nvPr>
+            <p:ph sz="half" idx="1"/>
+          </p:nvPr>
+        </p:nvSpPr>
+        <p:spPr/>
+        <p:txBody>
+          <a:bodyPr/>
+          <a:p>
+            <a:r>
+              <a:rPr lang="zh-CN" altLang="en-US"/>
+              <a:t>如果要把右边这个打印的操作封装起来，该怎么做？</a:t>
+            </a:r>
+            <a:endParaRPr lang="zh-CN" altLang="en-US"/>
+          </a:p>
+          <a:p>
+            <a:r>
+              <a:rPr lang="zh-CN" altLang="en-US"/>
+              <a:t>可以用一个函数来封装打印操作：</a:t>
+            </a:r>
+            <a:endParaRPr lang="zh-CN" altLang="en-US"/>
+          </a:p>
+          <a:p>
+            <a:r>
+              <a:rPr lang="en-US" altLang="zh-CN">
+                <a:solidFill>
+                  <a:schemeClr val="accent5">
+                    <a:lumMod val="75000"/>
+                  </a:schemeClr>
+                </a:solidFill>
+              </a:rPr>
+              <a:t>print(vector&lt;char&gt; const &amp;a);</a:t>
+            </a:r>
+            <a:endParaRPr lang="en-US" altLang="zh-CN">
+              <a:solidFill>
+                <a:schemeClr val="accent5">
+                  <a:lumMod val="75000"/>
+                </a:schemeClr>
+              </a:solidFill>
+            </a:endParaRPr>
+          </a:p>
+          <a:p>
+            <a:r>
+              <a:rPr lang="zh-CN" altLang="en-US">
+                <a:sym typeface="+mn-ea"/>
+              </a:rPr>
+              <a:t>但是这样的缺点是他只能打印</a:t>
+            </a:r>
+            <a:r>
+              <a:rPr lang="en-US" altLang="zh-CN">
+                <a:sym typeface="+mn-ea"/>
+              </a:rPr>
+              <a:t> vector </a:t>
+            </a:r>
+            <a:r>
+              <a:rPr lang="zh-CN" altLang="en-US">
+                <a:sym typeface="+mn-ea"/>
+              </a:rPr>
+              <a:t>类型，没法打印</a:t>
+            </a:r>
+            <a:r>
+              <a:rPr lang="en-US" altLang="zh-CN">
+                <a:sym typeface="+mn-ea"/>
+              </a:rPr>
+              <a:t> string </a:t>
+            </a:r>
+            <a:r>
+              <a:rPr lang="zh-CN" altLang="en-US">
+                <a:sym typeface="+mn-ea"/>
+              </a:rPr>
+              <a:t>类型。</a:t>
+            </a:r>
+            <a:r>
+              <a:rPr lang="zh-CN" altLang="en-US">
+                <a:sym typeface="+mn-ea"/>
+              </a:rPr>
+              <a:t>要支持</a:t>
+            </a:r>
+            <a:r>
+              <a:rPr lang="en-US" altLang="zh-CN">
+                <a:sym typeface="+mn-ea"/>
+              </a:rPr>
+              <a:t> string </a:t>
+            </a:r>
+            <a:r>
+              <a:rPr lang="zh-CN" altLang="en-US">
+                <a:sym typeface="+mn-ea"/>
+              </a:rPr>
+              <a:t>只能再写一遍一样的</a:t>
+            </a:r>
+            <a:r>
+              <a:rPr lang="en-US" altLang="zh-CN">
+                <a:sym typeface="+mn-ea"/>
+              </a:rPr>
+              <a:t> print </a:t>
+            </a:r>
+            <a:r>
+              <a:rPr lang="zh-CN" altLang="en-US">
+                <a:sym typeface="+mn-ea"/>
+              </a:rPr>
+              <a:t>函数。</a:t>
+            </a:r>
+            <a:endParaRPr lang="zh-CN" altLang="en-US">
+              <a:solidFill>
+                <a:schemeClr val="accent5">
+                  <a:lumMod val="75000"/>
+                </a:schemeClr>
+              </a:solidFill>
+              <a:sym typeface="+mn-ea"/>
+            </a:endParaRPr>
+          </a:p>
+        </p:txBody>
+      </p:sp>
+      <p:pic>
+        <p:nvPicPr>
+          <p:cNvPr id="8" name="Content Placeholder 7"/>
+          <p:cNvPicPr>
+            <a:picLocks noChangeAspect="1"/>
+          </p:cNvPicPr>
+          <p:nvPr>
+            <p:ph sz="half" idx="2"/>
+          </p:nvPr>
+        </p:nvPicPr>
+        <p:blipFill>
+          <a:blip r:embed="rId1"/>
+          <a:stretch>
+            <a:fillRect/>
+          </a:stretch>
+        </p:blipFill>
+        <p:spPr>
+          <a:xfrm>
+            <a:off x="5880735" y="2103755"/>
+            <a:ext cx="5383530" cy="3794760"/>
+          </a:xfrm>
+          <a:prstGeom prst="rect">
+            <a:avLst/>
+          </a:prstGeom>
+        </p:spPr>
+      </p:pic>
+    </p:spTree>
+  </p:cSld>
+  <p:clrMapOvr>
+    <a:masterClrMapping/>
+  </p:clrMapOvr>
+</p:sld>
+</file>
+
+<file path=ppt/slides/slide38.xml><?xml version="1.0" encoding="utf-8"?>
+<p:sld xmlns:a="http://schemas.openxmlformats.org/drawingml/2006/main" xmlns:r="http://schemas.openxmlformats.org/officeDocument/2006/relationships" xmlns:p="http://schemas.openxmlformats.org/presentationml/2006/main">
+  <p:cSld>
+    <p:spTree>
+      <p:nvGrpSpPr>
+        <p:cNvPr id="1" name=""/>
+        <p:cNvGrpSpPr/>
+        <p:nvPr/>
+      </p:nvGrpSpPr>
+      <p:grpSpPr/>
+      <p:sp>
+        <p:nvSpPr>
+          <p:cNvPr id="2" name="Title 1"/>
+          <p:cNvSpPr>
+            <a:spLocks noGrp="1"/>
+          </p:cNvSpPr>
+          <p:nvPr>
+            <p:ph type="title"/>
+          </p:nvPr>
+        </p:nvSpPr>
+        <p:spPr/>
+        <p:txBody>
+          <a:bodyPr/>
+          <a:p>
+            <a:r>
+              <a:rPr lang="zh-CN"/>
+              <a:t>迭代器模式</a:t>
+            </a:r>
+            <a:endParaRPr lang="zh-CN"/>
+          </a:p>
+        </p:txBody>
+      </p:sp>
+      <p:sp>
+        <p:nvSpPr>
+          <p:cNvPr id="3" name="Content Placeholder 2"/>
+          <p:cNvSpPr>
+            <a:spLocks noGrp="1"/>
+          </p:cNvSpPr>
+          <p:nvPr>
+            <p:ph sz="half" idx="1"/>
+          </p:nvPr>
+        </p:nvSpPr>
+        <p:spPr/>
+        <p:txBody>
+          <a:bodyPr/>
+          <a:p>
+            <a:r>
+              <a:rPr lang="zh-CN" altLang="en-US"/>
+              <a:t>注意到</a:t>
+            </a:r>
+            <a:r>
+              <a:rPr lang="en-US" altLang="zh-CN"/>
+              <a:t> vector </a:t>
+            </a:r>
+            <a:r>
+              <a:rPr lang="zh-CN" altLang="en-US"/>
+              <a:t>和</a:t>
+            </a:r>
+            <a:r>
+              <a:rPr lang="en-US" altLang="zh-CN"/>
+              <a:t> string </a:t>
+            </a:r>
+            <a:r>
+              <a:rPr lang="zh-CN" altLang="en-US"/>
+              <a:t>的底层都是连续的稠密数组，他们都有</a:t>
+            </a:r>
+            <a:r>
+              <a:rPr lang="en-US" altLang="zh-CN"/>
+              <a:t> data() </a:t>
+            </a:r>
+            <a:r>
+              <a:rPr lang="zh-CN" altLang="en-US"/>
+              <a:t>和</a:t>
+            </a:r>
+            <a:r>
+              <a:rPr lang="en-US" altLang="zh-CN"/>
+              <a:t> size() </a:t>
+            </a:r>
+            <a:r>
+              <a:rPr lang="zh-CN" altLang="en-US"/>
+              <a:t>函数。</a:t>
+            </a:r>
+            <a:endParaRPr lang="zh-CN" altLang="en-US"/>
+          </a:p>
+          <a:p>
+            <a:r>
+              <a:rPr lang="zh-CN" altLang="en-US"/>
+              <a:t>因此可改用</a:t>
+            </a:r>
+            <a:r>
+              <a:rPr lang="zh-CN" altLang="en-US" b="1"/>
+              <a:t>首地址指针</a:t>
+            </a:r>
+            <a:r>
+              <a:rPr lang="zh-CN" altLang="en-US"/>
+              <a:t>和</a:t>
+            </a:r>
+            <a:r>
+              <a:rPr lang="zh-CN" altLang="en-US" b="1"/>
+              <a:t>数组长度</a:t>
+            </a:r>
+            <a:r>
+              <a:rPr lang="zh-CN" altLang="en-US"/>
+              <a:t>做参数：</a:t>
+            </a:r>
+            <a:endParaRPr lang="zh-CN" altLang="en-US"/>
+          </a:p>
+          <a:p>
+            <a:r>
+              <a:rPr lang="en-US" altLang="zh-CN">
+                <a:solidFill>
+                  <a:schemeClr val="accent5">
+                    <a:lumMod val="75000"/>
+                  </a:schemeClr>
+                </a:solidFill>
+              </a:rPr>
+              <a:t>print(char const *a, size_t n);</a:t>
+            </a:r>
+            <a:endParaRPr lang="en-US" altLang="zh-CN">
+              <a:solidFill>
+                <a:schemeClr val="accent5">
+                  <a:lumMod val="75000"/>
+                </a:schemeClr>
+              </a:solidFill>
+            </a:endParaRPr>
+          </a:p>
+          <a:p>
+            <a:r>
+              <a:rPr lang="zh-CN">
+                <a:sym typeface="+mn-ea"/>
+              </a:rPr>
+              <a:t>这样</a:t>
+            </a:r>
+            <a:r>
+              <a:rPr lang="en-US" altLang="zh-CN">
+                <a:sym typeface="+mn-ea"/>
+              </a:rPr>
+              <a:t> print </a:t>
+            </a:r>
+            <a:r>
+              <a:rPr lang="zh-CN" altLang="en-US">
+                <a:sym typeface="+mn-ea"/>
+              </a:rPr>
+              <a:t>在无需知道容器具体类型的情况下，只用最简单的接口（首地址指针）就完成了遍历和打印的操作。</a:t>
+            </a:r>
+            <a:endParaRPr lang="zh-CN" altLang="en-US">
+              <a:solidFill>
+                <a:schemeClr val="accent5">
+                  <a:lumMod val="75000"/>
+                </a:schemeClr>
+              </a:solidFill>
+              <a:sym typeface="+mn-ea"/>
+            </a:endParaRPr>
+          </a:p>
+        </p:txBody>
+      </p:sp>
+      <p:pic>
+        <p:nvPicPr>
+          <p:cNvPr id="5" name="Content Placeholder 4"/>
+          <p:cNvPicPr>
+            <a:picLocks noChangeAspect="1"/>
+          </p:cNvPicPr>
+          <p:nvPr>
+            <p:ph sz="half" idx="2"/>
+          </p:nvPr>
+        </p:nvPicPr>
+        <p:blipFill>
+          <a:blip r:embed="rId1"/>
+          <a:stretch>
+            <a:fillRect/>
+          </a:stretch>
+        </p:blipFill>
+        <p:spPr>
+          <a:xfrm>
+            <a:off x="5831205" y="2102485"/>
+            <a:ext cx="5482590" cy="3797300"/>
+          </a:xfrm>
+          <a:prstGeom prst="rect">
+            <a:avLst/>
+          </a:prstGeom>
+        </p:spPr>
+      </p:pic>
+      <p:pic>
+        <p:nvPicPr>
+          <p:cNvPr id="7" name="Picture 6"/>
+          <p:cNvPicPr>
+            <a:picLocks noChangeAspect="1"/>
+          </p:cNvPicPr>
+          <p:nvPr/>
+        </p:nvPicPr>
+        <p:blipFill>
+          <a:blip r:embed="rId2"/>
+          <a:stretch>
+            <a:fillRect/>
+          </a:stretch>
+        </p:blipFill>
+        <p:spPr>
+          <a:xfrm>
+            <a:off x="274955" y="3615690"/>
+            <a:ext cx="266700" cy="2038350"/>
+          </a:xfrm>
+          <a:prstGeom prst="rect">
+            <a:avLst/>
+          </a:prstGeom>
+        </p:spPr>
+      </p:pic>
+    </p:spTree>
+  </p:cSld>
+  <p:clrMapOvr>
+    <a:masterClrMapping/>
+  </p:clrMapOvr>
+</p:sld>
+</file>
+
+<file path=ppt/slides/slide39.xml><?xml version="1.0" encoding="utf-8"?>
+<p:sld xmlns:a="http://schemas.openxmlformats.org/drawingml/2006/main" xmlns:r="http://schemas.openxmlformats.org/officeDocument/2006/relationships" xmlns:p="http://schemas.openxmlformats.org/presentationml/2006/main">
+  <p:cSld>
+    <p:spTree>
+      <p:nvGrpSpPr>
+        <p:cNvPr id="1" name=""/>
+        <p:cNvGrpSpPr/>
+        <p:nvPr/>
+      </p:nvGrpSpPr>
+      <p:grpSpPr/>
+      <p:sp>
+        <p:nvSpPr>
+          <p:cNvPr id="2" name="Title 1"/>
+          <p:cNvSpPr>
+            <a:spLocks noGrp="1"/>
+          </p:cNvSpPr>
+          <p:nvPr>
+            <p:ph type="title"/>
+          </p:nvPr>
+        </p:nvSpPr>
+        <p:spPr/>
+        <p:txBody>
+          <a:bodyPr/>
+          <a:p>
+            <a:r>
+              <a:rPr lang="zh-CN"/>
+              <a:t>迭代器模式</a:t>
+            </a:r>
+            <a:endParaRPr lang="zh-CN"/>
+          </a:p>
+        </p:txBody>
+      </p:sp>
+      <p:sp>
+        <p:nvSpPr>
+          <p:cNvPr id="3" name="Content Placeholder 2"/>
+          <p:cNvSpPr>
+            <a:spLocks noGrp="1"/>
+          </p:cNvSpPr>
+          <p:nvPr>
+            <p:ph sz="half" idx="1"/>
+          </p:nvPr>
+        </p:nvSpPr>
+        <p:spPr/>
+        <p:txBody>
+          <a:bodyPr/>
+          <a:p>
+            <a:r>
+              <a:rPr lang="zh-CN"/>
+              <a:t>使用</a:t>
+            </a:r>
+            <a:r>
+              <a:rPr lang="zh-CN" b="1"/>
+              <a:t>指针</a:t>
+            </a:r>
+            <a:r>
+              <a:rPr lang="zh-CN"/>
+              <a:t>和</a:t>
+            </a:r>
+            <a:r>
+              <a:rPr lang="zh-CN" b="1"/>
+              <a:t>长度</a:t>
+            </a:r>
+            <a:r>
+              <a:rPr lang="zh-CN"/>
+              <a:t>做接口的好处是，可以通过给指针加减运算，选择其中一部分连续的元素来打印，而不一定全部打印出来。</a:t>
+            </a:r>
+            <a:endParaRPr lang="zh-CN"/>
+          </a:p>
+          <a:p>
+            <a:r>
+              <a:rPr lang="zh-CN">
+                <a:sym typeface="+mn-ea"/>
+              </a:rPr>
+              <a:t>比如这里我们选择打印</a:t>
+            </a:r>
+            <a:r>
+              <a:rPr lang="zh-CN" b="1">
+                <a:sym typeface="+mn-ea"/>
+              </a:rPr>
+              <a:t>前三个元素</a:t>
+            </a:r>
+            <a:r>
+              <a:rPr lang="zh-CN">
+                <a:sym typeface="+mn-ea"/>
+              </a:rPr>
+              <a:t>（去掉了最后一个元素，但不必用</a:t>
+            </a:r>
+            <a:r>
+              <a:rPr lang="en-US" altLang="zh-CN">
+                <a:sym typeface="+mn-ea"/>
+              </a:rPr>
+              <a:t> pop_back </a:t>
+            </a:r>
+            <a:r>
+              <a:rPr lang="zh-CN" altLang="en-US">
+                <a:sym typeface="+mn-ea"/>
+              </a:rPr>
+              <a:t>修改数组，只要传参数的时候修改一下</a:t>
+            </a:r>
+            <a:r>
+              <a:rPr lang="zh-CN" altLang="en-US" b="1">
+                <a:sym typeface="+mn-ea"/>
+              </a:rPr>
+              <a:t>长度</a:t>
+            </a:r>
+            <a:r>
+              <a:rPr lang="en-US" altLang="zh-CN">
+                <a:sym typeface="+mn-ea"/>
+              </a:rPr>
+              <a:t> </a:t>
+            </a:r>
+            <a:r>
+              <a:rPr lang="zh-CN" altLang="en-US">
+                <a:sym typeface="+mn-ea"/>
+              </a:rPr>
+              <a:t>部分即可</a:t>
+            </a:r>
+            <a:r>
+              <a:rPr lang="zh-CN">
+                <a:sym typeface="+mn-ea"/>
+              </a:rPr>
+              <a:t>）。</a:t>
+            </a:r>
+            <a:endParaRPr lang="zh-CN">
+              <a:solidFill>
+                <a:schemeClr val="accent5">
+                  <a:lumMod val="75000"/>
+                </a:schemeClr>
+              </a:solidFill>
+              <a:sym typeface="+mn-ea"/>
+            </a:endParaRPr>
+          </a:p>
+        </p:txBody>
+      </p:sp>
+      <p:pic>
+        <p:nvPicPr>
+          <p:cNvPr id="9" name="Content Placeholder 8"/>
+          <p:cNvPicPr>
+            <a:picLocks noChangeAspect="1"/>
+          </p:cNvPicPr>
+          <p:nvPr>
+            <p:ph sz="half" idx="2"/>
+          </p:nvPr>
+        </p:nvPicPr>
+        <p:blipFill>
+          <a:blip r:embed="rId1"/>
+          <a:stretch>
+            <a:fillRect/>
+          </a:stretch>
+        </p:blipFill>
+        <p:spPr>
+          <a:xfrm>
+            <a:off x="6005195" y="2470785"/>
+            <a:ext cx="5134610" cy="3061335"/>
+          </a:xfrm>
+          <a:prstGeom prst="rect">
+            <a:avLst/>
+          </a:prstGeom>
+        </p:spPr>
+      </p:pic>
+      <p:pic>
+        <p:nvPicPr>
+          <p:cNvPr id="10" name="Picture 9"/>
+          <p:cNvPicPr>
+            <a:picLocks noChangeAspect="1"/>
+          </p:cNvPicPr>
+          <p:nvPr/>
+        </p:nvPicPr>
+        <p:blipFill>
+          <a:blip r:embed="rId2"/>
+          <a:stretch>
+            <a:fillRect/>
+          </a:stretch>
+        </p:blipFill>
+        <p:spPr>
+          <a:xfrm>
+            <a:off x="198120" y="3438525"/>
+            <a:ext cx="370840" cy="1126490"/>
+          </a:xfrm>
+          <a:prstGeom prst="rect">
+            <a:avLst/>
+          </a:prstGeom>
+        </p:spPr>
+      </p:pic>
+      <p:cxnSp>
+        <p:nvCxnSpPr>
+          <p:cNvPr id="11" name="Straight Connector 10"/>
+          <p:cNvCxnSpPr/>
+          <p:nvPr/>
+        </p:nvCxnSpPr>
+        <p:spPr>
+          <a:xfrm>
+            <a:off x="8491855" y="4961255"/>
+            <a:ext cx="1440815" cy="0"/>
+          </a:xfrm>
+          <a:prstGeom prst="line">
+            <a:avLst/>
+          </a:prstGeom>
+          <a:ln w="25400"/>
+        </p:spPr>
+        <p:style>
+          <a:lnRef idx="1">
+            <a:schemeClr val="accent1"/>
+          </a:lnRef>
+          <a:fillRef idx="0">
+            <a:schemeClr val="accent1"/>
+          </a:fillRef>
+          <a:effectRef idx="0">
+            <a:schemeClr val="accent1"/>
           </a:effectRef>
           <a:fontRef idx="minor">
             <a:schemeClr val="tx1"/>
@@ -8193,6 +11523,2437 @@
           </a:fontRef>
         </p:style>
       </p:cxnSp>
+    </p:spTree>
+  </p:cSld>
+  <p:clrMapOvr>
+    <a:masterClrMapping/>
+  </p:clrMapOvr>
+</p:sld>
+</file>
+
+<file path=ppt/slides/slide40.xml><?xml version="1.0" encoding="utf-8"?>
+<p:sld xmlns:a="http://schemas.openxmlformats.org/drawingml/2006/main" xmlns:r="http://schemas.openxmlformats.org/officeDocument/2006/relationships" xmlns:p="http://schemas.openxmlformats.org/presentationml/2006/main">
+  <p:cSld>
+    <p:spTree>
+      <p:nvGrpSpPr>
+        <p:cNvPr id="1" name=""/>
+        <p:cNvGrpSpPr/>
+        <p:nvPr/>
+      </p:nvGrpSpPr>
+      <p:grpSpPr/>
+      <p:pic>
+        <p:nvPicPr>
+          <p:cNvPr id="5" name="Content Placeholder 4"/>
+          <p:cNvPicPr>
+            <a:picLocks noChangeAspect="1"/>
+          </p:cNvPicPr>
+          <p:nvPr>
+            <p:ph sz="half" idx="2"/>
+          </p:nvPr>
+        </p:nvPicPr>
+        <p:blipFill>
+          <a:blip r:embed="rId1"/>
+          <a:stretch>
+            <a:fillRect/>
+          </a:stretch>
+        </p:blipFill>
+        <p:spPr>
+          <a:xfrm>
+            <a:off x="5977890" y="2440940"/>
+            <a:ext cx="5188585" cy="3120390"/>
+          </a:xfrm>
+          <a:prstGeom prst="rect">
+            <a:avLst/>
+          </a:prstGeom>
+        </p:spPr>
+      </p:pic>
+      <p:sp>
+        <p:nvSpPr>
+          <p:cNvPr id="2" name="Title 1"/>
+          <p:cNvSpPr>
+            <a:spLocks noGrp="1"/>
+          </p:cNvSpPr>
+          <p:nvPr>
+            <p:ph type="title"/>
+          </p:nvPr>
+        </p:nvSpPr>
+        <p:spPr/>
+        <p:txBody>
+          <a:bodyPr/>
+          <a:p>
+            <a:r>
+              <a:rPr lang="zh-CN"/>
+              <a:t>迭代器模式</a:t>
+            </a:r>
+            <a:endParaRPr lang="zh-CN"/>
+          </a:p>
+        </p:txBody>
+      </p:sp>
+      <p:sp>
+        <p:nvSpPr>
+          <p:cNvPr id="3" name="Content Placeholder 2"/>
+          <p:cNvSpPr>
+            <a:spLocks noGrp="1"/>
+          </p:cNvSpPr>
+          <p:nvPr>
+            <p:ph sz="half" idx="1"/>
+          </p:nvPr>
+        </p:nvSpPr>
+        <p:spPr/>
+        <p:txBody>
+          <a:bodyPr/>
+          <a:p>
+            <a:r>
+              <a:rPr lang="zh-CN"/>
+              <a:t>使用</a:t>
+            </a:r>
+            <a:r>
+              <a:rPr lang="zh-CN" b="1"/>
+              <a:t>指针</a:t>
+            </a:r>
+            <a:r>
+              <a:rPr lang="zh-CN"/>
+              <a:t>和</a:t>
+            </a:r>
+            <a:r>
+              <a:rPr lang="zh-CN" b="1"/>
+              <a:t>长度</a:t>
+            </a:r>
+            <a:r>
+              <a:rPr lang="zh-CN"/>
+              <a:t>做接口的好处是，可以通过给指针加减运算，选择其中一部分连续的元素来打印，而不一定全部打印出来。</a:t>
+            </a:r>
+            <a:endParaRPr lang="zh-CN"/>
+          </a:p>
+          <a:p>
+            <a:r>
+              <a:rPr lang="zh-CN">
+                <a:sym typeface="+mn-ea"/>
+              </a:rPr>
+              <a:t>比如这里我们选择打印</a:t>
+            </a:r>
+            <a:r>
+              <a:rPr lang="zh-CN" b="1">
+                <a:sym typeface="+mn-ea"/>
+              </a:rPr>
+              <a:t>后三个元素</a:t>
+            </a:r>
+            <a:r>
+              <a:rPr lang="zh-CN">
+                <a:sym typeface="+mn-ea"/>
+              </a:rPr>
+              <a:t>（去掉了第一个元素，但不必用</a:t>
+            </a:r>
+            <a:r>
+              <a:rPr lang="en-US" altLang="zh-CN">
+                <a:sym typeface="+mn-ea"/>
+              </a:rPr>
+              <a:t> erase </a:t>
+            </a:r>
+            <a:r>
+              <a:rPr lang="zh-CN" altLang="en-US">
+                <a:sym typeface="+mn-ea"/>
+              </a:rPr>
+              <a:t>修改数组，只要传参数的时候同时修改</a:t>
+            </a:r>
+            <a:r>
+              <a:rPr lang="zh-CN" altLang="en-US" b="1">
+                <a:sym typeface="+mn-ea"/>
+              </a:rPr>
+              <a:t>指针</a:t>
+            </a:r>
+            <a:r>
+              <a:rPr lang="zh-CN" altLang="en-US">
+                <a:sym typeface="+mn-ea"/>
+              </a:rPr>
+              <a:t>和</a:t>
+            </a:r>
+            <a:r>
+              <a:rPr lang="zh-CN" altLang="en-US" b="1">
+                <a:sym typeface="+mn-ea"/>
+              </a:rPr>
+              <a:t>长度</a:t>
+            </a:r>
+            <a:r>
+              <a:rPr lang="zh-CN" altLang="en-US">
+                <a:sym typeface="+mn-ea"/>
+              </a:rPr>
+              <a:t>部分即可</a:t>
+            </a:r>
+            <a:r>
+              <a:rPr lang="zh-CN">
+                <a:sym typeface="+mn-ea"/>
+              </a:rPr>
+              <a:t>）。</a:t>
+            </a:r>
+            <a:endParaRPr lang="zh-CN">
+              <a:solidFill>
+                <a:schemeClr val="accent5">
+                  <a:lumMod val="75000"/>
+                </a:schemeClr>
+              </a:solidFill>
+              <a:sym typeface="+mn-ea"/>
+            </a:endParaRPr>
+          </a:p>
+        </p:txBody>
+      </p:sp>
+      <p:cxnSp>
+        <p:nvCxnSpPr>
+          <p:cNvPr id="11" name="Straight Connector 10"/>
+          <p:cNvCxnSpPr/>
+          <p:nvPr/>
+        </p:nvCxnSpPr>
+        <p:spPr>
+          <a:xfrm>
+            <a:off x="8910955" y="4940300"/>
+            <a:ext cx="1440815" cy="0"/>
+          </a:xfrm>
+          <a:prstGeom prst="line">
+            <a:avLst/>
+          </a:prstGeom>
+          <a:ln w="25400"/>
+        </p:spPr>
+        <p:style>
+          <a:lnRef idx="1">
+            <a:schemeClr val="accent1"/>
+          </a:lnRef>
+          <a:fillRef idx="0">
+            <a:schemeClr val="accent1"/>
+          </a:fillRef>
+          <a:effectRef idx="0">
+            <a:schemeClr val="accent1"/>
+          </a:effectRef>
+          <a:fontRef idx="minor">
+            <a:schemeClr val="tx1"/>
+          </a:fontRef>
+        </p:style>
+      </p:cxnSp>
+      <p:cxnSp>
+        <p:nvCxnSpPr>
+          <p:cNvPr id="6" name="Straight Connector 5"/>
+          <p:cNvCxnSpPr/>
+          <p:nvPr/>
+        </p:nvCxnSpPr>
+        <p:spPr>
+          <a:xfrm>
+            <a:off x="7198360" y="4940300"/>
+            <a:ext cx="1440815" cy="0"/>
+          </a:xfrm>
+          <a:prstGeom prst="line">
+            <a:avLst/>
+          </a:prstGeom>
+          <a:ln w="25400"/>
+        </p:spPr>
+        <p:style>
+          <a:lnRef idx="1">
+            <a:schemeClr val="accent1"/>
+          </a:lnRef>
+          <a:fillRef idx="0">
+            <a:schemeClr val="accent1"/>
+          </a:fillRef>
+          <a:effectRef idx="0">
+            <a:schemeClr val="accent1"/>
+          </a:effectRef>
+          <a:fontRef idx="minor">
+            <a:schemeClr val="tx1"/>
+          </a:fontRef>
+        </p:style>
+      </p:cxnSp>
+      <p:pic>
+        <p:nvPicPr>
+          <p:cNvPr id="7" name="Picture 6"/>
+          <p:cNvPicPr>
+            <a:picLocks noChangeAspect="1"/>
+          </p:cNvPicPr>
+          <p:nvPr/>
+        </p:nvPicPr>
+        <p:blipFill>
+          <a:blip r:embed="rId2"/>
+          <a:stretch>
+            <a:fillRect/>
+          </a:stretch>
+        </p:blipFill>
+        <p:spPr>
+          <a:xfrm>
+            <a:off x="123825" y="3567430"/>
+            <a:ext cx="456565" cy="867410"/>
+          </a:xfrm>
+          <a:prstGeom prst="rect">
+            <a:avLst/>
+          </a:prstGeom>
+        </p:spPr>
+      </p:pic>
+    </p:spTree>
+  </p:cSld>
+  <p:clrMapOvr>
+    <a:masterClrMapping/>
+  </p:clrMapOvr>
+</p:sld>
+</file>
+
+<file path=ppt/slides/slide41.xml><?xml version="1.0" encoding="utf-8"?>
+<p:sld xmlns:a="http://schemas.openxmlformats.org/drawingml/2006/main" xmlns:r="http://schemas.openxmlformats.org/officeDocument/2006/relationships" xmlns:p="http://schemas.openxmlformats.org/presentationml/2006/main">
+  <p:cSld>
+    <p:spTree>
+      <p:nvGrpSpPr>
+        <p:cNvPr id="1" name=""/>
+        <p:cNvGrpSpPr/>
+        <p:nvPr/>
+      </p:nvGrpSpPr>
+      <p:grpSpPr/>
+      <p:sp>
+        <p:nvSpPr>
+          <p:cNvPr id="2" name="Title 1"/>
+          <p:cNvSpPr>
+            <a:spLocks noGrp="1"/>
+          </p:cNvSpPr>
+          <p:nvPr>
+            <p:ph type="title"/>
+          </p:nvPr>
+        </p:nvSpPr>
+        <p:spPr/>
+        <p:txBody>
+          <a:bodyPr/>
+          <a:p>
+            <a:r>
+              <a:rPr lang="zh-CN"/>
+              <a:t>迭代器模式</a:t>
+            </a:r>
+            <a:endParaRPr lang="zh-CN"/>
+          </a:p>
+        </p:txBody>
+      </p:sp>
+      <p:sp>
+        <p:nvSpPr>
+          <p:cNvPr id="3" name="Content Placeholder 2"/>
+          <p:cNvSpPr>
+            <a:spLocks noGrp="1"/>
+          </p:cNvSpPr>
+          <p:nvPr>
+            <p:ph sz="half" idx="1"/>
+          </p:nvPr>
+        </p:nvSpPr>
+        <p:spPr/>
+        <p:txBody>
+          <a:bodyPr/>
+          <a:p>
+            <a:r>
+              <a:rPr lang="zh-CN" b="1"/>
+              <a:t>首地址指针</a:t>
+            </a:r>
+            <a:r>
+              <a:rPr lang="zh-CN"/>
+              <a:t>和</a:t>
+            </a:r>
+            <a:r>
+              <a:rPr lang="zh-CN" b="1"/>
+              <a:t>数组长度</a:t>
+            </a:r>
+            <a:r>
+              <a:rPr lang="zh-CN"/>
+              <a:t>看起来不太对称。</a:t>
+            </a:r>
+            <a:endParaRPr lang="zh-CN"/>
+          </a:p>
+          <a:p>
+            <a:r>
+              <a:rPr lang="en-US" altLang="zh-CN">
+                <a:solidFill>
+                  <a:schemeClr val="accent5">
+                    <a:lumMod val="75000"/>
+                  </a:schemeClr>
+                </a:solidFill>
+                <a:sym typeface="+mn-ea"/>
+              </a:rPr>
+              <a:t>print(char const *begptr, size_t size);</a:t>
+            </a:r>
+            <a:endParaRPr lang="en-US" altLang="zh-CN">
+              <a:solidFill>
+                <a:schemeClr val="accent5">
+                  <a:lumMod val="75000"/>
+                </a:schemeClr>
+              </a:solidFill>
+              <a:sym typeface="+mn-ea"/>
+            </a:endParaRPr>
+          </a:p>
+          <a:p>
+            <a:r>
+              <a:rPr lang="zh-CN">
+                <a:sym typeface="+mn-ea"/>
+              </a:rPr>
+              <a:t>不妨改用</a:t>
+            </a:r>
+            <a:r>
+              <a:rPr lang="zh-CN" b="1">
+                <a:sym typeface="+mn-ea"/>
+              </a:rPr>
+              <a:t>首地址指针</a:t>
+            </a:r>
+            <a:r>
+              <a:rPr lang="zh-CN">
+                <a:sym typeface="+mn-ea"/>
+              </a:rPr>
+              <a:t>和</a:t>
+            </a:r>
+            <a:r>
+              <a:rPr lang="zh-CN" b="1">
+                <a:sym typeface="+mn-ea"/>
+              </a:rPr>
+              <a:t>尾地址指针</a:t>
+            </a:r>
+            <a:r>
+              <a:rPr lang="zh-CN">
+                <a:sym typeface="+mn-ea"/>
+              </a:rPr>
+              <a:t>如何？</a:t>
+            </a:r>
+            <a:endParaRPr lang="zh-CN">
+              <a:sym typeface="+mn-ea"/>
+            </a:endParaRPr>
+          </a:p>
+          <a:p>
+            <a:r>
+              <a:rPr lang="en-US" altLang="zh-CN">
+                <a:solidFill>
+                  <a:schemeClr val="accent5">
+                    <a:lumMod val="75000"/>
+                  </a:schemeClr>
+                </a:solidFill>
+                <a:sym typeface="+mn-ea"/>
+              </a:rPr>
+              <a:t>print(char const *begptr, size_t endptr);</a:t>
+            </a:r>
+            <a:endParaRPr lang="en-US" altLang="zh-CN">
+              <a:solidFill>
+                <a:schemeClr val="accent5">
+                  <a:lumMod val="75000"/>
+                </a:schemeClr>
+              </a:solidFill>
+              <a:sym typeface="+mn-ea"/>
+            </a:endParaRPr>
+          </a:p>
+          <a:p>
+            <a:r>
+              <a:rPr lang="zh-CN">
+                <a:sym typeface="+mn-ea"/>
+              </a:rPr>
+              <a:t>注意看，我们在</a:t>
+            </a:r>
+            <a:r>
+              <a:rPr lang="en-US" altLang="zh-CN">
+                <a:sym typeface="+mn-ea"/>
+              </a:rPr>
+              <a:t> print </a:t>
+            </a:r>
+            <a:r>
+              <a:rPr lang="zh-CN" altLang="en-US">
+                <a:sym typeface="+mn-ea"/>
+              </a:rPr>
+              <a:t>里也不是用</a:t>
+            </a:r>
+            <a:r>
+              <a:rPr lang="zh-CN" altLang="en-US" b="1">
+                <a:sym typeface="+mn-ea"/>
+              </a:rPr>
+              <a:t>数组下标</a:t>
+            </a:r>
+            <a:r>
+              <a:rPr lang="zh-CN" altLang="en-US">
+                <a:sym typeface="+mn-ea"/>
+              </a:rPr>
+              <a:t>去迭代，而是用</a:t>
+            </a:r>
+            <a:r>
+              <a:rPr lang="zh-CN" altLang="en-US" b="1">
+                <a:sym typeface="+mn-ea"/>
+              </a:rPr>
+              <a:t>指针</a:t>
+            </a:r>
+            <a:r>
+              <a:rPr lang="zh-CN" altLang="en-US">
+                <a:sym typeface="+mn-ea"/>
+              </a:rPr>
+              <a:t>作为迭代变量了。</a:t>
+            </a:r>
+            <a:endParaRPr lang="zh-CN">
+              <a:solidFill>
+                <a:schemeClr val="accent5">
+                  <a:lumMod val="75000"/>
+                </a:schemeClr>
+              </a:solidFill>
+              <a:sym typeface="+mn-ea"/>
+            </a:endParaRPr>
+          </a:p>
+        </p:txBody>
+      </p:sp>
+      <p:pic>
+        <p:nvPicPr>
+          <p:cNvPr id="8" name="Content Placeholder 7"/>
+          <p:cNvPicPr>
+            <a:picLocks noChangeAspect="1"/>
+          </p:cNvPicPr>
+          <p:nvPr>
+            <p:ph sz="half" idx="2"/>
+          </p:nvPr>
+        </p:nvPicPr>
+        <p:blipFill>
+          <a:blip r:embed="rId1"/>
+          <a:stretch>
+            <a:fillRect/>
+          </a:stretch>
+        </p:blipFill>
+        <p:spPr>
+          <a:xfrm>
+            <a:off x="5976620" y="2426335"/>
+            <a:ext cx="5783580" cy="3149600"/>
+          </a:xfrm>
+          <a:prstGeom prst="rect">
+            <a:avLst/>
+          </a:prstGeom>
+        </p:spPr>
+      </p:pic>
+      <p:cxnSp>
+        <p:nvCxnSpPr>
+          <p:cNvPr id="9" name="Straight Connector 8"/>
+          <p:cNvCxnSpPr/>
+          <p:nvPr/>
+        </p:nvCxnSpPr>
+        <p:spPr>
+          <a:xfrm>
+            <a:off x="6472555" y="2886075"/>
+            <a:ext cx="5064760" cy="0"/>
+          </a:xfrm>
+          <a:prstGeom prst="line">
+            <a:avLst/>
+          </a:prstGeom>
+          <a:ln w="25400"/>
+        </p:spPr>
+        <p:style>
+          <a:lnRef idx="1">
+            <a:schemeClr val="accent1"/>
+          </a:lnRef>
+          <a:fillRef idx="0">
+            <a:schemeClr val="accent1"/>
+          </a:fillRef>
+          <a:effectRef idx="0">
+            <a:schemeClr val="accent1"/>
+          </a:effectRef>
+          <a:fontRef idx="minor">
+            <a:schemeClr val="tx1"/>
+          </a:fontRef>
+        </p:style>
+      </p:cxnSp>
+      <p:pic>
+        <p:nvPicPr>
+          <p:cNvPr id="10" name="Picture 9"/>
+          <p:cNvPicPr>
+            <a:picLocks noChangeAspect="1"/>
+          </p:cNvPicPr>
+          <p:nvPr/>
+        </p:nvPicPr>
+        <p:blipFill>
+          <a:blip r:embed="rId2"/>
+          <a:stretch>
+            <a:fillRect/>
+          </a:stretch>
+        </p:blipFill>
+        <p:spPr>
+          <a:xfrm>
+            <a:off x="165100" y="3505835"/>
+            <a:ext cx="333375" cy="990600"/>
+          </a:xfrm>
+          <a:prstGeom prst="rect">
+            <a:avLst/>
+          </a:prstGeom>
+        </p:spPr>
+      </p:pic>
+    </p:spTree>
+  </p:cSld>
+  <p:clrMapOvr>
+    <a:masterClrMapping/>
+  </p:clrMapOvr>
+</p:sld>
+</file>
+
+<file path=ppt/slides/slide42.xml><?xml version="1.0" encoding="utf-8"?>
+<p:sld xmlns:a="http://schemas.openxmlformats.org/drawingml/2006/main" xmlns:r="http://schemas.openxmlformats.org/officeDocument/2006/relationships" xmlns:p="http://schemas.openxmlformats.org/presentationml/2006/main">
+  <p:cSld>
+    <p:spTree>
+      <p:nvGrpSpPr>
+        <p:cNvPr id="1" name=""/>
+        <p:cNvGrpSpPr/>
+        <p:nvPr/>
+      </p:nvGrpSpPr>
+      <p:grpSpPr/>
+      <p:pic>
+        <p:nvPicPr>
+          <p:cNvPr id="5" name="Content Placeholder 4"/>
+          <p:cNvPicPr>
+            <a:picLocks noChangeAspect="1"/>
+          </p:cNvPicPr>
+          <p:nvPr>
+            <p:ph sz="half" idx="2"/>
+          </p:nvPr>
+        </p:nvPicPr>
+        <p:blipFill>
+          <a:blip r:embed="rId1"/>
+          <a:stretch>
+            <a:fillRect/>
+          </a:stretch>
+        </p:blipFill>
+        <p:spPr>
+          <a:xfrm>
+            <a:off x="5829300" y="1830070"/>
+            <a:ext cx="5793740" cy="3637280"/>
+          </a:xfrm>
+          <a:prstGeom prst="rect">
+            <a:avLst/>
+          </a:prstGeom>
+        </p:spPr>
+      </p:pic>
+      <p:sp>
+        <p:nvSpPr>
+          <p:cNvPr id="2" name="Title 1"/>
+          <p:cNvSpPr>
+            <a:spLocks noGrp="1"/>
+          </p:cNvSpPr>
+          <p:nvPr>
+            <p:ph type="title"/>
+          </p:nvPr>
+        </p:nvSpPr>
+        <p:spPr/>
+        <p:txBody>
+          <a:bodyPr/>
+          <a:p>
+            <a:r>
+              <a:rPr lang="zh-CN"/>
+              <a:t>迭代器模式：首指针＋</a:t>
+            </a:r>
+            <a:r>
+              <a:rPr lang="zh-CN">
+                <a:sym typeface="+mn-ea"/>
+              </a:rPr>
+              <a:t>尾指针</a:t>
+            </a:r>
+            <a:endParaRPr lang="zh-CN"/>
+          </a:p>
+        </p:txBody>
+      </p:sp>
+      <p:sp>
+        <p:nvSpPr>
+          <p:cNvPr id="3" name="Content Placeholder 2"/>
+          <p:cNvSpPr>
+            <a:spLocks noGrp="1"/>
+          </p:cNvSpPr>
+          <p:nvPr>
+            <p:ph sz="half" idx="1"/>
+          </p:nvPr>
+        </p:nvSpPr>
+        <p:spPr>
+          <a:xfrm>
+            <a:off x="647700" y="1734820"/>
+            <a:ext cx="5181600" cy="4504055"/>
+          </a:xfrm>
+        </p:spPr>
+        <p:txBody>
+          <a:bodyPr>
+            <a:normAutofit lnSpcReduction="10000"/>
+          </a:bodyPr>
+          <a:p>
+            <a:r>
+              <a:rPr lang="zh-CN">
+                <a:sym typeface="+mn-ea"/>
+              </a:rPr>
+              <a:t>改用</a:t>
+            </a:r>
+            <a:r>
+              <a:rPr lang="zh-CN" b="1">
+                <a:sym typeface="+mn-ea"/>
+              </a:rPr>
+              <a:t>首地址指针</a:t>
+            </a:r>
+            <a:r>
+              <a:rPr lang="zh-CN">
+                <a:sym typeface="+mn-ea"/>
+              </a:rPr>
+              <a:t>和</a:t>
+            </a:r>
+            <a:r>
+              <a:rPr lang="zh-CN" b="1">
+                <a:sym typeface="+mn-ea"/>
+              </a:rPr>
+              <a:t>尾地址指针</a:t>
+            </a:r>
+            <a:r>
+              <a:rPr lang="zh-CN">
+                <a:sym typeface="+mn-ea"/>
+              </a:rPr>
+              <a:t>以后，要特别注意一点：</a:t>
+            </a:r>
+            <a:r>
+              <a:rPr lang="zh-CN" b="1">
+                <a:sym typeface="+mn-ea"/>
+              </a:rPr>
+              <a:t>尾地址指针</a:t>
+            </a:r>
+            <a:r>
+              <a:rPr lang="zh-CN">
+                <a:sym typeface="+mn-ea"/>
+              </a:rPr>
+              <a:t>实际上是指向末尾元素再往后后一个元素的指针！</a:t>
+            </a:r>
+            <a:endParaRPr lang="zh-CN">
+              <a:sym typeface="+mn-ea"/>
+            </a:endParaRPr>
+          </a:p>
+          <a:p>
+            <a:r>
+              <a:rPr lang="zh-CN">
+                <a:sym typeface="+mn-ea"/>
+              </a:rPr>
+              <a:t>也就是说</a:t>
+            </a:r>
+            <a:r>
+              <a:rPr lang="zh-CN" b="1">
+                <a:sym typeface="+mn-ea"/>
+              </a:rPr>
+              <a:t>尾地址指针</a:t>
+            </a:r>
+            <a:r>
+              <a:rPr lang="zh-CN">
+                <a:sym typeface="+mn-ea"/>
+              </a:rPr>
+              <a:t>所指向的地方是无效的内存</a:t>
+            </a:r>
+            <a:r>
+              <a:rPr lang="en-US" altLang="zh-CN">
+                <a:sym typeface="+mn-ea"/>
+              </a:rPr>
+              <a:t> </a:t>
+            </a:r>
+            <a:r>
+              <a:rPr lang="en-US" altLang="zh-CN">
+                <a:solidFill>
+                  <a:schemeClr val="accent5">
+                    <a:lumMod val="75000"/>
+                  </a:schemeClr>
+                </a:solidFill>
+                <a:sym typeface="+mn-ea"/>
+              </a:rPr>
+              <a:t>a + a.size()</a:t>
+            </a:r>
+            <a:r>
+              <a:rPr lang="zh-CN">
+                <a:sym typeface="+mn-ea"/>
+              </a:rPr>
+              <a:t>，</a:t>
+            </a:r>
+            <a:r>
+              <a:rPr lang="zh-CN" b="1">
+                <a:sym typeface="+mn-ea"/>
+              </a:rPr>
+              <a:t>尾地址指针减</a:t>
+            </a:r>
+            <a:r>
+              <a:rPr lang="en-US" altLang="zh-CN" b="1">
+                <a:sym typeface="+mn-ea"/>
+              </a:rPr>
+              <a:t>1</a:t>
+            </a:r>
+            <a:r>
+              <a:rPr lang="zh-CN" altLang="en-US">
+                <a:sym typeface="+mn-ea"/>
+              </a:rPr>
+              <a:t>才是真正的末尾元素指针</a:t>
+            </a:r>
+            <a:r>
+              <a:rPr lang="en-US" altLang="zh-CN">
+                <a:sym typeface="+mn-ea"/>
+              </a:rPr>
+              <a:t> </a:t>
+            </a:r>
+            <a:r>
+              <a:rPr lang="en-US" altLang="zh-CN">
+                <a:solidFill>
+                  <a:schemeClr val="accent5">
+                    <a:lumMod val="75000"/>
+                  </a:schemeClr>
+                </a:solidFill>
+                <a:sym typeface="+mn-ea"/>
+              </a:rPr>
+              <a:t>a + a.size() - 1</a:t>
+            </a:r>
+            <a:r>
+              <a:rPr lang="zh-CN">
+                <a:sym typeface="+mn-ea"/>
+              </a:rPr>
+              <a:t>。</a:t>
+            </a:r>
+            <a:endParaRPr lang="zh-CN">
+              <a:sym typeface="+mn-ea"/>
+            </a:endParaRPr>
+          </a:p>
+          <a:p>
+            <a:r>
+              <a:rPr lang="zh-CN">
+                <a:sym typeface="+mn-ea"/>
+              </a:rPr>
+              <a:t>为什么要这样设计？因为如果用</a:t>
+            </a:r>
+            <a:r>
+              <a:rPr lang="en-US" altLang="zh-CN">
+                <a:sym typeface="+mn-ea"/>
+              </a:rPr>
+              <a:t> </a:t>
+            </a:r>
+            <a:r>
+              <a:rPr lang="en-US" altLang="zh-CN">
+                <a:solidFill>
+                  <a:schemeClr val="accent5">
+                    <a:lumMod val="75000"/>
+                  </a:schemeClr>
+                </a:solidFill>
+                <a:sym typeface="+mn-ea"/>
+              </a:rPr>
+              <a:t>a + a.size() - 1 </a:t>
+            </a:r>
+            <a:r>
+              <a:rPr lang="zh-CN" altLang="en-US">
+                <a:sym typeface="+mn-ea"/>
+              </a:rPr>
+              <a:t>也就是</a:t>
+            </a:r>
+            <a:r>
+              <a:rPr lang="en-US" altLang="zh-CN">
+                <a:sym typeface="+mn-ea"/>
+              </a:rPr>
+              <a:t> </a:t>
+            </a:r>
+            <a:r>
+              <a:rPr lang="en-US" altLang="zh-CN">
+                <a:solidFill>
+                  <a:schemeClr val="accent5">
+                    <a:lumMod val="75000"/>
+                  </a:schemeClr>
+                </a:solidFill>
+                <a:sym typeface="+mn-ea"/>
+              </a:rPr>
+              <a:t>&amp;a.back()</a:t>
+            </a:r>
+            <a:r>
+              <a:rPr lang="en-US" altLang="zh-CN">
+                <a:sym typeface="+mn-ea"/>
+              </a:rPr>
+              <a:t> </a:t>
+            </a:r>
+            <a:r>
+              <a:rPr lang="zh-CN" altLang="en-US">
+                <a:sym typeface="+mn-ea"/>
+              </a:rPr>
+              <a:t>作为尾地址指针，将无法表示</a:t>
+            </a:r>
+            <a:r>
+              <a:rPr lang="zh-CN" altLang="en-US" b="1">
+                <a:sym typeface="+mn-ea"/>
+              </a:rPr>
+              <a:t>数组长度为</a:t>
+            </a:r>
+            <a:r>
+              <a:rPr lang="en-US" altLang="zh-CN" b="1">
+                <a:sym typeface="+mn-ea"/>
+              </a:rPr>
+              <a:t> 0</a:t>
+            </a:r>
+            <a:r>
+              <a:rPr lang="en-US" altLang="zh-CN">
+                <a:sym typeface="+mn-ea"/>
+              </a:rPr>
+              <a:t> </a:t>
+            </a:r>
+            <a:r>
+              <a:rPr lang="zh-CN" altLang="en-US">
+                <a:sym typeface="+mn-ea"/>
+              </a:rPr>
+              <a:t>的情况。</a:t>
+            </a:r>
+            <a:endParaRPr lang="zh-CN" altLang="en-US">
+              <a:solidFill>
+                <a:schemeClr val="accent5">
+                  <a:lumMod val="75000"/>
+                </a:schemeClr>
+              </a:solidFill>
+              <a:sym typeface="+mn-ea"/>
+            </a:endParaRPr>
+          </a:p>
+        </p:txBody>
+      </p:sp>
+      <p:cxnSp>
+        <p:nvCxnSpPr>
+          <p:cNvPr id="9" name="Straight Connector 8"/>
+          <p:cNvCxnSpPr/>
+          <p:nvPr/>
+        </p:nvCxnSpPr>
+        <p:spPr>
+          <a:xfrm>
+            <a:off x="6257925" y="4756785"/>
+            <a:ext cx="3991610" cy="0"/>
+          </a:xfrm>
+          <a:prstGeom prst="line">
+            <a:avLst/>
+          </a:prstGeom>
+          <a:ln w="25400"/>
+        </p:spPr>
+        <p:style>
+          <a:lnRef idx="1">
+            <a:schemeClr val="accent1"/>
+          </a:lnRef>
+          <a:fillRef idx="0">
+            <a:schemeClr val="accent1"/>
+          </a:fillRef>
+          <a:effectRef idx="0">
+            <a:schemeClr val="accent1"/>
+          </a:effectRef>
+          <a:fontRef idx="minor">
+            <a:schemeClr val="tx1"/>
+          </a:fontRef>
+        </p:style>
+      </p:cxnSp>
+      <p:pic>
+        <p:nvPicPr>
+          <p:cNvPr id="6" name="Picture 5"/>
+          <p:cNvPicPr>
+            <a:picLocks noChangeAspect="1"/>
+          </p:cNvPicPr>
+          <p:nvPr/>
+        </p:nvPicPr>
+        <p:blipFill>
+          <a:blip r:embed="rId2"/>
+          <a:stretch>
+            <a:fillRect/>
+          </a:stretch>
+        </p:blipFill>
+        <p:spPr>
+          <a:xfrm>
+            <a:off x="7910195" y="5467350"/>
+            <a:ext cx="1257300" cy="1390650"/>
+          </a:xfrm>
+          <a:prstGeom prst="rect">
+            <a:avLst/>
+          </a:prstGeom>
+        </p:spPr>
+      </p:pic>
+    </p:spTree>
+  </p:cSld>
+  <p:clrMapOvr>
+    <a:masterClrMapping/>
+  </p:clrMapOvr>
+</p:sld>
+</file>
+
+<file path=ppt/slides/slide43.xml><?xml version="1.0" encoding="utf-8"?>
+<p:sld xmlns:a="http://schemas.openxmlformats.org/drawingml/2006/main" xmlns:r="http://schemas.openxmlformats.org/officeDocument/2006/relationships" xmlns:p="http://schemas.openxmlformats.org/presentationml/2006/main">
+  <p:cSld>
+    <p:spTree>
+      <p:nvGrpSpPr>
+        <p:cNvPr id="1" name=""/>
+        <p:cNvGrpSpPr/>
+        <p:nvPr/>
+      </p:nvGrpSpPr>
+      <p:grpSpPr/>
+      <p:pic>
+        <p:nvPicPr>
+          <p:cNvPr id="12" name="Content Placeholder 11"/>
+          <p:cNvPicPr>
+            <a:picLocks noChangeAspect="1"/>
+          </p:cNvPicPr>
+          <p:nvPr>
+            <p:ph sz="half" idx="2"/>
+          </p:nvPr>
+        </p:nvPicPr>
+        <p:blipFill>
+          <a:blip r:embed="rId1"/>
+          <a:stretch>
+            <a:fillRect/>
+          </a:stretch>
+        </p:blipFill>
+        <p:spPr>
+          <a:xfrm>
+            <a:off x="5829300" y="2112010"/>
+            <a:ext cx="6060440" cy="3749675"/>
+          </a:xfrm>
+          <a:prstGeom prst="rect">
+            <a:avLst/>
+          </a:prstGeom>
+        </p:spPr>
+      </p:pic>
+      <p:sp>
+        <p:nvSpPr>
+          <p:cNvPr id="2" name="Title 1"/>
+          <p:cNvSpPr>
+            <a:spLocks noGrp="1"/>
+          </p:cNvSpPr>
+          <p:nvPr>
+            <p:ph type="title"/>
+          </p:nvPr>
+        </p:nvSpPr>
+        <p:spPr/>
+        <p:txBody>
+          <a:bodyPr/>
+          <a:p>
+            <a:r>
+              <a:rPr lang="zh-CN"/>
+              <a:t>迭代器模式：为什么尾指针要往后移动一格？</a:t>
+            </a:r>
+            <a:endParaRPr lang="zh-CN"/>
+          </a:p>
+        </p:txBody>
+      </p:sp>
+      <p:sp>
+        <p:nvSpPr>
+          <p:cNvPr id="3" name="Content Placeholder 2"/>
+          <p:cNvSpPr>
+            <a:spLocks noGrp="1"/>
+          </p:cNvSpPr>
+          <p:nvPr>
+            <p:ph sz="half" idx="1"/>
+          </p:nvPr>
+        </p:nvSpPr>
+        <p:spPr>
+          <a:xfrm>
+            <a:off x="647700" y="1734820"/>
+            <a:ext cx="5181600" cy="4504055"/>
+          </a:xfrm>
+        </p:spPr>
+        <p:txBody>
+          <a:bodyPr>
+            <a:normAutofit lnSpcReduction="10000"/>
+          </a:bodyPr>
+          <a:p>
+            <a:r>
+              <a:rPr lang="zh-CN" altLang="en-US">
+                <a:sym typeface="+mn-ea"/>
+              </a:rPr>
+              <a:t>而让</a:t>
+            </a:r>
+            <a:r>
+              <a:rPr lang="zh-CN" b="1">
+                <a:sym typeface="+mn-ea"/>
+              </a:rPr>
+              <a:t>尾地址指针</a:t>
+            </a:r>
+            <a:r>
+              <a:rPr lang="zh-CN" altLang="en-US">
+                <a:sym typeface="+mn-ea"/>
+              </a:rPr>
+              <a:t>往后移动一格的设计，使得数组长度为</a:t>
+            </a:r>
+            <a:r>
+              <a:rPr lang="en-US" altLang="zh-CN">
+                <a:sym typeface="+mn-ea"/>
+              </a:rPr>
+              <a:t> 0 </a:t>
+            </a:r>
+            <a:r>
+              <a:rPr lang="zh-CN" altLang="en-US">
+                <a:sym typeface="+mn-ea"/>
+              </a:rPr>
+              <a:t>就是</a:t>
+            </a:r>
+            <a:r>
+              <a:rPr lang="en-US" altLang="zh-CN">
+                <a:sym typeface="+mn-ea"/>
+              </a:rPr>
+              <a:t> begptr == endptr </a:t>
+            </a:r>
+            <a:r>
+              <a:rPr lang="zh-CN" altLang="en-US">
+                <a:sym typeface="+mn-ea"/>
+              </a:rPr>
+              <a:t>的情况，非常容易判断。</a:t>
+            </a:r>
+            <a:endParaRPr lang="zh-CN" altLang="en-US">
+              <a:sym typeface="+mn-ea"/>
+            </a:endParaRPr>
+          </a:p>
+          <a:p>
+            <a:r>
+              <a:rPr lang="zh-CN" altLang="en-US">
+                <a:sym typeface="+mn-ea"/>
+              </a:rPr>
+              <a:t>更方便的是你可以通过指针的减法运算：</a:t>
+            </a:r>
+            <a:r>
+              <a:rPr lang="en-US" altLang="zh-CN">
+                <a:sym typeface="+mn-ea"/>
+              </a:rPr>
+              <a:t> endptr - begptr </a:t>
+            </a:r>
+            <a:r>
+              <a:rPr lang="zh-CN" altLang="en-US">
+                <a:sym typeface="+mn-ea"/>
+              </a:rPr>
+              <a:t>来算出数组的长度！</a:t>
+            </a:r>
+            <a:endParaRPr lang="zh-CN" altLang="en-US">
+              <a:sym typeface="+mn-ea"/>
+            </a:endParaRPr>
+          </a:p>
+          <a:p>
+            <a:r>
+              <a:rPr lang="en-US" altLang="zh-CN">
+                <a:sym typeface="+mn-ea"/>
+              </a:rPr>
+              <a:t>for </a:t>
+            </a:r>
+            <a:r>
+              <a:rPr lang="zh-CN" altLang="en-US">
+                <a:sym typeface="+mn-ea"/>
+              </a:rPr>
+              <a:t>循环里也很容易写，判断是否继续循环的条件为</a:t>
+            </a:r>
+            <a:r>
+              <a:rPr lang="en-US" altLang="zh-CN">
+                <a:sym typeface="+mn-ea"/>
+              </a:rPr>
+              <a:t> ptr != endptr </a:t>
+            </a:r>
+            <a:r>
+              <a:rPr lang="zh-CN" altLang="en-US">
+                <a:sym typeface="+mn-ea"/>
+              </a:rPr>
+              <a:t>就行了。</a:t>
+            </a:r>
+            <a:endParaRPr lang="zh-CN" altLang="en-US">
+              <a:solidFill>
+                <a:schemeClr val="accent5">
+                  <a:lumMod val="75000"/>
+                </a:schemeClr>
+              </a:solidFill>
+              <a:sym typeface="+mn-ea"/>
+            </a:endParaRPr>
+          </a:p>
+        </p:txBody>
+      </p:sp>
+      <p:cxnSp>
+        <p:nvCxnSpPr>
+          <p:cNvPr id="9" name="Straight Connector 8"/>
+          <p:cNvCxnSpPr/>
+          <p:nvPr/>
+        </p:nvCxnSpPr>
+        <p:spPr>
+          <a:xfrm>
+            <a:off x="9422130" y="2600325"/>
+            <a:ext cx="1423035" cy="0"/>
+          </a:xfrm>
+          <a:prstGeom prst="line">
+            <a:avLst/>
+          </a:prstGeom>
+          <a:ln w="25400"/>
+        </p:spPr>
+        <p:style>
+          <a:lnRef idx="1">
+            <a:schemeClr val="accent1"/>
+          </a:lnRef>
+          <a:fillRef idx="0">
+            <a:schemeClr val="accent1"/>
+          </a:fillRef>
+          <a:effectRef idx="0">
+            <a:schemeClr val="accent1"/>
+          </a:effectRef>
+          <a:fontRef idx="minor">
+            <a:schemeClr val="tx1"/>
+          </a:fontRef>
+        </p:style>
+      </p:cxnSp>
+      <p:pic>
+        <p:nvPicPr>
+          <p:cNvPr id="10" name="Picture 9"/>
+          <p:cNvPicPr>
+            <a:picLocks noChangeAspect="1"/>
+          </p:cNvPicPr>
+          <p:nvPr/>
+        </p:nvPicPr>
+        <p:blipFill>
+          <a:blip r:embed="rId2"/>
+          <a:stretch>
+            <a:fillRect/>
+          </a:stretch>
+        </p:blipFill>
+        <p:spPr>
+          <a:xfrm>
+            <a:off x="2219960" y="5172075"/>
+            <a:ext cx="2171700" cy="1685925"/>
+          </a:xfrm>
+          <a:prstGeom prst="rect">
+            <a:avLst/>
+          </a:prstGeom>
+        </p:spPr>
+      </p:pic>
+      <p:cxnSp>
+        <p:nvCxnSpPr>
+          <p:cNvPr id="13" name="Straight Connector 12"/>
+          <p:cNvCxnSpPr/>
+          <p:nvPr/>
+        </p:nvCxnSpPr>
+        <p:spPr>
+          <a:xfrm>
+            <a:off x="7668895" y="4925060"/>
+            <a:ext cx="1691640" cy="0"/>
+          </a:xfrm>
+          <a:prstGeom prst="line">
+            <a:avLst/>
+          </a:prstGeom>
+          <a:ln w="25400"/>
+        </p:spPr>
+        <p:style>
+          <a:lnRef idx="1">
+            <a:schemeClr val="accent1"/>
+          </a:lnRef>
+          <a:fillRef idx="0">
+            <a:schemeClr val="accent1"/>
+          </a:fillRef>
+          <a:effectRef idx="0">
+            <a:schemeClr val="accent1"/>
+          </a:effectRef>
+          <a:fontRef idx="minor">
+            <a:schemeClr val="tx1"/>
+          </a:fontRef>
+        </p:style>
+      </p:cxnSp>
+    </p:spTree>
+  </p:cSld>
+  <p:clrMapOvr>
+    <a:masterClrMapping/>
+  </p:clrMapOvr>
+</p:sld>
+</file>
+
+<file path=ppt/slides/slide44.xml><?xml version="1.0" encoding="utf-8"?>
+<p:sld xmlns:a="http://schemas.openxmlformats.org/drawingml/2006/main" xmlns:r="http://schemas.openxmlformats.org/officeDocument/2006/relationships" xmlns:p="http://schemas.openxmlformats.org/presentationml/2006/main">
+  <p:cSld>
+    <p:spTree>
+      <p:nvGrpSpPr>
+        <p:cNvPr id="1" name=""/>
+        <p:cNvGrpSpPr/>
+        <p:nvPr/>
+      </p:nvGrpSpPr>
+      <p:grpSpPr/>
+      <p:sp>
+        <p:nvSpPr>
+          <p:cNvPr id="2" name="Title 1"/>
+          <p:cNvSpPr>
+            <a:spLocks noGrp="1"/>
+          </p:cNvSpPr>
+          <p:nvPr>
+            <p:ph type="title"/>
+          </p:nvPr>
+        </p:nvSpPr>
+        <p:spPr/>
+        <p:txBody>
+          <a:bodyPr/>
+          <a:p>
+            <a:r>
+              <a:rPr lang="zh-CN"/>
+              <a:t>迭代器模式：</a:t>
+            </a:r>
+            <a:r>
+              <a:rPr lang="zh-CN">
+                <a:sym typeface="+mn-ea"/>
+              </a:rPr>
+              <a:t>首指针＋</a:t>
+            </a:r>
+            <a:r>
+              <a:rPr lang="zh-CN">
+                <a:sym typeface="+mn-ea"/>
+              </a:rPr>
+              <a:t>尾指针</a:t>
+            </a:r>
+            <a:endParaRPr lang="zh-CN"/>
+          </a:p>
+        </p:txBody>
+      </p:sp>
+      <p:sp>
+        <p:nvSpPr>
+          <p:cNvPr id="3" name="Content Placeholder 2"/>
+          <p:cNvSpPr>
+            <a:spLocks noGrp="1"/>
+          </p:cNvSpPr>
+          <p:nvPr>
+            <p:ph sz="half" idx="1"/>
+          </p:nvPr>
+        </p:nvSpPr>
+        <p:spPr>
+          <a:xfrm>
+            <a:off x="647700" y="1734820"/>
+            <a:ext cx="5181600" cy="4504055"/>
+          </a:xfrm>
+        </p:spPr>
+        <p:txBody>
+          <a:bodyPr>
+            <a:normAutofit lnSpcReduction="10000"/>
+          </a:bodyPr>
+          <a:p>
+            <a:r>
+              <a:rPr lang="zh-CN">
+                <a:sym typeface="+mn-ea"/>
+              </a:rPr>
+              <a:t>还可以让</a:t>
+            </a:r>
+            <a:r>
+              <a:rPr lang="zh-CN" b="1">
+                <a:sym typeface="+mn-ea"/>
+              </a:rPr>
+              <a:t>首</a:t>
+            </a:r>
+            <a:r>
+              <a:rPr lang="zh-CN" b="1">
+                <a:sym typeface="+mn-ea"/>
+              </a:rPr>
+              <a:t>指针</a:t>
+            </a:r>
+            <a:r>
+              <a:rPr lang="zh-CN">
+                <a:sym typeface="+mn-ea"/>
+              </a:rPr>
+              <a:t>和</a:t>
+            </a:r>
+            <a:r>
+              <a:rPr lang="zh-CN" b="1">
+                <a:sym typeface="+mn-ea"/>
+              </a:rPr>
+              <a:t>尾指针</a:t>
+            </a:r>
+            <a:r>
+              <a:rPr lang="zh-CN">
+                <a:sym typeface="+mn-ea"/>
+              </a:rPr>
+              <a:t>声明为模板参数，这样不论指针是什么类型，都可以使用</a:t>
+            </a:r>
+            <a:r>
+              <a:rPr lang="en-US" altLang="zh-CN">
+                <a:sym typeface="+mn-ea"/>
+              </a:rPr>
+              <a:t> print </a:t>
+            </a:r>
+            <a:r>
+              <a:rPr lang="zh-CN">
+                <a:sym typeface="+mn-ea"/>
+              </a:rPr>
+              <a:t>这个模板函数来打印。</a:t>
+            </a:r>
+            <a:endParaRPr lang="zh-CN">
+              <a:solidFill>
+                <a:schemeClr val="accent5">
+                  <a:lumMod val="75000"/>
+                </a:schemeClr>
+              </a:solidFill>
+              <a:sym typeface="+mn-ea"/>
+            </a:endParaRPr>
+          </a:p>
+        </p:txBody>
+      </p:sp>
+      <p:pic>
+        <p:nvPicPr>
+          <p:cNvPr id="7" name="Content Placeholder 6"/>
+          <p:cNvPicPr>
+            <a:picLocks noChangeAspect="1"/>
+          </p:cNvPicPr>
+          <p:nvPr>
+            <p:ph sz="half" idx="2"/>
+          </p:nvPr>
+        </p:nvPicPr>
+        <p:blipFill>
+          <a:blip r:embed="rId1"/>
+          <a:stretch>
+            <a:fillRect/>
+          </a:stretch>
+        </p:blipFill>
+        <p:spPr>
+          <a:xfrm>
+            <a:off x="5824855" y="1643380"/>
+            <a:ext cx="5495290" cy="4716780"/>
+          </a:xfrm>
+          <a:prstGeom prst="rect">
+            <a:avLst/>
+          </a:prstGeom>
+        </p:spPr>
+      </p:pic>
+      <p:pic>
+        <p:nvPicPr>
+          <p:cNvPr id="8" name="Picture 7"/>
+          <p:cNvPicPr>
+            <a:picLocks noChangeAspect="1"/>
+          </p:cNvPicPr>
+          <p:nvPr/>
+        </p:nvPicPr>
+        <p:blipFill>
+          <a:blip r:embed="rId2"/>
+          <a:stretch>
+            <a:fillRect/>
+          </a:stretch>
+        </p:blipFill>
+        <p:spPr>
+          <a:xfrm>
+            <a:off x="1613535" y="3777615"/>
+            <a:ext cx="328930" cy="2582545"/>
+          </a:xfrm>
+          <a:prstGeom prst="rect">
+            <a:avLst/>
+          </a:prstGeom>
+        </p:spPr>
+      </p:pic>
+    </p:spTree>
+  </p:cSld>
+  <p:clrMapOvr>
+    <a:masterClrMapping/>
+  </p:clrMapOvr>
+</p:sld>
+</file>
+
+<file path=ppt/slides/slide45.xml><?xml version="1.0" encoding="utf-8"?>
+<p:sld xmlns:a="http://schemas.openxmlformats.org/drawingml/2006/main" xmlns:r="http://schemas.openxmlformats.org/officeDocument/2006/relationships" xmlns:p="http://schemas.openxmlformats.org/presentationml/2006/main">
+  <p:cSld>
+    <p:spTree>
+      <p:nvGrpSpPr>
+        <p:cNvPr id="1" name=""/>
+        <p:cNvGrpSpPr/>
+        <p:nvPr/>
+      </p:nvGrpSpPr>
+      <p:grpSpPr/>
+      <p:sp>
+        <p:nvSpPr>
+          <p:cNvPr id="2" name="Title 1"/>
+          <p:cNvSpPr>
+            <a:spLocks noGrp="1"/>
+          </p:cNvSpPr>
+          <p:nvPr>
+            <p:ph type="title"/>
+          </p:nvPr>
+        </p:nvSpPr>
+        <p:spPr/>
+        <p:txBody>
+          <a:bodyPr/>
+          <a:p>
+            <a:r>
+              <a:rPr lang="zh-CN"/>
+              <a:t>迭代器模式</a:t>
+            </a:r>
+            <a:r>
+              <a:rPr lang="zh-CN">
+                <a:sym typeface="+mn-ea"/>
+              </a:rPr>
+              <a:t>：</a:t>
+            </a:r>
+            <a:r>
+              <a:rPr lang="zh-CN">
+                <a:sym typeface="+mn-ea"/>
+              </a:rPr>
+              <a:t>首指针＋尾指针</a:t>
+            </a:r>
+            <a:endParaRPr lang="zh-CN"/>
+          </a:p>
+        </p:txBody>
+      </p:sp>
+      <p:sp>
+        <p:nvSpPr>
+          <p:cNvPr id="3" name="Content Placeholder 2"/>
+          <p:cNvSpPr>
+            <a:spLocks noGrp="1"/>
+          </p:cNvSpPr>
+          <p:nvPr>
+            <p:ph sz="half" idx="1"/>
+          </p:nvPr>
+        </p:nvSpPr>
+        <p:spPr>
+          <a:xfrm>
+            <a:off x="647700" y="1734820"/>
+            <a:ext cx="5181600" cy="4504055"/>
+          </a:xfrm>
+        </p:spPr>
+        <p:txBody>
+          <a:bodyPr>
+            <a:normAutofit lnSpcReduction="10000"/>
+          </a:bodyPr>
+          <a:p>
+            <a:r>
+              <a:rPr lang="zh-CN" b="1">
+                <a:sym typeface="+mn-ea"/>
+              </a:rPr>
+              <a:t>首指针</a:t>
+            </a:r>
+            <a:r>
+              <a:rPr lang="zh-CN">
+                <a:sym typeface="+mn-ea"/>
+              </a:rPr>
+              <a:t>和</a:t>
+            </a:r>
+            <a:r>
+              <a:rPr lang="zh-CN" b="1">
+                <a:sym typeface="+mn-ea"/>
+              </a:rPr>
+              <a:t>尾指针</a:t>
+            </a:r>
+            <a:r>
+              <a:rPr lang="zh-CN">
+                <a:sym typeface="+mn-ea"/>
+              </a:rPr>
+              <a:t>的组合的确能胜任</a:t>
+            </a:r>
+            <a:r>
+              <a:rPr lang="en-US" altLang="zh-CN">
+                <a:sym typeface="+mn-ea"/>
+              </a:rPr>
+              <a:t> vector </a:t>
+            </a:r>
+            <a:r>
+              <a:rPr lang="zh-CN" altLang="en-US">
+                <a:sym typeface="+mn-ea"/>
+              </a:rPr>
+              <a:t>这种连续数组，但是对于</a:t>
+            </a:r>
+            <a:r>
+              <a:rPr lang="en-US" altLang="zh-CN">
+                <a:sym typeface="+mn-ea"/>
+              </a:rPr>
+              <a:t> list </a:t>
+            </a:r>
+            <a:r>
+              <a:rPr lang="zh-CN" altLang="en-US">
+                <a:sym typeface="+mn-ea"/>
+              </a:rPr>
+              <a:t>这种不连续的内存的容器就没辙了。</a:t>
+            </a:r>
+            <a:endParaRPr lang="zh-CN" altLang="en-US">
+              <a:sym typeface="+mn-ea"/>
+            </a:endParaRPr>
+          </a:p>
+          <a:p>
+            <a:r>
+              <a:rPr lang="zh-CN" altLang="en-US">
+                <a:sym typeface="+mn-ea"/>
+              </a:rPr>
+              <a:t>没错，</a:t>
+            </a:r>
+            <a:r>
+              <a:rPr lang="en-US" altLang="zh-CN">
+                <a:sym typeface="+mn-ea"/>
+              </a:rPr>
+              <a:t>list </a:t>
+            </a:r>
+            <a:r>
+              <a:rPr lang="zh-CN" altLang="en-US">
+                <a:sym typeface="+mn-ea"/>
+              </a:rPr>
+              <a:t>没有</a:t>
+            </a:r>
+            <a:r>
+              <a:rPr lang="en-US" altLang="zh-CN">
+                <a:sym typeface="+mn-ea"/>
+              </a:rPr>
+              <a:t> data() </a:t>
+            </a:r>
+            <a:r>
+              <a:rPr lang="zh-CN" altLang="en-US">
+                <a:sym typeface="+mn-ea"/>
+              </a:rPr>
+              <a:t>这个成员函数，因为他根本就不连续。</a:t>
+            </a:r>
+            <a:endParaRPr lang="zh-CN" altLang="en-US">
+              <a:solidFill>
+                <a:schemeClr val="accent5">
+                  <a:lumMod val="75000"/>
+                </a:schemeClr>
+              </a:solidFill>
+              <a:sym typeface="+mn-ea"/>
+            </a:endParaRPr>
+          </a:p>
+        </p:txBody>
+      </p:sp>
+      <p:pic>
+        <p:nvPicPr>
+          <p:cNvPr id="10" name="Picture 9"/>
+          <p:cNvPicPr>
+            <a:picLocks noChangeAspect="1"/>
+          </p:cNvPicPr>
+          <p:nvPr/>
+        </p:nvPicPr>
+        <p:blipFill>
+          <a:blip r:embed="rId1"/>
+          <a:stretch>
+            <a:fillRect/>
+          </a:stretch>
+        </p:blipFill>
+        <p:spPr>
+          <a:xfrm>
+            <a:off x="2219960" y="5172075"/>
+            <a:ext cx="2171700" cy="1685925"/>
+          </a:xfrm>
+          <a:prstGeom prst="rect">
+            <a:avLst/>
+          </a:prstGeom>
+        </p:spPr>
+      </p:pic>
+      <p:pic>
+        <p:nvPicPr>
+          <p:cNvPr id="5" name="Content Placeholder 4"/>
+          <p:cNvPicPr>
+            <a:picLocks noChangeAspect="1"/>
+          </p:cNvPicPr>
+          <p:nvPr>
+            <p:ph sz="half" idx="2"/>
+          </p:nvPr>
+        </p:nvPicPr>
+        <p:blipFill>
+          <a:blip r:embed="rId2"/>
+          <a:stretch>
+            <a:fillRect/>
+          </a:stretch>
+        </p:blipFill>
+        <p:spPr>
+          <a:xfrm>
+            <a:off x="5829300" y="2400300"/>
+            <a:ext cx="6162040" cy="3303905"/>
+          </a:xfrm>
+          <a:prstGeom prst="rect">
+            <a:avLst/>
+          </a:prstGeom>
+        </p:spPr>
+      </p:pic>
+    </p:spTree>
+  </p:cSld>
+  <p:clrMapOvr>
+    <a:masterClrMapping/>
+  </p:clrMapOvr>
+</p:sld>
+</file>
+
+<file path=ppt/slides/slide46.xml><?xml version="1.0" encoding="utf-8"?>
+<p:sld xmlns:a="http://schemas.openxmlformats.org/drawingml/2006/main" xmlns:r="http://schemas.openxmlformats.org/officeDocument/2006/relationships" xmlns:p="http://schemas.openxmlformats.org/presentationml/2006/main">
+  <p:cSld>
+    <p:spTree>
+      <p:nvGrpSpPr>
+        <p:cNvPr id="1" name=""/>
+        <p:cNvGrpSpPr/>
+        <p:nvPr/>
+      </p:nvGrpSpPr>
+      <p:grpSpPr/>
+      <p:sp>
+        <p:nvSpPr>
+          <p:cNvPr id="2" name="Title 1"/>
+          <p:cNvSpPr>
+            <a:spLocks noGrp="1"/>
+          </p:cNvSpPr>
+          <p:nvPr>
+            <p:ph type="title"/>
+          </p:nvPr>
+        </p:nvSpPr>
+        <p:spPr/>
+        <p:txBody>
+          <a:bodyPr/>
+          <a:p>
+            <a:r>
+              <a:rPr lang="zh-CN"/>
+              <a:t>迭代器模式</a:t>
+            </a:r>
+            <a:r>
+              <a:rPr lang="zh-CN">
+                <a:sym typeface="+mn-ea"/>
+              </a:rPr>
+              <a:t>：</a:t>
+            </a:r>
+            <a:r>
+              <a:rPr lang="zh-CN">
+                <a:sym typeface="+mn-ea"/>
+              </a:rPr>
+              <a:t>首</a:t>
+            </a:r>
+            <a:r>
+              <a:rPr lang="zh-CN">
+                <a:sym typeface="+mn-ea"/>
+              </a:rPr>
+              <a:t>迭代器＋尾迭代器</a:t>
+            </a:r>
+            <a:endParaRPr lang="zh-CN"/>
+          </a:p>
+        </p:txBody>
+      </p:sp>
+      <p:sp>
+        <p:nvSpPr>
+          <p:cNvPr id="3" name="Content Placeholder 2"/>
+          <p:cNvSpPr>
+            <a:spLocks noGrp="1"/>
+          </p:cNvSpPr>
+          <p:nvPr>
+            <p:ph sz="half" idx="1"/>
+          </p:nvPr>
+        </p:nvSpPr>
+        <p:spPr>
+          <a:xfrm>
+            <a:off x="647700" y="1541145"/>
+            <a:ext cx="5181600" cy="4892040"/>
+          </a:xfrm>
+        </p:spPr>
+        <p:txBody>
+          <a:bodyPr>
+            <a:normAutofit lnSpcReduction="20000"/>
+          </a:bodyPr>
+          <a:p>
+            <a:r>
+              <a:rPr lang="zh-CN">
+                <a:sym typeface="+mn-ea"/>
+              </a:rPr>
+              <a:t>然而</a:t>
+            </a:r>
+            <a:r>
+              <a:rPr lang="en-US" altLang="zh-CN">
+                <a:sym typeface="+mn-ea"/>
+              </a:rPr>
+              <a:t> list </a:t>
+            </a:r>
+            <a:r>
+              <a:rPr lang="zh-CN" altLang="en-US">
+                <a:sym typeface="+mn-ea"/>
+              </a:rPr>
+              <a:t>却提供了</a:t>
+            </a:r>
+            <a:r>
+              <a:rPr lang="en-US" altLang="zh-CN">
+                <a:sym typeface="+mn-ea"/>
+              </a:rPr>
+              <a:t> begin() </a:t>
+            </a:r>
+            <a:r>
+              <a:rPr lang="zh-CN" altLang="en-US">
+                <a:sym typeface="+mn-ea"/>
+              </a:rPr>
+              <a:t>和</a:t>
+            </a:r>
+            <a:r>
+              <a:rPr lang="en-US" altLang="zh-CN">
+                <a:sym typeface="+mn-ea"/>
+              </a:rPr>
+              <a:t> end() </a:t>
+            </a:r>
+            <a:r>
+              <a:rPr lang="zh-CN" altLang="en-US">
+                <a:sym typeface="+mn-ea"/>
+              </a:rPr>
+              <a:t>函数，他们会返回两个</a:t>
+            </a:r>
+            <a:r>
+              <a:rPr lang="en-US" altLang="zh-CN">
+                <a:sym typeface="+mn-ea"/>
+              </a:rPr>
+              <a:t> list&lt;char&gt;::iterator </a:t>
+            </a:r>
+            <a:r>
+              <a:rPr lang="zh-CN" altLang="en-US">
+                <a:sym typeface="+mn-ea"/>
+              </a:rPr>
+              <a:t>对象。</a:t>
+            </a:r>
+            <a:endParaRPr lang="zh-CN" altLang="en-US">
+              <a:sym typeface="+mn-ea"/>
+            </a:endParaRPr>
+          </a:p>
+          <a:p>
+            <a:r>
+              <a:rPr lang="zh-CN" altLang="en-US">
+                <a:sym typeface="+mn-ea"/>
+              </a:rPr>
+              <a:t>这个</a:t>
+            </a:r>
+            <a:r>
+              <a:rPr lang="en-US" altLang="zh-CN">
+                <a:sym typeface="+mn-ea"/>
+              </a:rPr>
+              <a:t> list&lt;char&gt;::iterator </a:t>
+            </a:r>
+            <a:r>
+              <a:rPr lang="zh-CN" altLang="en-US">
+                <a:sym typeface="+mn-ea"/>
+              </a:rPr>
+              <a:t>是一个特殊定义过的类型，其具有</a:t>
+            </a:r>
+            <a:r>
+              <a:rPr lang="en-US" altLang="zh-CN">
+                <a:sym typeface="+mn-ea"/>
+              </a:rPr>
+              <a:t> != </a:t>
+            </a:r>
+            <a:r>
+              <a:rPr lang="zh-CN" altLang="en-US">
+                <a:sym typeface="+mn-ea"/>
+              </a:rPr>
+              <a:t>和</a:t>
+            </a:r>
+            <a:r>
+              <a:rPr lang="en-US" altLang="zh-CN">
+                <a:sym typeface="+mn-ea"/>
+              </a:rPr>
+              <a:t> ++ </a:t>
+            </a:r>
+            <a:r>
+              <a:rPr lang="zh-CN" altLang="en-US">
+                <a:sym typeface="+mn-ea"/>
+              </a:rPr>
+              <a:t>以及</a:t>
+            </a:r>
+            <a:r>
+              <a:rPr lang="en-US" altLang="zh-CN">
+                <a:sym typeface="+mn-ea"/>
+              </a:rPr>
+              <a:t> * </a:t>
+            </a:r>
+            <a:r>
+              <a:rPr lang="zh-CN" altLang="en-US">
+                <a:sym typeface="+mn-ea"/>
+              </a:rPr>
+              <a:t>这些</a:t>
+            </a:r>
+            <a:r>
+              <a:rPr lang="zh-CN" altLang="en-US" b="1">
+                <a:sym typeface="+mn-ea"/>
+              </a:rPr>
+              <a:t>运算符的重载</a:t>
+            </a:r>
+            <a:r>
+              <a:rPr lang="zh-CN" altLang="en-US">
+                <a:sym typeface="+mn-ea"/>
+              </a:rPr>
+              <a:t>。所以用起来就像普通的指针一样。而这些运算符重载，却会把</a:t>
+            </a:r>
+            <a:r>
+              <a:rPr lang="en-US" altLang="zh-CN">
+                <a:sym typeface="+mn-ea"/>
+              </a:rPr>
+              <a:t> ++ </a:t>
+            </a:r>
+            <a:r>
+              <a:rPr lang="zh-CN" altLang="en-US">
+                <a:sym typeface="+mn-ea"/>
+              </a:rPr>
+              <a:t>对应到</a:t>
+            </a:r>
+            <a:r>
+              <a:rPr lang="en-US" altLang="zh-CN">
+                <a:sym typeface="+mn-ea"/>
+              </a:rPr>
+              <a:t> </a:t>
+            </a:r>
+            <a:r>
+              <a:rPr lang="zh-CN" altLang="en-US">
+                <a:sym typeface="+mn-ea"/>
+              </a:rPr>
+              <a:t>链表的</a:t>
+            </a:r>
+            <a:r>
+              <a:rPr lang="en-US" altLang="zh-CN">
+                <a:sym typeface="+mn-ea"/>
+              </a:rPr>
+              <a:t> curr = curr-&gt;next </a:t>
+            </a:r>
+            <a:r>
+              <a:rPr lang="zh-CN" altLang="en-US">
+                <a:sym typeface="+mn-ea"/>
+              </a:rPr>
+              <a:t>上。</a:t>
+            </a:r>
+            <a:endParaRPr lang="zh-CN" altLang="en-US">
+              <a:sym typeface="+mn-ea"/>
+            </a:endParaRPr>
+          </a:p>
+          <a:p>
+            <a:r>
+              <a:rPr lang="zh-CN" altLang="en-US">
+                <a:sym typeface="+mn-ea"/>
+              </a:rPr>
+              <a:t>这样一个用起来就像普通的指针，但内部却通过运算符重载适配不同容器的特殊类，就是</a:t>
+            </a:r>
+            <a:r>
+              <a:rPr lang="zh-CN" altLang="en-US" b="1">
+                <a:sym typeface="+mn-ea"/>
+              </a:rPr>
+              <a:t>迭代器</a:t>
+            </a:r>
+            <a:r>
+              <a:rPr lang="en-US" altLang="zh-CN" b="1">
+                <a:sym typeface="+mn-ea"/>
+              </a:rPr>
+              <a:t>(iterator)</a:t>
+            </a:r>
+            <a:r>
+              <a:rPr lang="zh-CN" altLang="en-US">
+                <a:sym typeface="+mn-ea"/>
+              </a:rPr>
+              <a:t>，迭代器是</a:t>
+            </a:r>
+            <a:r>
+              <a:rPr lang="en-US" altLang="zh-CN">
+                <a:sym typeface="+mn-ea"/>
+              </a:rPr>
+              <a:t> STL </a:t>
+            </a:r>
+            <a:r>
+              <a:rPr lang="zh-CN" altLang="en-US">
+                <a:sym typeface="+mn-ea"/>
+              </a:rPr>
+              <a:t>中</a:t>
+            </a:r>
+            <a:r>
+              <a:rPr lang="zh-CN" altLang="en-US" b="1">
+                <a:sym typeface="+mn-ea"/>
+              </a:rPr>
+              <a:t>容器</a:t>
+            </a:r>
+            <a:r>
+              <a:rPr lang="zh-CN" altLang="en-US">
+                <a:sym typeface="+mn-ea"/>
+              </a:rPr>
+              <a:t>和</a:t>
+            </a:r>
+            <a:r>
+              <a:rPr lang="zh-CN" altLang="en-US" b="1">
+                <a:sym typeface="+mn-ea"/>
+              </a:rPr>
+              <a:t>算法</a:t>
+            </a:r>
+            <a:r>
+              <a:rPr lang="zh-CN" altLang="en-US">
+                <a:sym typeface="+mn-ea"/>
+              </a:rPr>
+              <a:t>之间的桥梁。</a:t>
+            </a:r>
+            <a:endParaRPr lang="zh-CN" altLang="en-US">
+              <a:solidFill>
+                <a:schemeClr val="accent5">
+                  <a:lumMod val="75000"/>
+                </a:schemeClr>
+              </a:solidFill>
+              <a:sym typeface="+mn-ea"/>
+            </a:endParaRPr>
+          </a:p>
+        </p:txBody>
+      </p:sp>
+      <p:pic>
+        <p:nvPicPr>
+          <p:cNvPr id="6" name="Content Placeholder 5"/>
+          <p:cNvPicPr>
+            <a:picLocks noChangeAspect="1"/>
+          </p:cNvPicPr>
+          <p:nvPr>
+            <p:ph sz="half" idx="2"/>
+          </p:nvPr>
+        </p:nvPicPr>
+        <p:blipFill>
+          <a:blip r:embed="rId1"/>
+          <a:stretch>
+            <a:fillRect/>
+          </a:stretch>
+        </p:blipFill>
+        <p:spPr>
+          <a:xfrm>
+            <a:off x="5981700" y="1734820"/>
+            <a:ext cx="5913120" cy="4032885"/>
+          </a:xfrm>
+          <a:prstGeom prst="rect">
+            <a:avLst/>
+          </a:prstGeom>
+        </p:spPr>
+      </p:pic>
+      <p:pic>
+        <p:nvPicPr>
+          <p:cNvPr id="7" name="Picture 6"/>
+          <p:cNvPicPr>
+            <a:picLocks noChangeAspect="1"/>
+          </p:cNvPicPr>
+          <p:nvPr/>
+        </p:nvPicPr>
+        <p:blipFill>
+          <a:blip r:embed="rId2"/>
+          <a:stretch>
+            <a:fillRect/>
+          </a:stretch>
+        </p:blipFill>
+        <p:spPr>
+          <a:xfrm>
+            <a:off x="216535" y="3226435"/>
+            <a:ext cx="331470" cy="1521460"/>
+          </a:xfrm>
+          <a:prstGeom prst="rect">
+            <a:avLst/>
+          </a:prstGeom>
+        </p:spPr>
+      </p:pic>
+    </p:spTree>
+  </p:cSld>
+  <p:clrMapOvr>
+    <a:masterClrMapping/>
+  </p:clrMapOvr>
+</p:sld>
+</file>
+
+<file path=ppt/slides/slide47.xml><?xml version="1.0" encoding="utf-8"?>
+<p:sld xmlns:a="http://schemas.openxmlformats.org/drawingml/2006/main" xmlns:r="http://schemas.openxmlformats.org/officeDocument/2006/relationships" xmlns:p="http://schemas.openxmlformats.org/presentationml/2006/main">
+  <p:cSld>
+    <p:spTree>
+      <p:nvGrpSpPr>
+        <p:cNvPr id="1" name=""/>
+        <p:cNvGrpSpPr/>
+        <p:nvPr/>
+      </p:nvGrpSpPr>
+      <p:grpSpPr/>
+      <p:sp>
+        <p:nvSpPr>
+          <p:cNvPr id="2" name="Title 1"/>
+          <p:cNvSpPr>
+            <a:spLocks noGrp="1"/>
+          </p:cNvSpPr>
+          <p:nvPr>
+            <p:ph type="title"/>
+          </p:nvPr>
+        </p:nvSpPr>
+        <p:spPr/>
+        <p:txBody>
+          <a:bodyPr/>
+          <a:p>
+            <a:r>
+              <a:rPr lang="zh-CN"/>
+              <a:t>迭代器模式</a:t>
+            </a:r>
+            <a:r>
+              <a:rPr lang="zh-CN">
+                <a:sym typeface="+mn-ea"/>
+              </a:rPr>
+              <a:t>：</a:t>
+            </a:r>
+            <a:r>
+              <a:rPr lang="zh-CN">
+                <a:sym typeface="+mn-ea"/>
+              </a:rPr>
+              <a:t>首</a:t>
+            </a:r>
+            <a:r>
+              <a:rPr lang="zh-CN">
+                <a:sym typeface="+mn-ea"/>
+              </a:rPr>
+              <a:t>迭代器＋尾迭代器</a:t>
+            </a:r>
+            <a:endParaRPr lang="zh-CN"/>
+          </a:p>
+        </p:txBody>
+      </p:sp>
+      <p:sp>
+        <p:nvSpPr>
+          <p:cNvPr id="3" name="Content Placeholder 2"/>
+          <p:cNvSpPr>
+            <a:spLocks noGrp="1"/>
+          </p:cNvSpPr>
+          <p:nvPr>
+            <p:ph sz="half" idx="1"/>
+          </p:nvPr>
+        </p:nvSpPr>
+        <p:spPr>
+          <a:xfrm>
+            <a:off x="647700" y="1316990"/>
+            <a:ext cx="5538470" cy="5340350"/>
+          </a:xfrm>
+        </p:spPr>
+        <p:txBody>
+          <a:bodyPr>
+            <a:normAutofit lnSpcReduction="20000"/>
+          </a:bodyPr>
+          <a:p>
+            <a:r>
+              <a:rPr lang="zh-CN">
+                <a:sym typeface="+mn-ea"/>
+              </a:rPr>
+              <a:t>如果让小彭老师来写</a:t>
+            </a:r>
+            <a:r>
+              <a:rPr lang="en-US" altLang="zh-CN">
+                <a:sym typeface="+mn-ea"/>
+              </a:rPr>
+              <a:t> list </a:t>
+            </a:r>
+            <a:r>
+              <a:rPr lang="zh-CN" altLang="en-US">
+                <a:sym typeface="+mn-ea"/>
+              </a:rPr>
+              <a:t>容器和他的迭代器，他的内部具体实现可能是这样的。</a:t>
+            </a:r>
+            <a:endParaRPr lang="zh-CN" altLang="en-US">
+              <a:sym typeface="+mn-ea"/>
+            </a:endParaRPr>
+          </a:p>
+          <a:p>
+            <a:r>
+              <a:rPr lang="zh-CN" altLang="en-US">
+                <a:sym typeface="+mn-ea"/>
+              </a:rPr>
+              <a:t>迭代器的这些运算符，都是约定俗成的，其根本目的在于模仿指针的行为，方便来自</a:t>
+            </a:r>
+            <a:r>
+              <a:rPr lang="en-US" altLang="zh-CN">
+                <a:sym typeface="+mn-ea"/>
+              </a:rPr>
+              <a:t> C </a:t>
+            </a:r>
+            <a:r>
+              <a:rPr lang="zh-CN" altLang="en-US">
+                <a:sym typeface="+mn-ea"/>
+              </a:rPr>
+              <a:t>语言的程序员快速上手掌握</a:t>
+            </a:r>
+            <a:r>
+              <a:rPr lang="en-US" altLang="zh-CN">
+                <a:sym typeface="+mn-ea"/>
+              </a:rPr>
+              <a:t> C++ </a:t>
+            </a:r>
+            <a:r>
+              <a:rPr lang="zh-CN" altLang="en-US">
+                <a:sym typeface="+mn-ea"/>
+              </a:rPr>
+              <a:t>标准库。</a:t>
+            </a:r>
+            <a:endParaRPr lang="zh-CN" altLang="en-US">
+              <a:sym typeface="+mn-ea"/>
+            </a:endParaRPr>
+          </a:p>
+          <a:p>
+            <a:r>
+              <a:rPr lang="zh-CN" altLang="en-US">
+                <a:sym typeface="+mn-ea"/>
+              </a:rPr>
+              <a:t>虽然你也可以用函数名</a:t>
+            </a:r>
+            <a:r>
+              <a:rPr lang="en-US" altLang="zh-CN">
+                <a:sym typeface="+mn-ea"/>
+              </a:rPr>
+              <a:t> gotoNext() </a:t>
+            </a:r>
+            <a:r>
+              <a:rPr lang="zh-CN" altLang="en-US">
+                <a:sym typeface="+mn-ea"/>
+              </a:rPr>
+              <a:t>代替</a:t>
+            </a:r>
+            <a:r>
+              <a:rPr lang="en-US" altLang="zh-CN">
+                <a:sym typeface="+mn-ea"/>
+              </a:rPr>
+              <a:t> ++</a:t>
+            </a:r>
+            <a:r>
+              <a:rPr lang="zh-CN" altLang="en-US">
+                <a:sym typeface="+mn-ea"/>
+              </a:rPr>
+              <a:t>，用</a:t>
+            </a:r>
+            <a:r>
+              <a:rPr lang="en-US" altLang="zh-CN">
+                <a:sym typeface="+mn-ea"/>
+              </a:rPr>
+              <a:t> getElement() </a:t>
+            </a:r>
+            <a:r>
+              <a:rPr lang="zh-CN" altLang="en-US">
+                <a:sym typeface="+mn-ea"/>
+              </a:rPr>
+              <a:t>代替</a:t>
+            </a:r>
+            <a:r>
+              <a:rPr lang="en-US" altLang="zh-CN">
+                <a:sym typeface="+mn-ea"/>
+              </a:rPr>
+              <a:t> *</a:t>
+            </a:r>
+            <a:r>
+              <a:rPr lang="zh-CN" altLang="en-US">
+                <a:sym typeface="+mn-ea"/>
+              </a:rPr>
+              <a:t>，</a:t>
+            </a:r>
+            <a:r>
+              <a:rPr lang="en-US" altLang="zh-CN">
+                <a:sym typeface="+mn-ea"/>
+              </a:rPr>
+              <a:t>notReach() </a:t>
+            </a:r>
+            <a:r>
+              <a:rPr lang="zh-CN" altLang="en-US">
+                <a:sym typeface="+mn-ea"/>
+              </a:rPr>
+              <a:t>代替</a:t>
+            </a:r>
+            <a:r>
+              <a:rPr lang="en-US" altLang="zh-CN">
+                <a:sym typeface="+mn-ea"/>
+              </a:rPr>
+              <a:t> !=</a:t>
+            </a:r>
+            <a:r>
+              <a:rPr lang="zh-CN" altLang="en-US">
+                <a:sym typeface="+mn-ea"/>
+              </a:rPr>
+              <a:t>。但是模仿指针行为的这些运算符，已然成为了</a:t>
+            </a:r>
+            <a:r>
+              <a:rPr lang="en-US" altLang="zh-CN">
+                <a:sym typeface="+mn-ea"/>
+              </a:rPr>
+              <a:t> C++ </a:t>
+            </a:r>
+            <a:r>
+              <a:rPr lang="zh-CN" altLang="en-US">
+                <a:sym typeface="+mn-ea"/>
+              </a:rPr>
+              <a:t>事实上的标准，而且也非常直观易懂。</a:t>
+            </a:r>
+            <a:endParaRPr lang="zh-CN" altLang="en-US">
+              <a:sym typeface="+mn-ea"/>
+            </a:endParaRPr>
+          </a:p>
+          <a:p>
+            <a:r>
+              <a:rPr lang="zh-CN" altLang="en-US">
+                <a:sym typeface="+mn-ea"/>
+              </a:rPr>
+              <a:t>因此所有的用户和库，都会按照这套运算符标准来实现和使用迭代器，节省了各自创立一套规范的成本。</a:t>
+            </a:r>
+            <a:endParaRPr lang="zh-CN" altLang="en-US">
+              <a:solidFill>
+                <a:schemeClr val="accent5">
+                  <a:lumMod val="75000"/>
+                </a:schemeClr>
+              </a:solidFill>
+              <a:sym typeface="+mn-ea"/>
+            </a:endParaRPr>
+          </a:p>
+        </p:txBody>
+      </p:sp>
+      <p:pic>
+        <p:nvPicPr>
+          <p:cNvPr id="9" name="Content Placeholder 8"/>
+          <p:cNvPicPr>
+            <a:picLocks noChangeAspect="1"/>
+          </p:cNvPicPr>
+          <p:nvPr>
+            <p:ph sz="half" idx="2"/>
+          </p:nvPr>
+        </p:nvPicPr>
+        <p:blipFill>
+          <a:blip r:embed="rId1"/>
+          <a:stretch>
+            <a:fillRect/>
+          </a:stretch>
+        </p:blipFill>
+        <p:spPr>
+          <a:xfrm>
+            <a:off x="6571615" y="-18415"/>
+            <a:ext cx="5620385" cy="6876415"/>
+          </a:xfrm>
+          <a:prstGeom prst="rect">
+            <a:avLst/>
+          </a:prstGeom>
+        </p:spPr>
+      </p:pic>
+    </p:spTree>
+  </p:cSld>
+  <p:clrMapOvr>
+    <a:masterClrMapping/>
+  </p:clrMapOvr>
+</p:sld>
+</file>
+
+<file path=ppt/slides/slide48.xml><?xml version="1.0" encoding="utf-8"?>
+<p:sld xmlns:a="http://schemas.openxmlformats.org/drawingml/2006/main" xmlns:r="http://schemas.openxmlformats.org/officeDocument/2006/relationships" xmlns:p="http://schemas.openxmlformats.org/presentationml/2006/main">
+  <p:cSld>
+    <p:spTree>
+      <p:nvGrpSpPr>
+        <p:cNvPr id="1" name=""/>
+        <p:cNvGrpSpPr/>
+        <p:nvPr/>
+      </p:nvGrpSpPr>
+      <p:grpSpPr/>
+      <p:sp>
+        <p:nvSpPr>
+          <p:cNvPr id="2" name="Title 1"/>
+          <p:cNvSpPr>
+            <a:spLocks noGrp="1"/>
+          </p:cNvSpPr>
+          <p:nvPr>
+            <p:ph type="title"/>
+          </p:nvPr>
+        </p:nvSpPr>
+        <p:spPr/>
+        <p:txBody>
+          <a:bodyPr/>
+          <a:p>
+            <a:r>
+              <a:rPr lang="zh-CN">
+                <a:sym typeface="+mn-ea"/>
+              </a:rPr>
+              <a:t>迭代器模式</a:t>
+            </a:r>
+            <a:r>
+              <a:rPr lang="zh-CN">
+                <a:sym typeface="+mn-ea"/>
+              </a:rPr>
+              <a:t>：</a:t>
+            </a:r>
+            <a:r>
+              <a:rPr lang="en-US" altLang="zh-CN">
+                <a:sym typeface="+mn-ea"/>
+              </a:rPr>
+              <a:t>++ </a:t>
+            </a:r>
+            <a:r>
+              <a:rPr lang="zh-CN" altLang="en-US">
+                <a:sym typeface="+mn-ea"/>
+              </a:rPr>
+              <a:t>的前置和后置</a:t>
+            </a:r>
+            <a:endParaRPr lang="zh-CN" altLang="en-US">
+              <a:sym typeface="+mn-ea"/>
+            </a:endParaRPr>
+          </a:p>
+        </p:txBody>
+      </p:sp>
+      <p:sp>
+        <p:nvSpPr>
+          <p:cNvPr id="3" name="Content Placeholder 2"/>
+          <p:cNvSpPr>
+            <a:spLocks noGrp="1"/>
+          </p:cNvSpPr>
+          <p:nvPr>
+            <p:ph sz="half" idx="1"/>
+          </p:nvPr>
+        </p:nvSpPr>
+        <p:spPr/>
+        <p:txBody>
+          <a:bodyPr/>
+          <a:p>
+            <a:endParaRPr lang="en-US"/>
+          </a:p>
+        </p:txBody>
+      </p:sp>
+      <p:sp>
+        <p:nvSpPr>
+          <p:cNvPr id="4" name="Content Placeholder 3"/>
+          <p:cNvSpPr>
+            <a:spLocks noGrp="1"/>
+          </p:cNvSpPr>
+          <p:nvPr>
+            <p:ph sz="half" idx="2"/>
+          </p:nvPr>
+        </p:nvSpPr>
+        <p:spPr/>
+        <p:txBody>
+          <a:bodyPr/>
+          <a:p>
+            <a:endParaRPr lang="en-US"/>
+          </a:p>
+        </p:txBody>
+      </p:sp>
+    </p:spTree>
+  </p:cSld>
+  <p:clrMapOvr>
+    <a:masterClrMapping/>
+  </p:clrMapOvr>
+</p:sld>
+</file>
+
+<file path=ppt/slides/slide49.xml><?xml version="1.0" encoding="utf-8"?>
+<p:sld xmlns:a="http://schemas.openxmlformats.org/drawingml/2006/main" xmlns:r="http://schemas.openxmlformats.org/officeDocument/2006/relationships" xmlns:p="http://schemas.openxmlformats.org/presentationml/2006/main">
+  <p:cSld>
+    <p:spTree>
+      <p:nvGrpSpPr>
+        <p:cNvPr id="1" name=""/>
+        <p:cNvGrpSpPr/>
+        <p:nvPr/>
+      </p:nvGrpSpPr>
+      <p:grpSpPr/>
+      <p:sp>
+        <p:nvSpPr>
+          <p:cNvPr id="2" name="Title 1"/>
+          <p:cNvSpPr>
+            <a:spLocks noGrp="1"/>
+          </p:cNvSpPr>
+          <p:nvPr>
+            <p:ph type="title"/>
+          </p:nvPr>
+        </p:nvSpPr>
+        <p:spPr/>
+        <p:txBody>
+          <a:bodyPr/>
+          <a:p>
+            <a:r>
+              <a:rPr lang="zh-CN"/>
+              <a:t>顺便宣传一下小彭老师的插件全家桶：</a:t>
+            </a:r>
+            <a:r>
+              <a:rPr lang="en-US" altLang="zh-CN"/>
+              <a:t>github.com/archibate/vimrc</a:t>
+            </a:r>
+            <a:endParaRPr lang="en-US" altLang="zh-CN"/>
+          </a:p>
+        </p:txBody>
+      </p:sp>
+      <p:pic>
+        <p:nvPicPr>
+          <p:cNvPr id="8" name="Content Placeholder 7"/>
+          <p:cNvPicPr>
+            <a:picLocks noChangeAspect="1"/>
+          </p:cNvPicPr>
+          <p:nvPr>
+            <p:ph sz="half" idx="2"/>
+          </p:nvPr>
+        </p:nvPicPr>
+        <p:blipFill>
+          <a:blip r:embed="rId1"/>
+          <a:stretch>
+            <a:fillRect/>
+          </a:stretch>
+        </p:blipFill>
+        <p:spPr>
+          <a:xfrm>
+            <a:off x="6691630" y="1480820"/>
+            <a:ext cx="5171440" cy="4893945"/>
+          </a:xfrm>
+          <a:prstGeom prst="rect">
+            <a:avLst/>
+          </a:prstGeom>
+        </p:spPr>
+      </p:pic>
+      <p:pic>
+        <p:nvPicPr>
+          <p:cNvPr id="10" name="Content Placeholder 9"/>
+          <p:cNvPicPr>
+            <a:picLocks noChangeAspect="1"/>
+          </p:cNvPicPr>
+          <p:nvPr>
+            <p:ph sz="half" idx="1"/>
+          </p:nvPr>
+        </p:nvPicPr>
+        <p:blipFill>
+          <a:blip r:embed="rId2"/>
+          <a:stretch>
+            <a:fillRect/>
+          </a:stretch>
+        </p:blipFill>
+        <p:spPr>
+          <a:xfrm>
+            <a:off x="208280" y="1584325"/>
+            <a:ext cx="6285230" cy="4747260"/>
+          </a:xfrm>
+          <a:prstGeom prst="rect">
+            <a:avLst/>
+          </a:prstGeom>
+        </p:spPr>
+      </p:pic>
     </p:spTree>
   </p:cSld>
   <p:clrMapOvr>

--- a/13/slides.pptx
+++ b/13/slides.pptx
@@ -8,7 +8,7 @@
     <p:notesMasterId r:id="rId22"/>
   </p:notesMasterIdLst>
   <p:handoutMasterIdLst>
-    <p:handoutMasterId r:id="rId53"/>
+    <p:handoutMasterId r:id="rId69"/>
   </p:handoutMasterIdLst>
   <p:sldIdLst>
     <p:sldId id="256" r:id="rId3"/>
@@ -42,24 +42,40 @@
     <p:sldId id="292" r:id="rId32"/>
     <p:sldId id="298" r:id="rId33"/>
     <p:sldId id="293" r:id="rId34"/>
-    <p:sldId id="294" r:id="rId35"/>
-    <p:sldId id="295" r:id="rId36"/>
-    <p:sldId id="297" r:id="rId37"/>
-    <p:sldId id="304" r:id="rId38"/>
-    <p:sldId id="305" r:id="rId39"/>
-    <p:sldId id="308" r:id="rId40"/>
-    <p:sldId id="309" r:id="rId41"/>
-    <p:sldId id="310" r:id="rId42"/>
-    <p:sldId id="313" r:id="rId43"/>
-    <p:sldId id="314" r:id="rId44"/>
-    <p:sldId id="315" r:id="rId45"/>
-    <p:sldId id="316" r:id="rId46"/>
-    <p:sldId id="317" r:id="rId47"/>
-    <p:sldId id="319" r:id="rId48"/>
-    <p:sldId id="320" r:id="rId49"/>
-    <p:sldId id="321" r:id="rId50"/>
-    <p:sldId id="324" r:id="rId51"/>
-    <p:sldId id="287" r:id="rId52"/>
+    <p:sldId id="369" r:id="rId35"/>
+    <p:sldId id="399" r:id="rId36"/>
+    <p:sldId id="294" r:id="rId37"/>
+    <p:sldId id="295" r:id="rId38"/>
+    <p:sldId id="297" r:id="rId39"/>
+    <p:sldId id="326" r:id="rId40"/>
+    <p:sldId id="342" r:id="rId41"/>
+    <p:sldId id="344" r:id="rId42"/>
+    <p:sldId id="345" r:id="rId43"/>
+    <p:sldId id="346" r:id="rId44"/>
+    <p:sldId id="347" r:id="rId45"/>
+    <p:sldId id="348" r:id="rId46"/>
+    <p:sldId id="349" r:id="rId47"/>
+    <p:sldId id="350" r:id="rId48"/>
+    <p:sldId id="367" r:id="rId49"/>
+    <p:sldId id="368" r:id="rId50"/>
+    <p:sldId id="402" r:id="rId51"/>
+    <p:sldId id="401" r:id="rId52"/>
+    <p:sldId id="400" r:id="rId53"/>
+    <p:sldId id="304" r:id="rId54"/>
+    <p:sldId id="305" r:id="rId55"/>
+    <p:sldId id="308" r:id="rId56"/>
+    <p:sldId id="309" r:id="rId57"/>
+    <p:sldId id="310" r:id="rId58"/>
+    <p:sldId id="313" r:id="rId59"/>
+    <p:sldId id="314" r:id="rId60"/>
+    <p:sldId id="315" r:id="rId61"/>
+    <p:sldId id="316" r:id="rId62"/>
+    <p:sldId id="317" r:id="rId63"/>
+    <p:sldId id="319" r:id="rId64"/>
+    <p:sldId id="320" r:id="rId65"/>
+    <p:sldId id="321" r:id="rId66"/>
+    <p:sldId id="324" r:id="rId67"/>
+    <p:sldId id="287" r:id="rId68"/>
   </p:sldIdLst>
   <p:sldSz cx="12192000" cy="6858000"/>
   <p:notesSz cx="7103745" cy="10234295"/>
@@ -931,6 +947,50 @@
 </file>
 
 <file path=ppt/notesSlides/notesSlide7.xml><?xml version="1.0" encoding="utf-8"?>
+<p:notes xmlns:a="http://schemas.openxmlformats.org/drawingml/2006/main" xmlns:r="http://schemas.openxmlformats.org/officeDocument/2006/relationships" xmlns:p="http://schemas.openxmlformats.org/presentationml/2006/main">
+  <p:cSld>
+    <p:spTree>
+      <p:nvGrpSpPr>
+        <p:cNvPr id="1" name=""/>
+        <p:cNvGrpSpPr/>
+        <p:nvPr/>
+      </p:nvGrpSpPr>
+      <p:grpSpPr/>
+      <p:sp>
+        <p:nvSpPr>
+          <p:cNvPr id="2" name="Slide Image Placeholder 1"/>
+          <p:cNvSpPr/>
+          <p:nvPr>
+            <p:ph type="sldImg" idx="2"/>
+          </p:nvPr>
+        </p:nvSpPr>
+        <p:spPr/>
+      </p:sp>
+      <p:sp>
+        <p:nvSpPr>
+          <p:cNvPr id="3" name="Text Placeholder 2"/>
+          <p:cNvSpPr/>
+          <p:nvPr>
+            <p:ph type="body" idx="3"/>
+          </p:nvPr>
+        </p:nvSpPr>
+        <p:spPr/>
+        <p:txBody>
+          <a:bodyPr/>
+          <a:p>
+            <a:endParaRPr lang="en-US"/>
+          </a:p>
+        </p:txBody>
+      </p:sp>
+    </p:spTree>
+  </p:cSld>
+  <p:clrMapOvr>
+    <a:masterClrMapping/>
+  </p:clrMapOvr>
+</p:notes>
+</file>
+
+<file path=ppt/notesSlides/notesSlide8.xml><?xml version="1.0" encoding="utf-8"?>
 <p:notes xmlns:a="http://schemas.openxmlformats.org/drawingml/2006/main" xmlns:r="http://schemas.openxmlformats.org/officeDocument/2006/relationships" xmlns:p="http://schemas.openxmlformats.org/presentationml/2006/main">
   <p:cSld>
     <p:spTree>
@@ -9089,7 +9149,7 @@
       </p:pic>
       <p:pic>
         <p:nvPicPr>
-          <p:cNvPr id="5" name="Content Placeholder 4"/>
+          <p:cNvPr id="8" name="Content Placeholder 7"/>
           <p:cNvPicPr>
             <a:picLocks noChangeAspect="1"/>
           </p:cNvPicPr>
@@ -9105,8 +9165,8 @@
         </p:blipFill>
         <p:spPr>
           <a:xfrm>
-            <a:off x="6823710" y="1691640"/>
-            <a:ext cx="3496945" cy="3474720"/>
+            <a:off x="5892165" y="1384935"/>
+            <a:ext cx="5358765" cy="3740150"/>
           </a:xfrm>
           <a:prstGeom prst="rect">
             <a:avLst/>
@@ -9420,7 +9480,7 @@
               <a:rPr lang="en-US" altLang="zh-CN">
                 <a:sym typeface="+mn-ea"/>
               </a:rPr>
-              <a:t>push_back</a:t>
+              <a:t>clear</a:t>
             </a:r>
             <a:endParaRPr lang="en-US"/>
           </a:p>
@@ -9452,7 +9512,7 @@
             </a:r>
             <a:r>
               <a:rPr lang="en-US" altLang="zh-CN"/>
-              <a:t> push_back </a:t>
+              <a:t> clear </a:t>
             </a:r>
             <a:r>
               <a:rPr lang="zh-CN" altLang="en-US"/>
@@ -9460,11 +9520,11 @@
             </a:r>
             <a:r>
               <a:rPr lang="zh-CN" altLang="en-US" b="1"/>
-              <a:t>往数组的末尾追加</a:t>
-            </a:r>
-            <a:r>
-              <a:rPr lang="zh-CN" altLang="en-US"/>
-              <a:t>一个数。例如：</a:t>
+              <a:t>清空该数组</a:t>
+            </a:r>
+            <a:r>
+              <a:rPr lang="zh-CN" altLang="en-US"/>
+              <a:t>，也就相当于把长度设为零，变成空数组。例如：</a:t>
             </a:r>
             <a:endParaRPr lang="zh-CN" altLang="en-US"/>
           </a:p>
@@ -9478,7 +9538,7 @@
                 </a:solidFill>
                 <a:sym typeface="+mn-ea"/>
               </a:rPr>
-              <a:t>vector&lt;int&gt; a = {1, 2};</a:t>
+              <a:t>a.clear();</a:t>
             </a:r>
             <a:endParaRPr lang="en-US" altLang="zh-CN">
               <a:solidFill>
@@ -9491,6 +9551,17 @@
           </a:p>
           <a:p>
             <a:r>
+              <a:rPr lang="zh-CN" altLang="en-US">
+                <a:sym typeface="+mn-ea"/>
+              </a:rPr>
+              <a:t>等价于：</a:t>
+            </a:r>
+            <a:endParaRPr lang="zh-CN" altLang="en-US">
+              <a:sym typeface="+mn-ea"/>
+            </a:endParaRPr>
+          </a:p>
+          <a:p>
+            <a:r>
               <a:rPr lang="en-US" altLang="zh-CN">
                 <a:solidFill>
                   <a:schemeClr val="accent5">
@@ -9499,7 +9570,30 @@
                 </a:solidFill>
                 <a:sym typeface="+mn-ea"/>
               </a:rPr>
-              <a:t>a.push_back(3);</a:t>
+              <a:t>a.resize(0);   </a:t>
+            </a:r>
+            <a:r>
+              <a:rPr lang="zh-CN" altLang="en-US">
+                <a:sym typeface="+mn-ea"/>
+              </a:rPr>
+              <a:t>或</a:t>
+            </a:r>
+            <a:r>
+              <a:rPr lang="en-US" altLang="zh-CN">
+                <a:sym typeface="+mn-ea"/>
+              </a:rPr>
+              <a:t>  </a:t>
+            </a:r>
+            <a:r>
+              <a:rPr lang="en-US" altLang="zh-CN">
+                <a:solidFill>
+                  <a:schemeClr val="accent5">
+                    <a:lumMod val="75000"/>
+                  </a:schemeClr>
+                </a:solidFill>
+                <a:sym typeface="+mn-ea"/>
+              </a:rPr>
+              <a:t> a = {};</a:t>
             </a:r>
             <a:endParaRPr lang="en-US" altLang="zh-CN">
               <a:solidFill>
@@ -9515,23 +9609,31 @@
               <a:rPr lang="zh-CN" altLang="en-US">
                 <a:sym typeface="+mn-ea"/>
               </a:rPr>
-              <a:t>等价于：</a:t>
-            </a:r>
-            <a:endParaRPr lang="zh-CN" altLang="en-US">
-              <a:sym typeface="+mn-ea"/>
-            </a:endParaRPr>
-          </a:p>
-          <a:p>
-            <a:r>
-              <a:rPr lang="en-US" altLang="zh-CN">
-                <a:solidFill>
-                  <a:schemeClr val="accent5">
-                    <a:lumMod val="75000"/>
-                  </a:schemeClr>
-                </a:solidFill>
-                <a:sym typeface="+mn-ea"/>
-              </a:rPr>
-              <a:t>vector&lt;int&gt; a = {1, 2, 3};</a:t>
+              <a:t>通常用于后面需要重新</a:t>
+            </a:r>
+            <a:r>
+              <a:rPr lang="en-US" altLang="zh-CN">
+                <a:sym typeface="+mn-ea"/>
+              </a:rPr>
+              <a:t> push_back</a:t>
+            </a:r>
+            <a:r>
+              <a:rPr lang="zh-CN" altLang="en-US">
+                <a:sym typeface="+mn-ea"/>
+              </a:rPr>
+              <a:t>，因此可以</a:t>
+            </a:r>
+            <a:r>
+              <a:rPr lang="en-US" altLang="zh-CN">
+                <a:sym typeface="+mn-ea"/>
+              </a:rPr>
+              <a:t> clear </a:t>
+            </a:r>
+            <a:r>
+              <a:rPr lang="zh-CN" altLang="en-US">
+                <a:sym typeface="+mn-ea"/>
+              </a:rPr>
+              <a:t>来把数组设为空。</a:t>
             </a:r>
             <a:endParaRPr lang="en-US" altLang="zh-CN">
               <a:solidFill>
@@ -9552,39 +9654,7 @@
                 </a:solidFill>
                 <a:sym typeface="+mn-ea"/>
               </a:rPr>
-              <a:t>void push_back(int const &amp;val);</a:t>
-            </a:r>
-            <a:endParaRPr lang="en-US" altLang="zh-CN">
-              <a:solidFill>
-                <a:schemeClr val="bg1">
-                  <a:lumMod val="65000"/>
-                </a:schemeClr>
-              </a:solidFill>
-              <a:sym typeface="+mn-ea"/>
-            </a:endParaRPr>
-          </a:p>
-          <a:p>
-            <a:r>
-              <a:rPr lang="en-US" altLang="zh-CN">
-                <a:solidFill>
-                  <a:schemeClr val="bg1">
-                    <a:lumMod val="65000"/>
-                  </a:schemeClr>
-                </a:solidFill>
-                <a:sym typeface="+mn-ea"/>
-              </a:rPr>
-              <a:t>void push_back(int &amp;&amp;val);  // C++11 </a:t>
-            </a:r>
-            <a:r>
-              <a:rPr lang="zh-CN" altLang="en-US">
-                <a:solidFill>
-                  <a:schemeClr val="bg1">
-                    <a:lumMod val="65000"/>
-                  </a:schemeClr>
-                </a:solidFill>
-                <a:sym typeface="+mn-ea"/>
-              </a:rPr>
-              <a:t>起</a:t>
+              <a:t>void clear() noexcept;</a:t>
             </a:r>
             <a:endParaRPr lang="zh-CN" altLang="en-US"/>
           </a:p>
@@ -9592,7 +9662,7 @@
       </p:sp>
       <p:pic>
         <p:nvPicPr>
-          <p:cNvPr id="5" name="Content Placeholder 4"/>
+          <p:cNvPr id="6" name="Content Placeholder 5"/>
           <p:cNvPicPr>
             <a:picLocks noChangeAspect="1"/>
           </p:cNvPicPr>
@@ -9608,8 +9678,8 @@
         </p:blipFill>
         <p:spPr>
           <a:xfrm>
-            <a:off x="6402070" y="1825625"/>
-            <a:ext cx="4565015" cy="2788920"/>
+            <a:off x="6104890" y="2241550"/>
+            <a:ext cx="5160010" cy="2374900"/>
           </a:xfrm>
           <a:prstGeom prst="rect">
             <a:avLst/>
@@ -9618,7 +9688,7 @@
       </p:pic>
       <p:pic>
         <p:nvPicPr>
-          <p:cNvPr id="8" name="Picture 7"/>
+          <p:cNvPr id="7" name="Picture 6"/>
           <p:cNvPicPr>
             <a:picLocks noChangeAspect="1"/>
           </p:cNvPicPr>
@@ -9632,8 +9702,8 @@
         </p:blipFill>
         <p:spPr>
           <a:xfrm>
-            <a:off x="7249795" y="4937760"/>
-            <a:ext cx="2870200" cy="1470025"/>
+            <a:off x="6262370" y="5024755"/>
+            <a:ext cx="4845050" cy="1152525"/>
           </a:xfrm>
           <a:prstGeom prst="rect">
             <a:avLst/>
@@ -9682,21 +9752,29 @@
               <a:rPr lang="zh-CN" altLang="en-US">
                 <a:sym typeface="+mn-ea"/>
               </a:rPr>
-              <a:t>容器</a:t>
+              <a:t>容器：</a:t>
+            </a:r>
+            <a:r>
+              <a:rPr lang="en-US" altLang="zh-CN">
+                <a:sym typeface="+mn-ea"/>
+              </a:rPr>
+              <a:t>clear </a:t>
             </a:r>
             <a:r>
               <a:rPr lang="zh-CN" altLang="en-US">
                 <a:sym typeface="+mn-ea"/>
               </a:rPr>
-              <a:t>：</a:t>
-            </a:r>
-            <a:r>
-              <a:rPr lang="en-US" altLang="zh-CN">
-                <a:sym typeface="+mn-ea"/>
-              </a:rPr>
-              <a:t>pop_back</a:t>
-            </a:r>
-            <a:endParaRPr lang="en-US"/>
+              <a:t>配合</a:t>
+            </a:r>
+            <a:r>
+              <a:rPr lang="en-US" altLang="zh-CN">
+                <a:sym typeface="+mn-ea"/>
+              </a:rPr>
+              <a:t> resize</a:t>
+            </a:r>
+            <a:endParaRPr lang="en-US" altLang="zh-CN">
+              <a:sym typeface="+mn-ea"/>
+            </a:endParaRPr>
           </a:p>
         </p:txBody>
       </p:sp>
@@ -9712,113 +9790,69 @@
         </p:nvSpPr>
         <p:spPr/>
         <p:txBody>
-          <a:bodyPr>
-            <a:normAutofit lnSpcReduction="10000"/>
-          </a:bodyPr>
-          <a:p>
-            <a:r>
-              <a:rPr lang="zh-CN"/>
-              <a:t>而</a:t>
+          <a:bodyPr/>
+          <a:p>
+            <a:r>
+              <a:rPr lang="en-US"/>
+              <a:t>resize </a:t>
+            </a:r>
+            <a:r>
+              <a:rPr lang="zh-CN" altLang="en-US"/>
+              <a:t>会保留原数组的前面部分不变，只在后面填充上</a:t>
             </a:r>
             <a:r>
               <a:rPr lang="en-US" altLang="zh-CN"/>
-              <a:t> pop_back </a:t>
-            </a:r>
-            <a:r>
-              <a:rPr lang="zh-CN" altLang="en-US"/>
-              <a:t>函数则是和</a:t>
+              <a:t> 0</a:t>
+            </a:r>
+            <a:r>
+              <a:rPr lang="zh-CN" altLang="en-US"/>
+              <a:t>。</a:t>
+            </a:r>
+            <a:endParaRPr lang="zh-CN" altLang="en-US"/>
+          </a:p>
+          <a:p>
+            <a:r>
+              <a:rPr lang="zh-CN" altLang="en-US"/>
+              <a:t>如果需要把原数组前面的部分也填充上</a:t>
             </a:r>
             <a:r>
               <a:rPr lang="en-US" altLang="zh-CN"/>
-              <a:t> push_back </a:t>
-            </a:r>
-            <a:r>
-              <a:rPr lang="zh-CN" altLang="en-US"/>
-              <a:t>唱反调，他是</a:t>
+              <a:t> 0</a:t>
+            </a:r>
+            <a:r>
+              <a:rPr lang="zh-CN" altLang="en-US"/>
+              <a:t>，可以</a:t>
             </a:r>
             <a:r>
               <a:rPr lang="zh-CN" altLang="en-US" b="1"/>
-              <a:t>在数组的末尾删除</a:t>
-            </a:r>
-            <a:r>
-              <a:rPr lang="zh-CN" altLang="en-US"/>
-              <a:t>一个数。例如：</a:t>
+              <a:t>先</a:t>
+            </a:r>
+            <a:r>
+              <a:rPr lang="en-US" altLang="zh-CN" b="1"/>
+              <a:t> clear </a:t>
+            </a:r>
+            <a:r>
+              <a:rPr lang="zh-CN" altLang="en-US" b="1"/>
+              <a:t>再</a:t>
+            </a:r>
+            <a:r>
+              <a:rPr lang="en-US" altLang="zh-CN" b="1"/>
+              <a:t> resize</a:t>
+            </a:r>
+            <a:r>
+              <a:rPr lang="zh-CN" altLang="en-US">
+                <a:sym typeface="+mn-ea"/>
+              </a:rPr>
+              <a:t>，</a:t>
+            </a:r>
+            <a:r>
+              <a:rPr lang="zh-CN" altLang="en-US"/>
+              <a:t>这是一个常见的组合。</a:t>
             </a:r>
             <a:endParaRPr lang="zh-CN" altLang="en-US"/>
           </a:p>
           <a:p>
-            <a:r>
-              <a:rPr lang="en-US" altLang="zh-CN">
-                <a:solidFill>
-                  <a:schemeClr val="accent5">
-                    <a:lumMod val="75000"/>
-                  </a:schemeClr>
-                </a:solidFill>
-                <a:sym typeface="+mn-ea"/>
-              </a:rPr>
-              <a:t>vector&lt;int&gt; a = {1, 2, 3};</a:t>
-            </a:r>
-            <a:endParaRPr lang="en-US" altLang="zh-CN">
-              <a:solidFill>
-                <a:schemeClr val="accent5">
-                  <a:lumMod val="75000"/>
-                </a:schemeClr>
-              </a:solidFill>
-              <a:sym typeface="+mn-ea"/>
-            </a:endParaRPr>
-          </a:p>
-          <a:p>
-            <a:r>
-              <a:rPr lang="en-US" altLang="zh-CN">
-                <a:solidFill>
-                  <a:schemeClr val="accent5">
-                    <a:lumMod val="75000"/>
-                  </a:schemeClr>
-                </a:solidFill>
-                <a:sym typeface="+mn-ea"/>
-              </a:rPr>
-              <a:t>a.pop_back();</a:t>
-            </a:r>
-            <a:endParaRPr lang="en-US" altLang="zh-CN">
-              <a:solidFill>
-                <a:schemeClr val="accent5">
-                  <a:lumMod val="75000"/>
-                </a:schemeClr>
-              </a:solidFill>
-              <a:sym typeface="+mn-ea"/>
-            </a:endParaRPr>
-          </a:p>
-          <a:p>
-            <a:r>
-              <a:rPr lang="zh-CN" altLang="en-US">
-                <a:sym typeface="+mn-ea"/>
-              </a:rPr>
-              <a:t>等价于：</a:t>
-            </a:r>
-            <a:endParaRPr lang="zh-CN" altLang="en-US">
-              <a:sym typeface="+mn-ea"/>
-            </a:endParaRPr>
-          </a:p>
-          <a:p>
-            <a:r>
-              <a:rPr lang="en-US" altLang="zh-CN">
-                <a:solidFill>
-                  <a:schemeClr val="accent5">
-                    <a:lumMod val="75000"/>
-                  </a:schemeClr>
-                </a:solidFill>
-                <a:sym typeface="+mn-ea"/>
-              </a:rPr>
-              <a:t>vector&lt;int&gt; a = {1, 2};</a:t>
-            </a:r>
-            <a:endParaRPr lang="en-US" altLang="zh-CN">
-              <a:solidFill>
-                <a:schemeClr val="accent5">
-                  <a:lumMod val="75000"/>
-                </a:schemeClr>
-              </a:solidFill>
-              <a:sym typeface="+mn-ea"/>
-            </a:endParaRPr>
+            <a:endParaRPr lang="zh-CN" altLang="en-US"/>
           </a:p>
           <a:p>
             <a:r>
@@ -9830,7 +9864,7 @@
                 </a:solidFill>
                 <a:sym typeface="+mn-ea"/>
               </a:rPr>
-              <a:t>void pop_back() noexcept;</a:t>
+              <a:t>void clear() noexcept;</a:t>
             </a:r>
             <a:endParaRPr lang="zh-CN" altLang="en-US"/>
           </a:p>
@@ -9838,7 +9872,7 @@
       </p:sp>
       <p:pic>
         <p:nvPicPr>
-          <p:cNvPr id="13" name="Content Placeholder 12"/>
+          <p:cNvPr id="5" name="Content Placeholder 4"/>
           <p:cNvPicPr>
             <a:picLocks noChangeAspect="1"/>
           </p:cNvPicPr>
@@ -9854,8 +9888,8 @@
         </p:blipFill>
         <p:spPr>
           <a:xfrm>
-            <a:off x="6234430" y="2178685"/>
-            <a:ext cx="4900930" cy="2500630"/>
+            <a:off x="6456045" y="1654175"/>
+            <a:ext cx="4274820" cy="2976880"/>
           </a:xfrm>
           <a:prstGeom prst="rect">
             <a:avLst/>
@@ -9864,7 +9898,7 @@
       </p:pic>
       <p:pic>
         <p:nvPicPr>
-          <p:cNvPr id="14" name="Picture 13"/>
+          <p:cNvPr id="6" name="Picture 5"/>
           <p:cNvPicPr>
             <a:picLocks noChangeAspect="1"/>
           </p:cNvPicPr>
@@ -9878,8 +9912,8 @@
         </p:blipFill>
         <p:spPr>
           <a:xfrm>
-            <a:off x="7279005" y="5066030"/>
-            <a:ext cx="2811780" cy="1446530"/>
+            <a:off x="6080125" y="5094605"/>
+            <a:ext cx="5026660" cy="1184910"/>
           </a:xfrm>
           <a:prstGeom prst="rect">
             <a:avLst/>
@@ -9928,17 +9962,21 @@
               <a:rPr lang="zh-CN" altLang="en-US">
                 <a:sym typeface="+mn-ea"/>
               </a:rPr>
-              <a:t>容器：</a:t>
-            </a:r>
-            <a:r>
-              <a:rPr lang="en-US" altLang="zh-CN">
-                <a:sym typeface="+mn-ea"/>
-              </a:rPr>
-              <a:t>back</a:t>
-            </a:r>
-            <a:endParaRPr lang="en-US" altLang="zh-CN">
-              <a:sym typeface="+mn-ea"/>
-            </a:endParaRPr>
+              <a:t>容器</a:t>
+            </a:r>
+            <a:r>
+              <a:rPr lang="zh-CN" altLang="en-US">
+                <a:sym typeface="+mn-ea"/>
+              </a:rPr>
+              <a:t>：</a:t>
+            </a:r>
+            <a:r>
+              <a:rPr lang="en-US" altLang="zh-CN">
+                <a:sym typeface="+mn-ea"/>
+              </a:rPr>
+              <a:t>push_back</a:t>
+            </a:r>
+            <a:endParaRPr lang="en-US"/>
           </a:p>
         </p:txBody>
       </p:sp>
@@ -9955,56 +9993,28 @@
         <p:spPr/>
         <p:txBody>
           <a:bodyPr>
-            <a:normAutofit lnSpcReduction="20000"/>
+            <a:normAutofit lnSpcReduction="10000"/>
           </a:bodyPr>
           <a:p>
             <a:r>
-              <a:rPr lang="zh-CN"/>
-              <a:t>要注意的是</a:t>
+              <a:rPr lang="zh-CN" altLang="en-US"/>
+              <a:t>著名的</a:t>
             </a:r>
             <a:r>
               <a:rPr lang="en-US" altLang="zh-CN"/>
-              <a:t> pop_back </a:t>
-            </a:r>
-            <a:r>
-              <a:rPr lang="zh-CN" altLang="en-US"/>
-              <a:t>函数的返回类型是</a:t>
-            </a:r>
-            <a:r>
-              <a:rPr lang="en-US" altLang="zh-CN"/>
-              <a:t> void</a:t>
-            </a:r>
-            <a:r>
-              <a:rPr lang="zh-CN" altLang="en-US"/>
-              <a:t>，也就是没有返回值，如果需要获取删除的值，可以在</a:t>
-            </a:r>
-            <a:r>
-              <a:rPr lang="en-US" altLang="zh-CN"/>
-              <a:t> pop_back() </a:t>
-            </a:r>
-            <a:r>
-              <a:rPr lang="zh-CN" altLang="en-US"/>
-              <a:t>之前先通过</a:t>
-            </a:r>
-            <a:r>
-              <a:rPr lang="en-US" altLang="zh-CN"/>
-              <a:t> back() </a:t>
+              <a:t> push_back </a:t>
+            </a:r>
+            <a:r>
+              <a:rPr lang="zh-CN" altLang="en-US"/>
+              <a:t>函数，他可以</a:t>
             </a:r>
             <a:r>
               <a:rPr lang="zh-CN" altLang="en-US" b="1"/>
-              <a:t>获取末尾元素的值</a:t>
-            </a:r>
-            <a:r>
-              <a:rPr lang="zh-CN" altLang="en-US"/>
-              <a:t>，实现</a:t>
-            </a:r>
-            <a:r>
-              <a:rPr lang="en-US" altLang="zh-CN"/>
-              <a:t> pop </a:t>
-            </a:r>
-            <a:r>
-              <a:rPr lang="zh-CN" altLang="en-US"/>
-              <a:t>效果。</a:t>
+              <a:t>在数组的末尾追加</a:t>
+            </a:r>
+            <a:r>
+              <a:rPr lang="zh-CN" altLang="en-US"/>
+              <a:t>一个数。例如：</a:t>
             </a:r>
             <a:endParaRPr lang="zh-CN" altLang="en-US"/>
           </a:p>
@@ -10018,7 +10028,7 @@
                 </a:solidFill>
                 <a:sym typeface="+mn-ea"/>
               </a:rPr>
-              <a:t>a.back();</a:t>
+              <a:t>vector&lt;int&gt; a = {1, 2};</a:t>
             </a:r>
             <a:endParaRPr lang="en-US" altLang="zh-CN">
               <a:solidFill>
@@ -10031,17 +10041,6 @@
           </a:p>
           <a:p>
             <a:r>
-              <a:rPr lang="zh-CN" altLang="en-US">
-                <a:sym typeface="+mn-ea"/>
-              </a:rPr>
-              <a:t>等价于：</a:t>
-            </a:r>
-            <a:endParaRPr lang="zh-CN" altLang="en-US">
-              <a:sym typeface="+mn-ea"/>
-            </a:endParaRPr>
-          </a:p>
-          <a:p>
-            <a:r>
               <a:rPr lang="en-US" altLang="zh-CN">
                 <a:solidFill>
                   <a:schemeClr val="accent5">
@@ -10050,7 +10049,60 @@
                 </a:solidFill>
                 <a:sym typeface="+mn-ea"/>
               </a:rPr>
-              <a:t>a[a.size() - 1]</a:t>
+              <a:t>a.push_back(3);</a:t>
+            </a:r>
+            <a:endParaRPr lang="en-US" altLang="zh-CN">
+              <a:solidFill>
+                <a:schemeClr val="accent5">
+                  <a:lumMod val="75000"/>
+                </a:schemeClr>
+              </a:solidFill>
+              <a:sym typeface="+mn-ea"/>
+            </a:endParaRPr>
+          </a:p>
+          <a:p>
+            <a:r>
+              <a:rPr lang="zh-CN" altLang="en-US">
+                <a:sym typeface="+mn-ea"/>
+              </a:rPr>
+              <a:t>等价于：</a:t>
+            </a:r>
+            <a:endParaRPr lang="zh-CN" altLang="en-US">
+              <a:sym typeface="+mn-ea"/>
+            </a:endParaRPr>
+          </a:p>
+          <a:p>
+            <a:r>
+              <a:rPr lang="en-US" altLang="zh-CN">
+                <a:solidFill>
+                  <a:schemeClr val="accent5">
+                    <a:lumMod val="75000"/>
+                  </a:schemeClr>
+                </a:solidFill>
+                <a:sym typeface="+mn-ea"/>
+              </a:rPr>
+              <a:t>vector&lt;int&gt; a = {1, 2, 3};</a:t>
+            </a:r>
+            <a:endParaRPr lang="en-US" altLang="zh-CN">
+              <a:solidFill>
+                <a:schemeClr val="accent5">
+                  <a:lumMod val="75000"/>
+                </a:schemeClr>
+              </a:solidFill>
+              <a:sym typeface="+mn-ea"/>
+            </a:endParaRPr>
+          </a:p>
+          <a:p>
+            <a:r>
+              <a:rPr lang="en-US" altLang="zh-CN">
+                <a:solidFill>
+                  <a:schemeClr val="bg1">
+                    <a:lumMod val="65000"/>
+                  </a:schemeClr>
+                </a:solidFill>
+                <a:sym typeface="+mn-ea"/>
+              </a:rPr>
+              <a:t>void push_back(int const &amp;val);</a:t>
             </a:r>
             <a:endParaRPr lang="en-US" altLang="zh-CN">
               <a:solidFill>
@@ -10069,82 +10121,32 @@
                     <a:lumMod val="65000"/>
                   </a:schemeClr>
                 </a:solidFill>
-                <a:sym typeface="+mn-ea"/>
-              </a:rPr>
-              <a:t>int &amp;back()</a:t>
-            </a:r>
-            <a:r>
-              <a:rPr lang="en-US" altLang="zh-CN">
+              </a:rPr>
+              <a:t>void push_back(int &amp;&amp;val);  // C++11 </a:t>
+            </a:r>
+            <a:r>
+              <a:rPr lang="zh-CN" altLang="en-US">
                 <a:solidFill>
                   <a:schemeClr val="bg1">
                     <a:lumMod val="65000"/>
                   </a:schemeClr>
                 </a:solidFill>
-                <a:sym typeface="+mn-ea"/>
-              </a:rPr>
-              <a:t> noexcept</a:t>
-            </a:r>
-            <a:r>
-              <a:rPr lang="en-US" altLang="zh-CN">
-                <a:solidFill>
-                  <a:schemeClr val="bg1">
-                    <a:lumMod val="65000"/>
-                  </a:schemeClr>
-                </a:solidFill>
-                <a:sym typeface="+mn-ea"/>
-              </a:rPr>
-              <a:t>;</a:t>
-            </a:r>
-            <a:endParaRPr lang="en-US" altLang="zh-CN">
+              </a:rPr>
+              <a:t>新增</a:t>
+            </a:r>
+            <a:endParaRPr lang="zh-CN" altLang="en-US">
               <a:solidFill>
                 <a:schemeClr val="bg1">
                   <a:lumMod val="65000"/>
                 </a:schemeClr>
               </a:solidFill>
-              <a:sym typeface="+mn-ea"/>
             </a:endParaRPr>
-          </a:p>
-          <a:p>
-            <a:r>
-              <a:rPr lang="en-US" altLang="zh-CN">
-                <a:solidFill>
-                  <a:schemeClr val="bg1">
-                    <a:lumMod val="65000"/>
-                  </a:schemeClr>
-                </a:solidFill>
-                <a:sym typeface="+mn-ea"/>
-              </a:rPr>
-              <a:t>int const &amp;back() const</a:t>
-            </a:r>
-            <a:r>
-              <a:rPr lang="en-US" altLang="zh-CN">
-                <a:solidFill>
-                  <a:schemeClr val="bg1">
-                    <a:lumMod val="65000"/>
-                  </a:schemeClr>
-                </a:solidFill>
-                <a:sym typeface="+mn-ea"/>
-              </a:rPr>
-              <a:t> noexcept</a:t>
-            </a:r>
-            <a:r>
-              <a:rPr lang="en-US" altLang="zh-CN">
-                <a:solidFill>
-                  <a:schemeClr val="bg1">
-                    <a:lumMod val="65000"/>
-                  </a:schemeClr>
-                </a:solidFill>
-                <a:sym typeface="+mn-ea"/>
-              </a:rPr>
-              <a:t>;</a:t>
-            </a:r>
-            <a:endParaRPr lang="zh-CN" altLang="en-US"/>
           </a:p>
         </p:txBody>
       </p:sp>
       <p:pic>
         <p:nvPicPr>
-          <p:cNvPr id="5" name="Picture 4"/>
+          <p:cNvPr id="4" name="Picture 3"/>
           <p:cNvPicPr>
             <a:picLocks noChangeAspect="1"/>
           </p:cNvPicPr>
@@ -10158,8 +10160,8 @@
         </p:blipFill>
         <p:spPr>
           <a:xfrm>
-            <a:off x="7306945" y="4948555"/>
-            <a:ext cx="2756535" cy="1764030"/>
+            <a:off x="6240145" y="5219065"/>
+            <a:ext cx="4890770" cy="1202690"/>
           </a:xfrm>
           <a:prstGeom prst="rect">
             <a:avLst/>
@@ -10168,7 +10170,7 @@
       </p:pic>
       <p:pic>
         <p:nvPicPr>
-          <p:cNvPr id="7" name="Content Placeholder 6"/>
+          <p:cNvPr id="6" name="Content Placeholder 5"/>
           <p:cNvPicPr>
             <a:picLocks noChangeAspect="1"/>
           </p:cNvPicPr>
@@ -10184,8 +10186,8 @@
         </p:blipFill>
         <p:spPr>
           <a:xfrm>
-            <a:off x="6085205" y="1825625"/>
-            <a:ext cx="5078095" cy="2851150"/>
+            <a:off x="6581775" y="2204085"/>
+            <a:ext cx="4207510" cy="2654300"/>
           </a:xfrm>
           <a:prstGeom prst="rect">
             <a:avLst/>
@@ -10234,17 +10236,21 @@
               <a:rPr lang="zh-CN" altLang="en-US">
                 <a:sym typeface="+mn-ea"/>
               </a:rPr>
-              <a:t>容器：</a:t>
-            </a:r>
-            <a:r>
-              <a:rPr lang="en-US" altLang="zh-CN">
-                <a:sym typeface="+mn-ea"/>
-              </a:rPr>
-              <a:t>front</a:t>
-            </a:r>
-            <a:endParaRPr lang="en-US" altLang="zh-CN">
-              <a:sym typeface="+mn-ea"/>
-            </a:endParaRPr>
+              <a:t>容器</a:t>
+            </a:r>
+            <a:r>
+              <a:rPr lang="zh-CN" altLang="en-US">
+                <a:sym typeface="+mn-ea"/>
+              </a:rPr>
+              <a:t>：</a:t>
+            </a:r>
+            <a:r>
+              <a:rPr lang="en-US" altLang="zh-CN">
+                <a:sym typeface="+mn-ea"/>
+              </a:rPr>
+              <a:t>pop_back</a:t>
+            </a:r>
+            <a:endParaRPr lang="en-US"/>
           </a:p>
         </p:txBody>
       </p:sp>
@@ -10261,52 +10267,40 @@
         <p:spPr/>
         <p:txBody>
           <a:bodyPr>
-            <a:normAutofit lnSpcReduction="20000"/>
+            <a:normAutofit lnSpcReduction="10000"/>
           </a:bodyPr>
           <a:p>
             <a:r>
               <a:rPr lang="zh-CN"/>
-              <a:t>和</a:t>
+              <a:t>而</a:t>
             </a:r>
             <a:r>
               <a:rPr lang="en-US" altLang="zh-CN"/>
-              <a:t> back() </a:t>
-            </a:r>
-            <a:r>
-              <a:rPr lang="zh-CN" altLang="en-US"/>
-              <a:t>相对的还有一个</a:t>
+              <a:t> pop_back </a:t>
+            </a:r>
+            <a:r>
+              <a:rPr lang="zh-CN" altLang="en-US"/>
+              <a:t>函数则是和</a:t>
             </a:r>
             <a:r>
               <a:rPr lang="en-US" altLang="zh-CN"/>
-              <a:t> front()</a:t>
-            </a:r>
-            <a:r>
-              <a:rPr lang="zh-CN" altLang="en-US"/>
-              <a:t>。</a:t>
+              <a:t> push_back </a:t>
+            </a:r>
+            <a:r>
+              <a:rPr lang="zh-CN" altLang="en-US"/>
+              <a:t>唱反调，他是</a:t>
+            </a:r>
+            <a:r>
+              <a:rPr lang="zh-CN" altLang="en-US" b="1"/>
+              <a:t>在数组的末尾删除</a:t>
+            </a:r>
+            <a:r>
+              <a:rPr lang="zh-CN" altLang="en-US"/>
+              <a:t>一个数。例如：</a:t>
             </a:r>
             <a:endParaRPr lang="zh-CN" altLang="en-US"/>
           </a:p>
           <a:p>
-            <a:r>
-              <a:rPr lang="en-US" altLang="zh-CN"/>
-              <a:t>back() </a:t>
-            </a:r>
-            <a:r>
-              <a:rPr lang="zh-CN" altLang="en-US"/>
-              <a:t>返回</a:t>
-            </a:r>
-            <a:r>
-              <a:rPr lang="zh-CN" altLang="en-US" b="1"/>
-              <a:t>末尾元素</a:t>
-            </a:r>
-            <a:r>
-              <a:rPr lang="zh-CN" altLang="en-US"/>
-              <a:t>的引用</a:t>
-            </a:r>
-            <a:r>
-              <a:rPr lang="en-US" altLang="zh-CN"/>
-              <a:t> </a:t>
-            </a:r>
             <a:r>
               <a:rPr lang="en-US" altLang="zh-CN">
                 <a:solidFill>
@@ -10314,67 +10308,9 @@
                     <a:lumMod val="75000"/>
                   </a:schemeClr>
                 </a:solidFill>
-              </a:rPr>
-              <a:t>a[a.size() - 1]</a:t>
-            </a:r>
-            <a:r>
-              <a:rPr lang="zh-CN" altLang="en-US"/>
-              <a:t>。</a:t>
-            </a:r>
-            <a:endParaRPr lang="zh-CN" altLang="en-US"/>
-          </a:p>
-          <a:p>
-            <a:r>
-              <a:rPr lang="zh-CN" altLang="en-US"/>
-              <a:t>而</a:t>
-            </a:r>
-            <a:r>
-              <a:rPr lang="en-US" altLang="zh-CN"/>
-              <a:t> front() </a:t>
-            </a:r>
-            <a:r>
-              <a:rPr lang="zh-CN" altLang="en-US"/>
-              <a:t>返回</a:t>
-            </a:r>
-            <a:r>
-              <a:rPr lang="zh-CN" altLang="en-US" b="1"/>
-              <a:t>首个元素</a:t>
-            </a:r>
-            <a:r>
-              <a:rPr lang="zh-CN" altLang="en-US"/>
-              <a:t>的引用</a:t>
-            </a:r>
-            <a:r>
-              <a:rPr lang="en-US" altLang="zh-CN"/>
-              <a:t> </a:t>
-            </a:r>
-            <a:r>
-              <a:rPr lang="en-US" altLang="zh-CN">
-                <a:solidFill>
-                  <a:schemeClr val="accent5">
-                    <a:lumMod val="75000"/>
-                  </a:schemeClr>
-                </a:solidFill>
-              </a:rPr>
-              <a:t>a[0]</a:t>
-            </a:r>
-            <a:r>
-              <a:rPr lang="zh-CN" altLang="en-US"/>
-              <a:t>。</a:t>
-            </a:r>
-            <a:endParaRPr lang="zh-CN" altLang="en-US"/>
-          </a:p>
-          <a:p>
-            <a:r>
-              <a:rPr lang="en-US" altLang="zh-CN">
-                <a:solidFill>
-                  <a:schemeClr val="accent5">
-                    <a:lumMod val="75000"/>
-                  </a:schemeClr>
-                </a:solidFill>
-                <a:sym typeface="+mn-ea"/>
-              </a:rPr>
-              <a:t>a.front();</a:t>
+                <a:sym typeface="+mn-ea"/>
+              </a:rPr>
+              <a:t>vector&lt;int&gt; a = {1, 2, 3};</a:t>
             </a:r>
             <a:endParaRPr lang="en-US" altLang="zh-CN">
               <a:solidFill>
@@ -10387,17 +10323,6 @@
           </a:p>
           <a:p>
             <a:r>
-              <a:rPr lang="zh-CN" altLang="en-US">
-                <a:sym typeface="+mn-ea"/>
-              </a:rPr>
-              <a:t>等价于：</a:t>
-            </a:r>
-            <a:endParaRPr lang="zh-CN" altLang="en-US">
-              <a:sym typeface="+mn-ea"/>
-            </a:endParaRPr>
-          </a:p>
-          <a:p>
-            <a:r>
               <a:rPr lang="en-US" altLang="zh-CN">
                 <a:solidFill>
                   <a:schemeClr val="accent5">
@@ -10406,12 +10331,44 @@
                 </a:solidFill>
                 <a:sym typeface="+mn-ea"/>
               </a:rPr>
-              <a:t>a[0]</a:t>
+              <a:t>a.pop_back();</a:t>
             </a:r>
             <a:endParaRPr lang="en-US" altLang="zh-CN">
               <a:solidFill>
-                <a:schemeClr val="bg1">
-                  <a:lumMod val="65000"/>
+                <a:schemeClr val="accent5">
+                  <a:lumMod val="75000"/>
+                </a:schemeClr>
+              </a:solidFill>
+              <a:sym typeface="+mn-ea"/>
+            </a:endParaRPr>
+          </a:p>
+          <a:p>
+            <a:r>
+              <a:rPr lang="zh-CN" altLang="en-US">
+                <a:sym typeface="+mn-ea"/>
+              </a:rPr>
+              <a:t>等价于：</a:t>
+            </a:r>
+            <a:endParaRPr lang="zh-CN" altLang="en-US">
+              <a:sym typeface="+mn-ea"/>
+            </a:endParaRPr>
+          </a:p>
+          <a:p>
+            <a:r>
+              <a:rPr lang="en-US" altLang="zh-CN">
+                <a:solidFill>
+                  <a:schemeClr val="accent5">
+                    <a:lumMod val="75000"/>
+                  </a:schemeClr>
+                </a:solidFill>
+                <a:sym typeface="+mn-ea"/>
+              </a:rPr>
+              <a:t>vector&lt;int&gt; a = {1, 2};</a:t>
+            </a:r>
+            <a:endParaRPr lang="en-US" altLang="zh-CN">
+              <a:solidFill>
+                <a:schemeClr val="accent5">
+                  <a:lumMod val="75000"/>
                 </a:schemeClr>
               </a:solidFill>
               <a:sym typeface="+mn-ea"/>
@@ -10427,50 +10384,7 @@
                 </a:solidFill>
                 <a:sym typeface="+mn-ea"/>
               </a:rPr>
-              <a:t>int &amp;front() noexcept;</a:t>
-            </a:r>
-            <a:endParaRPr lang="en-US" altLang="zh-CN">
-              <a:solidFill>
-                <a:schemeClr val="bg1">
-                  <a:lumMod val="65000"/>
-                </a:schemeClr>
-              </a:solidFill>
-              <a:sym typeface="+mn-ea"/>
-            </a:endParaRPr>
-          </a:p>
-          <a:p>
-            <a:r>
-              <a:rPr lang="en-US" altLang="zh-CN">
-                <a:solidFill>
-                  <a:schemeClr val="bg1">
-                    <a:lumMod val="65000"/>
-                  </a:schemeClr>
-                </a:solidFill>
-                <a:sym typeface="+mn-ea"/>
-              </a:rPr>
-              <a:t>int const &amp;front() const</a:t>
-            </a:r>
-            <a:r>
-              <a:rPr lang="en-US" altLang="zh-CN">
-                <a:solidFill>
-                  <a:schemeClr val="bg1">
-                    <a:lumMod val="65000"/>
-                  </a:schemeClr>
-                </a:solidFill>
-                <a:sym typeface="+mn-ea"/>
-              </a:rPr>
-              <a:t> noexcept</a:t>
-            </a:r>
-            <a:r>
-              <a:rPr lang="en-US" altLang="zh-CN">
-                <a:solidFill>
-                  <a:schemeClr val="bg1">
-                    <a:lumMod val="65000"/>
-                  </a:schemeClr>
-                </a:solidFill>
-                <a:sym typeface="+mn-ea"/>
-              </a:rPr>
-              <a:t>;</a:t>
+              <a:t>void pop_back() noexcept;</a:t>
             </a:r>
             <a:endParaRPr lang="zh-CN" altLang="en-US"/>
           </a:p>
@@ -10478,7 +10392,7 @@
       </p:sp>
       <p:pic>
         <p:nvPicPr>
-          <p:cNvPr id="6" name="Content Placeholder 5"/>
+          <p:cNvPr id="13" name="Content Placeholder 12"/>
           <p:cNvPicPr>
             <a:picLocks noChangeAspect="1"/>
           </p:cNvPicPr>
@@ -10494,8 +10408,8 @@
         </p:blipFill>
         <p:spPr>
           <a:xfrm>
-            <a:off x="5438140" y="2838450"/>
-            <a:ext cx="6289040" cy="2014220"/>
+            <a:off x="6234430" y="2178685"/>
+            <a:ext cx="4900930" cy="2500630"/>
           </a:xfrm>
           <a:prstGeom prst="rect">
             <a:avLst/>
@@ -10504,7 +10418,7 @@
       </p:pic>
       <p:pic>
         <p:nvPicPr>
-          <p:cNvPr id="8" name="Picture 7"/>
+          <p:cNvPr id="14" name="Picture 13"/>
           <p:cNvPicPr>
             <a:picLocks noChangeAspect="1"/>
           </p:cNvPicPr>
@@ -10518,8 +10432,8 @@
         </p:blipFill>
         <p:spPr>
           <a:xfrm>
-            <a:off x="7310120" y="4965065"/>
-            <a:ext cx="2545080" cy="1751330"/>
+            <a:off x="7279005" y="5066030"/>
+            <a:ext cx="2811780" cy="1446530"/>
           </a:xfrm>
           <a:prstGeom prst="rect">
             <a:avLst/>
@@ -10559,10 +10473,26 @@
           <a:bodyPr/>
           <a:p>
             <a:r>
-              <a:rPr lang="zh-CN"/>
-              <a:t>迭代器模式</a:t>
-            </a:r>
-            <a:endParaRPr lang="zh-CN"/>
+              <a:rPr lang="en-US">
+                <a:sym typeface="+mn-ea"/>
+              </a:rPr>
+              <a:t>vector </a:t>
+            </a:r>
+            <a:r>
+              <a:rPr lang="zh-CN" altLang="en-US">
+                <a:sym typeface="+mn-ea"/>
+              </a:rPr>
+              <a:t>容器：</a:t>
+            </a:r>
+            <a:r>
+              <a:rPr lang="en-US" altLang="zh-CN">
+                <a:sym typeface="+mn-ea"/>
+              </a:rPr>
+              <a:t>back</a:t>
+            </a:r>
+            <a:endParaRPr lang="en-US" altLang="zh-CN">
+              <a:sym typeface="+mn-ea"/>
+            </a:endParaRPr>
           </a:p>
         </p:txBody>
       </p:sp>
@@ -10578,11 +10508,189 @@
         </p:nvSpPr>
         <p:spPr/>
         <p:txBody>
-          <a:bodyPr/>
-          <a:p>
-            <a:r>
-              <a:rPr lang="zh-CN" altLang="en-US"/>
-              <a:t>如果要把右边这个打印的操作封装起来，该怎么做？</a:t>
+          <a:bodyPr>
+            <a:normAutofit lnSpcReduction="20000"/>
+          </a:bodyPr>
+          <a:p>
+            <a:r>
+              <a:rPr lang="zh-CN"/>
+              <a:t>要注意的是</a:t>
+            </a:r>
+            <a:r>
+              <a:rPr lang="en-US" altLang="zh-CN"/>
+              <a:t> pop_back </a:t>
+            </a:r>
+            <a:r>
+              <a:rPr lang="zh-CN" altLang="en-US"/>
+              <a:t>函数的返回类型是</a:t>
+            </a:r>
+            <a:r>
+              <a:rPr lang="en-US" altLang="zh-CN"/>
+              <a:t> void</a:t>
+            </a:r>
+            <a:r>
+              <a:rPr lang="zh-CN" altLang="en-US"/>
+              <a:t>，也就是没有返回值，如果需要获取删除的值，可以在</a:t>
+            </a:r>
+            <a:r>
+              <a:rPr lang="en-US" altLang="zh-CN"/>
+              <a:t> pop_back() </a:t>
+            </a:r>
+            <a:r>
+              <a:rPr lang="zh-CN" altLang="en-US"/>
+              <a:t>之前先通过</a:t>
+            </a:r>
+            <a:r>
+              <a:rPr lang="en-US" altLang="zh-CN"/>
+              <a:t> back() </a:t>
+            </a:r>
+            <a:r>
+              <a:rPr lang="zh-CN" altLang="en-US" b="1"/>
+              <a:t>获取末尾元素的值</a:t>
+            </a:r>
+            <a:r>
+              <a:rPr lang="zh-CN" altLang="en-US"/>
+              <a:t>，实现</a:t>
+            </a:r>
+            <a:r>
+              <a:rPr lang="en-US" altLang="zh-CN"/>
+              <a:t> pop </a:t>
+            </a:r>
+            <a:r>
+              <a:rPr lang="zh-CN" altLang="en-US"/>
+              <a:t>效果。</a:t>
+            </a:r>
+            <a:endParaRPr lang="zh-CN" altLang="en-US"/>
+          </a:p>
+          <a:p>
+            <a:r>
+              <a:rPr lang="en-US" altLang="zh-CN">
+                <a:solidFill>
+                  <a:schemeClr val="accent5">
+                    <a:lumMod val="75000"/>
+                  </a:schemeClr>
+                </a:solidFill>
+                <a:sym typeface="+mn-ea"/>
+              </a:rPr>
+              <a:t>a.back();</a:t>
+            </a:r>
+            <a:endParaRPr lang="en-US" altLang="zh-CN">
+              <a:solidFill>
+                <a:schemeClr val="accent5">
+                  <a:lumMod val="75000"/>
+                </a:schemeClr>
+              </a:solidFill>
+              <a:sym typeface="+mn-ea"/>
+            </a:endParaRPr>
+          </a:p>
+          <a:p>
+            <a:r>
+              <a:rPr lang="zh-CN" altLang="en-US">
+                <a:sym typeface="+mn-ea"/>
+              </a:rPr>
+              <a:t>等价于：</a:t>
+            </a:r>
+            <a:endParaRPr lang="zh-CN" altLang="en-US">
+              <a:sym typeface="+mn-ea"/>
+            </a:endParaRPr>
+          </a:p>
+          <a:p>
+            <a:r>
+              <a:rPr lang="en-US" altLang="zh-CN">
+                <a:solidFill>
+                  <a:schemeClr val="accent5">
+                    <a:lumMod val="75000"/>
+                  </a:schemeClr>
+                </a:solidFill>
+                <a:sym typeface="+mn-ea"/>
+              </a:rPr>
+              <a:t>a[a.size() - 1]</a:t>
+            </a:r>
+            <a:endParaRPr lang="en-US" altLang="zh-CN">
+              <a:solidFill>
+                <a:schemeClr val="bg1">
+                  <a:lumMod val="65000"/>
+                </a:schemeClr>
+              </a:solidFill>
+              <a:sym typeface="+mn-ea"/>
+            </a:endParaRPr>
+          </a:p>
+          <a:p>
+            <a:r>
+              <a:rPr lang="en-US" altLang="zh-CN">
+                <a:solidFill>
+                  <a:schemeClr val="bg1">
+                    <a:lumMod val="65000"/>
+                  </a:schemeClr>
+                </a:solidFill>
+                <a:sym typeface="+mn-ea"/>
+              </a:rPr>
+              <a:t>int &amp;back()</a:t>
+            </a:r>
+            <a:r>
+              <a:rPr lang="en-US" altLang="zh-CN">
+                <a:solidFill>
+                  <a:schemeClr val="bg1">
+                    <a:lumMod val="65000"/>
+                  </a:schemeClr>
+                </a:solidFill>
+                <a:sym typeface="+mn-ea"/>
+              </a:rPr>
+              <a:t> noexcept</a:t>
+            </a:r>
+            <a:r>
+              <a:rPr lang="en-US" altLang="zh-CN">
+                <a:solidFill>
+                  <a:schemeClr val="bg1">
+                    <a:lumMod val="65000"/>
+                  </a:schemeClr>
+                </a:solidFill>
+                <a:sym typeface="+mn-ea"/>
+              </a:rPr>
+              <a:t>;</a:t>
+            </a:r>
+            <a:endParaRPr lang="en-US" altLang="zh-CN">
+              <a:solidFill>
+                <a:schemeClr val="bg1">
+                  <a:lumMod val="65000"/>
+                </a:schemeClr>
+              </a:solidFill>
+              <a:sym typeface="+mn-ea"/>
+            </a:endParaRPr>
+          </a:p>
+          <a:p>
+            <a:r>
+              <a:rPr lang="en-US" altLang="zh-CN">
+                <a:solidFill>
+                  <a:schemeClr val="bg1">
+                    <a:lumMod val="65000"/>
+                  </a:schemeClr>
+                </a:solidFill>
+                <a:sym typeface="+mn-ea"/>
+              </a:rPr>
+              <a:t>int const &amp;back() const</a:t>
+            </a:r>
+            <a:r>
+              <a:rPr lang="en-US" altLang="zh-CN">
+                <a:solidFill>
+                  <a:schemeClr val="bg1">
+                    <a:lumMod val="65000"/>
+                  </a:schemeClr>
+                </a:solidFill>
+                <a:sym typeface="+mn-ea"/>
+              </a:rPr>
+              <a:t> noexcept</a:t>
+            </a:r>
+            <a:r>
+              <a:rPr lang="en-US" altLang="zh-CN">
+                <a:solidFill>
+                  <a:schemeClr val="bg1">
+                    <a:lumMod val="65000"/>
+                  </a:schemeClr>
+                </a:solidFill>
+                <a:sym typeface="+mn-ea"/>
+              </a:rPr>
+              <a:t>;</a:t>
             </a:r>
             <a:endParaRPr lang="zh-CN" altLang="en-US"/>
           </a:p>
@@ -10590,13 +10698,11 @@
       </p:sp>
       <p:pic>
         <p:nvPicPr>
-          <p:cNvPr id="5" name="Content Placeholder 4"/>
+          <p:cNvPr id="5" name="Picture 4"/>
           <p:cNvPicPr>
             <a:picLocks noChangeAspect="1"/>
           </p:cNvPicPr>
-          <p:nvPr>
-            <p:ph sz="half" idx="2"/>
-          </p:nvPr>
+          <p:nvPr/>
         </p:nvPicPr>
         <p:blipFill>
           <a:blip r:embed="rId1"/>
@@ -10606,8 +10712,34 @@
         </p:blipFill>
         <p:spPr>
           <a:xfrm>
-            <a:off x="5623560" y="2875280"/>
-            <a:ext cx="5897245" cy="2251710"/>
+            <a:off x="7306945" y="4948555"/>
+            <a:ext cx="2756535" cy="1764030"/>
+          </a:xfrm>
+          <a:prstGeom prst="rect">
+            <a:avLst/>
+          </a:prstGeom>
+        </p:spPr>
+      </p:pic>
+      <p:pic>
+        <p:nvPicPr>
+          <p:cNvPr id="7" name="Content Placeholder 6"/>
+          <p:cNvPicPr>
+            <a:picLocks noChangeAspect="1"/>
+          </p:cNvPicPr>
+          <p:nvPr>
+            <p:ph sz="half" idx="2"/>
+          </p:nvPr>
+        </p:nvPicPr>
+        <p:blipFill>
+          <a:blip r:embed="rId2"/>
+          <a:stretch>
+            <a:fillRect/>
+          </a:stretch>
+        </p:blipFill>
+        <p:spPr>
+          <a:xfrm>
+            <a:off x="6085205" y="1825625"/>
+            <a:ext cx="5078095" cy="2851150"/>
           </a:xfrm>
           <a:prstGeom prst="rect">
             <a:avLst/>
@@ -10647,10 +10779,26 @@
           <a:bodyPr/>
           <a:p>
             <a:r>
-              <a:rPr lang="zh-CN"/>
-              <a:t>迭代器模式</a:t>
-            </a:r>
-            <a:endParaRPr lang="zh-CN"/>
+              <a:rPr lang="en-US">
+                <a:sym typeface="+mn-ea"/>
+              </a:rPr>
+              <a:t>vector </a:t>
+            </a:r>
+            <a:r>
+              <a:rPr lang="zh-CN" altLang="en-US">
+                <a:sym typeface="+mn-ea"/>
+              </a:rPr>
+              <a:t>容器：</a:t>
+            </a:r>
+            <a:r>
+              <a:rPr lang="en-US" altLang="zh-CN">
+                <a:sym typeface="+mn-ea"/>
+              </a:rPr>
+              <a:t>front</a:t>
+            </a:r>
+            <a:endParaRPr lang="en-US" altLang="zh-CN">
+              <a:sym typeface="+mn-ea"/>
+            </a:endParaRPr>
           </a:p>
         </p:txBody>
       </p:sp>
@@ -10666,22 +10814,53 @@
         </p:nvSpPr>
         <p:spPr/>
         <p:txBody>
-          <a:bodyPr/>
-          <a:p>
-            <a:r>
-              <a:rPr lang="zh-CN" altLang="en-US"/>
-              <a:t>如果要把右边这个打印的操作封装起来，该怎么做？</a:t>
+          <a:bodyPr>
+            <a:normAutofit lnSpcReduction="20000"/>
+          </a:bodyPr>
+          <a:p>
+            <a:r>
+              <a:rPr lang="zh-CN"/>
+              <a:t>和</a:t>
+            </a:r>
+            <a:r>
+              <a:rPr lang="en-US" altLang="zh-CN"/>
+              <a:t> back() </a:t>
+            </a:r>
+            <a:r>
+              <a:rPr lang="zh-CN" altLang="en-US"/>
+              <a:t>相对的还有一个</a:t>
+            </a:r>
+            <a:r>
+              <a:rPr lang="en-US" altLang="zh-CN"/>
+              <a:t> front()</a:t>
+            </a:r>
+            <a:r>
+              <a:rPr lang="zh-CN" altLang="en-US"/>
+              <a:t>。</a:t>
             </a:r>
             <a:endParaRPr lang="zh-CN" altLang="en-US"/>
           </a:p>
           <a:p>
             <a:r>
-              <a:rPr lang="zh-CN" altLang="en-US"/>
-              <a:t>可以用一个函数来封装打印操作：</a:t>
-            </a:r>
-            <a:endParaRPr lang="zh-CN" altLang="en-US"/>
-          </a:p>
-          <a:p>
+              <a:rPr lang="en-US" altLang="zh-CN"/>
+              <a:t>back() </a:t>
+            </a:r>
+            <a:r>
+              <a:rPr lang="zh-CN" altLang="en-US"/>
+              <a:t>返回</a:t>
+            </a:r>
+            <a:r>
+              <a:rPr lang="zh-CN" altLang="en-US" b="1"/>
+              <a:t>末尾元素</a:t>
+            </a:r>
+            <a:r>
+              <a:rPr lang="zh-CN" altLang="en-US"/>
+              <a:t>的引用</a:t>
+            </a:r>
+            <a:r>
+              <a:rPr lang="en-US" altLang="zh-CN"/>
+              <a:t> </a:t>
+            </a:r>
             <a:r>
               <a:rPr lang="en-US" altLang="zh-CN">
                 <a:solidFill>
@@ -10690,7 +10869,66 @@
                   </a:schemeClr>
                 </a:solidFill>
               </a:rPr>
-              <a:t>print(vector&lt;char&gt; const &amp;a);</a:t>
+              <a:t>a[a.size() - 1]</a:t>
+            </a:r>
+            <a:r>
+              <a:rPr lang="zh-CN" altLang="en-US"/>
+              <a:t>。</a:t>
+            </a:r>
+            <a:endParaRPr lang="zh-CN" altLang="en-US"/>
+          </a:p>
+          <a:p>
+            <a:r>
+              <a:rPr lang="zh-CN" altLang="en-US"/>
+              <a:t>而</a:t>
+            </a:r>
+            <a:r>
+              <a:rPr lang="en-US" altLang="zh-CN"/>
+              <a:t> front() </a:t>
+            </a:r>
+            <a:r>
+              <a:rPr lang="zh-CN" altLang="en-US"/>
+              <a:t>返回</a:t>
+            </a:r>
+            <a:r>
+              <a:rPr lang="zh-CN" altLang="en-US" b="1"/>
+              <a:t>首个元素</a:t>
+            </a:r>
+            <a:r>
+              <a:rPr lang="zh-CN" altLang="en-US"/>
+              <a:t>的引用</a:t>
+            </a:r>
+            <a:r>
+              <a:rPr lang="en-US" altLang="zh-CN"/>
+              <a:t> </a:t>
+            </a:r>
+            <a:r>
+              <a:rPr lang="en-US" altLang="zh-CN">
+                <a:solidFill>
+                  <a:schemeClr val="accent5">
+                    <a:lumMod val="75000"/>
+                  </a:schemeClr>
+                </a:solidFill>
+              </a:rPr>
+              <a:t>a[0]</a:t>
+            </a:r>
+            <a:r>
+              <a:rPr lang="zh-CN" altLang="en-US"/>
+              <a:t>。</a:t>
+            </a:r>
+            <a:endParaRPr lang="zh-CN" altLang="en-US"/>
+          </a:p>
+          <a:p>
+            <a:r>
+              <a:rPr lang="en-US" altLang="zh-CN">
+                <a:solidFill>
+                  <a:schemeClr val="accent5">
+                    <a:lumMod val="75000"/>
+                  </a:schemeClr>
+                </a:solidFill>
+                <a:sym typeface="+mn-ea"/>
+              </a:rPr>
+              <a:t>a.front();</a:t>
             </a:r>
             <a:endParaRPr lang="en-US" altLang="zh-CN">
               <a:solidFill>
@@ -10698,7 +10936,97 @@
                   <a:lumMod val="75000"/>
                 </a:schemeClr>
               </a:solidFill>
+              <a:sym typeface="+mn-ea"/>
             </a:endParaRPr>
+          </a:p>
+          <a:p>
+            <a:r>
+              <a:rPr lang="zh-CN" altLang="en-US">
+                <a:sym typeface="+mn-ea"/>
+              </a:rPr>
+              <a:t>等价于：</a:t>
+            </a:r>
+            <a:endParaRPr lang="zh-CN" altLang="en-US">
+              <a:sym typeface="+mn-ea"/>
+            </a:endParaRPr>
+          </a:p>
+          <a:p>
+            <a:r>
+              <a:rPr lang="en-US" altLang="zh-CN">
+                <a:solidFill>
+                  <a:schemeClr val="accent5">
+                    <a:lumMod val="75000"/>
+                  </a:schemeClr>
+                </a:solidFill>
+                <a:sym typeface="+mn-ea"/>
+              </a:rPr>
+              <a:t>a[0]</a:t>
+            </a:r>
+            <a:endParaRPr lang="en-US" altLang="zh-CN">
+              <a:solidFill>
+                <a:schemeClr val="bg1">
+                  <a:lumMod val="65000"/>
+                </a:schemeClr>
+              </a:solidFill>
+              <a:sym typeface="+mn-ea"/>
+            </a:endParaRPr>
+          </a:p>
+          <a:p>
+            <a:r>
+              <a:rPr lang="en-US" altLang="zh-CN">
+                <a:solidFill>
+                  <a:schemeClr val="bg1">
+                    <a:lumMod val="65000"/>
+                  </a:schemeClr>
+                </a:solidFill>
+                <a:sym typeface="+mn-ea"/>
+              </a:rPr>
+              <a:t>int &amp;front() noexcept;</a:t>
+            </a:r>
+            <a:endParaRPr lang="en-US" altLang="zh-CN">
+              <a:solidFill>
+                <a:schemeClr val="bg1">
+                  <a:lumMod val="65000"/>
+                </a:schemeClr>
+              </a:solidFill>
+              <a:sym typeface="+mn-ea"/>
+            </a:endParaRPr>
+          </a:p>
+          <a:p>
+            <a:r>
+              <a:rPr lang="en-US" altLang="zh-CN">
+                <a:solidFill>
+                  <a:schemeClr val="bg1">
+                    <a:lumMod val="65000"/>
+                  </a:schemeClr>
+                </a:solidFill>
+                <a:sym typeface="+mn-ea"/>
+              </a:rPr>
+              <a:t>int const &amp;front() const</a:t>
+            </a:r>
+            <a:r>
+              <a:rPr lang="en-US" altLang="zh-CN">
+                <a:solidFill>
+                  <a:schemeClr val="bg1">
+                    <a:lumMod val="65000"/>
+                  </a:schemeClr>
+                </a:solidFill>
+                <a:sym typeface="+mn-ea"/>
+              </a:rPr>
+              <a:t> noexcept</a:t>
+            </a:r>
+            <a:r>
+              <a:rPr lang="en-US" altLang="zh-CN">
+                <a:solidFill>
+                  <a:schemeClr val="bg1">
+                    <a:lumMod val="65000"/>
+                  </a:schemeClr>
+                </a:solidFill>
+                <a:sym typeface="+mn-ea"/>
+              </a:rPr>
+              <a:t>;</a:t>
+            </a:r>
+            <a:endParaRPr lang="zh-CN" altLang="en-US"/>
           </a:p>
         </p:txBody>
       </p:sp>
@@ -10720,8 +11048,8 @@
         </p:blipFill>
         <p:spPr>
           <a:xfrm>
-            <a:off x="5589905" y="2240280"/>
-            <a:ext cx="5963920" cy="3522345"/>
+            <a:off x="5438140" y="2838450"/>
+            <a:ext cx="6289040" cy="2014220"/>
           </a:xfrm>
           <a:prstGeom prst="rect">
             <a:avLst/>
@@ -10730,7 +11058,7 @@
       </p:pic>
       <p:pic>
         <p:nvPicPr>
-          <p:cNvPr id="7" name="Picture 6"/>
+          <p:cNvPr id="8" name="Picture 7"/>
           <p:cNvPicPr>
             <a:picLocks noChangeAspect="1"/>
           </p:cNvPicPr>
@@ -10744,8 +11072,8 @@
         </p:blipFill>
         <p:spPr>
           <a:xfrm>
-            <a:off x="727710" y="4614545"/>
-            <a:ext cx="516890" cy="1388110"/>
+            <a:off x="7310120" y="4965065"/>
+            <a:ext cx="2545080" cy="1751330"/>
           </a:xfrm>
           <a:prstGeom prst="rect">
             <a:avLst/>
@@ -10785,10 +11113,32 @@
           <a:bodyPr/>
           <a:p>
             <a:r>
-              <a:rPr lang="zh-CN"/>
-              <a:t>迭代器模式</a:t>
-            </a:r>
-            <a:endParaRPr lang="zh-CN"/>
+              <a:rPr lang="en-US">
+                <a:sym typeface="+mn-ea"/>
+              </a:rPr>
+              <a:t>vector </a:t>
+            </a:r>
+            <a:r>
+              <a:rPr lang="zh-CN" altLang="en-US">
+                <a:sym typeface="+mn-ea"/>
+              </a:rPr>
+              <a:t>容器：</a:t>
+            </a:r>
+            <a:r>
+              <a:rPr lang="en-US" altLang="zh-CN">
+                <a:sym typeface="+mn-ea"/>
+              </a:rPr>
+              <a:t>data() </a:t>
+            </a:r>
+            <a:r>
+              <a:rPr lang="zh-CN" altLang="en-US">
+                <a:sym typeface="+mn-ea"/>
+              </a:rPr>
+              <a:t>获取首地址指针</a:t>
+            </a:r>
+            <a:endParaRPr lang="zh-CN" altLang="en-US">
+              <a:sym typeface="+mn-ea"/>
+            </a:endParaRPr>
           </a:p>
         </p:txBody>
       </p:sp>
@@ -10802,24 +11152,35 @@
             <p:ph sz="half" idx="1"/>
           </p:nvPr>
         </p:nvSpPr>
-        <p:spPr/>
+        <p:spPr>
+          <a:xfrm>
+            <a:off x="535305" y="1784985"/>
+            <a:ext cx="5293995" cy="4433570"/>
+          </a:xfrm>
+        </p:spPr>
         <p:txBody>
           <a:bodyPr/>
           <a:p>
             <a:r>
-              <a:rPr lang="zh-CN" altLang="en-US"/>
-              <a:t>如果要把右边这个打印的操作封装起来，该怎么做？</a:t>
-            </a:r>
-            <a:endParaRPr lang="zh-CN" altLang="en-US"/>
-          </a:p>
-          <a:p>
-            <a:r>
-              <a:rPr lang="zh-CN" altLang="en-US"/>
-              <a:t>可以用一个函数来封装打印操作：</a:t>
-            </a:r>
-            <a:endParaRPr lang="zh-CN" altLang="en-US"/>
-          </a:p>
-          <a:p>
+              <a:rPr lang="en-US" altLang="zh-CN"/>
+              <a:t>data() </a:t>
+            </a:r>
+            <a:r>
+              <a:rPr lang="zh-CN" altLang="en-US"/>
+              <a:t>会返回指向数组中</a:t>
+            </a:r>
+            <a:r>
+              <a:rPr lang="zh-CN" altLang="en-US" b="1"/>
+              <a:t>首个元素的指针</a:t>
+            </a:r>
+            <a:r>
+              <a:rPr lang="zh-CN" altLang="en-US"/>
+              <a:t>，也就是等价于</a:t>
+            </a:r>
+            <a:r>
+              <a:rPr lang="en-US" altLang="zh-CN"/>
+              <a:t> </a:t>
+            </a:r>
             <a:r>
               <a:rPr lang="en-US" altLang="zh-CN">
                 <a:solidFill>
@@ -10828,81 +11189,120 @@
                   </a:schemeClr>
                 </a:solidFill>
               </a:rPr>
-              <a:t>print(vector&lt;char&gt; const &amp;a);</a:t>
+              <a:t>&amp;a[0]</a:t>
+            </a:r>
+            <a:r>
+              <a:rPr lang="zh-CN" altLang="en-US"/>
+              <a:t>。由于</a:t>
+            </a:r>
+            <a:r>
+              <a:rPr lang="en-US" altLang="zh-CN"/>
+              <a:t> vector </a:t>
+            </a:r>
+            <a:r>
+              <a:rPr lang="zh-CN" altLang="en-US"/>
+              <a:t>是连续存储的数组，因此只要得到了首地址，下一个元素的地址只需指针</a:t>
+            </a:r>
+            <a:r>
+              <a:rPr lang="en-US" altLang="zh-CN"/>
+              <a:t> +1 </a:t>
+            </a:r>
+            <a:r>
+              <a:rPr lang="zh-CN" altLang="en-US"/>
+              <a:t>即可。</a:t>
+            </a:r>
+            <a:endParaRPr lang="zh-CN" altLang="en-US"/>
+          </a:p>
+          <a:p>
+            <a:r>
+              <a:rPr lang="zh-CN" altLang="en-US"/>
+              <a:t>因为指针的</a:t>
+            </a:r>
+            <a:r>
+              <a:rPr lang="en-US" altLang="zh-CN"/>
+              <a:t> </a:t>
+            </a:r>
+            <a:r>
+              <a:rPr lang="en-US" altLang="zh-CN">
+                <a:solidFill>
+                  <a:schemeClr val="accent5">
+                    <a:lumMod val="75000"/>
+                  </a:schemeClr>
+                </a:solidFill>
+              </a:rPr>
+              <a:t>p[i]</a:t>
+            </a:r>
+            <a:r>
+              <a:rPr lang="en-US" altLang="zh-CN"/>
+              <a:t> </a:t>
+            </a:r>
+            <a:r>
+              <a:rPr lang="zh-CN" altLang="en-US"/>
+              <a:t>相当于</a:t>
+            </a:r>
+            <a:r>
+              <a:rPr lang="en-US" altLang="zh-CN"/>
+              <a:t> </a:t>
+            </a:r>
+            <a:r>
+              <a:rPr lang="en-US" altLang="zh-CN">
+                <a:solidFill>
+                  <a:schemeClr val="accent5">
+                    <a:lumMod val="75000"/>
+                  </a:schemeClr>
+                </a:solidFill>
+              </a:rPr>
+              <a:t>*(p + i)</a:t>
+            </a:r>
+            <a:r>
+              <a:rPr lang="zh-CN" altLang="en-US"/>
+              <a:t>，因此可以把</a:t>
+            </a:r>
+            <a:r>
+              <a:rPr lang="en-US" altLang="zh-CN"/>
+              <a:t> data() </a:t>
+            </a:r>
+            <a:r>
+              <a:rPr lang="zh-CN" altLang="en-US"/>
+              <a:t>返回的首地址指针当一个数组来访问。</a:t>
+            </a:r>
+            <a:endParaRPr lang="zh-CN" altLang="en-US"/>
+          </a:p>
+          <a:p>
+            <a:r>
+              <a:rPr lang="en-US" altLang="zh-CN">
+                <a:solidFill>
+                  <a:schemeClr val="bg1">
+                    <a:lumMod val="65000"/>
+                  </a:schemeClr>
+                </a:solidFill>
+              </a:rPr>
+              <a:t>int *data() noexcept;</a:t>
             </a:r>
             <a:endParaRPr lang="en-US" altLang="zh-CN">
               <a:solidFill>
-                <a:schemeClr val="accent5">
-                  <a:lumMod val="75000"/>
+                <a:schemeClr val="bg1">
+                  <a:lumMod val="65000"/>
                 </a:schemeClr>
               </a:solidFill>
             </a:endParaRPr>
           </a:p>
           <a:p>
             <a:r>
-              <a:rPr lang="zh-CN" altLang="en-US">
-                <a:sym typeface="+mn-ea"/>
-              </a:rPr>
-              <a:t>但是这样的缺点是他只能打印</a:t>
-            </a:r>
-            <a:r>
-              <a:rPr lang="en-US" altLang="zh-CN">
-                <a:sym typeface="+mn-ea"/>
-              </a:rPr>
-              <a:t> vector </a:t>
-            </a:r>
-            <a:r>
-              <a:rPr lang="zh-CN" altLang="en-US">
-                <a:sym typeface="+mn-ea"/>
-              </a:rPr>
-              <a:t>类型，没法打印</a:t>
-            </a:r>
-            <a:r>
-              <a:rPr lang="en-US" altLang="zh-CN">
-                <a:sym typeface="+mn-ea"/>
-              </a:rPr>
-              <a:t> string </a:t>
-            </a:r>
-            <a:r>
-              <a:rPr lang="zh-CN" altLang="en-US">
-                <a:sym typeface="+mn-ea"/>
-              </a:rPr>
-              <a:t>类型。</a:t>
-            </a:r>
-            <a:r>
-              <a:rPr lang="zh-CN" altLang="en-US">
-                <a:sym typeface="+mn-ea"/>
-              </a:rPr>
-              <a:t>要支持</a:t>
-            </a:r>
-            <a:r>
-              <a:rPr lang="en-US" altLang="zh-CN">
-                <a:sym typeface="+mn-ea"/>
-              </a:rPr>
-              <a:t> string </a:t>
-            </a:r>
-            <a:r>
-              <a:rPr lang="zh-CN" altLang="en-US">
-                <a:sym typeface="+mn-ea"/>
-              </a:rPr>
-              <a:t>只能再写一遍一样的</a:t>
-            </a:r>
-            <a:r>
-              <a:rPr lang="en-US" altLang="zh-CN">
-                <a:sym typeface="+mn-ea"/>
-              </a:rPr>
-              <a:t> print </a:t>
-            </a:r>
-            <a:r>
-              <a:rPr lang="zh-CN" altLang="en-US">
-                <a:sym typeface="+mn-ea"/>
-              </a:rPr>
-              <a:t>函数。</a:t>
-            </a:r>
-            <a:endParaRPr lang="zh-CN" altLang="en-US">
+              <a:rPr lang="en-US" altLang="zh-CN">
+                <a:solidFill>
+                  <a:schemeClr val="bg1">
+                    <a:lumMod val="65000"/>
+                  </a:schemeClr>
+                </a:solidFill>
+                <a:sym typeface="+mn-ea"/>
+              </a:rPr>
+              <a:t>int const *data() const noexcept;</a:t>
+            </a:r>
+            <a:endParaRPr lang="en-US" altLang="zh-CN">
               <a:solidFill>
-                <a:schemeClr val="accent5">
-                  <a:lumMod val="75000"/>
+                <a:schemeClr val="bg1">
+                  <a:lumMod val="65000"/>
                 </a:schemeClr>
               </a:solidFill>
               <a:sym typeface="+mn-ea"/>
@@ -10912,13 +11312,11 @@
       </p:sp>
       <p:pic>
         <p:nvPicPr>
-          <p:cNvPr id="8" name="Content Placeholder 7"/>
+          <p:cNvPr id="11" name="Picture 10"/>
           <p:cNvPicPr>
             <a:picLocks noChangeAspect="1"/>
           </p:cNvPicPr>
-          <p:nvPr>
-            <p:ph sz="half" idx="2"/>
-          </p:nvPr>
+          <p:nvPr/>
         </p:nvPicPr>
         <p:blipFill>
           <a:blip r:embed="rId1"/>
@@ -10928,8 +11326,34 @@
         </p:blipFill>
         <p:spPr>
           <a:xfrm>
-            <a:off x="5880735" y="2103755"/>
-            <a:ext cx="5383530" cy="3794760"/>
+            <a:off x="5422265" y="4857115"/>
+            <a:ext cx="407035" cy="1891665"/>
+          </a:xfrm>
+          <a:prstGeom prst="rect">
+            <a:avLst/>
+          </a:prstGeom>
+        </p:spPr>
+      </p:pic>
+      <p:pic>
+        <p:nvPicPr>
+          <p:cNvPr id="13" name="Content Placeholder 12"/>
+          <p:cNvPicPr>
+            <a:picLocks noChangeAspect="1"/>
+          </p:cNvPicPr>
+          <p:nvPr>
+            <p:ph sz="half" idx="2"/>
+          </p:nvPr>
+        </p:nvPicPr>
+        <p:blipFill>
+          <a:blip r:embed="rId2"/>
+          <a:stretch>
+            <a:fillRect/>
+          </a:stretch>
+        </p:blipFill>
+        <p:spPr>
+          <a:xfrm>
+            <a:off x="6216650" y="1965325"/>
+            <a:ext cx="4710430" cy="4071620"/>
           </a:xfrm>
           <a:prstGeom prst="rect">
             <a:avLst/>
@@ -10969,10 +11393,32 @@
           <a:bodyPr/>
           <a:p>
             <a:r>
-              <a:rPr lang="zh-CN"/>
-              <a:t>迭代器模式</a:t>
-            </a:r>
-            <a:endParaRPr lang="zh-CN"/>
+              <a:rPr lang="en-US">
+                <a:sym typeface="+mn-ea"/>
+              </a:rPr>
+              <a:t>vector </a:t>
+            </a:r>
+            <a:r>
+              <a:rPr lang="zh-CN" altLang="en-US">
+                <a:sym typeface="+mn-ea"/>
+              </a:rPr>
+              <a:t>容器：</a:t>
+            </a:r>
+            <a:r>
+              <a:rPr lang="en-US" altLang="zh-CN">
+                <a:sym typeface="+mn-ea"/>
+              </a:rPr>
+              <a:t>data() </a:t>
+            </a:r>
+            <a:r>
+              <a:rPr lang="zh-CN" altLang="en-US">
+                <a:sym typeface="+mn-ea"/>
+              </a:rPr>
+              <a:t>获取首地址指针</a:t>
+            </a:r>
+            <a:endParaRPr lang="zh-CN" altLang="en-US">
+              <a:sym typeface="+mn-ea"/>
+            </a:endParaRPr>
           </a:p>
         </p:txBody>
       </p:sp>
@@ -10986,37 +11432,30 @@
             <p:ph sz="half" idx="1"/>
           </p:nvPr>
         </p:nvSpPr>
-        <p:spPr/>
+        <p:spPr>
+          <a:xfrm>
+            <a:off x="535305" y="1825625"/>
+            <a:ext cx="5293995" cy="4351655"/>
+          </a:xfrm>
+        </p:spPr>
         <p:txBody>
           <a:bodyPr/>
           <a:p>
             <a:r>
-              <a:rPr lang="zh-CN" altLang="en-US"/>
-              <a:t>注意到</a:t>
-            </a:r>
-            <a:r>
               <a:rPr lang="en-US" altLang="zh-CN"/>
-              <a:t> vector </a:t>
-            </a:r>
-            <a:r>
-              <a:rPr lang="zh-CN" altLang="en-US"/>
-              <a:t>和</a:t>
-            </a:r>
-            <a:r>
-              <a:rPr lang="en-US" altLang="zh-CN"/>
-              <a:t> string </a:t>
-            </a:r>
-            <a:r>
-              <a:rPr lang="zh-CN" altLang="en-US"/>
-              <a:t>的底层都是连续的稠密数组，他们都有</a:t>
-            </a:r>
-            <a:r>
-              <a:rPr lang="en-US" altLang="zh-CN"/>
-              <a:t> data() </a:t>
-            </a:r>
-            <a:r>
-              <a:rPr lang="zh-CN" altLang="en-US"/>
-              <a:t>和</a:t>
+              <a:t>data() </a:t>
+            </a:r>
+            <a:r>
+              <a:rPr lang="zh-CN" altLang="en-US"/>
+              <a:t>返回的</a:t>
+            </a:r>
+            <a:r>
+              <a:rPr lang="zh-CN" altLang="en-US" b="1"/>
+              <a:t>首地址指针</a:t>
+            </a:r>
+            <a:r>
+              <a:rPr lang="zh-CN" altLang="en-US"/>
+              <a:t>，通常配合</a:t>
             </a:r>
             <a:r>
               <a:rPr lang="en-US" altLang="zh-CN"/>
@@ -11024,34 +11463,49 @@
             </a:r>
             <a:r>
               <a:rPr lang="zh-CN" altLang="en-US"/>
-              <a:t>函数。</a:t>
-            </a:r>
-            <a:endParaRPr lang="zh-CN" altLang="en-US"/>
-          </a:p>
-          <a:p>
-            <a:r>
-              <a:rPr lang="zh-CN" altLang="en-US"/>
-              <a:t>因此可改用</a:t>
-            </a:r>
-            <a:r>
-              <a:rPr lang="zh-CN" altLang="en-US" b="1"/>
-              <a:t>首地址指针</a:t>
-            </a:r>
-            <a:r>
-              <a:rPr lang="zh-CN" altLang="en-US"/>
-              <a:t>和</a:t>
+              <a:t>返回的</a:t>
             </a:r>
             <a:r>
               <a:rPr lang="zh-CN" altLang="en-US" b="1"/>
               <a:t>数组长度</a:t>
             </a:r>
             <a:r>
-              <a:rPr lang="zh-CN" altLang="en-US"/>
-              <a:t>做参数：</a:t>
+              <a:rPr lang="zh-CN" altLang="en-US">
+                <a:sym typeface="+mn-ea"/>
+              </a:rPr>
+              <a:t>一起使用（见上一课《</a:t>
+            </a:r>
+            <a:r>
+              <a:rPr lang="en-US" altLang="zh-CN">
+                <a:sym typeface="+mn-ea"/>
+              </a:rPr>
+              <a:t>C </a:t>
+            </a:r>
+            <a:r>
+              <a:rPr lang="zh-CN" altLang="en-US">
+                <a:sym typeface="+mn-ea"/>
+              </a:rPr>
+              <a:t>语言指针》中提到，连续的动态数组只需要知道首地址和数组长度即可完全确定）。</a:t>
             </a:r>
             <a:endParaRPr lang="zh-CN" altLang="en-US"/>
           </a:p>
           <a:p>
+            <a:r>
+              <a:rPr lang="zh-CN" altLang="en-US"/>
+              <a:t>用他来获取一个</a:t>
+            </a:r>
+            <a:r>
+              <a:rPr lang="en-US" altLang="zh-CN"/>
+              <a:t> C </a:t>
+            </a:r>
+            <a:r>
+              <a:rPr lang="zh-CN" altLang="en-US"/>
+              <a:t>语言原始指针</a:t>
+            </a:r>
+            <a:r>
+              <a:rPr lang="en-US" altLang="zh-CN"/>
+              <a:t> </a:t>
+            </a:r>
             <a:r>
               <a:rPr lang="en-US" altLang="zh-CN">
                 <a:solidFill>
@@ -11060,72 +11514,67 @@
                   </a:schemeClr>
                 </a:solidFill>
               </a:rPr>
-              <a:t>print(char const *a, size_t n);</a:t>
+              <a:t>int *</a:t>
+            </a:r>
+            <a:r>
+              <a:rPr lang="zh-CN" altLang="en-US"/>
+              <a:t>，很方便用于调用</a:t>
+            </a:r>
+            <a:r>
+              <a:rPr lang="en-US" altLang="zh-CN"/>
+              <a:t> C </a:t>
+            </a:r>
+            <a:r>
+              <a:rPr lang="zh-CN" altLang="en-US"/>
+              <a:t>语言的函数和</a:t>
+            </a:r>
+            <a:r>
+              <a:rPr lang="en-US" altLang="zh-CN"/>
+              <a:t> API </a:t>
+            </a:r>
+            <a:r>
+              <a:rPr lang="zh-CN" altLang="en-US"/>
+              <a:t>等，同时还能享受到</a:t>
+            </a:r>
+            <a:r>
+              <a:rPr lang="en-US" altLang="zh-CN"/>
+              <a:t> vector </a:t>
+            </a:r>
+            <a:r>
+              <a:rPr lang="zh-CN" altLang="en-US"/>
+              <a:t>容器</a:t>
+            </a:r>
+            <a:r>
+              <a:rPr lang="en-US" altLang="zh-CN"/>
+              <a:t> RAII </a:t>
+            </a:r>
+            <a:r>
+              <a:rPr lang="zh-CN" altLang="en-US"/>
+              <a:t>的安全性。</a:t>
+            </a:r>
+            <a:endParaRPr lang="zh-CN" altLang="en-US"/>
+          </a:p>
+          <a:p>
+            <a:r>
+              <a:rPr lang="en-US" altLang="zh-CN">
+                <a:solidFill>
+                  <a:schemeClr val="bg1">
+                    <a:lumMod val="65000"/>
+                  </a:schemeClr>
+                </a:solidFill>
+              </a:rPr>
+              <a:t>~vector() noexcept;</a:t>
             </a:r>
             <a:endParaRPr lang="en-US" altLang="zh-CN">
               <a:solidFill>
-                <a:schemeClr val="accent5">
-                  <a:lumMod val="75000"/>
+                <a:schemeClr val="bg1">
+                  <a:lumMod val="65000"/>
                 </a:schemeClr>
               </a:solidFill>
             </a:endParaRPr>
           </a:p>
-          <a:p>
-            <a:r>
-              <a:rPr lang="zh-CN">
-                <a:sym typeface="+mn-ea"/>
-              </a:rPr>
-              <a:t>这样</a:t>
-            </a:r>
-            <a:r>
-              <a:rPr lang="en-US" altLang="zh-CN">
-                <a:sym typeface="+mn-ea"/>
-              </a:rPr>
-              <a:t> print </a:t>
-            </a:r>
-            <a:r>
-              <a:rPr lang="zh-CN" altLang="en-US">
-                <a:sym typeface="+mn-ea"/>
-              </a:rPr>
-              <a:t>在无需知道容器具体类型的情况下，只用最简单的接口（首地址指针）就完成了遍历和打印的操作。</a:t>
-            </a:r>
-            <a:endParaRPr lang="zh-CN" altLang="en-US">
-              <a:solidFill>
-                <a:schemeClr val="accent5">
-                  <a:lumMod val="75000"/>
-                </a:schemeClr>
-              </a:solidFill>
-              <a:sym typeface="+mn-ea"/>
-            </a:endParaRPr>
-          </a:p>
-        </p:txBody>
-      </p:sp>
-      <p:pic>
-        <p:nvPicPr>
-          <p:cNvPr id="5" name="Content Placeholder 4"/>
-          <p:cNvPicPr>
-            <a:picLocks noChangeAspect="1"/>
-          </p:cNvPicPr>
-          <p:nvPr>
-            <p:ph sz="half" idx="2"/>
-          </p:nvPr>
-        </p:nvPicPr>
-        <p:blipFill>
-          <a:blip r:embed="rId1"/>
-          <a:stretch>
-            <a:fillRect/>
-          </a:stretch>
-        </p:blipFill>
-        <p:spPr>
-          <a:xfrm>
-            <a:off x="5831205" y="2102485"/>
-            <a:ext cx="5482590" cy="3797300"/>
-          </a:xfrm>
-          <a:prstGeom prst="rect">
-            <a:avLst/>
-          </a:prstGeom>
-        </p:spPr>
-      </p:pic>
+        </p:txBody>
+      </p:sp>
       <p:pic>
         <p:nvPicPr>
           <p:cNvPr id="7" name="Picture 6"/>
@@ -11135,6 +11584,32 @@
           <p:nvPr/>
         </p:nvPicPr>
         <p:blipFill>
+          <a:blip r:embed="rId1"/>
+          <a:stretch>
+            <a:fillRect/>
+          </a:stretch>
+        </p:blipFill>
+        <p:spPr>
+          <a:xfrm>
+            <a:off x="5894705" y="5758815"/>
+            <a:ext cx="5268595" cy="976630"/>
+          </a:xfrm>
+          <a:prstGeom prst="rect">
+            <a:avLst/>
+          </a:prstGeom>
+        </p:spPr>
+      </p:pic>
+      <p:pic>
+        <p:nvPicPr>
+          <p:cNvPr id="8" name="Content Placeholder 7"/>
+          <p:cNvPicPr>
+            <a:picLocks noChangeAspect="1"/>
+          </p:cNvPicPr>
+          <p:nvPr>
+            <p:ph sz="half" idx="2"/>
+          </p:nvPr>
+        </p:nvPicPr>
+        <p:blipFill>
           <a:blip r:embed="rId2"/>
           <a:stretch>
             <a:fillRect/>
@@ -11142,8 +11617,8 @@
         </p:blipFill>
         <p:spPr>
           <a:xfrm>
-            <a:off x="274955" y="3615690"/>
-            <a:ext cx="266700" cy="2038350"/>
+            <a:off x="6021705" y="1278890"/>
+            <a:ext cx="5013960" cy="4300855"/>
           </a:xfrm>
           <a:prstGeom prst="rect">
             <a:avLst/>
@@ -11155,6 +11630,13 @@
   <p:clrMapOvr>
     <a:masterClrMapping/>
   </p:clrMapOvr>
+  <p:timing>
+    <p:tnLst>
+      <p:par>
+        <p:cTn id="1" dur="indefinite" restart="never" nodeType="tmRoot"/>
+      </p:par>
+    </p:tnLst>
+  </p:timing>
 </p:sld>
 </file>
 
@@ -11170,7 +11652,7 @@
       <p:grpSpPr/>
       <p:sp>
         <p:nvSpPr>
-          <p:cNvPr id="2" name="Title 1"/>
+          <p:cNvPr id="5" name="Title 4"/>
           <p:cNvSpPr>
             <a:spLocks noGrp="1"/>
           </p:cNvSpPr>
@@ -11183,21 +11665,33 @@
           <a:bodyPr/>
           <a:p>
             <a:r>
-              <a:rPr lang="zh-CN"/>
-              <a:t>迭代器模式</a:t>
-            </a:r>
-            <a:endParaRPr lang="zh-CN"/>
-          </a:p>
-        </p:txBody>
-      </p:sp>
-      <p:sp>
-        <p:nvSpPr>
-          <p:cNvPr id="3" name="Content Placeholder 2"/>
+              <a:rPr lang="en-US"/>
+              <a:t>vector </a:t>
+            </a:r>
+            <a:r>
+              <a:rPr lang="zh-CN" altLang="en-US"/>
+              <a:t>容器：</a:t>
+            </a:r>
+            <a:r>
+              <a:rPr lang="en-US" altLang="zh-CN"/>
+              <a:t>RAII </a:t>
+            </a:r>
+            <a:r>
+              <a:rPr lang="zh-CN" altLang="en-US"/>
+              <a:t>避免内存泄露</a:t>
+            </a:r>
+            <a:endParaRPr lang="zh-CN" altLang="en-US"/>
+          </a:p>
+        </p:txBody>
+      </p:sp>
+      <p:sp>
+        <p:nvSpPr>
+          <p:cNvPr id="6" name="Content Placeholder 5"/>
           <p:cNvSpPr>
             <a:spLocks noGrp="1"/>
           </p:cNvSpPr>
           <p:nvPr>
-            <p:ph sz="half" idx="1"/>
+            <p:ph idx="1"/>
           </p:nvPr>
         </p:nvSpPr>
         <p:spPr/>
@@ -11205,102 +11699,51 @@
           <a:bodyPr/>
           <a:p>
             <a:r>
-              <a:rPr lang="zh-CN"/>
-              <a:t>使用</a:t>
-            </a:r>
-            <a:r>
-              <a:rPr lang="zh-CN" b="1"/>
-              <a:t>指针</a:t>
-            </a:r>
-            <a:r>
-              <a:rPr lang="zh-CN"/>
-              <a:t>和</a:t>
-            </a:r>
-            <a:r>
-              <a:rPr lang="zh-CN" b="1"/>
-              <a:t>长度</a:t>
-            </a:r>
-            <a:r>
-              <a:rPr lang="zh-CN"/>
-              <a:t>做接口的好处是，可以通过给指针加减运算，选择其中一部分连续的元素来打印，而不一定全部打印出来。</a:t>
-            </a:r>
-            <a:endParaRPr lang="zh-CN"/>
-          </a:p>
-          <a:p>
-            <a:r>
-              <a:rPr lang="zh-CN">
-                <a:sym typeface="+mn-ea"/>
-              </a:rPr>
-              <a:t>比如这里我们选择打印</a:t>
-            </a:r>
-            <a:r>
-              <a:rPr lang="zh-CN" b="1">
-                <a:sym typeface="+mn-ea"/>
-              </a:rPr>
-              <a:t>前三个元素</a:t>
-            </a:r>
-            <a:r>
-              <a:rPr lang="zh-CN">
-                <a:sym typeface="+mn-ea"/>
-              </a:rPr>
-              <a:t>（去掉了最后一个元素，但不必用</a:t>
-            </a:r>
-            <a:r>
-              <a:rPr lang="en-US" altLang="zh-CN">
-                <a:sym typeface="+mn-ea"/>
-              </a:rPr>
-              <a:t> pop_back </a:t>
-            </a:r>
-            <a:r>
-              <a:rPr lang="zh-CN" altLang="en-US">
-                <a:sym typeface="+mn-ea"/>
-              </a:rPr>
-              <a:t>修改数组，只要传参数的时候修改一下</a:t>
-            </a:r>
-            <a:r>
-              <a:rPr lang="zh-CN" altLang="en-US" b="1">
-                <a:sym typeface="+mn-ea"/>
-              </a:rPr>
-              <a:t>长度</a:t>
-            </a:r>
-            <a:r>
-              <a:rPr lang="en-US" altLang="zh-CN">
-                <a:sym typeface="+mn-ea"/>
-              </a:rPr>
-              <a:t> </a:t>
-            </a:r>
-            <a:r>
-              <a:rPr lang="zh-CN" altLang="en-US">
-                <a:sym typeface="+mn-ea"/>
-              </a:rPr>
-              <a:t>部分即可</a:t>
-            </a:r>
-            <a:r>
-              <a:rPr lang="zh-CN">
-                <a:sym typeface="+mn-ea"/>
-              </a:rPr>
-              <a:t>）。</a:t>
-            </a:r>
-            <a:endParaRPr lang="zh-CN">
-              <a:solidFill>
-                <a:schemeClr val="accent5">
-                  <a:lumMod val="75000"/>
-                </a:schemeClr>
-              </a:solidFill>
-              <a:sym typeface="+mn-ea"/>
-            </a:endParaRPr>
+              <a:rPr lang="zh-CN" altLang="en-US"/>
+              <a:t>如果用</a:t>
+            </a:r>
+            <a:r>
+              <a:rPr lang="en-US" altLang="zh-CN"/>
+              <a:t> new/delete </a:t>
+            </a:r>
+            <a:r>
+              <a:rPr lang="zh-CN" altLang="en-US"/>
+              <a:t>或者</a:t>
+            </a:r>
+            <a:r>
+              <a:rPr lang="en-US" altLang="zh-CN"/>
+              <a:t> malloc/free </a:t>
+            </a:r>
+            <a:r>
+              <a:rPr lang="zh-CN" altLang="en-US"/>
+              <a:t>就很容易出现忘记释放内存的情况，造成内存泄露。</a:t>
+            </a:r>
+            <a:endParaRPr lang="zh-CN" altLang="en-US"/>
+          </a:p>
+          <a:p>
+            <a:r>
+              <a:rPr lang="zh-CN" altLang="en-US"/>
+              <a:t>而</a:t>
+            </a:r>
+            <a:r>
+              <a:rPr lang="en-US" altLang="zh-CN"/>
+              <a:t> vector </a:t>
+            </a:r>
+            <a:r>
+              <a:rPr lang="zh-CN" altLang="en-US"/>
+              <a:t>会在离开作用域时，自动调用解构函数，释放内存，就不必手动释放了，更安全。</a:t>
+            </a:r>
+            <a:endParaRPr lang="zh-CN" altLang="en-US"/>
           </a:p>
         </p:txBody>
       </p:sp>
       <p:pic>
         <p:nvPicPr>
-          <p:cNvPr id="9" name="Content Placeholder 8"/>
+          <p:cNvPr id="7" name="Picture 6"/>
           <p:cNvPicPr>
             <a:picLocks noChangeAspect="1"/>
           </p:cNvPicPr>
-          <p:nvPr>
-            <p:ph sz="half" idx="2"/>
-          </p:nvPr>
+          <p:nvPr/>
         </p:nvPicPr>
         <p:blipFill>
           <a:blip r:embed="rId1"/>
@@ -11310,8 +11753,8 @@
         </p:blipFill>
         <p:spPr>
           <a:xfrm>
-            <a:off x="6005195" y="2470785"/>
-            <a:ext cx="5134610" cy="3061335"/>
+            <a:off x="147320" y="2727960"/>
+            <a:ext cx="11897995" cy="1606550"/>
           </a:xfrm>
           <a:prstGeom prst="rect">
             <a:avLst/>
@@ -11320,7 +11763,7 @@
       </p:pic>
       <p:pic>
         <p:nvPicPr>
-          <p:cNvPr id="10" name="Picture 9"/>
+          <p:cNvPr id="8" name="Picture 7"/>
           <p:cNvPicPr>
             <a:picLocks noChangeAspect="1"/>
           </p:cNvPicPr>
@@ -11334,50 +11777,69 @@
         </p:blipFill>
         <p:spPr>
           <a:xfrm>
-            <a:off x="198120" y="3438525"/>
-            <a:ext cx="370840" cy="1126490"/>
+            <a:off x="189865" y="4714875"/>
+            <a:ext cx="11812270" cy="1901825"/>
           </a:xfrm>
           <a:prstGeom prst="rect">
             <a:avLst/>
           </a:prstGeom>
         </p:spPr>
       </p:pic>
-      <p:cxnSp>
-        <p:nvCxnSpPr>
-          <p:cNvPr id="11" name="Straight Connector 10"/>
-          <p:cNvCxnSpPr/>
+      <p:sp>
+        <p:nvSpPr>
+          <p:cNvPr id="9" name="Text Box 8"/>
+          <p:cNvSpPr txBox="1"/>
           <p:nvPr/>
-        </p:nvCxnSpPr>
-        <p:spPr>
-          <a:xfrm>
-            <a:off x="8491855" y="4961255"/>
-            <a:ext cx="1440815" cy="0"/>
-          </a:xfrm>
-          <a:prstGeom prst="line">
+        </p:nvSpPr>
+        <p:spPr>
+          <a:xfrm>
+            <a:off x="2669540" y="0"/>
+            <a:ext cx="7405370" cy="368300"/>
+          </a:xfrm>
+          <a:prstGeom prst="rect">
             <a:avLst/>
           </a:prstGeom>
-          <a:ln w="25400"/>
-        </p:spPr>
-        <p:style>
-          <a:lnRef idx="1">
-            <a:schemeClr val="accent1"/>
-          </a:lnRef>
-          <a:fillRef idx="0">
-            <a:schemeClr val="accent1"/>
-          </a:fillRef>
-          <a:effectRef idx="0">
-            <a:schemeClr val="accent1"/>
-          </a:effectRef>
-          <a:fontRef idx="minor">
-            <a:schemeClr val="tx1"/>
-          </a:fontRef>
-        </p:style>
-      </p:cxnSp>
+          <a:noFill/>
+        </p:spPr>
+        <p:txBody>
+          <a:bodyPr wrap="square" rtlCol="0" anchor="t">
+            <a:spAutoFit/>
+          </a:bodyPr>
+          <a:p>
+            <a:r>
+              <a:rPr lang="en-US">
+                <a:solidFill>
+                  <a:schemeClr val="tx1">
+                    <a:lumMod val="50000"/>
+                    <a:lumOff val="50000"/>
+                  </a:schemeClr>
+                </a:solidFill>
+              </a:rPr>
+              <a:t>https://github.com/zenustech/zeno/blob/master/zenovis/src/Scene.cpp</a:t>
+            </a:r>
+            <a:endParaRPr lang="en-US">
+              <a:solidFill>
+                <a:schemeClr val="tx1">
+                  <a:lumMod val="50000"/>
+                  <a:lumOff val="50000"/>
+                </a:schemeClr>
+              </a:solidFill>
+            </a:endParaRPr>
+          </a:p>
+        </p:txBody>
+      </p:sp>
     </p:spTree>
   </p:cSld>
   <p:clrMapOvr>
     <a:masterClrMapping/>
   </p:clrMapOvr>
+  <p:timing>
+    <p:tnLst>
+      <p:par>
+        <p:cTn id="1" dur="indefinite" restart="never" nodeType="tmRoot"/>
+      </p:par>
+    </p:tnLst>
+  </p:timing>
 </p:sld>
 </file>
 
@@ -11541,6 +12003,3332 @@
         <p:nvPr/>
       </p:nvGrpSpPr>
       <p:grpSpPr/>
+      <p:sp>
+        <p:nvSpPr>
+          <p:cNvPr id="2" name="Title 1"/>
+          <p:cNvSpPr>
+            <a:spLocks noGrp="1"/>
+          </p:cNvSpPr>
+          <p:nvPr>
+            <p:ph type="title"/>
+          </p:nvPr>
+        </p:nvSpPr>
+        <p:spPr/>
+        <p:txBody>
+          <a:bodyPr/>
+          <a:p>
+            <a:r>
+              <a:rPr lang="en-US">
+                <a:sym typeface="+mn-ea"/>
+              </a:rPr>
+              <a:t>vector </a:t>
+            </a:r>
+            <a:r>
+              <a:rPr lang="zh-CN" altLang="en-US">
+                <a:sym typeface="+mn-ea"/>
+              </a:rPr>
+              <a:t>容器：生命周期由主对象管理</a:t>
+            </a:r>
+            <a:endParaRPr lang="zh-CN" altLang="en-US">
+              <a:sym typeface="+mn-ea"/>
+            </a:endParaRPr>
+          </a:p>
+        </p:txBody>
+      </p:sp>
+      <p:sp>
+        <p:nvSpPr>
+          <p:cNvPr id="4" name="Content Placeholder 3"/>
+          <p:cNvSpPr>
+            <a:spLocks noGrp="1"/>
+          </p:cNvSpPr>
+          <p:nvPr>
+            <p:ph sz="half" idx="1"/>
+          </p:nvPr>
+        </p:nvSpPr>
+        <p:spPr>
+          <a:xfrm>
+            <a:off x="647700" y="1478280"/>
+            <a:ext cx="5181600" cy="5046980"/>
+          </a:xfrm>
+        </p:spPr>
+        <p:txBody>
+          <a:bodyPr>
+            <a:normAutofit lnSpcReduction="20000"/>
+          </a:bodyPr>
+          <a:p>
+            <a:r>
+              <a:rPr lang="en-US"/>
+              <a:t>C++ </a:t>
+            </a:r>
+            <a:r>
+              <a:rPr lang="zh-CN" altLang="en-US"/>
+              <a:t>中哪个运算符是最强的？我觉得是</a:t>
+            </a:r>
+            <a:r>
+              <a:rPr lang="en-US" altLang="zh-CN"/>
+              <a:t> </a:t>
+            </a:r>
+            <a:r>
+              <a:rPr lang="en-US" altLang="zh-CN" b="1"/>
+              <a:t>}</a:t>
+            </a:r>
+            <a:endParaRPr lang="en-US" altLang="zh-CN" b="1"/>
+          </a:p>
+          <a:p>
+            <a:r>
+              <a:rPr lang="zh-CN" altLang="en-US">
+                <a:sym typeface="+mn-ea"/>
+              </a:rPr>
+              <a:t>因为</a:t>
+            </a:r>
+            <a:r>
+              <a:rPr lang="en-US" altLang="zh-CN">
+                <a:sym typeface="+mn-ea"/>
+              </a:rPr>
+              <a:t> } </a:t>
+            </a:r>
+            <a:r>
+              <a:rPr lang="zh-CN" altLang="en-US">
+                <a:sym typeface="+mn-ea"/>
+              </a:rPr>
+              <a:t>标志着一个语句块的结束，在这里，他会调用所有身处其中的对象的解构函数。比如这里的</a:t>
+            </a:r>
+            <a:r>
+              <a:rPr lang="en-US" altLang="zh-CN">
+                <a:sym typeface="+mn-ea"/>
+              </a:rPr>
+              <a:t> vector</a:t>
+            </a:r>
+            <a:r>
+              <a:rPr lang="zh-CN" altLang="en-US">
+                <a:sym typeface="+mn-ea"/>
+              </a:rPr>
+              <a:t>，他的解构函数会释放动态数组的内存（</a:t>
+            </a:r>
+            <a:r>
+              <a:rPr lang="zh-CN" altLang="en-US">
+                <a:sym typeface="+mn-ea"/>
+              </a:rPr>
+              <a:t>即</a:t>
+            </a:r>
+            <a:r>
+              <a:rPr lang="zh-CN" altLang="en-US">
+                <a:sym typeface="+mn-ea"/>
+              </a:rPr>
+              <a:t>自动</a:t>
+            </a:r>
+            <a:r>
+              <a:rPr lang="en-US" altLang="zh-CN">
+                <a:sym typeface="+mn-ea"/>
+              </a:rPr>
+              <a:t> delete</a:t>
+            </a:r>
+            <a:r>
+              <a:rPr lang="zh-CN" altLang="en-US">
+                <a:sym typeface="+mn-ea"/>
+              </a:rPr>
+              <a:t>）。</a:t>
+            </a:r>
+            <a:endParaRPr lang="en-US"/>
+          </a:p>
+          <a:p>
+            <a:r>
+              <a:rPr lang="en-US"/>
+              <a:t>vector </a:t>
+            </a:r>
+            <a:r>
+              <a:rPr lang="zh-CN" altLang="en-US"/>
+              <a:t>会在退出作用域时释放内存，这时候所有指向其中元素的指针，包括</a:t>
+            </a:r>
+            <a:r>
+              <a:rPr lang="en-US" altLang="zh-CN"/>
+              <a:t> data() </a:t>
+            </a:r>
+            <a:r>
+              <a:rPr lang="zh-CN" altLang="en-US"/>
+              <a:t>都会失效。因此如果你是在语句块内获取的</a:t>
+            </a:r>
+            <a:r>
+              <a:rPr lang="en-US" altLang="zh-CN"/>
+              <a:t> data() </a:t>
+            </a:r>
+            <a:r>
+              <a:rPr lang="zh-CN" altLang="en-US"/>
+              <a:t>指针，语句块外就无法访问了。</a:t>
+            </a:r>
+            <a:endParaRPr lang="zh-CN" altLang="en-US"/>
+          </a:p>
+          <a:p>
+            <a:r>
+              <a:rPr lang="zh-CN" altLang="en-US"/>
+              <a:t>可见</a:t>
+            </a:r>
+            <a:r>
+              <a:rPr lang="en-US" altLang="zh-CN"/>
+              <a:t> data() </a:t>
+            </a:r>
+            <a:r>
+              <a:rPr lang="zh-CN" altLang="en-US"/>
+              <a:t>指针是对</a:t>
+            </a:r>
+            <a:r>
+              <a:rPr lang="en-US" altLang="zh-CN"/>
+              <a:t> vector </a:t>
+            </a:r>
+            <a:r>
+              <a:rPr lang="zh-CN" altLang="en-US"/>
+              <a:t>的一种引用，实际对象生命周期仍由</a:t>
+            </a:r>
+            <a:r>
+              <a:rPr lang="en-US" altLang="zh-CN"/>
+              <a:t> vector </a:t>
+            </a:r>
+            <a:r>
+              <a:rPr lang="zh-CN" altLang="en-US"/>
+              <a:t>类本身管理。</a:t>
+            </a:r>
+            <a:endParaRPr lang="zh-CN" altLang="en-US"/>
+          </a:p>
+        </p:txBody>
+      </p:sp>
+      <p:pic>
+        <p:nvPicPr>
+          <p:cNvPr id="6" name="Content Placeholder 5"/>
+          <p:cNvPicPr>
+            <a:picLocks noChangeAspect="1"/>
+          </p:cNvPicPr>
+          <p:nvPr>
+            <p:ph sz="half" idx="2"/>
+          </p:nvPr>
+        </p:nvPicPr>
+        <p:blipFill>
+          <a:blip r:embed="rId1"/>
+          <a:stretch>
+            <a:fillRect/>
+          </a:stretch>
+        </p:blipFill>
+        <p:spPr>
+          <a:xfrm>
+            <a:off x="6057265" y="1738630"/>
+            <a:ext cx="5029200" cy="3237865"/>
+          </a:xfrm>
+          <a:prstGeom prst="rect">
+            <a:avLst/>
+          </a:prstGeom>
+        </p:spPr>
+      </p:pic>
+      <p:pic>
+        <p:nvPicPr>
+          <p:cNvPr id="7" name="Picture 6"/>
+          <p:cNvPicPr>
+            <a:picLocks noChangeAspect="1"/>
+          </p:cNvPicPr>
+          <p:nvPr/>
+        </p:nvPicPr>
+        <p:blipFill>
+          <a:blip r:embed="rId2"/>
+          <a:stretch>
+            <a:fillRect/>
+          </a:stretch>
+        </p:blipFill>
+        <p:spPr>
+          <a:xfrm>
+            <a:off x="6099175" y="5491480"/>
+            <a:ext cx="4946015" cy="1366520"/>
+          </a:xfrm>
+          <a:prstGeom prst="rect">
+            <a:avLst/>
+          </a:prstGeom>
+        </p:spPr>
+      </p:pic>
+    </p:spTree>
+  </p:cSld>
+  <p:clrMapOvr>
+    <a:masterClrMapping/>
+  </p:clrMapOvr>
+</p:sld>
+</file>
+
+<file path=ppt/slides/slide41.xml><?xml version="1.0" encoding="utf-8"?>
+<p:sld xmlns:a="http://schemas.openxmlformats.org/drawingml/2006/main" xmlns:r="http://schemas.openxmlformats.org/officeDocument/2006/relationships" xmlns:p="http://schemas.openxmlformats.org/presentationml/2006/main">
+  <p:cSld>
+    <p:spTree>
+      <p:nvGrpSpPr>
+        <p:cNvPr id="1" name=""/>
+        <p:cNvGrpSpPr/>
+        <p:nvPr/>
+      </p:nvGrpSpPr>
+      <p:grpSpPr/>
+      <p:sp>
+        <p:nvSpPr>
+          <p:cNvPr id="2" name="Title 1"/>
+          <p:cNvSpPr>
+            <a:spLocks noGrp="1"/>
+          </p:cNvSpPr>
+          <p:nvPr>
+            <p:ph type="title"/>
+          </p:nvPr>
+        </p:nvSpPr>
+        <p:spPr/>
+        <p:txBody>
+          <a:bodyPr/>
+          <a:p>
+            <a:r>
+              <a:rPr lang="en-US">
+                <a:sym typeface="+mn-ea"/>
+              </a:rPr>
+              <a:t>vector </a:t>
+            </a:r>
+            <a:r>
+              <a:rPr lang="zh-CN" altLang="en-US">
+                <a:sym typeface="+mn-ea"/>
+              </a:rPr>
+              <a:t>容器：延续生命周期</a:t>
+            </a:r>
+            <a:endParaRPr lang="en-US" altLang="zh-CN">
+              <a:sym typeface="+mn-ea"/>
+            </a:endParaRPr>
+          </a:p>
+        </p:txBody>
+      </p:sp>
+      <p:sp>
+        <p:nvSpPr>
+          <p:cNvPr id="3" name="Content Placeholder 2"/>
+          <p:cNvSpPr>
+            <a:spLocks noGrp="1"/>
+          </p:cNvSpPr>
+          <p:nvPr>
+            <p:ph sz="half" idx="1"/>
+          </p:nvPr>
+        </p:nvSpPr>
+        <p:spPr/>
+        <p:txBody>
+          <a:bodyPr>
+            <a:normAutofit lnSpcReduction="10000"/>
+          </a:bodyPr>
+          <a:p>
+            <a:r>
+              <a:rPr lang="zh-CN" altLang="en-US"/>
+              <a:t>如果需要在一个语句块外仍然保持</a:t>
+            </a:r>
+            <a:r>
+              <a:rPr lang="en-US" altLang="zh-CN"/>
+              <a:t> data() </a:t>
+            </a:r>
+            <a:r>
+              <a:rPr lang="zh-CN" altLang="en-US"/>
+              <a:t>对数组的弱引用有效，可以把语句块内的</a:t>
+            </a:r>
+            <a:r>
+              <a:rPr lang="en-US" altLang="zh-CN"/>
+              <a:t> vector </a:t>
+            </a:r>
+            <a:r>
+              <a:rPr lang="zh-CN" altLang="en-US"/>
+              <a:t>对象移动到外面的一个</a:t>
+            </a:r>
+            <a:r>
+              <a:rPr lang="en-US" altLang="zh-CN"/>
+              <a:t> vector </a:t>
+            </a:r>
+            <a:r>
+              <a:rPr lang="zh-CN" altLang="en-US"/>
+              <a:t>对象上。</a:t>
+            </a:r>
+            <a:r>
+              <a:rPr lang="en-US" altLang="zh-CN"/>
+              <a:t>vector </a:t>
+            </a:r>
+            <a:r>
+              <a:rPr lang="zh-CN" altLang="en-US"/>
+              <a:t>在移动时指针不会失效，例如：</a:t>
+            </a:r>
+            <a:endParaRPr lang="zh-CN" altLang="en-US"/>
+          </a:p>
+          <a:p>
+            <a:r>
+              <a:rPr lang="en-US" altLang="zh-CN"/>
+              <a:t>a = move(b)</a:t>
+            </a:r>
+            <a:endParaRPr lang="en-US" altLang="zh-CN"/>
+          </a:p>
+          <a:p>
+            <a:r>
+              <a:rPr lang="zh-CN" altLang="en-US"/>
+              <a:t>则会把</a:t>
+            </a:r>
+            <a:r>
+              <a:rPr lang="en-US" altLang="zh-CN"/>
+              <a:t> b </a:t>
+            </a:r>
+            <a:r>
+              <a:rPr lang="zh-CN" altLang="en-US"/>
+              <a:t>变成空数组，</a:t>
+            </a:r>
+            <a:r>
+              <a:rPr lang="en-US" altLang="zh-CN"/>
+              <a:t>a </a:t>
+            </a:r>
+            <a:r>
+              <a:rPr lang="zh-CN" altLang="en-US"/>
+              <a:t>指向原来</a:t>
+            </a:r>
+            <a:r>
+              <a:rPr lang="en-US" altLang="zh-CN"/>
+              <a:t> b </a:t>
+            </a:r>
+            <a:r>
+              <a:rPr lang="zh-CN" altLang="en-US"/>
+              <a:t>所包含的元素数组，且地址不变。</a:t>
+            </a:r>
+            <a:endParaRPr lang="zh-CN" altLang="en-US"/>
+          </a:p>
+          <a:p>
+            <a:r>
+              <a:rPr lang="zh-CN" altLang="en-US"/>
+              <a:t>之后即使不直接使用外面的那个临时对象</a:t>
+            </a:r>
+            <a:r>
+              <a:rPr lang="en-US" altLang="zh-CN"/>
+              <a:t> a</a:t>
+            </a:r>
+            <a:r>
+              <a:rPr lang="zh-CN" altLang="en-US"/>
+              <a:t>，也可以继续通过</a:t>
+            </a:r>
+            <a:r>
+              <a:rPr lang="en-US" altLang="zh-CN"/>
+              <a:t> data() </a:t>
+            </a:r>
+            <a:r>
+              <a:rPr lang="zh-CN" altLang="en-US"/>
+              <a:t>指针来访问数据。</a:t>
+            </a:r>
+            <a:endParaRPr lang="zh-CN" altLang="en-US"/>
+          </a:p>
+        </p:txBody>
+      </p:sp>
+      <p:pic>
+        <p:nvPicPr>
+          <p:cNvPr id="5" name="Content Placeholder 4"/>
+          <p:cNvPicPr>
+            <a:picLocks noChangeAspect="1"/>
+          </p:cNvPicPr>
+          <p:nvPr>
+            <p:ph sz="half" idx="2"/>
+          </p:nvPr>
+        </p:nvPicPr>
+        <p:blipFill>
+          <a:blip r:embed="rId1"/>
+          <a:stretch>
+            <a:fillRect/>
+          </a:stretch>
+        </p:blipFill>
+        <p:spPr>
+          <a:xfrm>
+            <a:off x="5885180" y="1101725"/>
+            <a:ext cx="5374640" cy="4039870"/>
+          </a:xfrm>
+          <a:prstGeom prst="rect">
+            <a:avLst/>
+          </a:prstGeom>
+        </p:spPr>
+      </p:pic>
+      <p:pic>
+        <p:nvPicPr>
+          <p:cNvPr id="6" name="Picture 5"/>
+          <p:cNvPicPr>
+            <a:picLocks noChangeAspect="1"/>
+          </p:cNvPicPr>
+          <p:nvPr/>
+        </p:nvPicPr>
+        <p:blipFill>
+          <a:blip r:embed="rId2"/>
+          <a:stretch>
+            <a:fillRect/>
+          </a:stretch>
+        </p:blipFill>
+        <p:spPr>
+          <a:xfrm>
+            <a:off x="6152515" y="5513070"/>
+            <a:ext cx="4839335" cy="1344930"/>
+          </a:xfrm>
+          <a:prstGeom prst="rect">
+            <a:avLst/>
+          </a:prstGeom>
+        </p:spPr>
+      </p:pic>
+    </p:spTree>
+  </p:cSld>
+  <p:clrMapOvr>
+    <a:masterClrMapping/>
+  </p:clrMapOvr>
+</p:sld>
+</file>
+
+<file path=ppt/slides/slide42.xml><?xml version="1.0" encoding="utf-8"?>
+<p:sld xmlns:a="http://schemas.openxmlformats.org/drawingml/2006/main" xmlns:r="http://schemas.openxmlformats.org/officeDocument/2006/relationships" xmlns:p="http://schemas.openxmlformats.org/presentationml/2006/main">
+  <p:cSld>
+    <p:spTree>
+      <p:nvGrpSpPr>
+        <p:cNvPr id="1" name=""/>
+        <p:cNvGrpSpPr/>
+        <p:nvPr/>
+      </p:nvGrpSpPr>
+      <p:grpSpPr/>
+      <p:sp>
+        <p:nvSpPr>
+          <p:cNvPr id="2" name="Title 1"/>
+          <p:cNvSpPr>
+            <a:spLocks noGrp="1"/>
+          </p:cNvSpPr>
+          <p:nvPr>
+            <p:ph type="title"/>
+          </p:nvPr>
+        </p:nvSpPr>
+        <p:spPr/>
+        <p:txBody>
+          <a:bodyPr/>
+          <a:p>
+            <a:r>
+              <a:rPr lang="en-US">
+                <a:sym typeface="+mn-ea"/>
+              </a:rPr>
+              <a:t>vector </a:t>
+            </a:r>
+            <a:r>
+              <a:rPr lang="zh-CN" altLang="en-US">
+                <a:sym typeface="+mn-ea"/>
+              </a:rPr>
+              <a:t>容器：延续生命周期</a:t>
+            </a:r>
+            <a:endParaRPr lang="en-US" altLang="zh-CN">
+              <a:sym typeface="+mn-ea"/>
+            </a:endParaRPr>
+          </a:p>
+        </p:txBody>
+      </p:sp>
+      <p:sp>
+        <p:nvSpPr>
+          <p:cNvPr id="3" name="Content Placeholder 2"/>
+          <p:cNvSpPr>
+            <a:spLocks noGrp="1"/>
+          </p:cNvSpPr>
+          <p:nvPr>
+            <p:ph sz="half" idx="1"/>
+          </p:nvPr>
+        </p:nvSpPr>
+        <p:spPr/>
+        <p:txBody>
+          <a:bodyPr>
+            <a:normAutofit lnSpcReduction="20000"/>
+          </a:bodyPr>
+          <a:p>
+            <a:r>
+              <a:rPr lang="zh-CN"/>
+              <a:t>也可以移动到一个全局变量的</a:t>
+            </a:r>
+            <a:r>
+              <a:rPr lang="en-US" altLang="zh-CN"/>
+              <a:t> vector </a:t>
+            </a:r>
+            <a:r>
+              <a:rPr lang="zh-CN" altLang="en-US"/>
+              <a:t>对象。</a:t>
+            </a:r>
+            <a:endParaRPr lang="zh-CN" altLang="en-US"/>
+          </a:p>
+          <a:p>
+            <a:r>
+              <a:rPr lang="zh-CN" altLang="en-US"/>
+              <a:t>这样数组就会一直等到</a:t>
+            </a:r>
+            <a:r>
+              <a:rPr lang="en-US" altLang="zh-CN"/>
+              <a:t> main </a:t>
+            </a:r>
+            <a:r>
+              <a:rPr lang="zh-CN" altLang="en-US"/>
+              <a:t>退出了才释放。</a:t>
+            </a:r>
+            <a:endParaRPr lang="zh-CN" altLang="en-US"/>
+          </a:p>
+          <a:p>
+            <a:r>
+              <a:rPr lang="zh-CN" altLang="en-US"/>
+              <a:t>小彭老师曾经在</a:t>
+            </a:r>
+            <a:r>
+              <a:rPr lang="en-US" altLang="zh-CN"/>
+              <a:t> taichi </a:t>
+            </a:r>
+            <a:r>
+              <a:rPr lang="zh-CN" altLang="en-US"/>
+              <a:t>中就是用了一个全局变量伺候了</a:t>
+            </a:r>
+            <a:r>
+              <a:rPr lang="en-US" altLang="zh-CN"/>
+              <a:t> unique_ptr </a:t>
+            </a:r>
+            <a:r>
+              <a:rPr lang="zh-CN" altLang="en-US"/>
+              <a:t>脱离作用域会释放的麻烦，让</a:t>
+            </a:r>
+            <a:r>
+              <a:rPr lang="en-US" altLang="zh-CN"/>
+              <a:t> lambda </a:t>
+            </a:r>
+            <a:r>
+              <a:rPr lang="zh-CN" altLang="en-US"/>
+              <a:t>中仍可访问对象。</a:t>
+            </a:r>
+            <a:endParaRPr lang="zh-CN" altLang="en-US"/>
+          </a:p>
+          <a:p>
+            <a:r>
+              <a:rPr lang="zh-CN" altLang="en-US"/>
+              <a:t>至于那个全局变量本身有没有被使用则无所谓（我们是通过首地址指针间接访问）。他的存在只是为了延续生命周期，告知</a:t>
+            </a:r>
+            <a:r>
+              <a:rPr lang="en-US" altLang="zh-CN"/>
+              <a:t> C++ </a:t>
+            </a:r>
+            <a:r>
+              <a:rPr lang="zh-CN" altLang="en-US"/>
+              <a:t>编译器什么时候能</a:t>
+            </a:r>
+            <a:r>
+              <a:rPr lang="en-US" altLang="zh-CN"/>
+              <a:t> delete </a:t>
+            </a:r>
+            <a:r>
+              <a:rPr lang="zh-CN" altLang="en-US"/>
+              <a:t>而已。</a:t>
+            </a:r>
+            <a:endParaRPr lang="zh-CN" altLang="en-US"/>
+          </a:p>
+          <a:p>
+            <a:pPr marL="0" indent="0">
+              <a:buNone/>
+            </a:pPr>
+            <a:endParaRPr lang="zh-CN" altLang="en-US"/>
+          </a:p>
+        </p:txBody>
+      </p:sp>
+      <p:pic>
+        <p:nvPicPr>
+          <p:cNvPr id="6" name="Picture 5"/>
+          <p:cNvPicPr>
+            <a:picLocks noChangeAspect="1"/>
+          </p:cNvPicPr>
+          <p:nvPr/>
+        </p:nvPicPr>
+        <p:blipFill>
+          <a:blip r:embed="rId1"/>
+          <a:stretch>
+            <a:fillRect/>
+          </a:stretch>
+        </p:blipFill>
+        <p:spPr>
+          <a:xfrm>
+            <a:off x="6152515" y="5513070"/>
+            <a:ext cx="4839335" cy="1344930"/>
+          </a:xfrm>
+          <a:prstGeom prst="rect">
+            <a:avLst/>
+          </a:prstGeom>
+        </p:spPr>
+      </p:pic>
+      <p:pic>
+        <p:nvPicPr>
+          <p:cNvPr id="7" name="Content Placeholder 6"/>
+          <p:cNvPicPr>
+            <a:picLocks noChangeAspect="1"/>
+          </p:cNvPicPr>
+          <p:nvPr>
+            <p:ph sz="half" idx="2"/>
+          </p:nvPr>
+        </p:nvPicPr>
+        <p:blipFill>
+          <a:blip r:embed="rId2"/>
+          <a:stretch>
+            <a:fillRect/>
+          </a:stretch>
+        </p:blipFill>
+        <p:spPr>
+          <a:xfrm>
+            <a:off x="5949950" y="1217295"/>
+            <a:ext cx="5245100" cy="4096385"/>
+          </a:xfrm>
+          <a:prstGeom prst="rect">
+            <a:avLst/>
+          </a:prstGeom>
+        </p:spPr>
+      </p:pic>
+      <p:sp>
+        <p:nvSpPr>
+          <p:cNvPr id="8" name="Text Box 7"/>
+          <p:cNvSpPr txBox="1"/>
+          <p:nvPr/>
+        </p:nvSpPr>
+        <p:spPr>
+          <a:xfrm>
+            <a:off x="0" y="6212840"/>
+            <a:ext cx="4918710" cy="645160"/>
+          </a:xfrm>
+          <a:prstGeom prst="rect">
+            <a:avLst/>
+          </a:prstGeom>
+          <a:noFill/>
+        </p:spPr>
+        <p:txBody>
+          <a:bodyPr wrap="square" rtlCol="0" anchor="t">
+            <a:spAutoFit/>
+          </a:bodyPr>
+          <a:p>
+            <a:r>
+              <a:rPr lang="zh-CN" altLang="en-US">
+                <a:solidFill>
+                  <a:schemeClr val="tx1">
+                    <a:lumMod val="50000"/>
+                    <a:lumOff val="50000"/>
+                  </a:schemeClr>
+                </a:solidFill>
+                <a:sym typeface="+mn-ea"/>
+              </a:rPr>
+              <a:t>（注：</a:t>
+            </a:r>
+            <a:r>
+              <a:rPr lang="en-US" altLang="zh-CN">
+                <a:solidFill>
+                  <a:schemeClr val="tx1">
+                    <a:lumMod val="50000"/>
+                    <a:lumOff val="50000"/>
+                  </a:schemeClr>
+                </a:solidFill>
+                <a:sym typeface="+mn-ea"/>
+              </a:rPr>
+              <a:t>C++ </a:t>
+            </a:r>
+            <a:r>
+              <a:rPr lang="zh-CN" altLang="en-US">
+                <a:solidFill>
+                  <a:schemeClr val="tx1">
+                    <a:lumMod val="50000"/>
+                    <a:lumOff val="50000"/>
+                  </a:schemeClr>
+                </a:solidFill>
+                <a:sym typeface="+mn-ea"/>
+              </a:rPr>
+              <a:t>规定全局变量都会在进入</a:t>
+            </a:r>
+            <a:r>
+              <a:rPr lang="en-US" altLang="zh-CN">
+                <a:solidFill>
+                  <a:schemeClr val="tx1">
+                    <a:lumMod val="50000"/>
+                    <a:lumOff val="50000"/>
+                  </a:schemeClr>
+                </a:solidFill>
+                <a:sym typeface="+mn-ea"/>
+              </a:rPr>
+              <a:t> main </a:t>
+            </a:r>
+            <a:r>
+              <a:rPr lang="zh-CN" altLang="en-US">
+                <a:solidFill>
+                  <a:schemeClr val="tx1">
+                    <a:lumMod val="50000"/>
+                    <a:lumOff val="50000"/>
+                  </a:schemeClr>
+                </a:solidFill>
+                <a:sym typeface="+mn-ea"/>
+              </a:rPr>
+              <a:t>函数之前构造，</a:t>
+            </a:r>
+            <a:r>
+              <a:rPr lang="en-US" altLang="zh-CN">
+                <a:solidFill>
+                  <a:schemeClr val="tx1">
+                    <a:lumMod val="50000"/>
+                    <a:lumOff val="50000"/>
+                  </a:schemeClr>
+                </a:solidFill>
+                <a:sym typeface="+mn-ea"/>
+              </a:rPr>
+              <a:t>main </a:t>
+            </a:r>
+            <a:r>
+              <a:rPr lang="zh-CN" altLang="en-US">
+                <a:solidFill>
+                  <a:schemeClr val="tx1">
+                    <a:lumMod val="50000"/>
+                    <a:lumOff val="50000"/>
+                  </a:schemeClr>
+                </a:solidFill>
+                <a:sym typeface="+mn-ea"/>
+              </a:rPr>
+              <a:t>函数返回之后解构）</a:t>
+            </a:r>
+            <a:endParaRPr lang="zh-CN" altLang="en-US">
+              <a:solidFill>
+                <a:schemeClr val="tx1">
+                  <a:lumMod val="50000"/>
+                  <a:lumOff val="50000"/>
+                </a:schemeClr>
+              </a:solidFill>
+              <a:sym typeface="+mn-ea"/>
+            </a:endParaRPr>
+          </a:p>
+        </p:txBody>
+      </p:sp>
+    </p:spTree>
+  </p:cSld>
+  <p:clrMapOvr>
+    <a:masterClrMapping/>
+  </p:clrMapOvr>
+</p:sld>
+</file>
+
+<file path=ppt/slides/slide43.xml><?xml version="1.0" encoding="utf-8"?>
+<p:sld xmlns:a="http://schemas.openxmlformats.org/drawingml/2006/main" xmlns:r="http://schemas.openxmlformats.org/officeDocument/2006/relationships" xmlns:p="http://schemas.openxmlformats.org/presentationml/2006/main">
+  <p:cSld>
+    <p:spTree>
+      <p:nvGrpSpPr>
+        <p:cNvPr id="1" name=""/>
+        <p:cNvGrpSpPr/>
+        <p:nvPr/>
+      </p:nvGrpSpPr>
+      <p:grpSpPr/>
+      <p:sp>
+        <p:nvSpPr>
+          <p:cNvPr id="2" name="Title 1"/>
+          <p:cNvSpPr>
+            <a:spLocks noGrp="1"/>
+          </p:cNvSpPr>
+          <p:nvPr>
+            <p:ph type="title"/>
+          </p:nvPr>
+        </p:nvSpPr>
+        <p:spPr/>
+        <p:txBody>
+          <a:bodyPr/>
+          <a:p>
+            <a:r>
+              <a:rPr lang="en-US">
+                <a:sym typeface="+mn-ea"/>
+              </a:rPr>
+              <a:t>vector </a:t>
+            </a:r>
+            <a:r>
+              <a:rPr lang="zh-CN" altLang="en-US">
+                <a:sym typeface="+mn-ea"/>
+              </a:rPr>
+              <a:t>容器：</a:t>
+            </a:r>
+            <a:r>
+              <a:rPr lang="en-US" altLang="zh-CN">
+                <a:sym typeface="+mn-ea"/>
+              </a:rPr>
+              <a:t>resize </a:t>
+            </a:r>
+            <a:r>
+              <a:rPr lang="zh-CN" altLang="en-US">
+                <a:sym typeface="+mn-ea"/>
+              </a:rPr>
+              <a:t>到更大尺寸会导致</a:t>
+            </a:r>
+            <a:r>
+              <a:rPr lang="en-US" altLang="zh-CN">
+                <a:sym typeface="+mn-ea"/>
+              </a:rPr>
+              <a:t> data </a:t>
+            </a:r>
+            <a:r>
+              <a:rPr lang="zh-CN" altLang="en-US">
+                <a:sym typeface="+mn-ea"/>
+              </a:rPr>
+              <a:t>失效</a:t>
+            </a:r>
+            <a:endParaRPr lang="zh-CN" altLang="en-US">
+              <a:sym typeface="+mn-ea"/>
+            </a:endParaRPr>
+          </a:p>
+        </p:txBody>
+      </p:sp>
+      <p:sp>
+        <p:nvSpPr>
+          <p:cNvPr id="3" name="Content Placeholder 2"/>
+          <p:cNvSpPr>
+            <a:spLocks noGrp="1"/>
+          </p:cNvSpPr>
+          <p:nvPr>
+            <p:ph sz="half" idx="1"/>
+          </p:nvPr>
+        </p:nvSpPr>
+        <p:spPr/>
+        <p:txBody>
+          <a:bodyPr/>
+          <a:p>
+            <a:r>
+              <a:rPr lang="zh-CN" altLang="en-US"/>
+              <a:t>当</a:t>
+            </a:r>
+            <a:r>
+              <a:rPr lang="en-US" altLang="zh-CN"/>
+              <a:t> </a:t>
+            </a:r>
+            <a:r>
+              <a:rPr lang="en-US"/>
+              <a:t>resize </a:t>
+            </a:r>
+            <a:r>
+              <a:rPr lang="zh-CN" altLang="en-US"/>
+              <a:t>的目标长度</a:t>
+            </a:r>
+            <a:r>
+              <a:rPr lang="zh-CN" altLang="en-US" b="1"/>
+              <a:t>大于</a:t>
+            </a:r>
+            <a:r>
+              <a:rPr lang="zh-CN" altLang="en-US"/>
+              <a:t>原有的容量时，就需要</a:t>
+            </a:r>
+            <a:r>
+              <a:rPr lang="zh-CN" altLang="en-US" b="1"/>
+              <a:t>重新分配一段更大的连续内存</a:t>
+            </a:r>
+            <a:r>
+              <a:rPr lang="zh-CN" altLang="en-US"/>
+              <a:t>，并把</a:t>
+            </a:r>
+            <a:r>
+              <a:rPr lang="zh-CN" altLang="en-US" b="1"/>
+              <a:t>原数组长度的部分移动过去</a:t>
+            </a:r>
+            <a:r>
+              <a:rPr lang="zh-CN" altLang="en-US">
+                <a:sym typeface="+mn-ea"/>
+              </a:rPr>
+              <a:t>，多出来的部分则用</a:t>
+            </a:r>
+            <a:r>
+              <a:rPr lang="en-US" altLang="zh-CN">
+                <a:sym typeface="+mn-ea"/>
+              </a:rPr>
+              <a:t> 0 </a:t>
+            </a:r>
+            <a:r>
+              <a:rPr lang="zh-CN" altLang="en-US">
+                <a:sym typeface="+mn-ea"/>
+              </a:rPr>
+              <a:t>来填充</a:t>
+            </a:r>
+            <a:r>
+              <a:rPr lang="zh-CN" altLang="en-US"/>
+              <a:t>。这就导致元素的地址会有所改变，从而过去</a:t>
+            </a:r>
+            <a:r>
+              <a:rPr lang="en-US" altLang="zh-CN"/>
+              <a:t> data </a:t>
+            </a:r>
+            <a:r>
+              <a:rPr lang="zh-CN" altLang="en-US"/>
+              <a:t>返回的指针以及所有的迭代器对象，都会失效。</a:t>
+            </a:r>
+            <a:endParaRPr lang="zh-CN" altLang="en-US"/>
+          </a:p>
+        </p:txBody>
+      </p:sp>
+      <p:pic>
+        <p:nvPicPr>
+          <p:cNvPr id="6" name="Content Placeholder 5"/>
+          <p:cNvPicPr>
+            <a:picLocks noChangeAspect="1"/>
+          </p:cNvPicPr>
+          <p:nvPr>
+            <p:ph sz="half" idx="2"/>
+          </p:nvPr>
+        </p:nvPicPr>
+        <p:blipFill>
+          <a:blip r:embed="rId1"/>
+          <a:stretch>
+            <a:fillRect/>
+          </a:stretch>
+        </p:blipFill>
+        <p:spPr>
+          <a:xfrm>
+            <a:off x="6082030" y="1764030"/>
+            <a:ext cx="5492115" cy="3188970"/>
+          </a:xfrm>
+          <a:prstGeom prst="rect">
+            <a:avLst/>
+          </a:prstGeom>
+        </p:spPr>
+      </p:pic>
+      <p:pic>
+        <p:nvPicPr>
+          <p:cNvPr id="7" name="Picture 6"/>
+          <p:cNvPicPr>
+            <a:picLocks noChangeAspect="1"/>
+          </p:cNvPicPr>
+          <p:nvPr/>
+        </p:nvPicPr>
+        <p:blipFill>
+          <a:blip r:embed="rId2"/>
+          <a:stretch>
+            <a:fillRect/>
+          </a:stretch>
+        </p:blipFill>
+        <p:spPr>
+          <a:xfrm>
+            <a:off x="6221095" y="5255260"/>
+            <a:ext cx="5214620" cy="1602740"/>
+          </a:xfrm>
+          <a:prstGeom prst="rect">
+            <a:avLst/>
+          </a:prstGeom>
+        </p:spPr>
+      </p:pic>
+    </p:spTree>
+  </p:cSld>
+  <p:clrMapOvr>
+    <a:masterClrMapping/>
+  </p:clrMapOvr>
+</p:sld>
+</file>
+
+<file path=ppt/slides/slide44.xml><?xml version="1.0" encoding="utf-8"?>
+<p:sld xmlns:a="http://schemas.openxmlformats.org/drawingml/2006/main" xmlns:r="http://schemas.openxmlformats.org/officeDocument/2006/relationships" xmlns:p="http://schemas.openxmlformats.org/presentationml/2006/main">
+  <p:cSld>
+    <p:spTree>
+      <p:nvGrpSpPr>
+        <p:cNvPr id="1" name=""/>
+        <p:cNvGrpSpPr/>
+        <p:nvPr/>
+      </p:nvGrpSpPr>
+      <p:grpSpPr/>
+      <p:sp>
+        <p:nvSpPr>
+          <p:cNvPr id="2" name="Title 1"/>
+          <p:cNvSpPr>
+            <a:spLocks noGrp="1"/>
+          </p:cNvSpPr>
+          <p:nvPr>
+            <p:ph type="title"/>
+          </p:nvPr>
+        </p:nvSpPr>
+        <p:spPr/>
+        <p:txBody>
+          <a:bodyPr/>
+          <a:p>
+            <a:r>
+              <a:rPr lang="en-US">
+                <a:sym typeface="+mn-ea"/>
+              </a:rPr>
+              <a:t>vector </a:t>
+            </a:r>
+            <a:r>
+              <a:rPr lang="zh-CN" altLang="en-US">
+                <a:sym typeface="+mn-ea"/>
+              </a:rPr>
+              <a:t>容器：</a:t>
+            </a:r>
+            <a:r>
+              <a:rPr lang="en-US" altLang="zh-CN">
+                <a:sym typeface="+mn-ea"/>
+              </a:rPr>
+              <a:t>resize </a:t>
+            </a:r>
+            <a:r>
+              <a:rPr lang="zh-CN" altLang="en-US">
+                <a:sym typeface="+mn-ea"/>
+              </a:rPr>
+              <a:t>到更小尺寸不</a:t>
+            </a:r>
+            <a:r>
+              <a:rPr lang="zh-CN" altLang="en-US">
+                <a:sym typeface="+mn-ea"/>
+              </a:rPr>
+              <a:t>会导致</a:t>
+            </a:r>
+            <a:r>
+              <a:rPr lang="en-US" altLang="zh-CN">
+                <a:sym typeface="+mn-ea"/>
+              </a:rPr>
+              <a:t> data </a:t>
+            </a:r>
+            <a:r>
+              <a:rPr lang="zh-CN" altLang="en-US">
+                <a:sym typeface="+mn-ea"/>
+              </a:rPr>
+              <a:t>失效</a:t>
+            </a:r>
+            <a:endParaRPr lang="zh-CN" altLang="en-US">
+              <a:sym typeface="+mn-ea"/>
+            </a:endParaRPr>
+          </a:p>
+        </p:txBody>
+      </p:sp>
+      <p:sp>
+        <p:nvSpPr>
+          <p:cNvPr id="3" name="Content Placeholder 2"/>
+          <p:cNvSpPr>
+            <a:spLocks noGrp="1"/>
+          </p:cNvSpPr>
+          <p:nvPr>
+            <p:ph sz="half" idx="1"/>
+          </p:nvPr>
+        </p:nvSpPr>
+        <p:spPr/>
+        <p:txBody>
+          <a:bodyPr/>
+          <a:p>
+            <a:r>
+              <a:rPr lang="zh-CN" altLang="en-US"/>
+              <a:t>当</a:t>
+            </a:r>
+            <a:r>
+              <a:rPr lang="en-US" altLang="zh-CN"/>
+              <a:t> </a:t>
+            </a:r>
+            <a:r>
+              <a:rPr lang="en-US"/>
+              <a:t>resize </a:t>
+            </a:r>
+            <a:r>
+              <a:rPr lang="zh-CN" altLang="en-US"/>
+              <a:t>的目标长度</a:t>
+            </a:r>
+            <a:r>
+              <a:rPr lang="zh-CN" altLang="en-US" b="1"/>
+              <a:t>小于</a:t>
+            </a:r>
+            <a:r>
+              <a:rPr lang="zh-CN" altLang="en-US"/>
+              <a:t>原有的容量时，不需要重新分配一段连续的内存也不会造成元素的移动（这个设计是为了性能考虑）</a:t>
+            </a:r>
+            <a:r>
+              <a:rPr lang="zh-CN">
+                <a:sym typeface="+mn-ea"/>
+              </a:rPr>
+              <a:t>，所以指向元素的指针不会失效</a:t>
+            </a:r>
+            <a:r>
+              <a:rPr lang="zh-CN" altLang="en-US">
+                <a:sym typeface="+mn-ea"/>
+              </a:rPr>
+              <a:t>。</a:t>
+            </a:r>
+            <a:r>
+              <a:rPr lang="zh-CN"/>
+              <a:t>他只是会把数组的长度标记为新长度，后面</a:t>
+            </a:r>
+            <a:r>
+              <a:rPr lang="zh-CN" b="1"/>
+              <a:t>空闲出来那一段内存不会释放掉</a:t>
+            </a:r>
+            <a:r>
+              <a:rPr lang="zh-CN"/>
+              <a:t>，继续留在那里，直到</a:t>
+            </a:r>
+            <a:r>
+              <a:rPr lang="en-US" altLang="zh-CN"/>
+              <a:t> vector </a:t>
+            </a:r>
+            <a:r>
+              <a:rPr lang="zh-CN" altLang="en-US"/>
+              <a:t>对象被解构。</a:t>
+            </a:r>
+            <a:endParaRPr lang="zh-CN"/>
+          </a:p>
+          <a:p>
+            <a:endParaRPr lang="zh-CN"/>
+          </a:p>
+        </p:txBody>
+      </p:sp>
+      <p:pic>
+        <p:nvPicPr>
+          <p:cNvPr id="8" name="Content Placeholder 7"/>
+          <p:cNvPicPr>
+            <a:picLocks noChangeAspect="1"/>
+          </p:cNvPicPr>
+          <p:nvPr>
+            <p:ph sz="half" idx="2"/>
+          </p:nvPr>
+        </p:nvPicPr>
+        <p:blipFill>
+          <a:blip r:embed="rId1"/>
+          <a:stretch>
+            <a:fillRect/>
+          </a:stretch>
+        </p:blipFill>
+        <p:spPr>
+          <a:xfrm>
+            <a:off x="6055995" y="1989455"/>
+            <a:ext cx="5544820" cy="3139440"/>
+          </a:xfrm>
+          <a:prstGeom prst="rect">
+            <a:avLst/>
+          </a:prstGeom>
+        </p:spPr>
+      </p:pic>
+      <p:pic>
+        <p:nvPicPr>
+          <p:cNvPr id="9" name="Picture 8"/>
+          <p:cNvPicPr>
+            <a:picLocks noChangeAspect="1"/>
+          </p:cNvPicPr>
+          <p:nvPr/>
+        </p:nvPicPr>
+        <p:blipFill>
+          <a:blip r:embed="rId2"/>
+          <a:stretch>
+            <a:fillRect/>
+          </a:stretch>
+        </p:blipFill>
+        <p:spPr>
+          <a:xfrm>
+            <a:off x="6327140" y="5441950"/>
+            <a:ext cx="5002530" cy="1416050"/>
+          </a:xfrm>
+          <a:prstGeom prst="rect">
+            <a:avLst/>
+          </a:prstGeom>
+        </p:spPr>
+      </p:pic>
+    </p:spTree>
+  </p:cSld>
+  <p:clrMapOvr>
+    <a:masterClrMapping/>
+  </p:clrMapOvr>
+</p:sld>
+</file>
+
+<file path=ppt/slides/slide45.xml><?xml version="1.0" encoding="utf-8"?>
+<p:sld xmlns:a="http://schemas.openxmlformats.org/drawingml/2006/main" xmlns:r="http://schemas.openxmlformats.org/officeDocument/2006/relationships" xmlns:p="http://schemas.openxmlformats.org/presentationml/2006/main">
+  <p:cSld>
+    <p:spTree>
+      <p:nvGrpSpPr>
+        <p:cNvPr id="1" name=""/>
+        <p:cNvGrpSpPr/>
+        <p:nvPr/>
+      </p:nvGrpSpPr>
+      <p:grpSpPr/>
+      <p:sp>
+        <p:nvSpPr>
+          <p:cNvPr id="2" name="Title 1"/>
+          <p:cNvSpPr>
+            <a:spLocks noGrp="1"/>
+          </p:cNvSpPr>
+          <p:nvPr>
+            <p:ph type="title"/>
+          </p:nvPr>
+        </p:nvSpPr>
+        <p:spPr/>
+        <p:txBody>
+          <a:bodyPr/>
+          <a:p>
+            <a:r>
+              <a:rPr lang="en-US">
+                <a:sym typeface="+mn-ea"/>
+              </a:rPr>
+              <a:t>vector </a:t>
+            </a:r>
+            <a:r>
+              <a:rPr lang="zh-CN" altLang="en-US">
+                <a:sym typeface="+mn-ea"/>
+              </a:rPr>
+              <a:t>容器：重新</a:t>
+            </a:r>
+            <a:r>
+              <a:rPr lang="en-US" altLang="zh-CN">
+                <a:sym typeface="+mn-ea"/>
+              </a:rPr>
+              <a:t> resize </a:t>
+            </a:r>
+            <a:r>
+              <a:rPr lang="zh-CN" altLang="en-US">
+                <a:sym typeface="+mn-ea"/>
+              </a:rPr>
+              <a:t>到原来尺寸也不会导致</a:t>
+            </a:r>
+            <a:r>
+              <a:rPr lang="en-US" altLang="zh-CN">
+                <a:sym typeface="+mn-ea"/>
+              </a:rPr>
+              <a:t> data </a:t>
+            </a:r>
+            <a:r>
+              <a:rPr lang="zh-CN" altLang="en-US">
+                <a:sym typeface="+mn-ea"/>
+              </a:rPr>
+              <a:t>失效</a:t>
+            </a:r>
+            <a:endParaRPr lang="en-US"/>
+          </a:p>
+        </p:txBody>
+      </p:sp>
+      <p:sp>
+        <p:nvSpPr>
+          <p:cNvPr id="3" name="Content Placeholder 2"/>
+          <p:cNvSpPr>
+            <a:spLocks noGrp="1"/>
+          </p:cNvSpPr>
+          <p:nvPr>
+            <p:ph sz="half" idx="1"/>
+          </p:nvPr>
+        </p:nvSpPr>
+        <p:spPr/>
+        <p:txBody>
+          <a:bodyPr/>
+          <a:p>
+            <a:r>
+              <a:rPr lang="zh-CN" altLang="en-US"/>
+              <a:t>调用了</a:t>
+            </a:r>
+            <a:r>
+              <a:rPr lang="en-US" altLang="zh-CN"/>
+              <a:t> a.</a:t>
+            </a:r>
+            <a:r>
+              <a:rPr lang="en-US"/>
+              <a:t>resize(2) </a:t>
+            </a:r>
+            <a:r>
+              <a:rPr lang="zh-CN" altLang="en-US"/>
+              <a:t>之后，数组的</a:t>
+            </a:r>
+            <a:r>
+              <a:rPr lang="zh-CN" altLang="en-US" b="1"/>
+              <a:t>容量</a:t>
+            </a:r>
+            <a:r>
+              <a:rPr lang="zh-CN" altLang="en-US"/>
+              <a:t>仍然是</a:t>
+            </a:r>
+            <a:r>
+              <a:rPr lang="en-US" altLang="zh-CN"/>
+              <a:t> 5</a:t>
+            </a:r>
+            <a:r>
+              <a:rPr lang="zh-CN" altLang="en-US"/>
+              <a:t>，因此重新扩容到</a:t>
+            </a:r>
+            <a:r>
+              <a:rPr lang="en-US" altLang="zh-CN"/>
+              <a:t> 5 </a:t>
+            </a:r>
+            <a:r>
+              <a:rPr lang="zh-CN" altLang="en-US"/>
+              <a:t>是不需要重新分配内存的，也就不会移动元素导致指针失效。</a:t>
+            </a:r>
+            <a:endParaRPr lang="zh-CN" altLang="en-US"/>
+          </a:p>
+        </p:txBody>
+      </p:sp>
+      <p:pic>
+        <p:nvPicPr>
+          <p:cNvPr id="5" name="Content Placeholder 4"/>
+          <p:cNvPicPr>
+            <a:picLocks noChangeAspect="1"/>
+          </p:cNvPicPr>
+          <p:nvPr>
+            <p:ph sz="half" idx="2"/>
+          </p:nvPr>
+        </p:nvPicPr>
+        <p:blipFill>
+          <a:blip r:embed="rId1"/>
+          <a:stretch>
+            <a:fillRect/>
+          </a:stretch>
+        </p:blipFill>
+        <p:spPr>
+          <a:xfrm>
+            <a:off x="6229985" y="1825625"/>
+            <a:ext cx="4785360" cy="3319145"/>
+          </a:xfrm>
+          <a:prstGeom prst="rect">
+            <a:avLst/>
+          </a:prstGeom>
+        </p:spPr>
+      </p:pic>
+      <p:pic>
+        <p:nvPicPr>
+          <p:cNvPr id="6" name="Picture 5"/>
+          <p:cNvPicPr>
+            <a:picLocks noChangeAspect="1"/>
+          </p:cNvPicPr>
+          <p:nvPr/>
+        </p:nvPicPr>
+        <p:blipFill>
+          <a:blip r:embed="rId2"/>
+          <a:stretch>
+            <a:fillRect/>
+          </a:stretch>
+        </p:blipFill>
+        <p:spPr>
+          <a:xfrm>
+            <a:off x="6648450" y="5419725"/>
+            <a:ext cx="4086225" cy="1438275"/>
+          </a:xfrm>
+          <a:prstGeom prst="rect">
+            <a:avLst/>
+          </a:prstGeom>
+        </p:spPr>
+      </p:pic>
+    </p:spTree>
+  </p:cSld>
+  <p:clrMapOvr>
+    <a:masterClrMapping/>
+  </p:clrMapOvr>
+</p:sld>
+</file>
+
+<file path=ppt/slides/slide46.xml><?xml version="1.0" encoding="utf-8"?>
+<p:sld xmlns:a="http://schemas.openxmlformats.org/drawingml/2006/main" xmlns:r="http://schemas.openxmlformats.org/officeDocument/2006/relationships" xmlns:p="http://schemas.openxmlformats.org/presentationml/2006/main">
+  <p:cSld>
+    <p:spTree>
+      <p:nvGrpSpPr>
+        <p:cNvPr id="1" name=""/>
+        <p:cNvGrpSpPr/>
+        <p:nvPr/>
+      </p:nvGrpSpPr>
+      <p:grpSpPr/>
+      <p:sp>
+        <p:nvSpPr>
+          <p:cNvPr id="2" name="Title 1"/>
+          <p:cNvSpPr>
+            <a:spLocks noGrp="1"/>
+          </p:cNvSpPr>
+          <p:nvPr>
+            <p:ph type="title"/>
+          </p:nvPr>
+        </p:nvSpPr>
+        <p:spPr/>
+        <p:txBody>
+          <a:bodyPr/>
+          <a:p>
+            <a:r>
+              <a:rPr lang="en-US">
+                <a:sym typeface="+mn-ea"/>
+              </a:rPr>
+              <a:t>vector </a:t>
+            </a:r>
+            <a:r>
+              <a:rPr lang="zh-CN" altLang="en-US">
+                <a:sym typeface="+mn-ea"/>
+              </a:rPr>
+              <a:t>容器：</a:t>
+            </a:r>
+            <a:r>
+              <a:rPr lang="en-US" altLang="zh-CN">
+                <a:sym typeface="+mn-ea"/>
+              </a:rPr>
+              <a:t>capacity </a:t>
+            </a:r>
+            <a:r>
+              <a:rPr lang="zh-CN" altLang="en-US">
+                <a:sym typeface="+mn-ea"/>
+              </a:rPr>
+              <a:t>函数查询</a:t>
+            </a:r>
+            <a:r>
+              <a:rPr lang="zh-CN" altLang="en-US">
+                <a:sym typeface="+mn-ea"/>
+              </a:rPr>
+              <a:t>实际的最大容量</a:t>
+            </a:r>
+            <a:endParaRPr lang="en-US"/>
+          </a:p>
+        </p:txBody>
+      </p:sp>
+      <p:sp>
+        <p:nvSpPr>
+          <p:cNvPr id="3" name="Content Placeholder 2"/>
+          <p:cNvSpPr>
+            <a:spLocks noGrp="1"/>
+          </p:cNvSpPr>
+          <p:nvPr>
+            <p:ph sz="half" idx="1"/>
+          </p:nvPr>
+        </p:nvSpPr>
+        <p:spPr>
+          <a:xfrm>
+            <a:off x="454025" y="1492885"/>
+            <a:ext cx="7367905" cy="4351655"/>
+          </a:xfrm>
+        </p:spPr>
+        <p:txBody>
+          <a:bodyPr/>
+          <a:p>
+            <a:r>
+              <a:rPr lang="zh-CN" altLang="en-US"/>
+              <a:t>可以用</a:t>
+            </a:r>
+            <a:r>
+              <a:rPr lang="en-US" altLang="zh-CN"/>
+              <a:t> capacity() </a:t>
+            </a:r>
+            <a:r>
+              <a:rPr lang="zh-CN" altLang="en-US"/>
+              <a:t>函数查询已经分配内存的大小，即</a:t>
+            </a:r>
+            <a:r>
+              <a:rPr lang="zh-CN" altLang="en-US" b="1"/>
+              <a:t>最大容量</a:t>
+            </a:r>
+            <a:r>
+              <a:rPr lang="zh-CN" altLang="en-US"/>
+              <a:t>。</a:t>
+            </a:r>
+            <a:endParaRPr lang="zh-CN" altLang="en-US"/>
+          </a:p>
+          <a:p>
+            <a:r>
+              <a:rPr lang="zh-CN" altLang="en-US"/>
+              <a:t>而</a:t>
+            </a:r>
+            <a:r>
+              <a:rPr lang="en-US" altLang="zh-CN"/>
+              <a:t> size() </a:t>
+            </a:r>
+            <a:r>
+              <a:rPr lang="zh-CN" altLang="en-US"/>
+              <a:t>返回的其实是已经存储了数据的</a:t>
+            </a:r>
+            <a:r>
+              <a:rPr lang="zh-CN" altLang="en-US" b="1"/>
+              <a:t>数组长度</a:t>
+            </a:r>
+            <a:r>
+              <a:rPr lang="zh-CN" altLang="en-US"/>
+              <a:t>。</a:t>
+            </a:r>
+            <a:endParaRPr lang="zh-CN" altLang="en-US"/>
+          </a:p>
+          <a:p>
+            <a:r>
+              <a:rPr lang="zh-CN" altLang="en-US"/>
+              <a:t>可以发现当</a:t>
+            </a:r>
+            <a:r>
+              <a:rPr lang="en-US" altLang="zh-CN"/>
+              <a:t> resize </a:t>
+            </a:r>
+            <a:r>
+              <a:rPr lang="zh-CN" altLang="en-US"/>
+              <a:t>指定的新</a:t>
+            </a:r>
+            <a:r>
+              <a:rPr lang="zh-CN" altLang="en-US" b="1"/>
+              <a:t>长度</a:t>
+            </a:r>
+            <a:r>
+              <a:rPr lang="zh-CN" altLang="en-US"/>
+              <a:t>一个超过原来的最大</a:t>
+            </a:r>
+            <a:r>
+              <a:rPr lang="zh-CN" altLang="en-US" b="1"/>
+              <a:t>容量</a:t>
+            </a:r>
+            <a:r>
+              <a:rPr lang="zh-CN" altLang="en-US"/>
+              <a:t>时时，就会重新分配一段更大</a:t>
+            </a:r>
+            <a:r>
+              <a:rPr lang="zh-CN" altLang="en-US" b="1"/>
+              <a:t>容量</a:t>
+            </a:r>
+            <a:r>
+              <a:rPr lang="zh-CN" altLang="en-US"/>
+              <a:t>的内存来存储数组，只有这时才会移动元素的位置（</a:t>
+            </a:r>
+            <a:r>
+              <a:rPr lang="en-US" altLang="zh-CN"/>
+              <a:t>data </a:t>
+            </a:r>
+            <a:r>
+              <a:rPr lang="zh-CN" altLang="en-US"/>
+              <a:t>指针失效）。</a:t>
+            </a:r>
+            <a:endParaRPr lang="zh-CN" altLang="en-US"/>
+          </a:p>
+          <a:p>
+            <a:endParaRPr lang="zh-CN" altLang="en-US"/>
+          </a:p>
+          <a:p>
+            <a:r>
+              <a:rPr lang="en-US" altLang="zh-CN">
+                <a:solidFill>
+                  <a:schemeClr val="bg1">
+                    <a:lumMod val="65000"/>
+                  </a:schemeClr>
+                </a:solidFill>
+              </a:rPr>
+              <a:t>size_t capacity() const noexcept;</a:t>
+            </a:r>
+            <a:endParaRPr lang="en-US" altLang="zh-CN">
+              <a:solidFill>
+                <a:schemeClr val="bg1">
+                  <a:lumMod val="65000"/>
+                </a:schemeClr>
+              </a:solidFill>
+            </a:endParaRPr>
+          </a:p>
+        </p:txBody>
+      </p:sp>
+      <p:pic>
+        <p:nvPicPr>
+          <p:cNvPr id="5" name="Content Placeholder 4"/>
+          <p:cNvPicPr>
+            <a:picLocks noChangeAspect="1"/>
+          </p:cNvPicPr>
+          <p:nvPr>
+            <p:ph sz="half" idx="2"/>
+          </p:nvPr>
+        </p:nvPicPr>
+        <p:blipFill>
+          <a:blip r:embed="rId1"/>
+          <a:stretch>
+            <a:fillRect/>
+          </a:stretch>
+        </p:blipFill>
+        <p:spPr>
+          <a:xfrm>
+            <a:off x="4611370" y="4151630"/>
+            <a:ext cx="7580630" cy="2706370"/>
+          </a:xfrm>
+          <a:prstGeom prst="rect">
+            <a:avLst/>
+          </a:prstGeom>
+        </p:spPr>
+      </p:pic>
+      <p:pic>
+        <p:nvPicPr>
+          <p:cNvPr id="6" name="Picture 5"/>
+          <p:cNvPicPr>
+            <a:picLocks noChangeAspect="1"/>
+          </p:cNvPicPr>
+          <p:nvPr/>
+        </p:nvPicPr>
+        <p:blipFill>
+          <a:blip r:embed="rId2"/>
+          <a:stretch>
+            <a:fillRect/>
+          </a:stretch>
+        </p:blipFill>
+        <p:spPr>
+          <a:xfrm>
+            <a:off x="8542020" y="2269490"/>
+            <a:ext cx="2874010" cy="1358900"/>
+          </a:xfrm>
+          <a:prstGeom prst="rect">
+            <a:avLst/>
+          </a:prstGeom>
+        </p:spPr>
+      </p:pic>
+    </p:spTree>
+  </p:cSld>
+  <p:clrMapOvr>
+    <a:masterClrMapping/>
+  </p:clrMapOvr>
+</p:sld>
+</file>
+
+<file path=ppt/slides/slide47.xml><?xml version="1.0" encoding="utf-8"?>
+<p:sld xmlns:a="http://schemas.openxmlformats.org/drawingml/2006/main" xmlns:r="http://schemas.openxmlformats.org/officeDocument/2006/relationships" xmlns:p="http://schemas.openxmlformats.org/presentationml/2006/main">
+  <p:cSld>
+    <p:spTree>
+      <p:nvGrpSpPr>
+        <p:cNvPr id="1" name=""/>
+        <p:cNvGrpSpPr/>
+        <p:nvPr/>
+      </p:nvGrpSpPr>
+      <p:grpSpPr/>
+      <p:sp>
+        <p:nvSpPr>
+          <p:cNvPr id="2" name="Title 1"/>
+          <p:cNvSpPr>
+            <a:spLocks noGrp="1"/>
+          </p:cNvSpPr>
+          <p:nvPr>
+            <p:ph type="title"/>
+          </p:nvPr>
+        </p:nvSpPr>
+        <p:spPr/>
+        <p:txBody>
+          <a:bodyPr/>
+          <a:p>
+            <a:r>
+              <a:rPr lang="en-US">
+                <a:sym typeface="+mn-ea"/>
+              </a:rPr>
+              <a:t>vector </a:t>
+            </a:r>
+            <a:r>
+              <a:rPr lang="zh-CN" altLang="en-US">
+                <a:sym typeface="+mn-ea"/>
+              </a:rPr>
+              <a:t>容器：</a:t>
+            </a:r>
+            <a:r>
+              <a:rPr lang="en-US">
+                <a:sym typeface="+mn-ea"/>
+              </a:rPr>
+              <a:t>resize </a:t>
+            </a:r>
+            <a:r>
+              <a:rPr lang="zh-CN" altLang="en-US">
+                <a:sym typeface="+mn-ea"/>
+              </a:rPr>
+              <a:t>的优化策略</a:t>
+            </a:r>
+            <a:endParaRPr lang="zh-CN" altLang="en-US">
+              <a:sym typeface="+mn-ea"/>
+            </a:endParaRPr>
+          </a:p>
+        </p:txBody>
+      </p:sp>
+      <p:sp>
+        <p:nvSpPr>
+          <p:cNvPr id="3" name="Content Placeholder 2"/>
+          <p:cNvSpPr>
+            <a:spLocks noGrp="1"/>
+          </p:cNvSpPr>
+          <p:nvPr>
+            <p:ph sz="half" idx="1"/>
+          </p:nvPr>
+        </p:nvSpPr>
+        <p:spPr>
+          <a:xfrm>
+            <a:off x="-635" y="1410335"/>
+            <a:ext cx="8740140" cy="4974590"/>
+          </a:xfrm>
+        </p:spPr>
+        <p:txBody>
+          <a:bodyPr/>
+          <a:p>
+            <a:r>
+              <a:rPr lang="zh-CN"/>
+              <a:t>注意这里</a:t>
+            </a:r>
+            <a:r>
+              <a:rPr lang="en-US" altLang="zh-CN"/>
+              <a:t> resize(7) </a:t>
+            </a:r>
+            <a:r>
+              <a:rPr lang="zh-CN" altLang="en-US"/>
+              <a:t>之后容量实际上扩充到了</a:t>
+            </a:r>
+            <a:r>
+              <a:rPr lang="en-US" altLang="zh-CN"/>
+              <a:t> 10 </a:t>
+            </a:r>
+            <a:r>
+              <a:rPr lang="zh-CN" altLang="en-US"/>
+              <a:t>而不是刚好</a:t>
+            </a:r>
+            <a:r>
+              <a:rPr lang="en-US" altLang="zh-CN"/>
+              <a:t> 7</a:t>
+            </a:r>
+            <a:r>
+              <a:rPr lang="zh-CN" altLang="en-US"/>
+              <a:t>，为什么？</a:t>
+            </a:r>
+            <a:endParaRPr lang="zh-CN" altLang="en-US"/>
+          </a:p>
+          <a:p>
+            <a:r>
+              <a:rPr lang="zh-CN" altLang="en-US"/>
+              <a:t>因为标准库的设计者非常聪明，他料想到了你</a:t>
+            </a:r>
+            <a:r>
+              <a:rPr lang="en-US" altLang="zh-CN"/>
+              <a:t> resize(7) </a:t>
+            </a:r>
+            <a:r>
+              <a:rPr lang="zh-CN" altLang="en-US"/>
+              <a:t>以后可能还会来个</a:t>
+            </a:r>
+            <a:r>
+              <a:rPr lang="en-US" altLang="zh-CN"/>
+              <a:t> resize(8) </a:t>
+            </a:r>
+            <a:r>
+              <a:rPr lang="zh-CN" altLang="en-US"/>
+              <a:t>甚至</a:t>
+            </a:r>
+            <a:r>
+              <a:rPr lang="en-US" altLang="zh-CN"/>
+              <a:t> resize(9) </a:t>
+            </a:r>
+            <a:r>
+              <a:rPr lang="zh-CN" altLang="en-US"/>
+              <a:t>之类的。为了减少重复分配的次数，他有一个策略：当</a:t>
+            </a:r>
+            <a:r>
+              <a:rPr lang="en-US" altLang="zh-CN"/>
+              <a:t> resize </a:t>
+            </a:r>
+            <a:r>
+              <a:rPr lang="zh-CN" altLang="en-US"/>
+              <a:t>后的新尺寸变化较小时，则</a:t>
+            </a:r>
+            <a:r>
+              <a:rPr lang="zh-CN" altLang="en-US" b="1"/>
+              <a:t>自动扩容至原尺寸的两倍</a:t>
+            </a:r>
+            <a:r>
+              <a:rPr lang="zh-CN" altLang="en-US"/>
+              <a:t>。</a:t>
+            </a:r>
+            <a:endParaRPr lang="zh-CN" altLang="en-US"/>
+          </a:p>
+          <a:p>
+            <a:r>
+              <a:rPr lang="zh-CN" altLang="en-US"/>
+              <a:t>这里我们的原大小是</a:t>
+            </a:r>
+            <a:r>
+              <a:rPr lang="en-US" altLang="zh-CN"/>
+              <a:t> 5</a:t>
+            </a:r>
+            <a:r>
+              <a:rPr lang="zh-CN" altLang="en-US"/>
+              <a:t>，所以</a:t>
+            </a:r>
+            <a:r>
+              <a:rPr lang="en-US" altLang="zh-CN"/>
+              <a:t> resize(7) </a:t>
+            </a:r>
+            <a:r>
+              <a:rPr lang="zh-CN" altLang="en-US"/>
+              <a:t>会扩充</a:t>
+            </a:r>
+            <a:r>
+              <a:rPr lang="zh-CN" altLang="en-US" b="1"/>
+              <a:t>容量</a:t>
+            </a:r>
+            <a:r>
+              <a:rPr lang="zh-CN" altLang="en-US"/>
+              <a:t>到</a:t>
+            </a:r>
+            <a:r>
+              <a:rPr lang="en-US" altLang="zh-CN"/>
+              <a:t> 10</a:t>
+            </a:r>
+            <a:r>
+              <a:rPr lang="zh-CN" altLang="en-US"/>
+              <a:t>，但是</a:t>
+            </a:r>
+            <a:r>
+              <a:rPr lang="zh-CN" altLang="en-US" b="1"/>
+              <a:t>尺寸</a:t>
+            </a:r>
+            <a:r>
+              <a:rPr lang="zh-CN" altLang="en-US"/>
+              <a:t>为</a:t>
+            </a:r>
+            <a:r>
+              <a:rPr lang="en-US" altLang="zh-CN"/>
+              <a:t> 7</a:t>
+            </a:r>
+            <a:r>
+              <a:rPr lang="zh-CN" altLang="en-US"/>
+              <a:t>。</a:t>
+            </a:r>
+            <a:endParaRPr lang="zh-CN" altLang="en-US"/>
+          </a:p>
+          <a:p>
+            <a:r>
+              <a:rPr lang="zh-CN" altLang="en-US"/>
+              <a:t>尺寸总是小于等于容量。</a:t>
+            </a:r>
+            <a:endParaRPr lang="zh-CN" altLang="en-US"/>
+          </a:p>
+          <a:p>
+            <a:r>
+              <a:rPr lang="zh-CN" altLang="en-US"/>
+              <a:t>尺寸范围内都是已初始化的内存</a:t>
+            </a:r>
+            <a:r>
+              <a:rPr lang="en-US" altLang="zh-CN"/>
+              <a:t>(</a:t>
+            </a:r>
+            <a:r>
+              <a:rPr lang="zh-CN" altLang="en-US"/>
+              <a:t>零</a:t>
+            </a:r>
+            <a:r>
+              <a:rPr lang="en-US" altLang="zh-CN"/>
+              <a:t>)</a:t>
+            </a:r>
+            <a:r>
+              <a:rPr lang="zh-CN" altLang="en-US"/>
+              <a:t>。</a:t>
+            </a:r>
+            <a:endParaRPr lang="zh-CN" altLang="en-US"/>
+          </a:p>
+          <a:p>
+            <a:r>
+              <a:rPr lang="zh-CN" altLang="en-US"/>
+              <a:t>尺寸到容量之间的范围是未初始化的。</a:t>
+            </a:r>
+            <a:endParaRPr lang="zh-CN" altLang="en-US"/>
+          </a:p>
+          <a:p>
+            <a:r>
+              <a:rPr lang="en-US" altLang="zh-CN">
+                <a:solidFill>
+                  <a:schemeClr val="bg1">
+                    <a:lumMod val="65000"/>
+                  </a:schemeClr>
+                </a:solidFill>
+              </a:rPr>
+              <a:t>size_t resize(size_t n);</a:t>
+            </a:r>
+            <a:endParaRPr lang="en-US" altLang="zh-CN">
+              <a:solidFill>
+                <a:schemeClr val="bg1">
+                  <a:lumMod val="65000"/>
+                </a:schemeClr>
+              </a:solidFill>
+            </a:endParaRPr>
+          </a:p>
+        </p:txBody>
+      </p:sp>
+      <p:pic>
+        <p:nvPicPr>
+          <p:cNvPr id="5" name="Content Placeholder 4"/>
+          <p:cNvPicPr>
+            <a:picLocks noChangeAspect="1"/>
+          </p:cNvPicPr>
+          <p:nvPr>
+            <p:ph sz="half" idx="2"/>
+          </p:nvPr>
+        </p:nvPicPr>
+        <p:blipFill>
+          <a:blip r:embed="rId1"/>
+          <a:stretch>
+            <a:fillRect/>
+          </a:stretch>
+        </p:blipFill>
+        <p:spPr>
+          <a:xfrm>
+            <a:off x="4611370" y="4151630"/>
+            <a:ext cx="7580630" cy="2706370"/>
+          </a:xfrm>
+          <a:prstGeom prst="rect">
+            <a:avLst/>
+          </a:prstGeom>
+        </p:spPr>
+      </p:pic>
+      <p:pic>
+        <p:nvPicPr>
+          <p:cNvPr id="6" name="Picture 5"/>
+          <p:cNvPicPr>
+            <a:picLocks noChangeAspect="1"/>
+          </p:cNvPicPr>
+          <p:nvPr/>
+        </p:nvPicPr>
+        <p:blipFill>
+          <a:blip r:embed="rId2"/>
+          <a:stretch>
+            <a:fillRect/>
+          </a:stretch>
+        </p:blipFill>
+        <p:spPr>
+          <a:xfrm>
+            <a:off x="8739505" y="2299970"/>
+            <a:ext cx="2874010" cy="1358900"/>
+          </a:xfrm>
+          <a:prstGeom prst="rect">
+            <a:avLst/>
+          </a:prstGeom>
+        </p:spPr>
+      </p:pic>
+    </p:spTree>
+  </p:cSld>
+  <p:clrMapOvr>
+    <a:masterClrMapping/>
+  </p:clrMapOvr>
+</p:sld>
+</file>
+
+<file path=ppt/slides/slide48.xml><?xml version="1.0" encoding="utf-8"?>
+<p:sld xmlns:a="http://schemas.openxmlformats.org/drawingml/2006/main" xmlns:r="http://schemas.openxmlformats.org/officeDocument/2006/relationships" xmlns:p="http://schemas.openxmlformats.org/presentationml/2006/main">
+  <p:cSld>
+    <p:spTree>
+      <p:nvGrpSpPr>
+        <p:cNvPr id="1" name=""/>
+        <p:cNvGrpSpPr/>
+        <p:nvPr/>
+      </p:nvGrpSpPr>
+      <p:grpSpPr/>
+      <p:sp>
+        <p:nvSpPr>
+          <p:cNvPr id="2" name="Title 1"/>
+          <p:cNvSpPr>
+            <a:spLocks noGrp="1"/>
+          </p:cNvSpPr>
+          <p:nvPr>
+            <p:ph type="title"/>
+          </p:nvPr>
+        </p:nvSpPr>
+        <p:spPr/>
+        <p:txBody>
+          <a:bodyPr/>
+          <a:p>
+            <a:r>
+              <a:rPr lang="en-US">
+                <a:sym typeface="+mn-ea"/>
+              </a:rPr>
+              <a:t>vector </a:t>
+            </a:r>
+            <a:r>
+              <a:rPr lang="zh-CN" altLang="en-US">
+                <a:sym typeface="+mn-ea"/>
+              </a:rPr>
+              <a:t>容器：</a:t>
+            </a:r>
+            <a:r>
+              <a:rPr lang="en-US">
+                <a:sym typeface="+mn-ea"/>
+              </a:rPr>
+              <a:t>resize </a:t>
+            </a:r>
+            <a:r>
+              <a:rPr lang="zh-CN" altLang="en-US">
+                <a:sym typeface="+mn-ea"/>
+              </a:rPr>
+              <a:t>的优化策略</a:t>
+            </a:r>
+            <a:endParaRPr lang="zh-CN" altLang="en-US">
+              <a:sym typeface="+mn-ea"/>
+            </a:endParaRPr>
+          </a:p>
+        </p:txBody>
+      </p:sp>
+      <p:sp>
+        <p:nvSpPr>
+          <p:cNvPr id="3" name="Content Placeholder 2"/>
+          <p:cNvSpPr>
+            <a:spLocks noGrp="1"/>
+          </p:cNvSpPr>
+          <p:nvPr>
+            <p:ph sz="half" idx="1"/>
+          </p:nvPr>
+        </p:nvSpPr>
+        <p:spPr>
+          <a:xfrm>
+            <a:off x="443230" y="1400175"/>
+            <a:ext cx="7367905" cy="4351655"/>
+          </a:xfrm>
+        </p:spPr>
+        <p:txBody>
+          <a:bodyPr/>
+          <a:p>
+            <a:r>
+              <a:rPr lang="zh-CN"/>
+              <a:t>不过如果</a:t>
+            </a:r>
+            <a:r>
+              <a:rPr lang="en-US" altLang="zh-CN"/>
+              <a:t> resize </a:t>
+            </a:r>
+            <a:r>
+              <a:rPr lang="zh-CN" altLang="en-US"/>
+              <a:t>后的尺寸还超过了原先尺寸的两倍，就没有这个效果了。</a:t>
+            </a:r>
+            <a:endParaRPr lang="zh-CN" altLang="en-US"/>
+          </a:p>
+          <a:p>
+            <a:r>
+              <a:rPr lang="en-US" altLang="zh-CN">
+                <a:solidFill>
+                  <a:schemeClr val="bg1">
+                    <a:lumMod val="65000"/>
+                  </a:schemeClr>
+                </a:solidFill>
+              </a:rPr>
+              <a:t>size_t resize(size_t n);</a:t>
+            </a:r>
+            <a:endParaRPr lang="en-US" altLang="zh-CN">
+              <a:solidFill>
+                <a:schemeClr val="bg1">
+                  <a:lumMod val="65000"/>
+                </a:schemeClr>
+              </a:solidFill>
+            </a:endParaRPr>
+          </a:p>
+        </p:txBody>
+      </p:sp>
+      <p:pic>
+        <p:nvPicPr>
+          <p:cNvPr id="4" name="Picture 3"/>
+          <p:cNvPicPr>
+            <a:picLocks noChangeAspect="1"/>
+          </p:cNvPicPr>
+          <p:nvPr/>
+        </p:nvPicPr>
+        <p:blipFill>
+          <a:blip r:embed="rId1"/>
+          <a:stretch>
+            <a:fillRect/>
+          </a:stretch>
+        </p:blipFill>
+        <p:spPr>
+          <a:xfrm>
+            <a:off x="8383905" y="2321560"/>
+            <a:ext cx="2871470" cy="1315720"/>
+          </a:xfrm>
+          <a:prstGeom prst="rect">
+            <a:avLst/>
+          </a:prstGeom>
+        </p:spPr>
+      </p:pic>
+      <p:pic>
+        <p:nvPicPr>
+          <p:cNvPr id="8" name="Content Placeholder 7"/>
+          <p:cNvPicPr>
+            <a:picLocks noChangeAspect="1"/>
+          </p:cNvPicPr>
+          <p:nvPr>
+            <p:ph sz="half" idx="2"/>
+          </p:nvPr>
+        </p:nvPicPr>
+        <p:blipFill>
+          <a:blip r:embed="rId2"/>
+          <a:stretch>
+            <a:fillRect/>
+          </a:stretch>
+        </p:blipFill>
+        <p:spPr>
+          <a:xfrm>
+            <a:off x="4504690" y="4068445"/>
+            <a:ext cx="7687310" cy="2789555"/>
+          </a:xfrm>
+          <a:prstGeom prst="rect">
+            <a:avLst/>
+          </a:prstGeom>
+        </p:spPr>
+      </p:pic>
+    </p:spTree>
+  </p:cSld>
+  <p:clrMapOvr>
+    <a:masterClrMapping/>
+  </p:clrMapOvr>
+</p:sld>
+</file>
+
+<file path=ppt/slides/slide49.xml><?xml version="1.0" encoding="utf-8"?>
+<p:sld xmlns:a="http://schemas.openxmlformats.org/drawingml/2006/main" xmlns:r="http://schemas.openxmlformats.org/officeDocument/2006/relationships" xmlns:p="http://schemas.openxmlformats.org/presentationml/2006/main">
+  <p:cSld>
+    <p:spTree>
+      <p:nvGrpSpPr>
+        <p:cNvPr id="1" name=""/>
+        <p:cNvGrpSpPr/>
+        <p:nvPr/>
+      </p:nvGrpSpPr>
+      <p:grpSpPr/>
+      <p:sp>
+        <p:nvSpPr>
+          <p:cNvPr id="2" name="Title 1"/>
+          <p:cNvSpPr>
+            <a:spLocks noGrp="1"/>
+          </p:cNvSpPr>
+          <p:nvPr>
+            <p:ph type="title"/>
+          </p:nvPr>
+        </p:nvSpPr>
+        <p:spPr/>
+        <p:txBody>
+          <a:bodyPr/>
+          <a:p>
+            <a:r>
+              <a:rPr lang="en-US">
+                <a:sym typeface="+mn-ea"/>
+              </a:rPr>
+              <a:t>vector </a:t>
+            </a:r>
+            <a:r>
+              <a:rPr lang="zh-CN" altLang="en-US">
+                <a:sym typeface="+mn-ea"/>
+              </a:rPr>
+              <a:t>容器：</a:t>
+            </a:r>
+            <a:r>
+              <a:rPr lang="en-US" altLang="zh-CN">
+                <a:sym typeface="+mn-ea"/>
+              </a:rPr>
+              <a:t>reserve </a:t>
+            </a:r>
+            <a:r>
+              <a:rPr lang="zh-CN" altLang="en-US">
+                <a:sym typeface="+mn-ea"/>
+              </a:rPr>
+              <a:t>预留一定容量，避免之后重复分配</a:t>
+            </a:r>
+            <a:endParaRPr lang="en-US"/>
+          </a:p>
+        </p:txBody>
+      </p:sp>
+      <p:sp>
+        <p:nvSpPr>
+          <p:cNvPr id="3" name="Content Placeholder 2"/>
+          <p:cNvSpPr>
+            <a:spLocks noGrp="1"/>
+          </p:cNvSpPr>
+          <p:nvPr>
+            <p:ph sz="half" idx="1"/>
+          </p:nvPr>
+        </p:nvSpPr>
+        <p:spPr/>
+        <p:txBody>
+          <a:bodyPr/>
+          <a:p>
+            <a:endParaRPr lang="en-US"/>
+          </a:p>
+        </p:txBody>
+      </p:sp>
+      <p:sp>
+        <p:nvSpPr>
+          <p:cNvPr id="4" name="Content Placeholder 3"/>
+          <p:cNvSpPr>
+            <a:spLocks noGrp="1"/>
+          </p:cNvSpPr>
+          <p:nvPr>
+            <p:ph sz="half" idx="2"/>
+          </p:nvPr>
+        </p:nvSpPr>
+        <p:spPr/>
+        <p:txBody>
+          <a:bodyPr/>
+          <a:p>
+            <a:endParaRPr lang="en-US"/>
+          </a:p>
+        </p:txBody>
+      </p:sp>
+    </p:spTree>
+  </p:cSld>
+  <p:clrMapOvr>
+    <a:masterClrMapping/>
+  </p:clrMapOvr>
+</p:sld>
+</file>
+
+<file path=ppt/slides/slide5.xml><?xml version="1.0" encoding="utf-8"?>
+<p:sld xmlns:a="http://schemas.openxmlformats.org/drawingml/2006/main" xmlns:r="http://schemas.openxmlformats.org/officeDocument/2006/relationships" xmlns:p="http://schemas.openxmlformats.org/presentationml/2006/main">
+  <p:cSld>
+    <p:spTree>
+      <p:nvGrpSpPr>
+        <p:cNvPr id="1" name=""/>
+        <p:cNvGrpSpPr/>
+        <p:nvPr/>
+      </p:nvGrpSpPr>
+      <p:grpSpPr/>
+      <p:sp>
+        <p:nvSpPr>
+          <p:cNvPr id="2" name="Title 1"/>
+          <p:cNvSpPr>
+            <a:spLocks noGrp="1"/>
+          </p:cNvSpPr>
+          <p:nvPr>
+            <p:ph type="title"/>
+          </p:nvPr>
+        </p:nvSpPr>
+        <p:spPr/>
+        <p:txBody>
+          <a:bodyPr/>
+          <a:p>
+            <a:r>
+              <a:rPr lang="en-US" altLang="zh-CN"/>
+              <a:t>C++ </a:t>
+            </a:r>
+            <a:r>
+              <a:rPr lang="zh-CN"/>
+              <a:t>标准库五大件</a:t>
+            </a:r>
+            <a:r>
+              <a:rPr lang="zh-CN">
+                <a:sym typeface="+mn-ea"/>
+              </a:rPr>
+              <a:t>：仿函数（</a:t>
+            </a:r>
+            <a:r>
+              <a:rPr lang="en-US" altLang="zh-CN">
+                <a:sym typeface="+mn-ea"/>
+              </a:rPr>
+              <a:t>functor</a:t>
+            </a:r>
+            <a:r>
+              <a:rPr lang="zh-CN">
+                <a:sym typeface="+mn-ea"/>
+              </a:rPr>
+              <a:t>）</a:t>
+            </a:r>
+            <a:endParaRPr lang="zh-CN"/>
+          </a:p>
+        </p:txBody>
+      </p:sp>
+      <p:pic>
+        <p:nvPicPr>
+          <p:cNvPr id="4" name="Content Placeholder 3"/>
+          <p:cNvPicPr>
+            <a:picLocks noChangeAspect="1"/>
+          </p:cNvPicPr>
+          <p:nvPr>
+            <p:ph idx="1"/>
+          </p:nvPr>
+        </p:nvPicPr>
+        <p:blipFill>
+          <a:blip r:embed="rId1"/>
+          <a:stretch>
+            <a:fillRect/>
+          </a:stretch>
+        </p:blipFill>
+        <p:spPr>
+          <a:xfrm>
+            <a:off x="57150" y="2132965"/>
+            <a:ext cx="12077065" cy="3736340"/>
+          </a:xfrm>
+          <a:prstGeom prst="rect">
+            <a:avLst/>
+          </a:prstGeom>
+        </p:spPr>
+      </p:pic>
+      <p:cxnSp>
+        <p:nvCxnSpPr>
+          <p:cNvPr id="6" name="Straight Connector 5"/>
+          <p:cNvCxnSpPr/>
+          <p:nvPr/>
+        </p:nvCxnSpPr>
+        <p:spPr>
+          <a:xfrm>
+            <a:off x="9809480" y="4926965"/>
+            <a:ext cx="1123950" cy="0"/>
+          </a:xfrm>
+          <a:prstGeom prst="line">
+            <a:avLst/>
+          </a:prstGeom>
+          <a:ln w="38100"/>
+        </p:spPr>
+        <p:style>
+          <a:lnRef idx="3">
+            <a:schemeClr val="accent2"/>
+          </a:lnRef>
+          <a:fillRef idx="0">
+            <a:schemeClr val="accent2"/>
+          </a:fillRef>
+          <a:effectRef idx="2">
+            <a:schemeClr val="accent2"/>
+          </a:effectRef>
+          <a:fontRef idx="minor">
+            <a:schemeClr val="tx1"/>
+          </a:fontRef>
+        </p:style>
+      </p:cxnSp>
+      <p:cxnSp>
+        <p:nvCxnSpPr>
+          <p:cNvPr id="5" name="Straight Connector 4"/>
+          <p:cNvCxnSpPr/>
+          <p:nvPr/>
+        </p:nvCxnSpPr>
+        <p:spPr>
+          <a:xfrm>
+            <a:off x="7994650" y="4926965"/>
+            <a:ext cx="987425" cy="0"/>
+          </a:xfrm>
+          <a:prstGeom prst="line">
+            <a:avLst/>
+          </a:prstGeom>
+          <a:ln w="38100"/>
+        </p:spPr>
+        <p:style>
+          <a:lnRef idx="3">
+            <a:schemeClr val="accent2"/>
+          </a:lnRef>
+          <a:fillRef idx="0">
+            <a:schemeClr val="accent2"/>
+          </a:fillRef>
+          <a:effectRef idx="2">
+            <a:schemeClr val="accent2"/>
+          </a:effectRef>
+          <a:fontRef idx="minor">
+            <a:schemeClr val="tx1"/>
+          </a:fontRef>
+        </p:style>
+      </p:cxnSp>
+      <p:cxnSp>
+        <p:nvCxnSpPr>
+          <p:cNvPr id="7" name="Straight Connector 6"/>
+          <p:cNvCxnSpPr/>
+          <p:nvPr/>
+        </p:nvCxnSpPr>
+        <p:spPr>
+          <a:xfrm>
+            <a:off x="2208530" y="3377565"/>
+            <a:ext cx="1449070" cy="0"/>
+          </a:xfrm>
+          <a:prstGeom prst="line">
+            <a:avLst/>
+          </a:prstGeom>
+          <a:ln w="38100"/>
+        </p:spPr>
+        <p:style>
+          <a:lnRef idx="3">
+            <a:schemeClr val="accent2"/>
+          </a:lnRef>
+          <a:fillRef idx="0">
+            <a:schemeClr val="accent2"/>
+          </a:fillRef>
+          <a:effectRef idx="2">
+            <a:schemeClr val="accent2"/>
+          </a:effectRef>
+          <a:fontRef idx="minor">
+            <a:schemeClr val="tx1"/>
+          </a:fontRef>
+        </p:style>
+      </p:cxnSp>
+    </p:spTree>
+  </p:cSld>
+  <p:clrMapOvr>
+    <a:masterClrMapping/>
+  </p:clrMapOvr>
+</p:sld>
+</file>
+
+<file path=ppt/slides/slide50.xml><?xml version="1.0" encoding="utf-8"?>
+<p:sld xmlns:a="http://schemas.openxmlformats.org/drawingml/2006/main" xmlns:r="http://schemas.openxmlformats.org/officeDocument/2006/relationships" xmlns:p="http://schemas.openxmlformats.org/presentationml/2006/main">
+  <p:cSld>
+    <p:spTree>
+      <p:nvGrpSpPr>
+        <p:cNvPr id="1" name=""/>
+        <p:cNvGrpSpPr/>
+        <p:nvPr/>
+      </p:nvGrpSpPr>
+      <p:grpSpPr/>
+      <p:sp>
+        <p:nvSpPr>
+          <p:cNvPr id="2" name="Title 1"/>
+          <p:cNvSpPr>
+            <a:spLocks noGrp="1"/>
+          </p:cNvSpPr>
+          <p:nvPr>
+            <p:ph type="title"/>
+          </p:nvPr>
+        </p:nvSpPr>
+        <p:spPr/>
+        <p:txBody>
+          <a:bodyPr/>
+          <a:p>
+            <a:endParaRPr lang="en-US"/>
+          </a:p>
+        </p:txBody>
+      </p:sp>
+      <p:sp>
+        <p:nvSpPr>
+          <p:cNvPr id="3" name="Content Placeholder 2"/>
+          <p:cNvSpPr>
+            <a:spLocks noGrp="1"/>
+          </p:cNvSpPr>
+          <p:nvPr>
+            <p:ph sz="half" idx="1"/>
+          </p:nvPr>
+        </p:nvSpPr>
+        <p:spPr/>
+        <p:txBody>
+          <a:bodyPr/>
+          <a:p>
+            <a:endParaRPr lang="en-US"/>
+          </a:p>
+        </p:txBody>
+      </p:sp>
+      <p:sp>
+        <p:nvSpPr>
+          <p:cNvPr id="4" name="Content Placeholder 3"/>
+          <p:cNvSpPr>
+            <a:spLocks noGrp="1"/>
+          </p:cNvSpPr>
+          <p:nvPr>
+            <p:ph sz="half" idx="2"/>
+          </p:nvPr>
+        </p:nvSpPr>
+        <p:spPr/>
+        <p:txBody>
+          <a:bodyPr/>
+          <a:p>
+            <a:endParaRPr lang="en-US"/>
+          </a:p>
+        </p:txBody>
+      </p:sp>
+    </p:spTree>
+  </p:cSld>
+  <p:clrMapOvr>
+    <a:masterClrMapping/>
+  </p:clrMapOvr>
+</p:sld>
+</file>
+
+<file path=ppt/slides/slide51.xml><?xml version="1.0" encoding="utf-8"?>
+<p:sld xmlns:a="http://schemas.openxmlformats.org/drawingml/2006/main" xmlns:r="http://schemas.openxmlformats.org/officeDocument/2006/relationships" xmlns:p="http://schemas.openxmlformats.org/presentationml/2006/main">
+  <p:cSld>
+    <p:spTree>
+      <p:nvGrpSpPr>
+        <p:cNvPr id="1" name=""/>
+        <p:cNvGrpSpPr/>
+        <p:nvPr/>
+      </p:nvGrpSpPr>
+      <p:grpSpPr/>
+      <p:sp>
+        <p:nvSpPr>
+          <p:cNvPr id="2" name="Title 1"/>
+          <p:cNvSpPr>
+            <a:spLocks noGrp="1"/>
+          </p:cNvSpPr>
+          <p:nvPr>
+            <p:ph type="title"/>
+          </p:nvPr>
+        </p:nvSpPr>
+        <p:spPr/>
+        <p:txBody>
+          <a:bodyPr/>
+          <a:p>
+            <a:r>
+              <a:rPr lang="zh-CN"/>
+              <a:t>迭代器模式</a:t>
+            </a:r>
+            <a:endParaRPr lang="zh-CN"/>
+          </a:p>
+        </p:txBody>
+      </p:sp>
+      <p:sp>
+        <p:nvSpPr>
+          <p:cNvPr id="3" name="Content Placeholder 2"/>
+          <p:cNvSpPr>
+            <a:spLocks noGrp="1"/>
+          </p:cNvSpPr>
+          <p:nvPr>
+            <p:ph sz="half" idx="1"/>
+          </p:nvPr>
+        </p:nvSpPr>
+        <p:spPr/>
+        <p:txBody>
+          <a:bodyPr/>
+          <a:p>
+            <a:r>
+              <a:rPr lang="zh-CN" altLang="en-US"/>
+              <a:t>如果要把右边这个打印的操作封装起来，该怎么做？</a:t>
+            </a:r>
+            <a:endParaRPr lang="zh-CN" altLang="en-US"/>
+          </a:p>
+        </p:txBody>
+      </p:sp>
+      <p:pic>
+        <p:nvPicPr>
+          <p:cNvPr id="5" name="Content Placeholder 4"/>
+          <p:cNvPicPr>
+            <a:picLocks noChangeAspect="1"/>
+          </p:cNvPicPr>
+          <p:nvPr>
+            <p:ph sz="half" idx="2"/>
+          </p:nvPr>
+        </p:nvPicPr>
+        <p:blipFill>
+          <a:blip r:embed="rId1"/>
+          <a:stretch>
+            <a:fillRect/>
+          </a:stretch>
+        </p:blipFill>
+        <p:spPr>
+          <a:xfrm>
+            <a:off x="5623560" y="2875280"/>
+            <a:ext cx="5897245" cy="2251710"/>
+          </a:xfrm>
+          <a:prstGeom prst="rect">
+            <a:avLst/>
+          </a:prstGeom>
+        </p:spPr>
+      </p:pic>
+    </p:spTree>
+  </p:cSld>
+  <p:clrMapOvr>
+    <a:masterClrMapping/>
+  </p:clrMapOvr>
+</p:sld>
+</file>
+
+<file path=ppt/slides/slide52.xml><?xml version="1.0" encoding="utf-8"?>
+<p:sld xmlns:a="http://schemas.openxmlformats.org/drawingml/2006/main" xmlns:r="http://schemas.openxmlformats.org/officeDocument/2006/relationships" xmlns:p="http://schemas.openxmlformats.org/presentationml/2006/main">
+  <p:cSld>
+    <p:spTree>
+      <p:nvGrpSpPr>
+        <p:cNvPr id="1" name=""/>
+        <p:cNvGrpSpPr/>
+        <p:nvPr/>
+      </p:nvGrpSpPr>
+      <p:grpSpPr/>
+      <p:sp>
+        <p:nvSpPr>
+          <p:cNvPr id="2" name="Title 1"/>
+          <p:cNvSpPr>
+            <a:spLocks noGrp="1"/>
+          </p:cNvSpPr>
+          <p:nvPr>
+            <p:ph type="title"/>
+          </p:nvPr>
+        </p:nvSpPr>
+        <p:spPr/>
+        <p:txBody>
+          <a:bodyPr/>
+          <a:p>
+            <a:r>
+              <a:rPr lang="zh-CN"/>
+              <a:t>迭代器模式</a:t>
+            </a:r>
+            <a:endParaRPr lang="zh-CN"/>
+          </a:p>
+        </p:txBody>
+      </p:sp>
+      <p:sp>
+        <p:nvSpPr>
+          <p:cNvPr id="3" name="Content Placeholder 2"/>
+          <p:cNvSpPr>
+            <a:spLocks noGrp="1"/>
+          </p:cNvSpPr>
+          <p:nvPr>
+            <p:ph sz="half" idx="1"/>
+          </p:nvPr>
+        </p:nvSpPr>
+        <p:spPr/>
+        <p:txBody>
+          <a:bodyPr/>
+          <a:p>
+            <a:r>
+              <a:rPr lang="zh-CN" altLang="en-US"/>
+              <a:t>如果要把右边这个打印的操作封装起来，该怎么做？</a:t>
+            </a:r>
+            <a:endParaRPr lang="zh-CN" altLang="en-US"/>
+          </a:p>
+          <a:p>
+            <a:r>
+              <a:rPr lang="zh-CN" altLang="en-US"/>
+              <a:t>可以用一个函数来封装打印操作：</a:t>
+            </a:r>
+            <a:endParaRPr lang="zh-CN" altLang="en-US"/>
+          </a:p>
+          <a:p>
+            <a:r>
+              <a:rPr lang="en-US" altLang="zh-CN">
+                <a:solidFill>
+                  <a:schemeClr val="accent5">
+                    <a:lumMod val="75000"/>
+                  </a:schemeClr>
+                </a:solidFill>
+              </a:rPr>
+              <a:t>print(vector&lt;char&gt; const &amp;a);</a:t>
+            </a:r>
+            <a:endParaRPr lang="en-US" altLang="zh-CN">
+              <a:solidFill>
+                <a:schemeClr val="accent5">
+                  <a:lumMod val="75000"/>
+                </a:schemeClr>
+              </a:solidFill>
+            </a:endParaRPr>
+          </a:p>
+        </p:txBody>
+      </p:sp>
+      <p:pic>
+        <p:nvPicPr>
+          <p:cNvPr id="6" name="Content Placeholder 5"/>
+          <p:cNvPicPr>
+            <a:picLocks noChangeAspect="1"/>
+          </p:cNvPicPr>
+          <p:nvPr>
+            <p:ph sz="half" idx="2"/>
+          </p:nvPr>
+        </p:nvPicPr>
+        <p:blipFill>
+          <a:blip r:embed="rId1"/>
+          <a:stretch>
+            <a:fillRect/>
+          </a:stretch>
+        </p:blipFill>
+        <p:spPr>
+          <a:xfrm>
+            <a:off x="5589905" y="2240280"/>
+            <a:ext cx="5963920" cy="3522345"/>
+          </a:xfrm>
+          <a:prstGeom prst="rect">
+            <a:avLst/>
+          </a:prstGeom>
+        </p:spPr>
+      </p:pic>
+      <p:pic>
+        <p:nvPicPr>
+          <p:cNvPr id="7" name="Picture 6"/>
+          <p:cNvPicPr>
+            <a:picLocks noChangeAspect="1"/>
+          </p:cNvPicPr>
+          <p:nvPr/>
+        </p:nvPicPr>
+        <p:blipFill>
+          <a:blip r:embed="rId2"/>
+          <a:stretch>
+            <a:fillRect/>
+          </a:stretch>
+        </p:blipFill>
+        <p:spPr>
+          <a:xfrm>
+            <a:off x="727710" y="4614545"/>
+            <a:ext cx="516890" cy="1388110"/>
+          </a:xfrm>
+          <a:prstGeom prst="rect">
+            <a:avLst/>
+          </a:prstGeom>
+        </p:spPr>
+      </p:pic>
+    </p:spTree>
+  </p:cSld>
+  <p:clrMapOvr>
+    <a:masterClrMapping/>
+  </p:clrMapOvr>
+</p:sld>
+</file>
+
+<file path=ppt/slides/slide53.xml><?xml version="1.0" encoding="utf-8"?>
+<p:sld xmlns:a="http://schemas.openxmlformats.org/drawingml/2006/main" xmlns:r="http://schemas.openxmlformats.org/officeDocument/2006/relationships" xmlns:p="http://schemas.openxmlformats.org/presentationml/2006/main">
+  <p:cSld>
+    <p:spTree>
+      <p:nvGrpSpPr>
+        <p:cNvPr id="1" name=""/>
+        <p:cNvGrpSpPr/>
+        <p:nvPr/>
+      </p:nvGrpSpPr>
+      <p:grpSpPr/>
+      <p:sp>
+        <p:nvSpPr>
+          <p:cNvPr id="2" name="Title 1"/>
+          <p:cNvSpPr>
+            <a:spLocks noGrp="1"/>
+          </p:cNvSpPr>
+          <p:nvPr>
+            <p:ph type="title"/>
+          </p:nvPr>
+        </p:nvSpPr>
+        <p:spPr/>
+        <p:txBody>
+          <a:bodyPr/>
+          <a:p>
+            <a:r>
+              <a:rPr lang="zh-CN"/>
+              <a:t>迭代器模式</a:t>
+            </a:r>
+            <a:endParaRPr lang="zh-CN"/>
+          </a:p>
+        </p:txBody>
+      </p:sp>
+      <p:sp>
+        <p:nvSpPr>
+          <p:cNvPr id="3" name="Content Placeholder 2"/>
+          <p:cNvSpPr>
+            <a:spLocks noGrp="1"/>
+          </p:cNvSpPr>
+          <p:nvPr>
+            <p:ph sz="half" idx="1"/>
+          </p:nvPr>
+        </p:nvSpPr>
+        <p:spPr/>
+        <p:txBody>
+          <a:bodyPr/>
+          <a:p>
+            <a:r>
+              <a:rPr lang="zh-CN" altLang="en-US"/>
+              <a:t>如果要把右边这个打印的操作封装起来，该怎么做？</a:t>
+            </a:r>
+            <a:endParaRPr lang="zh-CN" altLang="en-US"/>
+          </a:p>
+          <a:p>
+            <a:r>
+              <a:rPr lang="zh-CN" altLang="en-US"/>
+              <a:t>可以用一个函数来封装打印操作：</a:t>
+            </a:r>
+            <a:endParaRPr lang="zh-CN" altLang="en-US"/>
+          </a:p>
+          <a:p>
+            <a:r>
+              <a:rPr lang="en-US" altLang="zh-CN">
+                <a:solidFill>
+                  <a:schemeClr val="accent5">
+                    <a:lumMod val="75000"/>
+                  </a:schemeClr>
+                </a:solidFill>
+              </a:rPr>
+              <a:t>print(vector&lt;char&gt; const &amp;a);</a:t>
+            </a:r>
+            <a:endParaRPr lang="en-US" altLang="zh-CN">
+              <a:solidFill>
+                <a:schemeClr val="accent5">
+                  <a:lumMod val="75000"/>
+                </a:schemeClr>
+              </a:solidFill>
+            </a:endParaRPr>
+          </a:p>
+          <a:p>
+            <a:r>
+              <a:rPr lang="zh-CN" altLang="en-US">
+                <a:sym typeface="+mn-ea"/>
+              </a:rPr>
+              <a:t>但是这样的缺点是他只能打印</a:t>
+            </a:r>
+            <a:r>
+              <a:rPr lang="en-US" altLang="zh-CN">
+                <a:sym typeface="+mn-ea"/>
+              </a:rPr>
+              <a:t> vector </a:t>
+            </a:r>
+            <a:r>
+              <a:rPr lang="zh-CN" altLang="en-US">
+                <a:sym typeface="+mn-ea"/>
+              </a:rPr>
+              <a:t>类型，没法打印</a:t>
+            </a:r>
+            <a:r>
+              <a:rPr lang="en-US" altLang="zh-CN">
+                <a:sym typeface="+mn-ea"/>
+              </a:rPr>
+              <a:t> string </a:t>
+            </a:r>
+            <a:r>
+              <a:rPr lang="zh-CN" altLang="en-US">
+                <a:sym typeface="+mn-ea"/>
+              </a:rPr>
+              <a:t>类型。</a:t>
+            </a:r>
+            <a:r>
+              <a:rPr lang="zh-CN" altLang="en-US">
+                <a:sym typeface="+mn-ea"/>
+              </a:rPr>
+              <a:t>要支持</a:t>
+            </a:r>
+            <a:r>
+              <a:rPr lang="en-US" altLang="zh-CN">
+                <a:sym typeface="+mn-ea"/>
+              </a:rPr>
+              <a:t> string </a:t>
+            </a:r>
+            <a:r>
+              <a:rPr lang="zh-CN" altLang="en-US">
+                <a:sym typeface="+mn-ea"/>
+              </a:rPr>
+              <a:t>只能再写一遍一样的</a:t>
+            </a:r>
+            <a:r>
+              <a:rPr lang="en-US" altLang="zh-CN">
+                <a:sym typeface="+mn-ea"/>
+              </a:rPr>
+              <a:t> print </a:t>
+            </a:r>
+            <a:r>
+              <a:rPr lang="zh-CN" altLang="en-US">
+                <a:sym typeface="+mn-ea"/>
+              </a:rPr>
+              <a:t>函数。</a:t>
+            </a:r>
+            <a:endParaRPr lang="zh-CN" altLang="en-US">
+              <a:solidFill>
+                <a:schemeClr val="accent5">
+                  <a:lumMod val="75000"/>
+                </a:schemeClr>
+              </a:solidFill>
+              <a:sym typeface="+mn-ea"/>
+            </a:endParaRPr>
+          </a:p>
+        </p:txBody>
+      </p:sp>
+      <p:pic>
+        <p:nvPicPr>
+          <p:cNvPr id="8" name="Content Placeholder 7"/>
+          <p:cNvPicPr>
+            <a:picLocks noChangeAspect="1"/>
+          </p:cNvPicPr>
+          <p:nvPr>
+            <p:ph sz="half" idx="2"/>
+          </p:nvPr>
+        </p:nvPicPr>
+        <p:blipFill>
+          <a:blip r:embed="rId1"/>
+          <a:stretch>
+            <a:fillRect/>
+          </a:stretch>
+        </p:blipFill>
+        <p:spPr>
+          <a:xfrm>
+            <a:off x="5880735" y="2103755"/>
+            <a:ext cx="5383530" cy="3794760"/>
+          </a:xfrm>
+          <a:prstGeom prst="rect">
+            <a:avLst/>
+          </a:prstGeom>
+        </p:spPr>
+      </p:pic>
+    </p:spTree>
+  </p:cSld>
+  <p:clrMapOvr>
+    <a:masterClrMapping/>
+  </p:clrMapOvr>
+</p:sld>
+</file>
+
+<file path=ppt/slides/slide54.xml><?xml version="1.0" encoding="utf-8"?>
+<p:sld xmlns:a="http://schemas.openxmlformats.org/drawingml/2006/main" xmlns:r="http://schemas.openxmlformats.org/officeDocument/2006/relationships" xmlns:p="http://schemas.openxmlformats.org/presentationml/2006/main">
+  <p:cSld>
+    <p:spTree>
+      <p:nvGrpSpPr>
+        <p:cNvPr id="1" name=""/>
+        <p:cNvGrpSpPr/>
+        <p:nvPr/>
+      </p:nvGrpSpPr>
+      <p:grpSpPr/>
+      <p:sp>
+        <p:nvSpPr>
+          <p:cNvPr id="2" name="Title 1"/>
+          <p:cNvSpPr>
+            <a:spLocks noGrp="1"/>
+          </p:cNvSpPr>
+          <p:nvPr>
+            <p:ph type="title"/>
+          </p:nvPr>
+        </p:nvSpPr>
+        <p:spPr/>
+        <p:txBody>
+          <a:bodyPr/>
+          <a:p>
+            <a:r>
+              <a:rPr lang="zh-CN"/>
+              <a:t>迭代器模式</a:t>
+            </a:r>
+            <a:endParaRPr lang="zh-CN"/>
+          </a:p>
+        </p:txBody>
+      </p:sp>
+      <p:sp>
+        <p:nvSpPr>
+          <p:cNvPr id="3" name="Content Placeholder 2"/>
+          <p:cNvSpPr>
+            <a:spLocks noGrp="1"/>
+          </p:cNvSpPr>
+          <p:nvPr>
+            <p:ph sz="half" idx="1"/>
+          </p:nvPr>
+        </p:nvSpPr>
+        <p:spPr/>
+        <p:txBody>
+          <a:bodyPr/>
+          <a:p>
+            <a:r>
+              <a:rPr lang="zh-CN" altLang="en-US"/>
+              <a:t>注意到</a:t>
+            </a:r>
+            <a:r>
+              <a:rPr lang="en-US" altLang="zh-CN"/>
+              <a:t> vector </a:t>
+            </a:r>
+            <a:r>
+              <a:rPr lang="zh-CN" altLang="en-US"/>
+              <a:t>和</a:t>
+            </a:r>
+            <a:r>
+              <a:rPr lang="en-US" altLang="zh-CN"/>
+              <a:t> string </a:t>
+            </a:r>
+            <a:r>
+              <a:rPr lang="zh-CN" altLang="en-US"/>
+              <a:t>的底层都是连续的稠密数组，他们都有</a:t>
+            </a:r>
+            <a:r>
+              <a:rPr lang="en-US" altLang="zh-CN"/>
+              <a:t> data() </a:t>
+            </a:r>
+            <a:r>
+              <a:rPr lang="zh-CN" altLang="en-US"/>
+              <a:t>和</a:t>
+            </a:r>
+            <a:r>
+              <a:rPr lang="en-US" altLang="zh-CN"/>
+              <a:t> size() </a:t>
+            </a:r>
+            <a:r>
+              <a:rPr lang="zh-CN" altLang="en-US"/>
+              <a:t>函数。</a:t>
+            </a:r>
+            <a:endParaRPr lang="zh-CN" altLang="en-US"/>
+          </a:p>
+          <a:p>
+            <a:r>
+              <a:rPr lang="zh-CN" altLang="en-US"/>
+              <a:t>因此可改用</a:t>
+            </a:r>
+            <a:r>
+              <a:rPr lang="zh-CN" altLang="en-US" b="1"/>
+              <a:t>首地址指针</a:t>
+            </a:r>
+            <a:r>
+              <a:rPr lang="zh-CN" altLang="en-US"/>
+              <a:t>和</a:t>
+            </a:r>
+            <a:r>
+              <a:rPr lang="zh-CN" altLang="en-US" b="1"/>
+              <a:t>数组长度</a:t>
+            </a:r>
+            <a:r>
+              <a:rPr lang="zh-CN" altLang="en-US"/>
+              <a:t>做参数：</a:t>
+            </a:r>
+            <a:endParaRPr lang="zh-CN" altLang="en-US"/>
+          </a:p>
+          <a:p>
+            <a:r>
+              <a:rPr lang="en-US" altLang="zh-CN">
+                <a:solidFill>
+                  <a:schemeClr val="accent5">
+                    <a:lumMod val="75000"/>
+                  </a:schemeClr>
+                </a:solidFill>
+              </a:rPr>
+              <a:t>print(char const *a, size_t n);</a:t>
+            </a:r>
+            <a:endParaRPr lang="en-US" altLang="zh-CN">
+              <a:solidFill>
+                <a:schemeClr val="accent5">
+                  <a:lumMod val="75000"/>
+                </a:schemeClr>
+              </a:solidFill>
+            </a:endParaRPr>
+          </a:p>
+          <a:p>
+            <a:r>
+              <a:rPr lang="zh-CN">
+                <a:sym typeface="+mn-ea"/>
+              </a:rPr>
+              <a:t>这样</a:t>
+            </a:r>
+            <a:r>
+              <a:rPr lang="en-US" altLang="zh-CN">
+                <a:sym typeface="+mn-ea"/>
+              </a:rPr>
+              <a:t> print </a:t>
+            </a:r>
+            <a:r>
+              <a:rPr lang="zh-CN" altLang="en-US">
+                <a:sym typeface="+mn-ea"/>
+              </a:rPr>
+              <a:t>在无需知道容器具体类型的情况下，只用最简单的接口（首地址指针）就完成了遍历和打印的操作。</a:t>
+            </a:r>
+            <a:endParaRPr lang="zh-CN" altLang="en-US">
+              <a:solidFill>
+                <a:schemeClr val="accent5">
+                  <a:lumMod val="75000"/>
+                </a:schemeClr>
+              </a:solidFill>
+              <a:sym typeface="+mn-ea"/>
+            </a:endParaRPr>
+          </a:p>
+        </p:txBody>
+      </p:sp>
+      <p:pic>
+        <p:nvPicPr>
+          <p:cNvPr id="5" name="Content Placeholder 4"/>
+          <p:cNvPicPr>
+            <a:picLocks noChangeAspect="1"/>
+          </p:cNvPicPr>
+          <p:nvPr>
+            <p:ph sz="half" idx="2"/>
+          </p:nvPr>
+        </p:nvPicPr>
+        <p:blipFill>
+          <a:blip r:embed="rId1"/>
+          <a:stretch>
+            <a:fillRect/>
+          </a:stretch>
+        </p:blipFill>
+        <p:spPr>
+          <a:xfrm>
+            <a:off x="5831205" y="2102485"/>
+            <a:ext cx="5482590" cy="3797300"/>
+          </a:xfrm>
+          <a:prstGeom prst="rect">
+            <a:avLst/>
+          </a:prstGeom>
+        </p:spPr>
+      </p:pic>
+      <p:pic>
+        <p:nvPicPr>
+          <p:cNvPr id="7" name="Picture 6"/>
+          <p:cNvPicPr>
+            <a:picLocks noChangeAspect="1"/>
+          </p:cNvPicPr>
+          <p:nvPr/>
+        </p:nvPicPr>
+        <p:blipFill>
+          <a:blip r:embed="rId2"/>
+          <a:stretch>
+            <a:fillRect/>
+          </a:stretch>
+        </p:blipFill>
+        <p:spPr>
+          <a:xfrm>
+            <a:off x="274955" y="3615690"/>
+            <a:ext cx="266700" cy="2038350"/>
+          </a:xfrm>
+          <a:prstGeom prst="rect">
+            <a:avLst/>
+          </a:prstGeom>
+        </p:spPr>
+      </p:pic>
+    </p:spTree>
+  </p:cSld>
+  <p:clrMapOvr>
+    <a:masterClrMapping/>
+  </p:clrMapOvr>
+</p:sld>
+</file>
+
+<file path=ppt/slides/slide55.xml><?xml version="1.0" encoding="utf-8"?>
+<p:sld xmlns:a="http://schemas.openxmlformats.org/drawingml/2006/main" xmlns:r="http://schemas.openxmlformats.org/officeDocument/2006/relationships" xmlns:p="http://schemas.openxmlformats.org/presentationml/2006/main">
+  <p:cSld>
+    <p:spTree>
+      <p:nvGrpSpPr>
+        <p:cNvPr id="1" name=""/>
+        <p:cNvGrpSpPr/>
+        <p:nvPr/>
+      </p:nvGrpSpPr>
+      <p:grpSpPr/>
+      <p:sp>
+        <p:nvSpPr>
+          <p:cNvPr id="2" name="Title 1"/>
+          <p:cNvSpPr>
+            <a:spLocks noGrp="1"/>
+          </p:cNvSpPr>
+          <p:nvPr>
+            <p:ph type="title"/>
+          </p:nvPr>
+        </p:nvSpPr>
+        <p:spPr/>
+        <p:txBody>
+          <a:bodyPr/>
+          <a:p>
+            <a:r>
+              <a:rPr lang="zh-CN"/>
+              <a:t>迭代器模式</a:t>
+            </a:r>
+            <a:endParaRPr lang="zh-CN"/>
+          </a:p>
+        </p:txBody>
+      </p:sp>
+      <p:sp>
+        <p:nvSpPr>
+          <p:cNvPr id="3" name="Content Placeholder 2"/>
+          <p:cNvSpPr>
+            <a:spLocks noGrp="1"/>
+          </p:cNvSpPr>
+          <p:nvPr>
+            <p:ph sz="half" idx="1"/>
+          </p:nvPr>
+        </p:nvSpPr>
+        <p:spPr/>
+        <p:txBody>
+          <a:bodyPr/>
+          <a:p>
+            <a:r>
+              <a:rPr lang="zh-CN"/>
+              <a:t>使用</a:t>
+            </a:r>
+            <a:r>
+              <a:rPr lang="zh-CN" b="1"/>
+              <a:t>指针</a:t>
+            </a:r>
+            <a:r>
+              <a:rPr lang="zh-CN"/>
+              <a:t>和</a:t>
+            </a:r>
+            <a:r>
+              <a:rPr lang="zh-CN" b="1"/>
+              <a:t>长度</a:t>
+            </a:r>
+            <a:r>
+              <a:rPr lang="zh-CN"/>
+              <a:t>做接口的好处是，可以通过给指针加减运算，选择其中一部分连续的元素来打印，而不一定全部打印出来。</a:t>
+            </a:r>
+            <a:endParaRPr lang="zh-CN"/>
+          </a:p>
+          <a:p>
+            <a:r>
+              <a:rPr lang="zh-CN">
+                <a:sym typeface="+mn-ea"/>
+              </a:rPr>
+              <a:t>比如这里我们选择打印</a:t>
+            </a:r>
+            <a:r>
+              <a:rPr lang="zh-CN" b="1">
+                <a:sym typeface="+mn-ea"/>
+              </a:rPr>
+              <a:t>前三个元素</a:t>
+            </a:r>
+            <a:r>
+              <a:rPr lang="zh-CN">
+                <a:sym typeface="+mn-ea"/>
+              </a:rPr>
+              <a:t>（去掉了最后一个元素，但不必用</a:t>
+            </a:r>
+            <a:r>
+              <a:rPr lang="en-US" altLang="zh-CN">
+                <a:sym typeface="+mn-ea"/>
+              </a:rPr>
+              <a:t> pop_back </a:t>
+            </a:r>
+            <a:r>
+              <a:rPr lang="zh-CN" altLang="en-US">
+                <a:sym typeface="+mn-ea"/>
+              </a:rPr>
+              <a:t>修改数组，只要传参数的时候修改一下</a:t>
+            </a:r>
+            <a:r>
+              <a:rPr lang="zh-CN" altLang="en-US" b="1">
+                <a:sym typeface="+mn-ea"/>
+              </a:rPr>
+              <a:t>长度</a:t>
+            </a:r>
+            <a:r>
+              <a:rPr lang="en-US" altLang="zh-CN">
+                <a:sym typeface="+mn-ea"/>
+              </a:rPr>
+              <a:t> </a:t>
+            </a:r>
+            <a:r>
+              <a:rPr lang="zh-CN" altLang="en-US">
+                <a:sym typeface="+mn-ea"/>
+              </a:rPr>
+              <a:t>部分即可</a:t>
+            </a:r>
+            <a:r>
+              <a:rPr lang="zh-CN">
+                <a:sym typeface="+mn-ea"/>
+              </a:rPr>
+              <a:t>）。</a:t>
+            </a:r>
+            <a:endParaRPr lang="zh-CN">
+              <a:solidFill>
+                <a:schemeClr val="accent5">
+                  <a:lumMod val="75000"/>
+                </a:schemeClr>
+              </a:solidFill>
+              <a:sym typeface="+mn-ea"/>
+            </a:endParaRPr>
+          </a:p>
+        </p:txBody>
+      </p:sp>
+      <p:pic>
+        <p:nvPicPr>
+          <p:cNvPr id="9" name="Content Placeholder 8"/>
+          <p:cNvPicPr>
+            <a:picLocks noChangeAspect="1"/>
+          </p:cNvPicPr>
+          <p:nvPr>
+            <p:ph sz="half" idx="2"/>
+          </p:nvPr>
+        </p:nvPicPr>
+        <p:blipFill>
+          <a:blip r:embed="rId1"/>
+          <a:stretch>
+            <a:fillRect/>
+          </a:stretch>
+        </p:blipFill>
+        <p:spPr>
+          <a:xfrm>
+            <a:off x="6005195" y="2470785"/>
+            <a:ext cx="5134610" cy="3061335"/>
+          </a:xfrm>
+          <a:prstGeom prst="rect">
+            <a:avLst/>
+          </a:prstGeom>
+        </p:spPr>
+      </p:pic>
+      <p:pic>
+        <p:nvPicPr>
+          <p:cNvPr id="10" name="Picture 9"/>
+          <p:cNvPicPr>
+            <a:picLocks noChangeAspect="1"/>
+          </p:cNvPicPr>
+          <p:nvPr/>
+        </p:nvPicPr>
+        <p:blipFill>
+          <a:blip r:embed="rId2"/>
+          <a:stretch>
+            <a:fillRect/>
+          </a:stretch>
+        </p:blipFill>
+        <p:spPr>
+          <a:xfrm>
+            <a:off x="198120" y="3438525"/>
+            <a:ext cx="370840" cy="1126490"/>
+          </a:xfrm>
+          <a:prstGeom prst="rect">
+            <a:avLst/>
+          </a:prstGeom>
+        </p:spPr>
+      </p:pic>
+      <p:cxnSp>
+        <p:nvCxnSpPr>
+          <p:cNvPr id="11" name="Straight Connector 10"/>
+          <p:cNvCxnSpPr/>
+          <p:nvPr/>
+        </p:nvCxnSpPr>
+        <p:spPr>
+          <a:xfrm>
+            <a:off x="8491855" y="4961255"/>
+            <a:ext cx="1440815" cy="0"/>
+          </a:xfrm>
+          <a:prstGeom prst="line">
+            <a:avLst/>
+          </a:prstGeom>
+          <a:ln w="25400"/>
+        </p:spPr>
+        <p:style>
+          <a:lnRef idx="1">
+            <a:schemeClr val="accent1"/>
+          </a:lnRef>
+          <a:fillRef idx="0">
+            <a:schemeClr val="accent1"/>
+          </a:fillRef>
+          <a:effectRef idx="0">
+            <a:schemeClr val="accent1"/>
+          </a:effectRef>
+          <a:fontRef idx="minor">
+            <a:schemeClr val="tx1"/>
+          </a:fontRef>
+        </p:style>
+      </p:cxnSp>
+    </p:spTree>
+  </p:cSld>
+  <p:clrMapOvr>
+    <a:masterClrMapping/>
+  </p:clrMapOvr>
+</p:sld>
+</file>
+
+<file path=ppt/slides/slide56.xml><?xml version="1.0" encoding="utf-8"?>
+<p:sld xmlns:a="http://schemas.openxmlformats.org/drawingml/2006/main" xmlns:r="http://schemas.openxmlformats.org/officeDocument/2006/relationships" xmlns:p="http://schemas.openxmlformats.org/presentationml/2006/main">
+  <p:cSld>
+    <p:spTree>
+      <p:nvGrpSpPr>
+        <p:cNvPr id="1" name=""/>
+        <p:cNvGrpSpPr/>
+        <p:nvPr/>
+      </p:nvGrpSpPr>
+      <p:grpSpPr/>
       <p:pic>
         <p:nvPicPr>
           <p:cNvPr id="5" name="Content Placeholder 4"/>
@@ -11791,7 +15579,7 @@
 </p:sld>
 </file>
 
-<file path=ppt/slides/slide41.xml><?xml version="1.0" encoding="utf-8"?>
+<file path=ppt/slides/slide57.xml><?xml version="1.0" encoding="utf-8"?>
 <p:sld xmlns:a="http://schemas.openxmlformats.org/drawingml/2006/main" xmlns:r="http://schemas.openxmlformats.org/officeDocument/2006/relationships" xmlns:p="http://schemas.openxmlformats.org/presentationml/2006/main">
   <p:cSld>
     <p:spTree>
@@ -12075,7 +15863,7 @@
 </p:sld>
 </file>
 
-<file path=ppt/slides/slide42.xml><?xml version="1.0" encoding="utf-8"?>
+<file path=ppt/slides/slide58.xml><?xml version="1.0" encoding="utf-8"?>
 <p:sld xmlns:a="http://schemas.openxmlformats.org/drawingml/2006/main" xmlns:r="http://schemas.openxmlformats.org/officeDocument/2006/relationships" xmlns:p="http://schemas.openxmlformats.org/presentationml/2006/main">
   <p:cSld>
     <p:spTree>
@@ -12450,7 +16238,7 @@
 </p:sld>
 </file>
 
-<file path=ppt/slides/slide43.xml><?xml version="1.0" encoding="utf-8"?>
+<file path=ppt/slides/slide59.xml><?xml version="1.0" encoding="utf-8"?>
 <p:sld xmlns:a="http://schemas.openxmlformats.org/drawingml/2006/main" xmlns:r="http://schemas.openxmlformats.org/officeDocument/2006/relationships" xmlns:p="http://schemas.openxmlformats.org/presentationml/2006/main">
   <p:cSld>
     <p:spTree>
@@ -12728,7 +16516,7 @@
 </p:sld>
 </file>
 
-<file path=ppt/slides/slide44.xml><?xml version="1.0" encoding="utf-8"?>
+<file path=ppt/slides/slide6.xml><?xml version="1.0" encoding="utf-8"?>
 <p:sld xmlns:a="http://schemas.openxmlformats.org/drawingml/2006/main" xmlns:r="http://schemas.openxmlformats.org/officeDocument/2006/relationships" xmlns:p="http://schemas.openxmlformats.org/presentationml/2006/main">
   <p:cSld>
     <p:spTree>
@@ -12753,113 +16541,43 @@
           <a:bodyPr/>
           <a:p>
             <a:r>
+              <a:rPr lang="en-US" altLang="zh-CN"/>
+              <a:t>C++ </a:t>
+            </a:r>
+            <a:r>
               <a:rPr lang="zh-CN"/>
-              <a:t>迭代器模式：</a:t>
+              <a:t>标准库五大件</a:t>
             </a:r>
             <a:r>
               <a:rPr lang="zh-CN">
                 <a:sym typeface="+mn-ea"/>
               </a:rPr>
-              <a:t>首指针＋</a:t>
+              <a:t>：输入输出流（</a:t>
+            </a:r>
+            <a:r>
+              <a:rPr lang="en-US" altLang="zh-CN">
+                <a:sym typeface="+mn-ea"/>
+              </a:rPr>
+              <a:t>stream</a:t>
             </a:r>
             <a:r>
               <a:rPr lang="zh-CN">
                 <a:sym typeface="+mn-ea"/>
               </a:rPr>
-              <a:t>尾指针</a:t>
+              <a:t>）</a:t>
             </a:r>
             <a:endParaRPr lang="zh-CN"/>
-          </a:p>
-        </p:txBody>
-      </p:sp>
-      <p:sp>
-        <p:nvSpPr>
-          <p:cNvPr id="3" name="Content Placeholder 2"/>
-          <p:cNvSpPr>
-            <a:spLocks noGrp="1"/>
-          </p:cNvSpPr>
-          <p:nvPr>
-            <p:ph sz="half" idx="1"/>
-          </p:nvPr>
-        </p:nvSpPr>
-        <p:spPr>
-          <a:xfrm>
-            <a:off x="647700" y="1734820"/>
-            <a:ext cx="5181600" cy="4504055"/>
-          </a:xfrm>
-        </p:spPr>
-        <p:txBody>
-          <a:bodyPr>
-            <a:normAutofit lnSpcReduction="10000"/>
-          </a:bodyPr>
-          <a:p>
-            <a:r>
-              <a:rPr lang="zh-CN">
-                <a:sym typeface="+mn-ea"/>
-              </a:rPr>
-              <a:t>还可以让</a:t>
-            </a:r>
-            <a:r>
-              <a:rPr lang="zh-CN" b="1">
-                <a:sym typeface="+mn-ea"/>
-              </a:rPr>
-              <a:t>首</a:t>
-            </a:r>
-            <a:r>
-              <a:rPr lang="zh-CN" b="1">
-                <a:sym typeface="+mn-ea"/>
-              </a:rPr>
-              <a:t>指针</a:t>
-            </a:r>
-            <a:r>
-              <a:rPr lang="zh-CN">
-                <a:sym typeface="+mn-ea"/>
-              </a:rPr>
-              <a:t>和</a:t>
-            </a:r>
-            <a:r>
-              <a:rPr lang="zh-CN" b="1">
-                <a:sym typeface="+mn-ea"/>
-              </a:rPr>
-              <a:t>尾指针</a:t>
-            </a:r>
-            <a:r>
-              <a:rPr lang="zh-CN">
-                <a:sym typeface="+mn-ea"/>
-              </a:rPr>
-              <a:t>声明为模板参数，这样不论指针是什么类型，都可以使用</a:t>
-            </a:r>
-            <a:r>
-              <a:rPr lang="en-US" altLang="zh-CN">
-                <a:sym typeface="+mn-ea"/>
-              </a:rPr>
-              <a:t> print </a:t>
-            </a:r>
-            <a:r>
-              <a:rPr lang="zh-CN">
-                <a:sym typeface="+mn-ea"/>
-              </a:rPr>
-              <a:t>这个模板函数来打印。</a:t>
-            </a:r>
-            <a:endParaRPr lang="zh-CN">
-              <a:solidFill>
-                <a:schemeClr val="accent5">
-                  <a:lumMod val="75000"/>
-                </a:schemeClr>
-              </a:solidFill>
-              <a:sym typeface="+mn-ea"/>
-            </a:endParaRPr>
           </a:p>
         </p:txBody>
       </p:sp>
       <p:pic>
         <p:nvPicPr>
-          <p:cNvPr id="7" name="Content Placeholder 6"/>
+          <p:cNvPr id="4" name="Content Placeholder 3"/>
           <p:cNvPicPr>
             <a:picLocks noChangeAspect="1"/>
           </p:cNvPicPr>
           <p:nvPr>
-            <p:ph sz="half" idx="2"/>
+            <p:ph idx="1"/>
           </p:nvPr>
         </p:nvPicPr>
         <p:blipFill>
@@ -12870,1188 +16588,24 @@
         </p:blipFill>
         <p:spPr>
           <a:xfrm>
-            <a:off x="5824855" y="1643380"/>
-            <a:ext cx="5495290" cy="4716780"/>
+            <a:off x="57150" y="2132965"/>
+            <a:ext cx="12077065" cy="3736340"/>
           </a:xfrm>
           <a:prstGeom prst="rect">
             <a:avLst/>
           </a:prstGeom>
         </p:spPr>
       </p:pic>
-      <p:pic>
-        <p:nvPicPr>
-          <p:cNvPr id="8" name="Picture 7"/>
-          <p:cNvPicPr>
-            <a:picLocks noChangeAspect="1"/>
-          </p:cNvPicPr>
-          <p:nvPr/>
-        </p:nvPicPr>
-        <p:blipFill>
-          <a:blip r:embed="rId2"/>
-          <a:stretch>
-            <a:fillRect/>
-          </a:stretch>
-        </p:blipFill>
-        <p:spPr>
-          <a:xfrm>
-            <a:off x="1613535" y="3777615"/>
-            <a:ext cx="328930" cy="2582545"/>
-          </a:xfrm>
-          <a:prstGeom prst="rect">
-            <a:avLst/>
-          </a:prstGeom>
-        </p:spPr>
-      </p:pic>
-    </p:spTree>
-  </p:cSld>
-  <p:clrMapOvr>
-    <a:masterClrMapping/>
-  </p:clrMapOvr>
-</p:sld>
-</file>
-
-<file path=ppt/slides/slide45.xml><?xml version="1.0" encoding="utf-8"?>
-<p:sld xmlns:a="http://schemas.openxmlformats.org/drawingml/2006/main" xmlns:r="http://schemas.openxmlformats.org/officeDocument/2006/relationships" xmlns:p="http://schemas.openxmlformats.org/presentationml/2006/main">
-  <p:cSld>
-    <p:spTree>
-      <p:nvGrpSpPr>
-        <p:cNvPr id="1" name=""/>
-        <p:cNvGrpSpPr/>
-        <p:nvPr/>
-      </p:nvGrpSpPr>
-      <p:grpSpPr/>
-      <p:sp>
-        <p:nvSpPr>
-          <p:cNvPr id="2" name="Title 1"/>
-          <p:cNvSpPr>
-            <a:spLocks noGrp="1"/>
-          </p:cNvSpPr>
-          <p:nvPr>
-            <p:ph type="title"/>
-          </p:nvPr>
-        </p:nvSpPr>
-        <p:spPr/>
-        <p:txBody>
-          <a:bodyPr/>
-          <a:p>
-            <a:r>
-              <a:rPr lang="zh-CN"/>
-              <a:t>迭代器模式</a:t>
-            </a:r>
-            <a:r>
-              <a:rPr lang="zh-CN">
-                <a:sym typeface="+mn-ea"/>
-              </a:rPr>
-              <a:t>：</a:t>
-            </a:r>
-            <a:r>
-              <a:rPr lang="zh-CN">
-                <a:sym typeface="+mn-ea"/>
-              </a:rPr>
-              <a:t>首指针＋尾指针</a:t>
-            </a:r>
-            <a:endParaRPr lang="zh-CN"/>
-          </a:p>
-        </p:txBody>
-      </p:sp>
-      <p:sp>
-        <p:nvSpPr>
-          <p:cNvPr id="3" name="Content Placeholder 2"/>
-          <p:cNvSpPr>
-            <a:spLocks noGrp="1"/>
-          </p:cNvSpPr>
-          <p:nvPr>
-            <p:ph sz="half" idx="1"/>
-          </p:nvPr>
-        </p:nvSpPr>
-        <p:spPr>
-          <a:xfrm>
-            <a:off x="647700" y="1734820"/>
-            <a:ext cx="5181600" cy="4504055"/>
-          </a:xfrm>
-        </p:spPr>
-        <p:txBody>
-          <a:bodyPr>
-            <a:normAutofit lnSpcReduction="10000"/>
-          </a:bodyPr>
-          <a:p>
-            <a:r>
-              <a:rPr lang="zh-CN" b="1">
-                <a:sym typeface="+mn-ea"/>
-              </a:rPr>
-              <a:t>首指针</a:t>
-            </a:r>
-            <a:r>
-              <a:rPr lang="zh-CN">
-                <a:sym typeface="+mn-ea"/>
-              </a:rPr>
-              <a:t>和</a:t>
-            </a:r>
-            <a:r>
-              <a:rPr lang="zh-CN" b="1">
-                <a:sym typeface="+mn-ea"/>
-              </a:rPr>
-              <a:t>尾指针</a:t>
-            </a:r>
-            <a:r>
-              <a:rPr lang="zh-CN">
-                <a:sym typeface="+mn-ea"/>
-              </a:rPr>
-              <a:t>的组合的确能胜任</a:t>
-            </a:r>
-            <a:r>
-              <a:rPr lang="en-US" altLang="zh-CN">
-                <a:sym typeface="+mn-ea"/>
-              </a:rPr>
-              <a:t> vector </a:t>
-            </a:r>
-            <a:r>
-              <a:rPr lang="zh-CN" altLang="en-US">
-                <a:sym typeface="+mn-ea"/>
-              </a:rPr>
-              <a:t>这种连续数组，但是对于</a:t>
-            </a:r>
-            <a:r>
-              <a:rPr lang="en-US" altLang="zh-CN">
-                <a:sym typeface="+mn-ea"/>
-              </a:rPr>
-              <a:t> list </a:t>
-            </a:r>
-            <a:r>
-              <a:rPr lang="zh-CN" altLang="en-US">
-                <a:sym typeface="+mn-ea"/>
-              </a:rPr>
-              <a:t>这种不连续的内存的容器就没辙了。</a:t>
-            </a:r>
-            <a:endParaRPr lang="zh-CN" altLang="en-US">
-              <a:sym typeface="+mn-ea"/>
-            </a:endParaRPr>
-          </a:p>
-          <a:p>
-            <a:r>
-              <a:rPr lang="zh-CN" altLang="en-US">
-                <a:sym typeface="+mn-ea"/>
-              </a:rPr>
-              <a:t>没错，</a:t>
-            </a:r>
-            <a:r>
-              <a:rPr lang="en-US" altLang="zh-CN">
-                <a:sym typeface="+mn-ea"/>
-              </a:rPr>
-              <a:t>list </a:t>
-            </a:r>
-            <a:r>
-              <a:rPr lang="zh-CN" altLang="en-US">
-                <a:sym typeface="+mn-ea"/>
-              </a:rPr>
-              <a:t>没有</a:t>
-            </a:r>
-            <a:r>
-              <a:rPr lang="en-US" altLang="zh-CN">
-                <a:sym typeface="+mn-ea"/>
-              </a:rPr>
-              <a:t> data() </a:t>
-            </a:r>
-            <a:r>
-              <a:rPr lang="zh-CN" altLang="en-US">
-                <a:sym typeface="+mn-ea"/>
-              </a:rPr>
-              <a:t>这个成员函数，因为他根本就不连续。</a:t>
-            </a:r>
-            <a:endParaRPr lang="zh-CN" altLang="en-US">
-              <a:solidFill>
-                <a:schemeClr val="accent5">
-                  <a:lumMod val="75000"/>
-                </a:schemeClr>
-              </a:solidFill>
-              <a:sym typeface="+mn-ea"/>
-            </a:endParaRPr>
-          </a:p>
-        </p:txBody>
-      </p:sp>
-      <p:pic>
-        <p:nvPicPr>
-          <p:cNvPr id="10" name="Picture 9"/>
-          <p:cNvPicPr>
-            <a:picLocks noChangeAspect="1"/>
-          </p:cNvPicPr>
-          <p:nvPr/>
-        </p:nvPicPr>
-        <p:blipFill>
-          <a:blip r:embed="rId1"/>
-          <a:stretch>
-            <a:fillRect/>
-          </a:stretch>
-        </p:blipFill>
-        <p:spPr>
-          <a:xfrm>
-            <a:off x="2219960" y="5172075"/>
-            <a:ext cx="2171700" cy="1685925"/>
-          </a:xfrm>
-          <a:prstGeom prst="rect">
-            <a:avLst/>
-          </a:prstGeom>
-        </p:spPr>
-      </p:pic>
-      <p:pic>
-        <p:nvPicPr>
-          <p:cNvPr id="5" name="Content Placeholder 4"/>
-          <p:cNvPicPr>
-            <a:picLocks noChangeAspect="1"/>
-          </p:cNvPicPr>
-          <p:nvPr>
-            <p:ph sz="half" idx="2"/>
-          </p:nvPr>
-        </p:nvPicPr>
-        <p:blipFill>
-          <a:blip r:embed="rId2"/>
-          <a:stretch>
-            <a:fillRect/>
-          </a:stretch>
-        </p:blipFill>
-        <p:spPr>
-          <a:xfrm>
-            <a:off x="5829300" y="2400300"/>
-            <a:ext cx="6162040" cy="3303905"/>
-          </a:xfrm>
-          <a:prstGeom prst="rect">
-            <a:avLst/>
-          </a:prstGeom>
-        </p:spPr>
-      </p:pic>
-    </p:spTree>
-  </p:cSld>
-  <p:clrMapOvr>
-    <a:masterClrMapping/>
-  </p:clrMapOvr>
-</p:sld>
-</file>
-
-<file path=ppt/slides/slide46.xml><?xml version="1.0" encoding="utf-8"?>
-<p:sld xmlns:a="http://schemas.openxmlformats.org/drawingml/2006/main" xmlns:r="http://schemas.openxmlformats.org/officeDocument/2006/relationships" xmlns:p="http://schemas.openxmlformats.org/presentationml/2006/main">
-  <p:cSld>
-    <p:spTree>
-      <p:nvGrpSpPr>
-        <p:cNvPr id="1" name=""/>
-        <p:cNvGrpSpPr/>
-        <p:nvPr/>
-      </p:nvGrpSpPr>
-      <p:grpSpPr/>
-      <p:sp>
-        <p:nvSpPr>
-          <p:cNvPr id="2" name="Title 1"/>
-          <p:cNvSpPr>
-            <a:spLocks noGrp="1"/>
-          </p:cNvSpPr>
-          <p:nvPr>
-            <p:ph type="title"/>
-          </p:nvPr>
-        </p:nvSpPr>
-        <p:spPr/>
-        <p:txBody>
-          <a:bodyPr/>
-          <a:p>
-            <a:r>
-              <a:rPr lang="zh-CN"/>
-              <a:t>迭代器模式</a:t>
-            </a:r>
-            <a:r>
-              <a:rPr lang="zh-CN">
-                <a:sym typeface="+mn-ea"/>
-              </a:rPr>
-              <a:t>：</a:t>
-            </a:r>
-            <a:r>
-              <a:rPr lang="zh-CN">
-                <a:sym typeface="+mn-ea"/>
-              </a:rPr>
-              <a:t>首</a:t>
-            </a:r>
-            <a:r>
-              <a:rPr lang="zh-CN">
-                <a:sym typeface="+mn-ea"/>
-              </a:rPr>
-              <a:t>迭代器＋尾迭代器</a:t>
-            </a:r>
-            <a:endParaRPr lang="zh-CN"/>
-          </a:p>
-        </p:txBody>
-      </p:sp>
-      <p:sp>
-        <p:nvSpPr>
-          <p:cNvPr id="3" name="Content Placeholder 2"/>
-          <p:cNvSpPr>
-            <a:spLocks noGrp="1"/>
-          </p:cNvSpPr>
-          <p:nvPr>
-            <p:ph sz="half" idx="1"/>
-          </p:nvPr>
-        </p:nvSpPr>
-        <p:spPr>
-          <a:xfrm>
-            <a:off x="647700" y="1541145"/>
-            <a:ext cx="5181600" cy="4892040"/>
-          </a:xfrm>
-        </p:spPr>
-        <p:txBody>
-          <a:bodyPr>
-            <a:normAutofit lnSpcReduction="20000"/>
-          </a:bodyPr>
-          <a:p>
-            <a:r>
-              <a:rPr lang="zh-CN">
-                <a:sym typeface="+mn-ea"/>
-              </a:rPr>
-              <a:t>然而</a:t>
-            </a:r>
-            <a:r>
-              <a:rPr lang="en-US" altLang="zh-CN">
-                <a:sym typeface="+mn-ea"/>
-              </a:rPr>
-              <a:t> list </a:t>
-            </a:r>
-            <a:r>
-              <a:rPr lang="zh-CN" altLang="en-US">
-                <a:sym typeface="+mn-ea"/>
-              </a:rPr>
-              <a:t>却提供了</a:t>
-            </a:r>
-            <a:r>
-              <a:rPr lang="en-US" altLang="zh-CN">
-                <a:sym typeface="+mn-ea"/>
-              </a:rPr>
-              <a:t> begin() </a:t>
-            </a:r>
-            <a:r>
-              <a:rPr lang="zh-CN" altLang="en-US">
-                <a:sym typeface="+mn-ea"/>
-              </a:rPr>
-              <a:t>和</a:t>
-            </a:r>
-            <a:r>
-              <a:rPr lang="en-US" altLang="zh-CN">
-                <a:sym typeface="+mn-ea"/>
-              </a:rPr>
-              <a:t> end() </a:t>
-            </a:r>
-            <a:r>
-              <a:rPr lang="zh-CN" altLang="en-US">
-                <a:sym typeface="+mn-ea"/>
-              </a:rPr>
-              <a:t>函数，他们会返回两个</a:t>
-            </a:r>
-            <a:r>
-              <a:rPr lang="en-US" altLang="zh-CN">
-                <a:sym typeface="+mn-ea"/>
-              </a:rPr>
-              <a:t> list&lt;char&gt;::iterator </a:t>
-            </a:r>
-            <a:r>
-              <a:rPr lang="zh-CN" altLang="en-US">
-                <a:sym typeface="+mn-ea"/>
-              </a:rPr>
-              <a:t>对象。</a:t>
-            </a:r>
-            <a:endParaRPr lang="zh-CN" altLang="en-US">
-              <a:sym typeface="+mn-ea"/>
-            </a:endParaRPr>
-          </a:p>
-          <a:p>
-            <a:r>
-              <a:rPr lang="zh-CN" altLang="en-US">
-                <a:sym typeface="+mn-ea"/>
-              </a:rPr>
-              <a:t>这个</a:t>
-            </a:r>
-            <a:r>
-              <a:rPr lang="en-US" altLang="zh-CN">
-                <a:sym typeface="+mn-ea"/>
-              </a:rPr>
-              <a:t> list&lt;char&gt;::iterator </a:t>
-            </a:r>
-            <a:r>
-              <a:rPr lang="zh-CN" altLang="en-US">
-                <a:sym typeface="+mn-ea"/>
-              </a:rPr>
-              <a:t>是一个特殊定义过的类型，其具有</a:t>
-            </a:r>
-            <a:r>
-              <a:rPr lang="en-US" altLang="zh-CN">
-                <a:sym typeface="+mn-ea"/>
-              </a:rPr>
-              <a:t> != </a:t>
-            </a:r>
-            <a:r>
-              <a:rPr lang="zh-CN" altLang="en-US">
-                <a:sym typeface="+mn-ea"/>
-              </a:rPr>
-              <a:t>和</a:t>
-            </a:r>
-            <a:r>
-              <a:rPr lang="en-US" altLang="zh-CN">
-                <a:sym typeface="+mn-ea"/>
-              </a:rPr>
-              <a:t> ++ </a:t>
-            </a:r>
-            <a:r>
-              <a:rPr lang="zh-CN" altLang="en-US">
-                <a:sym typeface="+mn-ea"/>
-              </a:rPr>
-              <a:t>以及</a:t>
-            </a:r>
-            <a:r>
-              <a:rPr lang="en-US" altLang="zh-CN">
-                <a:sym typeface="+mn-ea"/>
-              </a:rPr>
-              <a:t> * </a:t>
-            </a:r>
-            <a:r>
-              <a:rPr lang="zh-CN" altLang="en-US">
-                <a:sym typeface="+mn-ea"/>
-              </a:rPr>
-              <a:t>这些</a:t>
-            </a:r>
-            <a:r>
-              <a:rPr lang="zh-CN" altLang="en-US" b="1">
-                <a:sym typeface="+mn-ea"/>
-              </a:rPr>
-              <a:t>运算符的重载</a:t>
-            </a:r>
-            <a:r>
-              <a:rPr lang="zh-CN" altLang="en-US">
-                <a:sym typeface="+mn-ea"/>
-              </a:rPr>
-              <a:t>。所以用起来就像普通的指针一样。而这些运算符重载，却会把</a:t>
-            </a:r>
-            <a:r>
-              <a:rPr lang="en-US" altLang="zh-CN">
-                <a:sym typeface="+mn-ea"/>
-              </a:rPr>
-              <a:t> ++ </a:t>
-            </a:r>
-            <a:r>
-              <a:rPr lang="zh-CN" altLang="en-US">
-                <a:sym typeface="+mn-ea"/>
-              </a:rPr>
-              <a:t>对应到</a:t>
-            </a:r>
-            <a:r>
-              <a:rPr lang="en-US" altLang="zh-CN">
-                <a:sym typeface="+mn-ea"/>
-              </a:rPr>
-              <a:t> </a:t>
-            </a:r>
-            <a:r>
-              <a:rPr lang="zh-CN" altLang="en-US">
-                <a:sym typeface="+mn-ea"/>
-              </a:rPr>
-              <a:t>链表的</a:t>
-            </a:r>
-            <a:r>
-              <a:rPr lang="en-US" altLang="zh-CN">
-                <a:sym typeface="+mn-ea"/>
-              </a:rPr>
-              <a:t> curr = curr-&gt;next </a:t>
-            </a:r>
-            <a:r>
-              <a:rPr lang="zh-CN" altLang="en-US">
-                <a:sym typeface="+mn-ea"/>
-              </a:rPr>
-              <a:t>上。</a:t>
-            </a:r>
-            <a:endParaRPr lang="zh-CN" altLang="en-US">
-              <a:sym typeface="+mn-ea"/>
-            </a:endParaRPr>
-          </a:p>
-          <a:p>
-            <a:r>
-              <a:rPr lang="zh-CN" altLang="en-US">
-                <a:sym typeface="+mn-ea"/>
-              </a:rPr>
-              <a:t>这样一个用起来就像普通的指针，但内部却通过运算符重载适配不同容器的特殊类，就是</a:t>
-            </a:r>
-            <a:r>
-              <a:rPr lang="zh-CN" altLang="en-US" b="1">
-                <a:sym typeface="+mn-ea"/>
-              </a:rPr>
-              <a:t>迭代器</a:t>
-            </a:r>
-            <a:r>
-              <a:rPr lang="en-US" altLang="zh-CN" b="1">
-                <a:sym typeface="+mn-ea"/>
-              </a:rPr>
-              <a:t>(iterator)</a:t>
-            </a:r>
-            <a:r>
-              <a:rPr lang="zh-CN" altLang="en-US">
-                <a:sym typeface="+mn-ea"/>
-              </a:rPr>
-              <a:t>，迭代器是</a:t>
-            </a:r>
-            <a:r>
-              <a:rPr lang="en-US" altLang="zh-CN">
-                <a:sym typeface="+mn-ea"/>
-              </a:rPr>
-              <a:t> STL </a:t>
-            </a:r>
-            <a:r>
-              <a:rPr lang="zh-CN" altLang="en-US">
-                <a:sym typeface="+mn-ea"/>
-              </a:rPr>
-              <a:t>中</a:t>
-            </a:r>
-            <a:r>
-              <a:rPr lang="zh-CN" altLang="en-US" b="1">
-                <a:sym typeface="+mn-ea"/>
-              </a:rPr>
-              <a:t>容器</a:t>
-            </a:r>
-            <a:r>
-              <a:rPr lang="zh-CN" altLang="en-US">
-                <a:sym typeface="+mn-ea"/>
-              </a:rPr>
-              <a:t>和</a:t>
-            </a:r>
-            <a:r>
-              <a:rPr lang="zh-CN" altLang="en-US" b="1">
-                <a:sym typeface="+mn-ea"/>
-              </a:rPr>
-              <a:t>算法</a:t>
-            </a:r>
-            <a:r>
-              <a:rPr lang="zh-CN" altLang="en-US">
-                <a:sym typeface="+mn-ea"/>
-              </a:rPr>
-              <a:t>之间的桥梁。</a:t>
-            </a:r>
-            <a:endParaRPr lang="zh-CN" altLang="en-US">
-              <a:solidFill>
-                <a:schemeClr val="accent5">
-                  <a:lumMod val="75000"/>
-                </a:schemeClr>
-              </a:solidFill>
-              <a:sym typeface="+mn-ea"/>
-            </a:endParaRPr>
-          </a:p>
-        </p:txBody>
-      </p:sp>
-      <p:pic>
-        <p:nvPicPr>
-          <p:cNvPr id="6" name="Content Placeholder 5"/>
-          <p:cNvPicPr>
-            <a:picLocks noChangeAspect="1"/>
-          </p:cNvPicPr>
-          <p:nvPr>
-            <p:ph sz="half" idx="2"/>
-          </p:nvPr>
-        </p:nvPicPr>
-        <p:blipFill>
-          <a:blip r:embed="rId1"/>
-          <a:stretch>
-            <a:fillRect/>
-          </a:stretch>
-        </p:blipFill>
-        <p:spPr>
-          <a:xfrm>
-            <a:off x="5981700" y="1734820"/>
-            <a:ext cx="5913120" cy="4032885"/>
-          </a:xfrm>
-          <a:prstGeom prst="rect">
-            <a:avLst/>
-          </a:prstGeom>
-        </p:spPr>
-      </p:pic>
-      <p:pic>
-        <p:nvPicPr>
-          <p:cNvPr id="7" name="Picture 6"/>
-          <p:cNvPicPr>
-            <a:picLocks noChangeAspect="1"/>
-          </p:cNvPicPr>
-          <p:nvPr/>
-        </p:nvPicPr>
-        <p:blipFill>
-          <a:blip r:embed="rId2"/>
-          <a:stretch>
-            <a:fillRect/>
-          </a:stretch>
-        </p:blipFill>
-        <p:spPr>
-          <a:xfrm>
-            <a:off x="216535" y="3226435"/>
-            <a:ext cx="331470" cy="1521460"/>
-          </a:xfrm>
-          <a:prstGeom prst="rect">
-            <a:avLst/>
-          </a:prstGeom>
-        </p:spPr>
-      </p:pic>
-    </p:spTree>
-  </p:cSld>
-  <p:clrMapOvr>
-    <a:masterClrMapping/>
-  </p:clrMapOvr>
-</p:sld>
-</file>
-
-<file path=ppt/slides/slide47.xml><?xml version="1.0" encoding="utf-8"?>
-<p:sld xmlns:a="http://schemas.openxmlformats.org/drawingml/2006/main" xmlns:r="http://schemas.openxmlformats.org/officeDocument/2006/relationships" xmlns:p="http://schemas.openxmlformats.org/presentationml/2006/main">
-  <p:cSld>
-    <p:spTree>
-      <p:nvGrpSpPr>
-        <p:cNvPr id="1" name=""/>
-        <p:cNvGrpSpPr/>
-        <p:nvPr/>
-      </p:nvGrpSpPr>
-      <p:grpSpPr/>
-      <p:sp>
-        <p:nvSpPr>
-          <p:cNvPr id="2" name="Title 1"/>
-          <p:cNvSpPr>
-            <a:spLocks noGrp="1"/>
-          </p:cNvSpPr>
-          <p:nvPr>
-            <p:ph type="title"/>
-          </p:nvPr>
-        </p:nvSpPr>
-        <p:spPr/>
-        <p:txBody>
-          <a:bodyPr/>
-          <a:p>
-            <a:r>
-              <a:rPr lang="zh-CN"/>
-              <a:t>迭代器模式</a:t>
-            </a:r>
-            <a:r>
-              <a:rPr lang="zh-CN">
-                <a:sym typeface="+mn-ea"/>
-              </a:rPr>
-              <a:t>：</a:t>
-            </a:r>
-            <a:r>
-              <a:rPr lang="zh-CN">
-                <a:sym typeface="+mn-ea"/>
-              </a:rPr>
-              <a:t>首</a:t>
-            </a:r>
-            <a:r>
-              <a:rPr lang="zh-CN">
-                <a:sym typeface="+mn-ea"/>
-              </a:rPr>
-              <a:t>迭代器＋尾迭代器</a:t>
-            </a:r>
-            <a:endParaRPr lang="zh-CN"/>
-          </a:p>
-        </p:txBody>
-      </p:sp>
-      <p:sp>
-        <p:nvSpPr>
-          <p:cNvPr id="3" name="Content Placeholder 2"/>
-          <p:cNvSpPr>
-            <a:spLocks noGrp="1"/>
-          </p:cNvSpPr>
-          <p:nvPr>
-            <p:ph sz="half" idx="1"/>
-          </p:nvPr>
-        </p:nvSpPr>
-        <p:spPr>
-          <a:xfrm>
-            <a:off x="647700" y="1316990"/>
-            <a:ext cx="5538470" cy="5340350"/>
-          </a:xfrm>
-        </p:spPr>
-        <p:txBody>
-          <a:bodyPr>
-            <a:normAutofit lnSpcReduction="20000"/>
-          </a:bodyPr>
-          <a:p>
-            <a:r>
-              <a:rPr lang="zh-CN">
-                <a:sym typeface="+mn-ea"/>
-              </a:rPr>
-              <a:t>如果让小彭老师来写</a:t>
-            </a:r>
-            <a:r>
-              <a:rPr lang="en-US" altLang="zh-CN">
-                <a:sym typeface="+mn-ea"/>
-              </a:rPr>
-              <a:t> list </a:t>
-            </a:r>
-            <a:r>
-              <a:rPr lang="zh-CN" altLang="en-US">
-                <a:sym typeface="+mn-ea"/>
-              </a:rPr>
-              <a:t>容器和他的迭代器，他的内部具体实现可能是这样的。</a:t>
-            </a:r>
-            <a:endParaRPr lang="zh-CN" altLang="en-US">
-              <a:sym typeface="+mn-ea"/>
-            </a:endParaRPr>
-          </a:p>
-          <a:p>
-            <a:r>
-              <a:rPr lang="zh-CN" altLang="en-US">
-                <a:sym typeface="+mn-ea"/>
-              </a:rPr>
-              <a:t>迭代器的这些运算符，都是约定俗成的，其根本目的在于模仿指针的行为，方便来自</a:t>
-            </a:r>
-            <a:r>
-              <a:rPr lang="en-US" altLang="zh-CN">
-                <a:sym typeface="+mn-ea"/>
-              </a:rPr>
-              <a:t> C </a:t>
-            </a:r>
-            <a:r>
-              <a:rPr lang="zh-CN" altLang="en-US">
-                <a:sym typeface="+mn-ea"/>
-              </a:rPr>
-              <a:t>语言的程序员快速上手掌握</a:t>
-            </a:r>
-            <a:r>
-              <a:rPr lang="en-US" altLang="zh-CN">
-                <a:sym typeface="+mn-ea"/>
-              </a:rPr>
-              <a:t> C++ </a:t>
-            </a:r>
-            <a:r>
-              <a:rPr lang="zh-CN" altLang="en-US">
-                <a:sym typeface="+mn-ea"/>
-              </a:rPr>
-              <a:t>标准库。</a:t>
-            </a:r>
-            <a:endParaRPr lang="zh-CN" altLang="en-US">
-              <a:sym typeface="+mn-ea"/>
-            </a:endParaRPr>
-          </a:p>
-          <a:p>
-            <a:r>
-              <a:rPr lang="zh-CN" altLang="en-US">
-                <a:sym typeface="+mn-ea"/>
-              </a:rPr>
-              <a:t>虽然你也可以用函数名</a:t>
-            </a:r>
-            <a:r>
-              <a:rPr lang="en-US" altLang="zh-CN">
-                <a:sym typeface="+mn-ea"/>
-              </a:rPr>
-              <a:t> gotoNext() </a:t>
-            </a:r>
-            <a:r>
-              <a:rPr lang="zh-CN" altLang="en-US">
-                <a:sym typeface="+mn-ea"/>
-              </a:rPr>
-              <a:t>代替</a:t>
-            </a:r>
-            <a:r>
-              <a:rPr lang="en-US" altLang="zh-CN">
-                <a:sym typeface="+mn-ea"/>
-              </a:rPr>
-              <a:t> ++</a:t>
-            </a:r>
-            <a:r>
-              <a:rPr lang="zh-CN" altLang="en-US">
-                <a:sym typeface="+mn-ea"/>
-              </a:rPr>
-              <a:t>，用</a:t>
-            </a:r>
-            <a:r>
-              <a:rPr lang="en-US" altLang="zh-CN">
-                <a:sym typeface="+mn-ea"/>
-              </a:rPr>
-              <a:t> getElement() </a:t>
-            </a:r>
-            <a:r>
-              <a:rPr lang="zh-CN" altLang="en-US">
-                <a:sym typeface="+mn-ea"/>
-              </a:rPr>
-              <a:t>代替</a:t>
-            </a:r>
-            <a:r>
-              <a:rPr lang="en-US" altLang="zh-CN">
-                <a:sym typeface="+mn-ea"/>
-              </a:rPr>
-              <a:t> *</a:t>
-            </a:r>
-            <a:r>
-              <a:rPr lang="zh-CN" altLang="en-US">
-                <a:sym typeface="+mn-ea"/>
-              </a:rPr>
-              <a:t>，</a:t>
-            </a:r>
-            <a:r>
-              <a:rPr lang="en-US" altLang="zh-CN">
-                <a:sym typeface="+mn-ea"/>
-              </a:rPr>
-              <a:t>notReach() </a:t>
-            </a:r>
-            <a:r>
-              <a:rPr lang="zh-CN" altLang="en-US">
-                <a:sym typeface="+mn-ea"/>
-              </a:rPr>
-              <a:t>代替</a:t>
-            </a:r>
-            <a:r>
-              <a:rPr lang="en-US" altLang="zh-CN">
-                <a:sym typeface="+mn-ea"/>
-              </a:rPr>
-              <a:t> !=</a:t>
-            </a:r>
-            <a:r>
-              <a:rPr lang="zh-CN" altLang="en-US">
-                <a:sym typeface="+mn-ea"/>
-              </a:rPr>
-              <a:t>。但是模仿指针行为的这些运算符，已然成为了</a:t>
-            </a:r>
-            <a:r>
-              <a:rPr lang="en-US" altLang="zh-CN">
-                <a:sym typeface="+mn-ea"/>
-              </a:rPr>
-              <a:t> C++ </a:t>
-            </a:r>
-            <a:r>
-              <a:rPr lang="zh-CN" altLang="en-US">
-                <a:sym typeface="+mn-ea"/>
-              </a:rPr>
-              <a:t>事实上的标准，而且也非常直观易懂。</a:t>
-            </a:r>
-            <a:endParaRPr lang="zh-CN" altLang="en-US">
-              <a:sym typeface="+mn-ea"/>
-            </a:endParaRPr>
-          </a:p>
-          <a:p>
-            <a:r>
-              <a:rPr lang="zh-CN" altLang="en-US">
-                <a:sym typeface="+mn-ea"/>
-              </a:rPr>
-              <a:t>因此所有的用户和库，都会按照这套运算符标准来实现和使用迭代器，节省了各自创立一套规范的成本。</a:t>
-            </a:r>
-            <a:endParaRPr lang="zh-CN" altLang="en-US">
-              <a:solidFill>
-                <a:schemeClr val="accent5">
-                  <a:lumMod val="75000"/>
-                </a:schemeClr>
-              </a:solidFill>
-              <a:sym typeface="+mn-ea"/>
-            </a:endParaRPr>
-          </a:p>
-        </p:txBody>
-      </p:sp>
-      <p:pic>
-        <p:nvPicPr>
-          <p:cNvPr id="9" name="Content Placeholder 8"/>
-          <p:cNvPicPr>
-            <a:picLocks noChangeAspect="1"/>
-          </p:cNvPicPr>
-          <p:nvPr>
-            <p:ph sz="half" idx="2"/>
-          </p:nvPr>
-        </p:nvPicPr>
-        <p:blipFill>
-          <a:blip r:embed="rId1"/>
-          <a:stretch>
-            <a:fillRect/>
-          </a:stretch>
-        </p:blipFill>
-        <p:spPr>
-          <a:xfrm>
-            <a:off x="6571615" y="-18415"/>
-            <a:ext cx="5620385" cy="6876415"/>
-          </a:xfrm>
-          <a:prstGeom prst="rect">
-            <a:avLst/>
-          </a:prstGeom>
-        </p:spPr>
-      </p:pic>
-    </p:spTree>
-  </p:cSld>
-  <p:clrMapOvr>
-    <a:masterClrMapping/>
-  </p:clrMapOvr>
-</p:sld>
-</file>
-
-<file path=ppt/slides/slide48.xml><?xml version="1.0" encoding="utf-8"?>
-<p:sld xmlns:a="http://schemas.openxmlformats.org/drawingml/2006/main" xmlns:r="http://schemas.openxmlformats.org/officeDocument/2006/relationships" xmlns:p="http://schemas.openxmlformats.org/presentationml/2006/main">
-  <p:cSld>
-    <p:spTree>
-      <p:nvGrpSpPr>
-        <p:cNvPr id="1" name=""/>
-        <p:cNvGrpSpPr/>
-        <p:nvPr/>
-      </p:nvGrpSpPr>
-      <p:grpSpPr/>
-      <p:sp>
-        <p:nvSpPr>
-          <p:cNvPr id="2" name="Title 1"/>
-          <p:cNvSpPr>
-            <a:spLocks noGrp="1"/>
-          </p:cNvSpPr>
-          <p:nvPr>
-            <p:ph type="title"/>
-          </p:nvPr>
-        </p:nvSpPr>
-        <p:spPr/>
-        <p:txBody>
-          <a:bodyPr/>
-          <a:p>
-            <a:r>
-              <a:rPr lang="zh-CN">
-                <a:sym typeface="+mn-ea"/>
-              </a:rPr>
-              <a:t>迭代器模式</a:t>
-            </a:r>
-            <a:r>
-              <a:rPr lang="zh-CN">
-                <a:sym typeface="+mn-ea"/>
-              </a:rPr>
-              <a:t>：</a:t>
-            </a:r>
-            <a:r>
-              <a:rPr lang="en-US" altLang="zh-CN">
-                <a:sym typeface="+mn-ea"/>
-              </a:rPr>
-              <a:t>++ </a:t>
-            </a:r>
-            <a:r>
-              <a:rPr lang="zh-CN" altLang="en-US">
-                <a:sym typeface="+mn-ea"/>
-              </a:rPr>
-              <a:t>的前置和后置</a:t>
-            </a:r>
-            <a:endParaRPr lang="zh-CN" altLang="en-US">
-              <a:sym typeface="+mn-ea"/>
-            </a:endParaRPr>
-          </a:p>
-        </p:txBody>
-      </p:sp>
-      <p:sp>
-        <p:nvSpPr>
-          <p:cNvPr id="3" name="Content Placeholder 2"/>
-          <p:cNvSpPr>
-            <a:spLocks noGrp="1"/>
-          </p:cNvSpPr>
-          <p:nvPr>
-            <p:ph sz="half" idx="1"/>
-          </p:nvPr>
-        </p:nvSpPr>
-        <p:spPr/>
-        <p:txBody>
-          <a:bodyPr/>
-          <a:p>
-            <a:endParaRPr lang="en-US"/>
-          </a:p>
-        </p:txBody>
-      </p:sp>
-      <p:sp>
-        <p:nvSpPr>
-          <p:cNvPr id="4" name="Content Placeholder 3"/>
-          <p:cNvSpPr>
-            <a:spLocks noGrp="1"/>
-          </p:cNvSpPr>
-          <p:nvPr>
-            <p:ph sz="half" idx="2"/>
-          </p:nvPr>
-        </p:nvSpPr>
-        <p:spPr/>
-        <p:txBody>
-          <a:bodyPr/>
-          <a:p>
-            <a:endParaRPr lang="en-US"/>
-          </a:p>
-        </p:txBody>
-      </p:sp>
-    </p:spTree>
-  </p:cSld>
-  <p:clrMapOvr>
-    <a:masterClrMapping/>
-  </p:clrMapOvr>
-</p:sld>
-</file>
-
-<file path=ppt/slides/slide49.xml><?xml version="1.0" encoding="utf-8"?>
-<p:sld xmlns:a="http://schemas.openxmlformats.org/drawingml/2006/main" xmlns:r="http://schemas.openxmlformats.org/officeDocument/2006/relationships" xmlns:p="http://schemas.openxmlformats.org/presentationml/2006/main">
-  <p:cSld>
-    <p:spTree>
-      <p:nvGrpSpPr>
-        <p:cNvPr id="1" name=""/>
-        <p:cNvGrpSpPr/>
-        <p:nvPr/>
-      </p:nvGrpSpPr>
-      <p:grpSpPr/>
-      <p:sp>
-        <p:nvSpPr>
-          <p:cNvPr id="2" name="Title 1"/>
-          <p:cNvSpPr>
-            <a:spLocks noGrp="1"/>
-          </p:cNvSpPr>
-          <p:nvPr>
-            <p:ph type="title"/>
-          </p:nvPr>
-        </p:nvSpPr>
-        <p:spPr/>
-        <p:txBody>
-          <a:bodyPr/>
-          <a:p>
-            <a:r>
-              <a:rPr lang="zh-CN"/>
-              <a:t>顺便宣传一下小彭老师的插件全家桶：</a:t>
-            </a:r>
-            <a:r>
-              <a:rPr lang="en-US" altLang="zh-CN"/>
-              <a:t>github.com/archibate/vimrc</a:t>
-            </a:r>
-            <a:endParaRPr lang="en-US" altLang="zh-CN"/>
-          </a:p>
-        </p:txBody>
-      </p:sp>
-      <p:pic>
-        <p:nvPicPr>
-          <p:cNvPr id="8" name="Content Placeholder 7"/>
-          <p:cNvPicPr>
-            <a:picLocks noChangeAspect="1"/>
-          </p:cNvPicPr>
-          <p:nvPr>
-            <p:ph sz="half" idx="2"/>
-          </p:nvPr>
-        </p:nvPicPr>
-        <p:blipFill>
-          <a:blip r:embed="rId1"/>
-          <a:stretch>
-            <a:fillRect/>
-          </a:stretch>
-        </p:blipFill>
-        <p:spPr>
-          <a:xfrm>
-            <a:off x="6691630" y="1480820"/>
-            <a:ext cx="5171440" cy="4893945"/>
-          </a:xfrm>
-          <a:prstGeom prst="rect">
-            <a:avLst/>
-          </a:prstGeom>
-        </p:spPr>
-      </p:pic>
-      <p:pic>
-        <p:nvPicPr>
-          <p:cNvPr id="10" name="Content Placeholder 9"/>
-          <p:cNvPicPr>
-            <a:picLocks noChangeAspect="1"/>
-          </p:cNvPicPr>
-          <p:nvPr>
-            <p:ph sz="half" idx="1"/>
-          </p:nvPr>
-        </p:nvPicPr>
-        <p:blipFill>
-          <a:blip r:embed="rId2"/>
-          <a:stretch>
-            <a:fillRect/>
-          </a:stretch>
-        </p:blipFill>
-        <p:spPr>
-          <a:xfrm>
-            <a:off x="208280" y="1584325"/>
-            <a:ext cx="6285230" cy="4747260"/>
-          </a:xfrm>
-          <a:prstGeom prst="rect">
-            <a:avLst/>
-          </a:prstGeom>
-        </p:spPr>
-      </p:pic>
-    </p:spTree>
-  </p:cSld>
-  <p:clrMapOvr>
-    <a:masterClrMapping/>
-  </p:clrMapOvr>
-</p:sld>
-</file>
-
-<file path=ppt/slides/slide5.xml><?xml version="1.0" encoding="utf-8"?>
-<p:sld xmlns:a="http://schemas.openxmlformats.org/drawingml/2006/main" xmlns:r="http://schemas.openxmlformats.org/officeDocument/2006/relationships" xmlns:p="http://schemas.openxmlformats.org/presentationml/2006/main">
-  <p:cSld>
-    <p:spTree>
-      <p:nvGrpSpPr>
-        <p:cNvPr id="1" name=""/>
-        <p:cNvGrpSpPr/>
-        <p:nvPr/>
-      </p:nvGrpSpPr>
-      <p:grpSpPr/>
-      <p:sp>
-        <p:nvSpPr>
-          <p:cNvPr id="2" name="Title 1"/>
-          <p:cNvSpPr>
-            <a:spLocks noGrp="1"/>
-          </p:cNvSpPr>
-          <p:nvPr>
-            <p:ph type="title"/>
-          </p:nvPr>
-        </p:nvSpPr>
-        <p:spPr/>
-        <p:txBody>
-          <a:bodyPr/>
-          <a:p>
-            <a:r>
-              <a:rPr lang="en-US" altLang="zh-CN"/>
-              <a:t>C++ </a:t>
-            </a:r>
-            <a:r>
-              <a:rPr lang="zh-CN"/>
-              <a:t>标准库五大件</a:t>
-            </a:r>
-            <a:r>
-              <a:rPr lang="zh-CN">
-                <a:sym typeface="+mn-ea"/>
-              </a:rPr>
-              <a:t>：仿函数（</a:t>
-            </a:r>
-            <a:r>
-              <a:rPr lang="en-US" altLang="zh-CN">
-                <a:sym typeface="+mn-ea"/>
-              </a:rPr>
-              <a:t>functor</a:t>
-            </a:r>
-            <a:r>
-              <a:rPr lang="zh-CN">
-                <a:sym typeface="+mn-ea"/>
-              </a:rPr>
-              <a:t>）</a:t>
-            </a:r>
-            <a:endParaRPr lang="zh-CN"/>
-          </a:p>
-        </p:txBody>
-      </p:sp>
-      <p:pic>
-        <p:nvPicPr>
-          <p:cNvPr id="4" name="Content Placeholder 3"/>
-          <p:cNvPicPr>
-            <a:picLocks noChangeAspect="1"/>
-          </p:cNvPicPr>
-          <p:nvPr>
-            <p:ph idx="1"/>
-          </p:nvPr>
-        </p:nvPicPr>
-        <p:blipFill>
-          <a:blip r:embed="rId1"/>
-          <a:stretch>
-            <a:fillRect/>
-          </a:stretch>
-        </p:blipFill>
-        <p:spPr>
-          <a:xfrm>
-            <a:off x="57150" y="2132965"/>
-            <a:ext cx="12077065" cy="3736340"/>
-          </a:xfrm>
-          <a:prstGeom prst="rect">
-            <a:avLst/>
-          </a:prstGeom>
-        </p:spPr>
-      </p:pic>
       <p:cxnSp>
         <p:nvCxnSpPr>
-          <p:cNvPr id="6" name="Straight Connector 5"/>
+          <p:cNvPr id="5" name="Straight Connector 4"/>
           <p:cNvCxnSpPr/>
           <p:nvPr/>
         </p:nvCxnSpPr>
         <p:spPr>
           <a:xfrm>
-            <a:off x="9809480" y="4926965"/>
-            <a:ext cx="1123950" cy="0"/>
+            <a:off x="1454150" y="5253990"/>
+            <a:ext cx="1222375" cy="0"/>
           </a:xfrm>
           <a:prstGeom prst="line">
             <a:avLst/>
@@ -14075,14 +16629,14 @@
       </p:cxnSp>
       <p:cxnSp>
         <p:nvCxnSpPr>
-          <p:cNvPr id="5" name="Straight Connector 4"/>
+          <p:cNvPr id="3" name="Straight Connector 2"/>
           <p:cNvCxnSpPr/>
           <p:nvPr/>
         </p:nvCxnSpPr>
         <p:spPr>
           <a:xfrm>
-            <a:off x="7994650" y="4926965"/>
-            <a:ext cx="987425" cy="0"/>
+            <a:off x="3890645" y="5253990"/>
+            <a:ext cx="1222375" cy="0"/>
           </a:xfrm>
           <a:prstGeom prst="line">
             <a:avLst/>
@@ -14112,8 +16666,8 @@
         </p:nvCxnSpPr>
         <p:spPr>
           <a:xfrm>
-            <a:off x="2208530" y="3377565"/>
-            <a:ext cx="1449070" cy="0"/>
+            <a:off x="2228850" y="3684270"/>
+            <a:ext cx="1153160" cy="0"/>
           </a:xfrm>
           <a:prstGeom prst="line">
             <a:avLst/>
@@ -14143,7 +16697,7 @@
 </p:sld>
 </file>
 
-<file path=ppt/slides/slide6.xml><?xml version="1.0" encoding="utf-8"?>
+<file path=ppt/slides/slide60.xml><?xml version="1.0" encoding="utf-8"?>
 <p:sld xmlns:a="http://schemas.openxmlformats.org/drawingml/2006/main" xmlns:r="http://schemas.openxmlformats.org/officeDocument/2006/relationships" xmlns:p="http://schemas.openxmlformats.org/presentationml/2006/main">
   <p:cSld>
     <p:spTree>
@@ -14168,43 +16722,113 @@
           <a:bodyPr/>
           <a:p>
             <a:r>
-              <a:rPr lang="en-US" altLang="zh-CN"/>
-              <a:t>C++ </a:t>
-            </a:r>
-            <a:r>
               <a:rPr lang="zh-CN"/>
-              <a:t>标准库五大件</a:t>
+              <a:t>迭代器模式：</a:t>
             </a:r>
             <a:r>
               <a:rPr lang="zh-CN">
                 <a:sym typeface="+mn-ea"/>
               </a:rPr>
-              <a:t>：输入输出流（</a:t>
-            </a:r>
-            <a:r>
-              <a:rPr lang="en-US" altLang="zh-CN">
-                <a:sym typeface="+mn-ea"/>
-              </a:rPr>
-              <a:t>stream</a:t>
+              <a:t>首指针＋</a:t>
             </a:r>
             <a:r>
               <a:rPr lang="zh-CN">
                 <a:sym typeface="+mn-ea"/>
               </a:rPr>
-              <a:t>）</a:t>
+              <a:t>尾指针</a:t>
             </a:r>
             <a:endParaRPr lang="zh-CN"/>
+          </a:p>
+        </p:txBody>
+      </p:sp>
+      <p:sp>
+        <p:nvSpPr>
+          <p:cNvPr id="3" name="Content Placeholder 2"/>
+          <p:cNvSpPr>
+            <a:spLocks noGrp="1"/>
+          </p:cNvSpPr>
+          <p:nvPr>
+            <p:ph sz="half" idx="1"/>
+          </p:nvPr>
+        </p:nvSpPr>
+        <p:spPr>
+          <a:xfrm>
+            <a:off x="647700" y="1734820"/>
+            <a:ext cx="5181600" cy="4504055"/>
+          </a:xfrm>
+        </p:spPr>
+        <p:txBody>
+          <a:bodyPr>
+            <a:normAutofit lnSpcReduction="10000"/>
+          </a:bodyPr>
+          <a:p>
+            <a:r>
+              <a:rPr lang="zh-CN">
+                <a:sym typeface="+mn-ea"/>
+              </a:rPr>
+              <a:t>还可以让</a:t>
+            </a:r>
+            <a:r>
+              <a:rPr lang="zh-CN" b="1">
+                <a:sym typeface="+mn-ea"/>
+              </a:rPr>
+              <a:t>首</a:t>
+            </a:r>
+            <a:r>
+              <a:rPr lang="zh-CN" b="1">
+                <a:sym typeface="+mn-ea"/>
+              </a:rPr>
+              <a:t>指针</a:t>
+            </a:r>
+            <a:r>
+              <a:rPr lang="zh-CN">
+                <a:sym typeface="+mn-ea"/>
+              </a:rPr>
+              <a:t>和</a:t>
+            </a:r>
+            <a:r>
+              <a:rPr lang="zh-CN" b="1">
+                <a:sym typeface="+mn-ea"/>
+              </a:rPr>
+              <a:t>尾指针</a:t>
+            </a:r>
+            <a:r>
+              <a:rPr lang="zh-CN">
+                <a:sym typeface="+mn-ea"/>
+              </a:rPr>
+              <a:t>声明为模板参数，这样不论指针是什么类型，都可以使用</a:t>
+            </a:r>
+            <a:r>
+              <a:rPr lang="en-US" altLang="zh-CN">
+                <a:sym typeface="+mn-ea"/>
+              </a:rPr>
+              <a:t> print </a:t>
+            </a:r>
+            <a:r>
+              <a:rPr lang="zh-CN">
+                <a:sym typeface="+mn-ea"/>
+              </a:rPr>
+              <a:t>这个模板函数来打印。</a:t>
+            </a:r>
+            <a:endParaRPr lang="zh-CN">
+              <a:solidFill>
+                <a:schemeClr val="accent5">
+                  <a:lumMod val="75000"/>
+                </a:schemeClr>
+              </a:solidFill>
+              <a:sym typeface="+mn-ea"/>
+            </a:endParaRPr>
           </a:p>
         </p:txBody>
       </p:sp>
       <p:pic>
         <p:nvPicPr>
-          <p:cNvPr id="4" name="Content Placeholder 3"/>
+          <p:cNvPr id="7" name="Content Placeholder 6"/>
           <p:cNvPicPr>
             <a:picLocks noChangeAspect="1"/>
           </p:cNvPicPr>
           <p:nvPr>
-            <p:ph idx="1"/>
+            <p:ph sz="half" idx="2"/>
           </p:nvPr>
         </p:nvPicPr>
         <p:blipFill>
@@ -14215,107 +16839,1102 @@
         </p:blipFill>
         <p:spPr>
           <a:xfrm>
-            <a:off x="57150" y="2132965"/>
-            <a:ext cx="12077065" cy="3736340"/>
+            <a:off x="5824855" y="1643380"/>
+            <a:ext cx="5495290" cy="4716780"/>
           </a:xfrm>
           <a:prstGeom prst="rect">
             <a:avLst/>
           </a:prstGeom>
         </p:spPr>
       </p:pic>
-      <p:cxnSp>
-        <p:nvCxnSpPr>
-          <p:cNvPr id="5" name="Straight Connector 4"/>
-          <p:cNvCxnSpPr/>
+      <p:pic>
+        <p:nvPicPr>
+          <p:cNvPr id="8" name="Picture 7"/>
+          <p:cNvPicPr>
+            <a:picLocks noChangeAspect="1"/>
+          </p:cNvPicPr>
           <p:nvPr/>
-        </p:nvCxnSpPr>
-        <p:spPr>
-          <a:xfrm>
-            <a:off x="1454150" y="5253990"/>
-            <a:ext cx="1222375" cy="0"/>
-          </a:xfrm>
-          <a:prstGeom prst="line">
+        </p:nvPicPr>
+        <p:blipFill>
+          <a:blip r:embed="rId2"/>
+          <a:stretch>
+            <a:fillRect/>
+          </a:stretch>
+        </p:blipFill>
+        <p:spPr>
+          <a:xfrm>
+            <a:off x="1613535" y="3777615"/>
+            <a:ext cx="328930" cy="2582545"/>
+          </a:xfrm>
+          <a:prstGeom prst="rect">
             <a:avLst/>
           </a:prstGeom>
-          <a:ln w="38100"/>
-        </p:spPr>
-        <p:style>
-          <a:lnRef idx="3">
-            <a:schemeClr val="accent2"/>
-          </a:lnRef>
-          <a:fillRef idx="0">
-            <a:schemeClr val="accent2"/>
-          </a:fillRef>
-          <a:effectRef idx="2">
-            <a:schemeClr val="accent2"/>
-          </a:effectRef>
-          <a:fontRef idx="minor">
-            <a:schemeClr val="tx1"/>
-          </a:fontRef>
-        </p:style>
-      </p:cxnSp>
-      <p:cxnSp>
-        <p:nvCxnSpPr>
-          <p:cNvPr id="3" name="Straight Connector 2"/>
-          <p:cNvCxnSpPr/>
+        </p:spPr>
+      </p:pic>
+    </p:spTree>
+  </p:cSld>
+  <p:clrMapOvr>
+    <a:masterClrMapping/>
+  </p:clrMapOvr>
+</p:sld>
+</file>
+
+<file path=ppt/slides/slide61.xml><?xml version="1.0" encoding="utf-8"?>
+<p:sld xmlns:a="http://schemas.openxmlformats.org/drawingml/2006/main" xmlns:r="http://schemas.openxmlformats.org/officeDocument/2006/relationships" xmlns:p="http://schemas.openxmlformats.org/presentationml/2006/main">
+  <p:cSld>
+    <p:spTree>
+      <p:nvGrpSpPr>
+        <p:cNvPr id="1" name=""/>
+        <p:cNvGrpSpPr/>
+        <p:nvPr/>
+      </p:nvGrpSpPr>
+      <p:grpSpPr/>
+      <p:sp>
+        <p:nvSpPr>
+          <p:cNvPr id="2" name="Title 1"/>
+          <p:cNvSpPr>
+            <a:spLocks noGrp="1"/>
+          </p:cNvSpPr>
+          <p:nvPr>
+            <p:ph type="title"/>
+          </p:nvPr>
+        </p:nvSpPr>
+        <p:spPr/>
+        <p:txBody>
+          <a:bodyPr/>
+          <a:p>
+            <a:r>
+              <a:rPr lang="zh-CN"/>
+              <a:t>迭代器模式</a:t>
+            </a:r>
+            <a:r>
+              <a:rPr lang="zh-CN">
+                <a:sym typeface="+mn-ea"/>
+              </a:rPr>
+              <a:t>：</a:t>
+            </a:r>
+            <a:r>
+              <a:rPr lang="zh-CN">
+                <a:sym typeface="+mn-ea"/>
+              </a:rPr>
+              <a:t>首指针＋尾指针</a:t>
+            </a:r>
+            <a:endParaRPr lang="zh-CN"/>
+          </a:p>
+        </p:txBody>
+      </p:sp>
+      <p:sp>
+        <p:nvSpPr>
+          <p:cNvPr id="3" name="Content Placeholder 2"/>
+          <p:cNvSpPr>
+            <a:spLocks noGrp="1"/>
+          </p:cNvSpPr>
+          <p:nvPr>
+            <p:ph sz="half" idx="1"/>
+          </p:nvPr>
+        </p:nvSpPr>
+        <p:spPr>
+          <a:xfrm>
+            <a:off x="647700" y="1734820"/>
+            <a:ext cx="5181600" cy="4504055"/>
+          </a:xfrm>
+        </p:spPr>
+        <p:txBody>
+          <a:bodyPr>
+            <a:normAutofit lnSpcReduction="10000"/>
+          </a:bodyPr>
+          <a:p>
+            <a:r>
+              <a:rPr lang="zh-CN" b="1">
+                <a:sym typeface="+mn-ea"/>
+              </a:rPr>
+              <a:t>首指针</a:t>
+            </a:r>
+            <a:r>
+              <a:rPr lang="zh-CN">
+                <a:sym typeface="+mn-ea"/>
+              </a:rPr>
+              <a:t>和</a:t>
+            </a:r>
+            <a:r>
+              <a:rPr lang="zh-CN" b="1">
+                <a:sym typeface="+mn-ea"/>
+              </a:rPr>
+              <a:t>尾指针</a:t>
+            </a:r>
+            <a:r>
+              <a:rPr lang="zh-CN">
+                <a:sym typeface="+mn-ea"/>
+              </a:rPr>
+              <a:t>的组合的确能胜任</a:t>
+            </a:r>
+            <a:r>
+              <a:rPr lang="en-US" altLang="zh-CN">
+                <a:sym typeface="+mn-ea"/>
+              </a:rPr>
+              <a:t> vector </a:t>
+            </a:r>
+            <a:r>
+              <a:rPr lang="zh-CN" altLang="en-US">
+                <a:sym typeface="+mn-ea"/>
+              </a:rPr>
+              <a:t>这种连续数组，但是对于</a:t>
+            </a:r>
+            <a:r>
+              <a:rPr lang="en-US" altLang="zh-CN">
+                <a:sym typeface="+mn-ea"/>
+              </a:rPr>
+              <a:t> list </a:t>
+            </a:r>
+            <a:r>
+              <a:rPr lang="zh-CN" altLang="en-US">
+                <a:sym typeface="+mn-ea"/>
+              </a:rPr>
+              <a:t>这种不连续的内存的容器就没辙了。</a:t>
+            </a:r>
+            <a:endParaRPr lang="zh-CN" altLang="en-US">
+              <a:sym typeface="+mn-ea"/>
+            </a:endParaRPr>
+          </a:p>
+          <a:p>
+            <a:r>
+              <a:rPr lang="zh-CN" altLang="en-US">
+                <a:sym typeface="+mn-ea"/>
+              </a:rPr>
+              <a:t>没错，</a:t>
+            </a:r>
+            <a:r>
+              <a:rPr lang="en-US" altLang="zh-CN">
+                <a:sym typeface="+mn-ea"/>
+              </a:rPr>
+              <a:t>list </a:t>
+            </a:r>
+            <a:r>
+              <a:rPr lang="zh-CN" altLang="en-US">
+                <a:sym typeface="+mn-ea"/>
+              </a:rPr>
+              <a:t>没有</a:t>
+            </a:r>
+            <a:r>
+              <a:rPr lang="en-US" altLang="zh-CN">
+                <a:sym typeface="+mn-ea"/>
+              </a:rPr>
+              <a:t> data() </a:t>
+            </a:r>
+            <a:r>
+              <a:rPr lang="zh-CN" altLang="en-US">
+                <a:sym typeface="+mn-ea"/>
+              </a:rPr>
+              <a:t>这个成员函数，因为他根本就不连续。</a:t>
+            </a:r>
+            <a:endParaRPr lang="zh-CN" altLang="en-US">
+              <a:solidFill>
+                <a:schemeClr val="accent5">
+                  <a:lumMod val="75000"/>
+                </a:schemeClr>
+              </a:solidFill>
+              <a:sym typeface="+mn-ea"/>
+            </a:endParaRPr>
+          </a:p>
+        </p:txBody>
+      </p:sp>
+      <p:pic>
+        <p:nvPicPr>
+          <p:cNvPr id="10" name="Picture 9"/>
+          <p:cNvPicPr>
+            <a:picLocks noChangeAspect="1"/>
+          </p:cNvPicPr>
           <p:nvPr/>
-        </p:nvCxnSpPr>
-        <p:spPr>
-          <a:xfrm>
-            <a:off x="3890645" y="5253990"/>
-            <a:ext cx="1222375" cy="0"/>
-          </a:xfrm>
-          <a:prstGeom prst="line">
+        </p:nvPicPr>
+        <p:blipFill>
+          <a:blip r:embed="rId1"/>
+          <a:stretch>
+            <a:fillRect/>
+          </a:stretch>
+        </p:blipFill>
+        <p:spPr>
+          <a:xfrm>
+            <a:off x="2219960" y="5172075"/>
+            <a:ext cx="2171700" cy="1685925"/>
+          </a:xfrm>
+          <a:prstGeom prst="rect">
             <a:avLst/>
           </a:prstGeom>
-          <a:ln w="38100"/>
-        </p:spPr>
-        <p:style>
-          <a:lnRef idx="3">
-            <a:schemeClr val="accent2"/>
-          </a:lnRef>
-          <a:fillRef idx="0">
-            <a:schemeClr val="accent2"/>
-          </a:fillRef>
-          <a:effectRef idx="2">
-            <a:schemeClr val="accent2"/>
-          </a:effectRef>
-          <a:fontRef idx="minor">
-            <a:schemeClr val="tx1"/>
-          </a:fontRef>
-        </p:style>
-      </p:cxnSp>
-      <p:cxnSp>
-        <p:nvCxnSpPr>
-          <p:cNvPr id="7" name="Straight Connector 6"/>
-          <p:cNvCxnSpPr/>
-          <p:nvPr/>
-        </p:nvCxnSpPr>
-        <p:spPr>
-          <a:xfrm>
-            <a:off x="2228850" y="3684270"/>
-            <a:ext cx="1153160" cy="0"/>
-          </a:xfrm>
-          <a:prstGeom prst="line">
+        </p:spPr>
+      </p:pic>
+      <p:pic>
+        <p:nvPicPr>
+          <p:cNvPr id="5" name="Content Placeholder 4"/>
+          <p:cNvPicPr>
+            <a:picLocks noChangeAspect="1"/>
+          </p:cNvPicPr>
+          <p:nvPr>
+            <p:ph sz="half" idx="2"/>
+          </p:nvPr>
+        </p:nvPicPr>
+        <p:blipFill>
+          <a:blip r:embed="rId2"/>
+          <a:stretch>
+            <a:fillRect/>
+          </a:stretch>
+        </p:blipFill>
+        <p:spPr>
+          <a:xfrm>
+            <a:off x="5829300" y="2400300"/>
+            <a:ext cx="6162040" cy="3303905"/>
+          </a:xfrm>
+          <a:prstGeom prst="rect">
             <a:avLst/>
           </a:prstGeom>
-          <a:ln w="38100"/>
-        </p:spPr>
-        <p:style>
-          <a:lnRef idx="3">
-            <a:schemeClr val="accent2"/>
-          </a:lnRef>
-          <a:fillRef idx="0">
-            <a:schemeClr val="accent2"/>
-          </a:fillRef>
-          <a:effectRef idx="2">
-            <a:schemeClr val="accent2"/>
-          </a:effectRef>
-          <a:fontRef idx="minor">
-            <a:schemeClr val="tx1"/>
-          </a:fontRef>
-        </p:style>
-      </p:cxnSp>
+        </p:spPr>
+      </p:pic>
+    </p:spTree>
+  </p:cSld>
+  <p:clrMapOvr>
+    <a:masterClrMapping/>
+  </p:clrMapOvr>
+</p:sld>
+</file>
+
+<file path=ppt/slides/slide62.xml><?xml version="1.0" encoding="utf-8"?>
+<p:sld xmlns:a="http://schemas.openxmlformats.org/drawingml/2006/main" xmlns:r="http://schemas.openxmlformats.org/officeDocument/2006/relationships" xmlns:p="http://schemas.openxmlformats.org/presentationml/2006/main">
+  <p:cSld>
+    <p:spTree>
+      <p:nvGrpSpPr>
+        <p:cNvPr id="1" name=""/>
+        <p:cNvGrpSpPr/>
+        <p:nvPr/>
+      </p:nvGrpSpPr>
+      <p:grpSpPr/>
+      <p:sp>
+        <p:nvSpPr>
+          <p:cNvPr id="2" name="Title 1"/>
+          <p:cNvSpPr>
+            <a:spLocks noGrp="1"/>
+          </p:cNvSpPr>
+          <p:nvPr>
+            <p:ph type="title"/>
+          </p:nvPr>
+        </p:nvSpPr>
+        <p:spPr/>
+        <p:txBody>
+          <a:bodyPr/>
+          <a:p>
+            <a:r>
+              <a:rPr lang="zh-CN"/>
+              <a:t>迭代器模式</a:t>
+            </a:r>
+            <a:r>
+              <a:rPr lang="zh-CN">
+                <a:sym typeface="+mn-ea"/>
+              </a:rPr>
+              <a:t>：</a:t>
+            </a:r>
+            <a:r>
+              <a:rPr lang="zh-CN">
+                <a:sym typeface="+mn-ea"/>
+              </a:rPr>
+              <a:t>首</a:t>
+            </a:r>
+            <a:r>
+              <a:rPr lang="zh-CN">
+                <a:sym typeface="+mn-ea"/>
+              </a:rPr>
+              <a:t>迭代器＋尾迭代器</a:t>
+            </a:r>
+            <a:endParaRPr lang="zh-CN"/>
+          </a:p>
+        </p:txBody>
+      </p:sp>
+      <p:sp>
+        <p:nvSpPr>
+          <p:cNvPr id="3" name="Content Placeholder 2"/>
+          <p:cNvSpPr>
+            <a:spLocks noGrp="1"/>
+          </p:cNvSpPr>
+          <p:nvPr>
+            <p:ph sz="half" idx="1"/>
+          </p:nvPr>
+        </p:nvSpPr>
+        <p:spPr>
+          <a:xfrm>
+            <a:off x="647700" y="1541145"/>
+            <a:ext cx="5181600" cy="4892040"/>
+          </a:xfrm>
+        </p:spPr>
+        <p:txBody>
+          <a:bodyPr>
+            <a:normAutofit lnSpcReduction="20000"/>
+          </a:bodyPr>
+          <a:p>
+            <a:r>
+              <a:rPr lang="zh-CN">
+                <a:sym typeface="+mn-ea"/>
+              </a:rPr>
+              <a:t>然而</a:t>
+            </a:r>
+            <a:r>
+              <a:rPr lang="en-US" altLang="zh-CN">
+                <a:sym typeface="+mn-ea"/>
+              </a:rPr>
+              <a:t> list </a:t>
+            </a:r>
+            <a:r>
+              <a:rPr lang="zh-CN" altLang="en-US">
+                <a:sym typeface="+mn-ea"/>
+              </a:rPr>
+              <a:t>却提供了</a:t>
+            </a:r>
+            <a:r>
+              <a:rPr lang="en-US" altLang="zh-CN">
+                <a:sym typeface="+mn-ea"/>
+              </a:rPr>
+              <a:t> begin() </a:t>
+            </a:r>
+            <a:r>
+              <a:rPr lang="zh-CN" altLang="en-US">
+                <a:sym typeface="+mn-ea"/>
+              </a:rPr>
+              <a:t>和</a:t>
+            </a:r>
+            <a:r>
+              <a:rPr lang="en-US" altLang="zh-CN">
+                <a:sym typeface="+mn-ea"/>
+              </a:rPr>
+              <a:t> end() </a:t>
+            </a:r>
+            <a:r>
+              <a:rPr lang="zh-CN" altLang="en-US">
+                <a:sym typeface="+mn-ea"/>
+              </a:rPr>
+              <a:t>函数，他们会返回两个</a:t>
+            </a:r>
+            <a:r>
+              <a:rPr lang="en-US" altLang="zh-CN">
+                <a:sym typeface="+mn-ea"/>
+              </a:rPr>
+              <a:t> list&lt;char&gt;::iterator </a:t>
+            </a:r>
+            <a:r>
+              <a:rPr lang="zh-CN" altLang="en-US">
+                <a:sym typeface="+mn-ea"/>
+              </a:rPr>
+              <a:t>对象。</a:t>
+            </a:r>
+            <a:endParaRPr lang="zh-CN" altLang="en-US">
+              <a:sym typeface="+mn-ea"/>
+            </a:endParaRPr>
+          </a:p>
+          <a:p>
+            <a:r>
+              <a:rPr lang="zh-CN" altLang="en-US">
+                <a:sym typeface="+mn-ea"/>
+              </a:rPr>
+              <a:t>这个</a:t>
+            </a:r>
+            <a:r>
+              <a:rPr lang="en-US" altLang="zh-CN">
+                <a:sym typeface="+mn-ea"/>
+              </a:rPr>
+              <a:t> list&lt;char&gt;::iterator </a:t>
+            </a:r>
+            <a:r>
+              <a:rPr lang="zh-CN" altLang="en-US">
+                <a:sym typeface="+mn-ea"/>
+              </a:rPr>
+              <a:t>是一个特殊定义过的类型，其具有</a:t>
+            </a:r>
+            <a:r>
+              <a:rPr lang="en-US" altLang="zh-CN">
+                <a:sym typeface="+mn-ea"/>
+              </a:rPr>
+              <a:t> != </a:t>
+            </a:r>
+            <a:r>
+              <a:rPr lang="zh-CN" altLang="en-US">
+                <a:sym typeface="+mn-ea"/>
+              </a:rPr>
+              <a:t>和</a:t>
+            </a:r>
+            <a:r>
+              <a:rPr lang="en-US" altLang="zh-CN">
+                <a:sym typeface="+mn-ea"/>
+              </a:rPr>
+              <a:t> ++ </a:t>
+            </a:r>
+            <a:r>
+              <a:rPr lang="zh-CN" altLang="en-US">
+                <a:sym typeface="+mn-ea"/>
+              </a:rPr>
+              <a:t>以及</a:t>
+            </a:r>
+            <a:r>
+              <a:rPr lang="en-US" altLang="zh-CN">
+                <a:sym typeface="+mn-ea"/>
+              </a:rPr>
+              <a:t> * </a:t>
+            </a:r>
+            <a:r>
+              <a:rPr lang="zh-CN" altLang="en-US">
+                <a:sym typeface="+mn-ea"/>
+              </a:rPr>
+              <a:t>这些</a:t>
+            </a:r>
+            <a:r>
+              <a:rPr lang="zh-CN" altLang="en-US" b="1">
+                <a:sym typeface="+mn-ea"/>
+              </a:rPr>
+              <a:t>运算符的重载</a:t>
+            </a:r>
+            <a:r>
+              <a:rPr lang="zh-CN" altLang="en-US">
+                <a:sym typeface="+mn-ea"/>
+              </a:rPr>
+              <a:t>。所以用起来就像普通的指针一样。而这些运算符重载，却会</a:t>
+            </a:r>
+            <a:r>
+              <a:rPr lang="zh-CN" altLang="en-US" b="1">
+                <a:sym typeface="+mn-ea"/>
+              </a:rPr>
+              <a:t>把</a:t>
+            </a:r>
+            <a:r>
+              <a:rPr lang="en-US" altLang="zh-CN" b="1">
+                <a:sym typeface="+mn-ea"/>
+              </a:rPr>
+              <a:t> ++ </a:t>
+            </a:r>
+            <a:r>
+              <a:rPr lang="zh-CN" altLang="en-US" b="1">
+                <a:sym typeface="+mn-ea"/>
+              </a:rPr>
+              <a:t>对应到</a:t>
+            </a:r>
+            <a:r>
+              <a:rPr lang="en-US" altLang="zh-CN" b="1">
+                <a:sym typeface="+mn-ea"/>
+              </a:rPr>
+              <a:t> </a:t>
+            </a:r>
+            <a:r>
+              <a:rPr lang="zh-CN" altLang="en-US" b="1">
+                <a:sym typeface="+mn-ea"/>
+              </a:rPr>
+              <a:t>链表的</a:t>
+            </a:r>
+            <a:r>
+              <a:rPr lang="en-US" altLang="zh-CN" b="1">
+                <a:sym typeface="+mn-ea"/>
+              </a:rPr>
+              <a:t> curr = curr-&gt;next </a:t>
+            </a:r>
+            <a:r>
+              <a:rPr lang="zh-CN" altLang="en-US" b="1">
+                <a:sym typeface="+mn-ea"/>
+              </a:rPr>
+              <a:t>上</a:t>
+            </a:r>
+            <a:r>
+              <a:rPr lang="zh-CN" altLang="en-US">
+                <a:sym typeface="+mn-ea"/>
+              </a:rPr>
+              <a:t>。</a:t>
+            </a:r>
+            <a:endParaRPr lang="zh-CN" altLang="en-US">
+              <a:sym typeface="+mn-ea"/>
+            </a:endParaRPr>
+          </a:p>
+          <a:p>
+            <a:r>
+              <a:rPr lang="zh-CN" altLang="en-US">
+                <a:sym typeface="+mn-ea"/>
+              </a:rPr>
+              <a:t>这样一个用起来就像普通的指针，但内部却通过运算符重载适配不同容器的特殊类，就是</a:t>
+            </a:r>
+            <a:r>
+              <a:rPr lang="zh-CN" altLang="en-US" b="1">
+                <a:sym typeface="+mn-ea"/>
+              </a:rPr>
+              <a:t>迭代器</a:t>
+            </a:r>
+            <a:r>
+              <a:rPr lang="en-US" altLang="zh-CN" b="1">
+                <a:sym typeface="+mn-ea"/>
+              </a:rPr>
+              <a:t>(iterator)</a:t>
+            </a:r>
+            <a:r>
+              <a:rPr lang="zh-CN" altLang="en-US">
+                <a:sym typeface="+mn-ea"/>
+              </a:rPr>
+              <a:t>，迭代器是</a:t>
+            </a:r>
+            <a:r>
+              <a:rPr lang="en-US" altLang="zh-CN">
+                <a:sym typeface="+mn-ea"/>
+              </a:rPr>
+              <a:t> STL </a:t>
+            </a:r>
+            <a:r>
+              <a:rPr lang="zh-CN" altLang="en-US">
+                <a:sym typeface="+mn-ea"/>
+              </a:rPr>
+              <a:t>中</a:t>
+            </a:r>
+            <a:r>
+              <a:rPr lang="zh-CN" altLang="en-US" b="1">
+                <a:sym typeface="+mn-ea"/>
+              </a:rPr>
+              <a:t>容器</a:t>
+            </a:r>
+            <a:r>
+              <a:rPr lang="zh-CN" altLang="en-US">
+                <a:sym typeface="+mn-ea"/>
+              </a:rPr>
+              <a:t>和</a:t>
+            </a:r>
+            <a:r>
+              <a:rPr lang="zh-CN" altLang="en-US" b="1">
+                <a:sym typeface="+mn-ea"/>
+              </a:rPr>
+              <a:t>算法</a:t>
+            </a:r>
+            <a:r>
+              <a:rPr lang="zh-CN" altLang="en-US">
+                <a:sym typeface="+mn-ea"/>
+              </a:rPr>
+              <a:t>之间的桥梁。</a:t>
+            </a:r>
+            <a:endParaRPr lang="zh-CN" altLang="en-US">
+              <a:solidFill>
+                <a:schemeClr val="accent5">
+                  <a:lumMod val="75000"/>
+                </a:schemeClr>
+              </a:solidFill>
+              <a:sym typeface="+mn-ea"/>
+            </a:endParaRPr>
+          </a:p>
+        </p:txBody>
+      </p:sp>
+      <p:pic>
+        <p:nvPicPr>
+          <p:cNvPr id="6" name="Content Placeholder 5"/>
+          <p:cNvPicPr>
+            <a:picLocks noChangeAspect="1"/>
+          </p:cNvPicPr>
+          <p:nvPr>
+            <p:ph sz="half" idx="2"/>
+          </p:nvPr>
+        </p:nvPicPr>
+        <p:blipFill>
+          <a:blip r:embed="rId1"/>
+          <a:stretch>
+            <a:fillRect/>
+          </a:stretch>
+        </p:blipFill>
+        <p:spPr>
+          <a:xfrm>
+            <a:off x="5981700" y="1734820"/>
+            <a:ext cx="5913120" cy="4032885"/>
+          </a:xfrm>
+          <a:prstGeom prst="rect">
+            <a:avLst/>
+          </a:prstGeom>
+        </p:spPr>
+      </p:pic>
+      <p:pic>
+        <p:nvPicPr>
+          <p:cNvPr id="7" name="Picture 6"/>
+          <p:cNvPicPr>
+            <a:picLocks noChangeAspect="1"/>
+          </p:cNvPicPr>
+          <p:nvPr/>
+        </p:nvPicPr>
+        <p:blipFill>
+          <a:blip r:embed="rId2"/>
+          <a:stretch>
+            <a:fillRect/>
+          </a:stretch>
+        </p:blipFill>
+        <p:spPr>
+          <a:xfrm>
+            <a:off x="216535" y="3226435"/>
+            <a:ext cx="331470" cy="1521460"/>
+          </a:xfrm>
+          <a:prstGeom prst="rect">
+            <a:avLst/>
+          </a:prstGeom>
+        </p:spPr>
+      </p:pic>
+    </p:spTree>
+  </p:cSld>
+  <p:clrMapOvr>
+    <a:masterClrMapping/>
+  </p:clrMapOvr>
+</p:sld>
+</file>
+
+<file path=ppt/slides/slide63.xml><?xml version="1.0" encoding="utf-8"?>
+<p:sld xmlns:a="http://schemas.openxmlformats.org/drawingml/2006/main" xmlns:r="http://schemas.openxmlformats.org/officeDocument/2006/relationships" xmlns:p="http://schemas.openxmlformats.org/presentationml/2006/main">
+  <p:cSld>
+    <p:spTree>
+      <p:nvGrpSpPr>
+        <p:cNvPr id="1" name=""/>
+        <p:cNvGrpSpPr/>
+        <p:nvPr/>
+      </p:nvGrpSpPr>
+      <p:grpSpPr/>
+      <p:sp>
+        <p:nvSpPr>
+          <p:cNvPr id="2" name="Title 1"/>
+          <p:cNvSpPr>
+            <a:spLocks noGrp="1"/>
+          </p:cNvSpPr>
+          <p:nvPr>
+            <p:ph type="title"/>
+          </p:nvPr>
+        </p:nvSpPr>
+        <p:spPr/>
+        <p:txBody>
+          <a:bodyPr/>
+          <a:p>
+            <a:r>
+              <a:rPr lang="zh-CN"/>
+              <a:t>迭代器模式</a:t>
+            </a:r>
+            <a:r>
+              <a:rPr lang="zh-CN">
+                <a:sym typeface="+mn-ea"/>
+              </a:rPr>
+              <a:t>：</a:t>
+            </a:r>
+            <a:r>
+              <a:rPr lang="zh-CN">
+                <a:sym typeface="+mn-ea"/>
+              </a:rPr>
+              <a:t>首</a:t>
+            </a:r>
+            <a:r>
+              <a:rPr lang="zh-CN">
+                <a:sym typeface="+mn-ea"/>
+              </a:rPr>
+              <a:t>迭代器＋尾迭代器</a:t>
+            </a:r>
+            <a:endParaRPr lang="zh-CN"/>
+          </a:p>
+        </p:txBody>
+      </p:sp>
+      <p:sp>
+        <p:nvSpPr>
+          <p:cNvPr id="3" name="Content Placeholder 2"/>
+          <p:cNvSpPr>
+            <a:spLocks noGrp="1"/>
+          </p:cNvSpPr>
+          <p:nvPr>
+            <p:ph sz="half" idx="1"/>
+          </p:nvPr>
+        </p:nvSpPr>
+        <p:spPr>
+          <a:xfrm>
+            <a:off x="647700" y="1316990"/>
+            <a:ext cx="5538470" cy="5340350"/>
+          </a:xfrm>
+        </p:spPr>
+        <p:txBody>
+          <a:bodyPr>
+            <a:normAutofit lnSpcReduction="20000"/>
+          </a:bodyPr>
+          <a:p>
+            <a:r>
+              <a:rPr lang="zh-CN">
+                <a:sym typeface="+mn-ea"/>
+              </a:rPr>
+              <a:t>如果让小彭老师来写</a:t>
+            </a:r>
+            <a:r>
+              <a:rPr lang="en-US" altLang="zh-CN">
+                <a:sym typeface="+mn-ea"/>
+              </a:rPr>
+              <a:t> list </a:t>
+            </a:r>
+            <a:r>
+              <a:rPr lang="zh-CN" altLang="en-US">
+                <a:sym typeface="+mn-ea"/>
+              </a:rPr>
+              <a:t>容器和他的迭代器，他的内部具体实现可能是这样的。</a:t>
+            </a:r>
+            <a:endParaRPr lang="zh-CN" altLang="en-US">
+              <a:sym typeface="+mn-ea"/>
+            </a:endParaRPr>
+          </a:p>
+          <a:p>
+            <a:r>
+              <a:rPr lang="zh-CN" altLang="en-US">
+                <a:sym typeface="+mn-ea"/>
+              </a:rPr>
+              <a:t>迭代器的这些运算符，都是约定俗成的，其根本目的在于模仿指针的行为，方便来自</a:t>
+            </a:r>
+            <a:r>
+              <a:rPr lang="en-US" altLang="zh-CN">
+                <a:sym typeface="+mn-ea"/>
+              </a:rPr>
+              <a:t> C </a:t>
+            </a:r>
+            <a:r>
+              <a:rPr lang="zh-CN" altLang="en-US">
+                <a:sym typeface="+mn-ea"/>
+              </a:rPr>
+              <a:t>语言的程序员快速上手掌握</a:t>
+            </a:r>
+            <a:r>
+              <a:rPr lang="en-US" altLang="zh-CN">
+                <a:sym typeface="+mn-ea"/>
+              </a:rPr>
+              <a:t> C++ </a:t>
+            </a:r>
+            <a:r>
+              <a:rPr lang="zh-CN" altLang="en-US">
+                <a:sym typeface="+mn-ea"/>
+              </a:rPr>
+              <a:t>标准库。</a:t>
+            </a:r>
+            <a:endParaRPr lang="zh-CN" altLang="en-US">
+              <a:sym typeface="+mn-ea"/>
+            </a:endParaRPr>
+          </a:p>
+          <a:p>
+            <a:r>
+              <a:rPr lang="zh-CN" altLang="en-US">
+                <a:sym typeface="+mn-ea"/>
+              </a:rPr>
+              <a:t>虽然你也可以用函数名</a:t>
+            </a:r>
+            <a:r>
+              <a:rPr lang="en-US" altLang="zh-CN">
+                <a:sym typeface="+mn-ea"/>
+              </a:rPr>
+              <a:t> gotoNext() </a:t>
+            </a:r>
+            <a:r>
+              <a:rPr lang="zh-CN" altLang="en-US">
+                <a:sym typeface="+mn-ea"/>
+              </a:rPr>
+              <a:t>代替</a:t>
+            </a:r>
+            <a:r>
+              <a:rPr lang="en-US" altLang="zh-CN">
+                <a:sym typeface="+mn-ea"/>
+              </a:rPr>
+              <a:t> ++</a:t>
+            </a:r>
+            <a:r>
+              <a:rPr lang="zh-CN" altLang="en-US">
+                <a:sym typeface="+mn-ea"/>
+              </a:rPr>
+              <a:t>，用</a:t>
+            </a:r>
+            <a:r>
+              <a:rPr lang="en-US" altLang="zh-CN">
+                <a:sym typeface="+mn-ea"/>
+              </a:rPr>
+              <a:t> getElement() </a:t>
+            </a:r>
+            <a:r>
+              <a:rPr lang="zh-CN" altLang="en-US">
+                <a:sym typeface="+mn-ea"/>
+              </a:rPr>
+              <a:t>代替</a:t>
+            </a:r>
+            <a:r>
+              <a:rPr lang="en-US" altLang="zh-CN">
+                <a:sym typeface="+mn-ea"/>
+              </a:rPr>
+              <a:t> *</a:t>
+            </a:r>
+            <a:r>
+              <a:rPr lang="zh-CN" altLang="en-US">
+                <a:sym typeface="+mn-ea"/>
+              </a:rPr>
+              <a:t>，</a:t>
+            </a:r>
+            <a:r>
+              <a:rPr lang="en-US" altLang="zh-CN">
+                <a:sym typeface="+mn-ea"/>
+              </a:rPr>
+              <a:t>notReach() </a:t>
+            </a:r>
+            <a:r>
+              <a:rPr lang="zh-CN" altLang="en-US">
+                <a:sym typeface="+mn-ea"/>
+              </a:rPr>
+              <a:t>代替</a:t>
+            </a:r>
+            <a:r>
+              <a:rPr lang="en-US" altLang="zh-CN">
+                <a:sym typeface="+mn-ea"/>
+              </a:rPr>
+              <a:t> !=</a:t>
+            </a:r>
+            <a:r>
+              <a:rPr lang="zh-CN" altLang="en-US">
+                <a:sym typeface="+mn-ea"/>
+              </a:rPr>
+              <a:t>。但是模仿指针行为的这些运算符，已然成为了</a:t>
+            </a:r>
+            <a:r>
+              <a:rPr lang="en-US" altLang="zh-CN">
+                <a:sym typeface="+mn-ea"/>
+              </a:rPr>
+              <a:t> C++ </a:t>
+            </a:r>
+            <a:r>
+              <a:rPr lang="zh-CN" altLang="en-US">
+                <a:sym typeface="+mn-ea"/>
+              </a:rPr>
+              <a:t>事实上的标准，而且也非常直观易懂。</a:t>
+            </a:r>
+            <a:endParaRPr lang="zh-CN" altLang="en-US">
+              <a:sym typeface="+mn-ea"/>
+            </a:endParaRPr>
+          </a:p>
+          <a:p>
+            <a:r>
+              <a:rPr lang="zh-CN" altLang="en-US">
+                <a:sym typeface="+mn-ea"/>
+              </a:rPr>
+              <a:t>因此所有的用户和库，都会按照这套运算符标准来实现和使用迭代器，节省了各自创立一套规范的成本。</a:t>
+            </a:r>
+            <a:endParaRPr lang="zh-CN" altLang="en-US">
+              <a:solidFill>
+                <a:schemeClr val="accent5">
+                  <a:lumMod val="75000"/>
+                </a:schemeClr>
+              </a:solidFill>
+              <a:sym typeface="+mn-ea"/>
+            </a:endParaRPr>
+          </a:p>
+        </p:txBody>
+      </p:sp>
+      <p:pic>
+        <p:nvPicPr>
+          <p:cNvPr id="9" name="Content Placeholder 8"/>
+          <p:cNvPicPr>
+            <a:picLocks noChangeAspect="1"/>
+          </p:cNvPicPr>
+          <p:nvPr>
+            <p:ph sz="half" idx="2"/>
+          </p:nvPr>
+        </p:nvPicPr>
+        <p:blipFill>
+          <a:blip r:embed="rId1"/>
+          <a:stretch>
+            <a:fillRect/>
+          </a:stretch>
+        </p:blipFill>
+        <p:spPr>
+          <a:xfrm>
+            <a:off x="6571615" y="-18415"/>
+            <a:ext cx="5620385" cy="6876415"/>
+          </a:xfrm>
+          <a:prstGeom prst="rect">
+            <a:avLst/>
+          </a:prstGeom>
+        </p:spPr>
+      </p:pic>
+    </p:spTree>
+  </p:cSld>
+  <p:clrMapOvr>
+    <a:masterClrMapping/>
+  </p:clrMapOvr>
+</p:sld>
+</file>
+
+<file path=ppt/slides/slide64.xml><?xml version="1.0" encoding="utf-8"?>
+<p:sld xmlns:a="http://schemas.openxmlformats.org/drawingml/2006/main" xmlns:r="http://schemas.openxmlformats.org/officeDocument/2006/relationships" xmlns:p="http://schemas.openxmlformats.org/presentationml/2006/main">
+  <p:cSld>
+    <p:spTree>
+      <p:nvGrpSpPr>
+        <p:cNvPr id="1" name=""/>
+        <p:cNvGrpSpPr/>
+        <p:nvPr/>
+      </p:nvGrpSpPr>
+      <p:grpSpPr/>
+      <p:sp>
+        <p:nvSpPr>
+          <p:cNvPr id="2" name="Title 1"/>
+          <p:cNvSpPr>
+            <a:spLocks noGrp="1"/>
+          </p:cNvSpPr>
+          <p:nvPr>
+            <p:ph type="title"/>
+          </p:nvPr>
+        </p:nvSpPr>
+        <p:spPr/>
+        <p:txBody>
+          <a:bodyPr/>
+          <a:p>
+            <a:r>
+              <a:rPr lang="zh-CN">
+                <a:sym typeface="+mn-ea"/>
+              </a:rPr>
+              <a:t>迭代器模式</a:t>
+            </a:r>
+            <a:r>
+              <a:rPr lang="zh-CN">
+                <a:sym typeface="+mn-ea"/>
+              </a:rPr>
+              <a:t>：</a:t>
+            </a:r>
+            <a:r>
+              <a:rPr lang="en-US" altLang="zh-CN">
+                <a:sym typeface="+mn-ea"/>
+              </a:rPr>
+              <a:t>++ </a:t>
+            </a:r>
+            <a:r>
+              <a:rPr lang="zh-CN" altLang="en-US">
+                <a:sym typeface="+mn-ea"/>
+              </a:rPr>
+              <a:t>的前置和后置</a:t>
+            </a:r>
+            <a:endParaRPr lang="zh-CN" altLang="en-US">
+              <a:sym typeface="+mn-ea"/>
+            </a:endParaRPr>
+          </a:p>
+        </p:txBody>
+      </p:sp>
+      <p:sp>
+        <p:nvSpPr>
+          <p:cNvPr id="3" name="Content Placeholder 2"/>
+          <p:cNvSpPr>
+            <a:spLocks noGrp="1"/>
+          </p:cNvSpPr>
+          <p:nvPr>
+            <p:ph sz="half" idx="1"/>
+          </p:nvPr>
+        </p:nvSpPr>
+        <p:spPr/>
+        <p:txBody>
+          <a:bodyPr/>
+          <a:p>
+            <a:endParaRPr lang="en-US"/>
+          </a:p>
+        </p:txBody>
+      </p:sp>
+      <p:sp>
+        <p:nvSpPr>
+          <p:cNvPr id="4" name="Content Placeholder 3"/>
+          <p:cNvSpPr>
+            <a:spLocks noGrp="1"/>
+          </p:cNvSpPr>
+          <p:nvPr>
+            <p:ph sz="half" idx="2"/>
+          </p:nvPr>
+        </p:nvSpPr>
+        <p:spPr/>
+        <p:txBody>
+          <a:bodyPr/>
+          <a:p>
+            <a:endParaRPr lang="en-US"/>
+          </a:p>
+        </p:txBody>
+      </p:sp>
+    </p:spTree>
+  </p:cSld>
+  <p:clrMapOvr>
+    <a:masterClrMapping/>
+  </p:clrMapOvr>
+</p:sld>
+</file>
+
+<file path=ppt/slides/slide65.xml><?xml version="1.0" encoding="utf-8"?>
+<p:sld xmlns:a="http://schemas.openxmlformats.org/drawingml/2006/main" xmlns:r="http://schemas.openxmlformats.org/officeDocument/2006/relationships" xmlns:p="http://schemas.openxmlformats.org/presentationml/2006/main">
+  <p:cSld>
+    <p:spTree>
+      <p:nvGrpSpPr>
+        <p:cNvPr id="1" name=""/>
+        <p:cNvGrpSpPr/>
+        <p:nvPr/>
+      </p:nvGrpSpPr>
+      <p:grpSpPr/>
+      <p:sp>
+        <p:nvSpPr>
+          <p:cNvPr id="2" name="Title 1"/>
+          <p:cNvSpPr>
+            <a:spLocks noGrp="1"/>
+          </p:cNvSpPr>
+          <p:nvPr>
+            <p:ph type="title"/>
+          </p:nvPr>
+        </p:nvSpPr>
+        <p:spPr/>
+        <p:txBody>
+          <a:bodyPr/>
+          <a:p>
+            <a:r>
+              <a:rPr lang="zh-CN"/>
+              <a:t>顺便宣传一下小彭老师的插件全家桶：</a:t>
+            </a:r>
+            <a:r>
+              <a:rPr lang="en-US" altLang="zh-CN"/>
+              <a:t>github.com/archibate/vimrc</a:t>
+            </a:r>
+            <a:endParaRPr lang="en-US" altLang="zh-CN"/>
+          </a:p>
+        </p:txBody>
+      </p:sp>
+      <p:pic>
+        <p:nvPicPr>
+          <p:cNvPr id="8" name="Content Placeholder 7"/>
+          <p:cNvPicPr>
+            <a:picLocks noChangeAspect="1"/>
+          </p:cNvPicPr>
+          <p:nvPr>
+            <p:ph sz="half" idx="2"/>
+          </p:nvPr>
+        </p:nvPicPr>
+        <p:blipFill>
+          <a:blip r:embed="rId1"/>
+          <a:stretch>
+            <a:fillRect/>
+          </a:stretch>
+        </p:blipFill>
+        <p:spPr>
+          <a:xfrm>
+            <a:off x="6691630" y="1480820"/>
+            <a:ext cx="5171440" cy="4893945"/>
+          </a:xfrm>
+          <a:prstGeom prst="rect">
+            <a:avLst/>
+          </a:prstGeom>
+        </p:spPr>
+      </p:pic>
+      <p:pic>
+        <p:nvPicPr>
+          <p:cNvPr id="10" name="Content Placeholder 9"/>
+          <p:cNvPicPr>
+            <a:picLocks noChangeAspect="1"/>
+          </p:cNvPicPr>
+          <p:nvPr>
+            <p:ph sz="half" idx="1"/>
+          </p:nvPr>
+        </p:nvPicPr>
+        <p:blipFill>
+          <a:blip r:embed="rId2"/>
+          <a:stretch>
+            <a:fillRect/>
+          </a:stretch>
+        </p:blipFill>
+        <p:spPr>
+          <a:xfrm>
+            <a:off x="208280" y="1584325"/>
+            <a:ext cx="6285230" cy="4747260"/>
+          </a:xfrm>
+          <a:prstGeom prst="rect">
+            <a:avLst/>
+          </a:prstGeom>
+        </p:spPr>
+      </p:pic>
     </p:spTree>
   </p:cSld>
   <p:clrMapOvr>

--- a/13/slides.pptx
+++ b/13/slides.pptx
@@ -8,7 +8,7 @@
     <p:notesMasterId r:id="rId22"/>
   </p:notesMasterIdLst>
   <p:handoutMasterIdLst>
-    <p:handoutMasterId r:id="rId69"/>
+    <p:handoutMasterId r:id="rId76"/>
   </p:handoutMasterIdLst>
   <p:sldIdLst>
     <p:sldId id="256" r:id="rId3"/>
@@ -60,22 +60,29 @@
     <p:sldId id="368" r:id="rId50"/>
     <p:sldId id="402" r:id="rId51"/>
     <p:sldId id="401" r:id="rId52"/>
-    <p:sldId id="400" r:id="rId53"/>
-    <p:sldId id="304" r:id="rId54"/>
-    <p:sldId id="305" r:id="rId55"/>
-    <p:sldId id="308" r:id="rId56"/>
-    <p:sldId id="309" r:id="rId57"/>
-    <p:sldId id="310" r:id="rId58"/>
-    <p:sldId id="313" r:id="rId59"/>
-    <p:sldId id="314" r:id="rId60"/>
-    <p:sldId id="315" r:id="rId61"/>
-    <p:sldId id="316" r:id="rId62"/>
-    <p:sldId id="317" r:id="rId63"/>
-    <p:sldId id="319" r:id="rId64"/>
-    <p:sldId id="320" r:id="rId65"/>
-    <p:sldId id="321" r:id="rId66"/>
-    <p:sldId id="324" r:id="rId67"/>
-    <p:sldId id="287" r:id="rId68"/>
+    <p:sldId id="433" r:id="rId53"/>
+    <p:sldId id="435" r:id="rId54"/>
+    <p:sldId id="434" r:id="rId55"/>
+    <p:sldId id="436" r:id="rId56"/>
+    <p:sldId id="437" r:id="rId57"/>
+    <p:sldId id="438" r:id="rId58"/>
+    <p:sldId id="432" r:id="rId59"/>
+    <p:sldId id="400" r:id="rId60"/>
+    <p:sldId id="304" r:id="rId61"/>
+    <p:sldId id="305" r:id="rId62"/>
+    <p:sldId id="308" r:id="rId63"/>
+    <p:sldId id="309" r:id="rId64"/>
+    <p:sldId id="310" r:id="rId65"/>
+    <p:sldId id="313" r:id="rId66"/>
+    <p:sldId id="314" r:id="rId67"/>
+    <p:sldId id="315" r:id="rId68"/>
+    <p:sldId id="316" r:id="rId69"/>
+    <p:sldId id="317" r:id="rId70"/>
+    <p:sldId id="319" r:id="rId71"/>
+    <p:sldId id="320" r:id="rId72"/>
+    <p:sldId id="321" r:id="rId73"/>
+    <p:sldId id="324" r:id="rId74"/>
+    <p:sldId id="287" r:id="rId75"/>
   </p:sldIdLst>
   <p:sldSz cx="12192000" cy="6858000"/>
   <p:notesSz cx="7103745" cy="10234295"/>
@@ -14024,7 +14031,7 @@
         <p:spPr>
           <a:xfrm>
             <a:off x="443230" y="1400175"/>
-            <a:ext cx="7367905" cy="4351655"/>
+            <a:ext cx="7132955" cy="4351655"/>
           </a:xfrm>
         </p:spPr>
         <p:txBody>
@@ -14042,6 +14049,42 @@
               <a:rPr lang="zh-CN" altLang="en-US"/>
               <a:t>后的尺寸还超过了原先尺寸的两倍，就没有这个效果了。</a:t>
             </a:r>
+            <a:endParaRPr lang="zh-CN" altLang="en-US"/>
+          </a:p>
+          <a:p>
+            <a:r>
+              <a:rPr lang="zh-CN" altLang="en-US"/>
+              <a:t>也就是说</a:t>
+            </a:r>
+            <a:r>
+              <a:rPr lang="en-US" altLang="zh-CN"/>
+              <a:t> resize(n) </a:t>
+            </a:r>
+            <a:r>
+              <a:rPr lang="zh-CN" altLang="en-US"/>
+              <a:t>的逻辑是扩容至</a:t>
+            </a:r>
+            <a:r>
+              <a:rPr lang="en-US" altLang="zh-CN"/>
+              <a:t> </a:t>
+            </a:r>
+            <a:r>
+              <a:rPr lang="en-US" altLang="zh-CN">
+                <a:solidFill>
+                  <a:schemeClr val="accent5">
+                    <a:lumMod val="75000"/>
+                  </a:schemeClr>
+                </a:solidFill>
+              </a:rPr>
+              <a:t>max(n, capacity * 2)</a:t>
+            </a:r>
+            <a:r>
+              <a:rPr lang="zh-CN" altLang="en-US"/>
+              <a:t>。</a:t>
+            </a:r>
+            <a:endParaRPr lang="zh-CN" altLang="en-US"/>
+          </a:p>
+          <a:p>
             <a:endParaRPr lang="zh-CN" altLang="en-US"/>
           </a:p>
           <a:p>
@@ -14185,32 +14228,145 @@
             <p:ph sz="half" idx="1"/>
           </p:nvPr>
         </p:nvSpPr>
-        <p:spPr/>
+        <p:spPr>
+          <a:xfrm>
+            <a:off x="647700" y="1512570"/>
+            <a:ext cx="7276465" cy="4351655"/>
+          </a:xfrm>
+        </p:spPr>
         <p:txBody>
           <a:bodyPr/>
           <a:p>
-            <a:endParaRPr lang="en-US"/>
-          </a:p>
-        </p:txBody>
-      </p:sp>
-      <p:sp>
-        <p:nvSpPr>
-          <p:cNvPr id="4" name="Content Placeholder 3"/>
-          <p:cNvSpPr>
-            <a:spLocks noGrp="1"/>
-          </p:cNvSpPr>
+            <a:r>
+              <a:rPr lang="zh-CN" altLang="en-US"/>
+              <a:t>内存分配是需要一定时间的。如果我们程序员能预料到数组最终的大小，可以用</a:t>
+            </a:r>
+            <a:r>
+              <a:rPr lang="en-US" altLang="zh-CN"/>
+              <a:t> reserve </a:t>
+            </a:r>
+            <a:r>
+              <a:rPr lang="zh-CN" altLang="en-US"/>
+              <a:t>函数</a:t>
+            </a:r>
+            <a:r>
+              <a:rPr lang="zh-CN" altLang="en-US" b="1"/>
+              <a:t>预留</a:t>
+            </a:r>
+            <a:r>
+              <a:rPr lang="zh-CN" altLang="en-US"/>
+              <a:t>一定的容量，这样之后就不会出现容量不足而需要动态扩容影响性能了。例如这里我们一开始预留了</a:t>
+            </a:r>
+            <a:r>
+              <a:rPr lang="en-US" altLang="zh-CN"/>
+              <a:t> 12 </a:t>
+            </a:r>
+            <a:r>
+              <a:rPr lang="zh-CN" altLang="en-US"/>
+              <a:t>格容量，这样从</a:t>
+            </a:r>
+            <a:r>
+              <a:rPr lang="en-US" altLang="zh-CN"/>
+              <a:t> 5 </a:t>
+            </a:r>
+            <a:r>
+              <a:rPr lang="zh-CN" altLang="en-US"/>
+              <a:t>到</a:t>
+            </a:r>
+            <a:r>
+              <a:rPr lang="en-US" altLang="zh-CN"/>
+              <a:t> 12 </a:t>
+            </a:r>
+            <a:r>
+              <a:rPr lang="zh-CN" altLang="en-US"/>
+              <a:t>的时候就不必重新分配。此外，还要注意</a:t>
+            </a:r>
+            <a:r>
+              <a:rPr lang="en-US" altLang="zh-CN"/>
+              <a:t> reserve </a:t>
+            </a:r>
+            <a:r>
+              <a:rPr lang="zh-CN" altLang="en-US"/>
+              <a:t>时也会移动元素。</a:t>
+            </a:r>
+            <a:endParaRPr lang="zh-CN" altLang="en-US"/>
+          </a:p>
+          <a:p>
+            <a:endParaRPr lang="en-US" altLang="zh-CN">
+              <a:solidFill>
+                <a:schemeClr val="bg1">
+                  <a:lumMod val="65000"/>
+                </a:schemeClr>
+              </a:solidFill>
+              <a:sym typeface="+mn-ea"/>
+            </a:endParaRPr>
+          </a:p>
+          <a:p>
+            <a:r>
+              <a:rPr lang="en-US" altLang="zh-CN">
+                <a:solidFill>
+                  <a:schemeClr val="bg1">
+                    <a:lumMod val="65000"/>
+                  </a:schemeClr>
+                </a:solidFill>
+                <a:sym typeface="+mn-ea"/>
+              </a:rPr>
+              <a:t>size_t reserve(size_t n);</a:t>
+            </a:r>
+            <a:endParaRPr lang="zh-CN" altLang="en-US"/>
+          </a:p>
+        </p:txBody>
+      </p:sp>
+      <p:pic>
+        <p:nvPicPr>
+          <p:cNvPr id="5" name="Content Placeholder 4"/>
+          <p:cNvPicPr>
+            <a:picLocks noChangeAspect="1"/>
+          </p:cNvPicPr>
           <p:nvPr>
             <p:ph sz="half" idx="2"/>
           </p:nvPr>
-        </p:nvSpPr>
-        <p:spPr/>
-        <p:txBody>
-          <a:bodyPr/>
-          <a:p>
-            <a:endParaRPr lang="en-US"/>
-          </a:p>
-        </p:txBody>
-      </p:sp>
+        </p:nvPicPr>
+        <p:blipFill>
+          <a:blip r:embed="rId1"/>
+          <a:stretch>
+            <a:fillRect/>
+          </a:stretch>
+        </p:blipFill>
+        <p:spPr>
+          <a:xfrm>
+            <a:off x="5201285" y="3861435"/>
+            <a:ext cx="6990715" cy="2996565"/>
+          </a:xfrm>
+          <a:prstGeom prst="rect">
+            <a:avLst/>
+          </a:prstGeom>
+        </p:spPr>
+      </p:pic>
+      <p:pic>
+        <p:nvPicPr>
+          <p:cNvPr id="6" name="Picture 5"/>
+          <p:cNvPicPr>
+            <a:picLocks noChangeAspect="1"/>
+          </p:cNvPicPr>
+          <p:nvPr/>
+        </p:nvPicPr>
+        <p:blipFill>
+          <a:blip r:embed="rId2"/>
+          <a:stretch>
+            <a:fillRect/>
+          </a:stretch>
+        </p:blipFill>
+        <p:spPr>
+          <a:xfrm>
+            <a:off x="8500110" y="1811655"/>
+            <a:ext cx="2979420" cy="1681480"/>
+          </a:xfrm>
+          <a:prstGeom prst="rect">
+            <a:avLst/>
+          </a:prstGeom>
+        </p:spPr>
+      </p:pic>
     </p:spTree>
   </p:cSld>
   <p:clrMapOvr>
@@ -14424,6 +14580,36 @@
         <p:txBody>
           <a:bodyPr/>
           <a:p>
+            <a:r>
+              <a:rPr lang="en-US">
+                <a:sym typeface="+mn-ea"/>
+              </a:rPr>
+              <a:t>vector </a:t>
+            </a:r>
+            <a:r>
+              <a:rPr lang="zh-CN" altLang="en-US">
+                <a:sym typeface="+mn-ea"/>
+              </a:rPr>
+              <a:t>容器：</a:t>
+            </a:r>
+            <a:r>
+              <a:rPr lang="en-US" altLang="zh-CN">
+                <a:sym typeface="+mn-ea"/>
+              </a:rPr>
+              <a:t>shrink_to_fit </a:t>
+            </a:r>
+            <a:r>
+              <a:rPr lang="zh-CN" altLang="en-US">
+                <a:sym typeface="+mn-ea"/>
+              </a:rPr>
+              <a:t>释放多余</a:t>
+            </a:r>
+            <a:r>
+              <a:rPr lang="zh-CN" altLang="en-US">
+                <a:sym typeface="+mn-ea"/>
+              </a:rPr>
+              <a:t>容量</a:t>
+            </a:r>
             <a:endParaRPr lang="en-US"/>
           </a:p>
         </p:txBody>
@@ -14438,32 +14624,134 @@
             <p:ph sz="half" idx="1"/>
           </p:nvPr>
         </p:nvSpPr>
-        <p:spPr/>
+        <p:spPr>
+          <a:xfrm>
+            <a:off x="647700" y="1461770"/>
+            <a:ext cx="7276465" cy="4351655"/>
+          </a:xfrm>
+        </p:spPr>
         <p:txBody>
           <a:bodyPr/>
           <a:p>
-            <a:endParaRPr lang="en-US"/>
-          </a:p>
-        </p:txBody>
-      </p:sp>
-      <p:sp>
-        <p:nvSpPr>
-          <p:cNvPr id="4" name="Content Placeholder 3"/>
-          <p:cNvSpPr>
-            <a:spLocks noGrp="1"/>
-          </p:cNvSpPr>
+            <a:r>
+              <a:rPr lang="zh-CN"/>
+              <a:t>刚刚说过，当</a:t>
+            </a:r>
+            <a:r>
+              <a:rPr lang="en-US" altLang="zh-CN"/>
+              <a:t> resize </a:t>
+            </a:r>
+            <a:r>
+              <a:rPr lang="zh-CN" altLang="en-US"/>
+              <a:t>到一个更小的大小上时，多余的容量不会释放，而是继续保留。如担心内存告急可以用</a:t>
+            </a:r>
+            <a:r>
+              <a:rPr lang="en-US" altLang="zh-CN"/>
+              <a:t> </a:t>
+            </a:r>
+            <a:r>
+              <a:rPr lang="en-US" altLang="zh-CN">
+                <a:sym typeface="+mn-ea"/>
+              </a:rPr>
+              <a:t>shrink_to_fit </a:t>
+            </a:r>
+            <a:r>
+              <a:rPr lang="zh-CN" altLang="en-US">
+                <a:sym typeface="+mn-ea"/>
+              </a:rPr>
+              <a:t>释放掉多余的容量，只保留刚好为</a:t>
+            </a:r>
+            <a:r>
+              <a:rPr lang="en-US" altLang="zh-CN">
+                <a:sym typeface="+mn-ea"/>
+              </a:rPr>
+              <a:t> size() </a:t>
+            </a:r>
+            <a:r>
+              <a:rPr lang="zh-CN" altLang="en-US">
+                <a:sym typeface="+mn-ea"/>
+              </a:rPr>
+              <a:t>大小的容量。</a:t>
+            </a:r>
+            <a:endParaRPr lang="zh-CN" altLang="en-US"/>
+          </a:p>
+          <a:p>
+            <a:r>
+              <a:rPr lang="en-US" altLang="zh-CN"/>
+              <a:t>shrink_to_fit </a:t>
+            </a:r>
+            <a:r>
+              <a:rPr lang="zh-CN" altLang="en-US"/>
+              <a:t>会重新分配一段更小内存，他同样是会把元素移动到新内存中的，因此迭代器和指针也会失效。</a:t>
+            </a:r>
+            <a:endParaRPr lang="zh-CN" altLang="en-US"/>
+          </a:p>
+          <a:p>
+            <a:r>
+              <a:rPr lang="en-US" altLang="zh-CN">
+                <a:solidFill>
+                  <a:schemeClr val="bg1">
+                    <a:lumMod val="65000"/>
+                  </a:schemeClr>
+                </a:solidFill>
+                <a:sym typeface="+mn-ea"/>
+              </a:rPr>
+              <a:t>size_t shrink_to_fit(size_t n);</a:t>
+            </a:r>
+            <a:endParaRPr lang="zh-CN" altLang="en-US"/>
+          </a:p>
+        </p:txBody>
+      </p:sp>
+      <p:pic>
+        <p:nvPicPr>
+          <p:cNvPr id="5" name="Content Placeholder 4"/>
+          <p:cNvPicPr>
+            <a:picLocks noChangeAspect="1"/>
+          </p:cNvPicPr>
           <p:nvPr>
             <p:ph sz="half" idx="2"/>
           </p:nvPr>
-        </p:nvSpPr>
-        <p:spPr/>
-        <p:txBody>
-          <a:bodyPr/>
-          <a:p>
-            <a:endParaRPr lang="en-US"/>
-          </a:p>
-        </p:txBody>
-      </p:sp>
+        </p:nvPicPr>
+        <p:blipFill>
+          <a:blip r:embed="rId1"/>
+          <a:stretch>
+            <a:fillRect/>
+          </a:stretch>
+        </p:blipFill>
+        <p:spPr>
+          <a:xfrm>
+            <a:off x="4497070" y="4075430"/>
+            <a:ext cx="7694930" cy="2782570"/>
+          </a:xfrm>
+          <a:prstGeom prst="rect">
+            <a:avLst/>
+          </a:prstGeom>
+        </p:spPr>
+      </p:pic>
+      <p:pic>
+        <p:nvPicPr>
+          <p:cNvPr id="6" name="Picture 5"/>
+          <p:cNvPicPr>
+            <a:picLocks noChangeAspect="1"/>
+          </p:cNvPicPr>
+          <p:nvPr/>
+        </p:nvPicPr>
+        <p:blipFill>
+          <a:blip r:embed="rId2"/>
+          <a:stretch>
+            <a:fillRect/>
+          </a:stretch>
+        </p:blipFill>
+        <p:spPr>
+          <a:xfrm>
+            <a:off x="7924165" y="2138680"/>
+            <a:ext cx="4105275" cy="1476375"/>
+          </a:xfrm>
+          <a:prstGeom prst="rect">
+            <a:avLst/>
+          </a:prstGeom>
+        </p:spPr>
+      </p:pic>
     </p:spTree>
   </p:cSld>
   <p:clrMapOvr>
@@ -14497,10 +14785,14 @@
           <a:bodyPr/>
           <a:p>
             <a:r>
-              <a:rPr lang="zh-CN"/>
-              <a:t>迭代器模式</a:t>
-            </a:r>
-            <a:endParaRPr lang="zh-CN"/>
+              <a:rPr lang="zh-CN" altLang="en-US"/>
+              <a:t>一个小工具：</a:t>
+            </a:r>
+            <a:r>
+              <a:rPr lang="en-US" altLang="zh-CN"/>
+              <a:t>mallochook</a:t>
+            </a:r>
+            <a:endParaRPr lang="en-US" altLang="zh-CN"/>
           </a:p>
         </p:txBody>
       </p:sp>
@@ -14514,15 +14806,66 @@
             <p:ph sz="half" idx="1"/>
           </p:nvPr>
         </p:nvSpPr>
-        <p:spPr/>
+        <p:spPr>
+          <a:xfrm>
+            <a:off x="647700" y="1825625"/>
+            <a:ext cx="4528185" cy="4351655"/>
+          </a:xfrm>
+        </p:spPr>
         <p:txBody>
           <a:bodyPr/>
           <a:p>
             <a:r>
               <a:rPr lang="zh-CN" altLang="en-US"/>
-              <a:t>如果要把右边这个打印的操作封装起来，该怎么做？</a:t>
+              <a:t>为了追踪所有的内存分配与释放，我们试着重写一下</a:t>
+            </a:r>
+            <a:r>
+              <a:rPr lang="en-US" altLang="zh-CN"/>
+              <a:t> malloc </a:t>
+            </a:r>
+            <a:r>
+              <a:rPr lang="zh-CN" altLang="en-US"/>
+              <a:t>和</a:t>
+            </a:r>
+            <a:r>
+              <a:rPr lang="en-US" altLang="zh-CN"/>
+              <a:t> free </a:t>
+            </a:r>
+            <a:r>
+              <a:rPr lang="zh-CN" altLang="en-US"/>
+              <a:t>函数。</a:t>
             </a:r>
             <a:endParaRPr lang="zh-CN" altLang="en-US"/>
+          </a:p>
+          <a:p>
+            <a:r>
+              <a:rPr lang="zh-CN" altLang="en-US"/>
+              <a:t>这样当</a:t>
+            </a:r>
+            <a:r>
+              <a:rPr lang="en-US" altLang="zh-CN"/>
+              <a:t> vector </a:t>
+            </a:r>
+            <a:r>
+              <a:rPr lang="zh-CN" altLang="en-US"/>
+              <a:t>容器分配或是释放内存的时候，我们就能轻松看到。</a:t>
+            </a:r>
+            <a:endParaRPr lang="zh-CN" altLang="en-US"/>
+          </a:p>
+          <a:p>
+            <a:r>
+              <a:rPr lang="zh-CN" altLang="en-US"/>
+              <a:t>不过这个只能</a:t>
+            </a:r>
+            <a:r>
+              <a:rPr lang="en-US" altLang="zh-CN"/>
+              <a:t> Linux </a:t>
+            </a:r>
+            <a:r>
+              <a:rPr lang="zh-CN" altLang="en-US"/>
+              <a:t>系统可以用哦。</a:t>
+            </a:r>
+            <a:endParaRPr lang="en-US" altLang="zh-CN"/>
           </a:p>
         </p:txBody>
       </p:sp>
@@ -14544,8 +14887,8 @@
         </p:blipFill>
         <p:spPr>
           <a:xfrm>
-            <a:off x="5623560" y="2875280"/>
-            <a:ext cx="5897245" cy="2251710"/>
+            <a:off x="5273040" y="1404620"/>
+            <a:ext cx="6918960" cy="5453380"/>
           </a:xfrm>
           <a:prstGeom prst="rect">
             <a:avLst/>
@@ -14585,10 +14928,22 @@
           <a:bodyPr/>
           <a:p>
             <a:r>
-              <a:rPr lang="zh-CN"/>
-              <a:t>迭代器模式</a:t>
-            </a:r>
-            <a:endParaRPr lang="zh-CN"/>
+              <a:rPr lang="en-US"/>
+              <a:t>vector </a:t>
+            </a:r>
+            <a:r>
+              <a:rPr lang="zh-CN" altLang="en-US"/>
+              <a:t>容器：</a:t>
+            </a:r>
+            <a:r>
+              <a:rPr lang="en-US" altLang="zh-CN"/>
+              <a:t>push_back </a:t>
+            </a:r>
+            <a:r>
+              <a:rPr lang="zh-CN" altLang="en-US"/>
+              <a:t>的问题</a:t>
+            </a:r>
+            <a:endParaRPr lang="zh-CN" altLang="en-US"/>
           </a:p>
         </p:txBody>
       </p:sp>
@@ -14602,70 +14957,149 @@
             <p:ph sz="half" idx="1"/>
           </p:nvPr>
         </p:nvSpPr>
-        <p:spPr/>
+        <p:spPr>
+          <a:xfrm>
+            <a:off x="647700" y="1224915"/>
+            <a:ext cx="6713855" cy="5553710"/>
+          </a:xfrm>
+        </p:spPr>
         <p:txBody>
           <a:bodyPr/>
           <a:p>
             <a:r>
               <a:rPr lang="zh-CN" altLang="en-US"/>
-              <a:t>如果要把右边这个打印的操作封装起来，该怎么做？</a:t>
+              <a:t>由于不知道你究竟会推入多少个元素，</a:t>
+            </a:r>
+            <a:r>
+              <a:rPr lang="en-US" altLang="zh-CN"/>
+              <a:t>vector </a:t>
+            </a:r>
+            <a:r>
+              <a:rPr lang="zh-CN" altLang="en-US"/>
+              <a:t>的初始容量是零，而</a:t>
+            </a:r>
+            <a:r>
+              <a:rPr lang="en-US" altLang="zh-CN"/>
+              <a:t> push_back </a:t>
+            </a:r>
+            <a:r>
+              <a:rPr lang="zh-CN" altLang="en-US"/>
+              <a:t>和</a:t>
+            </a:r>
+            <a:r>
+              <a:rPr lang="en-US" altLang="zh-CN"/>
+              <a:t> resize </a:t>
+            </a:r>
+            <a:r>
+              <a:rPr lang="zh-CN" altLang="en-US"/>
+              <a:t>一样，每次遇到容量不足时，都会扩容两倍，如图。</a:t>
             </a:r>
             <a:endParaRPr lang="zh-CN" altLang="en-US"/>
           </a:p>
           <a:p>
             <a:r>
               <a:rPr lang="zh-CN" altLang="en-US"/>
-              <a:t>可以用一个函数来封装打印操作：</a:t>
+              <a:t>这也体现了</a:t>
+            </a:r>
+            <a:r>
+              <a:rPr lang="zh-CN" altLang="en-US" b="1"/>
+              <a:t>实际容量</a:t>
+            </a:r>
+            <a:r>
+              <a:rPr lang="en-US" altLang="zh-CN" b="1"/>
+              <a:t>(capacity)</a:t>
+            </a:r>
+            <a:r>
+              <a:rPr lang="zh-CN" altLang="en-US"/>
+              <a:t>和</a:t>
+            </a:r>
+            <a:r>
+              <a:rPr lang="zh-CN" altLang="en-US" b="1"/>
+              <a:t>数组大小</a:t>
+            </a:r>
+            <a:r>
+              <a:rPr lang="en-US" altLang="zh-CN" b="1"/>
+              <a:t>(size)</a:t>
+            </a:r>
+            <a:r>
+              <a:rPr lang="zh-CN" altLang="en-US"/>
+              <a:t>分离的好处，如果死板地让分配的内存容量始终等于当前数组大小（很多同学都号称自己实现过</a:t>
+            </a:r>
+            <a:r>
+              <a:rPr lang="en-US" altLang="zh-CN"/>
+              <a:t> vector</a:t>
+            </a:r>
+            <a:r>
+              <a:rPr lang="zh-CN" altLang="en-US"/>
+              <a:t>，都是这种写法），那么如果要用</a:t>
+            </a:r>
+            <a:r>
+              <a:rPr lang="en-US" altLang="zh-CN"/>
+              <a:t> push_back </a:t>
+            </a:r>
+            <a:r>
+              <a:rPr lang="zh-CN" altLang="en-US"/>
+              <a:t>推入</a:t>
+            </a:r>
+            <a:r>
+              <a:rPr lang="en-US" altLang="zh-CN"/>
+              <a:t> n </a:t>
+            </a:r>
+            <a:r>
+              <a:rPr lang="zh-CN" altLang="en-US"/>
+              <a:t>个元素，就需要重新分配内存</a:t>
+            </a:r>
+            <a:r>
+              <a:rPr lang="en-US" altLang="zh-CN"/>
+              <a:t> n </a:t>
+            </a:r>
+            <a:r>
+              <a:rPr lang="zh-CN" altLang="en-US"/>
+              <a:t>次，移动元素</a:t>
+            </a:r>
+            <a:r>
+              <a:rPr lang="en-US" altLang="zh-CN"/>
+              <a:t> n(n+1)/2 </a:t>
+            </a:r>
+            <a:r>
+              <a:rPr lang="zh-CN" altLang="en-US"/>
+              <a:t>次。</a:t>
             </a:r>
             <a:endParaRPr lang="zh-CN" altLang="en-US"/>
           </a:p>
           <a:p>
             <a:r>
-              <a:rPr lang="en-US" altLang="zh-CN">
-                <a:solidFill>
-                  <a:schemeClr val="accent5">
-                    <a:lumMod val="75000"/>
-                  </a:schemeClr>
-                </a:solidFill>
-              </a:rPr>
-              <a:t>print(vector&lt;char&gt; const &amp;a);</a:t>
-            </a:r>
-            <a:endParaRPr lang="en-US" altLang="zh-CN">
-              <a:solidFill>
-                <a:schemeClr val="accent5">
-                  <a:lumMod val="75000"/>
-                </a:schemeClr>
-              </a:solidFill>
-            </a:endParaRPr>
-          </a:p>
-        </p:txBody>
-      </p:sp>
-      <p:pic>
-        <p:nvPicPr>
-          <p:cNvPr id="6" name="Content Placeholder 5"/>
-          <p:cNvPicPr>
-            <a:picLocks noChangeAspect="1"/>
-          </p:cNvPicPr>
-          <p:nvPr>
-            <p:ph sz="half" idx="2"/>
-          </p:nvPr>
-        </p:nvPicPr>
-        <p:blipFill>
-          <a:blip r:embed="rId1"/>
-          <a:stretch>
-            <a:fillRect/>
-          </a:stretch>
-        </p:blipFill>
-        <p:spPr>
-          <a:xfrm>
-            <a:off x="5589905" y="2240280"/>
-            <a:ext cx="5963920" cy="3522345"/>
-          </a:xfrm>
-          <a:prstGeom prst="rect">
-            <a:avLst/>
-          </a:prstGeom>
-        </p:spPr>
-      </p:pic>
+              <a:rPr lang="zh-CN" altLang="en-US"/>
+              <a:t>而像标准库这样允许数组大小和实际容量不同，这样</a:t>
+            </a:r>
+            <a:r>
+              <a:rPr lang="en-US" altLang="zh-CN"/>
+              <a:t> push_back </a:t>
+            </a:r>
+            <a:r>
+              <a:rPr lang="zh-CN" altLang="en-US"/>
+              <a:t>在容量不足的时候就可以一次性扩容两倍，只需重新分配</a:t>
+            </a:r>
+            <a:r>
+              <a:rPr lang="en-US" altLang="zh-CN"/>
+              <a:t> logn </a:t>
+            </a:r>
+            <a:r>
+              <a:rPr lang="zh-CN" altLang="en-US"/>
+              <a:t>次，移动元素</a:t>
+            </a:r>
+            <a:r>
+              <a:rPr lang="en-US" altLang="zh-CN"/>
+              <a:t> 2n-1 </a:t>
+            </a:r>
+            <a:r>
+              <a:rPr lang="zh-CN" altLang="en-US"/>
+              <a:t>次。</a:t>
+            </a:r>
+            <a:endParaRPr lang="zh-CN" altLang="en-US"/>
+          </a:p>
+        </p:txBody>
+      </p:sp>
       <p:pic>
         <p:nvPicPr>
           <p:cNvPr id="7" name="Picture 6"/>
@@ -14675,6 +15109,32 @@
           <p:nvPr/>
         </p:nvPicPr>
         <p:blipFill>
+          <a:blip r:embed="rId1"/>
+          <a:stretch>
+            <a:fillRect/>
+          </a:stretch>
+        </p:blipFill>
+        <p:spPr>
+          <a:xfrm>
+            <a:off x="8392795" y="266700"/>
+            <a:ext cx="3584575" cy="4363085"/>
+          </a:xfrm>
+          <a:prstGeom prst="rect">
+            <a:avLst/>
+          </a:prstGeom>
+        </p:spPr>
+      </p:pic>
+      <p:pic>
+        <p:nvPicPr>
+          <p:cNvPr id="9" name="Content Placeholder 8"/>
+          <p:cNvPicPr>
+            <a:picLocks noChangeAspect="1"/>
+          </p:cNvPicPr>
+          <p:nvPr>
+            <p:ph sz="half" idx="2"/>
+          </p:nvPr>
+        </p:nvPicPr>
+        <p:blipFill>
           <a:blip r:embed="rId2"/>
           <a:stretch>
             <a:fillRect/>
@@ -14682,8 +15142,8 @@
         </p:blipFill>
         <p:spPr>
           <a:xfrm>
-            <a:off x="727710" y="4614545"/>
-            <a:ext cx="516890" cy="1388110"/>
+            <a:off x="7995285" y="4805045"/>
+            <a:ext cx="4196715" cy="2052955"/>
           </a:xfrm>
           <a:prstGeom prst="rect">
             <a:avLst/>
@@ -14723,10 +15183,30 @@
           <a:bodyPr/>
           <a:p>
             <a:r>
-              <a:rPr lang="zh-CN"/>
-              <a:t>迭代器模式</a:t>
-            </a:r>
-            <a:endParaRPr lang="zh-CN"/>
+              <a:rPr lang="en-US"/>
+              <a:t>vector </a:t>
+            </a:r>
+            <a:r>
+              <a:rPr lang="zh-CN" altLang="en-US"/>
+              <a:t>容器：</a:t>
+            </a:r>
+            <a:r>
+              <a:rPr lang="en-US" altLang="zh-CN"/>
+              <a:t>push_back </a:t>
+            </a:r>
+            <a:r>
+              <a:rPr lang="zh-CN" altLang="en-US"/>
+              <a:t>的问题，</a:t>
+            </a:r>
+            <a:r>
+              <a:rPr lang="en-US" altLang="zh-CN"/>
+              <a:t>reserve </a:t>
+            </a:r>
+            <a:r>
+              <a:rPr lang="zh-CN" altLang="en-US"/>
+              <a:t>解决</a:t>
+            </a:r>
+            <a:endParaRPr lang="zh-CN" altLang="en-US"/>
           </a:p>
         </p:txBody>
       </p:sp>
@@ -14740,117 +15220,127 @@
             <p:ph sz="half" idx="1"/>
           </p:nvPr>
         </p:nvSpPr>
-        <p:spPr/>
+        <p:spPr>
+          <a:xfrm>
+            <a:off x="647700" y="1584960"/>
+            <a:ext cx="6713855" cy="5193665"/>
+          </a:xfrm>
+        </p:spPr>
         <p:txBody>
           <a:bodyPr/>
           <a:p>
             <a:r>
-              <a:rPr lang="zh-CN" altLang="en-US"/>
-              <a:t>如果要把右边这个打印的操作封装起来，该怎么做？</a:t>
+              <a:rPr lang="zh-CN"/>
+              <a:t>因此，如果你早就知道要推入元素的数量，可以调用</a:t>
+            </a:r>
+            <a:r>
+              <a:rPr lang="en-US" altLang="zh-CN"/>
+              <a:t> reserve </a:t>
+            </a:r>
+            <a:r>
+              <a:rPr lang="zh-CN" altLang="en-US"/>
+              <a:t>函数先预留那么多的</a:t>
+            </a:r>
+            <a:r>
+              <a:rPr lang="zh-CN" altLang="en-US" b="1"/>
+              <a:t>容量</a:t>
+            </a:r>
+            <a:r>
+              <a:rPr lang="zh-CN"/>
+              <a:t>，等待接下来的推入。</a:t>
+            </a:r>
+            <a:endParaRPr lang="zh-CN"/>
+          </a:p>
+          <a:p>
+            <a:r>
+              <a:rPr lang="zh-CN"/>
+              <a:t>这样之后</a:t>
+            </a:r>
+            <a:r>
+              <a:rPr lang="en-US" altLang="zh-CN"/>
+              <a:t> push_back </a:t>
+            </a:r>
+            <a:r>
+              <a:rPr lang="zh-CN" altLang="en-US"/>
+              <a:t>时，</a:t>
+            </a:r>
+            <a:r>
+              <a:rPr lang="zh-CN"/>
+              <a:t>就不会一次次地扩容两倍慢慢成长到</a:t>
+            </a:r>
+            <a:r>
+              <a:rPr lang="en-US" altLang="zh-CN"/>
+              <a:t> 128</a:t>
+            </a:r>
+            <a:r>
+              <a:rPr lang="zh-CN" altLang="en-US"/>
+              <a:t>，避免</a:t>
+            </a:r>
+            <a:r>
+              <a:rPr lang="zh-CN"/>
+              <a:t>重新分配内存和移动元素，更高效。</a:t>
+            </a:r>
+            <a:endParaRPr lang="zh-CN"/>
+          </a:p>
+          <a:p>
+            <a:r>
+              <a:rPr lang="zh-CN"/>
+              <a:t>比如这里我们可以提前知道循环会执行</a:t>
+            </a:r>
+            <a:r>
+              <a:rPr lang="en-US" altLang="zh-CN"/>
+              <a:t> 100 </a:t>
+            </a:r>
+            <a:r>
+              <a:rPr lang="zh-CN" altLang="en-US"/>
+              <a:t>次，因此</a:t>
+            </a:r>
+            <a:r>
+              <a:rPr lang="en-US" altLang="zh-CN"/>
+              <a:t> reserve(100) </a:t>
+            </a:r>
+            <a:r>
+              <a:rPr lang="zh-CN" altLang="en-US"/>
+              <a:t>就可以了。</a:t>
             </a:r>
             <a:endParaRPr lang="zh-CN" altLang="en-US"/>
           </a:p>
           <a:p>
             <a:r>
               <a:rPr lang="zh-CN" altLang="en-US"/>
-              <a:t>可以用一个函数来封装打印操作：</a:t>
+              <a:t>可以看到只有一次</a:t>
+            </a:r>
+            <a:r>
+              <a:rPr lang="en-US" altLang="zh-CN"/>
+              <a:t> malloc(400)</a:t>
+            </a:r>
+            <a:r>
+              <a:rPr lang="zh-CN" altLang="en-US"/>
+              <a:t>，之后那次</a:t>
+            </a:r>
+            <a:r>
+              <a:rPr lang="en-US" altLang="zh-CN"/>
+              <a:t> malloc(1024) </a:t>
+            </a:r>
+            <a:r>
+              <a:rPr lang="zh-CN" altLang="en-US"/>
+              <a:t>是</a:t>
+            </a:r>
+            <a:r>
+              <a:rPr lang="en-US" altLang="zh-CN"/>
+              <a:t> cout </a:t>
+            </a:r>
+            <a:r>
+              <a:rPr lang="zh-CN" altLang="en-US"/>
+              <a:t>造成的，不必在意。</a:t>
             </a:r>
             <a:endParaRPr lang="zh-CN" altLang="en-US"/>
-          </a:p>
-          <a:p>
-            <a:r>
-              <a:rPr lang="en-US" altLang="zh-CN">
-                <a:solidFill>
-                  <a:schemeClr val="accent5">
-                    <a:lumMod val="75000"/>
-                  </a:schemeClr>
-                </a:solidFill>
-              </a:rPr>
-              <a:t>print(vector&lt;char&gt; const &amp;a);</a:t>
-            </a:r>
-            <a:endParaRPr lang="en-US" altLang="zh-CN">
-              <a:solidFill>
-                <a:schemeClr val="accent5">
-                  <a:lumMod val="75000"/>
-                </a:schemeClr>
-              </a:solidFill>
-            </a:endParaRPr>
-          </a:p>
-          <a:p>
-            <a:r>
-              <a:rPr lang="zh-CN" altLang="en-US">
-                <a:sym typeface="+mn-ea"/>
-              </a:rPr>
-              <a:t>但是这样的缺点是他只能打印</a:t>
-            </a:r>
-            <a:r>
-              <a:rPr lang="en-US" altLang="zh-CN">
-                <a:sym typeface="+mn-ea"/>
-              </a:rPr>
-              <a:t> vector </a:t>
-            </a:r>
-            <a:r>
-              <a:rPr lang="zh-CN" altLang="en-US">
-                <a:sym typeface="+mn-ea"/>
-              </a:rPr>
-              <a:t>类型，没法打印</a:t>
-            </a:r>
-            <a:r>
-              <a:rPr lang="en-US" altLang="zh-CN">
-                <a:sym typeface="+mn-ea"/>
-              </a:rPr>
-              <a:t> string </a:t>
-            </a:r>
-            <a:r>
-              <a:rPr lang="zh-CN" altLang="en-US">
-                <a:sym typeface="+mn-ea"/>
-              </a:rPr>
-              <a:t>类型。</a:t>
-            </a:r>
-            <a:r>
-              <a:rPr lang="zh-CN" altLang="en-US">
-                <a:sym typeface="+mn-ea"/>
-              </a:rPr>
-              <a:t>要支持</a:t>
-            </a:r>
-            <a:r>
-              <a:rPr lang="en-US" altLang="zh-CN">
-                <a:sym typeface="+mn-ea"/>
-              </a:rPr>
-              <a:t> string </a:t>
-            </a:r>
-            <a:r>
-              <a:rPr lang="zh-CN" altLang="en-US">
-                <a:sym typeface="+mn-ea"/>
-              </a:rPr>
-              <a:t>只能再写一遍一样的</a:t>
-            </a:r>
-            <a:r>
-              <a:rPr lang="en-US" altLang="zh-CN">
-                <a:sym typeface="+mn-ea"/>
-              </a:rPr>
-              <a:t> print </a:t>
-            </a:r>
-            <a:r>
-              <a:rPr lang="zh-CN" altLang="en-US">
-                <a:sym typeface="+mn-ea"/>
-              </a:rPr>
-              <a:t>函数。</a:t>
-            </a:r>
-            <a:endParaRPr lang="zh-CN" altLang="en-US">
-              <a:solidFill>
-                <a:schemeClr val="accent5">
-                  <a:lumMod val="75000"/>
-                </a:schemeClr>
-              </a:solidFill>
-              <a:sym typeface="+mn-ea"/>
-            </a:endParaRPr>
           </a:p>
         </p:txBody>
       </p:sp>
       <p:pic>
         <p:nvPicPr>
-          <p:cNvPr id="8" name="Content Placeholder 7"/>
+          <p:cNvPr id="9" name="Content Placeholder 8"/>
           <p:cNvPicPr>
             <a:picLocks noChangeAspect="1"/>
           </p:cNvPicPr>
@@ -14866,8 +15356,32 @@
         </p:blipFill>
         <p:spPr>
           <a:xfrm>
-            <a:off x="5880735" y="2103755"/>
-            <a:ext cx="5383530" cy="3794760"/>
+            <a:off x="7995285" y="4805045"/>
+            <a:ext cx="4196715" cy="2052955"/>
+          </a:xfrm>
+          <a:prstGeom prst="rect">
+            <a:avLst/>
+          </a:prstGeom>
+        </p:spPr>
+      </p:pic>
+      <p:pic>
+        <p:nvPicPr>
+          <p:cNvPr id="6" name="Picture 5"/>
+          <p:cNvPicPr>
+            <a:picLocks noChangeAspect="1"/>
+          </p:cNvPicPr>
+          <p:nvPr/>
+        </p:nvPicPr>
+        <p:blipFill>
+          <a:blip r:embed="rId2"/>
+          <a:stretch>
+            <a:fillRect/>
+          </a:stretch>
+        </p:blipFill>
+        <p:spPr>
+          <a:xfrm>
+            <a:off x="8403590" y="2496820"/>
+            <a:ext cx="3524250" cy="1864995"/>
           </a:xfrm>
           <a:prstGeom prst="rect">
             <a:avLst/>
@@ -14907,10 +15421,22 @@
           <a:bodyPr/>
           <a:p>
             <a:r>
-              <a:rPr lang="zh-CN"/>
-              <a:t>迭代器模式</a:t>
-            </a:r>
-            <a:endParaRPr lang="zh-CN"/>
+              <a:rPr lang="en-US"/>
+              <a:t>vector </a:t>
+            </a:r>
+            <a:r>
+              <a:rPr lang="zh-CN" altLang="en-US"/>
+              <a:t>容器：</a:t>
+            </a:r>
+            <a:r>
+              <a:rPr lang="en-US"/>
+              <a:t>clear </a:t>
+            </a:r>
+            <a:r>
+              <a:rPr lang="zh-CN" altLang="en-US"/>
+              <a:t>的问题</a:t>
+            </a:r>
+            <a:endParaRPr lang="zh-CN" altLang="en-US"/>
           </a:p>
         </p:txBody>
       </p:sp>
@@ -14924,13 +15450,89 @@
             <p:ph sz="half" idx="1"/>
           </p:nvPr>
         </p:nvSpPr>
-        <p:spPr/>
+        <p:spPr>
+          <a:xfrm>
+            <a:off x="647700" y="1825625"/>
+            <a:ext cx="6377305" cy="4351655"/>
+          </a:xfrm>
+        </p:spPr>
         <p:txBody>
           <a:bodyPr/>
           <a:p>
             <a:r>
               <a:rPr lang="zh-CN" altLang="en-US"/>
-              <a:t>注意到</a:t>
+              <a:t>刚刚说过，</a:t>
+            </a:r>
+            <a:r>
+              <a:rPr lang="en-US" altLang="zh-CN"/>
+              <a:t>clear </a:t>
+            </a:r>
+            <a:r>
+              <a:rPr lang="zh-CN" altLang="en-US"/>
+              <a:t>相当于</a:t>
+            </a:r>
+            <a:r>
+              <a:rPr lang="en-US" altLang="zh-CN"/>
+              <a:t> resize(0)</a:t>
+            </a:r>
+            <a:r>
+              <a:rPr lang="zh-CN" altLang="en-US"/>
+              <a:t>，所以他也不会实际释放掉内存，</a:t>
+            </a:r>
+            <a:r>
+              <a:rPr lang="zh-CN" altLang="en-US" b="1"/>
+              <a:t>容量</a:t>
+            </a:r>
+            <a:r>
+              <a:rPr lang="en-US" altLang="zh-CN" b="1"/>
+              <a:t>(capacity)</a:t>
+            </a:r>
+            <a:r>
+              <a:rPr lang="zh-CN" altLang="en-US"/>
+              <a:t>还是摆在那里，</a:t>
+            </a:r>
+            <a:r>
+              <a:rPr lang="en-US" altLang="zh-CN"/>
+              <a:t>clear </a:t>
+            </a:r>
+            <a:r>
+              <a:rPr lang="zh-CN" altLang="en-US"/>
+              <a:t>仅仅只是把</a:t>
+            </a:r>
+            <a:r>
+              <a:rPr lang="zh-CN" altLang="en-US" b="1"/>
+              <a:t>数组大小</a:t>
+            </a:r>
+            <a:r>
+              <a:rPr lang="en-US" altLang="zh-CN" b="1"/>
+              <a:t>(size)</a:t>
+            </a:r>
+            <a:r>
+              <a:rPr lang="zh-CN" altLang="en-US"/>
+              <a:t>标记为</a:t>
+            </a:r>
+            <a:r>
+              <a:rPr lang="en-US" altLang="zh-CN"/>
+              <a:t> 0 </a:t>
+            </a:r>
+            <a:r>
+              <a:rPr lang="zh-CN" altLang="en-US"/>
+              <a:t>而已。</a:t>
+            </a:r>
+            <a:endParaRPr lang="zh-CN" altLang="en-US"/>
+          </a:p>
+          <a:p>
+            <a:r>
+              <a:rPr lang="zh-CN" altLang="en-US"/>
+              <a:t>这可能导致在低端平台上内存告急，这是因为尽管你已经</a:t>
+            </a:r>
+            <a:r>
+              <a:rPr lang="en-US" altLang="zh-CN"/>
+              <a:t> clear </a:t>
+            </a:r>
+            <a:r>
+              <a:rPr lang="zh-CN" altLang="en-US"/>
+              <a:t>掉</a:t>
             </a:r>
             <a:r>
               <a:rPr lang="en-US" altLang="zh-CN"/>
@@ -14938,109 +15540,15 @@
             </a:r>
             <a:r>
               <a:rPr lang="zh-CN" altLang="en-US"/>
-              <a:t>和</a:t>
-            </a:r>
-            <a:r>
-              <a:rPr lang="en-US" altLang="zh-CN"/>
-              <a:t> string </a:t>
-            </a:r>
-            <a:r>
-              <a:rPr lang="zh-CN" altLang="en-US"/>
-              <a:t>的底层都是连续的稠密数组，他们都有</a:t>
-            </a:r>
-            <a:r>
-              <a:rPr lang="en-US" altLang="zh-CN"/>
-              <a:t> data() </a:t>
-            </a:r>
-            <a:r>
-              <a:rPr lang="zh-CN" altLang="en-US"/>
-              <a:t>和</a:t>
-            </a:r>
-            <a:r>
-              <a:rPr lang="en-US" altLang="zh-CN"/>
-              <a:t> size() </a:t>
-            </a:r>
-            <a:r>
-              <a:rPr lang="zh-CN" altLang="en-US"/>
-              <a:t>函数。</a:t>
+              <a:t>了而实际容量还在并没有释放。</a:t>
             </a:r>
             <a:endParaRPr lang="zh-CN" altLang="en-US"/>
-          </a:p>
-          <a:p>
-            <a:r>
-              <a:rPr lang="zh-CN" altLang="en-US"/>
-              <a:t>因此可改用</a:t>
-            </a:r>
-            <a:r>
-              <a:rPr lang="zh-CN" altLang="en-US" b="1"/>
-              <a:t>首地址指针</a:t>
-            </a:r>
-            <a:r>
-              <a:rPr lang="zh-CN" altLang="en-US"/>
-              <a:t>和</a:t>
-            </a:r>
-            <a:r>
-              <a:rPr lang="zh-CN" altLang="en-US" b="1"/>
-              <a:t>数组长度</a:t>
-            </a:r>
-            <a:r>
-              <a:rPr lang="zh-CN" altLang="en-US"/>
-              <a:t>做参数：</a:t>
-            </a:r>
-            <a:endParaRPr lang="zh-CN" altLang="en-US"/>
-          </a:p>
-          <a:p>
-            <a:r>
-              <a:rPr lang="en-US" altLang="zh-CN">
-                <a:solidFill>
-                  <a:schemeClr val="accent5">
-                    <a:lumMod val="75000"/>
-                  </a:schemeClr>
-                </a:solidFill>
-              </a:rPr>
-              <a:t>print(char const *a, size_t n);</a:t>
-            </a:r>
-            <a:endParaRPr lang="en-US" altLang="zh-CN">
-              <a:solidFill>
-                <a:schemeClr val="accent5">
-                  <a:lumMod val="75000"/>
-                </a:schemeClr>
-              </a:solidFill>
-            </a:endParaRPr>
-          </a:p>
-          <a:p>
-            <a:r>
-              <a:rPr lang="zh-CN">
-                <a:sym typeface="+mn-ea"/>
-              </a:rPr>
-              <a:t>这样</a:t>
-            </a:r>
-            <a:r>
-              <a:rPr lang="en-US" altLang="zh-CN">
-                <a:sym typeface="+mn-ea"/>
-              </a:rPr>
-              <a:t> print </a:t>
-            </a:r>
-            <a:r>
-              <a:rPr lang="zh-CN" altLang="en-US">
-                <a:sym typeface="+mn-ea"/>
-              </a:rPr>
-              <a:t>在无需知道容器具体类型的情况下，只用最简单的接口（首地址指针）就完成了遍历和打印的操作。</a:t>
-            </a:r>
-            <a:endParaRPr lang="zh-CN" altLang="en-US">
-              <a:solidFill>
-                <a:schemeClr val="accent5">
-                  <a:lumMod val="75000"/>
-                </a:schemeClr>
-              </a:solidFill>
-              <a:sym typeface="+mn-ea"/>
-            </a:endParaRPr>
           </a:p>
         </p:txBody>
       </p:sp>
       <p:pic>
         <p:nvPicPr>
-          <p:cNvPr id="5" name="Content Placeholder 4"/>
+          <p:cNvPr id="8" name="Content Placeholder 7"/>
           <p:cNvPicPr>
             <a:picLocks noChangeAspect="1"/>
           </p:cNvPicPr>
@@ -15056,8 +15564,8 @@
         </p:blipFill>
         <p:spPr>
           <a:xfrm>
-            <a:off x="5831205" y="2102485"/>
-            <a:ext cx="5482590" cy="3797300"/>
+            <a:off x="4523740" y="4812030"/>
+            <a:ext cx="7668260" cy="2045970"/>
           </a:xfrm>
           <a:prstGeom prst="rect">
             <a:avLst/>
@@ -15066,7 +15574,7 @@
       </p:pic>
       <p:pic>
         <p:nvPicPr>
-          <p:cNvPr id="7" name="Picture 6"/>
+          <p:cNvPr id="9" name="Picture 8"/>
           <p:cNvPicPr>
             <a:picLocks noChangeAspect="1"/>
           </p:cNvPicPr>
@@ -15080,8 +15588,8 @@
         </p:blipFill>
         <p:spPr>
           <a:xfrm>
-            <a:off x="274955" y="3615690"/>
-            <a:ext cx="266700" cy="2038350"/>
+            <a:off x="7366635" y="2775585"/>
+            <a:ext cx="4162425" cy="1470660"/>
           </a:xfrm>
           <a:prstGeom prst="rect">
             <a:avLst/>
@@ -15121,10 +15629,30 @@
           <a:bodyPr/>
           <a:p>
             <a:r>
-              <a:rPr lang="zh-CN"/>
-              <a:t>迭代器模式</a:t>
-            </a:r>
-            <a:endParaRPr lang="zh-CN"/>
+              <a:rPr lang="en-US"/>
+              <a:t>vector </a:t>
+            </a:r>
+            <a:r>
+              <a:rPr lang="zh-CN" altLang="en-US"/>
+              <a:t>容器：</a:t>
+            </a:r>
+            <a:r>
+              <a:rPr lang="en-US"/>
+              <a:t>clear </a:t>
+            </a:r>
+            <a:r>
+              <a:rPr lang="zh-CN" altLang="en-US"/>
+              <a:t>的问题，</a:t>
+            </a:r>
+            <a:r>
+              <a:rPr lang="en-US" altLang="zh-CN"/>
+              <a:t>shrink_to_fit </a:t>
+            </a:r>
+            <a:r>
+              <a:rPr lang="zh-CN" altLang="en-US"/>
+              <a:t>解决</a:t>
+            </a:r>
+            <a:endParaRPr lang="zh-CN" altLang="en-US"/>
           </a:p>
         </p:txBody>
       </p:sp>
@@ -15138,107 +15666,109 @@
             <p:ph sz="half" idx="1"/>
           </p:nvPr>
         </p:nvSpPr>
-        <p:spPr/>
+        <p:spPr>
+          <a:xfrm>
+            <a:off x="647700" y="1825625"/>
+            <a:ext cx="6388100" cy="4351655"/>
+          </a:xfrm>
+        </p:spPr>
         <p:txBody>
           <a:bodyPr/>
           <a:p>
             <a:r>
-              <a:rPr lang="zh-CN"/>
-              <a:t>使用</a:t>
-            </a:r>
-            <a:r>
-              <a:rPr lang="zh-CN" b="1"/>
-              <a:t>指针</a:t>
-            </a:r>
-            <a:r>
-              <a:rPr lang="zh-CN"/>
-              <a:t>和</a:t>
-            </a:r>
-            <a:r>
-              <a:rPr lang="zh-CN" b="1"/>
-              <a:t>长度</a:t>
-            </a:r>
-            <a:r>
-              <a:rPr lang="zh-CN"/>
-              <a:t>做接口的好处是，可以通过给指针加减运算，选择其中一部分连续的元素来打印，而不一定全部打印出来。</a:t>
-            </a:r>
-            <a:endParaRPr lang="zh-CN"/>
-          </a:p>
-          <a:p>
-            <a:r>
-              <a:rPr lang="zh-CN">
-                <a:sym typeface="+mn-ea"/>
-              </a:rPr>
-              <a:t>比如这里我们选择打印</a:t>
-            </a:r>
-            <a:r>
-              <a:rPr lang="zh-CN" b="1">
-                <a:sym typeface="+mn-ea"/>
-              </a:rPr>
-              <a:t>前三个元素</a:t>
-            </a:r>
-            <a:r>
-              <a:rPr lang="zh-CN">
-                <a:sym typeface="+mn-ea"/>
-              </a:rPr>
-              <a:t>（去掉了最后一个元素，但不必用</a:t>
-            </a:r>
-            <a:r>
-              <a:rPr lang="en-US" altLang="zh-CN">
-                <a:sym typeface="+mn-ea"/>
-              </a:rPr>
-              <a:t> pop_back </a:t>
-            </a:r>
-            <a:r>
-              <a:rPr lang="zh-CN" altLang="en-US">
-                <a:sym typeface="+mn-ea"/>
-              </a:rPr>
-              <a:t>修改数组，只要传参数的时候修改一下</a:t>
-            </a:r>
-            <a:r>
-              <a:rPr lang="zh-CN" altLang="en-US" b="1">
-                <a:sym typeface="+mn-ea"/>
-              </a:rPr>
-              <a:t>长度</a:t>
-            </a:r>
-            <a:r>
-              <a:rPr lang="en-US" altLang="zh-CN">
-                <a:sym typeface="+mn-ea"/>
-              </a:rPr>
-              <a:t> </a:t>
-            </a:r>
-            <a:r>
-              <a:rPr lang="zh-CN" altLang="en-US">
-                <a:sym typeface="+mn-ea"/>
-              </a:rPr>
-              <a:t>部分即可</a:t>
-            </a:r>
-            <a:r>
-              <a:rPr lang="zh-CN">
-                <a:sym typeface="+mn-ea"/>
-              </a:rPr>
-              <a:t>）。</a:t>
-            </a:r>
-            <a:endParaRPr lang="zh-CN">
-              <a:solidFill>
-                <a:schemeClr val="accent5">
-                  <a:lumMod val="75000"/>
-                </a:schemeClr>
-              </a:solidFill>
-              <a:sym typeface="+mn-ea"/>
-            </a:endParaRPr>
+              <a:rPr lang="zh-CN" altLang="en-US"/>
+              <a:t>要真正释放掉内存，可以在</a:t>
+            </a:r>
+            <a:r>
+              <a:rPr lang="en-US" altLang="zh-CN"/>
+              <a:t> clear </a:t>
+            </a:r>
+            <a:r>
+              <a:rPr lang="zh-CN" altLang="en-US"/>
+              <a:t>之后再调用</a:t>
+            </a:r>
+            <a:r>
+              <a:rPr lang="en-US" altLang="zh-CN"/>
+              <a:t> shrink_to_fit</a:t>
+            </a:r>
+            <a:r>
+              <a:rPr lang="zh-CN" altLang="en-US"/>
+              <a:t>，这样才会让容量也变成</a:t>
+            </a:r>
+            <a:r>
+              <a:rPr lang="en-US" altLang="zh-CN"/>
+              <a:t> 0</a:t>
+            </a:r>
+            <a:r>
+              <a:rPr lang="zh-CN" altLang="en-US"/>
+              <a:t>（这时</a:t>
+            </a:r>
+            <a:r>
+              <a:rPr lang="en-US" altLang="zh-CN"/>
+              <a:t> vector </a:t>
+            </a:r>
+            <a:r>
+              <a:rPr lang="zh-CN" altLang="en-US"/>
+              <a:t>的</a:t>
+            </a:r>
+            <a:r>
+              <a:rPr lang="en-US" altLang="zh-CN"/>
+              <a:t> data </a:t>
+            </a:r>
+            <a:r>
+              <a:rPr lang="zh-CN" altLang="en-US"/>
+              <a:t>会返回</a:t>
+            </a:r>
+            <a:r>
+              <a:rPr lang="en-US" altLang="zh-CN"/>
+              <a:t> nullptr</a:t>
+            </a:r>
+            <a:r>
+              <a:rPr lang="zh-CN" altLang="en-US"/>
+              <a:t>）</a:t>
+            </a:r>
+            <a:endParaRPr lang="zh-CN" altLang="en-US"/>
+          </a:p>
+          <a:p>
+            <a:r>
+              <a:rPr lang="zh-CN" altLang="en-US"/>
+              <a:t>当然，</a:t>
+            </a:r>
+            <a:r>
+              <a:rPr lang="en-US" altLang="zh-CN"/>
+              <a:t>vector </a:t>
+            </a:r>
+            <a:r>
+              <a:rPr lang="zh-CN" altLang="en-US"/>
+              <a:t>对象解构时也会彻底释放内存，这个不用操心。</a:t>
+            </a:r>
+            <a:r>
+              <a:rPr lang="en-US" altLang="zh-CN"/>
+              <a:t>clear </a:t>
+            </a:r>
+            <a:r>
+              <a:rPr lang="zh-CN" altLang="en-US"/>
+              <a:t>配合</a:t>
+            </a:r>
+            <a:r>
+              <a:rPr lang="en-US" altLang="zh-CN"/>
+              <a:t> shrink_to_fit </a:t>
+            </a:r>
+            <a:r>
+              <a:rPr lang="zh-CN" altLang="en-US"/>
+              <a:t>只是提前释放而已。</a:t>
+            </a:r>
+            <a:endParaRPr lang="zh-CN" altLang="en-US"/>
           </a:p>
         </p:txBody>
       </p:sp>
       <p:pic>
         <p:nvPicPr>
-          <p:cNvPr id="9" name="Content Placeholder 8"/>
+          <p:cNvPr id="4" name="Picture 3"/>
           <p:cNvPicPr>
             <a:picLocks noChangeAspect="1"/>
           </p:cNvPicPr>
-          <p:nvPr>
-            <p:ph sz="half" idx="2"/>
-          </p:nvPr>
+          <p:nvPr/>
         </p:nvPicPr>
         <p:blipFill>
           <a:blip r:embed="rId1"/>
@@ -15248,8 +15778,8 @@
         </p:blipFill>
         <p:spPr>
           <a:xfrm>
-            <a:off x="6005195" y="2470785"/>
-            <a:ext cx="5134610" cy="3061335"/>
+            <a:off x="7476490" y="2598420"/>
+            <a:ext cx="4384675" cy="1661160"/>
           </a:xfrm>
           <a:prstGeom prst="rect">
             <a:avLst/>
@@ -15258,11 +15788,13 @@
       </p:pic>
       <p:pic>
         <p:nvPicPr>
-          <p:cNvPr id="10" name="Picture 9"/>
+          <p:cNvPr id="6" name="Content Placeholder 5"/>
           <p:cNvPicPr>
             <a:picLocks noChangeAspect="1"/>
           </p:cNvPicPr>
-          <p:nvPr/>
+          <p:nvPr>
+            <p:ph sz="half" idx="2"/>
+          </p:nvPr>
         </p:nvPicPr>
         <p:blipFill>
           <a:blip r:embed="rId2"/>
@@ -15272,45 +15804,14 @@
         </p:blipFill>
         <p:spPr>
           <a:xfrm>
-            <a:off x="198120" y="3438525"/>
-            <a:ext cx="370840" cy="1126490"/>
+            <a:off x="5044440" y="4596765"/>
+            <a:ext cx="7174230" cy="2261235"/>
           </a:xfrm>
           <a:prstGeom prst="rect">
             <a:avLst/>
           </a:prstGeom>
         </p:spPr>
       </p:pic>
-      <p:cxnSp>
-        <p:nvCxnSpPr>
-          <p:cNvPr id="11" name="Straight Connector 10"/>
-          <p:cNvCxnSpPr/>
-          <p:nvPr/>
-        </p:nvCxnSpPr>
-        <p:spPr>
-          <a:xfrm>
-            <a:off x="8491855" y="4961255"/>
-            <a:ext cx="1440815" cy="0"/>
-          </a:xfrm>
-          <a:prstGeom prst="line">
-            <a:avLst/>
-          </a:prstGeom>
-          <a:ln w="25400"/>
-        </p:spPr>
-        <p:style>
-          <a:lnRef idx="1">
-            <a:schemeClr val="accent1"/>
-          </a:lnRef>
-          <a:fillRef idx="0">
-            <a:schemeClr val="accent1"/>
-          </a:fillRef>
-          <a:effectRef idx="0">
-            <a:schemeClr val="accent1"/>
-          </a:effectRef>
-          <a:fontRef idx="minor">
-            <a:schemeClr val="tx1"/>
-          </a:fontRef>
-        </p:style>
-      </p:cxnSp>
     </p:spTree>
   </p:cSld>
   <p:clrMapOvr>
@@ -15329,32 +15830,6 @@
         <p:nvPr/>
       </p:nvGrpSpPr>
       <p:grpSpPr/>
-      <p:pic>
-        <p:nvPicPr>
-          <p:cNvPr id="5" name="Content Placeholder 4"/>
-          <p:cNvPicPr>
-            <a:picLocks noChangeAspect="1"/>
-          </p:cNvPicPr>
-          <p:nvPr>
-            <p:ph sz="half" idx="2"/>
-          </p:nvPr>
-        </p:nvPicPr>
-        <p:blipFill>
-          <a:blip r:embed="rId1"/>
-          <a:stretch>
-            <a:fillRect/>
-          </a:stretch>
-        </p:blipFill>
-        <p:spPr>
-          <a:xfrm>
-            <a:off x="5977890" y="2440940"/>
-            <a:ext cx="5188585" cy="3120390"/>
-          </a:xfrm>
-          <a:prstGeom prst="rect">
-            <a:avLst/>
-          </a:prstGeom>
-        </p:spPr>
-      </p:pic>
       <p:sp>
         <p:nvSpPr>
           <p:cNvPr id="2" name="Title 1"/>
@@ -15370,10 +15845,18 @@
           <a:bodyPr/>
           <a:p>
             <a:r>
-              <a:rPr lang="zh-CN"/>
-              <a:t>迭代器模式</a:t>
-            </a:r>
-            <a:endParaRPr lang="zh-CN"/>
+              <a:rPr lang="en-US"/>
+              <a:t>vector </a:t>
+            </a:r>
+            <a:r>
+              <a:rPr lang="zh-CN" altLang="en-US"/>
+              <a:t>容器：</a:t>
+            </a:r>
+            <a:r>
+              <a:rPr lang="en-US" altLang="zh-CN"/>
+              <a:t>begin</a:t>
+            </a:r>
+            <a:endParaRPr lang="en-US" altLang="zh-CN"/>
           </a:p>
         </p:txBody>
       </p:sp>
@@ -15392,185 +15875,82 @@
           <a:bodyPr/>
           <a:p>
             <a:r>
-              <a:rPr lang="zh-CN"/>
-              <a:t>使用</a:t>
-            </a:r>
-            <a:r>
-              <a:rPr lang="zh-CN" b="1"/>
-              <a:t>指针</a:t>
-            </a:r>
-            <a:r>
-              <a:rPr lang="zh-CN"/>
-              <a:t>和</a:t>
-            </a:r>
-            <a:r>
-              <a:rPr lang="zh-CN" b="1"/>
-              <a:t>长度</a:t>
-            </a:r>
-            <a:r>
-              <a:rPr lang="zh-CN"/>
-              <a:t>做接口的好处是，可以通过给指针加减运算，选择其中一部分连续的元素来打印，而不一定全部打印出来。</a:t>
-            </a:r>
-            <a:endParaRPr lang="zh-CN"/>
-          </a:p>
-          <a:p>
-            <a:r>
-              <a:rPr lang="zh-CN">
-                <a:sym typeface="+mn-ea"/>
-              </a:rPr>
-              <a:t>比如这里我们选择打印</a:t>
-            </a:r>
-            <a:r>
-              <a:rPr lang="zh-CN" b="1">
-                <a:sym typeface="+mn-ea"/>
-              </a:rPr>
-              <a:t>后三个元素</a:t>
-            </a:r>
-            <a:r>
-              <a:rPr lang="zh-CN">
-                <a:sym typeface="+mn-ea"/>
-              </a:rPr>
-              <a:t>（去掉了第一个元素，但不必用</a:t>
-            </a:r>
-            <a:r>
-              <a:rPr lang="en-US" altLang="zh-CN">
-                <a:sym typeface="+mn-ea"/>
-              </a:rPr>
-              <a:t> erase </a:t>
-            </a:r>
-            <a:r>
-              <a:rPr lang="zh-CN" altLang="en-US">
-                <a:sym typeface="+mn-ea"/>
-              </a:rPr>
-              <a:t>修改数组，只要传参数的时候同时修改</a:t>
-            </a:r>
-            <a:r>
-              <a:rPr lang="zh-CN" altLang="en-US" b="1">
-                <a:sym typeface="+mn-ea"/>
-              </a:rPr>
-              <a:t>指针</a:t>
-            </a:r>
-            <a:r>
-              <a:rPr lang="zh-CN" altLang="en-US">
-                <a:sym typeface="+mn-ea"/>
-              </a:rPr>
-              <a:t>和</a:t>
-            </a:r>
-            <a:r>
-              <a:rPr lang="zh-CN" altLang="en-US" b="1">
-                <a:sym typeface="+mn-ea"/>
-              </a:rPr>
-              <a:t>长度</a:t>
-            </a:r>
-            <a:r>
-              <a:rPr lang="zh-CN" altLang="en-US">
-                <a:sym typeface="+mn-ea"/>
-              </a:rPr>
-              <a:t>部分即可</a:t>
-            </a:r>
-            <a:r>
-              <a:rPr lang="zh-CN">
-                <a:sym typeface="+mn-ea"/>
-              </a:rPr>
-              <a:t>）。</a:t>
-            </a:r>
-            <a:endParaRPr lang="zh-CN">
-              <a:solidFill>
-                <a:schemeClr val="accent5">
-                  <a:lumMod val="75000"/>
-                </a:schemeClr>
-              </a:solidFill>
-              <a:sym typeface="+mn-ea"/>
-            </a:endParaRPr>
-          </a:p>
-        </p:txBody>
-      </p:sp>
-      <p:cxnSp>
-        <p:nvCxnSpPr>
-          <p:cNvPr id="11" name="Straight Connector 10"/>
-          <p:cNvCxnSpPr/>
-          <p:nvPr/>
-        </p:nvCxnSpPr>
-        <p:spPr>
-          <a:xfrm>
-            <a:off x="8910955" y="4940300"/>
-            <a:ext cx="1440815" cy="0"/>
-          </a:xfrm>
-          <a:prstGeom prst="line">
-            <a:avLst/>
-          </a:prstGeom>
-          <a:ln w="25400"/>
-        </p:spPr>
-        <p:style>
-          <a:lnRef idx="1">
-            <a:schemeClr val="accent1"/>
-          </a:lnRef>
-          <a:fillRef idx="0">
-            <a:schemeClr val="accent1"/>
-          </a:fillRef>
-          <a:effectRef idx="0">
-            <a:schemeClr val="accent1"/>
-          </a:effectRef>
-          <a:fontRef idx="minor">
-            <a:schemeClr val="tx1"/>
-          </a:fontRef>
-        </p:style>
-      </p:cxnSp>
-      <p:cxnSp>
-        <p:nvCxnSpPr>
-          <p:cNvPr id="6" name="Straight Connector 5"/>
-          <p:cNvCxnSpPr/>
-          <p:nvPr/>
-        </p:nvCxnSpPr>
-        <p:spPr>
-          <a:xfrm>
-            <a:off x="7198360" y="4940300"/>
-            <a:ext cx="1440815" cy="0"/>
-          </a:xfrm>
-          <a:prstGeom prst="line">
-            <a:avLst/>
-          </a:prstGeom>
-          <a:ln w="25400"/>
-        </p:spPr>
-        <p:style>
-          <a:lnRef idx="1">
-            <a:schemeClr val="accent1"/>
-          </a:lnRef>
-          <a:fillRef idx="0">
-            <a:schemeClr val="accent1"/>
-          </a:fillRef>
-          <a:effectRef idx="0">
-            <a:schemeClr val="accent1"/>
-          </a:effectRef>
-          <a:fontRef idx="minor">
-            <a:schemeClr val="tx1"/>
-          </a:fontRef>
-        </p:style>
-      </p:cxnSp>
-      <p:pic>
-        <p:nvPicPr>
-          <p:cNvPr id="7" name="Picture 6"/>
-          <p:cNvPicPr>
-            <a:picLocks noChangeAspect="1"/>
-          </p:cNvPicPr>
-          <p:nvPr/>
-        </p:nvPicPr>
-        <p:blipFill>
-          <a:blip r:embed="rId2"/>
-          <a:stretch>
-            <a:fillRect/>
-          </a:stretch>
-        </p:blipFill>
-        <p:spPr>
-          <a:xfrm>
-            <a:off x="123825" y="3567430"/>
-            <a:ext cx="456565" cy="867410"/>
-          </a:xfrm>
-          <a:prstGeom prst="rect">
-            <a:avLst/>
-          </a:prstGeom>
-        </p:spPr>
-      </p:pic>
+              <a:rPr lang="en-US"/>
+              <a:t>begin </a:t>
+            </a:r>
+            <a:r>
+              <a:rPr lang="zh-CN" altLang="en-US"/>
+              <a:t>可以获取指向第一个元素的</a:t>
+            </a:r>
+            <a:r>
+              <a:rPr lang="zh-CN" altLang="en-US" b="1"/>
+              <a:t>迭代器</a:t>
+            </a:r>
+            <a:r>
+              <a:rPr lang="zh-CN" altLang="en-US"/>
+              <a:t>。</a:t>
+            </a:r>
+            <a:endParaRPr lang="zh-CN" altLang="en-US"/>
+          </a:p>
+          <a:p>
+            <a:r>
+              <a:rPr lang="zh-CN" altLang="en-US"/>
+              <a:t>什么是迭代器</a:t>
+            </a:r>
+            <a:r>
+              <a:rPr lang="en-US" altLang="zh-CN"/>
+              <a:t>(iterator)</a:t>
+            </a:r>
+            <a:r>
+              <a:rPr lang="zh-CN" altLang="en-US"/>
+              <a:t>？他用法上基本类似于指针，可以用</a:t>
+            </a:r>
+            <a:r>
+              <a:rPr lang="en-US" altLang="zh-CN"/>
+              <a:t> * </a:t>
+            </a:r>
+            <a:r>
+              <a:rPr lang="zh-CN" altLang="en-US"/>
+              <a:t>解引用，也可以用</a:t>
+            </a:r>
+            <a:r>
+              <a:rPr lang="en-US" altLang="zh-CN"/>
+              <a:t> + </a:t>
+            </a:r>
+            <a:r>
+              <a:rPr lang="zh-CN" altLang="en-US"/>
+              <a:t>运算符偏移其指向的位置，也可以用</a:t>
+            </a:r>
+            <a:r>
+              <a:rPr lang="en-US" altLang="zh-CN"/>
+              <a:t> ++ </a:t>
+            </a:r>
+            <a:r>
+              <a:rPr lang="zh-CN" altLang="en-US"/>
+              <a:t>自增。</a:t>
+            </a:r>
+            <a:endParaRPr lang="zh-CN" altLang="en-US"/>
+          </a:p>
+        </p:txBody>
+      </p:sp>
+      <p:sp>
+        <p:nvSpPr>
+          <p:cNvPr id="4" name="Content Placeholder 3"/>
+          <p:cNvSpPr>
+            <a:spLocks noGrp="1"/>
+          </p:cNvSpPr>
+          <p:nvPr>
+            <p:ph sz="half" idx="2"/>
+          </p:nvPr>
+        </p:nvSpPr>
+        <p:spPr/>
+        <p:txBody>
+          <a:bodyPr/>
+          <a:p>
+            <a:endParaRPr lang="en-US"/>
+          </a:p>
+        </p:txBody>
+      </p:sp>
     </p:spTree>
   </p:cSld>
   <p:clrMapOvr>
@@ -15604,10 +15984,22 @@
           <a:bodyPr/>
           <a:p>
             <a:r>
-              <a:rPr lang="zh-CN"/>
-              <a:t>迭代器模式</a:t>
-            </a:r>
-            <a:endParaRPr lang="zh-CN"/>
+              <a:rPr lang="en-US"/>
+              <a:t>vector </a:t>
+            </a:r>
+            <a:r>
+              <a:rPr lang="zh-CN" altLang="en-US"/>
+              <a:t>容器：</a:t>
+            </a:r>
+            <a:r>
+              <a:rPr lang="en-US" altLang="zh-CN"/>
+              <a:t>assign </a:t>
+            </a:r>
+            <a:r>
+              <a:rPr lang="zh-CN" altLang="en-US"/>
+              <a:t>函数</a:t>
+            </a:r>
+            <a:endParaRPr lang="zh-CN" altLang="en-US"/>
           </a:p>
         </p:txBody>
       </p:sp>
@@ -15625,236 +16017,28 @@
         <p:txBody>
           <a:bodyPr/>
           <a:p>
-            <a:r>
-              <a:rPr lang="zh-CN" b="1"/>
-              <a:t>首地址指针</a:t>
-            </a:r>
-            <a:r>
-              <a:rPr lang="zh-CN"/>
-              <a:t>和</a:t>
-            </a:r>
-            <a:r>
-              <a:rPr lang="zh-CN" b="1"/>
-              <a:t>数组长度</a:t>
-            </a:r>
-            <a:r>
-              <a:rPr lang="zh-CN"/>
-              <a:t>看起来不太对称。</a:t>
-            </a:r>
-            <a:endParaRPr lang="zh-CN"/>
-          </a:p>
-          <a:p>
-            <a:r>
-              <a:rPr lang="en-US" altLang="zh-CN">
-                <a:solidFill>
-                  <a:schemeClr val="accent5">
-                    <a:lumMod val="75000"/>
-                  </a:schemeClr>
-                </a:solidFill>
-                <a:sym typeface="+mn-ea"/>
-              </a:rPr>
-              <a:t>print(char const *begptr, size_t size);</a:t>
-            </a:r>
-            <a:endParaRPr lang="en-US" altLang="zh-CN">
-              <a:solidFill>
-                <a:schemeClr val="accent5">
-                  <a:lumMod val="75000"/>
-                </a:schemeClr>
-              </a:solidFill>
-              <a:sym typeface="+mn-ea"/>
-            </a:endParaRPr>
-          </a:p>
-          <a:p>
-            <a:r>
-              <a:rPr lang="zh-CN">
-                <a:sym typeface="+mn-ea"/>
-              </a:rPr>
-              <a:t>不妨改用</a:t>
-            </a:r>
-            <a:r>
-              <a:rPr lang="zh-CN" b="1">
-                <a:sym typeface="+mn-ea"/>
-              </a:rPr>
-              <a:t>首地址指针</a:t>
-            </a:r>
-            <a:r>
-              <a:rPr lang="zh-CN">
-                <a:sym typeface="+mn-ea"/>
-              </a:rPr>
-              <a:t>和</a:t>
-            </a:r>
-            <a:r>
-              <a:rPr lang="zh-CN" b="1">
-                <a:sym typeface="+mn-ea"/>
-              </a:rPr>
-              <a:t>尾地址指针</a:t>
-            </a:r>
-            <a:r>
-              <a:rPr lang="zh-CN">
-                <a:sym typeface="+mn-ea"/>
-              </a:rPr>
-              <a:t>如何？</a:t>
-            </a:r>
-            <a:endParaRPr lang="zh-CN">
-              <a:sym typeface="+mn-ea"/>
-            </a:endParaRPr>
-          </a:p>
-          <a:p>
-            <a:r>
-              <a:rPr lang="en-US" altLang="zh-CN">
-                <a:solidFill>
-                  <a:schemeClr val="accent5">
-                    <a:lumMod val="75000"/>
-                  </a:schemeClr>
-                </a:solidFill>
-                <a:sym typeface="+mn-ea"/>
-              </a:rPr>
-              <a:t>print(char const *begptr, size_t endptr);</a:t>
-            </a:r>
-            <a:endParaRPr lang="en-US" altLang="zh-CN">
-              <a:solidFill>
-                <a:schemeClr val="accent5">
-                  <a:lumMod val="75000"/>
-                </a:schemeClr>
-              </a:solidFill>
-              <a:sym typeface="+mn-ea"/>
-            </a:endParaRPr>
-          </a:p>
-          <a:p>
-            <a:r>
-              <a:rPr lang="zh-CN">
-                <a:sym typeface="+mn-ea"/>
-              </a:rPr>
-              <a:t>注意看，我们在</a:t>
-            </a:r>
-            <a:r>
-              <a:rPr lang="en-US" altLang="zh-CN">
-                <a:sym typeface="+mn-ea"/>
-              </a:rPr>
-              <a:t> print </a:t>
-            </a:r>
-            <a:r>
-              <a:rPr lang="zh-CN" altLang="en-US">
-                <a:sym typeface="+mn-ea"/>
-              </a:rPr>
-              <a:t>里也不是用</a:t>
-            </a:r>
-            <a:r>
-              <a:rPr lang="zh-CN" altLang="en-US" b="1">
-                <a:sym typeface="+mn-ea"/>
-              </a:rPr>
-              <a:t>数组下标</a:t>
-            </a:r>
-            <a:r>
-              <a:rPr lang="zh-CN" altLang="en-US">
-                <a:sym typeface="+mn-ea"/>
-              </a:rPr>
-              <a:t>去迭代，而是用</a:t>
-            </a:r>
-            <a:r>
-              <a:rPr lang="zh-CN" altLang="en-US" b="1">
-                <a:sym typeface="+mn-ea"/>
-              </a:rPr>
-              <a:t>指针</a:t>
-            </a:r>
-            <a:r>
-              <a:rPr lang="zh-CN" altLang="en-US">
-                <a:sym typeface="+mn-ea"/>
-              </a:rPr>
-              <a:t>作为迭代变量了。</a:t>
-            </a:r>
-            <a:endParaRPr lang="zh-CN">
-              <a:solidFill>
-                <a:schemeClr val="accent5">
-                  <a:lumMod val="75000"/>
-                </a:schemeClr>
-              </a:solidFill>
-              <a:sym typeface="+mn-ea"/>
-            </a:endParaRPr>
-          </a:p>
-        </p:txBody>
-      </p:sp>
-      <p:pic>
-        <p:nvPicPr>
-          <p:cNvPr id="8" name="Content Placeholder 7"/>
-          <p:cNvPicPr>
-            <a:picLocks noChangeAspect="1"/>
-          </p:cNvPicPr>
+            <a:endParaRPr lang="en-US"/>
+          </a:p>
+        </p:txBody>
+      </p:sp>
+      <p:sp>
+        <p:nvSpPr>
+          <p:cNvPr id="4" name="Content Placeholder 3"/>
+          <p:cNvSpPr>
+            <a:spLocks noGrp="1"/>
+          </p:cNvSpPr>
           <p:nvPr>
             <p:ph sz="half" idx="2"/>
           </p:nvPr>
-        </p:nvPicPr>
-        <p:blipFill>
-          <a:blip r:embed="rId1"/>
-          <a:stretch>
-            <a:fillRect/>
-          </a:stretch>
-        </p:blipFill>
-        <p:spPr>
-          <a:xfrm>
-            <a:off x="5976620" y="2426335"/>
-            <a:ext cx="5783580" cy="3149600"/>
-          </a:xfrm>
-          <a:prstGeom prst="rect">
-            <a:avLst/>
-          </a:prstGeom>
-        </p:spPr>
-      </p:pic>
-      <p:cxnSp>
-        <p:nvCxnSpPr>
-          <p:cNvPr id="9" name="Straight Connector 8"/>
-          <p:cNvCxnSpPr/>
-          <p:nvPr/>
-        </p:nvCxnSpPr>
-        <p:spPr>
-          <a:xfrm>
-            <a:off x="6472555" y="2886075"/>
-            <a:ext cx="5064760" cy="0"/>
-          </a:xfrm>
-          <a:prstGeom prst="line">
-            <a:avLst/>
-          </a:prstGeom>
-          <a:ln w="25400"/>
-        </p:spPr>
-        <p:style>
-          <a:lnRef idx="1">
-            <a:schemeClr val="accent1"/>
-          </a:lnRef>
-          <a:fillRef idx="0">
-            <a:schemeClr val="accent1"/>
-          </a:fillRef>
-          <a:effectRef idx="0">
-            <a:schemeClr val="accent1"/>
-          </a:effectRef>
-          <a:fontRef idx="minor">
-            <a:schemeClr val="tx1"/>
-          </a:fontRef>
-        </p:style>
-      </p:cxnSp>
-      <p:pic>
-        <p:nvPicPr>
-          <p:cNvPr id="10" name="Picture 9"/>
-          <p:cNvPicPr>
-            <a:picLocks noChangeAspect="1"/>
-          </p:cNvPicPr>
-          <p:nvPr/>
-        </p:nvPicPr>
-        <p:blipFill>
-          <a:blip r:embed="rId2"/>
-          <a:stretch>
-            <a:fillRect/>
-          </a:stretch>
-        </p:blipFill>
-        <p:spPr>
-          <a:xfrm>
-            <a:off x="165100" y="3505835"/>
-            <a:ext cx="333375" cy="990600"/>
-          </a:xfrm>
-          <a:prstGeom prst="rect">
-            <a:avLst/>
-          </a:prstGeom>
-        </p:spPr>
-      </p:pic>
+        </p:nvSpPr>
+        <p:spPr/>
+        <p:txBody>
+          <a:bodyPr/>
+          <a:p>
+            <a:endParaRPr lang="en-US"/>
+          </a:p>
+        </p:txBody>
+      </p:sp>
     </p:spTree>
   </p:cSld>
   <p:clrMapOvr>
@@ -15873,6 +16057,50 @@
         <p:nvPr/>
       </p:nvGrpSpPr>
       <p:grpSpPr/>
+      <p:sp>
+        <p:nvSpPr>
+          <p:cNvPr id="2" name="Title 1"/>
+          <p:cNvSpPr>
+            <a:spLocks noGrp="1"/>
+          </p:cNvSpPr>
+          <p:nvPr>
+            <p:ph type="title"/>
+          </p:nvPr>
+        </p:nvSpPr>
+        <p:spPr/>
+        <p:txBody>
+          <a:bodyPr/>
+          <a:p>
+            <a:r>
+              <a:rPr lang="zh-CN"/>
+              <a:t>迭代器模式</a:t>
+            </a:r>
+            <a:endParaRPr lang="zh-CN"/>
+          </a:p>
+        </p:txBody>
+      </p:sp>
+      <p:sp>
+        <p:nvSpPr>
+          <p:cNvPr id="3" name="Content Placeholder 2"/>
+          <p:cNvSpPr>
+            <a:spLocks noGrp="1"/>
+          </p:cNvSpPr>
+          <p:nvPr>
+            <p:ph sz="half" idx="1"/>
+          </p:nvPr>
+        </p:nvSpPr>
+        <p:spPr/>
+        <p:txBody>
+          <a:bodyPr/>
+          <a:p>
+            <a:r>
+              <a:rPr lang="zh-CN" altLang="en-US"/>
+              <a:t>如果要把右边这个打印的操作封装起来，该怎么做？</a:t>
+            </a:r>
+            <a:endParaRPr lang="zh-CN" altLang="en-US"/>
+          </a:p>
+        </p:txBody>
+      </p:sp>
       <p:pic>
         <p:nvPicPr>
           <p:cNvPr id="5" name="Content Placeholder 4"/>
@@ -15891,339 +16119,8 @@
         </p:blipFill>
         <p:spPr>
           <a:xfrm>
-            <a:off x="5829300" y="1830070"/>
-            <a:ext cx="5793740" cy="3637280"/>
-          </a:xfrm>
-          <a:prstGeom prst="rect">
-            <a:avLst/>
-          </a:prstGeom>
-        </p:spPr>
-      </p:pic>
-      <p:sp>
-        <p:nvSpPr>
-          <p:cNvPr id="2" name="Title 1"/>
-          <p:cNvSpPr>
-            <a:spLocks noGrp="1"/>
-          </p:cNvSpPr>
-          <p:nvPr>
-            <p:ph type="title"/>
-          </p:nvPr>
-        </p:nvSpPr>
-        <p:spPr/>
-        <p:txBody>
-          <a:bodyPr/>
-          <a:p>
-            <a:r>
-              <a:rPr lang="zh-CN"/>
-              <a:t>迭代器模式：首指针＋</a:t>
-            </a:r>
-            <a:r>
-              <a:rPr lang="zh-CN">
-                <a:sym typeface="+mn-ea"/>
-              </a:rPr>
-              <a:t>尾指针</a:t>
-            </a:r>
-            <a:endParaRPr lang="zh-CN"/>
-          </a:p>
-        </p:txBody>
-      </p:sp>
-      <p:sp>
-        <p:nvSpPr>
-          <p:cNvPr id="3" name="Content Placeholder 2"/>
-          <p:cNvSpPr>
-            <a:spLocks noGrp="1"/>
-          </p:cNvSpPr>
-          <p:nvPr>
-            <p:ph sz="half" idx="1"/>
-          </p:nvPr>
-        </p:nvSpPr>
-        <p:spPr>
-          <a:xfrm>
-            <a:off x="647700" y="1734820"/>
-            <a:ext cx="5181600" cy="4504055"/>
-          </a:xfrm>
-        </p:spPr>
-        <p:txBody>
-          <a:bodyPr>
-            <a:normAutofit lnSpcReduction="10000"/>
-          </a:bodyPr>
-          <a:p>
-            <a:r>
-              <a:rPr lang="zh-CN">
-                <a:sym typeface="+mn-ea"/>
-              </a:rPr>
-              <a:t>改用</a:t>
-            </a:r>
-            <a:r>
-              <a:rPr lang="zh-CN" b="1">
-                <a:sym typeface="+mn-ea"/>
-              </a:rPr>
-              <a:t>首地址指针</a:t>
-            </a:r>
-            <a:r>
-              <a:rPr lang="zh-CN">
-                <a:sym typeface="+mn-ea"/>
-              </a:rPr>
-              <a:t>和</a:t>
-            </a:r>
-            <a:r>
-              <a:rPr lang="zh-CN" b="1">
-                <a:sym typeface="+mn-ea"/>
-              </a:rPr>
-              <a:t>尾地址指针</a:t>
-            </a:r>
-            <a:r>
-              <a:rPr lang="zh-CN">
-                <a:sym typeface="+mn-ea"/>
-              </a:rPr>
-              <a:t>以后，要特别注意一点：</a:t>
-            </a:r>
-            <a:r>
-              <a:rPr lang="zh-CN" b="1">
-                <a:sym typeface="+mn-ea"/>
-              </a:rPr>
-              <a:t>尾地址指针</a:t>
-            </a:r>
-            <a:r>
-              <a:rPr lang="zh-CN">
-                <a:sym typeface="+mn-ea"/>
-              </a:rPr>
-              <a:t>实际上是指向末尾元素再往后后一个元素的指针！</a:t>
-            </a:r>
-            <a:endParaRPr lang="zh-CN">
-              <a:sym typeface="+mn-ea"/>
-            </a:endParaRPr>
-          </a:p>
-          <a:p>
-            <a:r>
-              <a:rPr lang="zh-CN">
-                <a:sym typeface="+mn-ea"/>
-              </a:rPr>
-              <a:t>也就是说</a:t>
-            </a:r>
-            <a:r>
-              <a:rPr lang="zh-CN" b="1">
-                <a:sym typeface="+mn-ea"/>
-              </a:rPr>
-              <a:t>尾地址指针</a:t>
-            </a:r>
-            <a:r>
-              <a:rPr lang="zh-CN">
-                <a:sym typeface="+mn-ea"/>
-              </a:rPr>
-              <a:t>所指向的地方是无效的内存</a:t>
-            </a:r>
-            <a:r>
-              <a:rPr lang="en-US" altLang="zh-CN">
-                <a:sym typeface="+mn-ea"/>
-              </a:rPr>
-              <a:t> </a:t>
-            </a:r>
-            <a:r>
-              <a:rPr lang="en-US" altLang="zh-CN">
-                <a:solidFill>
-                  <a:schemeClr val="accent5">
-                    <a:lumMod val="75000"/>
-                  </a:schemeClr>
-                </a:solidFill>
-                <a:sym typeface="+mn-ea"/>
-              </a:rPr>
-              <a:t>a + a.size()</a:t>
-            </a:r>
-            <a:r>
-              <a:rPr lang="zh-CN">
-                <a:sym typeface="+mn-ea"/>
-              </a:rPr>
-              <a:t>，</a:t>
-            </a:r>
-            <a:r>
-              <a:rPr lang="zh-CN" b="1">
-                <a:sym typeface="+mn-ea"/>
-              </a:rPr>
-              <a:t>尾地址指针减</a:t>
-            </a:r>
-            <a:r>
-              <a:rPr lang="en-US" altLang="zh-CN" b="1">
-                <a:sym typeface="+mn-ea"/>
-              </a:rPr>
-              <a:t>1</a:t>
-            </a:r>
-            <a:r>
-              <a:rPr lang="zh-CN" altLang="en-US">
-                <a:sym typeface="+mn-ea"/>
-              </a:rPr>
-              <a:t>才是真正的末尾元素指针</a:t>
-            </a:r>
-            <a:r>
-              <a:rPr lang="en-US" altLang="zh-CN">
-                <a:sym typeface="+mn-ea"/>
-              </a:rPr>
-              <a:t> </a:t>
-            </a:r>
-            <a:r>
-              <a:rPr lang="en-US" altLang="zh-CN">
-                <a:solidFill>
-                  <a:schemeClr val="accent5">
-                    <a:lumMod val="75000"/>
-                  </a:schemeClr>
-                </a:solidFill>
-                <a:sym typeface="+mn-ea"/>
-              </a:rPr>
-              <a:t>a + a.size() - 1</a:t>
-            </a:r>
-            <a:r>
-              <a:rPr lang="zh-CN">
-                <a:sym typeface="+mn-ea"/>
-              </a:rPr>
-              <a:t>。</a:t>
-            </a:r>
-            <a:endParaRPr lang="zh-CN">
-              <a:sym typeface="+mn-ea"/>
-            </a:endParaRPr>
-          </a:p>
-          <a:p>
-            <a:r>
-              <a:rPr lang="zh-CN">
-                <a:sym typeface="+mn-ea"/>
-              </a:rPr>
-              <a:t>为什么要这样设计？因为如果用</a:t>
-            </a:r>
-            <a:r>
-              <a:rPr lang="en-US" altLang="zh-CN">
-                <a:sym typeface="+mn-ea"/>
-              </a:rPr>
-              <a:t> </a:t>
-            </a:r>
-            <a:r>
-              <a:rPr lang="en-US" altLang="zh-CN">
-                <a:solidFill>
-                  <a:schemeClr val="accent5">
-                    <a:lumMod val="75000"/>
-                  </a:schemeClr>
-                </a:solidFill>
-                <a:sym typeface="+mn-ea"/>
-              </a:rPr>
-              <a:t>a + a.size() - 1 </a:t>
-            </a:r>
-            <a:r>
-              <a:rPr lang="zh-CN" altLang="en-US">
-                <a:sym typeface="+mn-ea"/>
-              </a:rPr>
-              <a:t>也就是</a:t>
-            </a:r>
-            <a:r>
-              <a:rPr lang="en-US" altLang="zh-CN">
-                <a:sym typeface="+mn-ea"/>
-              </a:rPr>
-              <a:t> </a:t>
-            </a:r>
-            <a:r>
-              <a:rPr lang="en-US" altLang="zh-CN">
-                <a:solidFill>
-                  <a:schemeClr val="accent5">
-                    <a:lumMod val="75000"/>
-                  </a:schemeClr>
-                </a:solidFill>
-                <a:sym typeface="+mn-ea"/>
-              </a:rPr>
-              <a:t>&amp;a.back()</a:t>
-            </a:r>
-            <a:r>
-              <a:rPr lang="en-US" altLang="zh-CN">
-                <a:sym typeface="+mn-ea"/>
-              </a:rPr>
-              <a:t> </a:t>
-            </a:r>
-            <a:r>
-              <a:rPr lang="zh-CN" altLang="en-US">
-                <a:sym typeface="+mn-ea"/>
-              </a:rPr>
-              <a:t>作为尾地址指针，将无法表示</a:t>
-            </a:r>
-            <a:r>
-              <a:rPr lang="zh-CN" altLang="en-US" b="1">
-                <a:sym typeface="+mn-ea"/>
-              </a:rPr>
-              <a:t>数组长度为</a:t>
-            </a:r>
-            <a:r>
-              <a:rPr lang="en-US" altLang="zh-CN" b="1">
-                <a:sym typeface="+mn-ea"/>
-              </a:rPr>
-              <a:t> 0</a:t>
-            </a:r>
-            <a:r>
-              <a:rPr lang="en-US" altLang="zh-CN">
-                <a:sym typeface="+mn-ea"/>
-              </a:rPr>
-              <a:t> </a:t>
-            </a:r>
-            <a:r>
-              <a:rPr lang="zh-CN" altLang="en-US">
-                <a:sym typeface="+mn-ea"/>
-              </a:rPr>
-              <a:t>的情况。</a:t>
-            </a:r>
-            <a:endParaRPr lang="zh-CN" altLang="en-US">
-              <a:solidFill>
-                <a:schemeClr val="accent5">
-                  <a:lumMod val="75000"/>
-                </a:schemeClr>
-              </a:solidFill>
-              <a:sym typeface="+mn-ea"/>
-            </a:endParaRPr>
-          </a:p>
-        </p:txBody>
-      </p:sp>
-      <p:cxnSp>
-        <p:nvCxnSpPr>
-          <p:cNvPr id="9" name="Straight Connector 8"/>
-          <p:cNvCxnSpPr/>
-          <p:nvPr/>
-        </p:nvCxnSpPr>
-        <p:spPr>
-          <a:xfrm>
-            <a:off x="6257925" y="4756785"/>
-            <a:ext cx="3991610" cy="0"/>
-          </a:xfrm>
-          <a:prstGeom prst="line">
-            <a:avLst/>
-          </a:prstGeom>
-          <a:ln w="25400"/>
-        </p:spPr>
-        <p:style>
-          <a:lnRef idx="1">
-            <a:schemeClr val="accent1"/>
-          </a:lnRef>
-          <a:fillRef idx="0">
-            <a:schemeClr val="accent1"/>
-          </a:fillRef>
-          <a:effectRef idx="0">
-            <a:schemeClr val="accent1"/>
-          </a:effectRef>
-          <a:fontRef idx="minor">
-            <a:schemeClr val="tx1"/>
-          </a:fontRef>
-        </p:style>
-      </p:cxnSp>
-      <p:pic>
-        <p:nvPicPr>
-          <p:cNvPr id="6" name="Picture 5"/>
-          <p:cNvPicPr>
-            <a:picLocks noChangeAspect="1"/>
-          </p:cNvPicPr>
-          <p:nvPr/>
-        </p:nvPicPr>
-        <p:blipFill>
-          <a:blip r:embed="rId2"/>
-          <a:stretch>
-            <a:fillRect/>
-          </a:stretch>
-        </p:blipFill>
-        <p:spPr>
-          <a:xfrm>
-            <a:off x="7910195" y="5467350"/>
-            <a:ext cx="1257300" cy="1390650"/>
+            <a:off x="5623560" y="2875280"/>
+            <a:ext cx="5897245" cy="2251710"/>
           </a:xfrm>
           <a:prstGeom prst="rect">
             <a:avLst/>
@@ -16248,9 +16145,79 @@
         <p:nvPr/>
       </p:nvGrpSpPr>
       <p:grpSpPr/>
+      <p:sp>
+        <p:nvSpPr>
+          <p:cNvPr id="2" name="Title 1"/>
+          <p:cNvSpPr>
+            <a:spLocks noGrp="1"/>
+          </p:cNvSpPr>
+          <p:nvPr>
+            <p:ph type="title"/>
+          </p:nvPr>
+        </p:nvSpPr>
+        <p:spPr/>
+        <p:txBody>
+          <a:bodyPr/>
+          <a:p>
+            <a:r>
+              <a:rPr lang="zh-CN"/>
+              <a:t>迭代器模式</a:t>
+            </a:r>
+            <a:endParaRPr lang="zh-CN"/>
+          </a:p>
+        </p:txBody>
+      </p:sp>
+      <p:sp>
+        <p:nvSpPr>
+          <p:cNvPr id="3" name="Content Placeholder 2"/>
+          <p:cNvSpPr>
+            <a:spLocks noGrp="1"/>
+          </p:cNvSpPr>
+          <p:nvPr>
+            <p:ph sz="half" idx="1"/>
+          </p:nvPr>
+        </p:nvSpPr>
+        <p:spPr/>
+        <p:txBody>
+          <a:bodyPr/>
+          <a:p>
+            <a:r>
+              <a:rPr lang="zh-CN" altLang="en-US"/>
+              <a:t>如果要把右边这个打印的操作封装起来，该怎么做？</a:t>
+            </a:r>
+            <a:endParaRPr lang="zh-CN" altLang="en-US"/>
+          </a:p>
+          <a:p>
+            <a:r>
+              <a:rPr lang="zh-CN" altLang="en-US"/>
+              <a:t>可以用一个函数来封装打印操作：</a:t>
+            </a:r>
+            <a:endParaRPr lang="zh-CN" altLang="en-US"/>
+          </a:p>
+          <a:p>
+            <a:r>
+              <a:rPr lang="en-US" altLang="zh-CN">
+                <a:solidFill>
+                  <a:schemeClr val="accent5">
+                    <a:lumMod val="75000"/>
+                  </a:schemeClr>
+                </a:solidFill>
+              </a:rPr>
+              <a:t>print(vector&lt;char&gt; const &amp;a);</a:t>
+            </a:r>
+            <a:endParaRPr lang="en-US" altLang="zh-CN">
+              <a:solidFill>
+                <a:schemeClr val="accent5">
+                  <a:lumMod val="75000"/>
+                </a:schemeClr>
+              </a:solidFill>
+            </a:endParaRPr>
+          </a:p>
+        </p:txBody>
+      </p:sp>
       <p:pic>
         <p:nvPicPr>
-          <p:cNvPr id="12" name="Content Placeholder 11"/>
+          <p:cNvPr id="6" name="Content Placeholder 5"/>
           <p:cNvPicPr>
             <a:picLocks noChangeAspect="1"/>
           </p:cNvPicPr>
@@ -16266,196 +16233,17 @@
         </p:blipFill>
         <p:spPr>
           <a:xfrm>
-            <a:off x="5829300" y="2112010"/>
-            <a:ext cx="6060440" cy="3749675"/>
+            <a:off x="5589905" y="2240280"/>
+            <a:ext cx="5963920" cy="3522345"/>
           </a:xfrm>
           <a:prstGeom prst="rect">
             <a:avLst/>
           </a:prstGeom>
         </p:spPr>
       </p:pic>
-      <p:sp>
-        <p:nvSpPr>
-          <p:cNvPr id="2" name="Title 1"/>
-          <p:cNvSpPr>
-            <a:spLocks noGrp="1"/>
-          </p:cNvSpPr>
-          <p:nvPr>
-            <p:ph type="title"/>
-          </p:nvPr>
-        </p:nvSpPr>
-        <p:spPr/>
-        <p:txBody>
-          <a:bodyPr/>
-          <a:p>
-            <a:r>
-              <a:rPr lang="zh-CN"/>
-              <a:t>迭代器模式：为什么尾指针要往后移动一格？</a:t>
-            </a:r>
-            <a:endParaRPr lang="zh-CN"/>
-          </a:p>
-        </p:txBody>
-      </p:sp>
-      <p:sp>
-        <p:nvSpPr>
-          <p:cNvPr id="3" name="Content Placeholder 2"/>
-          <p:cNvSpPr>
-            <a:spLocks noGrp="1"/>
-          </p:cNvSpPr>
-          <p:nvPr>
-            <p:ph sz="half" idx="1"/>
-          </p:nvPr>
-        </p:nvSpPr>
-        <p:spPr>
-          <a:xfrm>
-            <a:off x="647700" y="1734820"/>
-            <a:ext cx="5181600" cy="4504055"/>
-          </a:xfrm>
-        </p:spPr>
-        <p:txBody>
-          <a:bodyPr>
-            <a:normAutofit lnSpcReduction="10000"/>
-          </a:bodyPr>
-          <a:p>
-            <a:r>
-              <a:rPr lang="zh-CN" altLang="en-US">
-                <a:sym typeface="+mn-ea"/>
-              </a:rPr>
-              <a:t>而让</a:t>
-            </a:r>
-            <a:r>
-              <a:rPr lang="zh-CN" b="1">
-                <a:sym typeface="+mn-ea"/>
-              </a:rPr>
-              <a:t>尾地址指针</a:t>
-            </a:r>
-            <a:r>
-              <a:rPr lang="zh-CN" altLang="en-US">
-                <a:sym typeface="+mn-ea"/>
-              </a:rPr>
-              <a:t>往后移动一格的设计，使得数组长度为</a:t>
-            </a:r>
-            <a:r>
-              <a:rPr lang="en-US" altLang="zh-CN">
-                <a:sym typeface="+mn-ea"/>
-              </a:rPr>
-              <a:t> 0 </a:t>
-            </a:r>
-            <a:r>
-              <a:rPr lang="zh-CN" altLang="en-US">
-                <a:sym typeface="+mn-ea"/>
-              </a:rPr>
-              <a:t>就是</a:t>
-            </a:r>
-            <a:r>
-              <a:rPr lang="en-US" altLang="zh-CN">
-                <a:sym typeface="+mn-ea"/>
-              </a:rPr>
-              <a:t> begptr == endptr </a:t>
-            </a:r>
-            <a:r>
-              <a:rPr lang="zh-CN" altLang="en-US">
-                <a:sym typeface="+mn-ea"/>
-              </a:rPr>
-              <a:t>的情况，非常容易判断。</a:t>
-            </a:r>
-            <a:endParaRPr lang="zh-CN" altLang="en-US">
-              <a:sym typeface="+mn-ea"/>
-            </a:endParaRPr>
-          </a:p>
-          <a:p>
-            <a:r>
-              <a:rPr lang="zh-CN" altLang="en-US">
-                <a:sym typeface="+mn-ea"/>
-              </a:rPr>
-              <a:t>更方便的是你可以通过指针的减法运算：</a:t>
-            </a:r>
-            <a:r>
-              <a:rPr lang="en-US" altLang="zh-CN">
-                <a:sym typeface="+mn-ea"/>
-              </a:rPr>
-              <a:t> endptr - begptr </a:t>
-            </a:r>
-            <a:r>
-              <a:rPr lang="zh-CN" altLang="en-US">
-                <a:sym typeface="+mn-ea"/>
-              </a:rPr>
-              <a:t>来算出数组的长度！</a:t>
-            </a:r>
-            <a:endParaRPr lang="zh-CN" altLang="en-US">
-              <a:sym typeface="+mn-ea"/>
-            </a:endParaRPr>
-          </a:p>
-          <a:p>
-            <a:r>
-              <a:rPr lang="en-US" altLang="zh-CN">
-                <a:sym typeface="+mn-ea"/>
-              </a:rPr>
-              <a:t>for </a:t>
-            </a:r>
-            <a:r>
-              <a:rPr lang="zh-CN" altLang="en-US">
-                <a:sym typeface="+mn-ea"/>
-              </a:rPr>
-              <a:t>循环里也很容易写，判断是否继续循环的条件为</a:t>
-            </a:r>
-            <a:r>
-              <a:rPr lang="en-US" altLang="zh-CN">
-                <a:sym typeface="+mn-ea"/>
-              </a:rPr>
-              <a:t> ptr != endptr </a:t>
-            </a:r>
-            <a:r>
-              <a:rPr lang="zh-CN" altLang="en-US">
-                <a:sym typeface="+mn-ea"/>
-              </a:rPr>
-              <a:t>就行了。</a:t>
-            </a:r>
-            <a:endParaRPr lang="zh-CN" altLang="en-US">
-              <a:solidFill>
-                <a:schemeClr val="accent5">
-                  <a:lumMod val="75000"/>
-                </a:schemeClr>
-              </a:solidFill>
-              <a:sym typeface="+mn-ea"/>
-            </a:endParaRPr>
-          </a:p>
-        </p:txBody>
-      </p:sp>
-      <p:cxnSp>
-        <p:nvCxnSpPr>
-          <p:cNvPr id="9" name="Straight Connector 8"/>
-          <p:cNvCxnSpPr/>
-          <p:nvPr/>
-        </p:nvCxnSpPr>
-        <p:spPr>
-          <a:xfrm>
-            <a:off x="9422130" y="2600325"/>
-            <a:ext cx="1423035" cy="0"/>
-          </a:xfrm>
-          <a:prstGeom prst="line">
-            <a:avLst/>
-          </a:prstGeom>
-          <a:ln w="25400"/>
-        </p:spPr>
-        <p:style>
-          <a:lnRef idx="1">
-            <a:schemeClr val="accent1"/>
-          </a:lnRef>
-          <a:fillRef idx="0">
-            <a:schemeClr val="accent1"/>
-          </a:fillRef>
-          <a:effectRef idx="0">
-            <a:schemeClr val="accent1"/>
-          </a:effectRef>
-          <a:fontRef idx="minor">
-            <a:schemeClr val="tx1"/>
-          </a:fontRef>
-        </p:style>
-      </p:cxnSp>
       <p:pic>
         <p:nvPicPr>
-          <p:cNvPr id="10" name="Picture 9"/>
+          <p:cNvPr id="7" name="Picture 6"/>
           <p:cNvPicPr>
             <a:picLocks noChangeAspect="1"/>
           </p:cNvPicPr>
@@ -16469,45 +16257,14 @@
         </p:blipFill>
         <p:spPr>
           <a:xfrm>
-            <a:off x="2219960" y="5172075"/>
-            <a:ext cx="2171700" cy="1685925"/>
+            <a:off x="727710" y="4614545"/>
+            <a:ext cx="516890" cy="1388110"/>
           </a:xfrm>
           <a:prstGeom prst="rect">
             <a:avLst/>
           </a:prstGeom>
         </p:spPr>
       </p:pic>
-      <p:cxnSp>
-        <p:nvCxnSpPr>
-          <p:cNvPr id="13" name="Straight Connector 12"/>
-          <p:cNvCxnSpPr/>
-          <p:nvPr/>
-        </p:nvCxnSpPr>
-        <p:spPr>
-          <a:xfrm>
-            <a:off x="7668895" y="4925060"/>
-            <a:ext cx="1691640" cy="0"/>
-          </a:xfrm>
-          <a:prstGeom prst="line">
-            <a:avLst/>
-          </a:prstGeom>
-          <a:ln w="25400"/>
-        </p:spPr>
-        <p:style>
-          <a:lnRef idx="1">
-            <a:schemeClr val="accent1"/>
-          </a:lnRef>
-          <a:fillRef idx="0">
-            <a:schemeClr val="accent1"/>
-          </a:fillRef>
-          <a:effectRef idx="0">
-            <a:schemeClr val="accent1"/>
-          </a:effectRef>
-          <a:fontRef idx="minor">
-            <a:schemeClr val="tx1"/>
-          </a:fontRef>
-        </p:style>
-      </p:cxnSp>
     </p:spTree>
   </p:cSld>
   <p:clrMapOvr>
@@ -16723,19 +16480,7 @@
           <a:p>
             <a:r>
               <a:rPr lang="zh-CN"/>
-              <a:t>迭代器模式：</a:t>
-            </a:r>
-            <a:r>
-              <a:rPr lang="zh-CN">
-                <a:sym typeface="+mn-ea"/>
-              </a:rPr>
-              <a:t>首指针＋</a:t>
-            </a:r>
-            <a:r>
-              <a:rPr lang="zh-CN">
-                <a:sym typeface="+mn-ea"/>
-              </a:rPr>
-              <a:t>尾指针</a:t>
+              <a:t>迭代器模式</a:t>
             </a:r>
             <a:endParaRPr lang="zh-CN"/>
           </a:p>
@@ -16751,52 +16496,90 @@
             <p:ph sz="half" idx="1"/>
           </p:nvPr>
         </p:nvSpPr>
-        <p:spPr>
-          <a:xfrm>
-            <a:off x="647700" y="1734820"/>
-            <a:ext cx="5181600" cy="4504055"/>
-          </a:xfrm>
-        </p:spPr>
-        <p:txBody>
-          <a:bodyPr>
-            <a:normAutofit lnSpcReduction="10000"/>
-          </a:bodyPr>
-          <a:p>
-            <a:r>
-              <a:rPr lang="zh-CN">
-                <a:sym typeface="+mn-ea"/>
-              </a:rPr>
-              <a:t>还可以让</a:t>
-            </a:r>
-            <a:r>
-              <a:rPr lang="zh-CN" b="1">
-                <a:sym typeface="+mn-ea"/>
-              </a:rPr>
-              <a:t>首</a:t>
-            </a:r>
-            <a:r>
-              <a:rPr lang="zh-CN" b="1">
-                <a:sym typeface="+mn-ea"/>
-              </a:rPr>
-              <a:t>指针</a:t>
-            </a:r>
-            <a:r>
-              <a:rPr lang="zh-CN">
-                <a:sym typeface="+mn-ea"/>
-              </a:rPr>
-              <a:t>和</a:t>
-            </a:r>
-            <a:r>
-              <a:rPr lang="zh-CN" b="1">
-                <a:sym typeface="+mn-ea"/>
-              </a:rPr>
-              <a:t>尾指针</a:t>
-            </a:r>
-            <a:r>
-              <a:rPr lang="zh-CN">
-                <a:sym typeface="+mn-ea"/>
-              </a:rPr>
-              <a:t>声明为模板参数，这样不论指针是什么类型，都可以使用</a:t>
+        <p:spPr/>
+        <p:txBody>
+          <a:bodyPr/>
+          <a:p>
+            <a:r>
+              <a:rPr lang="zh-CN" altLang="en-US"/>
+              <a:t>如果要把右边这个打印的操作封装起来，该怎么做？</a:t>
+            </a:r>
+            <a:endParaRPr lang="zh-CN" altLang="en-US"/>
+          </a:p>
+          <a:p>
+            <a:r>
+              <a:rPr lang="zh-CN" altLang="en-US"/>
+              <a:t>可以用一个函数来封装打印操作：</a:t>
+            </a:r>
+            <a:endParaRPr lang="zh-CN" altLang="en-US"/>
+          </a:p>
+          <a:p>
+            <a:r>
+              <a:rPr lang="en-US" altLang="zh-CN">
+                <a:solidFill>
+                  <a:schemeClr val="accent5">
+                    <a:lumMod val="75000"/>
+                  </a:schemeClr>
+                </a:solidFill>
+              </a:rPr>
+              <a:t>print(vector&lt;char&gt; const &amp;a);</a:t>
+            </a:r>
+            <a:endParaRPr lang="en-US" altLang="zh-CN">
+              <a:solidFill>
+                <a:schemeClr val="accent5">
+                  <a:lumMod val="75000"/>
+                </a:schemeClr>
+              </a:solidFill>
+            </a:endParaRPr>
+          </a:p>
+          <a:p>
+            <a:r>
+              <a:rPr lang="zh-CN" altLang="en-US">
+                <a:sym typeface="+mn-ea"/>
+              </a:rPr>
+              <a:t>但是这样的缺点是他只能打印</a:t>
+            </a:r>
+            <a:r>
+              <a:rPr lang="en-US" altLang="zh-CN">
+                <a:sym typeface="+mn-ea"/>
+              </a:rPr>
+              <a:t> vector </a:t>
+            </a:r>
+            <a:r>
+              <a:rPr lang="zh-CN" altLang="en-US">
+                <a:sym typeface="+mn-ea"/>
+              </a:rPr>
+              <a:t>类型，没法打印</a:t>
+            </a:r>
+            <a:r>
+              <a:rPr lang="en-US" altLang="zh-CN">
+                <a:sym typeface="+mn-ea"/>
+              </a:rPr>
+              <a:t> string </a:t>
+            </a:r>
+            <a:r>
+              <a:rPr lang="zh-CN" altLang="en-US">
+                <a:sym typeface="+mn-ea"/>
+              </a:rPr>
+              <a:t>类型。</a:t>
+            </a:r>
+            <a:r>
+              <a:rPr lang="zh-CN" altLang="en-US">
+                <a:sym typeface="+mn-ea"/>
+              </a:rPr>
+              <a:t>要支持</a:t>
+            </a:r>
+            <a:r>
+              <a:rPr lang="en-US" altLang="zh-CN">
+                <a:sym typeface="+mn-ea"/>
+              </a:rPr>
+              <a:t> string </a:t>
+            </a:r>
+            <a:r>
+              <a:rPr lang="zh-CN" altLang="en-US">
+                <a:sym typeface="+mn-ea"/>
+              </a:rPr>
+              <a:t>只能再写一遍一样的</a:t>
             </a:r>
             <a:r>
               <a:rPr lang="en-US" altLang="zh-CN">
@@ -16805,12 +16588,12 @@
               <a:t> print </a:t>
             </a:r>
             <a:r>
-              <a:rPr lang="zh-CN">
-                <a:sym typeface="+mn-ea"/>
-              </a:rPr>
-              <a:t>这个模板函数来打印。</a:t>
-            </a:r>
-            <a:endParaRPr lang="zh-CN">
+              <a:rPr lang="zh-CN" altLang="en-US">
+                <a:sym typeface="+mn-ea"/>
+              </a:rPr>
+              <a:t>函数。</a:t>
+            </a:r>
+            <a:endParaRPr lang="zh-CN" altLang="en-US">
               <a:solidFill>
                 <a:schemeClr val="accent5">
                   <a:lumMod val="75000"/>
@@ -16823,7 +16606,7 @@
       </p:sp>
       <p:pic>
         <p:nvPicPr>
-          <p:cNvPr id="7" name="Content Placeholder 6"/>
+          <p:cNvPr id="8" name="Content Placeholder 7"/>
           <p:cNvPicPr>
             <a:picLocks noChangeAspect="1"/>
           </p:cNvPicPr>
@@ -16839,32 +16622,8 @@
         </p:blipFill>
         <p:spPr>
           <a:xfrm>
-            <a:off x="5824855" y="1643380"/>
-            <a:ext cx="5495290" cy="4716780"/>
-          </a:xfrm>
-          <a:prstGeom prst="rect">
-            <a:avLst/>
-          </a:prstGeom>
-        </p:spPr>
-      </p:pic>
-      <p:pic>
-        <p:nvPicPr>
-          <p:cNvPr id="8" name="Picture 7"/>
-          <p:cNvPicPr>
-            <a:picLocks noChangeAspect="1"/>
-          </p:cNvPicPr>
-          <p:nvPr/>
-        </p:nvPicPr>
-        <p:blipFill>
-          <a:blip r:embed="rId2"/>
-          <a:stretch>
-            <a:fillRect/>
-          </a:stretch>
-        </p:blipFill>
-        <p:spPr>
-          <a:xfrm>
-            <a:off x="1613535" y="3777615"/>
-            <a:ext cx="328930" cy="2582545"/>
+            <a:off x="5880735" y="2103755"/>
+            <a:ext cx="5383530" cy="3794760"/>
           </a:xfrm>
           <a:prstGeom prst="rect">
             <a:avLst/>
@@ -16907,18 +16666,6 @@
               <a:rPr lang="zh-CN"/>
               <a:t>迭代器模式</a:t>
             </a:r>
-            <a:r>
-              <a:rPr lang="zh-CN">
-                <a:sym typeface="+mn-ea"/>
-              </a:rPr>
-              <a:t>：</a:t>
-            </a:r>
-            <a:r>
-              <a:rPr lang="zh-CN">
-                <a:sym typeface="+mn-ea"/>
-              </a:rPr>
-              <a:t>首指针＋尾指针</a:t>
-            </a:r>
             <a:endParaRPr lang="zh-CN"/>
           </a:p>
         </p:txBody>
@@ -16933,99 +16680,108 @@
             <p:ph sz="half" idx="1"/>
           </p:nvPr>
         </p:nvSpPr>
-        <p:spPr>
-          <a:xfrm>
-            <a:off x="647700" y="1734820"/>
-            <a:ext cx="5181600" cy="4504055"/>
-          </a:xfrm>
-        </p:spPr>
-        <p:txBody>
-          <a:bodyPr>
-            <a:normAutofit lnSpcReduction="10000"/>
-          </a:bodyPr>
-          <a:p>
-            <a:r>
-              <a:rPr lang="zh-CN" b="1">
-                <a:sym typeface="+mn-ea"/>
-              </a:rPr>
-              <a:t>首指针</a:t>
-            </a:r>
+        <p:spPr/>
+        <p:txBody>
+          <a:bodyPr/>
+          <a:p>
+            <a:r>
+              <a:rPr lang="zh-CN" altLang="en-US"/>
+              <a:t>注意到</a:t>
+            </a:r>
+            <a:r>
+              <a:rPr lang="en-US" altLang="zh-CN"/>
+              <a:t> vector </a:t>
+            </a:r>
+            <a:r>
+              <a:rPr lang="zh-CN" altLang="en-US"/>
+              <a:t>和</a:t>
+            </a:r>
+            <a:r>
+              <a:rPr lang="en-US" altLang="zh-CN"/>
+              <a:t> string </a:t>
+            </a:r>
+            <a:r>
+              <a:rPr lang="zh-CN" altLang="en-US"/>
+              <a:t>的底层都是连续的稠密数组，他们都有</a:t>
+            </a:r>
+            <a:r>
+              <a:rPr lang="en-US" altLang="zh-CN"/>
+              <a:t> data() </a:t>
+            </a:r>
+            <a:r>
+              <a:rPr lang="zh-CN" altLang="en-US"/>
+              <a:t>和</a:t>
+            </a:r>
+            <a:r>
+              <a:rPr lang="en-US" altLang="zh-CN"/>
+              <a:t> size() </a:t>
+            </a:r>
+            <a:r>
+              <a:rPr lang="zh-CN" altLang="en-US"/>
+              <a:t>函数。</a:t>
+            </a:r>
+            <a:endParaRPr lang="zh-CN" altLang="en-US"/>
+          </a:p>
+          <a:p>
+            <a:r>
+              <a:rPr lang="zh-CN" altLang="en-US"/>
+              <a:t>因此可改用</a:t>
+            </a:r>
+            <a:r>
+              <a:rPr lang="zh-CN" altLang="en-US" b="1"/>
+              <a:t>首地址指针</a:t>
+            </a:r>
+            <a:r>
+              <a:rPr lang="zh-CN" altLang="en-US"/>
+              <a:t>和</a:t>
+            </a:r>
+            <a:r>
+              <a:rPr lang="zh-CN" altLang="en-US" b="1"/>
+              <a:t>数组长度</a:t>
+            </a:r>
+            <a:r>
+              <a:rPr lang="zh-CN" altLang="en-US"/>
+              <a:t>做参数：</a:t>
+            </a:r>
+            <a:endParaRPr lang="zh-CN" altLang="en-US"/>
+          </a:p>
+          <a:p>
+            <a:r>
+              <a:rPr lang="en-US" altLang="zh-CN">
+                <a:solidFill>
+                  <a:schemeClr val="accent5">
+                    <a:lumMod val="75000"/>
+                  </a:schemeClr>
+                </a:solidFill>
+              </a:rPr>
+              <a:t>print(char const *a, size_t n);</a:t>
+            </a:r>
+            <a:endParaRPr lang="en-US" altLang="zh-CN">
+              <a:solidFill>
+                <a:schemeClr val="accent5">
+                  <a:lumMod val="75000"/>
+                </a:schemeClr>
+              </a:solidFill>
+            </a:endParaRPr>
+          </a:p>
+          <a:p>
             <a:r>
               <a:rPr lang="zh-CN">
                 <a:sym typeface="+mn-ea"/>
               </a:rPr>
-              <a:t>和</a:t>
-            </a:r>
-            <a:r>
-              <a:rPr lang="zh-CN" b="1">
-                <a:sym typeface="+mn-ea"/>
-              </a:rPr>
-              <a:t>尾指针</a:t>
-            </a:r>
-            <a:r>
-              <a:rPr lang="zh-CN">
-                <a:sym typeface="+mn-ea"/>
-              </a:rPr>
-              <a:t>的组合的确能胜任</a:t>
-            </a:r>
-            <a:r>
-              <a:rPr lang="en-US" altLang="zh-CN">
-                <a:sym typeface="+mn-ea"/>
-              </a:rPr>
-              <a:t> vector </a:t>
+              <a:t>这样</a:t>
+            </a:r>
+            <a:r>
+              <a:rPr lang="en-US" altLang="zh-CN">
+                <a:sym typeface="+mn-ea"/>
+              </a:rPr>
+              <a:t> print </a:t>
             </a:r>
             <a:r>
               <a:rPr lang="zh-CN" altLang="en-US">
                 <a:sym typeface="+mn-ea"/>
               </a:rPr>
-              <a:t>这种连续数组，但是对于</a:t>
-            </a:r>
-            <a:r>
-              <a:rPr lang="en-US" altLang="zh-CN">
-                <a:sym typeface="+mn-ea"/>
-              </a:rPr>
-              <a:t> list </a:t>
-            </a:r>
-            <a:r>
-              <a:rPr lang="zh-CN" altLang="en-US">
-                <a:sym typeface="+mn-ea"/>
-              </a:rPr>
-              <a:t>这种不连续的内存的容器就没辙了。</a:t>
-            </a:r>
-            <a:endParaRPr lang="zh-CN" altLang="en-US">
-              <a:sym typeface="+mn-ea"/>
-            </a:endParaRPr>
-          </a:p>
-          <a:p>
-            <a:r>
-              <a:rPr lang="zh-CN" altLang="en-US">
-                <a:sym typeface="+mn-ea"/>
-              </a:rPr>
-              <a:t>没错，</a:t>
-            </a:r>
-            <a:r>
-              <a:rPr lang="en-US" altLang="zh-CN">
-                <a:sym typeface="+mn-ea"/>
-              </a:rPr>
-              <a:t>list </a:t>
-            </a:r>
-            <a:r>
-              <a:rPr lang="zh-CN" altLang="en-US">
-                <a:sym typeface="+mn-ea"/>
-              </a:rPr>
-              <a:t>没有</a:t>
-            </a:r>
-            <a:r>
-              <a:rPr lang="en-US" altLang="zh-CN">
-                <a:sym typeface="+mn-ea"/>
-              </a:rPr>
-              <a:t> data() </a:t>
-            </a:r>
-            <a:r>
-              <a:rPr lang="zh-CN" altLang="en-US">
-                <a:sym typeface="+mn-ea"/>
-              </a:rPr>
-              <a:t>这个成员函数，因为他根本就不连续。</a:t>
+              <a:t>在无需知道容器具体类型的情况下，只用最简单的接口（首地址指针）就完成了遍历和打印的操作。</a:t>
             </a:r>
             <a:endParaRPr lang="zh-CN" altLang="en-US">
               <a:solidFill>
@@ -17040,11 +16796,13 @@
       </p:sp>
       <p:pic>
         <p:nvPicPr>
-          <p:cNvPr id="10" name="Picture 9"/>
+          <p:cNvPr id="5" name="Content Placeholder 4"/>
           <p:cNvPicPr>
             <a:picLocks noChangeAspect="1"/>
           </p:cNvPicPr>
-          <p:nvPr/>
+          <p:nvPr>
+            <p:ph sz="half" idx="2"/>
+          </p:nvPr>
         </p:nvPicPr>
         <p:blipFill>
           <a:blip r:embed="rId1"/>
@@ -17054,8 +16812,8 @@
         </p:blipFill>
         <p:spPr>
           <a:xfrm>
-            <a:off x="2219960" y="5172075"/>
-            <a:ext cx="2171700" cy="1685925"/>
+            <a:off x="5831205" y="2102485"/>
+            <a:ext cx="5482590" cy="3797300"/>
           </a:xfrm>
           <a:prstGeom prst="rect">
             <a:avLst/>
@@ -17064,13 +16822,11 @@
       </p:pic>
       <p:pic>
         <p:nvPicPr>
-          <p:cNvPr id="5" name="Content Placeholder 4"/>
+          <p:cNvPr id="7" name="Picture 6"/>
           <p:cNvPicPr>
             <a:picLocks noChangeAspect="1"/>
           </p:cNvPicPr>
-          <p:nvPr>
-            <p:ph sz="half" idx="2"/>
-          </p:nvPr>
+          <p:nvPr/>
         </p:nvPicPr>
         <p:blipFill>
           <a:blip r:embed="rId2"/>
@@ -17080,8 +16836,8 @@
         </p:blipFill>
         <p:spPr>
           <a:xfrm>
-            <a:off x="5829300" y="2400300"/>
-            <a:ext cx="6162040" cy="3303905"/>
+            <a:off x="274955" y="3615690"/>
+            <a:ext cx="266700" cy="2038350"/>
           </a:xfrm>
           <a:prstGeom prst="rect">
             <a:avLst/>
@@ -17124,24 +16880,6 @@
               <a:rPr lang="zh-CN"/>
               <a:t>迭代器模式</a:t>
             </a:r>
-            <a:r>
-              <a:rPr lang="zh-CN">
-                <a:sym typeface="+mn-ea"/>
-              </a:rPr>
-              <a:t>：</a:t>
-            </a:r>
-            <a:r>
-              <a:rPr lang="zh-CN">
-                <a:sym typeface="+mn-ea"/>
-              </a:rPr>
-              <a:t>首</a:t>
-            </a:r>
-            <a:r>
-              <a:rPr lang="zh-CN">
-                <a:sym typeface="+mn-ea"/>
-              </a:rPr>
-              <a:t>迭代器＋尾迭代器</a:t>
-            </a:r>
             <a:endParaRPr lang="zh-CN"/>
           </a:p>
         </p:txBody>
@@ -17156,256 +16894,88 @@
             <p:ph sz="half" idx="1"/>
           </p:nvPr>
         </p:nvSpPr>
-        <p:spPr>
-          <a:xfrm>
-            <a:off x="647700" y="1541145"/>
-            <a:ext cx="5181600" cy="4892040"/>
-          </a:xfrm>
-        </p:spPr>
-        <p:txBody>
-          <a:bodyPr>
-            <a:normAutofit lnSpcReduction="20000"/>
-          </a:bodyPr>
+        <p:spPr/>
+        <p:txBody>
+          <a:bodyPr/>
+          <a:p>
+            <a:r>
+              <a:rPr lang="zh-CN"/>
+              <a:t>使用</a:t>
+            </a:r>
+            <a:r>
+              <a:rPr lang="zh-CN" b="1"/>
+              <a:t>指针</a:t>
+            </a:r>
+            <a:r>
+              <a:rPr lang="zh-CN"/>
+              <a:t>和</a:t>
+            </a:r>
+            <a:r>
+              <a:rPr lang="zh-CN" b="1"/>
+              <a:t>长度</a:t>
+            </a:r>
+            <a:r>
+              <a:rPr lang="zh-CN"/>
+              <a:t>做接口的好处是，可以通过给指针加减运算，选择其中一部分连续的元素来打印，而不一定全部打印出来。</a:t>
+            </a:r>
+            <a:endParaRPr lang="zh-CN"/>
+          </a:p>
           <a:p>
             <a:r>
               <a:rPr lang="zh-CN">
                 <a:sym typeface="+mn-ea"/>
               </a:rPr>
-              <a:t>然而</a:t>
-            </a:r>
-            <a:r>
-              <a:rPr lang="en-US" altLang="zh-CN">
-                <a:sym typeface="+mn-ea"/>
-              </a:rPr>
-              <a:t> list </a:t>
+              <a:t>比如这里我们选择打印</a:t>
+            </a:r>
+            <a:r>
+              <a:rPr lang="zh-CN" b="1">
+                <a:sym typeface="+mn-ea"/>
+              </a:rPr>
+              <a:t>前三个元素</a:t>
+            </a:r>
+            <a:r>
+              <a:rPr lang="zh-CN">
+                <a:sym typeface="+mn-ea"/>
+              </a:rPr>
+              <a:t>（去掉了最后一个元素，但不必用</a:t>
+            </a:r>
+            <a:r>
+              <a:rPr lang="en-US" altLang="zh-CN">
+                <a:sym typeface="+mn-ea"/>
+              </a:rPr>
+              <a:t> pop_back </a:t>
             </a:r>
             <a:r>
               <a:rPr lang="zh-CN" altLang="en-US">
                 <a:sym typeface="+mn-ea"/>
               </a:rPr>
-              <a:t>却提供了</a:t>
-            </a:r>
-            <a:r>
-              <a:rPr lang="en-US" altLang="zh-CN">
-                <a:sym typeface="+mn-ea"/>
-              </a:rPr>
-              <a:t> begin() </a:t>
+              <a:t>修改数组，只要传参数的时候修改一下</a:t>
+            </a:r>
+            <a:r>
+              <a:rPr lang="zh-CN" altLang="en-US" b="1">
+                <a:sym typeface="+mn-ea"/>
+              </a:rPr>
+              <a:t>长度</a:t>
+            </a:r>
+            <a:r>
+              <a:rPr lang="en-US" altLang="zh-CN">
+                <a:sym typeface="+mn-ea"/>
+              </a:rPr>
+              <a:t> </a:t>
             </a:r>
             <a:r>
               <a:rPr lang="zh-CN" altLang="en-US">
                 <a:sym typeface="+mn-ea"/>
               </a:rPr>
-              <a:t>和</a:t>
-            </a:r>
-            <a:r>
-              <a:rPr lang="en-US" altLang="zh-CN">
-                <a:sym typeface="+mn-ea"/>
-              </a:rPr>
-              <a:t> end() </a:t>
-            </a:r>
-            <a:r>
-              <a:rPr lang="zh-CN" altLang="en-US">
-                <a:sym typeface="+mn-ea"/>
-              </a:rPr>
-              <a:t>函数，他们会返回两个</a:t>
-            </a:r>
-            <a:r>
-              <a:rPr lang="en-US" altLang="zh-CN">
-                <a:sym typeface="+mn-ea"/>
-              </a:rPr>
-              <a:t> list&lt;char&gt;::iterator </a:t>
-            </a:r>
-            <a:r>
-              <a:rPr lang="zh-CN" altLang="en-US">
-                <a:sym typeface="+mn-ea"/>
-              </a:rPr>
-              <a:t>对象。</a:t>
-            </a:r>
-            <a:endParaRPr lang="zh-CN" altLang="en-US">
-              <a:sym typeface="+mn-ea"/>
-            </a:endParaRPr>
-          </a:p>
-          <a:p>
-            <a:r>
-              <a:rPr lang="zh-CN" altLang="en-US">
-                <a:sym typeface="+mn-ea"/>
-              </a:rPr>
-              <a:t>这个</a:t>
-            </a:r>
-            <a:r>
-              <a:rPr lang="en-US" altLang="zh-CN">
-                <a:sym typeface="+mn-ea"/>
-              </a:rPr>
-              <a:t> list&lt;char&gt;::iterator </a:t>
-            </a:r>
-            <a:r>
-              <a:rPr lang="zh-CN" altLang="en-US">
-                <a:sym typeface="+mn-ea"/>
-              </a:rPr>
-              <a:t>是一个特殊定义过的类型，其具有</a:t>
-            </a:r>
-            <a:r>
-              <a:rPr lang="en-US" altLang="zh-CN">
-                <a:sym typeface="+mn-ea"/>
-              </a:rPr>
-              <a:t> != </a:t>
-            </a:r>
-            <a:r>
-              <a:rPr lang="zh-CN" altLang="en-US">
-                <a:sym typeface="+mn-ea"/>
-              </a:rPr>
-              <a:t>和</a:t>
-            </a:r>
-            <a:r>
-              <a:rPr lang="en-US" altLang="zh-CN">
-                <a:sym typeface="+mn-ea"/>
-              </a:rPr>
-              <a:t> ++ </a:t>
-            </a:r>
-            <a:r>
-              <a:rPr lang="zh-CN" altLang="en-US">
-                <a:sym typeface="+mn-ea"/>
-              </a:rPr>
-              <a:t>以及</a:t>
-            </a:r>
-            <a:r>
-              <a:rPr lang="en-US" altLang="zh-CN">
-                <a:sym typeface="+mn-ea"/>
-              </a:rPr>
-              <a:t> * </a:t>
-            </a:r>
-            <a:r>
-              <a:rPr lang="zh-CN" altLang="en-US">
-                <a:sym typeface="+mn-ea"/>
-              </a:rPr>
-              <a:t>这些</a:t>
-            </a:r>
-            <a:r>
-              <a:rPr lang="zh-CN" altLang="en-US" b="1">
-                <a:sym typeface="+mn-ea"/>
-              </a:rPr>
-              <a:t>运算符的重载</a:t>
-            </a:r>
-            <a:r>
-              <a:rPr lang="zh-CN" altLang="en-US">
-                <a:sym typeface="+mn-ea"/>
-              </a:rPr>
-              <a:t>。所以用起来就像普通的指针一样。而这些运算符重载，却会</a:t>
-            </a:r>
-            <a:r>
-              <a:rPr lang="zh-CN" altLang="en-US" b="1">
-                <a:sym typeface="+mn-ea"/>
-              </a:rPr>
-              <a:t>把</a:t>
-            </a:r>
-            <a:r>
-              <a:rPr lang="en-US" altLang="zh-CN" b="1">
-                <a:sym typeface="+mn-ea"/>
-              </a:rPr>
-              <a:t> ++ </a:t>
-            </a:r>
-            <a:r>
-              <a:rPr lang="zh-CN" altLang="en-US" b="1">
-                <a:sym typeface="+mn-ea"/>
-              </a:rPr>
-              <a:t>对应到</a:t>
-            </a:r>
-            <a:r>
-              <a:rPr lang="en-US" altLang="zh-CN" b="1">
-                <a:sym typeface="+mn-ea"/>
-              </a:rPr>
-              <a:t> </a:t>
-            </a:r>
-            <a:r>
-              <a:rPr lang="zh-CN" altLang="en-US" b="1">
-                <a:sym typeface="+mn-ea"/>
-              </a:rPr>
-              <a:t>链表的</a:t>
-            </a:r>
-            <a:r>
-              <a:rPr lang="en-US" altLang="zh-CN" b="1">
-                <a:sym typeface="+mn-ea"/>
-              </a:rPr>
-              <a:t> curr = curr-&gt;next </a:t>
-            </a:r>
-            <a:r>
-              <a:rPr lang="zh-CN" altLang="en-US" b="1">
-                <a:sym typeface="+mn-ea"/>
-              </a:rPr>
-              <a:t>上</a:t>
-            </a:r>
-            <a:r>
-              <a:rPr lang="zh-CN" altLang="en-US">
-                <a:sym typeface="+mn-ea"/>
-              </a:rPr>
-              <a:t>。</a:t>
-            </a:r>
-            <a:endParaRPr lang="zh-CN" altLang="en-US">
-              <a:sym typeface="+mn-ea"/>
-            </a:endParaRPr>
-          </a:p>
-          <a:p>
-            <a:r>
-              <a:rPr lang="zh-CN" altLang="en-US">
-                <a:sym typeface="+mn-ea"/>
-              </a:rPr>
-              <a:t>这样一个用起来就像普通的指针，但内部却通过运算符重载适配不同容器的特殊类，就是</a:t>
-            </a:r>
-            <a:r>
-              <a:rPr lang="zh-CN" altLang="en-US" b="1">
-                <a:sym typeface="+mn-ea"/>
-              </a:rPr>
-              <a:t>迭代器</a:t>
-            </a:r>
-            <a:r>
-              <a:rPr lang="en-US" altLang="zh-CN" b="1">
-                <a:sym typeface="+mn-ea"/>
-              </a:rPr>
-              <a:t>(iterator)</a:t>
-            </a:r>
-            <a:r>
-              <a:rPr lang="zh-CN" altLang="en-US">
-                <a:sym typeface="+mn-ea"/>
-              </a:rPr>
-              <a:t>，迭代器是</a:t>
-            </a:r>
-            <a:r>
-              <a:rPr lang="en-US" altLang="zh-CN">
-                <a:sym typeface="+mn-ea"/>
-              </a:rPr>
-              <a:t> STL </a:t>
-            </a:r>
-            <a:r>
-              <a:rPr lang="zh-CN" altLang="en-US">
-                <a:sym typeface="+mn-ea"/>
-              </a:rPr>
-              <a:t>中</a:t>
-            </a:r>
-            <a:r>
-              <a:rPr lang="zh-CN" altLang="en-US" b="1">
-                <a:sym typeface="+mn-ea"/>
-              </a:rPr>
-              <a:t>容器</a:t>
-            </a:r>
-            <a:r>
-              <a:rPr lang="zh-CN" altLang="en-US">
-                <a:sym typeface="+mn-ea"/>
-              </a:rPr>
-              <a:t>和</a:t>
-            </a:r>
-            <a:r>
-              <a:rPr lang="zh-CN" altLang="en-US" b="1">
-                <a:sym typeface="+mn-ea"/>
-              </a:rPr>
-              <a:t>算法</a:t>
-            </a:r>
-            <a:r>
-              <a:rPr lang="zh-CN" altLang="en-US">
-                <a:sym typeface="+mn-ea"/>
-              </a:rPr>
-              <a:t>之间的桥梁。</a:t>
-            </a:r>
-            <a:endParaRPr lang="zh-CN" altLang="en-US">
+              <a:t>部分即可</a:t>
+            </a:r>
+            <a:r>
+              <a:rPr lang="zh-CN">
+                <a:sym typeface="+mn-ea"/>
+              </a:rPr>
+              <a:t>）。</a:t>
+            </a:r>
+            <a:endParaRPr lang="zh-CN">
               <a:solidFill>
                 <a:schemeClr val="accent5">
                   <a:lumMod val="75000"/>
@@ -17418,7 +16988,7 @@
       </p:sp>
       <p:pic>
         <p:nvPicPr>
-          <p:cNvPr id="6" name="Content Placeholder 5"/>
+          <p:cNvPr id="9" name="Content Placeholder 8"/>
           <p:cNvPicPr>
             <a:picLocks noChangeAspect="1"/>
           </p:cNvPicPr>
@@ -17434,8 +17004,8 @@
         </p:blipFill>
         <p:spPr>
           <a:xfrm>
-            <a:off x="5981700" y="1734820"/>
-            <a:ext cx="5913120" cy="4032885"/>
+            <a:off x="6005195" y="2470785"/>
+            <a:ext cx="5134610" cy="3061335"/>
           </a:xfrm>
           <a:prstGeom prst="rect">
             <a:avLst/>
@@ -17444,7 +17014,7 @@
       </p:pic>
       <p:pic>
         <p:nvPicPr>
-          <p:cNvPr id="7" name="Picture 6"/>
+          <p:cNvPr id="10" name="Picture 9"/>
           <p:cNvPicPr>
             <a:picLocks noChangeAspect="1"/>
           </p:cNvPicPr>
@@ -17458,14 +17028,45 @@
         </p:blipFill>
         <p:spPr>
           <a:xfrm>
-            <a:off x="216535" y="3226435"/>
-            <a:ext cx="331470" cy="1521460"/>
+            <a:off x="198120" y="3438525"/>
+            <a:ext cx="370840" cy="1126490"/>
           </a:xfrm>
           <a:prstGeom prst="rect">
             <a:avLst/>
           </a:prstGeom>
         </p:spPr>
       </p:pic>
+      <p:cxnSp>
+        <p:nvCxnSpPr>
+          <p:cNvPr id="11" name="Straight Connector 10"/>
+          <p:cNvCxnSpPr/>
+          <p:nvPr/>
+        </p:nvCxnSpPr>
+        <p:spPr>
+          <a:xfrm>
+            <a:off x="8491855" y="4961255"/>
+            <a:ext cx="1440815" cy="0"/>
+          </a:xfrm>
+          <a:prstGeom prst="line">
+            <a:avLst/>
+          </a:prstGeom>
+          <a:ln w="25400"/>
+        </p:spPr>
+        <p:style>
+          <a:lnRef idx="1">
+            <a:schemeClr val="accent1"/>
+          </a:lnRef>
+          <a:fillRef idx="0">
+            <a:schemeClr val="accent1"/>
+          </a:fillRef>
+          <a:effectRef idx="0">
+            <a:schemeClr val="accent1"/>
+          </a:effectRef>
+          <a:fontRef idx="minor">
+            <a:schemeClr val="tx1"/>
+          </a:fontRef>
+        </p:style>
+      </p:cxnSp>
     </p:spTree>
   </p:cSld>
   <p:clrMapOvr>
@@ -17484,6 +17085,32 @@
         <p:nvPr/>
       </p:nvGrpSpPr>
       <p:grpSpPr/>
+      <p:pic>
+        <p:nvPicPr>
+          <p:cNvPr id="5" name="Content Placeholder 4"/>
+          <p:cNvPicPr>
+            <a:picLocks noChangeAspect="1"/>
+          </p:cNvPicPr>
+          <p:nvPr>
+            <p:ph sz="half" idx="2"/>
+          </p:nvPr>
+        </p:nvPicPr>
+        <p:blipFill>
+          <a:blip r:embed="rId1"/>
+          <a:stretch>
+            <a:fillRect/>
+          </a:stretch>
+        </p:blipFill>
+        <p:spPr>
+          <a:xfrm>
+            <a:off x="5977890" y="2440940"/>
+            <a:ext cx="5188585" cy="3120390"/>
+          </a:xfrm>
+          <a:prstGeom prst="rect">
+            <a:avLst/>
+          </a:prstGeom>
+        </p:spPr>
+      </p:pic>
       <p:sp>
         <p:nvSpPr>
           <p:cNvPr id="2" name="Title 1"/>
@@ -17502,24 +17129,6 @@
               <a:rPr lang="zh-CN"/>
               <a:t>迭代器模式</a:t>
             </a:r>
-            <a:r>
-              <a:rPr lang="zh-CN">
-                <a:sym typeface="+mn-ea"/>
-              </a:rPr>
-              <a:t>：</a:t>
-            </a:r>
-            <a:r>
-              <a:rPr lang="zh-CN">
-                <a:sym typeface="+mn-ea"/>
-              </a:rPr>
-              <a:t>首</a:t>
-            </a:r>
-            <a:r>
-              <a:rPr lang="zh-CN">
-                <a:sym typeface="+mn-ea"/>
-              </a:rPr>
-              <a:t>迭代器＋尾迭代器</a:t>
-            </a:r>
             <a:endParaRPr lang="zh-CN"/>
           </a:p>
         </p:txBody>
@@ -17534,177 +17143,94 @@
             <p:ph sz="half" idx="1"/>
           </p:nvPr>
         </p:nvSpPr>
-        <p:spPr>
-          <a:xfrm>
-            <a:off x="647700" y="1316990"/>
-            <a:ext cx="5538470" cy="5340350"/>
-          </a:xfrm>
-        </p:spPr>
-        <p:txBody>
-          <a:bodyPr>
-            <a:normAutofit lnSpcReduction="20000"/>
-          </a:bodyPr>
+        <p:spPr/>
+        <p:txBody>
+          <a:bodyPr/>
+          <a:p>
+            <a:r>
+              <a:rPr lang="zh-CN"/>
+              <a:t>使用</a:t>
+            </a:r>
+            <a:r>
+              <a:rPr lang="zh-CN" b="1"/>
+              <a:t>指针</a:t>
+            </a:r>
+            <a:r>
+              <a:rPr lang="zh-CN"/>
+              <a:t>和</a:t>
+            </a:r>
+            <a:r>
+              <a:rPr lang="zh-CN" b="1"/>
+              <a:t>长度</a:t>
+            </a:r>
+            <a:r>
+              <a:rPr lang="zh-CN"/>
+              <a:t>做接口的好处是，可以通过给指针加减运算，选择其中一部分连续的元素来打印，而不一定全部打印出来。</a:t>
+            </a:r>
+            <a:endParaRPr lang="zh-CN"/>
+          </a:p>
           <a:p>
             <a:r>
               <a:rPr lang="zh-CN">
                 <a:sym typeface="+mn-ea"/>
               </a:rPr>
-              <a:t>如果让小彭老师来写</a:t>
-            </a:r>
-            <a:r>
-              <a:rPr lang="en-US" altLang="zh-CN">
-                <a:sym typeface="+mn-ea"/>
-              </a:rPr>
-              <a:t> list </a:t>
+              <a:t>比如这里我们选择打印</a:t>
+            </a:r>
+            <a:r>
+              <a:rPr lang="zh-CN" b="1">
+                <a:sym typeface="+mn-ea"/>
+              </a:rPr>
+              <a:t>后三个元素</a:t>
+            </a:r>
+            <a:r>
+              <a:rPr lang="zh-CN">
+                <a:sym typeface="+mn-ea"/>
+              </a:rPr>
+              <a:t>（去掉了第一个元素，但不必用</a:t>
+            </a:r>
+            <a:r>
+              <a:rPr lang="en-US" altLang="zh-CN">
+                <a:sym typeface="+mn-ea"/>
+              </a:rPr>
+              <a:t> erase </a:t>
             </a:r>
             <a:r>
               <a:rPr lang="zh-CN" altLang="en-US">
                 <a:sym typeface="+mn-ea"/>
               </a:rPr>
-              <a:t>容器和他的迭代器，他的内部具体实现可能是这样的。</a:t>
-            </a:r>
-            <a:endParaRPr lang="zh-CN" altLang="en-US">
-              <a:sym typeface="+mn-ea"/>
-            </a:endParaRPr>
-          </a:p>
-          <a:p>
+              <a:t>修改数组，只要传参数的时候同时修改</a:t>
+            </a:r>
+            <a:r>
+              <a:rPr lang="zh-CN" altLang="en-US" b="1">
+                <a:sym typeface="+mn-ea"/>
+              </a:rPr>
+              <a:t>指针</a:t>
+            </a:r>
             <a:r>
               <a:rPr lang="zh-CN" altLang="en-US">
                 <a:sym typeface="+mn-ea"/>
               </a:rPr>
-              <a:t>迭代器的这些运算符，都是约定俗成的，其根本目的在于模仿指针的行为，方便来自</a:t>
-            </a:r>
-            <a:r>
-              <a:rPr lang="en-US" altLang="zh-CN">
-                <a:sym typeface="+mn-ea"/>
-              </a:rPr>
-              <a:t> C </a:t>
+              <a:t>和</a:t>
+            </a:r>
+            <a:r>
+              <a:rPr lang="zh-CN" altLang="en-US" b="1">
+                <a:sym typeface="+mn-ea"/>
+              </a:rPr>
+              <a:t>长度</a:t>
             </a:r>
             <a:r>
               <a:rPr lang="zh-CN" altLang="en-US">
                 <a:sym typeface="+mn-ea"/>
               </a:rPr>
-              <a:t>语言的程序员快速上手掌握</a:t>
-            </a:r>
-            <a:r>
-              <a:rPr lang="en-US" altLang="zh-CN">
-                <a:sym typeface="+mn-ea"/>
-              </a:rPr>
-              <a:t> C++ </a:t>
-            </a:r>
-            <a:r>
-              <a:rPr lang="zh-CN" altLang="en-US">
-                <a:sym typeface="+mn-ea"/>
-              </a:rPr>
-              <a:t>标准库。</a:t>
-            </a:r>
-            <a:endParaRPr lang="zh-CN" altLang="en-US">
-              <a:sym typeface="+mn-ea"/>
-            </a:endParaRPr>
-          </a:p>
-          <a:p>
-            <a:r>
-              <a:rPr lang="zh-CN" altLang="en-US">
-                <a:sym typeface="+mn-ea"/>
-              </a:rPr>
-              <a:t>虽然你也可以用函数名</a:t>
-            </a:r>
-            <a:r>
-              <a:rPr lang="en-US" altLang="zh-CN">
-                <a:sym typeface="+mn-ea"/>
-              </a:rPr>
-              <a:t> gotoNext() </a:t>
-            </a:r>
-            <a:r>
-              <a:rPr lang="zh-CN" altLang="en-US">
-                <a:sym typeface="+mn-ea"/>
-              </a:rPr>
-              <a:t>代替</a:t>
-            </a:r>
-            <a:r>
-              <a:rPr lang="en-US" altLang="zh-CN">
-                <a:sym typeface="+mn-ea"/>
-              </a:rPr>
-              <a:t> ++</a:t>
-            </a:r>
-            <a:r>
-              <a:rPr lang="zh-CN" altLang="en-US">
-                <a:sym typeface="+mn-ea"/>
-              </a:rPr>
-              <a:t>，用</a:t>
-            </a:r>
-            <a:r>
-              <a:rPr lang="en-US" altLang="zh-CN">
-                <a:sym typeface="+mn-ea"/>
-              </a:rPr>
-              <a:t> getElement() </a:t>
-            </a:r>
-            <a:r>
-              <a:rPr lang="zh-CN" altLang="en-US">
-                <a:sym typeface="+mn-ea"/>
-              </a:rPr>
-              <a:t>代替</a:t>
-            </a:r>
-            <a:r>
-              <a:rPr lang="en-US" altLang="zh-CN">
-                <a:sym typeface="+mn-ea"/>
-              </a:rPr>
-              <a:t> *</a:t>
-            </a:r>
-            <a:r>
-              <a:rPr lang="zh-CN" altLang="en-US">
-                <a:sym typeface="+mn-ea"/>
-              </a:rPr>
-              <a:t>，</a:t>
-            </a:r>
-            <a:r>
-              <a:rPr lang="en-US" altLang="zh-CN">
-                <a:sym typeface="+mn-ea"/>
-              </a:rPr>
-              <a:t>notReach() </a:t>
-            </a:r>
-            <a:r>
-              <a:rPr lang="zh-CN" altLang="en-US">
-                <a:sym typeface="+mn-ea"/>
-              </a:rPr>
-              <a:t>代替</a:t>
-            </a:r>
-            <a:r>
-              <a:rPr lang="en-US" altLang="zh-CN">
-                <a:sym typeface="+mn-ea"/>
-              </a:rPr>
-              <a:t> !=</a:t>
-            </a:r>
-            <a:r>
-              <a:rPr lang="zh-CN" altLang="en-US">
-                <a:sym typeface="+mn-ea"/>
-              </a:rPr>
-              <a:t>。但是模仿指针行为的这些运算符，已然成为了</a:t>
-            </a:r>
-            <a:r>
-              <a:rPr lang="en-US" altLang="zh-CN">
-                <a:sym typeface="+mn-ea"/>
-              </a:rPr>
-              <a:t> C++ </a:t>
-            </a:r>
-            <a:r>
-              <a:rPr lang="zh-CN" altLang="en-US">
-                <a:sym typeface="+mn-ea"/>
-              </a:rPr>
-              <a:t>事实上的标准，而且也非常直观易懂。</a:t>
-            </a:r>
-            <a:endParaRPr lang="zh-CN" altLang="en-US">
-              <a:sym typeface="+mn-ea"/>
-            </a:endParaRPr>
-          </a:p>
-          <a:p>
-            <a:r>
-              <a:rPr lang="zh-CN" altLang="en-US">
-                <a:sym typeface="+mn-ea"/>
-              </a:rPr>
-              <a:t>因此所有的用户和库，都会按照这套运算符标准来实现和使用迭代器，节省了各自创立一套规范的成本。</a:t>
-            </a:r>
-            <a:endParaRPr lang="zh-CN" altLang="en-US">
+              <a:t>部分即可</a:t>
+            </a:r>
+            <a:r>
+              <a:rPr lang="zh-CN">
+                <a:sym typeface="+mn-ea"/>
+              </a:rPr>
+              <a:t>）。</a:t>
+            </a:r>
+            <a:endParaRPr lang="zh-CN">
               <a:solidFill>
                 <a:schemeClr val="accent5">
                   <a:lumMod val="75000"/>
@@ -17715,26 +17241,86 @@
           </a:p>
         </p:txBody>
       </p:sp>
+      <p:cxnSp>
+        <p:nvCxnSpPr>
+          <p:cNvPr id="11" name="Straight Connector 10"/>
+          <p:cNvCxnSpPr/>
+          <p:nvPr/>
+        </p:nvCxnSpPr>
+        <p:spPr>
+          <a:xfrm>
+            <a:off x="8910955" y="4940300"/>
+            <a:ext cx="1440815" cy="0"/>
+          </a:xfrm>
+          <a:prstGeom prst="line">
+            <a:avLst/>
+          </a:prstGeom>
+          <a:ln w="25400"/>
+        </p:spPr>
+        <p:style>
+          <a:lnRef idx="1">
+            <a:schemeClr val="accent1"/>
+          </a:lnRef>
+          <a:fillRef idx="0">
+            <a:schemeClr val="accent1"/>
+          </a:fillRef>
+          <a:effectRef idx="0">
+            <a:schemeClr val="accent1"/>
+          </a:effectRef>
+          <a:fontRef idx="minor">
+            <a:schemeClr val="tx1"/>
+          </a:fontRef>
+        </p:style>
+      </p:cxnSp>
+      <p:cxnSp>
+        <p:nvCxnSpPr>
+          <p:cNvPr id="6" name="Straight Connector 5"/>
+          <p:cNvCxnSpPr/>
+          <p:nvPr/>
+        </p:nvCxnSpPr>
+        <p:spPr>
+          <a:xfrm>
+            <a:off x="7198360" y="4940300"/>
+            <a:ext cx="1440815" cy="0"/>
+          </a:xfrm>
+          <a:prstGeom prst="line">
+            <a:avLst/>
+          </a:prstGeom>
+          <a:ln w="25400"/>
+        </p:spPr>
+        <p:style>
+          <a:lnRef idx="1">
+            <a:schemeClr val="accent1"/>
+          </a:lnRef>
+          <a:fillRef idx="0">
+            <a:schemeClr val="accent1"/>
+          </a:fillRef>
+          <a:effectRef idx="0">
+            <a:schemeClr val="accent1"/>
+          </a:effectRef>
+          <a:fontRef idx="minor">
+            <a:schemeClr val="tx1"/>
+          </a:fontRef>
+        </p:style>
+      </p:cxnSp>
       <p:pic>
         <p:nvPicPr>
-          <p:cNvPr id="9" name="Content Placeholder 8"/>
+          <p:cNvPr id="7" name="Picture 6"/>
           <p:cNvPicPr>
             <a:picLocks noChangeAspect="1"/>
           </p:cNvPicPr>
-          <p:nvPr>
-            <p:ph sz="half" idx="2"/>
-          </p:nvPr>
+          <p:nvPr/>
         </p:nvPicPr>
         <p:blipFill>
-          <a:blip r:embed="rId1"/>
+          <a:blip r:embed="rId2"/>
           <a:stretch>
             <a:fillRect/>
           </a:stretch>
         </p:blipFill>
         <p:spPr>
           <a:xfrm>
-            <a:off x="6571615" y="-18415"/>
-            <a:ext cx="5620385" cy="6876415"/>
+            <a:off x="123825" y="3567430"/>
+            <a:ext cx="456565" cy="867410"/>
           </a:xfrm>
           <a:prstGeom prst="rect">
             <a:avLst/>
@@ -17774,32 +17360,10 @@
           <a:bodyPr/>
           <a:p>
             <a:r>
-              <a:rPr lang="zh-CN">
-                <a:sym typeface="+mn-ea"/>
-              </a:rPr>
+              <a:rPr lang="zh-CN"/>
               <a:t>迭代器模式</a:t>
             </a:r>
-            <a:r>
-              <a:rPr lang="zh-CN">
-                <a:sym typeface="+mn-ea"/>
-              </a:rPr>
-              <a:t>：</a:t>
-            </a:r>
-            <a:r>
-              <a:rPr lang="en-US" altLang="zh-CN">
-                <a:sym typeface="+mn-ea"/>
-              </a:rPr>
-              <a:t>++ </a:t>
-            </a:r>
-            <a:r>
-              <a:rPr lang="zh-CN" altLang="en-US">
-                <a:sym typeface="+mn-ea"/>
-              </a:rPr>
-              <a:t>的前置和后置</a:t>
-            </a:r>
-            <a:endParaRPr lang="zh-CN" altLang="en-US">
-              <a:sym typeface="+mn-ea"/>
-            </a:endParaRPr>
+            <a:endParaRPr lang="zh-CN"/>
           </a:p>
         </p:txBody>
       </p:sp>
@@ -17817,28 +17381,236 @@
         <p:txBody>
           <a:bodyPr/>
           <a:p>
-            <a:endParaRPr lang="en-US"/>
-          </a:p>
-        </p:txBody>
-      </p:sp>
-      <p:sp>
-        <p:nvSpPr>
-          <p:cNvPr id="4" name="Content Placeholder 3"/>
-          <p:cNvSpPr>
-            <a:spLocks noGrp="1"/>
-          </p:cNvSpPr>
+            <a:r>
+              <a:rPr lang="zh-CN" b="1"/>
+              <a:t>首地址指针</a:t>
+            </a:r>
+            <a:r>
+              <a:rPr lang="zh-CN"/>
+              <a:t>和</a:t>
+            </a:r>
+            <a:r>
+              <a:rPr lang="zh-CN" b="1"/>
+              <a:t>数组长度</a:t>
+            </a:r>
+            <a:r>
+              <a:rPr lang="zh-CN"/>
+              <a:t>看起来不太对称。</a:t>
+            </a:r>
+            <a:endParaRPr lang="zh-CN"/>
+          </a:p>
+          <a:p>
+            <a:r>
+              <a:rPr lang="en-US" altLang="zh-CN">
+                <a:solidFill>
+                  <a:schemeClr val="accent5">
+                    <a:lumMod val="75000"/>
+                  </a:schemeClr>
+                </a:solidFill>
+                <a:sym typeface="+mn-ea"/>
+              </a:rPr>
+              <a:t>print(char const *begptr, size_t size);</a:t>
+            </a:r>
+            <a:endParaRPr lang="en-US" altLang="zh-CN">
+              <a:solidFill>
+                <a:schemeClr val="accent5">
+                  <a:lumMod val="75000"/>
+                </a:schemeClr>
+              </a:solidFill>
+              <a:sym typeface="+mn-ea"/>
+            </a:endParaRPr>
+          </a:p>
+          <a:p>
+            <a:r>
+              <a:rPr lang="zh-CN">
+                <a:sym typeface="+mn-ea"/>
+              </a:rPr>
+              <a:t>不妨改用</a:t>
+            </a:r>
+            <a:r>
+              <a:rPr lang="zh-CN" b="1">
+                <a:sym typeface="+mn-ea"/>
+              </a:rPr>
+              <a:t>首地址指针</a:t>
+            </a:r>
+            <a:r>
+              <a:rPr lang="zh-CN">
+                <a:sym typeface="+mn-ea"/>
+              </a:rPr>
+              <a:t>和</a:t>
+            </a:r>
+            <a:r>
+              <a:rPr lang="zh-CN" b="1">
+                <a:sym typeface="+mn-ea"/>
+              </a:rPr>
+              <a:t>尾地址指针</a:t>
+            </a:r>
+            <a:r>
+              <a:rPr lang="zh-CN">
+                <a:sym typeface="+mn-ea"/>
+              </a:rPr>
+              <a:t>如何？</a:t>
+            </a:r>
+            <a:endParaRPr lang="zh-CN">
+              <a:sym typeface="+mn-ea"/>
+            </a:endParaRPr>
+          </a:p>
+          <a:p>
+            <a:r>
+              <a:rPr lang="en-US" altLang="zh-CN">
+                <a:solidFill>
+                  <a:schemeClr val="accent5">
+                    <a:lumMod val="75000"/>
+                  </a:schemeClr>
+                </a:solidFill>
+                <a:sym typeface="+mn-ea"/>
+              </a:rPr>
+              <a:t>print(char const *begptr, size_t endptr);</a:t>
+            </a:r>
+            <a:endParaRPr lang="en-US" altLang="zh-CN">
+              <a:solidFill>
+                <a:schemeClr val="accent5">
+                  <a:lumMod val="75000"/>
+                </a:schemeClr>
+              </a:solidFill>
+              <a:sym typeface="+mn-ea"/>
+            </a:endParaRPr>
+          </a:p>
+          <a:p>
+            <a:r>
+              <a:rPr lang="zh-CN">
+                <a:sym typeface="+mn-ea"/>
+              </a:rPr>
+              <a:t>注意看，我们在</a:t>
+            </a:r>
+            <a:r>
+              <a:rPr lang="en-US" altLang="zh-CN">
+                <a:sym typeface="+mn-ea"/>
+              </a:rPr>
+              <a:t> print </a:t>
+            </a:r>
+            <a:r>
+              <a:rPr lang="zh-CN" altLang="en-US">
+                <a:sym typeface="+mn-ea"/>
+              </a:rPr>
+              <a:t>里也不是用</a:t>
+            </a:r>
+            <a:r>
+              <a:rPr lang="zh-CN" altLang="en-US" b="1">
+                <a:sym typeface="+mn-ea"/>
+              </a:rPr>
+              <a:t>数组下标</a:t>
+            </a:r>
+            <a:r>
+              <a:rPr lang="zh-CN" altLang="en-US">
+                <a:sym typeface="+mn-ea"/>
+              </a:rPr>
+              <a:t>去迭代，而是用</a:t>
+            </a:r>
+            <a:r>
+              <a:rPr lang="zh-CN" altLang="en-US" b="1">
+                <a:sym typeface="+mn-ea"/>
+              </a:rPr>
+              <a:t>指针</a:t>
+            </a:r>
+            <a:r>
+              <a:rPr lang="zh-CN" altLang="en-US">
+                <a:sym typeface="+mn-ea"/>
+              </a:rPr>
+              <a:t>作为迭代变量了。</a:t>
+            </a:r>
+            <a:endParaRPr lang="zh-CN">
+              <a:solidFill>
+                <a:schemeClr val="accent5">
+                  <a:lumMod val="75000"/>
+                </a:schemeClr>
+              </a:solidFill>
+              <a:sym typeface="+mn-ea"/>
+            </a:endParaRPr>
+          </a:p>
+        </p:txBody>
+      </p:sp>
+      <p:pic>
+        <p:nvPicPr>
+          <p:cNvPr id="8" name="Content Placeholder 7"/>
+          <p:cNvPicPr>
+            <a:picLocks noChangeAspect="1"/>
+          </p:cNvPicPr>
           <p:nvPr>
             <p:ph sz="half" idx="2"/>
           </p:nvPr>
-        </p:nvSpPr>
-        <p:spPr/>
-        <p:txBody>
-          <a:bodyPr/>
-          <a:p>
-            <a:endParaRPr lang="en-US"/>
-          </a:p>
-        </p:txBody>
-      </p:sp>
+        </p:nvPicPr>
+        <p:blipFill>
+          <a:blip r:embed="rId1"/>
+          <a:stretch>
+            <a:fillRect/>
+          </a:stretch>
+        </p:blipFill>
+        <p:spPr>
+          <a:xfrm>
+            <a:off x="5976620" y="2426335"/>
+            <a:ext cx="5783580" cy="3149600"/>
+          </a:xfrm>
+          <a:prstGeom prst="rect">
+            <a:avLst/>
+          </a:prstGeom>
+        </p:spPr>
+      </p:pic>
+      <p:cxnSp>
+        <p:nvCxnSpPr>
+          <p:cNvPr id="9" name="Straight Connector 8"/>
+          <p:cNvCxnSpPr/>
+          <p:nvPr/>
+        </p:nvCxnSpPr>
+        <p:spPr>
+          <a:xfrm>
+            <a:off x="6472555" y="2886075"/>
+            <a:ext cx="5064760" cy="0"/>
+          </a:xfrm>
+          <a:prstGeom prst="line">
+            <a:avLst/>
+          </a:prstGeom>
+          <a:ln w="25400"/>
+        </p:spPr>
+        <p:style>
+          <a:lnRef idx="1">
+            <a:schemeClr val="accent1"/>
+          </a:lnRef>
+          <a:fillRef idx="0">
+            <a:schemeClr val="accent1"/>
+          </a:fillRef>
+          <a:effectRef idx="0">
+            <a:schemeClr val="accent1"/>
+          </a:effectRef>
+          <a:fontRef idx="minor">
+            <a:schemeClr val="tx1"/>
+          </a:fontRef>
+        </p:style>
+      </p:cxnSp>
+      <p:pic>
+        <p:nvPicPr>
+          <p:cNvPr id="10" name="Picture 9"/>
+          <p:cNvPicPr>
+            <a:picLocks noChangeAspect="1"/>
+          </p:cNvPicPr>
+          <p:nvPr/>
+        </p:nvPicPr>
+        <p:blipFill>
+          <a:blip r:embed="rId2"/>
+          <a:stretch>
+            <a:fillRect/>
+          </a:stretch>
+        </p:blipFill>
+        <p:spPr>
+          <a:xfrm>
+            <a:off x="165100" y="3505835"/>
+            <a:ext cx="333375" cy="990600"/>
+          </a:xfrm>
+          <a:prstGeom prst="rect">
+            <a:avLst/>
+          </a:prstGeom>
+        </p:spPr>
+      </p:pic>
     </p:spTree>
   </p:cSld>
   <p:clrMapOvr>
@@ -17857,35 +17629,9 @@
         <p:nvPr/>
       </p:nvGrpSpPr>
       <p:grpSpPr/>
-      <p:sp>
-        <p:nvSpPr>
-          <p:cNvPr id="2" name="Title 1"/>
-          <p:cNvSpPr>
-            <a:spLocks noGrp="1"/>
-          </p:cNvSpPr>
-          <p:nvPr>
-            <p:ph type="title"/>
-          </p:nvPr>
-        </p:nvSpPr>
-        <p:spPr/>
-        <p:txBody>
-          <a:bodyPr/>
-          <a:p>
-            <a:r>
-              <a:rPr lang="zh-CN"/>
-              <a:t>顺便宣传一下小彭老师的插件全家桶：</a:t>
-            </a:r>
-            <a:r>
-              <a:rPr lang="en-US" altLang="zh-CN"/>
-              <a:t>github.com/archibate/vimrc</a:t>
-            </a:r>
-            <a:endParaRPr lang="en-US" altLang="zh-CN"/>
-          </a:p>
-        </p:txBody>
-      </p:sp>
       <p:pic>
         <p:nvPicPr>
-          <p:cNvPr id="8" name="Content Placeholder 7"/>
+          <p:cNvPr id="5" name="Content Placeholder 4"/>
           <p:cNvPicPr>
             <a:picLocks noChangeAspect="1"/>
           </p:cNvPicPr>
@@ -17901,23 +17647,328 @@
         </p:blipFill>
         <p:spPr>
           <a:xfrm>
-            <a:off x="6691630" y="1480820"/>
-            <a:ext cx="5171440" cy="4893945"/>
+            <a:off x="5829300" y="1830070"/>
+            <a:ext cx="5793740" cy="3637280"/>
           </a:xfrm>
           <a:prstGeom prst="rect">
             <a:avLst/>
           </a:prstGeom>
         </p:spPr>
       </p:pic>
+      <p:sp>
+        <p:nvSpPr>
+          <p:cNvPr id="2" name="Title 1"/>
+          <p:cNvSpPr>
+            <a:spLocks noGrp="1"/>
+          </p:cNvSpPr>
+          <p:nvPr>
+            <p:ph type="title"/>
+          </p:nvPr>
+        </p:nvSpPr>
+        <p:spPr/>
+        <p:txBody>
+          <a:bodyPr/>
+          <a:p>
+            <a:r>
+              <a:rPr lang="zh-CN"/>
+              <a:t>迭代器模式：首指针＋</a:t>
+            </a:r>
+            <a:r>
+              <a:rPr lang="zh-CN">
+                <a:sym typeface="+mn-ea"/>
+              </a:rPr>
+              <a:t>尾指针</a:t>
+            </a:r>
+            <a:endParaRPr lang="zh-CN"/>
+          </a:p>
+        </p:txBody>
+      </p:sp>
+      <p:sp>
+        <p:nvSpPr>
+          <p:cNvPr id="3" name="Content Placeholder 2"/>
+          <p:cNvSpPr>
+            <a:spLocks noGrp="1"/>
+          </p:cNvSpPr>
+          <p:nvPr>
+            <p:ph sz="half" idx="1"/>
+          </p:nvPr>
+        </p:nvSpPr>
+        <p:spPr>
+          <a:xfrm>
+            <a:off x="647700" y="1734820"/>
+            <a:ext cx="5181600" cy="4504055"/>
+          </a:xfrm>
+        </p:spPr>
+        <p:txBody>
+          <a:bodyPr>
+            <a:normAutofit lnSpcReduction="10000"/>
+          </a:bodyPr>
+          <a:p>
+            <a:r>
+              <a:rPr lang="zh-CN">
+                <a:sym typeface="+mn-ea"/>
+              </a:rPr>
+              <a:t>改用</a:t>
+            </a:r>
+            <a:r>
+              <a:rPr lang="zh-CN" b="1">
+                <a:sym typeface="+mn-ea"/>
+              </a:rPr>
+              <a:t>首地址指针</a:t>
+            </a:r>
+            <a:r>
+              <a:rPr lang="zh-CN">
+                <a:sym typeface="+mn-ea"/>
+              </a:rPr>
+              <a:t>和</a:t>
+            </a:r>
+            <a:r>
+              <a:rPr lang="zh-CN" b="1">
+                <a:sym typeface="+mn-ea"/>
+              </a:rPr>
+              <a:t>尾地址指针</a:t>
+            </a:r>
+            <a:r>
+              <a:rPr lang="zh-CN">
+                <a:sym typeface="+mn-ea"/>
+              </a:rPr>
+              <a:t>以后，要特别注意一点：</a:t>
+            </a:r>
+            <a:r>
+              <a:rPr lang="zh-CN" b="1">
+                <a:sym typeface="+mn-ea"/>
+              </a:rPr>
+              <a:t>尾地址指针</a:t>
+            </a:r>
+            <a:r>
+              <a:rPr lang="zh-CN">
+                <a:sym typeface="+mn-ea"/>
+              </a:rPr>
+              <a:t>实际上是指向末尾元素再往后后一个元素的指针！</a:t>
+            </a:r>
+            <a:endParaRPr lang="zh-CN">
+              <a:sym typeface="+mn-ea"/>
+            </a:endParaRPr>
+          </a:p>
+          <a:p>
+            <a:r>
+              <a:rPr lang="zh-CN">
+                <a:sym typeface="+mn-ea"/>
+              </a:rPr>
+              <a:t>也就是说</a:t>
+            </a:r>
+            <a:r>
+              <a:rPr lang="zh-CN" b="1">
+                <a:sym typeface="+mn-ea"/>
+              </a:rPr>
+              <a:t>尾地址指针</a:t>
+            </a:r>
+            <a:r>
+              <a:rPr lang="zh-CN">
+                <a:sym typeface="+mn-ea"/>
+              </a:rPr>
+              <a:t>所指向的地方是无效的内存</a:t>
+            </a:r>
+            <a:r>
+              <a:rPr lang="en-US" altLang="zh-CN">
+                <a:sym typeface="+mn-ea"/>
+              </a:rPr>
+              <a:t> </a:t>
+            </a:r>
+            <a:r>
+              <a:rPr lang="en-US" altLang="zh-CN">
+                <a:solidFill>
+                  <a:schemeClr val="accent5">
+                    <a:lumMod val="75000"/>
+                  </a:schemeClr>
+                </a:solidFill>
+                <a:sym typeface="+mn-ea"/>
+              </a:rPr>
+              <a:t>a + a.size()</a:t>
+            </a:r>
+            <a:r>
+              <a:rPr lang="zh-CN">
+                <a:sym typeface="+mn-ea"/>
+              </a:rPr>
+              <a:t>，</a:t>
+            </a:r>
+            <a:r>
+              <a:rPr lang="zh-CN" b="1">
+                <a:sym typeface="+mn-ea"/>
+              </a:rPr>
+              <a:t>尾地址指针减</a:t>
+            </a:r>
+            <a:r>
+              <a:rPr lang="en-US" altLang="zh-CN" b="1">
+                <a:sym typeface="+mn-ea"/>
+              </a:rPr>
+              <a:t>1</a:t>
+            </a:r>
+            <a:r>
+              <a:rPr lang="zh-CN" altLang="en-US">
+                <a:sym typeface="+mn-ea"/>
+              </a:rPr>
+              <a:t>才是真正的末尾元素指针</a:t>
+            </a:r>
+            <a:r>
+              <a:rPr lang="en-US" altLang="zh-CN">
+                <a:sym typeface="+mn-ea"/>
+              </a:rPr>
+              <a:t> </a:t>
+            </a:r>
+            <a:r>
+              <a:rPr lang="en-US" altLang="zh-CN">
+                <a:solidFill>
+                  <a:schemeClr val="accent5">
+                    <a:lumMod val="75000"/>
+                  </a:schemeClr>
+                </a:solidFill>
+                <a:sym typeface="+mn-ea"/>
+              </a:rPr>
+              <a:t>a + a.size() - 1</a:t>
+            </a:r>
+            <a:r>
+              <a:rPr lang="zh-CN">
+                <a:sym typeface="+mn-ea"/>
+              </a:rPr>
+              <a:t>。</a:t>
+            </a:r>
+            <a:endParaRPr lang="zh-CN">
+              <a:sym typeface="+mn-ea"/>
+            </a:endParaRPr>
+          </a:p>
+          <a:p>
+            <a:r>
+              <a:rPr lang="zh-CN">
+                <a:sym typeface="+mn-ea"/>
+              </a:rPr>
+              <a:t>为什么要这样设计？因为如果用</a:t>
+            </a:r>
+            <a:r>
+              <a:rPr lang="en-US" altLang="zh-CN">
+                <a:sym typeface="+mn-ea"/>
+              </a:rPr>
+              <a:t> </a:t>
+            </a:r>
+            <a:r>
+              <a:rPr lang="en-US" altLang="zh-CN">
+                <a:solidFill>
+                  <a:schemeClr val="accent5">
+                    <a:lumMod val="75000"/>
+                  </a:schemeClr>
+                </a:solidFill>
+                <a:sym typeface="+mn-ea"/>
+              </a:rPr>
+              <a:t>a + a.size() - 1 </a:t>
+            </a:r>
+            <a:r>
+              <a:rPr lang="zh-CN" altLang="en-US">
+                <a:sym typeface="+mn-ea"/>
+              </a:rPr>
+              <a:t>也就是</a:t>
+            </a:r>
+            <a:r>
+              <a:rPr lang="en-US" altLang="zh-CN">
+                <a:sym typeface="+mn-ea"/>
+              </a:rPr>
+              <a:t> </a:t>
+            </a:r>
+            <a:r>
+              <a:rPr lang="en-US" altLang="zh-CN">
+                <a:solidFill>
+                  <a:schemeClr val="accent5">
+                    <a:lumMod val="75000"/>
+                  </a:schemeClr>
+                </a:solidFill>
+                <a:sym typeface="+mn-ea"/>
+              </a:rPr>
+              <a:t>&amp;a.back()</a:t>
+            </a:r>
+            <a:r>
+              <a:rPr lang="en-US" altLang="zh-CN">
+                <a:sym typeface="+mn-ea"/>
+              </a:rPr>
+              <a:t> </a:t>
+            </a:r>
+            <a:r>
+              <a:rPr lang="zh-CN" altLang="en-US">
+                <a:sym typeface="+mn-ea"/>
+              </a:rPr>
+              <a:t>作为尾地址指针，将无法表示</a:t>
+            </a:r>
+            <a:r>
+              <a:rPr lang="zh-CN" altLang="en-US" b="1">
+                <a:sym typeface="+mn-ea"/>
+              </a:rPr>
+              <a:t>数组长度为</a:t>
+            </a:r>
+            <a:r>
+              <a:rPr lang="en-US" altLang="zh-CN" b="1">
+                <a:sym typeface="+mn-ea"/>
+              </a:rPr>
+              <a:t> 0</a:t>
+            </a:r>
+            <a:r>
+              <a:rPr lang="en-US" altLang="zh-CN">
+                <a:sym typeface="+mn-ea"/>
+              </a:rPr>
+              <a:t> </a:t>
+            </a:r>
+            <a:r>
+              <a:rPr lang="zh-CN" altLang="en-US">
+                <a:sym typeface="+mn-ea"/>
+              </a:rPr>
+              <a:t>的情况。</a:t>
+            </a:r>
+            <a:endParaRPr lang="zh-CN" altLang="en-US">
+              <a:solidFill>
+                <a:schemeClr val="accent5">
+                  <a:lumMod val="75000"/>
+                </a:schemeClr>
+              </a:solidFill>
+              <a:sym typeface="+mn-ea"/>
+            </a:endParaRPr>
+          </a:p>
+        </p:txBody>
+      </p:sp>
+      <p:cxnSp>
+        <p:nvCxnSpPr>
+          <p:cNvPr id="9" name="Straight Connector 8"/>
+          <p:cNvCxnSpPr/>
+          <p:nvPr/>
+        </p:nvCxnSpPr>
+        <p:spPr>
+          <a:xfrm>
+            <a:off x="6257925" y="4756785"/>
+            <a:ext cx="3991610" cy="0"/>
+          </a:xfrm>
+          <a:prstGeom prst="line">
+            <a:avLst/>
+          </a:prstGeom>
+          <a:ln w="25400"/>
+        </p:spPr>
+        <p:style>
+          <a:lnRef idx="1">
+            <a:schemeClr val="accent1"/>
+          </a:lnRef>
+          <a:fillRef idx="0">
+            <a:schemeClr val="accent1"/>
+          </a:fillRef>
+          <a:effectRef idx="0">
+            <a:schemeClr val="accent1"/>
+          </a:effectRef>
+          <a:fontRef idx="minor">
+            <a:schemeClr val="tx1"/>
+          </a:fontRef>
+        </p:style>
+      </p:cxnSp>
       <p:pic>
         <p:nvPicPr>
-          <p:cNvPr id="10" name="Content Placeholder 9"/>
+          <p:cNvPr id="6" name="Picture 5"/>
           <p:cNvPicPr>
             <a:picLocks noChangeAspect="1"/>
           </p:cNvPicPr>
-          <p:nvPr>
-            <p:ph sz="half" idx="1"/>
-          </p:nvPr>
+          <p:nvPr/>
         </p:nvPicPr>
         <p:blipFill>
           <a:blip r:embed="rId2"/>
@@ -17927,8 +17978,1063 @@
         </p:blipFill>
         <p:spPr>
           <a:xfrm>
-            <a:off x="208280" y="1584325"/>
-            <a:ext cx="6285230" cy="4747260"/>
+            <a:off x="7910195" y="5467350"/>
+            <a:ext cx="1257300" cy="1390650"/>
+          </a:xfrm>
+          <a:prstGeom prst="rect">
+            <a:avLst/>
+          </a:prstGeom>
+        </p:spPr>
+      </p:pic>
+    </p:spTree>
+  </p:cSld>
+  <p:clrMapOvr>
+    <a:masterClrMapping/>
+  </p:clrMapOvr>
+</p:sld>
+</file>
+
+<file path=ppt/slides/slide66.xml><?xml version="1.0" encoding="utf-8"?>
+<p:sld xmlns:a="http://schemas.openxmlformats.org/drawingml/2006/main" xmlns:r="http://schemas.openxmlformats.org/officeDocument/2006/relationships" xmlns:p="http://schemas.openxmlformats.org/presentationml/2006/main">
+  <p:cSld>
+    <p:spTree>
+      <p:nvGrpSpPr>
+        <p:cNvPr id="1" name=""/>
+        <p:cNvGrpSpPr/>
+        <p:nvPr/>
+      </p:nvGrpSpPr>
+      <p:grpSpPr/>
+      <p:pic>
+        <p:nvPicPr>
+          <p:cNvPr id="12" name="Content Placeholder 11"/>
+          <p:cNvPicPr>
+            <a:picLocks noChangeAspect="1"/>
+          </p:cNvPicPr>
+          <p:nvPr>
+            <p:ph sz="half" idx="2"/>
+          </p:nvPr>
+        </p:nvPicPr>
+        <p:blipFill>
+          <a:blip r:embed="rId1"/>
+          <a:stretch>
+            <a:fillRect/>
+          </a:stretch>
+        </p:blipFill>
+        <p:spPr>
+          <a:xfrm>
+            <a:off x="5829300" y="2112010"/>
+            <a:ext cx="6060440" cy="3749675"/>
+          </a:xfrm>
+          <a:prstGeom prst="rect">
+            <a:avLst/>
+          </a:prstGeom>
+        </p:spPr>
+      </p:pic>
+      <p:sp>
+        <p:nvSpPr>
+          <p:cNvPr id="2" name="Title 1"/>
+          <p:cNvSpPr>
+            <a:spLocks noGrp="1"/>
+          </p:cNvSpPr>
+          <p:nvPr>
+            <p:ph type="title"/>
+          </p:nvPr>
+        </p:nvSpPr>
+        <p:spPr/>
+        <p:txBody>
+          <a:bodyPr/>
+          <a:p>
+            <a:r>
+              <a:rPr lang="zh-CN"/>
+              <a:t>迭代器模式：为什么尾指针要往后移动一格？</a:t>
+            </a:r>
+            <a:endParaRPr lang="zh-CN"/>
+          </a:p>
+        </p:txBody>
+      </p:sp>
+      <p:sp>
+        <p:nvSpPr>
+          <p:cNvPr id="3" name="Content Placeholder 2"/>
+          <p:cNvSpPr>
+            <a:spLocks noGrp="1"/>
+          </p:cNvSpPr>
+          <p:nvPr>
+            <p:ph sz="half" idx="1"/>
+          </p:nvPr>
+        </p:nvSpPr>
+        <p:spPr>
+          <a:xfrm>
+            <a:off x="647700" y="1734820"/>
+            <a:ext cx="5181600" cy="4504055"/>
+          </a:xfrm>
+        </p:spPr>
+        <p:txBody>
+          <a:bodyPr>
+            <a:normAutofit lnSpcReduction="10000"/>
+          </a:bodyPr>
+          <a:p>
+            <a:r>
+              <a:rPr lang="zh-CN" altLang="en-US">
+                <a:sym typeface="+mn-ea"/>
+              </a:rPr>
+              <a:t>而让</a:t>
+            </a:r>
+            <a:r>
+              <a:rPr lang="zh-CN" b="1">
+                <a:sym typeface="+mn-ea"/>
+              </a:rPr>
+              <a:t>尾地址指针</a:t>
+            </a:r>
+            <a:r>
+              <a:rPr lang="zh-CN" altLang="en-US">
+                <a:sym typeface="+mn-ea"/>
+              </a:rPr>
+              <a:t>往后移动一格的设计，使得数组长度为</a:t>
+            </a:r>
+            <a:r>
+              <a:rPr lang="en-US" altLang="zh-CN">
+                <a:sym typeface="+mn-ea"/>
+              </a:rPr>
+              <a:t> 0 </a:t>
+            </a:r>
+            <a:r>
+              <a:rPr lang="zh-CN" altLang="en-US">
+                <a:sym typeface="+mn-ea"/>
+              </a:rPr>
+              <a:t>就是</a:t>
+            </a:r>
+            <a:r>
+              <a:rPr lang="en-US" altLang="zh-CN">
+                <a:sym typeface="+mn-ea"/>
+              </a:rPr>
+              <a:t> begptr == endptr </a:t>
+            </a:r>
+            <a:r>
+              <a:rPr lang="zh-CN" altLang="en-US">
+                <a:sym typeface="+mn-ea"/>
+              </a:rPr>
+              <a:t>的情况，非常容易判断。</a:t>
+            </a:r>
+            <a:endParaRPr lang="zh-CN" altLang="en-US">
+              <a:sym typeface="+mn-ea"/>
+            </a:endParaRPr>
+          </a:p>
+          <a:p>
+            <a:r>
+              <a:rPr lang="zh-CN" altLang="en-US">
+                <a:sym typeface="+mn-ea"/>
+              </a:rPr>
+              <a:t>更方便的是你可以通过指针的减法运算：</a:t>
+            </a:r>
+            <a:r>
+              <a:rPr lang="en-US" altLang="zh-CN">
+                <a:sym typeface="+mn-ea"/>
+              </a:rPr>
+              <a:t> endptr - begptr </a:t>
+            </a:r>
+            <a:r>
+              <a:rPr lang="zh-CN" altLang="en-US">
+                <a:sym typeface="+mn-ea"/>
+              </a:rPr>
+              <a:t>来算出数组的长度！</a:t>
+            </a:r>
+            <a:endParaRPr lang="zh-CN" altLang="en-US">
+              <a:sym typeface="+mn-ea"/>
+            </a:endParaRPr>
+          </a:p>
+          <a:p>
+            <a:r>
+              <a:rPr lang="en-US" altLang="zh-CN">
+                <a:sym typeface="+mn-ea"/>
+              </a:rPr>
+              <a:t>for </a:t>
+            </a:r>
+            <a:r>
+              <a:rPr lang="zh-CN" altLang="en-US">
+                <a:sym typeface="+mn-ea"/>
+              </a:rPr>
+              <a:t>循环里也很容易写，判断是否继续循环的条件为</a:t>
+            </a:r>
+            <a:r>
+              <a:rPr lang="en-US" altLang="zh-CN">
+                <a:sym typeface="+mn-ea"/>
+              </a:rPr>
+              <a:t> ptr != endptr </a:t>
+            </a:r>
+            <a:r>
+              <a:rPr lang="zh-CN" altLang="en-US">
+                <a:sym typeface="+mn-ea"/>
+              </a:rPr>
+              <a:t>就行了。</a:t>
+            </a:r>
+            <a:endParaRPr lang="zh-CN" altLang="en-US">
+              <a:solidFill>
+                <a:schemeClr val="accent5">
+                  <a:lumMod val="75000"/>
+                </a:schemeClr>
+              </a:solidFill>
+              <a:sym typeface="+mn-ea"/>
+            </a:endParaRPr>
+          </a:p>
+        </p:txBody>
+      </p:sp>
+      <p:cxnSp>
+        <p:nvCxnSpPr>
+          <p:cNvPr id="9" name="Straight Connector 8"/>
+          <p:cNvCxnSpPr/>
+          <p:nvPr/>
+        </p:nvCxnSpPr>
+        <p:spPr>
+          <a:xfrm>
+            <a:off x="9422130" y="2600325"/>
+            <a:ext cx="1423035" cy="0"/>
+          </a:xfrm>
+          <a:prstGeom prst="line">
+            <a:avLst/>
+          </a:prstGeom>
+          <a:ln w="25400"/>
+        </p:spPr>
+        <p:style>
+          <a:lnRef idx="1">
+            <a:schemeClr val="accent1"/>
+          </a:lnRef>
+          <a:fillRef idx="0">
+            <a:schemeClr val="accent1"/>
+          </a:fillRef>
+          <a:effectRef idx="0">
+            <a:schemeClr val="accent1"/>
+          </a:effectRef>
+          <a:fontRef idx="minor">
+            <a:schemeClr val="tx1"/>
+          </a:fontRef>
+        </p:style>
+      </p:cxnSp>
+      <p:pic>
+        <p:nvPicPr>
+          <p:cNvPr id="10" name="Picture 9"/>
+          <p:cNvPicPr>
+            <a:picLocks noChangeAspect="1"/>
+          </p:cNvPicPr>
+          <p:nvPr/>
+        </p:nvPicPr>
+        <p:blipFill>
+          <a:blip r:embed="rId2"/>
+          <a:stretch>
+            <a:fillRect/>
+          </a:stretch>
+        </p:blipFill>
+        <p:spPr>
+          <a:xfrm>
+            <a:off x="2219960" y="5172075"/>
+            <a:ext cx="2171700" cy="1685925"/>
+          </a:xfrm>
+          <a:prstGeom prst="rect">
+            <a:avLst/>
+          </a:prstGeom>
+        </p:spPr>
+      </p:pic>
+      <p:cxnSp>
+        <p:nvCxnSpPr>
+          <p:cNvPr id="13" name="Straight Connector 12"/>
+          <p:cNvCxnSpPr/>
+          <p:nvPr/>
+        </p:nvCxnSpPr>
+        <p:spPr>
+          <a:xfrm>
+            <a:off x="7668895" y="4925060"/>
+            <a:ext cx="1691640" cy="0"/>
+          </a:xfrm>
+          <a:prstGeom prst="line">
+            <a:avLst/>
+          </a:prstGeom>
+          <a:ln w="25400"/>
+        </p:spPr>
+        <p:style>
+          <a:lnRef idx="1">
+            <a:schemeClr val="accent1"/>
+          </a:lnRef>
+          <a:fillRef idx="0">
+            <a:schemeClr val="accent1"/>
+          </a:fillRef>
+          <a:effectRef idx="0">
+            <a:schemeClr val="accent1"/>
+          </a:effectRef>
+          <a:fontRef idx="minor">
+            <a:schemeClr val="tx1"/>
+          </a:fontRef>
+        </p:style>
+      </p:cxnSp>
+    </p:spTree>
+  </p:cSld>
+  <p:clrMapOvr>
+    <a:masterClrMapping/>
+  </p:clrMapOvr>
+</p:sld>
+</file>
+
+<file path=ppt/slides/slide67.xml><?xml version="1.0" encoding="utf-8"?>
+<p:sld xmlns:a="http://schemas.openxmlformats.org/drawingml/2006/main" xmlns:r="http://schemas.openxmlformats.org/officeDocument/2006/relationships" xmlns:p="http://schemas.openxmlformats.org/presentationml/2006/main">
+  <p:cSld>
+    <p:spTree>
+      <p:nvGrpSpPr>
+        <p:cNvPr id="1" name=""/>
+        <p:cNvGrpSpPr/>
+        <p:nvPr/>
+      </p:nvGrpSpPr>
+      <p:grpSpPr/>
+      <p:sp>
+        <p:nvSpPr>
+          <p:cNvPr id="2" name="Title 1"/>
+          <p:cNvSpPr>
+            <a:spLocks noGrp="1"/>
+          </p:cNvSpPr>
+          <p:nvPr>
+            <p:ph type="title"/>
+          </p:nvPr>
+        </p:nvSpPr>
+        <p:spPr/>
+        <p:txBody>
+          <a:bodyPr/>
+          <a:p>
+            <a:r>
+              <a:rPr lang="zh-CN"/>
+              <a:t>迭代器模式：</a:t>
+            </a:r>
+            <a:r>
+              <a:rPr lang="zh-CN">
+                <a:sym typeface="+mn-ea"/>
+              </a:rPr>
+              <a:t>首指针＋</a:t>
+            </a:r>
+            <a:r>
+              <a:rPr lang="zh-CN">
+                <a:sym typeface="+mn-ea"/>
+              </a:rPr>
+              <a:t>尾指针</a:t>
+            </a:r>
+            <a:endParaRPr lang="zh-CN"/>
+          </a:p>
+        </p:txBody>
+      </p:sp>
+      <p:sp>
+        <p:nvSpPr>
+          <p:cNvPr id="3" name="Content Placeholder 2"/>
+          <p:cNvSpPr>
+            <a:spLocks noGrp="1"/>
+          </p:cNvSpPr>
+          <p:nvPr>
+            <p:ph sz="half" idx="1"/>
+          </p:nvPr>
+        </p:nvSpPr>
+        <p:spPr>
+          <a:xfrm>
+            <a:off x="647700" y="1734820"/>
+            <a:ext cx="5181600" cy="4504055"/>
+          </a:xfrm>
+        </p:spPr>
+        <p:txBody>
+          <a:bodyPr>
+            <a:normAutofit lnSpcReduction="10000"/>
+          </a:bodyPr>
+          <a:p>
+            <a:r>
+              <a:rPr lang="zh-CN">
+                <a:sym typeface="+mn-ea"/>
+              </a:rPr>
+              <a:t>还可以让</a:t>
+            </a:r>
+            <a:r>
+              <a:rPr lang="zh-CN" b="1">
+                <a:sym typeface="+mn-ea"/>
+              </a:rPr>
+              <a:t>首</a:t>
+            </a:r>
+            <a:r>
+              <a:rPr lang="zh-CN" b="1">
+                <a:sym typeface="+mn-ea"/>
+              </a:rPr>
+              <a:t>指针</a:t>
+            </a:r>
+            <a:r>
+              <a:rPr lang="zh-CN">
+                <a:sym typeface="+mn-ea"/>
+              </a:rPr>
+              <a:t>和</a:t>
+            </a:r>
+            <a:r>
+              <a:rPr lang="zh-CN" b="1">
+                <a:sym typeface="+mn-ea"/>
+              </a:rPr>
+              <a:t>尾指针</a:t>
+            </a:r>
+            <a:r>
+              <a:rPr lang="zh-CN">
+                <a:sym typeface="+mn-ea"/>
+              </a:rPr>
+              <a:t>声明为模板参数，这样不论指针是什么类型，都可以使用</a:t>
+            </a:r>
+            <a:r>
+              <a:rPr lang="en-US" altLang="zh-CN">
+                <a:sym typeface="+mn-ea"/>
+              </a:rPr>
+              <a:t> print </a:t>
+            </a:r>
+            <a:r>
+              <a:rPr lang="zh-CN">
+                <a:sym typeface="+mn-ea"/>
+              </a:rPr>
+              <a:t>这个模板函数来打印。</a:t>
+            </a:r>
+            <a:endParaRPr lang="zh-CN">
+              <a:solidFill>
+                <a:schemeClr val="accent5">
+                  <a:lumMod val="75000"/>
+                </a:schemeClr>
+              </a:solidFill>
+              <a:sym typeface="+mn-ea"/>
+            </a:endParaRPr>
+          </a:p>
+        </p:txBody>
+      </p:sp>
+      <p:pic>
+        <p:nvPicPr>
+          <p:cNvPr id="7" name="Content Placeholder 6"/>
+          <p:cNvPicPr>
+            <a:picLocks noChangeAspect="1"/>
+          </p:cNvPicPr>
+          <p:nvPr>
+            <p:ph sz="half" idx="2"/>
+          </p:nvPr>
+        </p:nvPicPr>
+        <p:blipFill>
+          <a:blip r:embed="rId1"/>
+          <a:stretch>
+            <a:fillRect/>
+          </a:stretch>
+        </p:blipFill>
+        <p:spPr>
+          <a:xfrm>
+            <a:off x="5824855" y="1643380"/>
+            <a:ext cx="5495290" cy="4716780"/>
+          </a:xfrm>
+          <a:prstGeom prst="rect">
+            <a:avLst/>
+          </a:prstGeom>
+        </p:spPr>
+      </p:pic>
+      <p:pic>
+        <p:nvPicPr>
+          <p:cNvPr id="8" name="Picture 7"/>
+          <p:cNvPicPr>
+            <a:picLocks noChangeAspect="1"/>
+          </p:cNvPicPr>
+          <p:nvPr/>
+        </p:nvPicPr>
+        <p:blipFill>
+          <a:blip r:embed="rId2"/>
+          <a:stretch>
+            <a:fillRect/>
+          </a:stretch>
+        </p:blipFill>
+        <p:spPr>
+          <a:xfrm>
+            <a:off x="1613535" y="3777615"/>
+            <a:ext cx="328930" cy="2582545"/>
+          </a:xfrm>
+          <a:prstGeom prst="rect">
+            <a:avLst/>
+          </a:prstGeom>
+        </p:spPr>
+      </p:pic>
+    </p:spTree>
+  </p:cSld>
+  <p:clrMapOvr>
+    <a:masterClrMapping/>
+  </p:clrMapOvr>
+</p:sld>
+</file>
+
+<file path=ppt/slides/slide68.xml><?xml version="1.0" encoding="utf-8"?>
+<p:sld xmlns:a="http://schemas.openxmlformats.org/drawingml/2006/main" xmlns:r="http://schemas.openxmlformats.org/officeDocument/2006/relationships" xmlns:p="http://schemas.openxmlformats.org/presentationml/2006/main">
+  <p:cSld>
+    <p:spTree>
+      <p:nvGrpSpPr>
+        <p:cNvPr id="1" name=""/>
+        <p:cNvGrpSpPr/>
+        <p:nvPr/>
+      </p:nvGrpSpPr>
+      <p:grpSpPr/>
+      <p:sp>
+        <p:nvSpPr>
+          <p:cNvPr id="2" name="Title 1"/>
+          <p:cNvSpPr>
+            <a:spLocks noGrp="1"/>
+          </p:cNvSpPr>
+          <p:nvPr>
+            <p:ph type="title"/>
+          </p:nvPr>
+        </p:nvSpPr>
+        <p:spPr/>
+        <p:txBody>
+          <a:bodyPr/>
+          <a:p>
+            <a:r>
+              <a:rPr lang="zh-CN"/>
+              <a:t>迭代器模式</a:t>
+            </a:r>
+            <a:r>
+              <a:rPr lang="zh-CN">
+                <a:sym typeface="+mn-ea"/>
+              </a:rPr>
+              <a:t>：</a:t>
+            </a:r>
+            <a:r>
+              <a:rPr lang="zh-CN">
+                <a:sym typeface="+mn-ea"/>
+              </a:rPr>
+              <a:t>首指针＋尾指针</a:t>
+            </a:r>
+            <a:endParaRPr lang="zh-CN"/>
+          </a:p>
+        </p:txBody>
+      </p:sp>
+      <p:sp>
+        <p:nvSpPr>
+          <p:cNvPr id="3" name="Content Placeholder 2"/>
+          <p:cNvSpPr>
+            <a:spLocks noGrp="1"/>
+          </p:cNvSpPr>
+          <p:nvPr>
+            <p:ph sz="half" idx="1"/>
+          </p:nvPr>
+        </p:nvSpPr>
+        <p:spPr>
+          <a:xfrm>
+            <a:off x="647700" y="1734820"/>
+            <a:ext cx="5181600" cy="4504055"/>
+          </a:xfrm>
+        </p:spPr>
+        <p:txBody>
+          <a:bodyPr>
+            <a:normAutofit lnSpcReduction="10000"/>
+          </a:bodyPr>
+          <a:p>
+            <a:r>
+              <a:rPr lang="zh-CN" b="1">
+                <a:sym typeface="+mn-ea"/>
+              </a:rPr>
+              <a:t>首指针</a:t>
+            </a:r>
+            <a:r>
+              <a:rPr lang="zh-CN">
+                <a:sym typeface="+mn-ea"/>
+              </a:rPr>
+              <a:t>和</a:t>
+            </a:r>
+            <a:r>
+              <a:rPr lang="zh-CN" b="1">
+                <a:sym typeface="+mn-ea"/>
+              </a:rPr>
+              <a:t>尾指针</a:t>
+            </a:r>
+            <a:r>
+              <a:rPr lang="zh-CN">
+                <a:sym typeface="+mn-ea"/>
+              </a:rPr>
+              <a:t>的组合的确能胜任</a:t>
+            </a:r>
+            <a:r>
+              <a:rPr lang="en-US" altLang="zh-CN">
+                <a:sym typeface="+mn-ea"/>
+              </a:rPr>
+              <a:t> vector </a:t>
+            </a:r>
+            <a:r>
+              <a:rPr lang="zh-CN" altLang="en-US">
+                <a:sym typeface="+mn-ea"/>
+              </a:rPr>
+              <a:t>这种连续数组，但是对于</a:t>
+            </a:r>
+            <a:r>
+              <a:rPr lang="en-US" altLang="zh-CN">
+                <a:sym typeface="+mn-ea"/>
+              </a:rPr>
+              <a:t> list </a:t>
+            </a:r>
+            <a:r>
+              <a:rPr lang="zh-CN" altLang="en-US">
+                <a:sym typeface="+mn-ea"/>
+              </a:rPr>
+              <a:t>这种不连续的内存的容器就没辙了。</a:t>
+            </a:r>
+            <a:endParaRPr lang="zh-CN" altLang="en-US">
+              <a:sym typeface="+mn-ea"/>
+            </a:endParaRPr>
+          </a:p>
+          <a:p>
+            <a:r>
+              <a:rPr lang="zh-CN" altLang="en-US">
+                <a:sym typeface="+mn-ea"/>
+              </a:rPr>
+              <a:t>没错，</a:t>
+            </a:r>
+            <a:r>
+              <a:rPr lang="en-US" altLang="zh-CN">
+                <a:sym typeface="+mn-ea"/>
+              </a:rPr>
+              <a:t>list </a:t>
+            </a:r>
+            <a:r>
+              <a:rPr lang="zh-CN" altLang="en-US">
+                <a:sym typeface="+mn-ea"/>
+              </a:rPr>
+              <a:t>没有</a:t>
+            </a:r>
+            <a:r>
+              <a:rPr lang="en-US" altLang="zh-CN">
+                <a:sym typeface="+mn-ea"/>
+              </a:rPr>
+              <a:t> data() </a:t>
+            </a:r>
+            <a:r>
+              <a:rPr lang="zh-CN" altLang="en-US">
+                <a:sym typeface="+mn-ea"/>
+              </a:rPr>
+              <a:t>这个成员函数，因为他根本就不连续。</a:t>
+            </a:r>
+            <a:endParaRPr lang="zh-CN" altLang="en-US">
+              <a:solidFill>
+                <a:schemeClr val="accent5">
+                  <a:lumMod val="75000"/>
+                </a:schemeClr>
+              </a:solidFill>
+              <a:sym typeface="+mn-ea"/>
+            </a:endParaRPr>
+          </a:p>
+        </p:txBody>
+      </p:sp>
+      <p:pic>
+        <p:nvPicPr>
+          <p:cNvPr id="10" name="Picture 9"/>
+          <p:cNvPicPr>
+            <a:picLocks noChangeAspect="1"/>
+          </p:cNvPicPr>
+          <p:nvPr/>
+        </p:nvPicPr>
+        <p:blipFill>
+          <a:blip r:embed="rId1"/>
+          <a:stretch>
+            <a:fillRect/>
+          </a:stretch>
+        </p:blipFill>
+        <p:spPr>
+          <a:xfrm>
+            <a:off x="2219960" y="5172075"/>
+            <a:ext cx="2171700" cy="1685925"/>
+          </a:xfrm>
+          <a:prstGeom prst="rect">
+            <a:avLst/>
+          </a:prstGeom>
+        </p:spPr>
+      </p:pic>
+      <p:pic>
+        <p:nvPicPr>
+          <p:cNvPr id="5" name="Content Placeholder 4"/>
+          <p:cNvPicPr>
+            <a:picLocks noChangeAspect="1"/>
+          </p:cNvPicPr>
+          <p:nvPr>
+            <p:ph sz="half" idx="2"/>
+          </p:nvPr>
+        </p:nvPicPr>
+        <p:blipFill>
+          <a:blip r:embed="rId2"/>
+          <a:stretch>
+            <a:fillRect/>
+          </a:stretch>
+        </p:blipFill>
+        <p:spPr>
+          <a:xfrm>
+            <a:off x="5829300" y="2400300"/>
+            <a:ext cx="6162040" cy="3303905"/>
+          </a:xfrm>
+          <a:prstGeom prst="rect">
+            <a:avLst/>
+          </a:prstGeom>
+        </p:spPr>
+      </p:pic>
+    </p:spTree>
+  </p:cSld>
+  <p:clrMapOvr>
+    <a:masterClrMapping/>
+  </p:clrMapOvr>
+</p:sld>
+</file>
+
+<file path=ppt/slides/slide69.xml><?xml version="1.0" encoding="utf-8"?>
+<p:sld xmlns:a="http://schemas.openxmlformats.org/drawingml/2006/main" xmlns:r="http://schemas.openxmlformats.org/officeDocument/2006/relationships" xmlns:p="http://schemas.openxmlformats.org/presentationml/2006/main">
+  <p:cSld>
+    <p:spTree>
+      <p:nvGrpSpPr>
+        <p:cNvPr id="1" name=""/>
+        <p:cNvGrpSpPr/>
+        <p:nvPr/>
+      </p:nvGrpSpPr>
+      <p:grpSpPr/>
+      <p:sp>
+        <p:nvSpPr>
+          <p:cNvPr id="2" name="Title 1"/>
+          <p:cNvSpPr>
+            <a:spLocks noGrp="1"/>
+          </p:cNvSpPr>
+          <p:nvPr>
+            <p:ph type="title"/>
+          </p:nvPr>
+        </p:nvSpPr>
+        <p:spPr/>
+        <p:txBody>
+          <a:bodyPr/>
+          <a:p>
+            <a:r>
+              <a:rPr lang="zh-CN"/>
+              <a:t>迭代器模式</a:t>
+            </a:r>
+            <a:r>
+              <a:rPr lang="zh-CN">
+                <a:sym typeface="+mn-ea"/>
+              </a:rPr>
+              <a:t>：</a:t>
+            </a:r>
+            <a:r>
+              <a:rPr lang="zh-CN">
+                <a:sym typeface="+mn-ea"/>
+              </a:rPr>
+              <a:t>首</a:t>
+            </a:r>
+            <a:r>
+              <a:rPr lang="zh-CN">
+                <a:sym typeface="+mn-ea"/>
+              </a:rPr>
+              <a:t>迭代器＋尾迭代器</a:t>
+            </a:r>
+            <a:endParaRPr lang="zh-CN"/>
+          </a:p>
+        </p:txBody>
+      </p:sp>
+      <p:sp>
+        <p:nvSpPr>
+          <p:cNvPr id="3" name="Content Placeholder 2"/>
+          <p:cNvSpPr>
+            <a:spLocks noGrp="1"/>
+          </p:cNvSpPr>
+          <p:nvPr>
+            <p:ph sz="half" idx="1"/>
+          </p:nvPr>
+        </p:nvSpPr>
+        <p:spPr>
+          <a:xfrm>
+            <a:off x="647700" y="1541145"/>
+            <a:ext cx="5181600" cy="4892040"/>
+          </a:xfrm>
+        </p:spPr>
+        <p:txBody>
+          <a:bodyPr>
+            <a:normAutofit lnSpcReduction="20000"/>
+          </a:bodyPr>
+          <a:p>
+            <a:r>
+              <a:rPr lang="zh-CN">
+                <a:sym typeface="+mn-ea"/>
+              </a:rPr>
+              <a:t>然而</a:t>
+            </a:r>
+            <a:r>
+              <a:rPr lang="en-US" altLang="zh-CN">
+                <a:sym typeface="+mn-ea"/>
+              </a:rPr>
+              <a:t> list </a:t>
+            </a:r>
+            <a:r>
+              <a:rPr lang="zh-CN" altLang="en-US">
+                <a:sym typeface="+mn-ea"/>
+              </a:rPr>
+              <a:t>却提供了</a:t>
+            </a:r>
+            <a:r>
+              <a:rPr lang="en-US" altLang="zh-CN">
+                <a:sym typeface="+mn-ea"/>
+              </a:rPr>
+              <a:t> begin() </a:t>
+            </a:r>
+            <a:r>
+              <a:rPr lang="zh-CN" altLang="en-US">
+                <a:sym typeface="+mn-ea"/>
+              </a:rPr>
+              <a:t>和</a:t>
+            </a:r>
+            <a:r>
+              <a:rPr lang="en-US" altLang="zh-CN">
+                <a:sym typeface="+mn-ea"/>
+              </a:rPr>
+              <a:t> end() </a:t>
+            </a:r>
+            <a:r>
+              <a:rPr lang="zh-CN" altLang="en-US">
+                <a:sym typeface="+mn-ea"/>
+              </a:rPr>
+              <a:t>函数，他们会返回两个</a:t>
+            </a:r>
+            <a:r>
+              <a:rPr lang="en-US" altLang="zh-CN">
+                <a:sym typeface="+mn-ea"/>
+              </a:rPr>
+              <a:t> list&lt;char&gt;::iterator </a:t>
+            </a:r>
+            <a:r>
+              <a:rPr lang="zh-CN" altLang="en-US">
+                <a:sym typeface="+mn-ea"/>
+              </a:rPr>
+              <a:t>对象。</a:t>
+            </a:r>
+            <a:endParaRPr lang="zh-CN" altLang="en-US">
+              <a:sym typeface="+mn-ea"/>
+            </a:endParaRPr>
+          </a:p>
+          <a:p>
+            <a:r>
+              <a:rPr lang="zh-CN" altLang="en-US">
+                <a:sym typeface="+mn-ea"/>
+              </a:rPr>
+              <a:t>这个</a:t>
+            </a:r>
+            <a:r>
+              <a:rPr lang="en-US" altLang="zh-CN">
+                <a:sym typeface="+mn-ea"/>
+              </a:rPr>
+              <a:t> list&lt;char&gt;::iterator </a:t>
+            </a:r>
+            <a:r>
+              <a:rPr lang="zh-CN" altLang="en-US">
+                <a:sym typeface="+mn-ea"/>
+              </a:rPr>
+              <a:t>是一个特殊定义过的类型，其具有</a:t>
+            </a:r>
+            <a:r>
+              <a:rPr lang="en-US" altLang="zh-CN">
+                <a:sym typeface="+mn-ea"/>
+              </a:rPr>
+              <a:t> != </a:t>
+            </a:r>
+            <a:r>
+              <a:rPr lang="zh-CN" altLang="en-US">
+                <a:sym typeface="+mn-ea"/>
+              </a:rPr>
+              <a:t>和</a:t>
+            </a:r>
+            <a:r>
+              <a:rPr lang="en-US" altLang="zh-CN">
+                <a:sym typeface="+mn-ea"/>
+              </a:rPr>
+              <a:t> ++ </a:t>
+            </a:r>
+            <a:r>
+              <a:rPr lang="zh-CN" altLang="en-US">
+                <a:sym typeface="+mn-ea"/>
+              </a:rPr>
+              <a:t>以及</a:t>
+            </a:r>
+            <a:r>
+              <a:rPr lang="en-US" altLang="zh-CN">
+                <a:sym typeface="+mn-ea"/>
+              </a:rPr>
+              <a:t> * </a:t>
+            </a:r>
+            <a:r>
+              <a:rPr lang="zh-CN" altLang="en-US">
+                <a:sym typeface="+mn-ea"/>
+              </a:rPr>
+              <a:t>这些</a:t>
+            </a:r>
+            <a:r>
+              <a:rPr lang="zh-CN" altLang="en-US" b="1">
+                <a:sym typeface="+mn-ea"/>
+              </a:rPr>
+              <a:t>运算符的重载</a:t>
+            </a:r>
+            <a:r>
+              <a:rPr lang="zh-CN" altLang="en-US">
+                <a:sym typeface="+mn-ea"/>
+              </a:rPr>
+              <a:t>。所以用起来就像普通的指针一样。而这些运算符重载，却会</a:t>
+            </a:r>
+            <a:r>
+              <a:rPr lang="zh-CN" altLang="en-US" b="1">
+                <a:sym typeface="+mn-ea"/>
+              </a:rPr>
+              <a:t>把</a:t>
+            </a:r>
+            <a:r>
+              <a:rPr lang="en-US" altLang="zh-CN" b="1">
+                <a:sym typeface="+mn-ea"/>
+              </a:rPr>
+              <a:t> ++ </a:t>
+            </a:r>
+            <a:r>
+              <a:rPr lang="zh-CN" altLang="en-US" b="1">
+                <a:sym typeface="+mn-ea"/>
+              </a:rPr>
+              <a:t>对应到</a:t>
+            </a:r>
+            <a:r>
+              <a:rPr lang="en-US" altLang="zh-CN" b="1">
+                <a:sym typeface="+mn-ea"/>
+              </a:rPr>
+              <a:t> </a:t>
+            </a:r>
+            <a:r>
+              <a:rPr lang="zh-CN" altLang="en-US" b="1">
+                <a:sym typeface="+mn-ea"/>
+              </a:rPr>
+              <a:t>链表的</a:t>
+            </a:r>
+            <a:r>
+              <a:rPr lang="en-US" altLang="zh-CN" b="1">
+                <a:sym typeface="+mn-ea"/>
+              </a:rPr>
+              <a:t> curr = curr-&gt;next </a:t>
+            </a:r>
+            <a:r>
+              <a:rPr lang="zh-CN" altLang="en-US" b="1">
+                <a:sym typeface="+mn-ea"/>
+              </a:rPr>
+              <a:t>上</a:t>
+            </a:r>
+            <a:r>
+              <a:rPr lang="zh-CN" altLang="en-US">
+                <a:sym typeface="+mn-ea"/>
+              </a:rPr>
+              <a:t>。</a:t>
+            </a:r>
+            <a:endParaRPr lang="zh-CN" altLang="en-US">
+              <a:sym typeface="+mn-ea"/>
+            </a:endParaRPr>
+          </a:p>
+          <a:p>
+            <a:r>
+              <a:rPr lang="zh-CN" altLang="en-US">
+                <a:sym typeface="+mn-ea"/>
+              </a:rPr>
+              <a:t>这样一个用起来就像普通的指针，但内部却通过运算符重载适配不同容器的特殊类，就是</a:t>
+            </a:r>
+            <a:r>
+              <a:rPr lang="zh-CN" altLang="en-US" b="1">
+                <a:sym typeface="+mn-ea"/>
+              </a:rPr>
+              <a:t>迭代器</a:t>
+            </a:r>
+            <a:r>
+              <a:rPr lang="en-US" altLang="zh-CN" b="1">
+                <a:sym typeface="+mn-ea"/>
+              </a:rPr>
+              <a:t>(iterator)</a:t>
+            </a:r>
+            <a:r>
+              <a:rPr lang="zh-CN" altLang="en-US">
+                <a:sym typeface="+mn-ea"/>
+              </a:rPr>
+              <a:t>，迭代器是</a:t>
+            </a:r>
+            <a:r>
+              <a:rPr lang="en-US" altLang="zh-CN">
+                <a:sym typeface="+mn-ea"/>
+              </a:rPr>
+              <a:t> STL </a:t>
+            </a:r>
+            <a:r>
+              <a:rPr lang="zh-CN" altLang="en-US">
+                <a:sym typeface="+mn-ea"/>
+              </a:rPr>
+              <a:t>中</a:t>
+            </a:r>
+            <a:r>
+              <a:rPr lang="zh-CN" altLang="en-US" b="1">
+                <a:sym typeface="+mn-ea"/>
+              </a:rPr>
+              <a:t>容器</a:t>
+            </a:r>
+            <a:r>
+              <a:rPr lang="zh-CN" altLang="en-US">
+                <a:sym typeface="+mn-ea"/>
+              </a:rPr>
+              <a:t>和</a:t>
+            </a:r>
+            <a:r>
+              <a:rPr lang="zh-CN" altLang="en-US" b="1">
+                <a:sym typeface="+mn-ea"/>
+              </a:rPr>
+              <a:t>算法</a:t>
+            </a:r>
+            <a:r>
+              <a:rPr lang="zh-CN" altLang="en-US">
+                <a:sym typeface="+mn-ea"/>
+              </a:rPr>
+              <a:t>之间的桥梁。</a:t>
+            </a:r>
+            <a:endParaRPr lang="zh-CN" altLang="en-US">
+              <a:solidFill>
+                <a:schemeClr val="accent5">
+                  <a:lumMod val="75000"/>
+                </a:schemeClr>
+              </a:solidFill>
+              <a:sym typeface="+mn-ea"/>
+            </a:endParaRPr>
+          </a:p>
+        </p:txBody>
+      </p:sp>
+      <p:pic>
+        <p:nvPicPr>
+          <p:cNvPr id="6" name="Content Placeholder 5"/>
+          <p:cNvPicPr>
+            <a:picLocks noChangeAspect="1"/>
+          </p:cNvPicPr>
+          <p:nvPr>
+            <p:ph sz="half" idx="2"/>
+          </p:nvPr>
+        </p:nvPicPr>
+        <p:blipFill>
+          <a:blip r:embed="rId1"/>
+          <a:stretch>
+            <a:fillRect/>
+          </a:stretch>
+        </p:blipFill>
+        <p:spPr>
+          <a:xfrm>
+            <a:off x="5981700" y="1734820"/>
+            <a:ext cx="5913120" cy="4032885"/>
+          </a:xfrm>
+          <a:prstGeom prst="rect">
+            <a:avLst/>
+          </a:prstGeom>
+        </p:spPr>
+      </p:pic>
+      <p:pic>
+        <p:nvPicPr>
+          <p:cNvPr id="7" name="Picture 6"/>
+          <p:cNvPicPr>
+            <a:picLocks noChangeAspect="1"/>
+          </p:cNvPicPr>
+          <p:nvPr/>
+        </p:nvPicPr>
+        <p:blipFill>
+          <a:blip r:embed="rId2"/>
+          <a:stretch>
+            <a:fillRect/>
+          </a:stretch>
+        </p:blipFill>
+        <p:spPr>
+          <a:xfrm>
+            <a:off x="216535" y="3226435"/>
+            <a:ext cx="331470" cy="1521460"/>
           </a:xfrm>
           <a:prstGeom prst="rect">
             <a:avLst/>
@@ -17999,6 +19105,475 @@
           <a:xfrm>
             <a:off x="2090420" y="1229995"/>
             <a:ext cx="7628890" cy="5542915"/>
+          </a:xfrm>
+          <a:prstGeom prst="rect">
+            <a:avLst/>
+          </a:prstGeom>
+        </p:spPr>
+      </p:pic>
+    </p:spTree>
+  </p:cSld>
+  <p:clrMapOvr>
+    <a:masterClrMapping/>
+  </p:clrMapOvr>
+</p:sld>
+</file>
+
+<file path=ppt/slides/slide70.xml><?xml version="1.0" encoding="utf-8"?>
+<p:sld xmlns:a="http://schemas.openxmlformats.org/drawingml/2006/main" xmlns:r="http://schemas.openxmlformats.org/officeDocument/2006/relationships" xmlns:p="http://schemas.openxmlformats.org/presentationml/2006/main">
+  <p:cSld>
+    <p:spTree>
+      <p:nvGrpSpPr>
+        <p:cNvPr id="1" name=""/>
+        <p:cNvGrpSpPr/>
+        <p:nvPr/>
+      </p:nvGrpSpPr>
+      <p:grpSpPr/>
+      <p:sp>
+        <p:nvSpPr>
+          <p:cNvPr id="2" name="Title 1"/>
+          <p:cNvSpPr>
+            <a:spLocks noGrp="1"/>
+          </p:cNvSpPr>
+          <p:nvPr>
+            <p:ph type="title"/>
+          </p:nvPr>
+        </p:nvSpPr>
+        <p:spPr/>
+        <p:txBody>
+          <a:bodyPr/>
+          <a:p>
+            <a:r>
+              <a:rPr lang="zh-CN"/>
+              <a:t>迭代器模式</a:t>
+            </a:r>
+            <a:r>
+              <a:rPr lang="zh-CN">
+                <a:sym typeface="+mn-ea"/>
+              </a:rPr>
+              <a:t>：</a:t>
+            </a:r>
+            <a:r>
+              <a:rPr lang="zh-CN">
+                <a:sym typeface="+mn-ea"/>
+              </a:rPr>
+              <a:t>首</a:t>
+            </a:r>
+            <a:r>
+              <a:rPr lang="zh-CN">
+                <a:sym typeface="+mn-ea"/>
+              </a:rPr>
+              <a:t>迭代器＋尾迭代器</a:t>
+            </a:r>
+            <a:endParaRPr lang="zh-CN"/>
+          </a:p>
+        </p:txBody>
+      </p:sp>
+      <p:sp>
+        <p:nvSpPr>
+          <p:cNvPr id="3" name="Content Placeholder 2"/>
+          <p:cNvSpPr>
+            <a:spLocks noGrp="1"/>
+          </p:cNvSpPr>
+          <p:nvPr>
+            <p:ph sz="half" idx="1"/>
+          </p:nvPr>
+        </p:nvSpPr>
+        <p:spPr>
+          <a:xfrm>
+            <a:off x="647700" y="1316990"/>
+            <a:ext cx="5538470" cy="5340350"/>
+          </a:xfrm>
+        </p:spPr>
+        <p:txBody>
+          <a:bodyPr>
+            <a:normAutofit lnSpcReduction="20000"/>
+          </a:bodyPr>
+          <a:p>
+            <a:r>
+              <a:rPr lang="zh-CN">
+                <a:sym typeface="+mn-ea"/>
+              </a:rPr>
+              <a:t>如果让小彭老师来写</a:t>
+            </a:r>
+            <a:r>
+              <a:rPr lang="en-US" altLang="zh-CN">
+                <a:sym typeface="+mn-ea"/>
+              </a:rPr>
+              <a:t> list </a:t>
+            </a:r>
+            <a:r>
+              <a:rPr lang="zh-CN" altLang="en-US">
+                <a:sym typeface="+mn-ea"/>
+              </a:rPr>
+              <a:t>容器和他的迭代器，他的内部具体实现可能是这样的。</a:t>
+            </a:r>
+            <a:endParaRPr lang="zh-CN" altLang="en-US">
+              <a:sym typeface="+mn-ea"/>
+            </a:endParaRPr>
+          </a:p>
+          <a:p>
+            <a:r>
+              <a:rPr lang="zh-CN" altLang="en-US">
+                <a:sym typeface="+mn-ea"/>
+              </a:rPr>
+              <a:t>迭代器的这些运算符，都是约定俗成的，其根本目的在于模仿指针的行为，方便来自</a:t>
+            </a:r>
+            <a:r>
+              <a:rPr lang="en-US" altLang="zh-CN">
+                <a:sym typeface="+mn-ea"/>
+              </a:rPr>
+              <a:t> C </a:t>
+            </a:r>
+            <a:r>
+              <a:rPr lang="zh-CN" altLang="en-US">
+                <a:sym typeface="+mn-ea"/>
+              </a:rPr>
+              <a:t>语言的程序员快速上手掌握</a:t>
+            </a:r>
+            <a:r>
+              <a:rPr lang="en-US" altLang="zh-CN">
+                <a:sym typeface="+mn-ea"/>
+              </a:rPr>
+              <a:t> C++ </a:t>
+            </a:r>
+            <a:r>
+              <a:rPr lang="zh-CN" altLang="en-US">
+                <a:sym typeface="+mn-ea"/>
+              </a:rPr>
+              <a:t>标准库。</a:t>
+            </a:r>
+            <a:endParaRPr lang="zh-CN" altLang="en-US">
+              <a:sym typeface="+mn-ea"/>
+            </a:endParaRPr>
+          </a:p>
+          <a:p>
+            <a:r>
+              <a:rPr lang="zh-CN" altLang="en-US">
+                <a:sym typeface="+mn-ea"/>
+              </a:rPr>
+              <a:t>虽然你也可以用函数名</a:t>
+            </a:r>
+            <a:r>
+              <a:rPr lang="en-US" altLang="zh-CN">
+                <a:sym typeface="+mn-ea"/>
+              </a:rPr>
+              <a:t> gotoNext() </a:t>
+            </a:r>
+            <a:r>
+              <a:rPr lang="zh-CN" altLang="en-US">
+                <a:sym typeface="+mn-ea"/>
+              </a:rPr>
+              <a:t>代替</a:t>
+            </a:r>
+            <a:r>
+              <a:rPr lang="en-US" altLang="zh-CN">
+                <a:sym typeface="+mn-ea"/>
+              </a:rPr>
+              <a:t> ++</a:t>
+            </a:r>
+            <a:r>
+              <a:rPr lang="zh-CN" altLang="en-US">
+                <a:sym typeface="+mn-ea"/>
+              </a:rPr>
+              <a:t>，用</a:t>
+            </a:r>
+            <a:r>
+              <a:rPr lang="en-US" altLang="zh-CN">
+                <a:sym typeface="+mn-ea"/>
+              </a:rPr>
+              <a:t> getElement() </a:t>
+            </a:r>
+            <a:r>
+              <a:rPr lang="zh-CN" altLang="en-US">
+                <a:sym typeface="+mn-ea"/>
+              </a:rPr>
+              <a:t>代替</a:t>
+            </a:r>
+            <a:r>
+              <a:rPr lang="en-US" altLang="zh-CN">
+                <a:sym typeface="+mn-ea"/>
+              </a:rPr>
+              <a:t> *</a:t>
+            </a:r>
+            <a:r>
+              <a:rPr lang="zh-CN" altLang="en-US">
+                <a:sym typeface="+mn-ea"/>
+              </a:rPr>
+              <a:t>，</a:t>
+            </a:r>
+            <a:r>
+              <a:rPr lang="en-US" altLang="zh-CN">
+                <a:sym typeface="+mn-ea"/>
+              </a:rPr>
+              <a:t>notReach() </a:t>
+            </a:r>
+            <a:r>
+              <a:rPr lang="zh-CN" altLang="en-US">
+                <a:sym typeface="+mn-ea"/>
+              </a:rPr>
+              <a:t>代替</a:t>
+            </a:r>
+            <a:r>
+              <a:rPr lang="en-US" altLang="zh-CN">
+                <a:sym typeface="+mn-ea"/>
+              </a:rPr>
+              <a:t> !=</a:t>
+            </a:r>
+            <a:r>
+              <a:rPr lang="zh-CN" altLang="en-US">
+                <a:sym typeface="+mn-ea"/>
+              </a:rPr>
+              <a:t>。但是模仿指针行为的这些运算符，已然成为了</a:t>
+            </a:r>
+            <a:r>
+              <a:rPr lang="en-US" altLang="zh-CN">
+                <a:sym typeface="+mn-ea"/>
+              </a:rPr>
+              <a:t> C++ </a:t>
+            </a:r>
+            <a:r>
+              <a:rPr lang="zh-CN" altLang="en-US">
+                <a:sym typeface="+mn-ea"/>
+              </a:rPr>
+              <a:t>事实上的标准，而且也非常直观易懂。</a:t>
+            </a:r>
+            <a:endParaRPr lang="zh-CN" altLang="en-US">
+              <a:sym typeface="+mn-ea"/>
+            </a:endParaRPr>
+          </a:p>
+          <a:p>
+            <a:r>
+              <a:rPr lang="zh-CN" altLang="en-US">
+                <a:sym typeface="+mn-ea"/>
+              </a:rPr>
+              <a:t>因此所有的用户和库，都会按照这套运算符标准来实现和使用迭代器，节省了各自创立一套规范的成本。</a:t>
+            </a:r>
+            <a:endParaRPr lang="zh-CN" altLang="en-US">
+              <a:solidFill>
+                <a:schemeClr val="accent5">
+                  <a:lumMod val="75000"/>
+                </a:schemeClr>
+              </a:solidFill>
+              <a:sym typeface="+mn-ea"/>
+            </a:endParaRPr>
+          </a:p>
+        </p:txBody>
+      </p:sp>
+      <p:pic>
+        <p:nvPicPr>
+          <p:cNvPr id="9" name="Content Placeholder 8"/>
+          <p:cNvPicPr>
+            <a:picLocks noChangeAspect="1"/>
+          </p:cNvPicPr>
+          <p:nvPr>
+            <p:ph sz="half" idx="2"/>
+          </p:nvPr>
+        </p:nvPicPr>
+        <p:blipFill>
+          <a:blip r:embed="rId1"/>
+          <a:stretch>
+            <a:fillRect/>
+          </a:stretch>
+        </p:blipFill>
+        <p:spPr>
+          <a:xfrm>
+            <a:off x="6571615" y="-18415"/>
+            <a:ext cx="5620385" cy="6876415"/>
+          </a:xfrm>
+          <a:prstGeom prst="rect">
+            <a:avLst/>
+          </a:prstGeom>
+        </p:spPr>
+      </p:pic>
+    </p:spTree>
+  </p:cSld>
+  <p:clrMapOvr>
+    <a:masterClrMapping/>
+  </p:clrMapOvr>
+</p:sld>
+</file>
+
+<file path=ppt/slides/slide71.xml><?xml version="1.0" encoding="utf-8"?>
+<p:sld xmlns:a="http://schemas.openxmlformats.org/drawingml/2006/main" xmlns:r="http://schemas.openxmlformats.org/officeDocument/2006/relationships" xmlns:p="http://schemas.openxmlformats.org/presentationml/2006/main">
+  <p:cSld>
+    <p:spTree>
+      <p:nvGrpSpPr>
+        <p:cNvPr id="1" name=""/>
+        <p:cNvGrpSpPr/>
+        <p:nvPr/>
+      </p:nvGrpSpPr>
+      <p:grpSpPr/>
+      <p:sp>
+        <p:nvSpPr>
+          <p:cNvPr id="2" name="Title 1"/>
+          <p:cNvSpPr>
+            <a:spLocks noGrp="1"/>
+          </p:cNvSpPr>
+          <p:nvPr>
+            <p:ph type="title"/>
+          </p:nvPr>
+        </p:nvSpPr>
+        <p:spPr/>
+        <p:txBody>
+          <a:bodyPr/>
+          <a:p>
+            <a:r>
+              <a:rPr lang="zh-CN">
+                <a:sym typeface="+mn-ea"/>
+              </a:rPr>
+              <a:t>迭代器模式</a:t>
+            </a:r>
+            <a:r>
+              <a:rPr lang="zh-CN">
+                <a:sym typeface="+mn-ea"/>
+              </a:rPr>
+              <a:t>：</a:t>
+            </a:r>
+            <a:r>
+              <a:rPr lang="en-US" altLang="zh-CN">
+                <a:sym typeface="+mn-ea"/>
+              </a:rPr>
+              <a:t>++ </a:t>
+            </a:r>
+            <a:r>
+              <a:rPr lang="zh-CN" altLang="en-US">
+                <a:sym typeface="+mn-ea"/>
+              </a:rPr>
+              <a:t>的前置和后置</a:t>
+            </a:r>
+            <a:endParaRPr lang="zh-CN" altLang="en-US">
+              <a:sym typeface="+mn-ea"/>
+            </a:endParaRPr>
+          </a:p>
+        </p:txBody>
+      </p:sp>
+      <p:sp>
+        <p:nvSpPr>
+          <p:cNvPr id="3" name="Content Placeholder 2"/>
+          <p:cNvSpPr>
+            <a:spLocks noGrp="1"/>
+          </p:cNvSpPr>
+          <p:nvPr>
+            <p:ph sz="half" idx="1"/>
+          </p:nvPr>
+        </p:nvSpPr>
+        <p:spPr/>
+        <p:txBody>
+          <a:bodyPr/>
+          <a:p>
+            <a:endParaRPr lang="en-US"/>
+          </a:p>
+        </p:txBody>
+      </p:sp>
+      <p:sp>
+        <p:nvSpPr>
+          <p:cNvPr id="4" name="Content Placeholder 3"/>
+          <p:cNvSpPr>
+            <a:spLocks noGrp="1"/>
+          </p:cNvSpPr>
+          <p:nvPr>
+            <p:ph sz="half" idx="2"/>
+          </p:nvPr>
+        </p:nvSpPr>
+        <p:spPr/>
+        <p:txBody>
+          <a:bodyPr/>
+          <a:p>
+            <a:endParaRPr lang="en-US"/>
+          </a:p>
+        </p:txBody>
+      </p:sp>
+    </p:spTree>
+  </p:cSld>
+  <p:clrMapOvr>
+    <a:masterClrMapping/>
+  </p:clrMapOvr>
+</p:sld>
+</file>
+
+<file path=ppt/slides/slide72.xml><?xml version="1.0" encoding="utf-8"?>
+<p:sld xmlns:a="http://schemas.openxmlformats.org/drawingml/2006/main" xmlns:r="http://schemas.openxmlformats.org/officeDocument/2006/relationships" xmlns:p="http://schemas.openxmlformats.org/presentationml/2006/main">
+  <p:cSld>
+    <p:spTree>
+      <p:nvGrpSpPr>
+        <p:cNvPr id="1" name=""/>
+        <p:cNvGrpSpPr/>
+        <p:nvPr/>
+      </p:nvGrpSpPr>
+      <p:grpSpPr/>
+      <p:sp>
+        <p:nvSpPr>
+          <p:cNvPr id="2" name="Title 1"/>
+          <p:cNvSpPr>
+            <a:spLocks noGrp="1"/>
+          </p:cNvSpPr>
+          <p:nvPr>
+            <p:ph type="title"/>
+          </p:nvPr>
+        </p:nvSpPr>
+        <p:spPr/>
+        <p:txBody>
+          <a:bodyPr/>
+          <a:p>
+            <a:r>
+              <a:rPr lang="zh-CN"/>
+              <a:t>顺便宣传一下小彭老师的插件全家桶：</a:t>
+            </a:r>
+            <a:r>
+              <a:rPr lang="en-US" altLang="zh-CN"/>
+              <a:t>github.com/archibate/vimrc</a:t>
+            </a:r>
+            <a:endParaRPr lang="en-US" altLang="zh-CN"/>
+          </a:p>
+        </p:txBody>
+      </p:sp>
+      <p:pic>
+        <p:nvPicPr>
+          <p:cNvPr id="8" name="Content Placeholder 7"/>
+          <p:cNvPicPr>
+            <a:picLocks noChangeAspect="1"/>
+          </p:cNvPicPr>
+          <p:nvPr>
+            <p:ph sz="half" idx="2"/>
+          </p:nvPr>
+        </p:nvPicPr>
+        <p:blipFill>
+          <a:blip r:embed="rId1"/>
+          <a:stretch>
+            <a:fillRect/>
+          </a:stretch>
+        </p:blipFill>
+        <p:spPr>
+          <a:xfrm>
+            <a:off x="6691630" y="1480820"/>
+            <a:ext cx="5171440" cy="4893945"/>
+          </a:xfrm>
+          <a:prstGeom prst="rect">
+            <a:avLst/>
+          </a:prstGeom>
+        </p:spPr>
+      </p:pic>
+      <p:pic>
+        <p:nvPicPr>
+          <p:cNvPr id="10" name="Content Placeholder 9"/>
+          <p:cNvPicPr>
+            <a:picLocks noChangeAspect="1"/>
+          </p:cNvPicPr>
+          <p:nvPr>
+            <p:ph sz="half" idx="1"/>
+          </p:nvPr>
+        </p:nvPicPr>
+        <p:blipFill>
+          <a:blip r:embed="rId2"/>
+          <a:stretch>
+            <a:fillRect/>
+          </a:stretch>
+        </p:blipFill>
+        <p:spPr>
+          <a:xfrm>
+            <a:off x="208280" y="1584325"/>
+            <a:ext cx="6285230" cy="4747260"/>
           </a:xfrm>
           <a:prstGeom prst="rect">
             <a:avLst/>
